--- a/docs/Презентация ВКР.pptx
+++ b/docs/Презентация ВКР.pptx
@@ -2,7 +2,7 @@
 <file path=ppt/presentation.xml><?xml version="1.0" encoding="utf-8"?>
 <p:presentation xmlns:a="http://schemas.openxmlformats.org/drawingml/2006/main" xmlns:r="http://schemas.openxmlformats.org/officeDocument/2006/relationships" xmlns:p="http://schemas.openxmlformats.org/presentationml/2006/main" saveSubsetFonts="1">
   <p:sldMasterIdLst>
-    <p:sldMasterId id="2147483648" r:id="rId1"/>
+    <p:sldMasterId id="2147483789" r:id="rId1"/>
   </p:sldMasterIdLst>
   <p:sldIdLst>
     <p:sldId id="256" r:id="rId2"/>
@@ -104,6 +104,11 @@
       </a:defRPr>
     </a:lvl9pPr>
   </p:defaultTextStyle>
+  <p:extLst>
+    <p:ext uri="{EFAFB233-063F-42B5-8137-9DF3F51BA10A}">
+      <p15:sldGuideLst xmlns:p15="http://schemas.microsoft.com/office/powerpoint/2012/main"/>
+    </p:ext>
+  </p:extLst>
 </p:presentation>
 </file>
 
@@ -126,7 +131,7 @@
       </p:grpSpPr>
       <p:sp>
         <p:nvSpPr>
-          <p:cNvPr id="2" name="Заголовок 1"/>
+          <p:cNvPr id="2" name="Title 1"/>
           <p:cNvSpPr>
             <a:spLocks noGrp="1"/>
           </p:cNvSpPr>
@@ -136,15 +141,17 @@
         </p:nvSpPr>
         <p:spPr>
           <a:xfrm>
-            <a:off x="1524000" y="1122363"/>
-            <a:ext cx="9144000" cy="2387600"/>
+            <a:off x="2589213" y="2514600"/>
+            <a:ext cx="8915399" cy="2262781"/>
           </a:xfrm>
         </p:spPr>
         <p:txBody>
-          <a:bodyPr anchor="b"/>
+          <a:bodyPr anchor="b">
+            <a:normAutofit/>
+          </a:bodyPr>
           <a:lstStyle>
-            <a:lvl1pPr algn="ctr">
-              <a:defRPr sz="6000"/>
+            <a:lvl1pPr>
+              <a:defRPr sz="5400"/>
             </a:lvl1pPr>
           </a:lstStyle>
           <a:p>
@@ -152,13 +159,13 @@
               <a:rPr lang="ru-RU" smtClean="0"/>
               <a:t>Образец заголовка</a:t>
             </a:r>
-            <a:endParaRPr lang="en-US"/>
-          </a:p>
-        </p:txBody>
-      </p:sp>
-      <p:sp>
-        <p:nvSpPr>
-          <p:cNvPr id="3" name="Подзаголовок 2"/>
+            <a:endParaRPr lang="en-US" dirty="0"/>
+          </a:p>
+        </p:txBody>
+      </p:sp>
+      <p:sp>
+        <p:nvSpPr>
+          <p:cNvPr id="3" name="Subtitle 2"/>
           <p:cNvSpPr>
             <a:spLocks noGrp="1"/>
           </p:cNvSpPr>
@@ -168,48 +175,103 @@
         </p:nvSpPr>
         <p:spPr>
           <a:xfrm>
-            <a:off x="1524000" y="3602038"/>
-            <a:ext cx="9144000" cy="1655762"/>
+            <a:off x="2589213" y="4777379"/>
+            <a:ext cx="8915399" cy="1126283"/>
           </a:xfrm>
         </p:spPr>
         <p:txBody>
-          <a:bodyPr/>
+          <a:bodyPr anchor="t"/>
           <a:lstStyle>
-            <a:lvl1pPr marL="0" indent="0" algn="ctr">
-              <a:buNone/>
-              <a:defRPr sz="2400"/>
+            <a:lvl1pPr marL="0" indent="0" algn="l">
+              <a:buNone/>
+              <a:defRPr>
+                <a:solidFill>
+                  <a:schemeClr val="tx1">
+                    <a:lumMod val="65000"/>
+                    <a:lumOff val="35000"/>
+                  </a:schemeClr>
+                </a:solidFill>
+              </a:defRPr>
             </a:lvl1pPr>
             <a:lvl2pPr marL="457200" indent="0" algn="ctr">
               <a:buNone/>
-              <a:defRPr sz="2000"/>
+              <a:defRPr>
+                <a:solidFill>
+                  <a:schemeClr val="tx1">
+                    <a:tint val="75000"/>
+                  </a:schemeClr>
+                </a:solidFill>
+              </a:defRPr>
             </a:lvl2pPr>
             <a:lvl3pPr marL="914400" indent="0" algn="ctr">
               <a:buNone/>
-              <a:defRPr sz="1800"/>
+              <a:defRPr>
+                <a:solidFill>
+                  <a:schemeClr val="tx1">
+                    <a:tint val="75000"/>
+                  </a:schemeClr>
+                </a:solidFill>
+              </a:defRPr>
             </a:lvl3pPr>
             <a:lvl4pPr marL="1371600" indent="0" algn="ctr">
               <a:buNone/>
-              <a:defRPr sz="1600"/>
+              <a:defRPr>
+                <a:solidFill>
+                  <a:schemeClr val="tx1">
+                    <a:tint val="75000"/>
+                  </a:schemeClr>
+                </a:solidFill>
+              </a:defRPr>
             </a:lvl4pPr>
             <a:lvl5pPr marL="1828800" indent="0" algn="ctr">
               <a:buNone/>
-              <a:defRPr sz="1600"/>
+              <a:defRPr>
+                <a:solidFill>
+                  <a:schemeClr val="tx1">
+                    <a:tint val="75000"/>
+                  </a:schemeClr>
+                </a:solidFill>
+              </a:defRPr>
             </a:lvl5pPr>
             <a:lvl6pPr marL="2286000" indent="0" algn="ctr">
               <a:buNone/>
-              <a:defRPr sz="1600"/>
+              <a:defRPr>
+                <a:solidFill>
+                  <a:schemeClr val="tx1">
+                    <a:tint val="75000"/>
+                  </a:schemeClr>
+                </a:solidFill>
+              </a:defRPr>
             </a:lvl6pPr>
             <a:lvl7pPr marL="2743200" indent="0" algn="ctr">
               <a:buNone/>
-              <a:defRPr sz="1600"/>
+              <a:defRPr>
+                <a:solidFill>
+                  <a:schemeClr val="tx1">
+                    <a:tint val="75000"/>
+                  </a:schemeClr>
+                </a:solidFill>
+              </a:defRPr>
             </a:lvl7pPr>
             <a:lvl8pPr marL="3200400" indent="0" algn="ctr">
               <a:buNone/>
-              <a:defRPr sz="1600"/>
+              <a:defRPr>
+                <a:solidFill>
+                  <a:schemeClr val="tx1">
+                    <a:tint val="75000"/>
+                  </a:schemeClr>
+                </a:solidFill>
+              </a:defRPr>
             </a:lvl8pPr>
             <a:lvl9pPr marL="3657600" indent="0" algn="ctr">
               <a:buNone/>
-              <a:defRPr sz="1600"/>
+              <a:defRPr>
+                <a:solidFill>
+                  <a:schemeClr val="tx1">
+                    <a:tint val="75000"/>
+                  </a:schemeClr>
+                </a:solidFill>
+              </a:defRPr>
             </a:lvl9pPr>
           </a:lstStyle>
           <a:p>
@@ -217,13 +279,13 @@
               <a:rPr lang="ru-RU" smtClean="0"/>
               <a:t>Образец подзаголовка</a:t>
             </a:r>
-            <a:endParaRPr lang="en-US"/>
-          </a:p>
-        </p:txBody>
-      </p:sp>
-      <p:sp>
-        <p:nvSpPr>
-          <p:cNvPr id="4" name="Дата 3"/>
+            <a:endParaRPr lang="en-US" dirty="0"/>
+          </a:p>
+        </p:txBody>
+      </p:sp>
+      <p:sp>
+        <p:nvSpPr>
+          <p:cNvPr id="4" name="Date Placeholder 3"/>
           <p:cNvSpPr>
             <a:spLocks noGrp="1"/>
           </p:cNvSpPr>
@@ -238,7 +300,7 @@
           <a:p>
             <a:fld id="{8A5229FB-8832-4A27-994F-F3EDC38C3527}" type="datetimeFigureOut">
               <a:rPr lang="en-US" smtClean="0"/>
-              <a:t>3/24/2020</a:t>
+              <a:t>3/26/2020</a:t>
             </a:fld>
             <a:endParaRPr lang="en-US"/>
           </a:p>
@@ -246,7 +308,7 @@
       </p:sp>
       <p:sp>
         <p:nvSpPr>
-          <p:cNvPr id="5" name="Нижний колонтитул 4"/>
+          <p:cNvPr id="5" name="Footer Placeholder 4"/>
           <p:cNvSpPr>
             <a:spLocks noGrp="1"/>
           </p:cNvSpPr>
@@ -265,7 +327,89 @@
       </p:sp>
       <p:sp>
         <p:nvSpPr>
-          <p:cNvPr id="6" name="Номер слайда 5"/>
+          <p:cNvPr id="7" name="Freeform 6"/>
+          <p:cNvSpPr/>
+          <p:nvPr/>
+        </p:nvSpPr>
+        <p:spPr bwMode="auto">
+          <a:xfrm>
+            <a:off x="0" y="4323810"/>
+            <a:ext cx="1744652" cy="778589"/>
+          </a:xfrm>
+          <a:custGeom>
+            <a:avLst/>
+            <a:gdLst/>
+            <a:ahLst/>
+            <a:cxnLst/>
+            <a:rect l="0" t="0" r="r" b="b"/>
+            <a:pathLst>
+              <a:path w="372" h="166">
+                <a:moveTo>
+                  <a:pt x="287" y="166"/>
+                </a:moveTo>
+                <a:cubicBezTo>
+                  <a:pt x="290" y="166"/>
+                  <a:pt x="292" y="165"/>
+                  <a:pt x="293" y="164"/>
+                </a:cubicBezTo>
+                <a:cubicBezTo>
+                  <a:pt x="293" y="163"/>
+                  <a:pt x="294" y="163"/>
+                  <a:pt x="294" y="163"/>
+                </a:cubicBezTo>
+                <a:cubicBezTo>
+                  <a:pt x="370" y="87"/>
+                  <a:pt x="370" y="87"/>
+                  <a:pt x="370" y="87"/>
+                </a:cubicBezTo>
+                <a:cubicBezTo>
+                  <a:pt x="372" y="85"/>
+                  <a:pt x="372" y="81"/>
+                  <a:pt x="370" y="78"/>
+                </a:cubicBezTo>
+                <a:cubicBezTo>
+                  <a:pt x="294" y="3"/>
+                  <a:pt x="294" y="3"/>
+                  <a:pt x="294" y="3"/>
+                </a:cubicBezTo>
+                <a:cubicBezTo>
+                  <a:pt x="294" y="2"/>
+                  <a:pt x="293" y="2"/>
+                  <a:pt x="293" y="2"/>
+                </a:cubicBezTo>
+                <a:cubicBezTo>
+                  <a:pt x="292" y="1"/>
+                  <a:pt x="290" y="0"/>
+                  <a:pt x="287" y="0"/>
+                </a:cubicBezTo>
+                <a:cubicBezTo>
+                  <a:pt x="0" y="0"/>
+                  <a:pt x="0" y="0"/>
+                  <a:pt x="0" y="0"/>
+                </a:cubicBezTo>
+                <a:cubicBezTo>
+                  <a:pt x="0" y="166"/>
+                  <a:pt x="0" y="166"/>
+                  <a:pt x="0" y="166"/>
+                </a:cubicBezTo>
+                <a:lnTo>
+                  <a:pt x="287" y="166"/>
+                </a:lnTo>
+                <a:close/>
+              </a:path>
+            </a:pathLst>
+          </a:custGeom>
+          <a:solidFill>
+            <a:schemeClr val="accent1"/>
+          </a:solidFill>
+          <a:ln>
+            <a:noFill/>
+          </a:ln>
+        </p:spPr>
+      </p:sp>
+      <p:sp>
+        <p:nvSpPr>
+          <p:cNvPr id="6" name="Slide Number Placeholder 5"/>
           <p:cNvSpPr>
             <a:spLocks noGrp="1"/>
           </p:cNvSpPr>
@@ -273,7 +417,12 @@
             <p:ph type="sldNum" sz="quarter" idx="12"/>
           </p:nvPr>
         </p:nvSpPr>
-        <p:spPr/>
+        <p:spPr>
+          <a:xfrm>
+            <a:off x="531812" y="4529540"/>
+            <a:ext cx="779767" cy="365125"/>
+          </a:xfrm>
+        </p:spPr>
         <p:txBody>
           <a:bodyPr/>
           <a:lstStyle/>
@@ -289,7 +438,7 @@
     </p:spTree>
     <p:extLst>
       <p:ext uri="{BB962C8B-B14F-4D97-AF65-F5344CB8AC3E}">
-        <p14:creationId xmlns:p14="http://schemas.microsoft.com/office/powerpoint/2010/main" val="29984573"/>
+        <p14:creationId xmlns:p14="http://schemas.microsoft.com/office/powerpoint/2010/main" val="3389794536"/>
       </p:ext>
     </p:extLst>
   </p:cSld>
@@ -300,6 +449,1797 @@
 </file>
 
 <file path=ppt/slideLayouts/slideLayout10.xml><?xml version="1.0" encoding="utf-8"?>
+<p:sldLayout xmlns:a="http://schemas.openxmlformats.org/drawingml/2006/main" xmlns:r="http://schemas.openxmlformats.org/officeDocument/2006/relationships" xmlns:p="http://schemas.openxmlformats.org/presentationml/2006/main" preserve="1">
+  <p:cSld name="Заголовок и подпись">
+    <p:spTree>
+      <p:nvGrpSpPr>
+        <p:cNvPr id="1" name=""/>
+        <p:cNvGrpSpPr/>
+        <p:nvPr/>
+      </p:nvGrpSpPr>
+      <p:grpSpPr>
+        <a:xfrm>
+          <a:off x="0" y="0"/>
+          <a:ext cx="0" cy="0"/>
+          <a:chOff x="0" y="0"/>
+          <a:chExt cx="0" cy="0"/>
+        </a:xfrm>
+      </p:grpSpPr>
+      <p:sp>
+        <p:nvSpPr>
+          <p:cNvPr id="2" name="Title 1"/>
+          <p:cNvSpPr>
+            <a:spLocks noGrp="1"/>
+          </p:cNvSpPr>
+          <p:nvPr>
+            <p:ph type="title"/>
+          </p:nvPr>
+        </p:nvSpPr>
+        <p:spPr>
+          <a:xfrm>
+            <a:off x="2589212" y="609600"/>
+            <a:ext cx="8915399" cy="3117040"/>
+          </a:xfrm>
+        </p:spPr>
+        <p:txBody>
+          <a:bodyPr anchor="ctr">
+            <a:normAutofit/>
+          </a:bodyPr>
+          <a:lstStyle>
+            <a:lvl1pPr algn="l">
+              <a:defRPr sz="4800" b="0" cap="none"/>
+            </a:lvl1pPr>
+          </a:lstStyle>
+          <a:p>
+            <a:r>
+              <a:rPr lang="ru-RU" smtClean="0"/>
+              <a:t>Образец заголовка</a:t>
+            </a:r>
+            <a:endParaRPr lang="en-US" dirty="0"/>
+          </a:p>
+        </p:txBody>
+      </p:sp>
+      <p:sp>
+        <p:nvSpPr>
+          <p:cNvPr id="3" name="Text Placeholder 2"/>
+          <p:cNvSpPr>
+            <a:spLocks noGrp="1"/>
+          </p:cNvSpPr>
+          <p:nvPr>
+            <p:ph type="body" idx="1"/>
+          </p:nvPr>
+        </p:nvSpPr>
+        <p:spPr>
+          <a:xfrm>
+            <a:off x="2589212" y="4354046"/>
+            <a:ext cx="8915399" cy="1555864"/>
+          </a:xfrm>
+        </p:spPr>
+        <p:txBody>
+          <a:bodyPr anchor="ctr">
+            <a:normAutofit/>
+          </a:bodyPr>
+          <a:lstStyle>
+            <a:lvl1pPr marL="0" indent="0" algn="l">
+              <a:buNone/>
+              <a:defRPr sz="1800">
+                <a:solidFill>
+                  <a:schemeClr val="tx1">
+                    <a:lumMod val="65000"/>
+                    <a:lumOff val="35000"/>
+                  </a:schemeClr>
+                </a:solidFill>
+              </a:defRPr>
+            </a:lvl1pPr>
+            <a:lvl2pPr marL="457200" indent="0">
+              <a:buNone/>
+              <a:defRPr sz="1800">
+                <a:solidFill>
+                  <a:schemeClr val="tx1">
+                    <a:tint val="75000"/>
+                  </a:schemeClr>
+                </a:solidFill>
+              </a:defRPr>
+            </a:lvl2pPr>
+            <a:lvl3pPr marL="914400" indent="0">
+              <a:buNone/>
+              <a:defRPr sz="1600">
+                <a:solidFill>
+                  <a:schemeClr val="tx1">
+                    <a:tint val="75000"/>
+                  </a:schemeClr>
+                </a:solidFill>
+              </a:defRPr>
+            </a:lvl3pPr>
+            <a:lvl4pPr marL="1371600" indent="0">
+              <a:buNone/>
+              <a:defRPr sz="1400">
+                <a:solidFill>
+                  <a:schemeClr val="tx1">
+                    <a:tint val="75000"/>
+                  </a:schemeClr>
+                </a:solidFill>
+              </a:defRPr>
+            </a:lvl4pPr>
+            <a:lvl5pPr marL="1828800" indent="0">
+              <a:buNone/>
+              <a:defRPr sz="1400">
+                <a:solidFill>
+                  <a:schemeClr val="tx1">
+                    <a:tint val="75000"/>
+                  </a:schemeClr>
+                </a:solidFill>
+              </a:defRPr>
+            </a:lvl5pPr>
+            <a:lvl6pPr marL="2286000" indent="0">
+              <a:buNone/>
+              <a:defRPr sz="1400">
+                <a:solidFill>
+                  <a:schemeClr val="tx1">
+                    <a:tint val="75000"/>
+                  </a:schemeClr>
+                </a:solidFill>
+              </a:defRPr>
+            </a:lvl6pPr>
+            <a:lvl7pPr marL="2743200" indent="0">
+              <a:buNone/>
+              <a:defRPr sz="1400">
+                <a:solidFill>
+                  <a:schemeClr val="tx1">
+                    <a:tint val="75000"/>
+                  </a:schemeClr>
+                </a:solidFill>
+              </a:defRPr>
+            </a:lvl7pPr>
+            <a:lvl8pPr marL="3200400" indent="0">
+              <a:buNone/>
+              <a:defRPr sz="1400">
+                <a:solidFill>
+                  <a:schemeClr val="tx1">
+                    <a:tint val="75000"/>
+                  </a:schemeClr>
+                </a:solidFill>
+              </a:defRPr>
+            </a:lvl8pPr>
+            <a:lvl9pPr marL="3657600" indent="0">
+              <a:buNone/>
+              <a:defRPr sz="1400">
+                <a:solidFill>
+                  <a:schemeClr val="tx1">
+                    <a:tint val="75000"/>
+                  </a:schemeClr>
+                </a:solidFill>
+              </a:defRPr>
+            </a:lvl9pPr>
+          </a:lstStyle>
+          <a:p>
+            <a:pPr lvl="0"/>
+            <a:r>
+              <a:rPr lang="ru-RU" smtClean="0"/>
+              <a:t>Образец текста</a:t>
+            </a:r>
+          </a:p>
+        </p:txBody>
+      </p:sp>
+      <p:sp>
+        <p:nvSpPr>
+          <p:cNvPr id="4" name="Date Placeholder 3"/>
+          <p:cNvSpPr>
+            <a:spLocks noGrp="1"/>
+          </p:cNvSpPr>
+          <p:nvPr>
+            <p:ph type="dt" sz="half" idx="10"/>
+          </p:nvPr>
+        </p:nvSpPr>
+        <p:spPr/>
+        <p:txBody>
+          <a:bodyPr/>
+          <a:lstStyle/>
+          <a:p>
+            <a:fld id="{8A5229FB-8832-4A27-994F-F3EDC38C3527}" type="datetimeFigureOut">
+              <a:rPr lang="en-US" smtClean="0"/>
+              <a:t>3/26/2020</a:t>
+            </a:fld>
+            <a:endParaRPr lang="en-US"/>
+          </a:p>
+        </p:txBody>
+      </p:sp>
+      <p:sp>
+        <p:nvSpPr>
+          <p:cNvPr id="5" name="Footer Placeholder 4"/>
+          <p:cNvSpPr>
+            <a:spLocks noGrp="1"/>
+          </p:cNvSpPr>
+          <p:nvPr>
+            <p:ph type="ftr" sz="quarter" idx="11"/>
+          </p:nvPr>
+        </p:nvSpPr>
+        <p:spPr/>
+        <p:txBody>
+          <a:bodyPr/>
+          <a:lstStyle/>
+          <a:p>
+            <a:endParaRPr lang="en-US"/>
+          </a:p>
+        </p:txBody>
+      </p:sp>
+      <p:sp>
+        <p:nvSpPr>
+          <p:cNvPr id="9" name="Freeform 11"/>
+          <p:cNvSpPr/>
+          <p:nvPr/>
+        </p:nvSpPr>
+        <p:spPr bwMode="auto">
+          <a:xfrm flipV="1">
+            <a:off x="-4189" y="3178175"/>
+            <a:ext cx="1588527" cy="507297"/>
+          </a:xfrm>
+          <a:custGeom>
+            <a:avLst/>
+            <a:gdLst/>
+            <a:ahLst/>
+            <a:cxnLst/>
+            <a:rect l="l" t="t" r="r" b="b"/>
+            <a:pathLst>
+              <a:path w="9248" h="10000">
+                <a:moveTo>
+                  <a:pt x="9248" y="4701"/>
+                </a:moveTo>
+                <a:lnTo>
+                  <a:pt x="7915" y="188"/>
+                </a:lnTo>
+                <a:cubicBezTo>
+                  <a:pt x="7906" y="156"/>
+                  <a:pt x="7895" y="126"/>
+                  <a:pt x="7886" y="94"/>
+                </a:cubicBezTo>
+                <a:cubicBezTo>
+                  <a:pt x="7859" y="0"/>
+                  <a:pt x="7831" y="0"/>
+                  <a:pt x="7803" y="0"/>
+                </a:cubicBezTo>
+                <a:lnTo>
+                  <a:pt x="7275" y="0"/>
+                </a:lnTo>
+                <a:lnTo>
+                  <a:pt x="0" y="70"/>
+                </a:lnTo>
+                <a:cubicBezTo>
+                  <a:pt x="8" y="3380"/>
+                  <a:pt x="17" y="6690"/>
+                  <a:pt x="25" y="10000"/>
+                </a:cubicBezTo>
+                <a:lnTo>
+                  <a:pt x="7275" y="9966"/>
+                </a:lnTo>
+                <a:lnTo>
+                  <a:pt x="7803" y="9966"/>
+                </a:lnTo>
+                <a:cubicBezTo>
+                  <a:pt x="7831" y="9966"/>
+                  <a:pt x="7859" y="9872"/>
+                  <a:pt x="7886" y="9872"/>
+                </a:cubicBezTo>
+                <a:cubicBezTo>
+                  <a:pt x="7886" y="9778"/>
+                  <a:pt x="7915" y="9778"/>
+                  <a:pt x="7915" y="9778"/>
+                </a:cubicBezTo>
+                <a:lnTo>
+                  <a:pt x="9248" y="5265"/>
+                </a:lnTo>
+                <a:cubicBezTo>
+                  <a:pt x="9303" y="5077"/>
+                  <a:pt x="9303" y="4889"/>
+                  <a:pt x="9248" y="4701"/>
+                </a:cubicBezTo>
+                <a:close/>
+              </a:path>
+            </a:pathLst>
+          </a:custGeom>
+          <a:solidFill>
+            <a:schemeClr val="accent1"/>
+          </a:solidFill>
+          <a:ln>
+            <a:noFill/>
+          </a:ln>
+        </p:spPr>
+      </p:sp>
+      <p:sp>
+        <p:nvSpPr>
+          <p:cNvPr id="6" name="Slide Number Placeholder 5"/>
+          <p:cNvSpPr>
+            <a:spLocks noGrp="1"/>
+          </p:cNvSpPr>
+          <p:nvPr>
+            <p:ph type="sldNum" sz="quarter" idx="12"/>
+          </p:nvPr>
+        </p:nvSpPr>
+        <p:spPr>
+          <a:xfrm>
+            <a:off x="531812" y="3244139"/>
+            <a:ext cx="779767" cy="365125"/>
+          </a:xfrm>
+        </p:spPr>
+        <p:txBody>
+          <a:bodyPr/>
+          <a:lstStyle/>
+          <a:p>
+            <a:fld id="{16E77628-591A-41A7-9C34-6D80C5E12447}" type="slidenum">
+              <a:rPr lang="en-US" smtClean="0"/>
+              <a:t>‹#›</a:t>
+            </a:fld>
+            <a:endParaRPr lang="en-US"/>
+          </a:p>
+        </p:txBody>
+      </p:sp>
+    </p:spTree>
+    <p:extLst>
+      <p:ext uri="{BB962C8B-B14F-4D97-AF65-F5344CB8AC3E}">
+        <p14:creationId xmlns:p14="http://schemas.microsoft.com/office/powerpoint/2010/main" val="1212331171"/>
+      </p:ext>
+    </p:extLst>
+  </p:cSld>
+  <p:clrMapOvr>
+    <a:masterClrMapping/>
+  </p:clrMapOvr>
+</p:sldLayout>
+</file>
+
+<file path=ppt/slideLayouts/slideLayout11.xml><?xml version="1.0" encoding="utf-8"?>
+<p:sldLayout xmlns:a="http://schemas.openxmlformats.org/drawingml/2006/main" xmlns:r="http://schemas.openxmlformats.org/officeDocument/2006/relationships" xmlns:p="http://schemas.openxmlformats.org/presentationml/2006/main" preserve="1">
+  <p:cSld name="Цитата с подписью">
+    <p:spTree>
+      <p:nvGrpSpPr>
+        <p:cNvPr id="1" name=""/>
+        <p:cNvGrpSpPr/>
+        <p:nvPr/>
+      </p:nvGrpSpPr>
+      <p:grpSpPr>
+        <a:xfrm>
+          <a:off x="0" y="0"/>
+          <a:ext cx="0" cy="0"/>
+          <a:chOff x="0" y="0"/>
+          <a:chExt cx="0" cy="0"/>
+        </a:xfrm>
+      </p:grpSpPr>
+      <p:sp>
+        <p:nvSpPr>
+          <p:cNvPr id="2" name="Title 1"/>
+          <p:cNvSpPr>
+            <a:spLocks noGrp="1"/>
+          </p:cNvSpPr>
+          <p:nvPr>
+            <p:ph type="title"/>
+          </p:nvPr>
+        </p:nvSpPr>
+        <p:spPr>
+          <a:xfrm>
+            <a:off x="2849949" y="609600"/>
+            <a:ext cx="8393926" cy="2895600"/>
+          </a:xfrm>
+        </p:spPr>
+        <p:txBody>
+          <a:bodyPr anchor="ctr">
+            <a:normAutofit/>
+          </a:bodyPr>
+          <a:lstStyle>
+            <a:lvl1pPr algn="l">
+              <a:defRPr sz="4800" b="0" cap="none"/>
+            </a:lvl1pPr>
+          </a:lstStyle>
+          <a:p>
+            <a:r>
+              <a:rPr lang="ru-RU" smtClean="0"/>
+              <a:t>Образец заголовка</a:t>
+            </a:r>
+            <a:endParaRPr lang="en-US" dirty="0"/>
+          </a:p>
+        </p:txBody>
+      </p:sp>
+      <p:sp>
+        <p:nvSpPr>
+          <p:cNvPr id="13" name="Text Placeholder 9"/>
+          <p:cNvSpPr>
+            <a:spLocks noGrp="1"/>
+          </p:cNvSpPr>
+          <p:nvPr>
+            <p:ph type="body" sz="quarter" idx="13"/>
+          </p:nvPr>
+        </p:nvSpPr>
+        <p:spPr>
+          <a:xfrm>
+            <a:off x="3275012" y="3505200"/>
+            <a:ext cx="7536554" cy="381000"/>
+          </a:xfrm>
+        </p:spPr>
+        <p:txBody>
+          <a:bodyPr anchor="ctr">
+            <a:noAutofit/>
+          </a:bodyPr>
+          <a:lstStyle>
+            <a:lvl1pPr marL="0" indent="0">
+              <a:buFontTx/>
+              <a:buNone/>
+              <a:defRPr sz="1600">
+                <a:solidFill>
+                  <a:schemeClr val="tx1">
+                    <a:lumMod val="50000"/>
+                    <a:lumOff val="50000"/>
+                  </a:schemeClr>
+                </a:solidFill>
+              </a:defRPr>
+            </a:lvl1pPr>
+            <a:lvl2pPr marL="457200" indent="0">
+              <a:buFontTx/>
+              <a:buNone/>
+              <a:defRPr/>
+            </a:lvl2pPr>
+            <a:lvl3pPr marL="914400" indent="0">
+              <a:buFontTx/>
+              <a:buNone/>
+              <a:defRPr/>
+            </a:lvl3pPr>
+            <a:lvl4pPr marL="1371600" indent="0">
+              <a:buFontTx/>
+              <a:buNone/>
+              <a:defRPr/>
+            </a:lvl4pPr>
+            <a:lvl5pPr marL="1828800" indent="0">
+              <a:buFontTx/>
+              <a:buNone/>
+              <a:defRPr/>
+            </a:lvl5pPr>
+          </a:lstStyle>
+          <a:p>
+            <a:pPr lvl="0"/>
+            <a:r>
+              <a:rPr lang="ru-RU" smtClean="0"/>
+              <a:t>Образец текста</a:t>
+            </a:r>
+          </a:p>
+        </p:txBody>
+      </p:sp>
+      <p:sp>
+        <p:nvSpPr>
+          <p:cNvPr id="3" name="Text Placeholder 2"/>
+          <p:cNvSpPr>
+            <a:spLocks noGrp="1"/>
+          </p:cNvSpPr>
+          <p:nvPr>
+            <p:ph type="body" idx="1"/>
+          </p:nvPr>
+        </p:nvSpPr>
+        <p:spPr>
+          <a:xfrm>
+            <a:off x="2589212" y="4354046"/>
+            <a:ext cx="8915399" cy="1555864"/>
+          </a:xfrm>
+        </p:spPr>
+        <p:txBody>
+          <a:bodyPr anchor="ctr">
+            <a:normAutofit/>
+          </a:bodyPr>
+          <a:lstStyle>
+            <a:lvl1pPr marL="0" indent="0" algn="l">
+              <a:buNone/>
+              <a:defRPr sz="1800">
+                <a:solidFill>
+                  <a:schemeClr val="tx1">
+                    <a:lumMod val="65000"/>
+                    <a:lumOff val="35000"/>
+                  </a:schemeClr>
+                </a:solidFill>
+              </a:defRPr>
+            </a:lvl1pPr>
+            <a:lvl2pPr marL="457200" indent="0">
+              <a:buNone/>
+              <a:defRPr sz="1800">
+                <a:solidFill>
+                  <a:schemeClr val="tx1">
+                    <a:tint val="75000"/>
+                  </a:schemeClr>
+                </a:solidFill>
+              </a:defRPr>
+            </a:lvl2pPr>
+            <a:lvl3pPr marL="914400" indent="0">
+              <a:buNone/>
+              <a:defRPr sz="1600">
+                <a:solidFill>
+                  <a:schemeClr val="tx1">
+                    <a:tint val="75000"/>
+                  </a:schemeClr>
+                </a:solidFill>
+              </a:defRPr>
+            </a:lvl3pPr>
+            <a:lvl4pPr marL="1371600" indent="0">
+              <a:buNone/>
+              <a:defRPr sz="1400">
+                <a:solidFill>
+                  <a:schemeClr val="tx1">
+                    <a:tint val="75000"/>
+                  </a:schemeClr>
+                </a:solidFill>
+              </a:defRPr>
+            </a:lvl4pPr>
+            <a:lvl5pPr marL="1828800" indent="0">
+              <a:buNone/>
+              <a:defRPr sz="1400">
+                <a:solidFill>
+                  <a:schemeClr val="tx1">
+                    <a:tint val="75000"/>
+                  </a:schemeClr>
+                </a:solidFill>
+              </a:defRPr>
+            </a:lvl5pPr>
+            <a:lvl6pPr marL="2286000" indent="0">
+              <a:buNone/>
+              <a:defRPr sz="1400">
+                <a:solidFill>
+                  <a:schemeClr val="tx1">
+                    <a:tint val="75000"/>
+                  </a:schemeClr>
+                </a:solidFill>
+              </a:defRPr>
+            </a:lvl6pPr>
+            <a:lvl7pPr marL="2743200" indent="0">
+              <a:buNone/>
+              <a:defRPr sz="1400">
+                <a:solidFill>
+                  <a:schemeClr val="tx1">
+                    <a:tint val="75000"/>
+                  </a:schemeClr>
+                </a:solidFill>
+              </a:defRPr>
+            </a:lvl7pPr>
+            <a:lvl8pPr marL="3200400" indent="0">
+              <a:buNone/>
+              <a:defRPr sz="1400">
+                <a:solidFill>
+                  <a:schemeClr val="tx1">
+                    <a:tint val="75000"/>
+                  </a:schemeClr>
+                </a:solidFill>
+              </a:defRPr>
+            </a:lvl8pPr>
+            <a:lvl9pPr marL="3657600" indent="0">
+              <a:buNone/>
+              <a:defRPr sz="1400">
+                <a:solidFill>
+                  <a:schemeClr val="tx1">
+                    <a:tint val="75000"/>
+                  </a:schemeClr>
+                </a:solidFill>
+              </a:defRPr>
+            </a:lvl9pPr>
+          </a:lstStyle>
+          <a:p>
+            <a:pPr lvl="0"/>
+            <a:r>
+              <a:rPr lang="ru-RU" smtClean="0"/>
+              <a:t>Образец текста</a:t>
+            </a:r>
+          </a:p>
+        </p:txBody>
+      </p:sp>
+      <p:sp>
+        <p:nvSpPr>
+          <p:cNvPr id="4" name="Date Placeholder 3"/>
+          <p:cNvSpPr>
+            <a:spLocks noGrp="1"/>
+          </p:cNvSpPr>
+          <p:nvPr>
+            <p:ph type="dt" sz="half" idx="10"/>
+          </p:nvPr>
+        </p:nvSpPr>
+        <p:spPr/>
+        <p:txBody>
+          <a:bodyPr/>
+          <a:lstStyle/>
+          <a:p>
+            <a:fld id="{8A5229FB-8832-4A27-994F-F3EDC38C3527}" type="datetimeFigureOut">
+              <a:rPr lang="en-US" smtClean="0"/>
+              <a:t>3/26/2020</a:t>
+            </a:fld>
+            <a:endParaRPr lang="en-US"/>
+          </a:p>
+        </p:txBody>
+      </p:sp>
+      <p:sp>
+        <p:nvSpPr>
+          <p:cNvPr id="5" name="Footer Placeholder 4"/>
+          <p:cNvSpPr>
+            <a:spLocks noGrp="1"/>
+          </p:cNvSpPr>
+          <p:nvPr>
+            <p:ph type="ftr" sz="quarter" idx="11"/>
+          </p:nvPr>
+        </p:nvSpPr>
+        <p:spPr/>
+        <p:txBody>
+          <a:bodyPr/>
+          <a:lstStyle/>
+          <a:p>
+            <a:endParaRPr lang="en-US"/>
+          </a:p>
+        </p:txBody>
+      </p:sp>
+      <p:sp>
+        <p:nvSpPr>
+          <p:cNvPr id="11" name="Freeform 11"/>
+          <p:cNvSpPr/>
+          <p:nvPr/>
+        </p:nvSpPr>
+        <p:spPr bwMode="auto">
+          <a:xfrm flipV="1">
+            <a:off x="-4189" y="3178175"/>
+            <a:ext cx="1588527" cy="507297"/>
+          </a:xfrm>
+          <a:custGeom>
+            <a:avLst/>
+            <a:gdLst/>
+            <a:ahLst/>
+            <a:cxnLst/>
+            <a:rect l="l" t="t" r="r" b="b"/>
+            <a:pathLst>
+              <a:path w="9248" h="10000">
+                <a:moveTo>
+                  <a:pt x="9248" y="4701"/>
+                </a:moveTo>
+                <a:lnTo>
+                  <a:pt x="7915" y="188"/>
+                </a:lnTo>
+                <a:cubicBezTo>
+                  <a:pt x="7906" y="156"/>
+                  <a:pt x="7895" y="126"/>
+                  <a:pt x="7886" y="94"/>
+                </a:cubicBezTo>
+                <a:cubicBezTo>
+                  <a:pt x="7859" y="0"/>
+                  <a:pt x="7831" y="0"/>
+                  <a:pt x="7803" y="0"/>
+                </a:cubicBezTo>
+                <a:lnTo>
+                  <a:pt x="7275" y="0"/>
+                </a:lnTo>
+                <a:lnTo>
+                  <a:pt x="0" y="70"/>
+                </a:lnTo>
+                <a:cubicBezTo>
+                  <a:pt x="8" y="3380"/>
+                  <a:pt x="17" y="6690"/>
+                  <a:pt x="25" y="10000"/>
+                </a:cubicBezTo>
+                <a:lnTo>
+                  <a:pt x="7275" y="9966"/>
+                </a:lnTo>
+                <a:lnTo>
+                  <a:pt x="7803" y="9966"/>
+                </a:lnTo>
+                <a:cubicBezTo>
+                  <a:pt x="7831" y="9966"/>
+                  <a:pt x="7859" y="9872"/>
+                  <a:pt x="7886" y="9872"/>
+                </a:cubicBezTo>
+                <a:cubicBezTo>
+                  <a:pt x="7886" y="9778"/>
+                  <a:pt x="7915" y="9778"/>
+                  <a:pt x="7915" y="9778"/>
+                </a:cubicBezTo>
+                <a:lnTo>
+                  <a:pt x="9248" y="5265"/>
+                </a:lnTo>
+                <a:cubicBezTo>
+                  <a:pt x="9303" y="5077"/>
+                  <a:pt x="9303" y="4889"/>
+                  <a:pt x="9248" y="4701"/>
+                </a:cubicBezTo>
+                <a:close/>
+              </a:path>
+            </a:pathLst>
+          </a:custGeom>
+          <a:solidFill>
+            <a:schemeClr val="accent1"/>
+          </a:solidFill>
+          <a:ln>
+            <a:noFill/>
+          </a:ln>
+        </p:spPr>
+      </p:sp>
+      <p:sp>
+        <p:nvSpPr>
+          <p:cNvPr id="6" name="Slide Number Placeholder 5"/>
+          <p:cNvSpPr>
+            <a:spLocks noGrp="1"/>
+          </p:cNvSpPr>
+          <p:nvPr>
+            <p:ph type="sldNum" sz="quarter" idx="12"/>
+          </p:nvPr>
+        </p:nvSpPr>
+        <p:spPr>
+          <a:xfrm>
+            <a:off x="531812" y="3244139"/>
+            <a:ext cx="779767" cy="365125"/>
+          </a:xfrm>
+        </p:spPr>
+        <p:txBody>
+          <a:bodyPr/>
+          <a:lstStyle/>
+          <a:p>
+            <a:fld id="{16E77628-591A-41A7-9C34-6D80C5E12447}" type="slidenum">
+              <a:rPr lang="en-US" smtClean="0"/>
+              <a:t>‹#›</a:t>
+            </a:fld>
+            <a:endParaRPr lang="en-US"/>
+          </a:p>
+        </p:txBody>
+      </p:sp>
+      <p:sp>
+        <p:nvSpPr>
+          <p:cNvPr id="14" name="TextBox 13"/>
+          <p:cNvSpPr txBox="1"/>
+          <p:nvPr/>
+        </p:nvSpPr>
+        <p:spPr>
+          <a:xfrm>
+            <a:off x="2467652" y="648005"/>
+            <a:ext cx="609600" cy="584776"/>
+          </a:xfrm>
+          <a:prstGeom prst="rect">
+            <a:avLst/>
+          </a:prstGeom>
+        </p:spPr>
+        <p:txBody>
+          <a:bodyPr vert="horz" lIns="91440" tIns="45720" rIns="91440" bIns="45720" rtlCol="0" anchor="ctr">
+            <a:noAutofit/>
+          </a:bodyPr>
+          <a:lstStyle/>
+          <a:p>
+            <a:pPr lvl="0"/>
+            <a:r>
+              <a:rPr lang="en-US" sz="8000" baseline="0" dirty="0">
+                <a:ln w="3175" cmpd="sng">
+                  <a:noFill/>
+                </a:ln>
+                <a:solidFill>
+                  <a:schemeClr val="accent1"/>
+                </a:solidFill>
+                <a:effectLst/>
+                <a:latin typeface="Arial"/>
+              </a:rPr>
+              <a:t>“</a:t>
+            </a:r>
+          </a:p>
+        </p:txBody>
+      </p:sp>
+      <p:sp>
+        <p:nvSpPr>
+          <p:cNvPr id="15" name="TextBox 14"/>
+          <p:cNvSpPr txBox="1"/>
+          <p:nvPr/>
+        </p:nvSpPr>
+        <p:spPr>
+          <a:xfrm>
+            <a:off x="11114852" y="2905306"/>
+            <a:ext cx="609600" cy="584776"/>
+          </a:xfrm>
+          <a:prstGeom prst="rect">
+            <a:avLst/>
+          </a:prstGeom>
+        </p:spPr>
+        <p:txBody>
+          <a:bodyPr vert="horz" lIns="91440" tIns="45720" rIns="91440" bIns="45720" rtlCol="0" anchor="ctr">
+            <a:noAutofit/>
+          </a:bodyPr>
+          <a:lstStyle/>
+          <a:p>
+            <a:pPr lvl="0"/>
+            <a:r>
+              <a:rPr lang="en-US" sz="8000" baseline="0" dirty="0">
+                <a:ln w="3175" cmpd="sng">
+                  <a:noFill/>
+                </a:ln>
+                <a:solidFill>
+                  <a:schemeClr val="accent1"/>
+                </a:solidFill>
+                <a:effectLst/>
+                <a:latin typeface="Arial"/>
+              </a:rPr>
+              <a:t>”</a:t>
+            </a:r>
+          </a:p>
+        </p:txBody>
+      </p:sp>
+    </p:spTree>
+    <p:extLst>
+      <p:ext uri="{BB962C8B-B14F-4D97-AF65-F5344CB8AC3E}">
+        <p14:creationId xmlns:p14="http://schemas.microsoft.com/office/powerpoint/2010/main" val="2616196378"/>
+      </p:ext>
+    </p:extLst>
+  </p:cSld>
+  <p:clrMapOvr>
+    <a:masterClrMapping/>
+  </p:clrMapOvr>
+</p:sldLayout>
+</file>
+
+<file path=ppt/slideLayouts/slideLayout12.xml><?xml version="1.0" encoding="utf-8"?>
+<p:sldLayout xmlns:a="http://schemas.openxmlformats.org/drawingml/2006/main" xmlns:r="http://schemas.openxmlformats.org/officeDocument/2006/relationships" xmlns:p="http://schemas.openxmlformats.org/presentationml/2006/main" preserve="1">
+  <p:cSld name="Карточка имени">
+    <p:spTree>
+      <p:nvGrpSpPr>
+        <p:cNvPr id="1" name=""/>
+        <p:cNvGrpSpPr/>
+        <p:nvPr/>
+      </p:nvGrpSpPr>
+      <p:grpSpPr>
+        <a:xfrm>
+          <a:off x="0" y="0"/>
+          <a:ext cx="0" cy="0"/>
+          <a:chOff x="0" y="0"/>
+          <a:chExt cx="0" cy="0"/>
+        </a:xfrm>
+      </p:grpSpPr>
+      <p:sp>
+        <p:nvSpPr>
+          <p:cNvPr id="2" name="Title 1"/>
+          <p:cNvSpPr>
+            <a:spLocks noGrp="1"/>
+          </p:cNvSpPr>
+          <p:nvPr>
+            <p:ph type="title"/>
+          </p:nvPr>
+        </p:nvSpPr>
+        <p:spPr>
+          <a:xfrm>
+            <a:off x="2589213" y="2438400"/>
+            <a:ext cx="8915400" cy="2724845"/>
+          </a:xfrm>
+        </p:spPr>
+        <p:txBody>
+          <a:bodyPr anchor="b">
+            <a:normAutofit/>
+          </a:bodyPr>
+          <a:lstStyle>
+            <a:lvl1pPr algn="l">
+              <a:defRPr sz="4800" b="0"/>
+            </a:lvl1pPr>
+          </a:lstStyle>
+          <a:p>
+            <a:r>
+              <a:rPr lang="ru-RU" smtClean="0"/>
+              <a:t>Образец заголовка</a:t>
+            </a:r>
+            <a:endParaRPr lang="en-US" dirty="0"/>
+          </a:p>
+        </p:txBody>
+      </p:sp>
+      <p:sp>
+        <p:nvSpPr>
+          <p:cNvPr id="4" name="Text Placeholder 3"/>
+          <p:cNvSpPr>
+            <a:spLocks noGrp="1"/>
+          </p:cNvSpPr>
+          <p:nvPr>
+            <p:ph type="body" sz="half" idx="2"/>
+          </p:nvPr>
+        </p:nvSpPr>
+        <p:spPr>
+          <a:xfrm>
+            <a:off x="2589213" y="5181600"/>
+            <a:ext cx="8915400" cy="729622"/>
+          </a:xfrm>
+        </p:spPr>
+        <p:txBody>
+          <a:bodyPr vert="horz" lIns="91440" tIns="45720" rIns="91440" bIns="45720" rtlCol="0" anchor="t">
+            <a:normAutofit/>
+          </a:bodyPr>
+          <a:lstStyle>
+            <a:lvl1pPr>
+              <a:buNone/>
+              <a:defRPr lang="en-US">
+                <a:solidFill>
+                  <a:schemeClr val="tx1">
+                    <a:lumMod val="65000"/>
+                    <a:lumOff val="35000"/>
+                  </a:schemeClr>
+                </a:solidFill>
+              </a:defRPr>
+            </a:lvl1pPr>
+          </a:lstStyle>
+          <a:p>
+            <a:pPr marL="0" lvl="0" indent="0">
+              <a:buNone/>
+            </a:pPr>
+            <a:r>
+              <a:rPr lang="ru-RU" smtClean="0"/>
+              <a:t>Образец текста</a:t>
+            </a:r>
+          </a:p>
+        </p:txBody>
+      </p:sp>
+      <p:sp>
+        <p:nvSpPr>
+          <p:cNvPr id="5" name="Date Placeholder 4"/>
+          <p:cNvSpPr>
+            <a:spLocks noGrp="1"/>
+          </p:cNvSpPr>
+          <p:nvPr>
+            <p:ph type="dt" sz="half" idx="10"/>
+          </p:nvPr>
+        </p:nvSpPr>
+        <p:spPr/>
+        <p:txBody>
+          <a:bodyPr/>
+          <a:lstStyle/>
+          <a:p>
+            <a:fld id="{8A5229FB-8832-4A27-994F-F3EDC38C3527}" type="datetimeFigureOut">
+              <a:rPr lang="en-US" smtClean="0"/>
+              <a:t>3/26/2020</a:t>
+            </a:fld>
+            <a:endParaRPr lang="en-US"/>
+          </a:p>
+        </p:txBody>
+      </p:sp>
+      <p:sp>
+        <p:nvSpPr>
+          <p:cNvPr id="6" name="Footer Placeholder 5"/>
+          <p:cNvSpPr>
+            <a:spLocks noGrp="1"/>
+          </p:cNvSpPr>
+          <p:nvPr>
+            <p:ph type="ftr" sz="quarter" idx="11"/>
+          </p:nvPr>
+        </p:nvSpPr>
+        <p:spPr/>
+        <p:txBody>
+          <a:bodyPr/>
+          <a:lstStyle/>
+          <a:p>
+            <a:endParaRPr lang="en-US"/>
+          </a:p>
+        </p:txBody>
+      </p:sp>
+      <p:sp>
+        <p:nvSpPr>
+          <p:cNvPr id="9" name="Freeform 11"/>
+          <p:cNvSpPr/>
+          <p:nvPr/>
+        </p:nvSpPr>
+        <p:spPr bwMode="auto">
+          <a:xfrm flipV="1">
+            <a:off x="-4189" y="4911725"/>
+            <a:ext cx="1588527" cy="507297"/>
+          </a:xfrm>
+          <a:custGeom>
+            <a:avLst/>
+            <a:gdLst/>
+            <a:ahLst/>
+            <a:cxnLst/>
+            <a:rect l="l" t="t" r="r" b="b"/>
+            <a:pathLst>
+              <a:path w="9248" h="10000">
+                <a:moveTo>
+                  <a:pt x="9248" y="4701"/>
+                </a:moveTo>
+                <a:lnTo>
+                  <a:pt x="7915" y="188"/>
+                </a:lnTo>
+                <a:cubicBezTo>
+                  <a:pt x="7906" y="156"/>
+                  <a:pt x="7895" y="126"/>
+                  <a:pt x="7886" y="94"/>
+                </a:cubicBezTo>
+                <a:cubicBezTo>
+                  <a:pt x="7859" y="0"/>
+                  <a:pt x="7831" y="0"/>
+                  <a:pt x="7803" y="0"/>
+                </a:cubicBezTo>
+                <a:lnTo>
+                  <a:pt x="7275" y="0"/>
+                </a:lnTo>
+                <a:lnTo>
+                  <a:pt x="0" y="70"/>
+                </a:lnTo>
+                <a:cubicBezTo>
+                  <a:pt x="8" y="3380"/>
+                  <a:pt x="17" y="6690"/>
+                  <a:pt x="25" y="10000"/>
+                </a:cubicBezTo>
+                <a:lnTo>
+                  <a:pt x="7275" y="9966"/>
+                </a:lnTo>
+                <a:lnTo>
+                  <a:pt x="7803" y="9966"/>
+                </a:lnTo>
+                <a:cubicBezTo>
+                  <a:pt x="7831" y="9966"/>
+                  <a:pt x="7859" y="9872"/>
+                  <a:pt x="7886" y="9872"/>
+                </a:cubicBezTo>
+                <a:cubicBezTo>
+                  <a:pt x="7886" y="9778"/>
+                  <a:pt x="7915" y="9778"/>
+                  <a:pt x="7915" y="9778"/>
+                </a:cubicBezTo>
+                <a:lnTo>
+                  <a:pt x="9248" y="5265"/>
+                </a:lnTo>
+                <a:cubicBezTo>
+                  <a:pt x="9303" y="5077"/>
+                  <a:pt x="9303" y="4889"/>
+                  <a:pt x="9248" y="4701"/>
+                </a:cubicBezTo>
+                <a:close/>
+              </a:path>
+            </a:pathLst>
+          </a:custGeom>
+          <a:solidFill>
+            <a:schemeClr val="accent1"/>
+          </a:solidFill>
+          <a:ln>
+            <a:noFill/>
+          </a:ln>
+        </p:spPr>
+      </p:sp>
+      <p:sp>
+        <p:nvSpPr>
+          <p:cNvPr id="7" name="Slide Number Placeholder 6"/>
+          <p:cNvSpPr>
+            <a:spLocks noGrp="1"/>
+          </p:cNvSpPr>
+          <p:nvPr>
+            <p:ph type="sldNum" sz="quarter" idx="12"/>
+          </p:nvPr>
+        </p:nvSpPr>
+        <p:spPr>
+          <a:xfrm>
+            <a:off x="531812" y="4983087"/>
+            <a:ext cx="779767" cy="365125"/>
+          </a:xfrm>
+        </p:spPr>
+        <p:txBody>
+          <a:bodyPr/>
+          <a:lstStyle/>
+          <a:p>
+            <a:fld id="{16E77628-591A-41A7-9C34-6D80C5E12447}" type="slidenum">
+              <a:rPr lang="en-US" smtClean="0"/>
+              <a:t>‹#›</a:t>
+            </a:fld>
+            <a:endParaRPr lang="en-US"/>
+          </a:p>
+        </p:txBody>
+      </p:sp>
+    </p:spTree>
+    <p:extLst>
+      <p:ext uri="{BB962C8B-B14F-4D97-AF65-F5344CB8AC3E}">
+        <p14:creationId xmlns:p14="http://schemas.microsoft.com/office/powerpoint/2010/main" val="689962147"/>
+      </p:ext>
+    </p:extLst>
+  </p:cSld>
+  <p:clrMapOvr>
+    <a:masterClrMapping/>
+  </p:clrMapOvr>
+</p:sldLayout>
+</file>
+
+<file path=ppt/slideLayouts/slideLayout13.xml><?xml version="1.0" encoding="utf-8"?>
+<p:sldLayout xmlns:a="http://schemas.openxmlformats.org/drawingml/2006/main" xmlns:r="http://schemas.openxmlformats.org/officeDocument/2006/relationships" xmlns:p="http://schemas.openxmlformats.org/presentationml/2006/main" preserve="1">
+  <p:cSld name="Цитата карточки имени">
+    <p:spTree>
+      <p:nvGrpSpPr>
+        <p:cNvPr id="1" name=""/>
+        <p:cNvGrpSpPr/>
+        <p:nvPr/>
+      </p:nvGrpSpPr>
+      <p:grpSpPr>
+        <a:xfrm>
+          <a:off x="0" y="0"/>
+          <a:ext cx="0" cy="0"/>
+          <a:chOff x="0" y="0"/>
+          <a:chExt cx="0" cy="0"/>
+        </a:xfrm>
+      </p:grpSpPr>
+      <p:sp>
+        <p:nvSpPr>
+          <p:cNvPr id="12" name="Title 1"/>
+          <p:cNvSpPr>
+            <a:spLocks noGrp="1"/>
+          </p:cNvSpPr>
+          <p:nvPr>
+            <p:ph type="title"/>
+          </p:nvPr>
+        </p:nvSpPr>
+        <p:spPr>
+          <a:xfrm>
+            <a:off x="2849949" y="609600"/>
+            <a:ext cx="8393926" cy="2895600"/>
+          </a:xfrm>
+        </p:spPr>
+        <p:txBody>
+          <a:bodyPr anchor="ctr">
+            <a:normAutofit/>
+          </a:bodyPr>
+          <a:lstStyle>
+            <a:lvl1pPr algn="l">
+              <a:defRPr sz="4800" b="0" cap="none"/>
+            </a:lvl1pPr>
+          </a:lstStyle>
+          <a:p>
+            <a:r>
+              <a:rPr lang="ru-RU" smtClean="0"/>
+              <a:t>Образец заголовка</a:t>
+            </a:r>
+            <a:endParaRPr lang="en-US" dirty="0"/>
+          </a:p>
+        </p:txBody>
+      </p:sp>
+      <p:sp>
+        <p:nvSpPr>
+          <p:cNvPr id="21" name="Text Placeholder 9"/>
+          <p:cNvSpPr>
+            <a:spLocks noGrp="1"/>
+          </p:cNvSpPr>
+          <p:nvPr>
+            <p:ph type="body" sz="quarter" idx="13"/>
+          </p:nvPr>
+        </p:nvSpPr>
+        <p:spPr>
+          <a:xfrm>
+            <a:off x="2589212" y="4343400"/>
+            <a:ext cx="8915400" cy="838200"/>
+          </a:xfrm>
+        </p:spPr>
+        <p:txBody>
+          <a:bodyPr anchor="b">
+            <a:noAutofit/>
+          </a:bodyPr>
+          <a:lstStyle>
+            <a:lvl1pPr marL="0" indent="0">
+              <a:buFontTx/>
+              <a:buNone/>
+              <a:defRPr sz="2400">
+                <a:solidFill>
+                  <a:schemeClr val="accent1"/>
+                </a:solidFill>
+              </a:defRPr>
+            </a:lvl1pPr>
+            <a:lvl2pPr marL="457200" indent="0">
+              <a:buFontTx/>
+              <a:buNone/>
+              <a:defRPr/>
+            </a:lvl2pPr>
+            <a:lvl3pPr marL="914400" indent="0">
+              <a:buFontTx/>
+              <a:buNone/>
+              <a:defRPr/>
+            </a:lvl3pPr>
+            <a:lvl4pPr marL="1371600" indent="0">
+              <a:buFontTx/>
+              <a:buNone/>
+              <a:defRPr/>
+            </a:lvl4pPr>
+            <a:lvl5pPr marL="1828800" indent="0">
+              <a:buFontTx/>
+              <a:buNone/>
+              <a:defRPr/>
+            </a:lvl5pPr>
+          </a:lstStyle>
+          <a:p>
+            <a:pPr lvl="0"/>
+            <a:r>
+              <a:rPr lang="ru-RU" smtClean="0"/>
+              <a:t>Образец текста</a:t>
+            </a:r>
+          </a:p>
+        </p:txBody>
+      </p:sp>
+      <p:sp>
+        <p:nvSpPr>
+          <p:cNvPr id="4" name="Text Placeholder 3"/>
+          <p:cNvSpPr>
+            <a:spLocks noGrp="1"/>
+          </p:cNvSpPr>
+          <p:nvPr>
+            <p:ph type="body" sz="half" idx="2"/>
+          </p:nvPr>
+        </p:nvSpPr>
+        <p:spPr>
+          <a:xfrm>
+            <a:off x="2589213" y="5181600"/>
+            <a:ext cx="8915400" cy="729622"/>
+          </a:xfrm>
+        </p:spPr>
+        <p:txBody>
+          <a:bodyPr vert="horz" lIns="91440" tIns="45720" rIns="91440" bIns="45720" rtlCol="0" anchor="t">
+            <a:normAutofit/>
+          </a:bodyPr>
+          <a:lstStyle>
+            <a:lvl1pPr>
+              <a:buNone/>
+              <a:defRPr lang="en-US">
+                <a:solidFill>
+                  <a:schemeClr val="tx1">
+                    <a:lumMod val="65000"/>
+                    <a:lumOff val="35000"/>
+                  </a:schemeClr>
+                </a:solidFill>
+              </a:defRPr>
+            </a:lvl1pPr>
+          </a:lstStyle>
+          <a:p>
+            <a:pPr marL="0" lvl="0" indent="0">
+              <a:buNone/>
+            </a:pPr>
+            <a:r>
+              <a:rPr lang="ru-RU" smtClean="0"/>
+              <a:t>Образец текста</a:t>
+            </a:r>
+          </a:p>
+        </p:txBody>
+      </p:sp>
+      <p:sp>
+        <p:nvSpPr>
+          <p:cNvPr id="5" name="Date Placeholder 4"/>
+          <p:cNvSpPr>
+            <a:spLocks noGrp="1"/>
+          </p:cNvSpPr>
+          <p:nvPr>
+            <p:ph type="dt" sz="half" idx="10"/>
+          </p:nvPr>
+        </p:nvSpPr>
+        <p:spPr/>
+        <p:txBody>
+          <a:bodyPr/>
+          <a:lstStyle/>
+          <a:p>
+            <a:fld id="{8A5229FB-8832-4A27-994F-F3EDC38C3527}" type="datetimeFigureOut">
+              <a:rPr lang="en-US" smtClean="0"/>
+              <a:t>3/26/2020</a:t>
+            </a:fld>
+            <a:endParaRPr lang="en-US"/>
+          </a:p>
+        </p:txBody>
+      </p:sp>
+      <p:sp>
+        <p:nvSpPr>
+          <p:cNvPr id="6" name="Footer Placeholder 5"/>
+          <p:cNvSpPr>
+            <a:spLocks noGrp="1"/>
+          </p:cNvSpPr>
+          <p:nvPr>
+            <p:ph type="ftr" sz="quarter" idx="11"/>
+          </p:nvPr>
+        </p:nvSpPr>
+        <p:spPr/>
+        <p:txBody>
+          <a:bodyPr/>
+          <a:lstStyle/>
+          <a:p>
+            <a:endParaRPr lang="en-US"/>
+          </a:p>
+        </p:txBody>
+      </p:sp>
+      <p:sp>
+        <p:nvSpPr>
+          <p:cNvPr id="11" name="Freeform 11"/>
+          <p:cNvSpPr/>
+          <p:nvPr/>
+        </p:nvSpPr>
+        <p:spPr bwMode="auto">
+          <a:xfrm flipV="1">
+            <a:off x="-4189" y="4911725"/>
+            <a:ext cx="1588527" cy="507297"/>
+          </a:xfrm>
+          <a:custGeom>
+            <a:avLst/>
+            <a:gdLst/>
+            <a:ahLst/>
+            <a:cxnLst/>
+            <a:rect l="l" t="t" r="r" b="b"/>
+            <a:pathLst>
+              <a:path w="9248" h="10000">
+                <a:moveTo>
+                  <a:pt x="9248" y="4701"/>
+                </a:moveTo>
+                <a:lnTo>
+                  <a:pt x="7915" y="188"/>
+                </a:lnTo>
+                <a:cubicBezTo>
+                  <a:pt x="7906" y="156"/>
+                  <a:pt x="7895" y="126"/>
+                  <a:pt x="7886" y="94"/>
+                </a:cubicBezTo>
+                <a:cubicBezTo>
+                  <a:pt x="7859" y="0"/>
+                  <a:pt x="7831" y="0"/>
+                  <a:pt x="7803" y="0"/>
+                </a:cubicBezTo>
+                <a:lnTo>
+                  <a:pt x="7275" y="0"/>
+                </a:lnTo>
+                <a:lnTo>
+                  <a:pt x="0" y="70"/>
+                </a:lnTo>
+                <a:cubicBezTo>
+                  <a:pt x="8" y="3380"/>
+                  <a:pt x="17" y="6690"/>
+                  <a:pt x="25" y="10000"/>
+                </a:cubicBezTo>
+                <a:lnTo>
+                  <a:pt x="7275" y="9966"/>
+                </a:lnTo>
+                <a:lnTo>
+                  <a:pt x="7803" y="9966"/>
+                </a:lnTo>
+                <a:cubicBezTo>
+                  <a:pt x="7831" y="9966"/>
+                  <a:pt x="7859" y="9872"/>
+                  <a:pt x="7886" y="9872"/>
+                </a:cubicBezTo>
+                <a:cubicBezTo>
+                  <a:pt x="7886" y="9778"/>
+                  <a:pt x="7915" y="9778"/>
+                  <a:pt x="7915" y="9778"/>
+                </a:cubicBezTo>
+                <a:lnTo>
+                  <a:pt x="9248" y="5265"/>
+                </a:lnTo>
+                <a:cubicBezTo>
+                  <a:pt x="9303" y="5077"/>
+                  <a:pt x="9303" y="4889"/>
+                  <a:pt x="9248" y="4701"/>
+                </a:cubicBezTo>
+                <a:close/>
+              </a:path>
+            </a:pathLst>
+          </a:custGeom>
+          <a:solidFill>
+            <a:schemeClr val="accent1"/>
+          </a:solidFill>
+          <a:ln>
+            <a:noFill/>
+          </a:ln>
+        </p:spPr>
+      </p:sp>
+      <p:sp>
+        <p:nvSpPr>
+          <p:cNvPr id="7" name="Slide Number Placeholder 6"/>
+          <p:cNvSpPr>
+            <a:spLocks noGrp="1"/>
+          </p:cNvSpPr>
+          <p:nvPr>
+            <p:ph type="sldNum" sz="quarter" idx="12"/>
+          </p:nvPr>
+        </p:nvSpPr>
+        <p:spPr>
+          <a:xfrm>
+            <a:off x="531812" y="4983087"/>
+            <a:ext cx="779767" cy="365125"/>
+          </a:xfrm>
+        </p:spPr>
+        <p:txBody>
+          <a:bodyPr/>
+          <a:lstStyle/>
+          <a:p>
+            <a:fld id="{16E77628-591A-41A7-9C34-6D80C5E12447}" type="slidenum">
+              <a:rPr lang="en-US" smtClean="0"/>
+              <a:t>‹#›</a:t>
+            </a:fld>
+            <a:endParaRPr lang="en-US"/>
+          </a:p>
+        </p:txBody>
+      </p:sp>
+      <p:sp>
+        <p:nvSpPr>
+          <p:cNvPr id="17" name="TextBox 16"/>
+          <p:cNvSpPr txBox="1"/>
+          <p:nvPr/>
+        </p:nvSpPr>
+        <p:spPr>
+          <a:xfrm>
+            <a:off x="2467652" y="648005"/>
+            <a:ext cx="609600" cy="584776"/>
+          </a:xfrm>
+          <a:prstGeom prst="rect">
+            <a:avLst/>
+          </a:prstGeom>
+        </p:spPr>
+        <p:txBody>
+          <a:bodyPr vert="horz" lIns="91440" tIns="45720" rIns="91440" bIns="45720" rtlCol="0" anchor="ctr">
+            <a:noAutofit/>
+          </a:bodyPr>
+          <a:lstStyle/>
+          <a:p>
+            <a:pPr lvl="0"/>
+            <a:r>
+              <a:rPr lang="en-US" sz="8000" baseline="0" dirty="0">
+                <a:ln w="3175" cmpd="sng">
+                  <a:noFill/>
+                </a:ln>
+                <a:solidFill>
+                  <a:schemeClr val="accent1"/>
+                </a:solidFill>
+                <a:effectLst/>
+                <a:latin typeface="Arial"/>
+              </a:rPr>
+              <a:t>“</a:t>
+            </a:r>
+          </a:p>
+        </p:txBody>
+      </p:sp>
+      <p:sp>
+        <p:nvSpPr>
+          <p:cNvPr id="18" name="TextBox 17"/>
+          <p:cNvSpPr txBox="1"/>
+          <p:nvPr/>
+        </p:nvSpPr>
+        <p:spPr>
+          <a:xfrm>
+            <a:off x="11114852" y="2905306"/>
+            <a:ext cx="609600" cy="584776"/>
+          </a:xfrm>
+          <a:prstGeom prst="rect">
+            <a:avLst/>
+          </a:prstGeom>
+        </p:spPr>
+        <p:txBody>
+          <a:bodyPr vert="horz" lIns="91440" tIns="45720" rIns="91440" bIns="45720" rtlCol="0" anchor="ctr">
+            <a:noAutofit/>
+          </a:bodyPr>
+          <a:lstStyle/>
+          <a:p>
+            <a:pPr lvl="0"/>
+            <a:r>
+              <a:rPr lang="en-US" sz="8000" baseline="0" dirty="0">
+                <a:ln w="3175" cmpd="sng">
+                  <a:noFill/>
+                </a:ln>
+                <a:solidFill>
+                  <a:schemeClr val="accent1"/>
+                </a:solidFill>
+                <a:effectLst/>
+                <a:latin typeface="Arial"/>
+              </a:rPr>
+              <a:t>”</a:t>
+            </a:r>
+          </a:p>
+        </p:txBody>
+      </p:sp>
+    </p:spTree>
+    <p:extLst>
+      <p:ext uri="{BB962C8B-B14F-4D97-AF65-F5344CB8AC3E}">
+        <p14:creationId xmlns:p14="http://schemas.microsoft.com/office/powerpoint/2010/main" val="653093421"/>
+      </p:ext>
+    </p:extLst>
+  </p:cSld>
+  <p:clrMapOvr>
+    <a:masterClrMapping/>
+  </p:clrMapOvr>
+</p:sldLayout>
+</file>
+
+<file path=ppt/slideLayouts/slideLayout14.xml><?xml version="1.0" encoding="utf-8"?>
+<p:sldLayout xmlns:a="http://schemas.openxmlformats.org/drawingml/2006/main" xmlns:r="http://schemas.openxmlformats.org/officeDocument/2006/relationships" xmlns:p="http://schemas.openxmlformats.org/presentationml/2006/main" preserve="1">
+  <p:cSld name="Истина или ложь">
+    <p:spTree>
+      <p:nvGrpSpPr>
+        <p:cNvPr id="1" name=""/>
+        <p:cNvGrpSpPr/>
+        <p:nvPr/>
+      </p:nvGrpSpPr>
+      <p:grpSpPr>
+        <a:xfrm>
+          <a:off x="0" y="0"/>
+          <a:ext cx="0" cy="0"/>
+          <a:chOff x="0" y="0"/>
+          <a:chExt cx="0" cy="0"/>
+        </a:xfrm>
+      </p:grpSpPr>
+      <p:sp>
+        <p:nvSpPr>
+          <p:cNvPr id="2" name="Title 1"/>
+          <p:cNvSpPr>
+            <a:spLocks noGrp="1"/>
+          </p:cNvSpPr>
+          <p:nvPr>
+            <p:ph type="title"/>
+          </p:nvPr>
+        </p:nvSpPr>
+        <p:spPr>
+          <a:xfrm>
+            <a:off x="2589212" y="627407"/>
+            <a:ext cx="8915399" cy="2880020"/>
+          </a:xfrm>
+        </p:spPr>
+        <p:txBody>
+          <a:bodyPr anchor="ctr">
+            <a:normAutofit/>
+          </a:bodyPr>
+          <a:lstStyle>
+            <a:lvl1pPr algn="l">
+              <a:defRPr sz="4800" b="0"/>
+            </a:lvl1pPr>
+          </a:lstStyle>
+          <a:p>
+            <a:r>
+              <a:rPr lang="ru-RU" smtClean="0"/>
+              <a:t>Образец заголовка</a:t>
+            </a:r>
+            <a:endParaRPr lang="en-US" dirty="0"/>
+          </a:p>
+        </p:txBody>
+      </p:sp>
+      <p:sp>
+        <p:nvSpPr>
+          <p:cNvPr id="21" name="Text Placeholder 9"/>
+          <p:cNvSpPr>
+            <a:spLocks noGrp="1"/>
+          </p:cNvSpPr>
+          <p:nvPr>
+            <p:ph type="body" sz="quarter" idx="13"/>
+          </p:nvPr>
+        </p:nvSpPr>
+        <p:spPr>
+          <a:xfrm>
+            <a:off x="2589212" y="4343400"/>
+            <a:ext cx="8915400" cy="838200"/>
+          </a:xfrm>
+        </p:spPr>
+        <p:txBody>
+          <a:bodyPr anchor="b">
+            <a:noAutofit/>
+          </a:bodyPr>
+          <a:lstStyle>
+            <a:lvl1pPr marL="0" indent="0">
+              <a:buFontTx/>
+              <a:buNone/>
+              <a:defRPr sz="2400">
+                <a:solidFill>
+                  <a:schemeClr val="accent1"/>
+                </a:solidFill>
+              </a:defRPr>
+            </a:lvl1pPr>
+            <a:lvl2pPr marL="457200" indent="0">
+              <a:buFontTx/>
+              <a:buNone/>
+              <a:defRPr/>
+            </a:lvl2pPr>
+            <a:lvl3pPr marL="914400" indent="0">
+              <a:buFontTx/>
+              <a:buNone/>
+              <a:defRPr/>
+            </a:lvl3pPr>
+            <a:lvl4pPr marL="1371600" indent="0">
+              <a:buFontTx/>
+              <a:buNone/>
+              <a:defRPr/>
+            </a:lvl4pPr>
+            <a:lvl5pPr marL="1828800" indent="0">
+              <a:buFontTx/>
+              <a:buNone/>
+              <a:defRPr/>
+            </a:lvl5pPr>
+          </a:lstStyle>
+          <a:p>
+            <a:pPr lvl="0"/>
+            <a:r>
+              <a:rPr lang="ru-RU" smtClean="0"/>
+              <a:t>Образец текста</a:t>
+            </a:r>
+          </a:p>
+        </p:txBody>
+      </p:sp>
+      <p:sp>
+        <p:nvSpPr>
+          <p:cNvPr id="4" name="Text Placeholder 3"/>
+          <p:cNvSpPr>
+            <a:spLocks noGrp="1"/>
+          </p:cNvSpPr>
+          <p:nvPr>
+            <p:ph type="body" sz="half" idx="2"/>
+          </p:nvPr>
+        </p:nvSpPr>
+        <p:spPr>
+          <a:xfrm>
+            <a:off x="2589213" y="5181600"/>
+            <a:ext cx="8915400" cy="729622"/>
+          </a:xfrm>
+        </p:spPr>
+        <p:txBody>
+          <a:bodyPr vert="horz" lIns="91440" tIns="45720" rIns="91440" bIns="45720" rtlCol="0" anchor="t">
+            <a:normAutofit/>
+          </a:bodyPr>
+          <a:lstStyle>
+            <a:lvl1pPr>
+              <a:buNone/>
+              <a:defRPr lang="en-US">
+                <a:solidFill>
+                  <a:schemeClr val="tx1">
+                    <a:lumMod val="65000"/>
+                    <a:lumOff val="35000"/>
+                  </a:schemeClr>
+                </a:solidFill>
+              </a:defRPr>
+            </a:lvl1pPr>
+          </a:lstStyle>
+          <a:p>
+            <a:pPr marL="0" lvl="0" indent="0">
+              <a:buNone/>
+            </a:pPr>
+            <a:r>
+              <a:rPr lang="ru-RU" smtClean="0"/>
+              <a:t>Образец текста</a:t>
+            </a:r>
+          </a:p>
+        </p:txBody>
+      </p:sp>
+      <p:sp>
+        <p:nvSpPr>
+          <p:cNvPr id="5" name="Date Placeholder 4"/>
+          <p:cNvSpPr>
+            <a:spLocks noGrp="1"/>
+          </p:cNvSpPr>
+          <p:nvPr>
+            <p:ph type="dt" sz="half" idx="10"/>
+          </p:nvPr>
+        </p:nvSpPr>
+        <p:spPr/>
+        <p:txBody>
+          <a:bodyPr/>
+          <a:lstStyle/>
+          <a:p>
+            <a:fld id="{8A5229FB-8832-4A27-994F-F3EDC38C3527}" type="datetimeFigureOut">
+              <a:rPr lang="en-US" smtClean="0"/>
+              <a:t>3/26/2020</a:t>
+            </a:fld>
+            <a:endParaRPr lang="en-US"/>
+          </a:p>
+        </p:txBody>
+      </p:sp>
+      <p:sp>
+        <p:nvSpPr>
+          <p:cNvPr id="6" name="Footer Placeholder 5"/>
+          <p:cNvSpPr>
+            <a:spLocks noGrp="1"/>
+          </p:cNvSpPr>
+          <p:nvPr>
+            <p:ph type="ftr" sz="quarter" idx="11"/>
+          </p:nvPr>
+        </p:nvSpPr>
+        <p:spPr/>
+        <p:txBody>
+          <a:bodyPr/>
+          <a:lstStyle/>
+          <a:p>
+            <a:endParaRPr lang="en-US"/>
+          </a:p>
+        </p:txBody>
+      </p:sp>
+      <p:sp>
+        <p:nvSpPr>
+          <p:cNvPr id="9" name="Freeform 11"/>
+          <p:cNvSpPr/>
+          <p:nvPr/>
+        </p:nvSpPr>
+        <p:spPr bwMode="auto">
+          <a:xfrm flipV="1">
+            <a:off x="-4189" y="4911725"/>
+            <a:ext cx="1588527" cy="507297"/>
+          </a:xfrm>
+          <a:custGeom>
+            <a:avLst/>
+            <a:gdLst/>
+            <a:ahLst/>
+            <a:cxnLst/>
+            <a:rect l="l" t="t" r="r" b="b"/>
+            <a:pathLst>
+              <a:path w="9248" h="10000">
+                <a:moveTo>
+                  <a:pt x="9248" y="4701"/>
+                </a:moveTo>
+                <a:lnTo>
+                  <a:pt x="7915" y="188"/>
+                </a:lnTo>
+                <a:cubicBezTo>
+                  <a:pt x="7906" y="156"/>
+                  <a:pt x="7895" y="126"/>
+                  <a:pt x="7886" y="94"/>
+                </a:cubicBezTo>
+                <a:cubicBezTo>
+                  <a:pt x="7859" y="0"/>
+                  <a:pt x="7831" y="0"/>
+                  <a:pt x="7803" y="0"/>
+                </a:cubicBezTo>
+                <a:lnTo>
+                  <a:pt x="7275" y="0"/>
+                </a:lnTo>
+                <a:lnTo>
+                  <a:pt x="0" y="70"/>
+                </a:lnTo>
+                <a:cubicBezTo>
+                  <a:pt x="8" y="3380"/>
+                  <a:pt x="17" y="6690"/>
+                  <a:pt x="25" y="10000"/>
+                </a:cubicBezTo>
+                <a:lnTo>
+                  <a:pt x="7275" y="9966"/>
+                </a:lnTo>
+                <a:lnTo>
+                  <a:pt x="7803" y="9966"/>
+                </a:lnTo>
+                <a:cubicBezTo>
+                  <a:pt x="7831" y="9966"/>
+                  <a:pt x="7859" y="9872"/>
+                  <a:pt x="7886" y="9872"/>
+                </a:cubicBezTo>
+                <a:cubicBezTo>
+                  <a:pt x="7886" y="9778"/>
+                  <a:pt x="7915" y="9778"/>
+                  <a:pt x="7915" y="9778"/>
+                </a:cubicBezTo>
+                <a:lnTo>
+                  <a:pt x="9248" y="5265"/>
+                </a:lnTo>
+                <a:cubicBezTo>
+                  <a:pt x="9303" y="5077"/>
+                  <a:pt x="9303" y="4889"/>
+                  <a:pt x="9248" y="4701"/>
+                </a:cubicBezTo>
+                <a:close/>
+              </a:path>
+            </a:pathLst>
+          </a:custGeom>
+          <a:solidFill>
+            <a:schemeClr val="accent1"/>
+          </a:solidFill>
+          <a:ln>
+            <a:noFill/>
+          </a:ln>
+        </p:spPr>
+      </p:sp>
+      <p:sp>
+        <p:nvSpPr>
+          <p:cNvPr id="7" name="Slide Number Placeholder 6"/>
+          <p:cNvSpPr>
+            <a:spLocks noGrp="1"/>
+          </p:cNvSpPr>
+          <p:nvPr>
+            <p:ph type="sldNum" sz="quarter" idx="12"/>
+          </p:nvPr>
+        </p:nvSpPr>
+        <p:spPr>
+          <a:xfrm>
+            <a:off x="531812" y="4983087"/>
+            <a:ext cx="779767" cy="365125"/>
+          </a:xfrm>
+        </p:spPr>
+        <p:txBody>
+          <a:bodyPr/>
+          <a:lstStyle/>
+          <a:p>
+            <a:fld id="{16E77628-591A-41A7-9C34-6D80C5E12447}" type="slidenum">
+              <a:rPr lang="en-US" smtClean="0"/>
+              <a:t>‹#›</a:t>
+            </a:fld>
+            <a:endParaRPr lang="en-US"/>
+          </a:p>
+        </p:txBody>
+      </p:sp>
+    </p:spTree>
+    <p:extLst>
+      <p:ext uri="{BB962C8B-B14F-4D97-AF65-F5344CB8AC3E}">
+        <p14:creationId xmlns:p14="http://schemas.microsoft.com/office/powerpoint/2010/main" val="3348324395"/>
+      </p:ext>
+    </p:extLst>
+  </p:cSld>
+  <p:clrMapOvr>
+    <a:masterClrMapping/>
+  </p:clrMapOvr>
+</p:sldLayout>
+</file>
+
+<file path=ppt/slideLayouts/slideLayout15.xml><?xml version="1.0" encoding="utf-8"?>
 <p:sldLayout xmlns:a="http://schemas.openxmlformats.org/drawingml/2006/main" xmlns:r="http://schemas.openxmlformats.org/officeDocument/2006/relationships" xmlns:p="http://schemas.openxmlformats.org/presentationml/2006/main" type="vertTx" preserve="1">
   <p:cSld name="Заголовок и вертикальный текст">
     <p:spTree>
@@ -318,7 +2258,7 @@
       </p:grpSpPr>
       <p:sp>
         <p:nvSpPr>
-          <p:cNvPr id="2" name="Заголовок 1"/>
+          <p:cNvPr id="2" name="Title 1"/>
           <p:cNvSpPr>
             <a:spLocks noGrp="1"/>
           </p:cNvSpPr>
@@ -335,13 +2275,13 @@
               <a:rPr lang="ru-RU" smtClean="0"/>
               <a:t>Образец заголовка</a:t>
             </a:r>
-            <a:endParaRPr lang="en-US"/>
-          </a:p>
-        </p:txBody>
-      </p:sp>
-      <p:sp>
-        <p:nvSpPr>
-          <p:cNvPr id="3" name="Вертикальный текст 2"/>
+            <a:endParaRPr lang="en-US" dirty="0"/>
+          </a:p>
+        </p:txBody>
+      </p:sp>
+      <p:sp>
+        <p:nvSpPr>
+          <p:cNvPr id="3" name="Vertical Text Placeholder 2"/>
           <p:cNvSpPr>
             <a:spLocks noGrp="1"/>
           </p:cNvSpPr>
@@ -351,7 +2291,7 @@
         </p:nvSpPr>
         <p:spPr/>
         <p:txBody>
-          <a:bodyPr vert="eaVert"/>
+          <a:bodyPr vert="eaVert" anchor="t"/>
           <a:lstStyle/>
           <a:p>
             <a:pPr lvl="0"/>
@@ -387,13 +2327,13 @@
               <a:rPr lang="ru-RU" smtClean="0"/>
               <a:t>Пятый уровень</a:t>
             </a:r>
-            <a:endParaRPr lang="en-US"/>
-          </a:p>
-        </p:txBody>
-      </p:sp>
-      <p:sp>
-        <p:nvSpPr>
-          <p:cNvPr id="4" name="Дата 3"/>
+            <a:endParaRPr lang="en-US" dirty="0"/>
+          </a:p>
+        </p:txBody>
+      </p:sp>
+      <p:sp>
+        <p:nvSpPr>
+          <p:cNvPr id="4" name="Date Placeholder 3"/>
           <p:cNvSpPr>
             <a:spLocks noGrp="1"/>
           </p:cNvSpPr>
@@ -408,7 +2348,7 @@
           <a:p>
             <a:fld id="{8A5229FB-8832-4A27-994F-F3EDC38C3527}" type="datetimeFigureOut">
               <a:rPr lang="en-US" smtClean="0"/>
-              <a:t>3/24/2020</a:t>
+              <a:t>3/26/2020</a:t>
             </a:fld>
             <a:endParaRPr lang="en-US"/>
           </a:p>
@@ -416,7 +2356,7 @@
       </p:sp>
       <p:sp>
         <p:nvSpPr>
-          <p:cNvPr id="5" name="Нижний колонтитул 4"/>
+          <p:cNvPr id="5" name="Footer Placeholder 4"/>
           <p:cNvSpPr>
             <a:spLocks noGrp="1"/>
           </p:cNvSpPr>
@@ -435,7 +2375,89 @@
       </p:sp>
       <p:sp>
         <p:nvSpPr>
-          <p:cNvPr id="6" name="Номер слайда 5"/>
+          <p:cNvPr id="8" name="Freeform 11"/>
+          <p:cNvSpPr/>
+          <p:nvPr/>
+        </p:nvSpPr>
+        <p:spPr bwMode="auto">
+          <a:xfrm flipV="1">
+            <a:off x="-4189" y="714375"/>
+            <a:ext cx="1588527" cy="507297"/>
+          </a:xfrm>
+          <a:custGeom>
+            <a:avLst/>
+            <a:gdLst/>
+            <a:ahLst/>
+            <a:cxnLst/>
+            <a:rect l="l" t="t" r="r" b="b"/>
+            <a:pathLst>
+              <a:path w="9248" h="10000">
+                <a:moveTo>
+                  <a:pt x="9248" y="4701"/>
+                </a:moveTo>
+                <a:lnTo>
+                  <a:pt x="7915" y="188"/>
+                </a:lnTo>
+                <a:cubicBezTo>
+                  <a:pt x="7906" y="156"/>
+                  <a:pt x="7895" y="126"/>
+                  <a:pt x="7886" y="94"/>
+                </a:cubicBezTo>
+                <a:cubicBezTo>
+                  <a:pt x="7859" y="0"/>
+                  <a:pt x="7831" y="0"/>
+                  <a:pt x="7803" y="0"/>
+                </a:cubicBezTo>
+                <a:lnTo>
+                  <a:pt x="7275" y="0"/>
+                </a:lnTo>
+                <a:lnTo>
+                  <a:pt x="0" y="70"/>
+                </a:lnTo>
+                <a:cubicBezTo>
+                  <a:pt x="8" y="3380"/>
+                  <a:pt x="17" y="6690"/>
+                  <a:pt x="25" y="10000"/>
+                </a:cubicBezTo>
+                <a:lnTo>
+                  <a:pt x="7275" y="9966"/>
+                </a:lnTo>
+                <a:lnTo>
+                  <a:pt x="7803" y="9966"/>
+                </a:lnTo>
+                <a:cubicBezTo>
+                  <a:pt x="7831" y="9966"/>
+                  <a:pt x="7859" y="9872"/>
+                  <a:pt x="7886" y="9872"/>
+                </a:cubicBezTo>
+                <a:cubicBezTo>
+                  <a:pt x="7886" y="9778"/>
+                  <a:pt x="7915" y="9778"/>
+                  <a:pt x="7915" y="9778"/>
+                </a:cubicBezTo>
+                <a:lnTo>
+                  <a:pt x="9248" y="5265"/>
+                </a:lnTo>
+                <a:cubicBezTo>
+                  <a:pt x="9303" y="5077"/>
+                  <a:pt x="9303" y="4889"/>
+                  <a:pt x="9248" y="4701"/>
+                </a:cubicBezTo>
+                <a:close/>
+              </a:path>
+            </a:pathLst>
+          </a:custGeom>
+          <a:solidFill>
+            <a:schemeClr val="accent1"/>
+          </a:solidFill>
+          <a:ln>
+            <a:noFill/>
+          </a:ln>
+        </p:spPr>
+      </p:sp>
+      <p:sp>
+        <p:nvSpPr>
+          <p:cNvPr id="6" name="Slide Number Placeholder 5"/>
           <p:cNvSpPr>
             <a:spLocks noGrp="1"/>
           </p:cNvSpPr>
@@ -459,7 +2481,7 @@
     </p:spTree>
     <p:extLst>
       <p:ext uri="{BB962C8B-B14F-4D97-AF65-F5344CB8AC3E}">
-        <p14:creationId xmlns:p14="http://schemas.microsoft.com/office/powerpoint/2010/main" val="2579092865"/>
+        <p14:creationId xmlns:p14="http://schemas.microsoft.com/office/powerpoint/2010/main" val="1977057688"/>
       </p:ext>
     </p:extLst>
   </p:cSld>
@@ -469,7 +2491,7 @@
 </p:sldLayout>
 </file>
 
-<file path=ppt/slideLayouts/slideLayout11.xml><?xml version="1.0" encoding="utf-8"?>
+<file path=ppt/slideLayouts/slideLayout16.xml><?xml version="1.0" encoding="utf-8"?>
 <p:sldLayout xmlns:a="http://schemas.openxmlformats.org/drawingml/2006/main" xmlns:r="http://schemas.openxmlformats.org/officeDocument/2006/relationships" xmlns:p="http://schemas.openxmlformats.org/presentationml/2006/main" type="vertTitleAndTx" preserve="1">
   <p:cSld name="Вертикальный заголовок и текст">
     <p:spTree>
@@ -488,7 +2510,7 @@
       </p:grpSpPr>
       <p:sp>
         <p:nvSpPr>
-          <p:cNvPr id="2" name="Вертикальный заголовок 1"/>
+          <p:cNvPr id="2" name="Vertical Title 1"/>
           <p:cNvSpPr>
             <a:spLocks noGrp="1"/>
           </p:cNvSpPr>
@@ -498,42 +2520,42 @@
         </p:nvSpPr>
         <p:spPr>
           <a:xfrm>
-            <a:off x="8724900" y="365125"/>
-            <a:ext cx="2628900" cy="5811838"/>
+            <a:off x="9294812" y="627405"/>
+            <a:ext cx="2207601" cy="5283817"/>
           </a:xfrm>
         </p:spPr>
         <p:txBody>
+          <a:bodyPr vert="eaVert" anchor="ctr"/>
+          <a:lstStyle/>
+          <a:p>
+            <a:r>
+              <a:rPr lang="ru-RU" smtClean="0"/>
+              <a:t>Образец заголовка</a:t>
+            </a:r>
+            <a:endParaRPr lang="en-US" dirty="0"/>
+          </a:p>
+        </p:txBody>
+      </p:sp>
+      <p:sp>
+        <p:nvSpPr>
+          <p:cNvPr id="3" name="Vertical Text Placeholder 2"/>
+          <p:cNvSpPr>
+            <a:spLocks noGrp="1"/>
+          </p:cNvSpPr>
+          <p:nvPr>
+            <p:ph type="body" orient="vert" idx="1"/>
+          </p:nvPr>
+        </p:nvSpPr>
+        <p:spPr>
+          <a:xfrm>
+            <a:off x="2589212" y="627405"/>
+            <a:ext cx="6477000" cy="5283817"/>
+          </a:xfrm>
+        </p:spPr>
+        <p:txBody>
           <a:bodyPr vert="eaVert"/>
           <a:lstStyle/>
           <a:p>
-            <a:r>
-              <a:rPr lang="ru-RU" smtClean="0"/>
-              <a:t>Образец заголовка</a:t>
-            </a:r>
-            <a:endParaRPr lang="en-US"/>
-          </a:p>
-        </p:txBody>
-      </p:sp>
-      <p:sp>
-        <p:nvSpPr>
-          <p:cNvPr id="3" name="Вертикальный текст 2"/>
-          <p:cNvSpPr>
-            <a:spLocks noGrp="1"/>
-          </p:cNvSpPr>
-          <p:nvPr>
-            <p:ph type="body" orient="vert" idx="1"/>
-          </p:nvPr>
-        </p:nvSpPr>
-        <p:spPr>
-          <a:xfrm>
-            <a:off x="838200" y="365125"/>
-            <a:ext cx="7734300" cy="5811838"/>
-          </a:xfrm>
-        </p:spPr>
-        <p:txBody>
-          <a:bodyPr vert="eaVert"/>
-          <a:lstStyle/>
-          <a:p>
             <a:pPr lvl="0"/>
             <a:r>
               <a:rPr lang="ru-RU" smtClean="0"/>
@@ -567,13 +2589,13 @@
               <a:rPr lang="ru-RU" smtClean="0"/>
               <a:t>Пятый уровень</a:t>
             </a:r>
-            <a:endParaRPr lang="en-US"/>
-          </a:p>
-        </p:txBody>
-      </p:sp>
-      <p:sp>
-        <p:nvSpPr>
-          <p:cNvPr id="4" name="Дата 3"/>
+            <a:endParaRPr lang="en-US" dirty="0"/>
+          </a:p>
+        </p:txBody>
+      </p:sp>
+      <p:sp>
+        <p:nvSpPr>
+          <p:cNvPr id="4" name="Date Placeholder 3"/>
           <p:cNvSpPr>
             <a:spLocks noGrp="1"/>
           </p:cNvSpPr>
@@ -588,7 +2610,7 @@
           <a:p>
             <a:fld id="{8A5229FB-8832-4A27-994F-F3EDC38C3527}" type="datetimeFigureOut">
               <a:rPr lang="en-US" smtClean="0"/>
-              <a:t>3/24/2020</a:t>
+              <a:t>3/26/2020</a:t>
             </a:fld>
             <a:endParaRPr lang="en-US"/>
           </a:p>
@@ -596,7 +2618,7 @@
       </p:sp>
       <p:sp>
         <p:nvSpPr>
-          <p:cNvPr id="5" name="Нижний колонтитул 4"/>
+          <p:cNvPr id="5" name="Footer Placeholder 4"/>
           <p:cNvSpPr>
             <a:spLocks noGrp="1"/>
           </p:cNvSpPr>
@@ -615,7 +2637,89 @@
       </p:sp>
       <p:sp>
         <p:nvSpPr>
-          <p:cNvPr id="6" name="Номер слайда 5"/>
+          <p:cNvPr id="8" name="Freeform 11"/>
+          <p:cNvSpPr/>
+          <p:nvPr/>
+        </p:nvSpPr>
+        <p:spPr bwMode="auto">
+          <a:xfrm flipV="1">
+            <a:off x="-4189" y="714375"/>
+            <a:ext cx="1588527" cy="507297"/>
+          </a:xfrm>
+          <a:custGeom>
+            <a:avLst/>
+            <a:gdLst/>
+            <a:ahLst/>
+            <a:cxnLst/>
+            <a:rect l="l" t="t" r="r" b="b"/>
+            <a:pathLst>
+              <a:path w="9248" h="10000">
+                <a:moveTo>
+                  <a:pt x="9248" y="4701"/>
+                </a:moveTo>
+                <a:lnTo>
+                  <a:pt x="7915" y="188"/>
+                </a:lnTo>
+                <a:cubicBezTo>
+                  <a:pt x="7906" y="156"/>
+                  <a:pt x="7895" y="126"/>
+                  <a:pt x="7886" y="94"/>
+                </a:cubicBezTo>
+                <a:cubicBezTo>
+                  <a:pt x="7859" y="0"/>
+                  <a:pt x="7831" y="0"/>
+                  <a:pt x="7803" y="0"/>
+                </a:cubicBezTo>
+                <a:lnTo>
+                  <a:pt x="7275" y="0"/>
+                </a:lnTo>
+                <a:lnTo>
+                  <a:pt x="0" y="70"/>
+                </a:lnTo>
+                <a:cubicBezTo>
+                  <a:pt x="8" y="3380"/>
+                  <a:pt x="17" y="6690"/>
+                  <a:pt x="25" y="10000"/>
+                </a:cubicBezTo>
+                <a:lnTo>
+                  <a:pt x="7275" y="9966"/>
+                </a:lnTo>
+                <a:lnTo>
+                  <a:pt x="7803" y="9966"/>
+                </a:lnTo>
+                <a:cubicBezTo>
+                  <a:pt x="7831" y="9966"/>
+                  <a:pt x="7859" y="9872"/>
+                  <a:pt x="7886" y="9872"/>
+                </a:cubicBezTo>
+                <a:cubicBezTo>
+                  <a:pt x="7886" y="9778"/>
+                  <a:pt x="7915" y="9778"/>
+                  <a:pt x="7915" y="9778"/>
+                </a:cubicBezTo>
+                <a:lnTo>
+                  <a:pt x="9248" y="5265"/>
+                </a:lnTo>
+                <a:cubicBezTo>
+                  <a:pt x="9303" y="5077"/>
+                  <a:pt x="9303" y="4889"/>
+                  <a:pt x="9248" y="4701"/>
+                </a:cubicBezTo>
+                <a:close/>
+              </a:path>
+            </a:pathLst>
+          </a:custGeom>
+          <a:solidFill>
+            <a:schemeClr val="accent1"/>
+          </a:solidFill>
+          <a:ln>
+            <a:noFill/>
+          </a:ln>
+        </p:spPr>
+      </p:sp>
+      <p:sp>
+        <p:nvSpPr>
+          <p:cNvPr id="6" name="Slide Number Placeholder 5"/>
           <p:cNvSpPr>
             <a:spLocks noGrp="1"/>
           </p:cNvSpPr>
@@ -639,7 +2743,7 @@
     </p:spTree>
     <p:extLst>
       <p:ext uri="{BB962C8B-B14F-4D97-AF65-F5344CB8AC3E}">
-        <p14:creationId xmlns:p14="http://schemas.microsoft.com/office/powerpoint/2010/main" val="3603404148"/>
+        <p14:creationId xmlns:p14="http://schemas.microsoft.com/office/powerpoint/2010/main" val="1497387747"/>
       </p:ext>
     </p:extLst>
   </p:cSld>
@@ -668,7 +2772,7 @@
       </p:grpSpPr>
       <p:sp>
         <p:nvSpPr>
-          <p:cNvPr id="2" name="Заголовок 1"/>
+          <p:cNvPr id="2" name="Title 1"/>
           <p:cNvSpPr>
             <a:spLocks noGrp="1"/>
           </p:cNvSpPr>
@@ -676,7 +2780,12 @@
             <p:ph type="title"/>
           </p:nvPr>
         </p:nvSpPr>
-        <p:spPr/>
+        <p:spPr>
+          <a:xfrm>
+            <a:off x="2592925" y="624110"/>
+            <a:ext cx="8911687" cy="1280890"/>
+          </a:xfrm>
+        </p:spPr>
         <p:txBody>
           <a:bodyPr/>
           <a:lstStyle/>
@@ -685,13 +2794,13 @@
               <a:rPr lang="ru-RU" smtClean="0"/>
               <a:t>Образец заголовка</a:t>
             </a:r>
-            <a:endParaRPr lang="en-US"/>
-          </a:p>
-        </p:txBody>
-      </p:sp>
-      <p:sp>
-        <p:nvSpPr>
-          <p:cNvPr id="3" name="Объект 2"/>
+            <a:endParaRPr lang="en-US" dirty="0"/>
+          </a:p>
+        </p:txBody>
+      </p:sp>
+      <p:sp>
+        <p:nvSpPr>
+          <p:cNvPr id="3" name="Content Placeholder 2"/>
           <p:cNvSpPr>
             <a:spLocks noGrp="1"/>
           </p:cNvSpPr>
@@ -699,7 +2808,12 @@
             <p:ph idx="1"/>
           </p:nvPr>
         </p:nvSpPr>
-        <p:spPr/>
+        <p:spPr>
+          <a:xfrm>
+            <a:off x="2589212" y="2133600"/>
+            <a:ext cx="8915400" cy="3777622"/>
+          </a:xfrm>
+        </p:spPr>
         <p:txBody>
           <a:bodyPr/>
           <a:lstStyle/>
@@ -737,13 +2851,13 @@
               <a:rPr lang="ru-RU" smtClean="0"/>
               <a:t>Пятый уровень</a:t>
             </a:r>
-            <a:endParaRPr lang="en-US"/>
-          </a:p>
-        </p:txBody>
-      </p:sp>
-      <p:sp>
-        <p:nvSpPr>
-          <p:cNvPr id="4" name="Дата 3"/>
+            <a:endParaRPr lang="en-US" dirty="0"/>
+          </a:p>
+        </p:txBody>
+      </p:sp>
+      <p:sp>
+        <p:nvSpPr>
+          <p:cNvPr id="4" name="Date Placeholder 3"/>
           <p:cNvSpPr>
             <a:spLocks noGrp="1"/>
           </p:cNvSpPr>
@@ -758,7 +2872,7 @@
           <a:p>
             <a:fld id="{8A5229FB-8832-4A27-994F-F3EDC38C3527}" type="datetimeFigureOut">
               <a:rPr lang="en-US" smtClean="0"/>
-              <a:t>3/24/2020</a:t>
+              <a:t>3/26/2020</a:t>
             </a:fld>
             <a:endParaRPr lang="en-US"/>
           </a:p>
@@ -766,7 +2880,7 @@
       </p:sp>
       <p:sp>
         <p:nvSpPr>
-          <p:cNvPr id="5" name="Нижний колонтитул 4"/>
+          <p:cNvPr id="5" name="Footer Placeholder 4"/>
           <p:cNvSpPr>
             <a:spLocks noGrp="1"/>
           </p:cNvSpPr>
@@ -785,7 +2899,89 @@
       </p:sp>
       <p:sp>
         <p:nvSpPr>
-          <p:cNvPr id="6" name="Номер слайда 5"/>
+          <p:cNvPr id="8" name="Freeform 11"/>
+          <p:cNvSpPr/>
+          <p:nvPr/>
+        </p:nvSpPr>
+        <p:spPr bwMode="auto">
+          <a:xfrm flipV="1">
+            <a:off x="-4189" y="714375"/>
+            <a:ext cx="1588527" cy="507297"/>
+          </a:xfrm>
+          <a:custGeom>
+            <a:avLst/>
+            <a:gdLst/>
+            <a:ahLst/>
+            <a:cxnLst/>
+            <a:rect l="l" t="t" r="r" b="b"/>
+            <a:pathLst>
+              <a:path w="9248" h="10000">
+                <a:moveTo>
+                  <a:pt x="9248" y="4701"/>
+                </a:moveTo>
+                <a:lnTo>
+                  <a:pt x="7915" y="188"/>
+                </a:lnTo>
+                <a:cubicBezTo>
+                  <a:pt x="7906" y="156"/>
+                  <a:pt x="7895" y="126"/>
+                  <a:pt x="7886" y="94"/>
+                </a:cubicBezTo>
+                <a:cubicBezTo>
+                  <a:pt x="7859" y="0"/>
+                  <a:pt x="7831" y="0"/>
+                  <a:pt x="7803" y="0"/>
+                </a:cubicBezTo>
+                <a:lnTo>
+                  <a:pt x="7275" y="0"/>
+                </a:lnTo>
+                <a:lnTo>
+                  <a:pt x="0" y="70"/>
+                </a:lnTo>
+                <a:cubicBezTo>
+                  <a:pt x="8" y="3380"/>
+                  <a:pt x="17" y="6690"/>
+                  <a:pt x="25" y="10000"/>
+                </a:cubicBezTo>
+                <a:lnTo>
+                  <a:pt x="7275" y="9966"/>
+                </a:lnTo>
+                <a:lnTo>
+                  <a:pt x="7803" y="9966"/>
+                </a:lnTo>
+                <a:cubicBezTo>
+                  <a:pt x="7831" y="9966"/>
+                  <a:pt x="7859" y="9872"/>
+                  <a:pt x="7886" y="9872"/>
+                </a:cubicBezTo>
+                <a:cubicBezTo>
+                  <a:pt x="7886" y="9778"/>
+                  <a:pt x="7915" y="9778"/>
+                  <a:pt x="7915" y="9778"/>
+                </a:cubicBezTo>
+                <a:lnTo>
+                  <a:pt x="9248" y="5265"/>
+                </a:lnTo>
+                <a:cubicBezTo>
+                  <a:pt x="9303" y="5077"/>
+                  <a:pt x="9303" y="4889"/>
+                  <a:pt x="9248" y="4701"/>
+                </a:cubicBezTo>
+                <a:close/>
+              </a:path>
+            </a:pathLst>
+          </a:custGeom>
+          <a:solidFill>
+            <a:schemeClr val="accent1"/>
+          </a:solidFill>
+          <a:ln>
+            <a:noFill/>
+          </a:ln>
+        </p:spPr>
+      </p:sp>
+      <p:sp>
+        <p:nvSpPr>
+          <p:cNvPr id="6" name="Slide Number Placeholder 5"/>
           <p:cNvSpPr>
             <a:spLocks noGrp="1"/>
           </p:cNvSpPr>
@@ -809,7 +3005,7 @@
     </p:spTree>
     <p:extLst>
       <p:ext uri="{BB962C8B-B14F-4D97-AF65-F5344CB8AC3E}">
-        <p14:creationId xmlns:p14="http://schemas.microsoft.com/office/powerpoint/2010/main" val="3437878990"/>
+        <p14:creationId xmlns:p14="http://schemas.microsoft.com/office/powerpoint/2010/main" val="183111029"/>
       </p:ext>
     </p:extLst>
   </p:cSld>
@@ -838,7 +3034,7 @@
       </p:grpSpPr>
       <p:sp>
         <p:nvSpPr>
-          <p:cNvPr id="2" name="Заголовок 1"/>
+          <p:cNvPr id="2" name="Title 1"/>
           <p:cNvSpPr>
             <a:spLocks noGrp="1"/>
           </p:cNvSpPr>
@@ -848,15 +3044,15 @@
         </p:nvSpPr>
         <p:spPr>
           <a:xfrm>
-            <a:off x="831850" y="1709738"/>
-            <a:ext cx="10515600" cy="2852737"/>
+            <a:off x="2589212" y="2058750"/>
+            <a:ext cx="8915399" cy="1468800"/>
           </a:xfrm>
         </p:spPr>
         <p:txBody>
           <a:bodyPr anchor="b"/>
           <a:lstStyle>
-            <a:lvl1pPr>
-              <a:defRPr sz="6000"/>
+            <a:lvl1pPr algn="l">
+              <a:defRPr sz="4000" b="0" cap="none"/>
             </a:lvl1pPr>
           </a:lstStyle>
           <a:p>
@@ -864,13 +3060,13 @@
               <a:rPr lang="ru-RU" smtClean="0"/>
               <a:t>Образец заголовка</a:t>
             </a:r>
-            <a:endParaRPr lang="en-US"/>
-          </a:p>
-        </p:txBody>
-      </p:sp>
-      <p:sp>
-        <p:nvSpPr>
-          <p:cNvPr id="3" name="Текст 2"/>
+            <a:endParaRPr lang="en-US" dirty="0"/>
+          </a:p>
+        </p:txBody>
+      </p:sp>
+      <p:sp>
+        <p:nvSpPr>
+          <p:cNvPr id="3" name="Text Placeholder 2"/>
           <p:cNvSpPr>
             <a:spLocks noGrp="1"/>
           </p:cNvSpPr>
@@ -880,26 +3076,27 @@
         </p:nvSpPr>
         <p:spPr>
           <a:xfrm>
-            <a:off x="831850" y="4589463"/>
-            <a:ext cx="10515600" cy="1500187"/>
+            <a:off x="2589212" y="3530129"/>
+            <a:ext cx="8915399" cy="860400"/>
           </a:xfrm>
         </p:spPr>
         <p:txBody>
-          <a:bodyPr/>
+          <a:bodyPr anchor="t"/>
           <a:lstStyle>
-            <a:lvl1pPr marL="0" indent="0">
-              <a:buNone/>
-              <a:defRPr sz="2400">
+            <a:lvl1pPr marL="0" indent="0" algn="l">
+              <a:buNone/>
+              <a:defRPr sz="2000">
                 <a:solidFill>
                   <a:schemeClr val="tx1">
-                    <a:tint val="75000"/>
+                    <a:lumMod val="65000"/>
+                    <a:lumOff val="35000"/>
                   </a:schemeClr>
                 </a:solidFill>
               </a:defRPr>
             </a:lvl1pPr>
             <a:lvl2pPr marL="457200" indent="0">
               <a:buNone/>
-              <a:defRPr sz="2000">
+              <a:defRPr sz="1800">
                 <a:solidFill>
                   <a:schemeClr val="tx1">
                     <a:tint val="75000"/>
@@ -909,7 +3106,7 @@
             </a:lvl2pPr>
             <a:lvl3pPr marL="914400" indent="0">
               <a:buNone/>
-              <a:defRPr sz="1800">
+              <a:defRPr sz="1600">
                 <a:solidFill>
                   <a:schemeClr val="tx1">
                     <a:tint val="75000"/>
@@ -919,7 +3116,7 @@
             </a:lvl3pPr>
             <a:lvl4pPr marL="1371600" indent="0">
               <a:buNone/>
-              <a:defRPr sz="1600">
+              <a:defRPr sz="1400">
                 <a:solidFill>
                   <a:schemeClr val="tx1">
                     <a:tint val="75000"/>
@@ -929,7 +3126,7 @@
             </a:lvl4pPr>
             <a:lvl5pPr marL="1828800" indent="0">
               <a:buNone/>
-              <a:defRPr sz="1600">
+              <a:defRPr sz="1400">
                 <a:solidFill>
                   <a:schemeClr val="tx1">
                     <a:tint val="75000"/>
@@ -939,7 +3136,7 @@
             </a:lvl5pPr>
             <a:lvl6pPr marL="2286000" indent="0">
               <a:buNone/>
-              <a:defRPr sz="1600">
+              <a:defRPr sz="1400">
                 <a:solidFill>
                   <a:schemeClr val="tx1">
                     <a:tint val="75000"/>
@@ -949,7 +3146,7 @@
             </a:lvl6pPr>
             <a:lvl7pPr marL="2743200" indent="0">
               <a:buNone/>
-              <a:defRPr sz="1600">
+              <a:defRPr sz="1400">
                 <a:solidFill>
                   <a:schemeClr val="tx1">
                     <a:tint val="75000"/>
@@ -959,7 +3156,7 @@
             </a:lvl7pPr>
             <a:lvl8pPr marL="3200400" indent="0">
               <a:buNone/>
-              <a:defRPr sz="1600">
+              <a:defRPr sz="1400">
                 <a:solidFill>
                   <a:schemeClr val="tx1">
                     <a:tint val="75000"/>
@@ -969,7 +3166,7 @@
             </a:lvl8pPr>
             <a:lvl9pPr marL="3657600" indent="0">
               <a:buNone/>
-              <a:defRPr sz="1600">
+              <a:defRPr sz="1400">
                 <a:solidFill>
                   <a:schemeClr val="tx1">
                     <a:tint val="75000"/>
@@ -989,7 +3186,7 @@
       </p:sp>
       <p:sp>
         <p:nvSpPr>
-          <p:cNvPr id="4" name="Дата 3"/>
+          <p:cNvPr id="4" name="Date Placeholder 3"/>
           <p:cNvSpPr>
             <a:spLocks noGrp="1"/>
           </p:cNvSpPr>
@@ -1004,7 +3201,7 @@
           <a:p>
             <a:fld id="{8A5229FB-8832-4A27-994F-F3EDC38C3527}" type="datetimeFigureOut">
               <a:rPr lang="en-US" smtClean="0"/>
-              <a:t>3/24/2020</a:t>
+              <a:t>3/26/2020</a:t>
             </a:fld>
             <a:endParaRPr lang="en-US"/>
           </a:p>
@@ -1012,7 +3209,7 @@
       </p:sp>
       <p:sp>
         <p:nvSpPr>
-          <p:cNvPr id="5" name="Нижний колонтитул 4"/>
+          <p:cNvPr id="5" name="Footer Placeholder 4"/>
           <p:cNvSpPr>
             <a:spLocks noGrp="1"/>
           </p:cNvSpPr>
@@ -1031,7 +3228,89 @@
       </p:sp>
       <p:sp>
         <p:nvSpPr>
-          <p:cNvPr id="6" name="Номер слайда 5"/>
+          <p:cNvPr id="9" name="Freeform 11"/>
+          <p:cNvSpPr/>
+          <p:nvPr/>
+        </p:nvSpPr>
+        <p:spPr bwMode="auto">
+          <a:xfrm flipV="1">
+            <a:off x="-4189" y="3178175"/>
+            <a:ext cx="1588527" cy="507297"/>
+          </a:xfrm>
+          <a:custGeom>
+            <a:avLst/>
+            <a:gdLst/>
+            <a:ahLst/>
+            <a:cxnLst/>
+            <a:rect l="l" t="t" r="r" b="b"/>
+            <a:pathLst>
+              <a:path w="9248" h="10000">
+                <a:moveTo>
+                  <a:pt x="9248" y="4701"/>
+                </a:moveTo>
+                <a:lnTo>
+                  <a:pt x="7915" y="188"/>
+                </a:lnTo>
+                <a:cubicBezTo>
+                  <a:pt x="7906" y="156"/>
+                  <a:pt x="7895" y="126"/>
+                  <a:pt x="7886" y="94"/>
+                </a:cubicBezTo>
+                <a:cubicBezTo>
+                  <a:pt x="7859" y="0"/>
+                  <a:pt x="7831" y="0"/>
+                  <a:pt x="7803" y="0"/>
+                </a:cubicBezTo>
+                <a:lnTo>
+                  <a:pt x="7275" y="0"/>
+                </a:lnTo>
+                <a:lnTo>
+                  <a:pt x="0" y="70"/>
+                </a:lnTo>
+                <a:cubicBezTo>
+                  <a:pt x="8" y="3380"/>
+                  <a:pt x="17" y="6690"/>
+                  <a:pt x="25" y="10000"/>
+                </a:cubicBezTo>
+                <a:lnTo>
+                  <a:pt x="7275" y="9966"/>
+                </a:lnTo>
+                <a:lnTo>
+                  <a:pt x="7803" y="9966"/>
+                </a:lnTo>
+                <a:cubicBezTo>
+                  <a:pt x="7831" y="9966"/>
+                  <a:pt x="7859" y="9872"/>
+                  <a:pt x="7886" y="9872"/>
+                </a:cubicBezTo>
+                <a:cubicBezTo>
+                  <a:pt x="7886" y="9778"/>
+                  <a:pt x="7915" y="9778"/>
+                  <a:pt x="7915" y="9778"/>
+                </a:cubicBezTo>
+                <a:lnTo>
+                  <a:pt x="9248" y="5265"/>
+                </a:lnTo>
+                <a:cubicBezTo>
+                  <a:pt x="9303" y="5077"/>
+                  <a:pt x="9303" y="4889"/>
+                  <a:pt x="9248" y="4701"/>
+                </a:cubicBezTo>
+                <a:close/>
+              </a:path>
+            </a:pathLst>
+          </a:custGeom>
+          <a:solidFill>
+            <a:schemeClr val="accent1"/>
+          </a:solidFill>
+          <a:ln>
+            <a:noFill/>
+          </a:ln>
+        </p:spPr>
+      </p:sp>
+      <p:sp>
+        <p:nvSpPr>
+          <p:cNvPr id="6" name="Slide Number Placeholder 5"/>
           <p:cNvSpPr>
             <a:spLocks noGrp="1"/>
           </p:cNvSpPr>
@@ -1039,7 +3318,12 @@
             <p:ph type="sldNum" sz="quarter" idx="12"/>
           </p:nvPr>
         </p:nvSpPr>
-        <p:spPr/>
+        <p:spPr>
+          <a:xfrm>
+            <a:off x="531812" y="3244139"/>
+            <a:ext cx="779767" cy="365125"/>
+          </a:xfrm>
+        </p:spPr>
         <p:txBody>
           <a:bodyPr/>
           <a:lstStyle/>
@@ -1055,7 +3339,7 @@
     </p:spTree>
     <p:extLst>
       <p:ext uri="{BB962C8B-B14F-4D97-AF65-F5344CB8AC3E}">
-        <p14:creationId xmlns:p14="http://schemas.microsoft.com/office/powerpoint/2010/main" val="3790926875"/>
+        <p14:creationId xmlns:p14="http://schemas.microsoft.com/office/powerpoint/2010/main" val="3018608048"/>
       </p:ext>
     </p:extLst>
   </p:cSld>
@@ -1084,7 +3368,7 @@
       </p:grpSpPr>
       <p:sp>
         <p:nvSpPr>
-          <p:cNvPr id="2" name="Заголовок 1"/>
+          <p:cNvPr id="8" name="Title 7"/>
           <p:cNvSpPr>
             <a:spLocks noGrp="1"/>
           </p:cNvSpPr>
@@ -1101,13 +3385,13 @@
               <a:rPr lang="ru-RU" smtClean="0"/>
               <a:t>Образец заголовка</a:t>
             </a:r>
-            <a:endParaRPr lang="en-US"/>
-          </a:p>
-        </p:txBody>
-      </p:sp>
-      <p:sp>
-        <p:nvSpPr>
-          <p:cNvPr id="3" name="Объект 2"/>
+            <a:endParaRPr lang="en-US" dirty="0"/>
+          </a:p>
+        </p:txBody>
+      </p:sp>
+      <p:sp>
+        <p:nvSpPr>
+          <p:cNvPr id="3" name="Content Placeholder 2"/>
           <p:cNvSpPr>
             <a:spLocks noGrp="1"/>
           </p:cNvSpPr>
@@ -1117,161 +3401,252 @@
         </p:nvSpPr>
         <p:spPr>
           <a:xfrm>
-            <a:off x="838200" y="1825625"/>
-            <a:ext cx="5181600" cy="4351338"/>
+            <a:off x="2589212" y="2133600"/>
+            <a:ext cx="4313864" cy="3777622"/>
           </a:xfrm>
         </p:spPr>
         <p:txBody>
+          <a:bodyPr>
+            <a:normAutofit/>
+          </a:bodyPr>
+          <a:lstStyle/>
+          <a:p>
+            <a:pPr lvl="0"/>
+            <a:r>
+              <a:rPr lang="ru-RU" smtClean="0"/>
+              <a:t>Образец текста</a:t>
+            </a:r>
+          </a:p>
+          <a:p>
+            <a:pPr lvl="1"/>
+            <a:r>
+              <a:rPr lang="ru-RU" smtClean="0"/>
+              <a:t>Второй уровень</a:t>
+            </a:r>
+          </a:p>
+          <a:p>
+            <a:pPr lvl="2"/>
+            <a:r>
+              <a:rPr lang="ru-RU" smtClean="0"/>
+              <a:t>Третий уровень</a:t>
+            </a:r>
+          </a:p>
+          <a:p>
+            <a:pPr lvl="3"/>
+            <a:r>
+              <a:rPr lang="ru-RU" smtClean="0"/>
+              <a:t>Четвертый уровень</a:t>
+            </a:r>
+          </a:p>
+          <a:p>
+            <a:pPr lvl="4"/>
+            <a:r>
+              <a:rPr lang="ru-RU" smtClean="0"/>
+              <a:t>Пятый уровень</a:t>
+            </a:r>
+            <a:endParaRPr lang="en-US" dirty="0"/>
+          </a:p>
+        </p:txBody>
+      </p:sp>
+      <p:sp>
+        <p:nvSpPr>
+          <p:cNvPr id="4" name="Content Placeholder 3"/>
+          <p:cNvSpPr>
+            <a:spLocks noGrp="1"/>
+          </p:cNvSpPr>
+          <p:nvPr>
+            <p:ph sz="half" idx="2"/>
+          </p:nvPr>
+        </p:nvSpPr>
+        <p:spPr>
+          <a:xfrm>
+            <a:off x="7190747" y="2126222"/>
+            <a:ext cx="4313864" cy="3777622"/>
+          </a:xfrm>
+        </p:spPr>
+        <p:txBody>
+          <a:bodyPr>
+            <a:normAutofit/>
+          </a:bodyPr>
+          <a:lstStyle/>
+          <a:p>
+            <a:pPr lvl="0"/>
+            <a:r>
+              <a:rPr lang="ru-RU" smtClean="0"/>
+              <a:t>Образец текста</a:t>
+            </a:r>
+          </a:p>
+          <a:p>
+            <a:pPr lvl="1"/>
+            <a:r>
+              <a:rPr lang="ru-RU" smtClean="0"/>
+              <a:t>Второй уровень</a:t>
+            </a:r>
+          </a:p>
+          <a:p>
+            <a:pPr lvl="2"/>
+            <a:r>
+              <a:rPr lang="ru-RU" smtClean="0"/>
+              <a:t>Третий уровень</a:t>
+            </a:r>
+          </a:p>
+          <a:p>
+            <a:pPr lvl="3"/>
+            <a:r>
+              <a:rPr lang="ru-RU" smtClean="0"/>
+              <a:t>Четвертый уровень</a:t>
+            </a:r>
+          </a:p>
+          <a:p>
+            <a:pPr lvl="4"/>
+            <a:r>
+              <a:rPr lang="ru-RU" smtClean="0"/>
+              <a:t>Пятый уровень</a:t>
+            </a:r>
+            <a:endParaRPr lang="en-US" dirty="0"/>
+          </a:p>
+        </p:txBody>
+      </p:sp>
+      <p:sp>
+        <p:nvSpPr>
+          <p:cNvPr id="5" name="Date Placeholder 4"/>
+          <p:cNvSpPr>
+            <a:spLocks noGrp="1"/>
+          </p:cNvSpPr>
+          <p:nvPr>
+            <p:ph type="dt" sz="half" idx="10"/>
+          </p:nvPr>
+        </p:nvSpPr>
+        <p:spPr/>
+        <p:txBody>
           <a:bodyPr/>
           <a:lstStyle/>
           <a:p>
-            <a:pPr lvl="0"/>
-            <a:r>
-              <a:rPr lang="ru-RU" smtClean="0"/>
-              <a:t>Образец текста</a:t>
-            </a:r>
-          </a:p>
-          <a:p>
-            <a:pPr lvl="1"/>
-            <a:r>
-              <a:rPr lang="ru-RU" smtClean="0"/>
-              <a:t>Второй уровень</a:t>
-            </a:r>
-          </a:p>
-          <a:p>
-            <a:pPr lvl="2"/>
-            <a:r>
-              <a:rPr lang="ru-RU" smtClean="0"/>
-              <a:t>Третий уровень</a:t>
-            </a:r>
-          </a:p>
-          <a:p>
-            <a:pPr lvl="3"/>
-            <a:r>
-              <a:rPr lang="ru-RU" smtClean="0"/>
-              <a:t>Четвертый уровень</a:t>
-            </a:r>
-          </a:p>
-          <a:p>
-            <a:pPr lvl="4"/>
-            <a:r>
-              <a:rPr lang="ru-RU" smtClean="0"/>
-              <a:t>Пятый уровень</a:t>
-            </a:r>
+            <a:fld id="{8A5229FB-8832-4A27-994F-F3EDC38C3527}" type="datetimeFigureOut">
+              <a:rPr lang="en-US" smtClean="0"/>
+              <a:t>3/26/2020</a:t>
+            </a:fld>
             <a:endParaRPr lang="en-US"/>
           </a:p>
         </p:txBody>
       </p:sp>
       <p:sp>
         <p:nvSpPr>
-          <p:cNvPr id="4" name="Объект 3"/>
-          <p:cNvSpPr>
-            <a:spLocks noGrp="1"/>
-          </p:cNvSpPr>
-          <p:nvPr>
-            <p:ph sz="half" idx="2"/>
+          <p:cNvPr id="6" name="Footer Placeholder 5"/>
+          <p:cNvSpPr>
+            <a:spLocks noGrp="1"/>
+          </p:cNvSpPr>
+          <p:nvPr>
+            <p:ph type="ftr" sz="quarter" idx="11"/>
+          </p:nvPr>
+        </p:nvSpPr>
+        <p:spPr/>
+        <p:txBody>
+          <a:bodyPr/>
+          <a:lstStyle/>
+          <a:p>
+            <a:endParaRPr lang="en-US"/>
+          </a:p>
+        </p:txBody>
+      </p:sp>
+      <p:sp>
+        <p:nvSpPr>
+          <p:cNvPr id="10" name="Freeform 11"/>
+          <p:cNvSpPr/>
+          <p:nvPr/>
+        </p:nvSpPr>
+        <p:spPr bwMode="auto">
+          <a:xfrm flipV="1">
+            <a:off x="-4189" y="714375"/>
+            <a:ext cx="1588527" cy="507297"/>
+          </a:xfrm>
+          <a:custGeom>
+            <a:avLst/>
+            <a:gdLst/>
+            <a:ahLst/>
+            <a:cxnLst/>
+            <a:rect l="l" t="t" r="r" b="b"/>
+            <a:pathLst>
+              <a:path w="9248" h="10000">
+                <a:moveTo>
+                  <a:pt x="9248" y="4701"/>
+                </a:moveTo>
+                <a:lnTo>
+                  <a:pt x="7915" y="188"/>
+                </a:lnTo>
+                <a:cubicBezTo>
+                  <a:pt x="7906" y="156"/>
+                  <a:pt x="7895" y="126"/>
+                  <a:pt x="7886" y="94"/>
+                </a:cubicBezTo>
+                <a:cubicBezTo>
+                  <a:pt x="7859" y="0"/>
+                  <a:pt x="7831" y="0"/>
+                  <a:pt x="7803" y="0"/>
+                </a:cubicBezTo>
+                <a:lnTo>
+                  <a:pt x="7275" y="0"/>
+                </a:lnTo>
+                <a:lnTo>
+                  <a:pt x="0" y="70"/>
+                </a:lnTo>
+                <a:cubicBezTo>
+                  <a:pt x="8" y="3380"/>
+                  <a:pt x="17" y="6690"/>
+                  <a:pt x="25" y="10000"/>
+                </a:cubicBezTo>
+                <a:lnTo>
+                  <a:pt x="7275" y="9966"/>
+                </a:lnTo>
+                <a:lnTo>
+                  <a:pt x="7803" y="9966"/>
+                </a:lnTo>
+                <a:cubicBezTo>
+                  <a:pt x="7831" y="9966"/>
+                  <a:pt x="7859" y="9872"/>
+                  <a:pt x="7886" y="9872"/>
+                </a:cubicBezTo>
+                <a:cubicBezTo>
+                  <a:pt x="7886" y="9778"/>
+                  <a:pt x="7915" y="9778"/>
+                  <a:pt x="7915" y="9778"/>
+                </a:cubicBezTo>
+                <a:lnTo>
+                  <a:pt x="9248" y="5265"/>
+                </a:lnTo>
+                <a:cubicBezTo>
+                  <a:pt x="9303" y="5077"/>
+                  <a:pt x="9303" y="4889"/>
+                  <a:pt x="9248" y="4701"/>
+                </a:cubicBezTo>
+                <a:close/>
+              </a:path>
+            </a:pathLst>
+          </a:custGeom>
+          <a:solidFill>
+            <a:schemeClr val="accent1"/>
+          </a:solidFill>
+          <a:ln>
+            <a:noFill/>
+          </a:ln>
+        </p:spPr>
+      </p:sp>
+      <p:sp>
+        <p:nvSpPr>
+          <p:cNvPr id="11" name="Slide Number Placeholder 5"/>
+          <p:cNvSpPr>
+            <a:spLocks noGrp="1"/>
+          </p:cNvSpPr>
+          <p:nvPr>
+            <p:ph type="sldNum" sz="quarter" idx="12"/>
           </p:nvPr>
         </p:nvSpPr>
         <p:spPr>
           <a:xfrm>
-            <a:off x="6172200" y="1825625"/>
-            <a:ext cx="5181600" cy="4351338"/>
+            <a:off x="531812" y="787782"/>
+            <a:ext cx="779767" cy="365125"/>
           </a:xfrm>
         </p:spPr>
-        <p:txBody>
-          <a:bodyPr/>
-          <a:lstStyle/>
-          <a:p>
-            <a:pPr lvl="0"/>
-            <a:r>
-              <a:rPr lang="ru-RU" smtClean="0"/>
-              <a:t>Образец текста</a:t>
-            </a:r>
-          </a:p>
-          <a:p>
-            <a:pPr lvl="1"/>
-            <a:r>
-              <a:rPr lang="ru-RU" smtClean="0"/>
-              <a:t>Второй уровень</a:t>
-            </a:r>
-          </a:p>
-          <a:p>
-            <a:pPr lvl="2"/>
-            <a:r>
-              <a:rPr lang="ru-RU" smtClean="0"/>
-              <a:t>Третий уровень</a:t>
-            </a:r>
-          </a:p>
-          <a:p>
-            <a:pPr lvl="3"/>
-            <a:r>
-              <a:rPr lang="ru-RU" smtClean="0"/>
-              <a:t>Четвертый уровень</a:t>
-            </a:r>
-          </a:p>
-          <a:p>
-            <a:pPr lvl="4"/>
-            <a:r>
-              <a:rPr lang="ru-RU" smtClean="0"/>
-              <a:t>Пятый уровень</a:t>
-            </a:r>
-            <a:endParaRPr lang="en-US"/>
-          </a:p>
-        </p:txBody>
-      </p:sp>
-      <p:sp>
-        <p:nvSpPr>
-          <p:cNvPr id="5" name="Дата 4"/>
-          <p:cNvSpPr>
-            <a:spLocks noGrp="1"/>
-          </p:cNvSpPr>
-          <p:nvPr>
-            <p:ph type="dt" sz="half" idx="10"/>
-          </p:nvPr>
-        </p:nvSpPr>
-        <p:spPr/>
-        <p:txBody>
-          <a:bodyPr/>
-          <a:lstStyle/>
-          <a:p>
-            <a:fld id="{8A5229FB-8832-4A27-994F-F3EDC38C3527}" type="datetimeFigureOut">
-              <a:rPr lang="en-US" smtClean="0"/>
-              <a:t>3/24/2020</a:t>
-            </a:fld>
-            <a:endParaRPr lang="en-US"/>
-          </a:p>
-        </p:txBody>
-      </p:sp>
-      <p:sp>
-        <p:nvSpPr>
-          <p:cNvPr id="6" name="Нижний колонтитул 5"/>
-          <p:cNvSpPr>
-            <a:spLocks noGrp="1"/>
-          </p:cNvSpPr>
-          <p:nvPr>
-            <p:ph type="ftr" sz="quarter" idx="11"/>
-          </p:nvPr>
-        </p:nvSpPr>
-        <p:spPr/>
-        <p:txBody>
-          <a:bodyPr/>
-          <a:lstStyle/>
-          <a:p>
-            <a:endParaRPr lang="en-US"/>
-          </a:p>
-        </p:txBody>
-      </p:sp>
-      <p:sp>
-        <p:nvSpPr>
-          <p:cNvPr id="7" name="Номер слайда 6"/>
-          <p:cNvSpPr>
-            <a:spLocks noGrp="1"/>
-          </p:cNvSpPr>
-          <p:nvPr>
-            <p:ph type="sldNum" sz="quarter" idx="12"/>
-          </p:nvPr>
-        </p:nvSpPr>
-        <p:spPr/>
         <p:txBody>
           <a:bodyPr/>
           <a:lstStyle/>
@@ -1287,7 +3662,7 @@
     </p:spTree>
     <p:extLst>
       <p:ext uri="{BB962C8B-B14F-4D97-AF65-F5344CB8AC3E}">
-        <p14:creationId xmlns:p14="http://schemas.microsoft.com/office/powerpoint/2010/main" val="502682258"/>
+        <p14:creationId xmlns:p14="http://schemas.microsoft.com/office/powerpoint/2010/main" val="421923680"/>
       </p:ext>
     </p:extLst>
   </p:cSld>
@@ -1316,54 +3691,51 @@
       </p:grpSpPr>
       <p:sp>
         <p:nvSpPr>
-          <p:cNvPr id="2" name="Заголовок 1"/>
+          <p:cNvPr id="10" name="Title 9"/>
           <p:cNvSpPr>
             <a:spLocks noGrp="1"/>
           </p:cNvSpPr>
           <p:nvPr>
             <p:ph type="title"/>
+          </p:nvPr>
+        </p:nvSpPr>
+        <p:spPr/>
+        <p:txBody>
+          <a:bodyPr/>
+          <a:lstStyle/>
+          <a:p>
+            <a:r>
+              <a:rPr lang="ru-RU" smtClean="0"/>
+              <a:t>Образец заголовка</a:t>
+            </a:r>
+            <a:endParaRPr lang="en-US" dirty="0"/>
+          </a:p>
+        </p:txBody>
+      </p:sp>
+      <p:sp>
+        <p:nvSpPr>
+          <p:cNvPr id="3" name="Text Placeholder 2"/>
+          <p:cNvSpPr>
+            <a:spLocks noGrp="1"/>
+          </p:cNvSpPr>
+          <p:nvPr>
+            <p:ph type="body" idx="1"/>
           </p:nvPr>
         </p:nvSpPr>
         <p:spPr>
           <a:xfrm>
-            <a:off x="839788" y="365125"/>
-            <a:ext cx="10515600" cy="1325563"/>
+            <a:off x="2939373" y="1972703"/>
+            <a:ext cx="3992732" cy="576262"/>
           </a:xfrm>
         </p:spPr>
         <p:txBody>
-          <a:bodyPr/>
-          <a:lstStyle/>
-          <a:p>
-            <a:r>
-              <a:rPr lang="ru-RU" smtClean="0"/>
-              <a:t>Образец заголовка</a:t>
-            </a:r>
-            <a:endParaRPr lang="en-US"/>
-          </a:p>
-        </p:txBody>
-      </p:sp>
-      <p:sp>
-        <p:nvSpPr>
-          <p:cNvPr id="3" name="Текст 2"/>
-          <p:cNvSpPr>
-            <a:spLocks noGrp="1"/>
-          </p:cNvSpPr>
-          <p:nvPr>
-            <p:ph type="body" idx="1"/>
-          </p:nvPr>
-        </p:nvSpPr>
-        <p:spPr>
-          <a:xfrm>
-            <a:off x="839788" y="1681163"/>
-            <a:ext cx="5157787" cy="823912"/>
-          </a:xfrm>
-        </p:spPr>
-        <p:txBody>
-          <a:bodyPr anchor="b"/>
+          <a:bodyPr anchor="b">
+            <a:noAutofit/>
+          </a:bodyPr>
           <a:lstStyle>
             <a:lvl1pPr marL="0" indent="0">
               <a:buNone/>
-              <a:defRPr sz="2400" b="1"/>
+              <a:defRPr sz="2400" b="0"/>
             </a:lvl1pPr>
             <a:lvl2pPr marL="457200" indent="0">
               <a:buNone/>
@@ -1409,7 +3781,7 @@
       </p:sp>
       <p:sp>
         <p:nvSpPr>
-          <p:cNvPr id="4" name="Объект 3"/>
+          <p:cNvPr id="4" name="Content Placeholder 3"/>
           <p:cNvSpPr>
             <a:spLocks noGrp="1"/>
           </p:cNvSpPr>
@@ -1419,12 +3791,14 @@
         </p:nvSpPr>
         <p:spPr>
           <a:xfrm>
-            <a:off x="839788" y="2505075"/>
-            <a:ext cx="5157787" cy="3684588"/>
+            <a:off x="2589212" y="2548966"/>
+            <a:ext cx="4342893" cy="3354060"/>
           </a:xfrm>
         </p:spPr>
         <p:txBody>
-          <a:bodyPr/>
+          <a:bodyPr>
+            <a:normAutofit/>
+          </a:bodyPr>
           <a:lstStyle/>
           <a:p>
             <a:pPr lvl="0"/>
@@ -1460,13 +3834,13 @@
               <a:rPr lang="ru-RU" smtClean="0"/>
               <a:t>Пятый уровень</a:t>
             </a:r>
-            <a:endParaRPr lang="en-US"/>
-          </a:p>
-        </p:txBody>
-      </p:sp>
-      <p:sp>
-        <p:nvSpPr>
-          <p:cNvPr id="5" name="Текст 4"/>
+            <a:endParaRPr lang="en-US" dirty="0"/>
+          </a:p>
+        </p:txBody>
+      </p:sp>
+      <p:sp>
+        <p:nvSpPr>
+          <p:cNvPr id="5" name="Text Placeholder 4"/>
           <p:cNvSpPr>
             <a:spLocks noGrp="1"/>
           </p:cNvSpPr>
@@ -1476,16 +3850,18 @@
         </p:nvSpPr>
         <p:spPr>
           <a:xfrm>
-            <a:off x="6172200" y="1681163"/>
-            <a:ext cx="5183188" cy="823912"/>
+            <a:off x="7506629" y="1969475"/>
+            <a:ext cx="3999001" cy="576262"/>
           </a:xfrm>
         </p:spPr>
         <p:txBody>
-          <a:bodyPr anchor="b"/>
+          <a:bodyPr anchor="b">
+            <a:noAutofit/>
+          </a:bodyPr>
           <a:lstStyle>
             <a:lvl1pPr marL="0" indent="0">
               <a:buNone/>
-              <a:defRPr sz="2400" b="1"/>
+              <a:defRPr sz="2400" b="0"/>
             </a:lvl1pPr>
             <a:lvl2pPr marL="457200" indent="0">
               <a:buNone/>
@@ -1531,7 +3907,7 @@
       </p:sp>
       <p:sp>
         <p:nvSpPr>
-          <p:cNvPr id="6" name="Объект 5"/>
+          <p:cNvPr id="6" name="Content Placeholder 5"/>
           <p:cNvSpPr>
             <a:spLocks noGrp="1"/>
           </p:cNvSpPr>
@@ -1541,59 +3917,84 @@
         </p:nvSpPr>
         <p:spPr>
           <a:xfrm>
-            <a:off x="6172200" y="2505075"/>
-            <a:ext cx="5183188" cy="3684588"/>
+            <a:off x="7166957" y="2545738"/>
+            <a:ext cx="4338674" cy="3354060"/>
           </a:xfrm>
         </p:spPr>
         <p:txBody>
+          <a:bodyPr>
+            <a:normAutofit/>
+          </a:bodyPr>
+          <a:lstStyle/>
+          <a:p>
+            <a:pPr lvl="0"/>
+            <a:r>
+              <a:rPr lang="ru-RU" smtClean="0"/>
+              <a:t>Образец текста</a:t>
+            </a:r>
+          </a:p>
+          <a:p>
+            <a:pPr lvl="1"/>
+            <a:r>
+              <a:rPr lang="ru-RU" smtClean="0"/>
+              <a:t>Второй уровень</a:t>
+            </a:r>
+          </a:p>
+          <a:p>
+            <a:pPr lvl="2"/>
+            <a:r>
+              <a:rPr lang="ru-RU" smtClean="0"/>
+              <a:t>Третий уровень</a:t>
+            </a:r>
+          </a:p>
+          <a:p>
+            <a:pPr lvl="3"/>
+            <a:r>
+              <a:rPr lang="ru-RU" smtClean="0"/>
+              <a:t>Четвертый уровень</a:t>
+            </a:r>
+          </a:p>
+          <a:p>
+            <a:pPr lvl="4"/>
+            <a:r>
+              <a:rPr lang="ru-RU" smtClean="0"/>
+              <a:t>Пятый уровень</a:t>
+            </a:r>
+            <a:endParaRPr lang="en-US" dirty="0"/>
+          </a:p>
+        </p:txBody>
+      </p:sp>
+      <p:sp>
+        <p:nvSpPr>
+          <p:cNvPr id="7" name="Date Placeholder 6"/>
+          <p:cNvSpPr>
+            <a:spLocks noGrp="1"/>
+          </p:cNvSpPr>
+          <p:nvPr>
+            <p:ph type="dt" sz="half" idx="10"/>
+          </p:nvPr>
+        </p:nvSpPr>
+        <p:spPr/>
+        <p:txBody>
           <a:bodyPr/>
           <a:lstStyle/>
           <a:p>
-            <a:pPr lvl="0"/>
-            <a:r>
-              <a:rPr lang="ru-RU" smtClean="0"/>
-              <a:t>Образец текста</a:t>
-            </a:r>
-          </a:p>
-          <a:p>
-            <a:pPr lvl="1"/>
-            <a:r>
-              <a:rPr lang="ru-RU" smtClean="0"/>
-              <a:t>Второй уровень</a:t>
-            </a:r>
-          </a:p>
-          <a:p>
-            <a:pPr lvl="2"/>
-            <a:r>
-              <a:rPr lang="ru-RU" smtClean="0"/>
-              <a:t>Третий уровень</a:t>
-            </a:r>
-          </a:p>
-          <a:p>
-            <a:pPr lvl="3"/>
-            <a:r>
-              <a:rPr lang="ru-RU" smtClean="0"/>
-              <a:t>Четвертый уровень</a:t>
-            </a:r>
-          </a:p>
-          <a:p>
-            <a:pPr lvl="4"/>
-            <a:r>
-              <a:rPr lang="ru-RU" smtClean="0"/>
-              <a:t>Пятый уровень</a:t>
-            </a:r>
+            <a:fld id="{8A5229FB-8832-4A27-994F-F3EDC38C3527}" type="datetimeFigureOut">
+              <a:rPr lang="en-US" smtClean="0"/>
+              <a:t>3/26/2020</a:t>
+            </a:fld>
             <a:endParaRPr lang="en-US"/>
           </a:p>
         </p:txBody>
       </p:sp>
       <p:sp>
         <p:nvSpPr>
-          <p:cNvPr id="7" name="Дата 6"/>
-          <p:cNvSpPr>
-            <a:spLocks noGrp="1"/>
-          </p:cNvSpPr>
-          <p:nvPr>
-            <p:ph type="dt" sz="half" idx="10"/>
+          <p:cNvPr id="8" name="Footer Placeholder 7"/>
+          <p:cNvSpPr>
+            <a:spLocks noGrp="1"/>
+          </p:cNvSpPr>
+          <p:nvPr>
+            <p:ph type="ftr" sz="quarter" idx="11"/>
           </p:nvPr>
         </p:nvSpPr>
         <p:spPr/>
@@ -1601,36 +4002,95 @@
           <a:bodyPr/>
           <a:lstStyle/>
           <a:p>
-            <a:fld id="{8A5229FB-8832-4A27-994F-F3EDC38C3527}" type="datetimeFigureOut">
-              <a:rPr lang="en-US" smtClean="0"/>
-              <a:t>3/24/2020</a:t>
-            </a:fld>
             <a:endParaRPr lang="en-US"/>
           </a:p>
         </p:txBody>
       </p:sp>
       <p:sp>
         <p:nvSpPr>
-          <p:cNvPr id="8" name="Нижний колонтитул 7"/>
-          <p:cNvSpPr>
-            <a:spLocks noGrp="1"/>
-          </p:cNvSpPr>
-          <p:nvPr>
-            <p:ph type="ftr" sz="quarter" idx="11"/>
-          </p:nvPr>
-        </p:nvSpPr>
-        <p:spPr/>
-        <p:txBody>
-          <a:bodyPr/>
-          <a:lstStyle/>
-          <a:p>
-            <a:endParaRPr lang="en-US"/>
-          </a:p>
-        </p:txBody>
-      </p:sp>
-      <p:sp>
-        <p:nvSpPr>
-          <p:cNvPr id="9" name="Номер слайда 8"/>
+          <p:cNvPr id="12" name="Freeform 11"/>
+          <p:cNvSpPr/>
+          <p:nvPr/>
+        </p:nvSpPr>
+        <p:spPr bwMode="auto">
+          <a:xfrm flipV="1">
+            <a:off x="-4189" y="714375"/>
+            <a:ext cx="1588527" cy="507297"/>
+          </a:xfrm>
+          <a:custGeom>
+            <a:avLst/>
+            <a:gdLst/>
+            <a:ahLst/>
+            <a:cxnLst/>
+            <a:rect l="l" t="t" r="r" b="b"/>
+            <a:pathLst>
+              <a:path w="9248" h="10000">
+                <a:moveTo>
+                  <a:pt x="9248" y="4701"/>
+                </a:moveTo>
+                <a:lnTo>
+                  <a:pt x="7915" y="188"/>
+                </a:lnTo>
+                <a:cubicBezTo>
+                  <a:pt x="7906" y="156"/>
+                  <a:pt x="7895" y="126"/>
+                  <a:pt x="7886" y="94"/>
+                </a:cubicBezTo>
+                <a:cubicBezTo>
+                  <a:pt x="7859" y="0"/>
+                  <a:pt x="7831" y="0"/>
+                  <a:pt x="7803" y="0"/>
+                </a:cubicBezTo>
+                <a:lnTo>
+                  <a:pt x="7275" y="0"/>
+                </a:lnTo>
+                <a:lnTo>
+                  <a:pt x="0" y="70"/>
+                </a:lnTo>
+                <a:cubicBezTo>
+                  <a:pt x="8" y="3380"/>
+                  <a:pt x="17" y="6690"/>
+                  <a:pt x="25" y="10000"/>
+                </a:cubicBezTo>
+                <a:lnTo>
+                  <a:pt x="7275" y="9966"/>
+                </a:lnTo>
+                <a:lnTo>
+                  <a:pt x="7803" y="9966"/>
+                </a:lnTo>
+                <a:cubicBezTo>
+                  <a:pt x="7831" y="9966"/>
+                  <a:pt x="7859" y="9872"/>
+                  <a:pt x="7886" y="9872"/>
+                </a:cubicBezTo>
+                <a:cubicBezTo>
+                  <a:pt x="7886" y="9778"/>
+                  <a:pt x="7915" y="9778"/>
+                  <a:pt x="7915" y="9778"/>
+                </a:cubicBezTo>
+                <a:lnTo>
+                  <a:pt x="9248" y="5265"/>
+                </a:lnTo>
+                <a:cubicBezTo>
+                  <a:pt x="9303" y="5077"/>
+                  <a:pt x="9303" y="4889"/>
+                  <a:pt x="9248" y="4701"/>
+                </a:cubicBezTo>
+                <a:close/>
+              </a:path>
+            </a:pathLst>
+          </a:custGeom>
+          <a:solidFill>
+            <a:schemeClr val="accent1"/>
+          </a:solidFill>
+          <a:ln>
+            <a:noFill/>
+          </a:ln>
+        </p:spPr>
+      </p:sp>
+      <p:sp>
+        <p:nvSpPr>
+          <p:cNvPr id="13" name="Slide Number Placeholder 5"/>
           <p:cNvSpPr>
             <a:spLocks noGrp="1"/>
           </p:cNvSpPr>
@@ -1638,7 +4098,12 @@
             <p:ph type="sldNum" sz="quarter" idx="12"/>
           </p:nvPr>
         </p:nvSpPr>
-        <p:spPr/>
+        <p:spPr>
+          <a:xfrm>
+            <a:off x="531812" y="787782"/>
+            <a:ext cx="779767" cy="365125"/>
+          </a:xfrm>
+        </p:spPr>
         <p:txBody>
           <a:bodyPr/>
           <a:lstStyle/>
@@ -1654,7 +4119,7 @@
     </p:spTree>
     <p:extLst>
       <p:ext uri="{BB962C8B-B14F-4D97-AF65-F5344CB8AC3E}">
-        <p14:creationId xmlns:p14="http://schemas.microsoft.com/office/powerpoint/2010/main" val="4250103286"/>
+        <p14:creationId xmlns:p14="http://schemas.microsoft.com/office/powerpoint/2010/main" val="2883489815"/>
       </p:ext>
     </p:extLst>
   </p:cSld>
@@ -1683,7 +4148,7 @@
       </p:grpSpPr>
       <p:sp>
         <p:nvSpPr>
-          <p:cNvPr id="2" name="Заголовок 1"/>
+          <p:cNvPr id="2" name="Title 1"/>
           <p:cNvSpPr>
             <a:spLocks noGrp="1"/>
           </p:cNvSpPr>
@@ -1700,13 +4165,13 @@
               <a:rPr lang="ru-RU" smtClean="0"/>
               <a:t>Образец заголовка</a:t>
             </a:r>
-            <a:endParaRPr lang="en-US"/>
-          </a:p>
-        </p:txBody>
-      </p:sp>
-      <p:sp>
-        <p:nvSpPr>
-          <p:cNvPr id="3" name="Дата 2"/>
+            <a:endParaRPr lang="en-US" dirty="0"/>
+          </a:p>
+        </p:txBody>
+      </p:sp>
+      <p:sp>
+        <p:nvSpPr>
+          <p:cNvPr id="3" name="Date Placeholder 2"/>
           <p:cNvSpPr>
             <a:spLocks noGrp="1"/>
           </p:cNvSpPr>
@@ -1721,7 +4186,7 @@
           <a:p>
             <a:fld id="{8A5229FB-8832-4A27-994F-F3EDC38C3527}" type="datetimeFigureOut">
               <a:rPr lang="en-US" smtClean="0"/>
-              <a:t>3/24/2020</a:t>
+              <a:t>3/26/2020</a:t>
             </a:fld>
             <a:endParaRPr lang="en-US"/>
           </a:p>
@@ -1729,7 +4194,7 @@
       </p:sp>
       <p:sp>
         <p:nvSpPr>
-          <p:cNvPr id="4" name="Нижний колонтитул 3"/>
+          <p:cNvPr id="4" name="Footer Placeholder 3"/>
           <p:cNvSpPr>
             <a:spLocks noGrp="1"/>
           </p:cNvSpPr>
@@ -1748,7 +4213,89 @@
       </p:sp>
       <p:sp>
         <p:nvSpPr>
-          <p:cNvPr id="5" name="Номер слайда 4"/>
+          <p:cNvPr id="7" name="Freeform 11"/>
+          <p:cNvSpPr/>
+          <p:nvPr/>
+        </p:nvSpPr>
+        <p:spPr bwMode="auto">
+          <a:xfrm flipV="1">
+            <a:off x="-4189" y="714375"/>
+            <a:ext cx="1588527" cy="507297"/>
+          </a:xfrm>
+          <a:custGeom>
+            <a:avLst/>
+            <a:gdLst/>
+            <a:ahLst/>
+            <a:cxnLst/>
+            <a:rect l="l" t="t" r="r" b="b"/>
+            <a:pathLst>
+              <a:path w="9248" h="10000">
+                <a:moveTo>
+                  <a:pt x="9248" y="4701"/>
+                </a:moveTo>
+                <a:lnTo>
+                  <a:pt x="7915" y="188"/>
+                </a:lnTo>
+                <a:cubicBezTo>
+                  <a:pt x="7906" y="156"/>
+                  <a:pt x="7895" y="126"/>
+                  <a:pt x="7886" y="94"/>
+                </a:cubicBezTo>
+                <a:cubicBezTo>
+                  <a:pt x="7859" y="0"/>
+                  <a:pt x="7831" y="0"/>
+                  <a:pt x="7803" y="0"/>
+                </a:cubicBezTo>
+                <a:lnTo>
+                  <a:pt x="7275" y="0"/>
+                </a:lnTo>
+                <a:lnTo>
+                  <a:pt x="0" y="70"/>
+                </a:lnTo>
+                <a:cubicBezTo>
+                  <a:pt x="8" y="3380"/>
+                  <a:pt x="17" y="6690"/>
+                  <a:pt x="25" y="10000"/>
+                </a:cubicBezTo>
+                <a:lnTo>
+                  <a:pt x="7275" y="9966"/>
+                </a:lnTo>
+                <a:lnTo>
+                  <a:pt x="7803" y="9966"/>
+                </a:lnTo>
+                <a:cubicBezTo>
+                  <a:pt x="7831" y="9966"/>
+                  <a:pt x="7859" y="9872"/>
+                  <a:pt x="7886" y="9872"/>
+                </a:cubicBezTo>
+                <a:cubicBezTo>
+                  <a:pt x="7886" y="9778"/>
+                  <a:pt x="7915" y="9778"/>
+                  <a:pt x="7915" y="9778"/>
+                </a:cubicBezTo>
+                <a:lnTo>
+                  <a:pt x="9248" y="5265"/>
+                </a:lnTo>
+                <a:cubicBezTo>
+                  <a:pt x="9303" y="5077"/>
+                  <a:pt x="9303" y="4889"/>
+                  <a:pt x="9248" y="4701"/>
+                </a:cubicBezTo>
+                <a:close/>
+              </a:path>
+            </a:pathLst>
+          </a:custGeom>
+          <a:solidFill>
+            <a:schemeClr val="accent1"/>
+          </a:solidFill>
+          <a:ln>
+            <a:noFill/>
+          </a:ln>
+        </p:spPr>
+      </p:sp>
+      <p:sp>
+        <p:nvSpPr>
+          <p:cNvPr id="5" name="Slide Number Placeholder 4"/>
           <p:cNvSpPr>
             <a:spLocks noGrp="1"/>
           </p:cNvSpPr>
@@ -1772,7 +4319,7 @@
     </p:spTree>
     <p:extLst>
       <p:ext uri="{BB962C8B-B14F-4D97-AF65-F5344CB8AC3E}">
-        <p14:creationId xmlns:p14="http://schemas.microsoft.com/office/powerpoint/2010/main" val="563832227"/>
+        <p14:creationId xmlns:p14="http://schemas.microsoft.com/office/powerpoint/2010/main" val="3300409250"/>
       </p:ext>
     </p:extLst>
   </p:cSld>
@@ -1801,7 +4348,7 @@
       </p:grpSpPr>
       <p:sp>
         <p:nvSpPr>
-          <p:cNvPr id="2" name="Дата 1"/>
+          <p:cNvPr id="2" name="Date Placeholder 1"/>
           <p:cNvSpPr>
             <a:spLocks noGrp="1"/>
           </p:cNvSpPr>
@@ -1816,7 +4363,7 @@
           <a:p>
             <a:fld id="{8A5229FB-8832-4A27-994F-F3EDC38C3527}" type="datetimeFigureOut">
               <a:rPr lang="en-US" smtClean="0"/>
-              <a:t>3/24/2020</a:t>
+              <a:t>3/26/2020</a:t>
             </a:fld>
             <a:endParaRPr lang="en-US"/>
           </a:p>
@@ -1824,7 +4371,7 @@
       </p:sp>
       <p:sp>
         <p:nvSpPr>
-          <p:cNvPr id="3" name="Нижний колонтитул 2"/>
+          <p:cNvPr id="3" name="Footer Placeholder 2"/>
           <p:cNvSpPr>
             <a:spLocks noGrp="1"/>
           </p:cNvSpPr>
@@ -1843,7 +4390,89 @@
       </p:sp>
       <p:sp>
         <p:nvSpPr>
-          <p:cNvPr id="4" name="Номер слайда 3"/>
+          <p:cNvPr id="6" name="Freeform 11"/>
+          <p:cNvSpPr/>
+          <p:nvPr/>
+        </p:nvSpPr>
+        <p:spPr bwMode="auto">
+          <a:xfrm flipV="1">
+            <a:off x="-4189" y="714375"/>
+            <a:ext cx="1588527" cy="507297"/>
+          </a:xfrm>
+          <a:custGeom>
+            <a:avLst/>
+            <a:gdLst/>
+            <a:ahLst/>
+            <a:cxnLst/>
+            <a:rect l="l" t="t" r="r" b="b"/>
+            <a:pathLst>
+              <a:path w="9248" h="10000">
+                <a:moveTo>
+                  <a:pt x="9248" y="4701"/>
+                </a:moveTo>
+                <a:lnTo>
+                  <a:pt x="7915" y="188"/>
+                </a:lnTo>
+                <a:cubicBezTo>
+                  <a:pt x="7906" y="156"/>
+                  <a:pt x="7895" y="126"/>
+                  <a:pt x="7886" y="94"/>
+                </a:cubicBezTo>
+                <a:cubicBezTo>
+                  <a:pt x="7859" y="0"/>
+                  <a:pt x="7831" y="0"/>
+                  <a:pt x="7803" y="0"/>
+                </a:cubicBezTo>
+                <a:lnTo>
+                  <a:pt x="7275" y="0"/>
+                </a:lnTo>
+                <a:lnTo>
+                  <a:pt x="0" y="70"/>
+                </a:lnTo>
+                <a:cubicBezTo>
+                  <a:pt x="8" y="3380"/>
+                  <a:pt x="17" y="6690"/>
+                  <a:pt x="25" y="10000"/>
+                </a:cubicBezTo>
+                <a:lnTo>
+                  <a:pt x="7275" y="9966"/>
+                </a:lnTo>
+                <a:lnTo>
+                  <a:pt x="7803" y="9966"/>
+                </a:lnTo>
+                <a:cubicBezTo>
+                  <a:pt x="7831" y="9966"/>
+                  <a:pt x="7859" y="9872"/>
+                  <a:pt x="7886" y="9872"/>
+                </a:cubicBezTo>
+                <a:cubicBezTo>
+                  <a:pt x="7886" y="9778"/>
+                  <a:pt x="7915" y="9778"/>
+                  <a:pt x="7915" y="9778"/>
+                </a:cubicBezTo>
+                <a:lnTo>
+                  <a:pt x="9248" y="5265"/>
+                </a:lnTo>
+                <a:cubicBezTo>
+                  <a:pt x="9303" y="5077"/>
+                  <a:pt x="9303" y="4889"/>
+                  <a:pt x="9248" y="4701"/>
+                </a:cubicBezTo>
+                <a:close/>
+              </a:path>
+            </a:pathLst>
+          </a:custGeom>
+          <a:solidFill>
+            <a:schemeClr val="accent1"/>
+          </a:solidFill>
+          <a:ln>
+            <a:noFill/>
+          </a:ln>
+        </p:spPr>
+      </p:sp>
+      <p:sp>
+        <p:nvSpPr>
+          <p:cNvPr id="4" name="Slide Number Placeholder 3"/>
           <p:cNvSpPr>
             <a:spLocks noGrp="1"/>
           </p:cNvSpPr>
@@ -1867,7 +4496,7 @@
     </p:spTree>
     <p:extLst>
       <p:ext uri="{BB962C8B-B14F-4D97-AF65-F5344CB8AC3E}">
-        <p14:creationId xmlns:p14="http://schemas.microsoft.com/office/powerpoint/2010/main" val="2322883251"/>
+        <p14:creationId xmlns:p14="http://schemas.microsoft.com/office/powerpoint/2010/main" val="3678230499"/>
       </p:ext>
     </p:extLst>
   </p:cSld>
@@ -1896,7 +4525,7 @@
       </p:grpSpPr>
       <p:sp>
         <p:nvSpPr>
-          <p:cNvPr id="2" name="Заголовок 1"/>
+          <p:cNvPr id="2" name="Title 1"/>
           <p:cNvSpPr>
             <a:spLocks noGrp="1"/>
           </p:cNvSpPr>
@@ -1906,15 +4535,15 @@
         </p:nvSpPr>
         <p:spPr>
           <a:xfrm>
-            <a:off x="839788" y="457200"/>
-            <a:ext cx="3932237" cy="1600200"/>
+            <a:off x="2589212" y="446088"/>
+            <a:ext cx="3505199" cy="976312"/>
           </a:xfrm>
         </p:spPr>
         <p:txBody>
           <a:bodyPr anchor="b"/>
           <a:lstStyle>
-            <a:lvl1pPr>
-              <a:defRPr sz="3200"/>
+            <a:lvl1pPr algn="l">
+              <a:defRPr sz="2000" b="0"/>
             </a:lvl1pPr>
           </a:lstStyle>
           <a:p>
@@ -1922,13 +4551,13 @@
               <a:rPr lang="ru-RU" smtClean="0"/>
               <a:t>Образец заголовка</a:t>
             </a:r>
-            <a:endParaRPr lang="en-US"/>
-          </a:p>
-        </p:txBody>
-      </p:sp>
-      <p:sp>
-        <p:nvSpPr>
-          <p:cNvPr id="3" name="Объект 2"/>
+            <a:endParaRPr lang="en-US" dirty="0"/>
+          </a:p>
+        </p:txBody>
+      </p:sp>
+      <p:sp>
+        <p:nvSpPr>
+          <p:cNvPr id="3" name="Content Placeholder 2"/>
           <p:cNvSpPr>
             <a:spLocks noGrp="1"/>
           </p:cNvSpPr>
@@ -1938,41 +4567,15 @@
         </p:nvSpPr>
         <p:spPr>
           <a:xfrm>
-            <a:off x="5183188" y="987425"/>
-            <a:ext cx="6172200" cy="4873625"/>
+            <a:off x="6323012" y="446088"/>
+            <a:ext cx="5181600" cy="5414963"/>
           </a:xfrm>
         </p:spPr>
         <p:txBody>
-          <a:bodyPr/>
-          <a:lstStyle>
-            <a:lvl1pPr>
-              <a:defRPr sz="3200"/>
-            </a:lvl1pPr>
-            <a:lvl2pPr>
-              <a:defRPr sz="2800"/>
-            </a:lvl2pPr>
-            <a:lvl3pPr>
-              <a:defRPr sz="2400"/>
-            </a:lvl3pPr>
-            <a:lvl4pPr>
-              <a:defRPr sz="2000"/>
-            </a:lvl4pPr>
-            <a:lvl5pPr>
-              <a:defRPr sz="2000"/>
-            </a:lvl5pPr>
-            <a:lvl6pPr>
-              <a:defRPr sz="2000"/>
-            </a:lvl6pPr>
-            <a:lvl7pPr>
-              <a:defRPr sz="2000"/>
-            </a:lvl7pPr>
-            <a:lvl8pPr>
-              <a:defRPr sz="2000"/>
-            </a:lvl8pPr>
-            <a:lvl9pPr>
-              <a:defRPr sz="2000"/>
-            </a:lvl9pPr>
-          </a:lstStyle>
+          <a:bodyPr anchor="ctr">
+            <a:normAutofit/>
+          </a:bodyPr>
+          <a:lstStyle/>
           <a:p>
             <a:pPr lvl="0"/>
             <a:r>
@@ -2007,13 +4610,13 @@
               <a:rPr lang="ru-RU" smtClean="0"/>
               <a:t>Пятый уровень</a:t>
             </a:r>
-            <a:endParaRPr lang="en-US"/>
-          </a:p>
-        </p:txBody>
-      </p:sp>
-      <p:sp>
-        <p:nvSpPr>
-          <p:cNvPr id="4" name="Текст 3"/>
+            <a:endParaRPr lang="en-US" dirty="0"/>
+          </a:p>
+        </p:txBody>
+      </p:sp>
+      <p:sp>
+        <p:nvSpPr>
+          <p:cNvPr id="4" name="Text Placeholder 3"/>
           <p:cNvSpPr>
             <a:spLocks noGrp="1"/>
           </p:cNvSpPr>
@@ -2023,8 +4626,8 @@
         </p:nvSpPr>
         <p:spPr>
           <a:xfrm>
-            <a:off x="839788" y="2057400"/>
-            <a:ext cx="3932237" cy="3811588"/>
+            <a:off x="2589212" y="1598613"/>
+            <a:ext cx="3505199" cy="4262436"/>
           </a:xfrm>
         </p:spPr>
         <p:txBody>
@@ -2032,39 +4635,39 @@
           <a:lstStyle>
             <a:lvl1pPr marL="0" indent="0">
               <a:buNone/>
-              <a:defRPr sz="1600"/>
+              <a:defRPr sz="1400"/>
             </a:lvl1pPr>
             <a:lvl2pPr marL="457200" indent="0">
               <a:buNone/>
-              <a:defRPr sz="1400"/>
+              <a:defRPr sz="1200"/>
             </a:lvl2pPr>
             <a:lvl3pPr marL="914400" indent="0">
               <a:buNone/>
-              <a:defRPr sz="1200"/>
+              <a:defRPr sz="1000"/>
             </a:lvl3pPr>
             <a:lvl4pPr marL="1371600" indent="0">
               <a:buNone/>
-              <a:defRPr sz="1000"/>
+              <a:defRPr sz="900"/>
             </a:lvl4pPr>
             <a:lvl5pPr marL="1828800" indent="0">
               <a:buNone/>
-              <a:defRPr sz="1000"/>
+              <a:defRPr sz="900"/>
             </a:lvl5pPr>
             <a:lvl6pPr marL="2286000" indent="0">
               <a:buNone/>
-              <a:defRPr sz="1000"/>
+              <a:defRPr sz="900"/>
             </a:lvl6pPr>
             <a:lvl7pPr marL="2743200" indent="0">
               <a:buNone/>
-              <a:defRPr sz="1000"/>
+              <a:defRPr sz="900"/>
             </a:lvl7pPr>
             <a:lvl8pPr marL="3200400" indent="0">
               <a:buNone/>
-              <a:defRPr sz="1000"/>
+              <a:defRPr sz="900"/>
             </a:lvl8pPr>
             <a:lvl9pPr marL="3657600" indent="0">
               <a:buNone/>
-              <a:defRPr sz="1000"/>
+              <a:defRPr sz="900"/>
             </a:lvl9pPr>
           </a:lstStyle>
           <a:p>
@@ -2078,7 +4681,7 @@
       </p:sp>
       <p:sp>
         <p:nvSpPr>
-          <p:cNvPr id="5" name="Дата 4"/>
+          <p:cNvPr id="5" name="Date Placeholder 4"/>
           <p:cNvSpPr>
             <a:spLocks noGrp="1"/>
           </p:cNvSpPr>
@@ -2093,7 +4696,7 @@
           <a:p>
             <a:fld id="{8A5229FB-8832-4A27-994F-F3EDC38C3527}" type="datetimeFigureOut">
               <a:rPr lang="en-US" smtClean="0"/>
-              <a:t>3/24/2020</a:t>
+              <a:t>3/26/2020</a:t>
             </a:fld>
             <a:endParaRPr lang="en-US"/>
           </a:p>
@@ -2101,7 +4704,7 @@
       </p:sp>
       <p:sp>
         <p:nvSpPr>
-          <p:cNvPr id="6" name="Нижний колонтитул 5"/>
+          <p:cNvPr id="6" name="Footer Placeholder 5"/>
           <p:cNvSpPr>
             <a:spLocks noGrp="1"/>
           </p:cNvSpPr>
@@ -2120,7 +4723,89 @@
       </p:sp>
       <p:sp>
         <p:nvSpPr>
-          <p:cNvPr id="7" name="Номер слайда 6"/>
+          <p:cNvPr id="9" name="Freeform 11"/>
+          <p:cNvSpPr/>
+          <p:nvPr/>
+        </p:nvSpPr>
+        <p:spPr bwMode="auto">
+          <a:xfrm flipV="1">
+            <a:off x="-4189" y="714375"/>
+            <a:ext cx="1588527" cy="507297"/>
+          </a:xfrm>
+          <a:custGeom>
+            <a:avLst/>
+            <a:gdLst/>
+            <a:ahLst/>
+            <a:cxnLst/>
+            <a:rect l="l" t="t" r="r" b="b"/>
+            <a:pathLst>
+              <a:path w="9248" h="10000">
+                <a:moveTo>
+                  <a:pt x="9248" y="4701"/>
+                </a:moveTo>
+                <a:lnTo>
+                  <a:pt x="7915" y="188"/>
+                </a:lnTo>
+                <a:cubicBezTo>
+                  <a:pt x="7906" y="156"/>
+                  <a:pt x="7895" y="126"/>
+                  <a:pt x="7886" y="94"/>
+                </a:cubicBezTo>
+                <a:cubicBezTo>
+                  <a:pt x="7859" y="0"/>
+                  <a:pt x="7831" y="0"/>
+                  <a:pt x="7803" y="0"/>
+                </a:cubicBezTo>
+                <a:lnTo>
+                  <a:pt x="7275" y="0"/>
+                </a:lnTo>
+                <a:lnTo>
+                  <a:pt x="0" y="70"/>
+                </a:lnTo>
+                <a:cubicBezTo>
+                  <a:pt x="8" y="3380"/>
+                  <a:pt x="17" y="6690"/>
+                  <a:pt x="25" y="10000"/>
+                </a:cubicBezTo>
+                <a:lnTo>
+                  <a:pt x="7275" y="9966"/>
+                </a:lnTo>
+                <a:lnTo>
+                  <a:pt x="7803" y="9966"/>
+                </a:lnTo>
+                <a:cubicBezTo>
+                  <a:pt x="7831" y="9966"/>
+                  <a:pt x="7859" y="9872"/>
+                  <a:pt x="7886" y="9872"/>
+                </a:cubicBezTo>
+                <a:cubicBezTo>
+                  <a:pt x="7886" y="9778"/>
+                  <a:pt x="7915" y="9778"/>
+                  <a:pt x="7915" y="9778"/>
+                </a:cubicBezTo>
+                <a:lnTo>
+                  <a:pt x="9248" y="5265"/>
+                </a:lnTo>
+                <a:cubicBezTo>
+                  <a:pt x="9303" y="5077"/>
+                  <a:pt x="9303" y="4889"/>
+                  <a:pt x="9248" y="4701"/>
+                </a:cubicBezTo>
+                <a:close/>
+              </a:path>
+            </a:pathLst>
+          </a:custGeom>
+          <a:solidFill>
+            <a:schemeClr val="accent1"/>
+          </a:solidFill>
+          <a:ln>
+            <a:noFill/>
+          </a:ln>
+        </p:spPr>
+      </p:sp>
+      <p:sp>
+        <p:nvSpPr>
+          <p:cNvPr id="7" name="Slide Number Placeholder 6"/>
           <p:cNvSpPr>
             <a:spLocks noGrp="1"/>
           </p:cNvSpPr>
@@ -2144,7 +4829,7 @@
     </p:spTree>
     <p:extLst>
       <p:ext uri="{BB962C8B-B14F-4D97-AF65-F5344CB8AC3E}">
-        <p14:creationId xmlns:p14="http://schemas.microsoft.com/office/powerpoint/2010/main" val="2803720474"/>
+        <p14:creationId xmlns:p14="http://schemas.microsoft.com/office/powerpoint/2010/main" val="3689043560"/>
       </p:ext>
     </p:extLst>
   </p:cSld>
@@ -2173,7 +4858,7 @@
       </p:grpSpPr>
       <p:sp>
         <p:nvSpPr>
-          <p:cNvPr id="2" name="Заголовок 1"/>
+          <p:cNvPr id="2" name="Title 1"/>
           <p:cNvSpPr>
             <a:spLocks noGrp="1"/>
           </p:cNvSpPr>
@@ -2183,15 +4868,17 @@
         </p:nvSpPr>
         <p:spPr>
           <a:xfrm>
-            <a:off x="839788" y="457200"/>
-            <a:ext cx="3932237" cy="1600200"/>
+            <a:off x="2589213" y="4800600"/>
+            <a:ext cx="8915400" cy="566738"/>
           </a:xfrm>
         </p:spPr>
         <p:txBody>
-          <a:bodyPr anchor="b"/>
+          <a:bodyPr anchor="b">
+            <a:normAutofit/>
+          </a:bodyPr>
           <a:lstStyle>
-            <a:lvl1pPr>
-              <a:defRPr sz="3200"/>
+            <a:lvl1pPr algn="l">
+              <a:defRPr sz="2400" b="0"/>
             </a:lvl1pPr>
           </a:lstStyle>
           <a:p>
@@ -2199,15 +4886,15 @@
               <a:rPr lang="ru-RU" smtClean="0"/>
               <a:t>Образец заголовка</a:t>
             </a:r>
-            <a:endParaRPr lang="en-US"/>
-          </a:p>
-        </p:txBody>
-      </p:sp>
-      <p:sp>
-        <p:nvSpPr>
-          <p:cNvPr id="3" name="Рисунок 2"/>
-          <p:cNvSpPr>
-            <a:spLocks noGrp="1"/>
+            <a:endParaRPr lang="en-US" dirty="0"/>
+          </a:p>
+        </p:txBody>
+      </p:sp>
+      <p:sp>
+        <p:nvSpPr>
+          <p:cNvPr id="3" name="Picture Placeholder 2"/>
+          <p:cNvSpPr>
+            <a:spLocks noGrp="1" noChangeAspect="1"/>
           </p:cNvSpPr>
           <p:nvPr>
             <p:ph type="pic" idx="1"/>
@@ -2215,112 +4902,120 @@
         </p:nvSpPr>
         <p:spPr>
           <a:xfrm>
-            <a:off x="5183188" y="987425"/>
-            <a:ext cx="6172200" cy="4873625"/>
+            <a:off x="2589212" y="634965"/>
+            <a:ext cx="8915400" cy="3854970"/>
           </a:xfrm>
         </p:spPr>
         <p:txBody>
-          <a:bodyPr/>
+          <a:bodyPr anchor="t">
+            <a:normAutofit/>
+          </a:bodyPr>
           <a:lstStyle>
-            <a:lvl1pPr marL="0" indent="0">
-              <a:buNone/>
-              <a:defRPr sz="3200"/>
-            </a:lvl1pPr>
-            <a:lvl2pPr marL="457200" indent="0">
-              <a:buNone/>
-              <a:defRPr sz="2800"/>
-            </a:lvl2pPr>
-            <a:lvl3pPr marL="914400" indent="0">
-              <a:buNone/>
-              <a:defRPr sz="2400"/>
-            </a:lvl3pPr>
-            <a:lvl4pPr marL="1371600" indent="0">
-              <a:buNone/>
-              <a:defRPr sz="2000"/>
-            </a:lvl4pPr>
-            <a:lvl5pPr marL="1828800" indent="0">
-              <a:buNone/>
-              <a:defRPr sz="2000"/>
-            </a:lvl5pPr>
-            <a:lvl6pPr marL="2286000" indent="0">
-              <a:buNone/>
-              <a:defRPr sz="2000"/>
-            </a:lvl6pPr>
-            <a:lvl7pPr marL="2743200" indent="0">
-              <a:buNone/>
-              <a:defRPr sz="2000"/>
-            </a:lvl7pPr>
-            <a:lvl8pPr marL="3200400" indent="0">
-              <a:buNone/>
-              <a:defRPr sz="2000"/>
-            </a:lvl8pPr>
-            <a:lvl9pPr marL="3657600" indent="0">
-              <a:buNone/>
-              <a:defRPr sz="2000"/>
-            </a:lvl9pPr>
-          </a:lstStyle>
-          <a:p>
-            <a:endParaRPr lang="en-US"/>
-          </a:p>
-        </p:txBody>
-      </p:sp>
-      <p:sp>
-        <p:nvSpPr>
-          <p:cNvPr id="4" name="Текст 3"/>
-          <p:cNvSpPr>
-            <a:spLocks noGrp="1"/>
-          </p:cNvSpPr>
-          <p:nvPr>
-            <p:ph type="body" sz="half" idx="2"/>
-          </p:nvPr>
-        </p:nvSpPr>
-        <p:spPr>
-          <a:xfrm>
-            <a:off x="839788" y="2057400"/>
-            <a:ext cx="3932237" cy="3811588"/>
-          </a:xfrm>
-        </p:spPr>
-        <p:txBody>
-          <a:bodyPr/>
-          <a:lstStyle>
-            <a:lvl1pPr marL="0" indent="0">
+            <a:lvl1pPr marL="0" indent="0" algn="ctr">
               <a:buNone/>
               <a:defRPr sz="1600"/>
             </a:lvl1pPr>
             <a:lvl2pPr marL="457200" indent="0">
               <a:buNone/>
-              <a:defRPr sz="1400"/>
+              <a:defRPr sz="1600"/>
             </a:lvl2pPr>
             <a:lvl3pPr marL="914400" indent="0">
               <a:buNone/>
-              <a:defRPr sz="1200"/>
+              <a:defRPr sz="1600"/>
             </a:lvl3pPr>
             <a:lvl4pPr marL="1371600" indent="0">
               <a:buNone/>
-              <a:defRPr sz="1000"/>
+              <a:defRPr sz="1600"/>
             </a:lvl4pPr>
             <a:lvl5pPr marL="1828800" indent="0">
               <a:buNone/>
-              <a:defRPr sz="1000"/>
+              <a:defRPr sz="1600"/>
             </a:lvl5pPr>
             <a:lvl6pPr marL="2286000" indent="0">
               <a:buNone/>
-              <a:defRPr sz="1000"/>
+              <a:defRPr sz="1600"/>
             </a:lvl6pPr>
             <a:lvl7pPr marL="2743200" indent="0">
               <a:buNone/>
-              <a:defRPr sz="1000"/>
+              <a:defRPr sz="1600"/>
             </a:lvl7pPr>
             <a:lvl8pPr marL="3200400" indent="0">
               <a:buNone/>
-              <a:defRPr sz="1000"/>
+              <a:defRPr sz="1600"/>
             </a:lvl8pPr>
             <a:lvl9pPr marL="3657600" indent="0">
               <a:buNone/>
-              <a:defRPr sz="1000"/>
+              <a:defRPr sz="1600"/>
             </a:lvl9pPr>
           </a:lstStyle>
           <a:p>
+            <a:r>
+              <a:rPr lang="ru-RU" smtClean="0"/>
+              <a:t>Вставка рисунка</a:t>
+            </a:r>
+            <a:endParaRPr lang="en-US" dirty="0"/>
+          </a:p>
+        </p:txBody>
+      </p:sp>
+      <p:sp>
+        <p:nvSpPr>
+          <p:cNvPr id="4" name="Text Placeholder 3"/>
+          <p:cNvSpPr>
+            <a:spLocks noGrp="1"/>
+          </p:cNvSpPr>
+          <p:nvPr>
+            <p:ph type="body" sz="half" idx="2"/>
+          </p:nvPr>
+        </p:nvSpPr>
+        <p:spPr>
+          <a:xfrm>
+            <a:off x="2589213" y="5367338"/>
+            <a:ext cx="8915400" cy="493712"/>
+          </a:xfrm>
+        </p:spPr>
+        <p:txBody>
+          <a:bodyPr>
+            <a:normAutofit/>
+          </a:bodyPr>
+          <a:lstStyle>
+            <a:lvl1pPr marL="0" indent="0">
+              <a:buNone/>
+              <a:defRPr sz="1200"/>
+            </a:lvl1pPr>
+            <a:lvl2pPr marL="457200" indent="0">
+              <a:buNone/>
+              <a:defRPr sz="1200"/>
+            </a:lvl2pPr>
+            <a:lvl3pPr marL="914400" indent="0">
+              <a:buNone/>
+              <a:defRPr sz="1000"/>
+            </a:lvl3pPr>
+            <a:lvl4pPr marL="1371600" indent="0">
+              <a:buNone/>
+              <a:defRPr sz="900"/>
+            </a:lvl4pPr>
+            <a:lvl5pPr marL="1828800" indent="0">
+              <a:buNone/>
+              <a:defRPr sz="900"/>
+            </a:lvl5pPr>
+            <a:lvl6pPr marL="2286000" indent="0">
+              <a:buNone/>
+              <a:defRPr sz="900"/>
+            </a:lvl6pPr>
+            <a:lvl7pPr marL="2743200" indent="0">
+              <a:buNone/>
+              <a:defRPr sz="900"/>
+            </a:lvl7pPr>
+            <a:lvl8pPr marL="3200400" indent="0">
+              <a:buNone/>
+              <a:defRPr sz="900"/>
+            </a:lvl8pPr>
+            <a:lvl9pPr marL="3657600" indent="0">
+              <a:buNone/>
+              <a:defRPr sz="900"/>
+            </a:lvl9pPr>
+          </a:lstStyle>
+          <a:p>
             <a:pPr lvl="0"/>
             <a:r>
               <a:rPr lang="ru-RU" smtClean="0"/>
@@ -2331,7 +5026,7 @@
       </p:sp>
       <p:sp>
         <p:nvSpPr>
-          <p:cNvPr id="5" name="Дата 4"/>
+          <p:cNvPr id="5" name="Date Placeholder 4"/>
           <p:cNvSpPr>
             <a:spLocks noGrp="1"/>
           </p:cNvSpPr>
@@ -2346,7 +5041,7 @@
           <a:p>
             <a:fld id="{8A5229FB-8832-4A27-994F-F3EDC38C3527}" type="datetimeFigureOut">
               <a:rPr lang="en-US" smtClean="0"/>
-              <a:t>3/24/2020</a:t>
+              <a:t>3/26/2020</a:t>
             </a:fld>
             <a:endParaRPr lang="en-US"/>
           </a:p>
@@ -2354,7 +5049,7 @@
       </p:sp>
       <p:sp>
         <p:nvSpPr>
-          <p:cNvPr id="6" name="Нижний колонтитул 5"/>
+          <p:cNvPr id="6" name="Footer Placeholder 5"/>
           <p:cNvSpPr>
             <a:spLocks noGrp="1"/>
           </p:cNvSpPr>
@@ -2373,7 +5068,89 @@
       </p:sp>
       <p:sp>
         <p:nvSpPr>
-          <p:cNvPr id="7" name="Номер слайда 6"/>
+          <p:cNvPr id="9" name="Freeform 11"/>
+          <p:cNvSpPr/>
+          <p:nvPr/>
+        </p:nvSpPr>
+        <p:spPr bwMode="auto">
+          <a:xfrm flipV="1">
+            <a:off x="-4189" y="4911725"/>
+            <a:ext cx="1588527" cy="507297"/>
+          </a:xfrm>
+          <a:custGeom>
+            <a:avLst/>
+            <a:gdLst/>
+            <a:ahLst/>
+            <a:cxnLst/>
+            <a:rect l="l" t="t" r="r" b="b"/>
+            <a:pathLst>
+              <a:path w="9248" h="10000">
+                <a:moveTo>
+                  <a:pt x="9248" y="4701"/>
+                </a:moveTo>
+                <a:lnTo>
+                  <a:pt x="7915" y="188"/>
+                </a:lnTo>
+                <a:cubicBezTo>
+                  <a:pt x="7906" y="156"/>
+                  <a:pt x="7895" y="126"/>
+                  <a:pt x="7886" y="94"/>
+                </a:cubicBezTo>
+                <a:cubicBezTo>
+                  <a:pt x="7859" y="0"/>
+                  <a:pt x="7831" y="0"/>
+                  <a:pt x="7803" y="0"/>
+                </a:cubicBezTo>
+                <a:lnTo>
+                  <a:pt x="7275" y="0"/>
+                </a:lnTo>
+                <a:lnTo>
+                  <a:pt x="0" y="70"/>
+                </a:lnTo>
+                <a:cubicBezTo>
+                  <a:pt x="8" y="3380"/>
+                  <a:pt x="17" y="6690"/>
+                  <a:pt x="25" y="10000"/>
+                </a:cubicBezTo>
+                <a:lnTo>
+                  <a:pt x="7275" y="9966"/>
+                </a:lnTo>
+                <a:lnTo>
+                  <a:pt x="7803" y="9966"/>
+                </a:lnTo>
+                <a:cubicBezTo>
+                  <a:pt x="7831" y="9966"/>
+                  <a:pt x="7859" y="9872"/>
+                  <a:pt x="7886" y="9872"/>
+                </a:cubicBezTo>
+                <a:cubicBezTo>
+                  <a:pt x="7886" y="9778"/>
+                  <a:pt x="7915" y="9778"/>
+                  <a:pt x="7915" y="9778"/>
+                </a:cubicBezTo>
+                <a:lnTo>
+                  <a:pt x="9248" y="5265"/>
+                </a:lnTo>
+                <a:cubicBezTo>
+                  <a:pt x="9303" y="5077"/>
+                  <a:pt x="9303" y="4889"/>
+                  <a:pt x="9248" y="4701"/>
+                </a:cubicBezTo>
+                <a:close/>
+              </a:path>
+            </a:pathLst>
+          </a:custGeom>
+          <a:solidFill>
+            <a:schemeClr val="accent1"/>
+          </a:solidFill>
+          <a:ln>
+            <a:noFill/>
+          </a:ln>
+        </p:spPr>
+      </p:sp>
+      <p:sp>
+        <p:nvSpPr>
+          <p:cNvPr id="7" name="Slide Number Placeholder 6"/>
           <p:cNvSpPr>
             <a:spLocks noGrp="1"/>
           </p:cNvSpPr>
@@ -2381,7 +5158,12 @@
             <p:ph type="sldNum" sz="quarter" idx="12"/>
           </p:nvPr>
         </p:nvSpPr>
-        <p:spPr/>
+        <p:spPr>
+          <a:xfrm>
+            <a:off x="531812" y="4983087"/>
+            <a:ext cx="779767" cy="365125"/>
+          </a:xfrm>
+        </p:spPr>
         <p:txBody>
           <a:bodyPr/>
           <a:lstStyle/>
@@ -2397,7 +5179,7 @@
     </p:spTree>
     <p:extLst>
       <p:ext uri="{BB962C8B-B14F-4D97-AF65-F5344CB8AC3E}">
-        <p14:creationId xmlns:p14="http://schemas.microsoft.com/office/powerpoint/2010/main" val="855386439"/>
+        <p14:creationId xmlns:p14="http://schemas.microsoft.com/office/powerpoint/2010/main" val="927368841"/>
       </p:ext>
     </p:extLst>
   </p:cSld>
@@ -2411,8 +5193,8 @@
 <p:sldMaster xmlns:a="http://schemas.openxmlformats.org/drawingml/2006/main" xmlns:r="http://schemas.openxmlformats.org/officeDocument/2006/relationships" xmlns:p="http://schemas.openxmlformats.org/presentationml/2006/main">
   <p:cSld>
     <p:bg>
-      <p:bgRef idx="1001">
-        <a:schemeClr val="bg1"/>
+      <p:bgRef idx="1003">
+        <a:schemeClr val="bg2"/>
       </p:bgRef>
     </p:bg>
     <p:spTree>
@@ -2429,27 +5211,1844 @@
           <a:chExt cx="0" cy="0"/>
         </a:xfrm>
       </p:grpSpPr>
-      <p:sp>
-        <p:nvSpPr>
-          <p:cNvPr id="2" name="Заголовок 1"/>
-          <p:cNvSpPr>
-            <a:spLocks noGrp="1"/>
-          </p:cNvSpPr>
-          <p:nvPr>
-            <p:ph type="title"/>
-          </p:nvPr>
+      <p:grpSp>
+        <p:nvGrpSpPr>
+          <p:cNvPr id="23" name="Group 22"/>
+          <p:cNvGrpSpPr/>
+          <p:nvPr/>
+        </p:nvGrpSpPr>
+        <p:grpSpPr>
+          <a:xfrm>
+            <a:off x="1" y="228600"/>
+            <a:ext cx="2851516" cy="6638628"/>
+            <a:chOff x="2487613" y="285750"/>
+            <a:chExt cx="2428875" cy="5654676"/>
+          </a:xfrm>
+        </p:grpSpPr>
+        <p:sp>
+          <p:nvSpPr>
+            <p:cNvPr id="24" name="Freeform 11"/>
+            <p:cNvSpPr/>
+            <p:nvPr/>
+          </p:nvSpPr>
+          <p:spPr bwMode="auto">
+            <a:xfrm>
+              <a:off x="2487613" y="2284413"/>
+              <a:ext cx="85725" cy="533400"/>
+            </a:xfrm>
+            <a:custGeom>
+              <a:avLst/>
+              <a:gdLst/>
+              <a:ahLst/>
+              <a:cxnLst/>
+              <a:rect l="0" t="0" r="r" b="b"/>
+              <a:pathLst>
+                <a:path w="22" h="136">
+                  <a:moveTo>
+                    <a:pt x="22" y="136"/>
+                  </a:moveTo>
+                  <a:cubicBezTo>
+                    <a:pt x="20" y="117"/>
+                    <a:pt x="19" y="99"/>
+                    <a:pt x="17" y="80"/>
+                  </a:cubicBezTo>
+                  <a:cubicBezTo>
+                    <a:pt x="11" y="54"/>
+                    <a:pt x="6" y="27"/>
+                    <a:pt x="0" y="0"/>
+                  </a:cubicBezTo>
+                  <a:cubicBezTo>
+                    <a:pt x="0" y="35"/>
+                    <a:pt x="0" y="35"/>
+                    <a:pt x="0" y="35"/>
+                  </a:cubicBezTo>
+                  <a:cubicBezTo>
+                    <a:pt x="6" y="64"/>
+                    <a:pt x="13" y="94"/>
+                    <a:pt x="20" y="124"/>
+                  </a:cubicBezTo>
+                  <a:cubicBezTo>
+                    <a:pt x="20" y="128"/>
+                    <a:pt x="21" y="132"/>
+                    <a:pt x="22" y="136"/>
+                  </a:cubicBezTo>
+                  <a:close/>
+                </a:path>
+              </a:pathLst>
+            </a:custGeom>
+            <a:solidFill>
+              <a:schemeClr val="tx2">
+                <a:alpha val="20000"/>
+              </a:schemeClr>
+            </a:solidFill>
+            <a:ln>
+              <a:noFill/>
+            </a:ln>
+          </p:spPr>
+        </p:sp>
+        <p:sp>
+          <p:nvSpPr>
+            <p:cNvPr id="25" name="Freeform 12"/>
+            <p:cNvSpPr/>
+            <p:nvPr/>
+          </p:nvSpPr>
+          <p:spPr bwMode="auto">
+            <a:xfrm>
+              <a:off x="2597151" y="2779713"/>
+              <a:ext cx="550863" cy="1978025"/>
+            </a:xfrm>
+            <a:custGeom>
+              <a:avLst/>
+              <a:gdLst/>
+              <a:ahLst/>
+              <a:cxnLst/>
+              <a:rect l="0" t="0" r="r" b="b"/>
+              <a:pathLst>
+                <a:path w="140" h="504">
+                  <a:moveTo>
+                    <a:pt x="86" y="350"/>
+                  </a:moveTo>
+                  <a:cubicBezTo>
+                    <a:pt x="103" y="402"/>
+                    <a:pt x="120" y="453"/>
+                    <a:pt x="139" y="504"/>
+                  </a:cubicBezTo>
+                  <a:cubicBezTo>
+                    <a:pt x="139" y="495"/>
+                    <a:pt x="139" y="487"/>
+                    <a:pt x="140" y="478"/>
+                  </a:cubicBezTo>
+                  <a:cubicBezTo>
+                    <a:pt x="124" y="435"/>
+                    <a:pt x="109" y="391"/>
+                    <a:pt x="95" y="347"/>
+                  </a:cubicBezTo>
+                  <a:cubicBezTo>
+                    <a:pt x="58" y="233"/>
+                    <a:pt x="27" y="117"/>
+                    <a:pt x="0" y="0"/>
+                  </a:cubicBezTo>
+                  <a:cubicBezTo>
+                    <a:pt x="2" y="20"/>
+                    <a:pt x="4" y="41"/>
+                    <a:pt x="6" y="61"/>
+                  </a:cubicBezTo>
+                  <a:cubicBezTo>
+                    <a:pt x="30" y="158"/>
+                    <a:pt x="56" y="255"/>
+                    <a:pt x="86" y="350"/>
+                  </a:cubicBezTo>
+                  <a:close/>
+                </a:path>
+              </a:pathLst>
+            </a:custGeom>
+            <a:solidFill>
+              <a:schemeClr val="tx2">
+                <a:alpha val="20000"/>
+              </a:schemeClr>
+            </a:solidFill>
+            <a:ln>
+              <a:noFill/>
+            </a:ln>
+          </p:spPr>
+        </p:sp>
+        <p:sp>
+          <p:nvSpPr>
+            <p:cNvPr id="26" name="Freeform 13"/>
+            <p:cNvSpPr/>
+            <p:nvPr/>
+          </p:nvSpPr>
+          <p:spPr bwMode="auto">
+            <a:xfrm>
+              <a:off x="3175001" y="4730750"/>
+              <a:ext cx="519113" cy="1209675"/>
+            </a:xfrm>
+            <a:custGeom>
+              <a:avLst/>
+              <a:gdLst/>
+              <a:ahLst/>
+              <a:cxnLst/>
+              <a:rect l="0" t="0" r="r" b="b"/>
+              <a:pathLst>
+                <a:path w="132" h="308">
+                  <a:moveTo>
+                    <a:pt x="8" y="22"/>
+                  </a:moveTo>
+                  <a:cubicBezTo>
+                    <a:pt x="5" y="15"/>
+                    <a:pt x="2" y="8"/>
+                    <a:pt x="0" y="0"/>
+                  </a:cubicBezTo>
+                  <a:cubicBezTo>
+                    <a:pt x="0" y="10"/>
+                    <a:pt x="0" y="19"/>
+                    <a:pt x="0" y="29"/>
+                  </a:cubicBezTo>
+                  <a:cubicBezTo>
+                    <a:pt x="21" y="85"/>
+                    <a:pt x="44" y="140"/>
+                    <a:pt x="68" y="194"/>
+                  </a:cubicBezTo>
+                  <a:cubicBezTo>
+                    <a:pt x="85" y="232"/>
+                    <a:pt x="104" y="270"/>
+                    <a:pt x="123" y="308"/>
+                  </a:cubicBezTo>
+                  <a:cubicBezTo>
+                    <a:pt x="132" y="308"/>
+                    <a:pt x="132" y="308"/>
+                    <a:pt x="132" y="308"/>
+                  </a:cubicBezTo>
+                  <a:cubicBezTo>
+                    <a:pt x="113" y="269"/>
+                    <a:pt x="94" y="230"/>
+                    <a:pt x="77" y="190"/>
+                  </a:cubicBezTo>
+                  <a:cubicBezTo>
+                    <a:pt x="52" y="135"/>
+                    <a:pt x="29" y="79"/>
+                    <a:pt x="8" y="22"/>
+                  </a:cubicBezTo>
+                  <a:close/>
+                </a:path>
+              </a:pathLst>
+            </a:custGeom>
+            <a:solidFill>
+              <a:schemeClr val="tx2">
+                <a:alpha val="20000"/>
+              </a:schemeClr>
+            </a:solidFill>
+            <a:ln>
+              <a:noFill/>
+            </a:ln>
+          </p:spPr>
+        </p:sp>
+        <p:sp>
+          <p:nvSpPr>
+            <p:cNvPr id="27" name="Freeform 14"/>
+            <p:cNvSpPr/>
+            <p:nvPr/>
+          </p:nvSpPr>
+          <p:spPr bwMode="auto">
+            <a:xfrm>
+              <a:off x="3305176" y="5630863"/>
+              <a:ext cx="146050" cy="309563"/>
+            </a:xfrm>
+            <a:custGeom>
+              <a:avLst/>
+              <a:gdLst/>
+              <a:ahLst/>
+              <a:cxnLst/>
+              <a:rect l="0" t="0" r="r" b="b"/>
+              <a:pathLst>
+                <a:path w="37" h="79">
+                  <a:moveTo>
+                    <a:pt x="28" y="79"/>
+                  </a:moveTo>
+                  <a:cubicBezTo>
+                    <a:pt x="37" y="79"/>
+                    <a:pt x="37" y="79"/>
+                    <a:pt x="37" y="79"/>
+                  </a:cubicBezTo>
+                  <a:cubicBezTo>
+                    <a:pt x="24" y="53"/>
+                    <a:pt x="12" y="27"/>
+                    <a:pt x="0" y="0"/>
+                  </a:cubicBezTo>
+                  <a:cubicBezTo>
+                    <a:pt x="8" y="27"/>
+                    <a:pt x="17" y="53"/>
+                    <a:pt x="28" y="79"/>
+                  </a:cubicBezTo>
+                  <a:close/>
+                </a:path>
+              </a:pathLst>
+            </a:custGeom>
+            <a:solidFill>
+              <a:schemeClr val="tx2">
+                <a:alpha val="20000"/>
+              </a:schemeClr>
+            </a:solidFill>
+            <a:ln>
+              <a:noFill/>
+            </a:ln>
+          </p:spPr>
+        </p:sp>
+        <p:sp>
+          <p:nvSpPr>
+            <p:cNvPr id="28" name="Freeform 15"/>
+            <p:cNvSpPr/>
+            <p:nvPr/>
+          </p:nvSpPr>
+          <p:spPr bwMode="auto">
+            <a:xfrm>
+              <a:off x="2573338" y="2817813"/>
+              <a:ext cx="700088" cy="2835275"/>
+            </a:xfrm>
+            <a:custGeom>
+              <a:avLst/>
+              <a:gdLst/>
+              <a:ahLst/>
+              <a:cxnLst/>
+              <a:rect l="0" t="0" r="r" b="b"/>
+              <a:pathLst>
+                <a:path w="178" h="722">
+                  <a:moveTo>
+                    <a:pt x="162" y="660"/>
+                  </a:moveTo>
+                  <a:cubicBezTo>
+                    <a:pt x="145" y="618"/>
+                    <a:pt x="130" y="576"/>
+                    <a:pt x="116" y="534"/>
+                  </a:cubicBezTo>
+                  <a:cubicBezTo>
+                    <a:pt x="84" y="437"/>
+                    <a:pt x="59" y="337"/>
+                    <a:pt x="40" y="236"/>
+                  </a:cubicBezTo>
+                  <a:cubicBezTo>
+                    <a:pt x="29" y="175"/>
+                    <a:pt x="20" y="113"/>
+                    <a:pt x="12" y="51"/>
+                  </a:cubicBezTo>
+                  <a:cubicBezTo>
+                    <a:pt x="8" y="34"/>
+                    <a:pt x="4" y="17"/>
+                    <a:pt x="0" y="0"/>
+                  </a:cubicBezTo>
+                  <a:cubicBezTo>
+                    <a:pt x="8" y="79"/>
+                    <a:pt x="19" y="159"/>
+                    <a:pt x="33" y="237"/>
+                  </a:cubicBezTo>
+                  <a:cubicBezTo>
+                    <a:pt x="51" y="339"/>
+                    <a:pt x="76" y="439"/>
+                    <a:pt x="107" y="537"/>
+                  </a:cubicBezTo>
+                  <a:cubicBezTo>
+                    <a:pt x="123" y="586"/>
+                    <a:pt x="141" y="634"/>
+                    <a:pt x="160" y="681"/>
+                  </a:cubicBezTo>
+                  <a:cubicBezTo>
+                    <a:pt x="166" y="695"/>
+                    <a:pt x="172" y="708"/>
+                    <a:pt x="178" y="722"/>
+                  </a:cubicBezTo>
+                  <a:cubicBezTo>
+                    <a:pt x="176" y="717"/>
+                    <a:pt x="175" y="713"/>
+                    <a:pt x="174" y="708"/>
+                  </a:cubicBezTo>
+                  <a:cubicBezTo>
+                    <a:pt x="169" y="692"/>
+                    <a:pt x="165" y="676"/>
+                    <a:pt x="162" y="660"/>
+                  </a:cubicBezTo>
+                  <a:close/>
+                </a:path>
+              </a:pathLst>
+            </a:custGeom>
+            <a:solidFill>
+              <a:schemeClr val="tx2">
+                <a:alpha val="20000"/>
+              </a:schemeClr>
+            </a:solidFill>
+            <a:ln>
+              <a:noFill/>
+            </a:ln>
+          </p:spPr>
+        </p:sp>
+        <p:sp>
+          <p:nvSpPr>
+            <p:cNvPr id="29" name="Freeform 16"/>
+            <p:cNvSpPr/>
+            <p:nvPr/>
+          </p:nvSpPr>
+          <p:spPr bwMode="auto">
+            <a:xfrm>
+              <a:off x="2506663" y="285750"/>
+              <a:ext cx="90488" cy="2493963"/>
+            </a:xfrm>
+            <a:custGeom>
+              <a:avLst/>
+              <a:gdLst/>
+              <a:ahLst/>
+              <a:cxnLst/>
+              <a:rect l="0" t="0" r="r" b="b"/>
+              <a:pathLst>
+                <a:path w="23" h="635">
+                  <a:moveTo>
+                    <a:pt x="11" y="577"/>
+                  </a:moveTo>
+                  <a:cubicBezTo>
+                    <a:pt x="12" y="581"/>
+                    <a:pt x="12" y="585"/>
+                    <a:pt x="12" y="589"/>
+                  </a:cubicBezTo>
+                  <a:cubicBezTo>
+                    <a:pt x="15" y="603"/>
+                    <a:pt x="19" y="617"/>
+                    <a:pt x="22" y="632"/>
+                  </a:cubicBezTo>
+                  <a:cubicBezTo>
+                    <a:pt x="22" y="633"/>
+                    <a:pt x="22" y="634"/>
+                    <a:pt x="23" y="635"/>
+                  </a:cubicBezTo>
+                  <a:cubicBezTo>
+                    <a:pt x="21" y="615"/>
+                    <a:pt x="19" y="596"/>
+                    <a:pt x="17" y="576"/>
+                  </a:cubicBezTo>
+                  <a:cubicBezTo>
+                    <a:pt x="9" y="474"/>
+                    <a:pt x="5" y="372"/>
+                    <a:pt x="5" y="269"/>
+                  </a:cubicBezTo>
+                  <a:cubicBezTo>
+                    <a:pt x="6" y="179"/>
+                    <a:pt x="9" y="90"/>
+                    <a:pt x="15" y="0"/>
+                  </a:cubicBezTo>
+                  <a:cubicBezTo>
+                    <a:pt x="12" y="0"/>
+                    <a:pt x="12" y="0"/>
+                    <a:pt x="12" y="0"/>
+                  </a:cubicBezTo>
+                  <a:cubicBezTo>
+                    <a:pt x="5" y="89"/>
+                    <a:pt x="2" y="179"/>
+                    <a:pt x="1" y="269"/>
+                  </a:cubicBezTo>
+                  <a:cubicBezTo>
+                    <a:pt x="0" y="372"/>
+                    <a:pt x="3" y="474"/>
+                    <a:pt x="11" y="577"/>
+                  </a:cubicBezTo>
+                  <a:close/>
+                </a:path>
+              </a:pathLst>
+            </a:custGeom>
+            <a:solidFill>
+              <a:schemeClr val="tx2">
+                <a:alpha val="20000"/>
+              </a:schemeClr>
+            </a:solidFill>
+            <a:ln>
+              <a:noFill/>
+            </a:ln>
+          </p:spPr>
+        </p:sp>
+        <p:sp>
+          <p:nvSpPr>
+            <p:cNvPr id="30" name="Freeform 17"/>
+            <p:cNvSpPr/>
+            <p:nvPr/>
+          </p:nvSpPr>
+          <p:spPr bwMode="auto">
+            <a:xfrm>
+              <a:off x="2554288" y="2598738"/>
+              <a:ext cx="66675" cy="420688"/>
+            </a:xfrm>
+            <a:custGeom>
+              <a:avLst/>
+              <a:gdLst/>
+              <a:ahLst/>
+              <a:cxnLst/>
+              <a:rect l="0" t="0" r="r" b="b"/>
+              <a:pathLst>
+                <a:path w="17" h="107">
+                  <a:moveTo>
+                    <a:pt x="0" y="0"/>
+                  </a:moveTo>
+                  <a:cubicBezTo>
+                    <a:pt x="2" y="19"/>
+                    <a:pt x="3" y="37"/>
+                    <a:pt x="5" y="56"/>
+                  </a:cubicBezTo>
+                  <a:cubicBezTo>
+                    <a:pt x="9" y="73"/>
+                    <a:pt x="13" y="90"/>
+                    <a:pt x="17" y="107"/>
+                  </a:cubicBezTo>
+                  <a:cubicBezTo>
+                    <a:pt x="15" y="87"/>
+                    <a:pt x="13" y="66"/>
+                    <a:pt x="11" y="46"/>
+                  </a:cubicBezTo>
+                  <a:cubicBezTo>
+                    <a:pt x="10" y="45"/>
+                    <a:pt x="10" y="44"/>
+                    <a:pt x="10" y="43"/>
+                  </a:cubicBezTo>
+                  <a:cubicBezTo>
+                    <a:pt x="7" y="28"/>
+                    <a:pt x="3" y="14"/>
+                    <a:pt x="0" y="0"/>
+                  </a:cubicBezTo>
+                  <a:close/>
+                </a:path>
+              </a:pathLst>
+            </a:custGeom>
+            <a:solidFill>
+              <a:schemeClr val="tx2">
+                <a:alpha val="20000"/>
+              </a:schemeClr>
+            </a:solidFill>
+            <a:ln>
+              <a:noFill/>
+            </a:ln>
+          </p:spPr>
+        </p:sp>
+        <p:sp>
+          <p:nvSpPr>
+            <p:cNvPr id="31" name="Freeform 18"/>
+            <p:cNvSpPr/>
+            <p:nvPr/>
+          </p:nvSpPr>
+          <p:spPr bwMode="auto">
+            <a:xfrm>
+              <a:off x="3143251" y="4757738"/>
+              <a:ext cx="161925" cy="873125"/>
+            </a:xfrm>
+            <a:custGeom>
+              <a:avLst/>
+              <a:gdLst/>
+              <a:ahLst/>
+              <a:cxnLst/>
+              <a:rect l="0" t="0" r="r" b="b"/>
+              <a:pathLst>
+                <a:path w="41" h="222">
+                  <a:moveTo>
+                    <a:pt x="0" y="0"/>
+                  </a:moveTo>
+                  <a:cubicBezTo>
+                    <a:pt x="0" y="31"/>
+                    <a:pt x="2" y="62"/>
+                    <a:pt x="5" y="93"/>
+                  </a:cubicBezTo>
+                  <a:cubicBezTo>
+                    <a:pt x="8" y="117"/>
+                    <a:pt x="12" y="142"/>
+                    <a:pt x="17" y="166"/>
+                  </a:cubicBezTo>
+                  <a:cubicBezTo>
+                    <a:pt x="19" y="172"/>
+                    <a:pt x="22" y="178"/>
+                    <a:pt x="24" y="184"/>
+                  </a:cubicBezTo>
+                  <a:cubicBezTo>
+                    <a:pt x="30" y="197"/>
+                    <a:pt x="35" y="209"/>
+                    <a:pt x="41" y="222"/>
+                  </a:cubicBezTo>
+                  <a:cubicBezTo>
+                    <a:pt x="40" y="219"/>
+                    <a:pt x="39" y="215"/>
+                    <a:pt x="38" y="212"/>
+                  </a:cubicBezTo>
+                  <a:cubicBezTo>
+                    <a:pt x="26" y="172"/>
+                    <a:pt x="18" y="132"/>
+                    <a:pt x="13" y="92"/>
+                  </a:cubicBezTo>
+                  <a:cubicBezTo>
+                    <a:pt x="11" y="68"/>
+                    <a:pt x="9" y="45"/>
+                    <a:pt x="8" y="22"/>
+                  </a:cubicBezTo>
+                  <a:cubicBezTo>
+                    <a:pt x="8" y="21"/>
+                    <a:pt x="7" y="20"/>
+                    <a:pt x="7" y="18"/>
+                  </a:cubicBezTo>
+                  <a:cubicBezTo>
+                    <a:pt x="5" y="12"/>
+                    <a:pt x="2" y="6"/>
+                    <a:pt x="0" y="0"/>
+                  </a:cubicBezTo>
+                  <a:close/>
+                </a:path>
+              </a:pathLst>
+            </a:custGeom>
+            <a:solidFill>
+              <a:schemeClr val="tx2">
+                <a:alpha val="20000"/>
+              </a:schemeClr>
+            </a:solidFill>
+            <a:ln>
+              <a:noFill/>
+            </a:ln>
+          </p:spPr>
+        </p:sp>
+        <p:sp>
+          <p:nvSpPr>
+            <p:cNvPr id="32" name="Freeform 19"/>
+            <p:cNvSpPr/>
+            <p:nvPr/>
+          </p:nvSpPr>
+          <p:spPr bwMode="auto">
+            <a:xfrm>
+              <a:off x="3148013" y="1282700"/>
+              <a:ext cx="1768475" cy="3448050"/>
+            </a:xfrm>
+            <a:custGeom>
+              <a:avLst/>
+              <a:gdLst/>
+              <a:ahLst/>
+              <a:cxnLst/>
+              <a:rect l="0" t="0" r="r" b="b"/>
+              <a:pathLst>
+                <a:path w="450" h="878">
+                  <a:moveTo>
+                    <a:pt x="7" y="854"/>
+                  </a:moveTo>
+                  <a:cubicBezTo>
+                    <a:pt x="10" y="772"/>
+                    <a:pt x="26" y="691"/>
+                    <a:pt x="50" y="613"/>
+                  </a:cubicBezTo>
+                  <a:cubicBezTo>
+                    <a:pt x="75" y="535"/>
+                    <a:pt x="109" y="460"/>
+                    <a:pt x="149" y="388"/>
+                  </a:cubicBezTo>
+                  <a:cubicBezTo>
+                    <a:pt x="189" y="316"/>
+                    <a:pt x="235" y="248"/>
+                    <a:pt x="285" y="183"/>
+                  </a:cubicBezTo>
+                  <a:cubicBezTo>
+                    <a:pt x="310" y="151"/>
+                    <a:pt x="337" y="119"/>
+                    <a:pt x="364" y="89"/>
+                  </a:cubicBezTo>
+                  <a:cubicBezTo>
+                    <a:pt x="378" y="74"/>
+                    <a:pt x="392" y="58"/>
+                    <a:pt x="406" y="44"/>
+                  </a:cubicBezTo>
+                  <a:cubicBezTo>
+                    <a:pt x="421" y="29"/>
+                    <a:pt x="435" y="15"/>
+                    <a:pt x="450" y="1"/>
+                  </a:cubicBezTo>
+                  <a:cubicBezTo>
+                    <a:pt x="450" y="0"/>
+                    <a:pt x="450" y="0"/>
+                    <a:pt x="450" y="0"/>
+                  </a:cubicBezTo>
+                  <a:cubicBezTo>
+                    <a:pt x="434" y="14"/>
+                    <a:pt x="420" y="28"/>
+                    <a:pt x="405" y="43"/>
+                  </a:cubicBezTo>
+                  <a:cubicBezTo>
+                    <a:pt x="391" y="57"/>
+                    <a:pt x="377" y="72"/>
+                    <a:pt x="363" y="88"/>
+                  </a:cubicBezTo>
+                  <a:cubicBezTo>
+                    <a:pt x="335" y="118"/>
+                    <a:pt x="308" y="149"/>
+                    <a:pt x="283" y="181"/>
+                  </a:cubicBezTo>
+                  <a:cubicBezTo>
+                    <a:pt x="232" y="246"/>
+                    <a:pt x="185" y="314"/>
+                    <a:pt x="145" y="386"/>
+                  </a:cubicBezTo>
+                  <a:cubicBezTo>
+                    <a:pt x="104" y="457"/>
+                    <a:pt x="70" y="533"/>
+                    <a:pt x="45" y="611"/>
+                  </a:cubicBezTo>
+                  <a:cubicBezTo>
+                    <a:pt x="19" y="690"/>
+                    <a:pt x="3" y="771"/>
+                    <a:pt x="0" y="854"/>
+                  </a:cubicBezTo>
+                  <a:cubicBezTo>
+                    <a:pt x="0" y="856"/>
+                    <a:pt x="0" y="857"/>
+                    <a:pt x="0" y="859"/>
+                  </a:cubicBezTo>
+                  <a:cubicBezTo>
+                    <a:pt x="2" y="865"/>
+                    <a:pt x="4" y="872"/>
+                    <a:pt x="7" y="878"/>
+                  </a:cubicBezTo>
+                  <a:cubicBezTo>
+                    <a:pt x="7" y="870"/>
+                    <a:pt x="7" y="862"/>
+                    <a:pt x="7" y="854"/>
+                  </a:cubicBezTo>
+                  <a:close/>
+                </a:path>
+              </a:pathLst>
+            </a:custGeom>
+            <a:solidFill>
+              <a:schemeClr val="tx2">
+                <a:alpha val="20000"/>
+              </a:schemeClr>
+            </a:solidFill>
+            <a:ln>
+              <a:noFill/>
+            </a:ln>
+          </p:spPr>
+        </p:sp>
+        <p:sp>
+          <p:nvSpPr>
+            <p:cNvPr id="33" name="Freeform 20"/>
+            <p:cNvSpPr/>
+            <p:nvPr/>
+          </p:nvSpPr>
+          <p:spPr bwMode="auto">
+            <a:xfrm>
+              <a:off x="3273426" y="5653088"/>
+              <a:ext cx="138113" cy="287338"/>
+            </a:xfrm>
+            <a:custGeom>
+              <a:avLst/>
+              <a:gdLst/>
+              <a:ahLst/>
+              <a:cxnLst/>
+              <a:rect l="0" t="0" r="r" b="b"/>
+              <a:pathLst>
+                <a:path w="35" h="73">
+                  <a:moveTo>
+                    <a:pt x="0" y="0"/>
+                  </a:moveTo>
+                  <a:cubicBezTo>
+                    <a:pt x="7" y="24"/>
+                    <a:pt x="16" y="49"/>
+                    <a:pt x="26" y="73"/>
+                  </a:cubicBezTo>
+                  <a:cubicBezTo>
+                    <a:pt x="35" y="73"/>
+                    <a:pt x="35" y="73"/>
+                    <a:pt x="35" y="73"/>
+                  </a:cubicBezTo>
+                  <a:cubicBezTo>
+                    <a:pt x="23" y="49"/>
+                    <a:pt x="11" y="24"/>
+                    <a:pt x="0" y="0"/>
+                  </a:cubicBezTo>
+                  <a:close/>
+                </a:path>
+              </a:pathLst>
+            </a:custGeom>
+            <a:solidFill>
+              <a:schemeClr val="tx2">
+                <a:alpha val="20000"/>
+              </a:schemeClr>
+            </a:solidFill>
+            <a:ln>
+              <a:noFill/>
+            </a:ln>
+          </p:spPr>
+        </p:sp>
+        <p:sp>
+          <p:nvSpPr>
+            <p:cNvPr id="34" name="Freeform 21"/>
+            <p:cNvSpPr/>
+            <p:nvPr/>
+          </p:nvSpPr>
+          <p:spPr bwMode="auto">
+            <a:xfrm>
+              <a:off x="3143251" y="4656138"/>
+              <a:ext cx="31750" cy="188913"/>
+            </a:xfrm>
+            <a:custGeom>
+              <a:avLst/>
+              <a:gdLst/>
+              <a:ahLst/>
+              <a:cxnLst/>
+              <a:rect l="0" t="0" r="r" b="b"/>
+              <a:pathLst>
+                <a:path w="8" h="48">
+                  <a:moveTo>
+                    <a:pt x="7" y="44"/>
+                  </a:moveTo>
+                  <a:cubicBezTo>
+                    <a:pt x="7" y="46"/>
+                    <a:pt x="8" y="47"/>
+                    <a:pt x="8" y="48"/>
+                  </a:cubicBezTo>
+                  <a:cubicBezTo>
+                    <a:pt x="8" y="38"/>
+                    <a:pt x="8" y="29"/>
+                    <a:pt x="8" y="19"/>
+                  </a:cubicBezTo>
+                  <a:cubicBezTo>
+                    <a:pt x="5" y="13"/>
+                    <a:pt x="3" y="6"/>
+                    <a:pt x="1" y="0"/>
+                  </a:cubicBezTo>
+                  <a:cubicBezTo>
+                    <a:pt x="0" y="9"/>
+                    <a:pt x="0" y="17"/>
+                    <a:pt x="0" y="26"/>
+                  </a:cubicBezTo>
+                  <a:cubicBezTo>
+                    <a:pt x="2" y="32"/>
+                    <a:pt x="5" y="38"/>
+                    <a:pt x="7" y="44"/>
+                  </a:cubicBezTo>
+                  <a:close/>
+                </a:path>
+              </a:pathLst>
+            </a:custGeom>
+            <a:solidFill>
+              <a:schemeClr val="tx2">
+                <a:alpha val="20000"/>
+              </a:schemeClr>
+            </a:solidFill>
+            <a:ln>
+              <a:noFill/>
+            </a:ln>
+          </p:spPr>
+        </p:sp>
+        <p:sp>
+          <p:nvSpPr>
+            <p:cNvPr id="35" name="Freeform 22"/>
+            <p:cNvSpPr/>
+            <p:nvPr/>
+          </p:nvSpPr>
+          <p:spPr bwMode="auto">
+            <a:xfrm>
+              <a:off x="3211513" y="5410200"/>
+              <a:ext cx="203200" cy="530225"/>
+            </a:xfrm>
+            <a:custGeom>
+              <a:avLst/>
+              <a:gdLst/>
+              <a:ahLst/>
+              <a:cxnLst/>
+              <a:rect l="0" t="0" r="r" b="b"/>
+              <a:pathLst>
+                <a:path w="52" h="135">
+                  <a:moveTo>
+                    <a:pt x="7" y="18"/>
+                  </a:moveTo>
+                  <a:cubicBezTo>
+                    <a:pt x="5" y="12"/>
+                    <a:pt x="2" y="6"/>
+                    <a:pt x="0" y="0"/>
+                  </a:cubicBezTo>
+                  <a:cubicBezTo>
+                    <a:pt x="3" y="16"/>
+                    <a:pt x="7" y="32"/>
+                    <a:pt x="12" y="48"/>
+                  </a:cubicBezTo>
+                  <a:cubicBezTo>
+                    <a:pt x="13" y="53"/>
+                    <a:pt x="14" y="57"/>
+                    <a:pt x="16" y="62"/>
+                  </a:cubicBezTo>
+                  <a:cubicBezTo>
+                    <a:pt x="27" y="86"/>
+                    <a:pt x="39" y="111"/>
+                    <a:pt x="51" y="135"/>
+                  </a:cubicBezTo>
+                  <a:cubicBezTo>
+                    <a:pt x="52" y="135"/>
+                    <a:pt x="52" y="135"/>
+                    <a:pt x="52" y="135"/>
+                  </a:cubicBezTo>
+                  <a:cubicBezTo>
+                    <a:pt x="41" y="109"/>
+                    <a:pt x="32" y="83"/>
+                    <a:pt x="24" y="56"/>
+                  </a:cubicBezTo>
+                  <a:cubicBezTo>
+                    <a:pt x="18" y="43"/>
+                    <a:pt x="13" y="31"/>
+                    <a:pt x="7" y="18"/>
+                  </a:cubicBezTo>
+                  <a:close/>
+                </a:path>
+              </a:pathLst>
+            </a:custGeom>
+            <a:solidFill>
+              <a:schemeClr val="tx2">
+                <a:alpha val="20000"/>
+              </a:schemeClr>
+            </a:solidFill>
+            <a:ln>
+              <a:noFill/>
+            </a:ln>
+          </p:spPr>
+        </p:sp>
+      </p:grpSp>
+      <p:grpSp>
+        <p:nvGrpSpPr>
+          <p:cNvPr id="10" name="Group 9"/>
+          <p:cNvGrpSpPr/>
+          <p:nvPr/>
+        </p:nvGrpSpPr>
+        <p:grpSpPr>
+          <a:xfrm>
+            <a:off x="27221" y="-786"/>
+            <a:ext cx="2356674" cy="6854039"/>
+            <a:chOff x="6627813" y="194833"/>
+            <a:chExt cx="1952625" cy="5678918"/>
+          </a:xfrm>
+        </p:grpSpPr>
+        <p:sp>
+          <p:nvSpPr>
+            <p:cNvPr id="11" name="Freeform 27"/>
+            <p:cNvSpPr/>
+            <p:nvPr/>
+          </p:nvSpPr>
+          <p:spPr bwMode="auto">
+            <a:xfrm>
+              <a:off x="6627813" y="194833"/>
+              <a:ext cx="409575" cy="3646488"/>
+            </a:xfrm>
+            <a:custGeom>
+              <a:avLst/>
+              <a:gdLst/>
+              <a:ahLst/>
+              <a:cxnLst/>
+              <a:rect l="0" t="0" r="r" b="b"/>
+              <a:pathLst>
+                <a:path w="103" h="920">
+                  <a:moveTo>
+                    <a:pt x="7" y="210"/>
+                  </a:moveTo>
+                  <a:cubicBezTo>
+                    <a:pt x="11" y="288"/>
+                    <a:pt x="17" y="367"/>
+                    <a:pt x="26" y="445"/>
+                  </a:cubicBezTo>
+                  <a:cubicBezTo>
+                    <a:pt x="34" y="523"/>
+                    <a:pt x="44" y="601"/>
+                    <a:pt x="57" y="679"/>
+                  </a:cubicBezTo>
+                  <a:cubicBezTo>
+                    <a:pt x="69" y="757"/>
+                    <a:pt x="84" y="834"/>
+                    <a:pt x="101" y="911"/>
+                  </a:cubicBezTo>
+                  <a:cubicBezTo>
+                    <a:pt x="102" y="914"/>
+                    <a:pt x="103" y="917"/>
+                    <a:pt x="103" y="920"/>
+                  </a:cubicBezTo>
+                  <a:cubicBezTo>
+                    <a:pt x="102" y="905"/>
+                    <a:pt x="100" y="889"/>
+                    <a:pt x="99" y="874"/>
+                  </a:cubicBezTo>
+                  <a:cubicBezTo>
+                    <a:pt x="99" y="871"/>
+                    <a:pt x="99" y="868"/>
+                    <a:pt x="99" y="866"/>
+                  </a:cubicBezTo>
+                  <a:cubicBezTo>
+                    <a:pt x="85" y="803"/>
+                    <a:pt x="73" y="741"/>
+                    <a:pt x="63" y="678"/>
+                  </a:cubicBezTo>
+                  <a:cubicBezTo>
+                    <a:pt x="50" y="600"/>
+                    <a:pt x="39" y="523"/>
+                    <a:pt x="30" y="444"/>
+                  </a:cubicBezTo>
+                  <a:cubicBezTo>
+                    <a:pt x="21" y="366"/>
+                    <a:pt x="14" y="288"/>
+                    <a:pt x="9" y="209"/>
+                  </a:cubicBezTo>
+                  <a:cubicBezTo>
+                    <a:pt x="7" y="170"/>
+                    <a:pt x="5" y="131"/>
+                    <a:pt x="3" y="92"/>
+                  </a:cubicBezTo>
+                  <a:cubicBezTo>
+                    <a:pt x="2" y="61"/>
+                    <a:pt x="1" y="31"/>
+                    <a:pt x="1" y="0"/>
+                  </a:cubicBezTo>
+                  <a:cubicBezTo>
+                    <a:pt x="0" y="0"/>
+                    <a:pt x="0" y="0"/>
+                    <a:pt x="0" y="0"/>
+                  </a:cubicBezTo>
+                  <a:cubicBezTo>
+                    <a:pt x="0" y="31"/>
+                    <a:pt x="1" y="61"/>
+                    <a:pt x="1" y="92"/>
+                  </a:cubicBezTo>
+                  <a:cubicBezTo>
+                    <a:pt x="3" y="131"/>
+                    <a:pt x="4" y="170"/>
+                    <a:pt x="7" y="210"/>
+                  </a:cubicBezTo>
+                  <a:close/>
+                </a:path>
+              </a:pathLst>
+            </a:custGeom>
+            <a:solidFill>
+              <a:schemeClr val="tx2"/>
+            </a:solidFill>
+            <a:ln>
+              <a:noFill/>
+            </a:ln>
+          </p:spPr>
+        </p:sp>
+        <p:sp>
+          <p:nvSpPr>
+            <p:cNvPr id="12" name="Freeform 28"/>
+            <p:cNvSpPr/>
+            <p:nvPr/>
+          </p:nvSpPr>
+          <p:spPr bwMode="auto">
+            <a:xfrm>
+              <a:off x="7061201" y="3771900"/>
+              <a:ext cx="350838" cy="1309688"/>
+            </a:xfrm>
+            <a:custGeom>
+              <a:avLst/>
+              <a:gdLst/>
+              <a:ahLst/>
+              <a:cxnLst/>
+              <a:rect l="0" t="0" r="r" b="b"/>
+              <a:pathLst>
+                <a:path w="88" h="330">
+                  <a:moveTo>
+                    <a:pt x="53" y="229"/>
+                  </a:moveTo>
+                  <a:cubicBezTo>
+                    <a:pt x="64" y="263"/>
+                    <a:pt x="75" y="297"/>
+                    <a:pt x="88" y="330"/>
+                  </a:cubicBezTo>
+                  <a:cubicBezTo>
+                    <a:pt x="88" y="323"/>
+                    <a:pt x="88" y="315"/>
+                    <a:pt x="88" y="308"/>
+                  </a:cubicBezTo>
+                  <a:cubicBezTo>
+                    <a:pt x="88" y="307"/>
+                    <a:pt x="88" y="305"/>
+                    <a:pt x="88" y="304"/>
+                  </a:cubicBezTo>
+                  <a:cubicBezTo>
+                    <a:pt x="79" y="278"/>
+                    <a:pt x="70" y="252"/>
+                    <a:pt x="62" y="226"/>
+                  </a:cubicBezTo>
+                  <a:cubicBezTo>
+                    <a:pt x="38" y="152"/>
+                    <a:pt x="17" y="76"/>
+                    <a:pt x="0" y="0"/>
+                  </a:cubicBezTo>
+                  <a:cubicBezTo>
+                    <a:pt x="2" y="21"/>
+                    <a:pt x="4" y="42"/>
+                    <a:pt x="7" y="63"/>
+                  </a:cubicBezTo>
+                  <a:cubicBezTo>
+                    <a:pt x="21" y="119"/>
+                    <a:pt x="36" y="174"/>
+                    <a:pt x="53" y="229"/>
+                  </a:cubicBezTo>
+                  <a:close/>
+                </a:path>
+              </a:pathLst>
+            </a:custGeom>
+            <a:solidFill>
+              <a:schemeClr val="tx2"/>
+            </a:solidFill>
+            <a:ln>
+              <a:noFill/>
+            </a:ln>
+          </p:spPr>
+        </p:sp>
+        <p:sp>
+          <p:nvSpPr>
+            <p:cNvPr id="13" name="Freeform 29"/>
+            <p:cNvSpPr/>
+            <p:nvPr/>
+          </p:nvSpPr>
+          <p:spPr bwMode="auto">
+            <a:xfrm>
+              <a:off x="7439026" y="5053013"/>
+              <a:ext cx="357188" cy="820738"/>
+            </a:xfrm>
+            <a:custGeom>
+              <a:avLst/>
+              <a:gdLst/>
+              <a:ahLst/>
+              <a:cxnLst/>
+              <a:rect l="0" t="0" r="r" b="b"/>
+              <a:pathLst>
+                <a:path w="90" h="207">
+                  <a:moveTo>
+                    <a:pt x="6" y="15"/>
+                  </a:moveTo>
+                  <a:cubicBezTo>
+                    <a:pt x="4" y="10"/>
+                    <a:pt x="2" y="5"/>
+                    <a:pt x="0" y="0"/>
+                  </a:cubicBezTo>
+                  <a:cubicBezTo>
+                    <a:pt x="0" y="9"/>
+                    <a:pt x="0" y="19"/>
+                    <a:pt x="1" y="29"/>
+                  </a:cubicBezTo>
+                  <a:cubicBezTo>
+                    <a:pt x="14" y="62"/>
+                    <a:pt x="27" y="95"/>
+                    <a:pt x="42" y="127"/>
+                  </a:cubicBezTo>
+                  <a:cubicBezTo>
+                    <a:pt x="54" y="154"/>
+                    <a:pt x="67" y="181"/>
+                    <a:pt x="80" y="207"/>
+                  </a:cubicBezTo>
+                  <a:cubicBezTo>
+                    <a:pt x="90" y="207"/>
+                    <a:pt x="90" y="207"/>
+                    <a:pt x="90" y="207"/>
+                  </a:cubicBezTo>
+                  <a:cubicBezTo>
+                    <a:pt x="76" y="180"/>
+                    <a:pt x="63" y="152"/>
+                    <a:pt x="50" y="123"/>
+                  </a:cubicBezTo>
+                  <a:cubicBezTo>
+                    <a:pt x="34" y="88"/>
+                    <a:pt x="20" y="51"/>
+                    <a:pt x="6" y="15"/>
+                  </a:cubicBezTo>
+                  <a:close/>
+                </a:path>
+              </a:pathLst>
+            </a:custGeom>
+            <a:solidFill>
+              <a:schemeClr val="tx2"/>
+            </a:solidFill>
+            <a:ln>
+              <a:noFill/>
+            </a:ln>
+          </p:spPr>
+        </p:sp>
+        <p:sp>
+          <p:nvSpPr>
+            <p:cNvPr id="14" name="Freeform 30"/>
+            <p:cNvSpPr/>
+            <p:nvPr/>
+          </p:nvSpPr>
+          <p:spPr bwMode="auto">
+            <a:xfrm>
+              <a:off x="7037388" y="3811588"/>
+              <a:ext cx="457200" cy="1852613"/>
+            </a:xfrm>
+            <a:custGeom>
+              <a:avLst/>
+              <a:gdLst/>
+              <a:ahLst/>
+              <a:cxnLst/>
+              <a:rect l="0" t="0" r="r" b="b"/>
+              <a:pathLst>
+                <a:path w="115" h="467">
+                  <a:moveTo>
+                    <a:pt x="101" y="409"/>
+                  </a:moveTo>
+                  <a:cubicBezTo>
+                    <a:pt x="93" y="388"/>
+                    <a:pt x="85" y="366"/>
+                    <a:pt x="78" y="344"/>
+                  </a:cubicBezTo>
+                  <a:cubicBezTo>
+                    <a:pt x="57" y="281"/>
+                    <a:pt x="41" y="216"/>
+                    <a:pt x="29" y="151"/>
+                  </a:cubicBezTo>
+                  <a:cubicBezTo>
+                    <a:pt x="22" y="119"/>
+                    <a:pt x="17" y="86"/>
+                    <a:pt x="13" y="53"/>
+                  </a:cubicBezTo>
+                  <a:cubicBezTo>
+                    <a:pt x="9" y="35"/>
+                    <a:pt x="4" y="18"/>
+                    <a:pt x="0" y="0"/>
+                  </a:cubicBezTo>
+                  <a:cubicBezTo>
+                    <a:pt x="5" y="51"/>
+                    <a:pt x="12" y="102"/>
+                    <a:pt x="21" y="152"/>
+                  </a:cubicBezTo>
+                  <a:cubicBezTo>
+                    <a:pt x="33" y="218"/>
+                    <a:pt x="49" y="283"/>
+                    <a:pt x="69" y="347"/>
+                  </a:cubicBezTo>
+                  <a:cubicBezTo>
+                    <a:pt x="79" y="378"/>
+                    <a:pt x="90" y="410"/>
+                    <a:pt x="103" y="441"/>
+                  </a:cubicBezTo>
+                  <a:cubicBezTo>
+                    <a:pt x="107" y="449"/>
+                    <a:pt x="111" y="458"/>
+                    <a:pt x="115" y="467"/>
+                  </a:cubicBezTo>
+                  <a:cubicBezTo>
+                    <a:pt x="114" y="464"/>
+                    <a:pt x="113" y="461"/>
+                    <a:pt x="112" y="458"/>
+                  </a:cubicBezTo>
+                  <a:cubicBezTo>
+                    <a:pt x="108" y="442"/>
+                    <a:pt x="104" y="425"/>
+                    <a:pt x="101" y="409"/>
+                  </a:cubicBezTo>
+                  <a:close/>
+                </a:path>
+              </a:pathLst>
+            </a:custGeom>
+            <a:solidFill>
+              <a:schemeClr val="tx2"/>
+            </a:solidFill>
+            <a:ln>
+              <a:noFill/>
+            </a:ln>
+          </p:spPr>
+        </p:sp>
+        <p:sp>
+          <p:nvSpPr>
+            <p:cNvPr id="15" name="Freeform 31"/>
+            <p:cNvSpPr/>
+            <p:nvPr/>
+          </p:nvSpPr>
+          <p:spPr bwMode="auto">
+            <a:xfrm>
+              <a:off x="6992938" y="1263650"/>
+              <a:ext cx="144463" cy="2508250"/>
+            </a:xfrm>
+            <a:custGeom>
+              <a:avLst/>
+              <a:gdLst/>
+              <a:ahLst/>
+              <a:cxnLst/>
+              <a:rect l="0" t="0" r="r" b="b"/>
+              <a:pathLst>
+                <a:path w="36" h="633">
+                  <a:moveTo>
+                    <a:pt x="17" y="633"/>
+                  </a:moveTo>
+                  <a:cubicBezTo>
+                    <a:pt x="15" y="621"/>
+                    <a:pt x="14" y="609"/>
+                    <a:pt x="13" y="597"/>
+                  </a:cubicBezTo>
+                  <a:cubicBezTo>
+                    <a:pt x="8" y="530"/>
+                    <a:pt x="5" y="464"/>
+                    <a:pt x="5" y="398"/>
+                  </a:cubicBezTo>
+                  <a:cubicBezTo>
+                    <a:pt x="5" y="331"/>
+                    <a:pt x="8" y="265"/>
+                    <a:pt x="13" y="198"/>
+                  </a:cubicBezTo>
+                  <a:cubicBezTo>
+                    <a:pt x="15" y="165"/>
+                    <a:pt x="18" y="132"/>
+                    <a:pt x="22" y="99"/>
+                  </a:cubicBezTo>
+                  <a:cubicBezTo>
+                    <a:pt x="26" y="66"/>
+                    <a:pt x="30" y="33"/>
+                    <a:pt x="36" y="0"/>
+                  </a:cubicBezTo>
+                  <a:cubicBezTo>
+                    <a:pt x="35" y="0"/>
+                    <a:pt x="35" y="0"/>
+                    <a:pt x="35" y="0"/>
+                  </a:cubicBezTo>
+                  <a:cubicBezTo>
+                    <a:pt x="29" y="33"/>
+                    <a:pt x="24" y="66"/>
+                    <a:pt x="20" y="99"/>
+                  </a:cubicBezTo>
+                  <a:cubicBezTo>
+                    <a:pt x="16" y="132"/>
+                    <a:pt x="13" y="165"/>
+                    <a:pt x="10" y="198"/>
+                  </a:cubicBezTo>
+                  <a:cubicBezTo>
+                    <a:pt x="4" y="264"/>
+                    <a:pt x="1" y="331"/>
+                    <a:pt x="1" y="398"/>
+                  </a:cubicBezTo>
+                  <a:cubicBezTo>
+                    <a:pt x="0" y="461"/>
+                    <a:pt x="2" y="525"/>
+                    <a:pt x="7" y="589"/>
+                  </a:cubicBezTo>
+                  <a:cubicBezTo>
+                    <a:pt x="10" y="603"/>
+                    <a:pt x="13" y="618"/>
+                    <a:pt x="16" y="632"/>
+                  </a:cubicBezTo>
+                  <a:cubicBezTo>
+                    <a:pt x="16" y="632"/>
+                    <a:pt x="17" y="633"/>
+                    <a:pt x="17" y="633"/>
+                  </a:cubicBezTo>
+                  <a:close/>
+                </a:path>
+              </a:pathLst>
+            </a:custGeom>
+            <a:solidFill>
+              <a:schemeClr val="tx2"/>
+            </a:solidFill>
+            <a:ln>
+              <a:noFill/>
+            </a:ln>
+          </p:spPr>
+        </p:sp>
+        <p:sp>
+          <p:nvSpPr>
+            <p:cNvPr id="16" name="Freeform 32"/>
+            <p:cNvSpPr/>
+            <p:nvPr/>
+          </p:nvSpPr>
+          <p:spPr bwMode="auto">
+            <a:xfrm>
+              <a:off x="7526338" y="5640388"/>
+              <a:ext cx="111125" cy="233363"/>
+            </a:xfrm>
+            <a:custGeom>
+              <a:avLst/>
+              <a:gdLst/>
+              <a:ahLst/>
+              <a:cxnLst/>
+              <a:rect l="0" t="0" r="r" b="b"/>
+              <a:pathLst>
+                <a:path w="28" h="59">
+                  <a:moveTo>
+                    <a:pt x="22" y="59"/>
+                  </a:moveTo>
+                  <a:cubicBezTo>
+                    <a:pt x="28" y="59"/>
+                    <a:pt x="28" y="59"/>
+                    <a:pt x="28" y="59"/>
+                  </a:cubicBezTo>
+                  <a:cubicBezTo>
+                    <a:pt x="18" y="40"/>
+                    <a:pt x="9" y="20"/>
+                    <a:pt x="0" y="0"/>
+                  </a:cubicBezTo>
+                  <a:cubicBezTo>
+                    <a:pt x="6" y="20"/>
+                    <a:pt x="13" y="40"/>
+                    <a:pt x="22" y="59"/>
+                  </a:cubicBezTo>
+                  <a:close/>
+                </a:path>
+              </a:pathLst>
+            </a:custGeom>
+            <a:solidFill>
+              <a:schemeClr val="tx2"/>
+            </a:solidFill>
+            <a:ln>
+              <a:noFill/>
+            </a:ln>
+          </p:spPr>
+        </p:sp>
+        <p:sp>
+          <p:nvSpPr>
+            <p:cNvPr id="17" name="Freeform 33"/>
+            <p:cNvSpPr/>
+            <p:nvPr/>
+          </p:nvSpPr>
+          <p:spPr bwMode="auto">
+            <a:xfrm>
+              <a:off x="7021513" y="3598863"/>
+              <a:ext cx="68263" cy="423863"/>
+            </a:xfrm>
+            <a:custGeom>
+              <a:avLst/>
+              <a:gdLst/>
+              <a:ahLst/>
+              <a:cxnLst/>
+              <a:rect l="0" t="0" r="r" b="b"/>
+              <a:pathLst>
+                <a:path w="17" h="107">
+                  <a:moveTo>
+                    <a:pt x="4" y="54"/>
+                  </a:moveTo>
+                  <a:cubicBezTo>
+                    <a:pt x="8" y="72"/>
+                    <a:pt x="13" y="89"/>
+                    <a:pt x="17" y="107"/>
+                  </a:cubicBezTo>
+                  <a:cubicBezTo>
+                    <a:pt x="14" y="86"/>
+                    <a:pt x="12" y="65"/>
+                    <a:pt x="10" y="44"/>
+                  </a:cubicBezTo>
+                  <a:cubicBezTo>
+                    <a:pt x="10" y="44"/>
+                    <a:pt x="9" y="43"/>
+                    <a:pt x="9" y="43"/>
+                  </a:cubicBezTo>
+                  <a:cubicBezTo>
+                    <a:pt x="6" y="29"/>
+                    <a:pt x="3" y="14"/>
+                    <a:pt x="0" y="0"/>
+                  </a:cubicBezTo>
+                  <a:cubicBezTo>
+                    <a:pt x="0" y="2"/>
+                    <a:pt x="0" y="5"/>
+                    <a:pt x="0" y="8"/>
+                  </a:cubicBezTo>
+                  <a:cubicBezTo>
+                    <a:pt x="1" y="23"/>
+                    <a:pt x="3" y="39"/>
+                    <a:pt x="4" y="54"/>
+                  </a:cubicBezTo>
+                  <a:close/>
+                </a:path>
+              </a:pathLst>
+            </a:custGeom>
+            <a:solidFill>
+              <a:schemeClr val="tx2"/>
+            </a:solidFill>
+            <a:ln>
+              <a:noFill/>
+            </a:ln>
+          </p:spPr>
+        </p:sp>
+        <p:sp>
+          <p:nvSpPr>
+            <p:cNvPr id="18" name="Freeform 34"/>
+            <p:cNvSpPr/>
+            <p:nvPr/>
+          </p:nvSpPr>
+          <p:spPr bwMode="auto">
+            <a:xfrm>
+              <a:off x="7412038" y="2801938"/>
+              <a:ext cx="1168400" cy="2251075"/>
+            </a:xfrm>
+            <a:custGeom>
+              <a:avLst/>
+              <a:gdLst/>
+              <a:ahLst/>
+              <a:cxnLst/>
+              <a:rect l="0" t="0" r="r" b="b"/>
+              <a:pathLst>
+                <a:path w="294" h="568">
+                  <a:moveTo>
+                    <a:pt x="8" y="553"/>
+                  </a:moveTo>
+                  <a:cubicBezTo>
+                    <a:pt x="9" y="501"/>
+                    <a:pt x="19" y="448"/>
+                    <a:pt x="35" y="397"/>
+                  </a:cubicBezTo>
+                  <a:cubicBezTo>
+                    <a:pt x="51" y="347"/>
+                    <a:pt x="73" y="298"/>
+                    <a:pt x="99" y="252"/>
+                  </a:cubicBezTo>
+                  <a:cubicBezTo>
+                    <a:pt x="124" y="205"/>
+                    <a:pt x="154" y="161"/>
+                    <a:pt x="187" y="119"/>
+                  </a:cubicBezTo>
+                  <a:cubicBezTo>
+                    <a:pt x="203" y="98"/>
+                    <a:pt x="220" y="77"/>
+                    <a:pt x="238" y="58"/>
+                  </a:cubicBezTo>
+                  <a:cubicBezTo>
+                    <a:pt x="247" y="48"/>
+                    <a:pt x="256" y="38"/>
+                    <a:pt x="265" y="28"/>
+                  </a:cubicBezTo>
+                  <a:cubicBezTo>
+                    <a:pt x="274" y="19"/>
+                    <a:pt x="284" y="9"/>
+                    <a:pt x="294" y="0"/>
+                  </a:cubicBezTo>
+                  <a:cubicBezTo>
+                    <a:pt x="293" y="0"/>
+                    <a:pt x="293" y="0"/>
+                    <a:pt x="293" y="0"/>
+                  </a:cubicBezTo>
+                  <a:cubicBezTo>
+                    <a:pt x="283" y="9"/>
+                    <a:pt x="273" y="18"/>
+                    <a:pt x="264" y="27"/>
+                  </a:cubicBezTo>
+                  <a:cubicBezTo>
+                    <a:pt x="255" y="37"/>
+                    <a:pt x="246" y="47"/>
+                    <a:pt x="237" y="56"/>
+                  </a:cubicBezTo>
+                  <a:cubicBezTo>
+                    <a:pt x="218" y="76"/>
+                    <a:pt x="201" y="96"/>
+                    <a:pt x="185" y="117"/>
+                  </a:cubicBezTo>
+                  <a:cubicBezTo>
+                    <a:pt x="151" y="159"/>
+                    <a:pt x="121" y="203"/>
+                    <a:pt x="95" y="249"/>
+                  </a:cubicBezTo>
+                  <a:cubicBezTo>
+                    <a:pt x="68" y="296"/>
+                    <a:pt x="46" y="345"/>
+                    <a:pt x="30" y="396"/>
+                  </a:cubicBezTo>
+                  <a:cubicBezTo>
+                    <a:pt x="13" y="445"/>
+                    <a:pt x="3" y="497"/>
+                    <a:pt x="0" y="549"/>
+                  </a:cubicBezTo>
+                  <a:cubicBezTo>
+                    <a:pt x="3" y="555"/>
+                    <a:pt x="5" y="561"/>
+                    <a:pt x="7" y="568"/>
+                  </a:cubicBezTo>
+                  <a:cubicBezTo>
+                    <a:pt x="7" y="563"/>
+                    <a:pt x="7" y="558"/>
+                    <a:pt x="8" y="553"/>
+                  </a:cubicBezTo>
+                  <a:close/>
+                </a:path>
+              </a:pathLst>
+            </a:custGeom>
+            <a:solidFill>
+              <a:schemeClr val="tx2"/>
+            </a:solidFill>
+            <a:ln>
+              <a:noFill/>
+            </a:ln>
+          </p:spPr>
+        </p:sp>
+        <p:sp>
+          <p:nvSpPr>
+            <p:cNvPr id="19" name="Freeform 35"/>
+            <p:cNvSpPr/>
+            <p:nvPr/>
+          </p:nvSpPr>
+          <p:spPr bwMode="auto">
+            <a:xfrm>
+              <a:off x="7494588" y="5664200"/>
+              <a:ext cx="100013" cy="209550"/>
+            </a:xfrm>
+            <a:custGeom>
+              <a:avLst/>
+              <a:gdLst/>
+              <a:ahLst/>
+              <a:cxnLst/>
+              <a:rect l="0" t="0" r="r" b="b"/>
+              <a:pathLst>
+                <a:path w="25" h="53">
+                  <a:moveTo>
+                    <a:pt x="0" y="0"/>
+                  </a:moveTo>
+                  <a:cubicBezTo>
+                    <a:pt x="5" y="18"/>
+                    <a:pt x="12" y="36"/>
+                    <a:pt x="19" y="53"/>
+                  </a:cubicBezTo>
+                  <a:cubicBezTo>
+                    <a:pt x="25" y="53"/>
+                    <a:pt x="25" y="53"/>
+                    <a:pt x="25" y="53"/>
+                  </a:cubicBezTo>
+                  <a:cubicBezTo>
+                    <a:pt x="16" y="36"/>
+                    <a:pt x="8" y="18"/>
+                    <a:pt x="0" y="0"/>
+                  </a:cubicBezTo>
+                  <a:close/>
+                </a:path>
+              </a:pathLst>
+            </a:custGeom>
+            <a:solidFill>
+              <a:schemeClr val="tx2"/>
+            </a:solidFill>
+            <a:ln>
+              <a:noFill/>
+            </a:ln>
+          </p:spPr>
+        </p:sp>
+        <p:sp>
+          <p:nvSpPr>
+            <p:cNvPr id="20" name="Freeform 36"/>
+            <p:cNvSpPr/>
+            <p:nvPr/>
+          </p:nvSpPr>
+          <p:spPr bwMode="auto">
+            <a:xfrm>
+              <a:off x="7412038" y="5081588"/>
+              <a:ext cx="114300" cy="558800"/>
+            </a:xfrm>
+            <a:custGeom>
+              <a:avLst/>
+              <a:gdLst/>
+              <a:ahLst/>
+              <a:cxnLst/>
+              <a:rect l="0" t="0" r="r" b="b"/>
+              <a:pathLst>
+                <a:path w="29" h="141">
+                  <a:moveTo>
+                    <a:pt x="0" y="0"/>
+                  </a:moveTo>
+                  <a:cubicBezTo>
+                    <a:pt x="0" y="30"/>
+                    <a:pt x="2" y="60"/>
+                    <a:pt x="7" y="89"/>
+                  </a:cubicBezTo>
+                  <a:cubicBezTo>
+                    <a:pt x="11" y="98"/>
+                    <a:pt x="14" y="108"/>
+                    <a:pt x="18" y="117"/>
+                  </a:cubicBezTo>
+                  <a:cubicBezTo>
+                    <a:pt x="22" y="125"/>
+                    <a:pt x="25" y="133"/>
+                    <a:pt x="29" y="141"/>
+                  </a:cubicBezTo>
+                  <a:cubicBezTo>
+                    <a:pt x="28" y="139"/>
+                    <a:pt x="28" y="137"/>
+                    <a:pt x="27" y="135"/>
+                  </a:cubicBezTo>
+                  <a:cubicBezTo>
+                    <a:pt x="16" y="98"/>
+                    <a:pt x="10" y="60"/>
+                    <a:pt x="8" y="22"/>
+                  </a:cubicBezTo>
+                  <a:cubicBezTo>
+                    <a:pt x="7" y="18"/>
+                    <a:pt x="5" y="15"/>
+                    <a:pt x="4" y="11"/>
+                  </a:cubicBezTo>
+                  <a:cubicBezTo>
+                    <a:pt x="2" y="7"/>
+                    <a:pt x="1" y="3"/>
+                    <a:pt x="0" y="0"/>
+                  </a:cubicBezTo>
+                  <a:close/>
+                </a:path>
+              </a:pathLst>
+            </a:custGeom>
+            <a:solidFill>
+              <a:schemeClr val="tx2"/>
+            </a:solidFill>
+            <a:ln>
+              <a:noFill/>
+            </a:ln>
+          </p:spPr>
+        </p:sp>
+        <p:sp>
+          <p:nvSpPr>
+            <p:cNvPr id="21" name="Freeform 37"/>
+            <p:cNvSpPr/>
+            <p:nvPr/>
+          </p:nvSpPr>
+          <p:spPr bwMode="auto">
+            <a:xfrm>
+              <a:off x="7412038" y="4978400"/>
+              <a:ext cx="31750" cy="188913"/>
+            </a:xfrm>
+            <a:custGeom>
+              <a:avLst/>
+              <a:gdLst/>
+              <a:ahLst/>
+              <a:cxnLst/>
+              <a:rect l="0" t="0" r="r" b="b"/>
+              <a:pathLst>
+                <a:path w="8" h="48">
+                  <a:moveTo>
+                    <a:pt x="0" y="26"/>
+                  </a:moveTo>
+                  <a:cubicBezTo>
+                    <a:pt x="1" y="29"/>
+                    <a:pt x="2" y="33"/>
+                    <a:pt x="4" y="37"/>
+                  </a:cubicBezTo>
+                  <a:cubicBezTo>
+                    <a:pt x="5" y="41"/>
+                    <a:pt x="7" y="44"/>
+                    <a:pt x="8" y="48"/>
+                  </a:cubicBezTo>
+                  <a:cubicBezTo>
+                    <a:pt x="7" y="38"/>
+                    <a:pt x="7" y="28"/>
+                    <a:pt x="7" y="19"/>
+                  </a:cubicBezTo>
+                  <a:cubicBezTo>
+                    <a:pt x="5" y="12"/>
+                    <a:pt x="3" y="6"/>
+                    <a:pt x="0" y="0"/>
+                  </a:cubicBezTo>
+                  <a:cubicBezTo>
+                    <a:pt x="0" y="1"/>
+                    <a:pt x="0" y="3"/>
+                    <a:pt x="0" y="4"/>
+                  </a:cubicBezTo>
+                  <a:cubicBezTo>
+                    <a:pt x="0" y="11"/>
+                    <a:pt x="0" y="19"/>
+                    <a:pt x="0" y="26"/>
+                  </a:cubicBezTo>
+                  <a:close/>
+                </a:path>
+              </a:pathLst>
+            </a:custGeom>
+            <a:solidFill>
+              <a:schemeClr val="tx2"/>
+            </a:solidFill>
+            <a:ln>
+              <a:noFill/>
+            </a:ln>
+          </p:spPr>
+        </p:sp>
+        <p:sp>
+          <p:nvSpPr>
+            <p:cNvPr id="22" name="Freeform 38"/>
+            <p:cNvSpPr/>
+            <p:nvPr/>
+          </p:nvSpPr>
+          <p:spPr bwMode="auto">
+            <a:xfrm>
+              <a:off x="7439026" y="5434013"/>
+              <a:ext cx="174625" cy="439738"/>
+            </a:xfrm>
+            <a:custGeom>
+              <a:avLst/>
+              <a:gdLst/>
+              <a:ahLst/>
+              <a:cxnLst/>
+              <a:rect l="0" t="0" r="r" b="b"/>
+              <a:pathLst>
+                <a:path w="44" h="111">
+                  <a:moveTo>
+                    <a:pt x="11" y="28"/>
+                  </a:moveTo>
+                  <a:cubicBezTo>
+                    <a:pt x="7" y="19"/>
+                    <a:pt x="4" y="9"/>
+                    <a:pt x="0" y="0"/>
+                  </a:cubicBezTo>
+                  <a:cubicBezTo>
+                    <a:pt x="3" y="16"/>
+                    <a:pt x="7" y="33"/>
+                    <a:pt x="11" y="49"/>
+                  </a:cubicBezTo>
+                  <a:cubicBezTo>
+                    <a:pt x="12" y="52"/>
+                    <a:pt x="13" y="55"/>
+                    <a:pt x="14" y="58"/>
+                  </a:cubicBezTo>
+                  <a:cubicBezTo>
+                    <a:pt x="22" y="76"/>
+                    <a:pt x="30" y="94"/>
+                    <a:pt x="39" y="111"/>
+                  </a:cubicBezTo>
+                  <a:cubicBezTo>
+                    <a:pt x="44" y="111"/>
+                    <a:pt x="44" y="111"/>
+                    <a:pt x="44" y="111"/>
+                  </a:cubicBezTo>
+                  <a:cubicBezTo>
+                    <a:pt x="35" y="92"/>
+                    <a:pt x="28" y="72"/>
+                    <a:pt x="22" y="52"/>
+                  </a:cubicBezTo>
+                  <a:cubicBezTo>
+                    <a:pt x="18" y="44"/>
+                    <a:pt x="15" y="36"/>
+                    <a:pt x="11" y="28"/>
+                  </a:cubicBezTo>
+                  <a:close/>
+                </a:path>
+              </a:pathLst>
+            </a:custGeom>
+            <a:solidFill>
+              <a:schemeClr val="tx2"/>
+            </a:solidFill>
+            <a:ln>
+              <a:noFill/>
+            </a:ln>
+          </p:spPr>
+        </p:sp>
+      </p:grpSp>
+      <p:sp>
+        <p:nvSpPr>
+          <p:cNvPr id="7" name="Rectangle 6"/>
+          <p:cNvSpPr/>
+          <p:nvPr/>
         </p:nvSpPr>
         <p:spPr>
           <a:xfrm>
-            <a:off x="838200" y="365125"/>
-            <a:ext cx="10515600" cy="1325563"/>
+            <a:off x="0" y="0"/>
+            <a:ext cx="182880" cy="6858000"/>
+          </a:xfrm>
+          <a:prstGeom prst="rect">
+            <a:avLst/>
+          </a:prstGeom>
+          <a:solidFill>
+            <a:schemeClr val="tx2"/>
+          </a:solidFill>
+          <a:ln>
+            <a:noFill/>
+          </a:ln>
+          <a:effectLst/>
+        </p:spPr>
+        <p:style>
+          <a:lnRef idx="1">
+            <a:schemeClr val="accent1"/>
+          </a:lnRef>
+          <a:fillRef idx="3">
+            <a:schemeClr val="accent1"/>
+          </a:fillRef>
+          <a:effectRef idx="2">
+            <a:schemeClr val="accent1"/>
+          </a:effectRef>
+          <a:fontRef idx="minor">
+            <a:schemeClr val="lt1"/>
+          </a:fontRef>
+        </p:style>
+      </p:sp>
+      <p:sp>
+        <p:nvSpPr>
+          <p:cNvPr id="2" name="Title Placeholder 1"/>
+          <p:cNvSpPr>
+            <a:spLocks noGrp="1"/>
+          </p:cNvSpPr>
+          <p:nvPr>
+            <p:ph type="title"/>
+          </p:nvPr>
+        </p:nvSpPr>
+        <p:spPr>
+          <a:xfrm>
+            <a:off x="2592924" y="624110"/>
+            <a:ext cx="8911687" cy="1280890"/>
           </a:xfrm>
           <a:prstGeom prst="rect">
             <a:avLst/>
           </a:prstGeom>
         </p:spPr>
         <p:txBody>
-          <a:bodyPr vert="horz" lIns="91440" tIns="45720" rIns="91440" bIns="45720" rtlCol="0" anchor="ctr">
+          <a:bodyPr vert="horz" lIns="91440" tIns="45720" rIns="91440" bIns="45720" rtlCol="0" anchor="t">
             <a:normAutofit/>
           </a:bodyPr>
           <a:lstStyle/>
@@ -2458,13 +7057,13 @@
               <a:rPr lang="ru-RU" smtClean="0"/>
               <a:t>Образец заголовка</a:t>
             </a:r>
-            <a:endParaRPr lang="en-US"/>
-          </a:p>
-        </p:txBody>
-      </p:sp>
-      <p:sp>
-        <p:nvSpPr>
-          <p:cNvPr id="3" name="Текст 2"/>
+            <a:endParaRPr lang="en-US" dirty="0"/>
+          </a:p>
+        </p:txBody>
+      </p:sp>
+      <p:sp>
+        <p:nvSpPr>
+          <p:cNvPr id="3" name="Text Placeholder 2"/>
           <p:cNvSpPr>
             <a:spLocks noGrp="1"/>
           </p:cNvSpPr>
@@ -2474,8 +7073,8 @@
         </p:nvSpPr>
         <p:spPr>
           <a:xfrm>
-            <a:off x="838200" y="1825625"/>
-            <a:ext cx="10515600" cy="4351338"/>
+            <a:off x="2589212" y="2133600"/>
+            <a:ext cx="8915400" cy="3886200"/>
           </a:xfrm>
           <a:prstGeom prst="rect">
             <a:avLst/>
@@ -2520,13 +7119,13 @@
               <a:rPr lang="ru-RU" smtClean="0"/>
               <a:t>Пятый уровень</a:t>
             </a:r>
-            <a:endParaRPr lang="en-US"/>
-          </a:p>
-        </p:txBody>
-      </p:sp>
-      <p:sp>
-        <p:nvSpPr>
-          <p:cNvPr id="4" name="Дата 3"/>
+            <a:endParaRPr lang="en-US" dirty="0"/>
+          </a:p>
+        </p:txBody>
+      </p:sp>
+      <p:sp>
+        <p:nvSpPr>
+          <p:cNvPr id="4" name="Date Placeholder 3"/>
           <p:cNvSpPr>
             <a:spLocks noGrp="1"/>
           </p:cNvSpPr>
@@ -2536,8 +7135,8 @@
         </p:nvSpPr>
         <p:spPr>
           <a:xfrm>
-            <a:off x="838200" y="6356350"/>
-            <a:ext cx="2743200" cy="365125"/>
+            <a:off x="10361612" y="6130437"/>
+            <a:ext cx="1146283" cy="370396"/>
           </a:xfrm>
           <a:prstGeom prst="rect">
             <a:avLst/>
@@ -2546,8 +7145,8 @@
         <p:txBody>
           <a:bodyPr vert="horz" lIns="91440" tIns="45720" rIns="91440" bIns="45720" rtlCol="0" anchor="ctr"/>
           <a:lstStyle>
-            <a:lvl1pPr algn="l">
-              <a:defRPr sz="1200">
+            <a:lvl1pPr algn="r">
+              <a:defRPr sz="900">
                 <a:solidFill>
                   <a:schemeClr val="tx1">
                     <a:tint val="75000"/>
@@ -2559,7 +7158,7 @@
           <a:p>
             <a:fld id="{8A5229FB-8832-4A27-994F-F3EDC38C3527}" type="datetimeFigureOut">
               <a:rPr lang="en-US" smtClean="0"/>
-              <a:t>3/24/2020</a:t>
+              <a:t>3/26/2020</a:t>
             </a:fld>
             <a:endParaRPr lang="en-US"/>
           </a:p>
@@ -2567,7 +7166,7 @@
       </p:sp>
       <p:sp>
         <p:nvSpPr>
-          <p:cNvPr id="5" name="Нижний колонтитул 4"/>
+          <p:cNvPr id="5" name="Footer Placeholder 4"/>
           <p:cNvSpPr>
             <a:spLocks noGrp="1"/>
           </p:cNvSpPr>
@@ -2577,8 +7176,8 @@
         </p:nvSpPr>
         <p:spPr>
           <a:xfrm>
-            <a:off x="4038600" y="6356350"/>
-            <a:ext cx="4114800" cy="365125"/>
+            <a:off x="2589212" y="6135808"/>
+            <a:ext cx="7619999" cy="365125"/>
           </a:xfrm>
           <a:prstGeom prst="rect">
             <a:avLst/>
@@ -2587,8 +7186,8 @@
         <p:txBody>
           <a:bodyPr vert="horz" lIns="91440" tIns="45720" rIns="91440" bIns="45720" rtlCol="0" anchor="ctr"/>
           <a:lstStyle>
-            <a:lvl1pPr algn="ctr">
-              <a:defRPr sz="1200">
+            <a:lvl1pPr algn="l">
+              <a:defRPr sz="900">
                 <a:solidFill>
                   <a:schemeClr val="tx1">
                     <a:tint val="75000"/>
@@ -2604,7 +7203,7 @@
       </p:sp>
       <p:sp>
         <p:nvSpPr>
-          <p:cNvPr id="6" name="Номер слайда 5"/>
+          <p:cNvPr id="6" name="Slide Number Placeholder 5"/>
           <p:cNvSpPr>
             <a:spLocks noGrp="1"/>
           </p:cNvSpPr>
@@ -2612,10 +7211,10 @@
             <p:ph type="sldNum" sz="quarter" idx="4"/>
           </p:nvPr>
         </p:nvSpPr>
-        <p:spPr>
+        <p:spPr bwMode="gray">
           <a:xfrm>
-            <a:off x="8610600" y="6356350"/>
-            <a:ext cx="2743200" cy="365125"/>
+            <a:off x="531812" y="787782"/>
+            <a:ext cx="779767" cy="365125"/>
           </a:xfrm>
           <a:prstGeom prst="rect">
             <a:avLst/>
@@ -2625,11 +7224,9 @@
           <a:bodyPr vert="horz" lIns="91440" tIns="45720" rIns="91440" bIns="45720" rtlCol="0" anchor="ctr"/>
           <a:lstStyle>
             <a:lvl1pPr algn="r">
-              <a:defRPr sz="1200">
+              <a:defRPr sz="2000">
                 <a:solidFill>
-                  <a:schemeClr val="tx1">
-                    <a:tint val="75000"/>
-                  </a:schemeClr>
+                  <a:srgbClr val="FEFFFF"/>
                 </a:solidFill>
               </a:defRPr>
             </a:lvl1pPr>
@@ -2646,201 +7243,316 @@
     </p:spTree>
     <p:extLst>
       <p:ext uri="{BB962C8B-B14F-4D97-AF65-F5344CB8AC3E}">
-        <p14:creationId xmlns:p14="http://schemas.microsoft.com/office/powerpoint/2010/main" val="790785948"/>
+        <p14:creationId xmlns:p14="http://schemas.microsoft.com/office/powerpoint/2010/main" val="3233979292"/>
       </p:ext>
     </p:extLst>
   </p:cSld>
   <p:clrMap bg1="lt1" tx1="dk1" bg2="lt2" tx2="dk2" accent1="accent1" accent2="accent2" accent3="accent3" accent4="accent4" accent5="accent5" accent6="accent6" hlink="hlink" folHlink="folHlink"/>
   <p:sldLayoutIdLst>
-    <p:sldLayoutId id="2147483649" r:id="rId1"/>
-    <p:sldLayoutId id="2147483650" r:id="rId2"/>
-    <p:sldLayoutId id="2147483651" r:id="rId3"/>
-    <p:sldLayoutId id="2147483652" r:id="rId4"/>
-    <p:sldLayoutId id="2147483653" r:id="rId5"/>
-    <p:sldLayoutId id="2147483654" r:id="rId6"/>
-    <p:sldLayoutId id="2147483655" r:id="rId7"/>
-    <p:sldLayoutId id="2147483656" r:id="rId8"/>
-    <p:sldLayoutId id="2147483657" r:id="rId9"/>
-    <p:sldLayoutId id="2147483658" r:id="rId10"/>
-    <p:sldLayoutId id="2147483659" r:id="rId11"/>
+    <p:sldLayoutId id="2147483790" r:id="rId1"/>
+    <p:sldLayoutId id="2147483791" r:id="rId2"/>
+    <p:sldLayoutId id="2147483792" r:id="rId3"/>
+    <p:sldLayoutId id="2147483793" r:id="rId4"/>
+    <p:sldLayoutId id="2147483794" r:id="rId5"/>
+    <p:sldLayoutId id="2147483795" r:id="rId6"/>
+    <p:sldLayoutId id="2147483796" r:id="rId7"/>
+    <p:sldLayoutId id="2147483797" r:id="rId8"/>
+    <p:sldLayoutId id="2147483798" r:id="rId9"/>
+    <p:sldLayoutId id="2147483799" r:id="rId10"/>
+    <p:sldLayoutId id="2147483800" r:id="rId11"/>
+    <p:sldLayoutId id="2147483801" r:id="rId12"/>
+    <p:sldLayoutId id="2147483802" r:id="rId13"/>
+    <p:sldLayoutId id="2147483803" r:id="rId14"/>
+    <p:sldLayoutId id="2147483804" r:id="rId15"/>
+    <p:sldLayoutId id="2147483805" r:id="rId16"/>
   </p:sldLayoutIdLst>
   <p:txStyles>
     <p:titleStyle>
-      <a:lvl1pPr algn="l" defTabSz="914400" rtl="0" eaLnBrk="1" latinLnBrk="0" hangingPunct="1">
-        <a:lnSpc>
-          <a:spcPct val="90000"/>
-        </a:lnSpc>
+      <a:lvl1pPr algn="l" defTabSz="457200" rtl="0" eaLnBrk="1" latinLnBrk="0" hangingPunct="1">
         <a:spcBef>
           <a:spcPct val="0"/>
         </a:spcBef>
         <a:buNone/>
-        <a:defRPr sz="4400" kern="1200">
+        <a:defRPr sz="3600" kern="1200">
           <a:solidFill>
-            <a:schemeClr val="tx1"/>
+            <a:schemeClr val="tx1">
+              <a:lumMod val="85000"/>
+              <a:lumOff val="15000"/>
+            </a:schemeClr>
           </a:solidFill>
           <a:latin typeface="+mj-lt"/>
           <a:ea typeface="+mj-ea"/>
           <a:cs typeface="+mj-cs"/>
         </a:defRPr>
       </a:lvl1pPr>
+      <a:lvl2pPr eaLnBrk="1" hangingPunct="1">
+        <a:defRPr>
+          <a:solidFill>
+            <a:schemeClr val="tx2"/>
+          </a:solidFill>
+        </a:defRPr>
+      </a:lvl2pPr>
+      <a:lvl3pPr eaLnBrk="1" hangingPunct="1">
+        <a:defRPr>
+          <a:solidFill>
+            <a:schemeClr val="tx2"/>
+          </a:solidFill>
+        </a:defRPr>
+      </a:lvl3pPr>
+      <a:lvl4pPr eaLnBrk="1" hangingPunct="1">
+        <a:defRPr>
+          <a:solidFill>
+            <a:schemeClr val="tx2"/>
+          </a:solidFill>
+        </a:defRPr>
+      </a:lvl4pPr>
+      <a:lvl5pPr eaLnBrk="1" hangingPunct="1">
+        <a:defRPr>
+          <a:solidFill>
+            <a:schemeClr val="tx2"/>
+          </a:solidFill>
+        </a:defRPr>
+      </a:lvl5pPr>
+      <a:lvl6pPr eaLnBrk="1" hangingPunct="1">
+        <a:defRPr>
+          <a:solidFill>
+            <a:schemeClr val="tx2"/>
+          </a:solidFill>
+        </a:defRPr>
+      </a:lvl6pPr>
+      <a:lvl7pPr eaLnBrk="1" hangingPunct="1">
+        <a:defRPr>
+          <a:solidFill>
+            <a:schemeClr val="tx2"/>
+          </a:solidFill>
+        </a:defRPr>
+      </a:lvl7pPr>
+      <a:lvl8pPr eaLnBrk="1" hangingPunct="1">
+        <a:defRPr>
+          <a:solidFill>
+            <a:schemeClr val="tx2"/>
+          </a:solidFill>
+        </a:defRPr>
+      </a:lvl8pPr>
+      <a:lvl9pPr eaLnBrk="1" hangingPunct="1">
+        <a:defRPr>
+          <a:solidFill>
+            <a:schemeClr val="tx2"/>
+          </a:solidFill>
+        </a:defRPr>
+      </a:lvl9pPr>
     </p:titleStyle>
     <p:bodyStyle>
-      <a:lvl1pPr marL="228600" indent="-228600" algn="l" defTabSz="914400" rtl="0" eaLnBrk="1" latinLnBrk="0" hangingPunct="1">
-        <a:lnSpc>
-          <a:spcPct val="90000"/>
-        </a:lnSpc>
+      <a:lvl1pPr marL="342900" indent="-342900" algn="l" defTabSz="457200" rtl="0" eaLnBrk="1" latinLnBrk="0" hangingPunct="1">
         <a:spcBef>
           <a:spcPts val="1000"/>
         </a:spcBef>
-        <a:buFont typeface="Arial" panose="020B0604020202020204" pitchFamily="34" charset="0"/>
-        <a:buChar char="•"/>
-        <a:defRPr sz="2800" kern="1200">
+        <a:spcAft>
+          <a:spcPts val="0"/>
+        </a:spcAft>
+        <a:buClr>
+          <a:schemeClr val="accent1"/>
+        </a:buClr>
+        <a:buFont typeface="Wingdings 3" charset="2"/>
+        <a:buChar char=""/>
+        <a:defRPr sz="1800" kern="1200">
           <a:solidFill>
-            <a:schemeClr val="tx1"/>
+            <a:schemeClr val="tx1">
+              <a:lumMod val="75000"/>
+              <a:lumOff val="25000"/>
+            </a:schemeClr>
           </a:solidFill>
           <a:latin typeface="+mn-lt"/>
           <a:ea typeface="+mn-ea"/>
           <a:cs typeface="+mn-cs"/>
         </a:defRPr>
       </a:lvl1pPr>
-      <a:lvl2pPr marL="685800" indent="-228600" algn="l" defTabSz="914400" rtl="0" eaLnBrk="1" latinLnBrk="0" hangingPunct="1">
-        <a:lnSpc>
-          <a:spcPct val="90000"/>
-        </a:lnSpc>
+      <a:lvl2pPr marL="742950" indent="-285750" algn="l" defTabSz="457200" rtl="0" eaLnBrk="1" latinLnBrk="0" hangingPunct="1">
         <a:spcBef>
-          <a:spcPts val="500"/>
+          <a:spcPts val="1000"/>
         </a:spcBef>
-        <a:buFont typeface="Arial" panose="020B0604020202020204" pitchFamily="34" charset="0"/>
-        <a:buChar char="•"/>
-        <a:defRPr sz="2400" kern="1200">
+        <a:spcAft>
+          <a:spcPts val="0"/>
+        </a:spcAft>
+        <a:buClr>
+          <a:schemeClr val="accent1"/>
+        </a:buClr>
+        <a:buFont typeface="Wingdings 3" charset="2"/>
+        <a:buChar char=""/>
+        <a:defRPr sz="1600" kern="1200">
           <a:solidFill>
-            <a:schemeClr val="tx1"/>
+            <a:schemeClr val="tx1">
+              <a:lumMod val="75000"/>
+              <a:lumOff val="25000"/>
+            </a:schemeClr>
           </a:solidFill>
           <a:latin typeface="+mn-lt"/>
           <a:ea typeface="+mn-ea"/>
           <a:cs typeface="+mn-cs"/>
         </a:defRPr>
       </a:lvl2pPr>
-      <a:lvl3pPr marL="1143000" indent="-228600" algn="l" defTabSz="914400" rtl="0" eaLnBrk="1" latinLnBrk="0" hangingPunct="1">
-        <a:lnSpc>
-          <a:spcPct val="90000"/>
-        </a:lnSpc>
+      <a:lvl3pPr marL="1143000" indent="-228600" algn="l" defTabSz="457200" rtl="0" eaLnBrk="1" latinLnBrk="0" hangingPunct="1">
         <a:spcBef>
-          <a:spcPts val="500"/>
+          <a:spcPts val="1000"/>
         </a:spcBef>
-        <a:buFont typeface="Arial" panose="020B0604020202020204" pitchFamily="34" charset="0"/>
-        <a:buChar char="•"/>
-        <a:defRPr sz="2000" kern="1200">
+        <a:spcAft>
+          <a:spcPts val="0"/>
+        </a:spcAft>
+        <a:buClr>
+          <a:schemeClr val="accent1"/>
+        </a:buClr>
+        <a:buFont typeface="Wingdings 3" charset="2"/>
+        <a:buChar char=""/>
+        <a:defRPr sz="1400" kern="1200">
           <a:solidFill>
-            <a:schemeClr val="tx1"/>
+            <a:schemeClr val="tx1">
+              <a:lumMod val="75000"/>
+              <a:lumOff val="25000"/>
+            </a:schemeClr>
           </a:solidFill>
           <a:latin typeface="+mn-lt"/>
           <a:ea typeface="+mn-ea"/>
           <a:cs typeface="+mn-cs"/>
         </a:defRPr>
       </a:lvl3pPr>
-      <a:lvl4pPr marL="1600200" indent="-228600" algn="l" defTabSz="914400" rtl="0" eaLnBrk="1" latinLnBrk="0" hangingPunct="1">
-        <a:lnSpc>
-          <a:spcPct val="90000"/>
-        </a:lnSpc>
+      <a:lvl4pPr marL="1600200" indent="-228600" algn="l" defTabSz="457200" rtl="0" eaLnBrk="1" latinLnBrk="0" hangingPunct="1">
         <a:spcBef>
-          <a:spcPts val="500"/>
+          <a:spcPts val="1000"/>
         </a:spcBef>
-        <a:buFont typeface="Arial" panose="020B0604020202020204" pitchFamily="34" charset="0"/>
-        <a:buChar char="•"/>
-        <a:defRPr sz="1800" kern="1200">
+        <a:spcAft>
+          <a:spcPts val="0"/>
+        </a:spcAft>
+        <a:buClr>
+          <a:schemeClr val="accent1"/>
+        </a:buClr>
+        <a:buFont typeface="Wingdings 3" charset="2"/>
+        <a:buChar char=""/>
+        <a:defRPr sz="1200" kern="1200">
           <a:solidFill>
-            <a:schemeClr val="tx1"/>
+            <a:schemeClr val="tx1">
+              <a:lumMod val="75000"/>
+              <a:lumOff val="25000"/>
+            </a:schemeClr>
           </a:solidFill>
           <a:latin typeface="+mn-lt"/>
           <a:ea typeface="+mn-ea"/>
           <a:cs typeface="+mn-cs"/>
         </a:defRPr>
       </a:lvl4pPr>
-      <a:lvl5pPr marL="2057400" indent="-228600" algn="l" defTabSz="914400" rtl="0" eaLnBrk="1" latinLnBrk="0" hangingPunct="1">
-        <a:lnSpc>
-          <a:spcPct val="90000"/>
-        </a:lnSpc>
+      <a:lvl5pPr marL="2057400" indent="-228600" algn="l" defTabSz="457200" rtl="0" eaLnBrk="1" latinLnBrk="0" hangingPunct="1">
         <a:spcBef>
-          <a:spcPts val="500"/>
+          <a:spcPts val="1000"/>
         </a:spcBef>
-        <a:buFont typeface="Arial" panose="020B0604020202020204" pitchFamily="34" charset="0"/>
-        <a:buChar char="•"/>
-        <a:defRPr sz="1800" kern="1200">
+        <a:spcAft>
+          <a:spcPts val="0"/>
+        </a:spcAft>
+        <a:buClr>
+          <a:schemeClr val="accent1"/>
+        </a:buClr>
+        <a:buFont typeface="Wingdings 3" charset="2"/>
+        <a:buChar char=""/>
+        <a:defRPr sz="1200" kern="1200">
           <a:solidFill>
-            <a:schemeClr val="tx1"/>
+            <a:schemeClr val="tx1">
+              <a:lumMod val="75000"/>
+              <a:lumOff val="25000"/>
+            </a:schemeClr>
           </a:solidFill>
           <a:latin typeface="+mn-lt"/>
           <a:ea typeface="+mn-ea"/>
           <a:cs typeface="+mn-cs"/>
         </a:defRPr>
       </a:lvl5pPr>
-      <a:lvl6pPr marL="2514600" indent="-228600" algn="l" defTabSz="914400" rtl="0" eaLnBrk="1" latinLnBrk="0" hangingPunct="1">
-        <a:lnSpc>
-          <a:spcPct val="90000"/>
-        </a:lnSpc>
+      <a:lvl6pPr marL="2514600" indent="-228600" algn="l" defTabSz="457200" rtl="0" eaLnBrk="1" latinLnBrk="0" hangingPunct="1">
         <a:spcBef>
-          <a:spcPts val="500"/>
+          <a:spcPts val="1000"/>
         </a:spcBef>
-        <a:buFont typeface="Arial" panose="020B0604020202020204" pitchFamily="34" charset="0"/>
-        <a:buChar char="•"/>
-        <a:defRPr sz="1800" kern="1200">
+        <a:spcAft>
+          <a:spcPts val="0"/>
+        </a:spcAft>
+        <a:buClr>
+          <a:schemeClr val="accent1"/>
+        </a:buClr>
+        <a:buFont typeface="Wingdings 3" charset="2"/>
+        <a:buChar char=""/>
+        <a:defRPr sz="1200" kern="1200">
           <a:solidFill>
-            <a:schemeClr val="tx1"/>
+            <a:schemeClr val="tx1">
+              <a:lumMod val="75000"/>
+              <a:lumOff val="25000"/>
+            </a:schemeClr>
           </a:solidFill>
           <a:latin typeface="+mn-lt"/>
           <a:ea typeface="+mn-ea"/>
           <a:cs typeface="+mn-cs"/>
         </a:defRPr>
       </a:lvl6pPr>
-      <a:lvl7pPr marL="2971800" indent="-228600" algn="l" defTabSz="914400" rtl="0" eaLnBrk="1" latinLnBrk="0" hangingPunct="1">
-        <a:lnSpc>
-          <a:spcPct val="90000"/>
-        </a:lnSpc>
+      <a:lvl7pPr marL="2971800" indent="-228600" algn="l" defTabSz="457200" rtl="0" eaLnBrk="1" latinLnBrk="0" hangingPunct="1">
         <a:spcBef>
-          <a:spcPts val="500"/>
+          <a:spcPts val="1000"/>
         </a:spcBef>
-        <a:buFont typeface="Arial" panose="020B0604020202020204" pitchFamily="34" charset="0"/>
-        <a:buChar char="•"/>
-        <a:defRPr sz="1800" kern="1200">
+        <a:spcAft>
+          <a:spcPts val="0"/>
+        </a:spcAft>
+        <a:buClr>
+          <a:schemeClr val="accent1"/>
+        </a:buClr>
+        <a:buFont typeface="Wingdings 3" charset="2"/>
+        <a:buChar char=""/>
+        <a:defRPr sz="1200" kern="1200">
           <a:solidFill>
-            <a:schemeClr val="tx1"/>
+            <a:schemeClr val="tx1">
+              <a:lumMod val="75000"/>
+              <a:lumOff val="25000"/>
+            </a:schemeClr>
           </a:solidFill>
           <a:latin typeface="+mn-lt"/>
           <a:ea typeface="+mn-ea"/>
           <a:cs typeface="+mn-cs"/>
         </a:defRPr>
       </a:lvl7pPr>
-      <a:lvl8pPr marL="3429000" indent="-228600" algn="l" defTabSz="914400" rtl="0" eaLnBrk="1" latinLnBrk="0" hangingPunct="1">
-        <a:lnSpc>
-          <a:spcPct val="90000"/>
-        </a:lnSpc>
+      <a:lvl8pPr marL="3429000" indent="-228600" algn="l" defTabSz="457200" rtl="0" eaLnBrk="1" latinLnBrk="0" hangingPunct="1">
         <a:spcBef>
-          <a:spcPts val="500"/>
+          <a:spcPts val="1000"/>
         </a:spcBef>
-        <a:buFont typeface="Arial" panose="020B0604020202020204" pitchFamily="34" charset="0"/>
-        <a:buChar char="•"/>
-        <a:defRPr sz="1800" kern="1200">
+        <a:spcAft>
+          <a:spcPts val="0"/>
+        </a:spcAft>
+        <a:buClr>
+          <a:schemeClr val="accent1"/>
+        </a:buClr>
+        <a:buFont typeface="Wingdings 3" charset="2"/>
+        <a:buChar char=""/>
+        <a:defRPr sz="1200" kern="1200">
           <a:solidFill>
-            <a:schemeClr val="tx1"/>
+            <a:schemeClr val="tx1">
+              <a:lumMod val="75000"/>
+              <a:lumOff val="25000"/>
+            </a:schemeClr>
           </a:solidFill>
           <a:latin typeface="+mn-lt"/>
           <a:ea typeface="+mn-ea"/>
           <a:cs typeface="+mn-cs"/>
         </a:defRPr>
       </a:lvl8pPr>
-      <a:lvl9pPr marL="3886200" indent="-228600" algn="l" defTabSz="914400" rtl="0" eaLnBrk="1" latinLnBrk="0" hangingPunct="1">
-        <a:lnSpc>
-          <a:spcPct val="90000"/>
-        </a:lnSpc>
+      <a:lvl9pPr marL="3886200" indent="-228600" algn="l" defTabSz="457200" rtl="0" eaLnBrk="1" latinLnBrk="0" hangingPunct="1">
         <a:spcBef>
-          <a:spcPts val="500"/>
+          <a:spcPts val="1000"/>
         </a:spcBef>
-        <a:buFont typeface="Arial" panose="020B0604020202020204" pitchFamily="34" charset="0"/>
-        <a:buChar char="•"/>
-        <a:defRPr sz="1800" kern="1200">
+        <a:spcAft>
+          <a:spcPts val="0"/>
+        </a:spcAft>
+        <a:buClr>
+          <a:schemeClr val="accent1"/>
+        </a:buClr>
+        <a:buFont typeface="Wingdings 3" charset="2"/>
+        <a:buChar char=""/>
+        <a:defRPr sz="1200" kern="1200">
           <a:solidFill>
-            <a:schemeClr val="tx1"/>
+            <a:schemeClr val="tx1">
+              <a:lumMod val="75000"/>
+              <a:lumOff val="25000"/>
+            </a:schemeClr>
           </a:solidFill>
           <a:latin typeface="+mn-lt"/>
           <a:ea typeface="+mn-ea"/>
@@ -2852,7 +7564,7 @@
       <a:defPPr>
         <a:defRPr lang="en-US"/>
       </a:defPPr>
-      <a:lvl1pPr marL="0" algn="l" defTabSz="914400" rtl="0" eaLnBrk="1" latinLnBrk="0" hangingPunct="1">
+      <a:lvl1pPr marL="0" algn="l" defTabSz="457200" rtl="0" eaLnBrk="1" latinLnBrk="0" hangingPunct="1">
         <a:defRPr sz="1800" kern="1200">
           <a:solidFill>
             <a:schemeClr val="tx1"/>
@@ -2862,7 +7574,7 @@
           <a:cs typeface="+mn-cs"/>
         </a:defRPr>
       </a:lvl1pPr>
-      <a:lvl2pPr marL="457200" algn="l" defTabSz="914400" rtl="0" eaLnBrk="1" latinLnBrk="0" hangingPunct="1">
+      <a:lvl2pPr marL="457200" algn="l" defTabSz="457200" rtl="0" eaLnBrk="1" latinLnBrk="0" hangingPunct="1">
         <a:defRPr sz="1800" kern="1200">
           <a:solidFill>
             <a:schemeClr val="tx1"/>
@@ -2872,7 +7584,7 @@
           <a:cs typeface="+mn-cs"/>
         </a:defRPr>
       </a:lvl2pPr>
-      <a:lvl3pPr marL="914400" algn="l" defTabSz="914400" rtl="0" eaLnBrk="1" latinLnBrk="0" hangingPunct="1">
+      <a:lvl3pPr marL="914400" algn="l" defTabSz="457200" rtl="0" eaLnBrk="1" latinLnBrk="0" hangingPunct="1">
         <a:defRPr sz="1800" kern="1200">
           <a:solidFill>
             <a:schemeClr val="tx1"/>
@@ -2882,7 +7594,7 @@
           <a:cs typeface="+mn-cs"/>
         </a:defRPr>
       </a:lvl3pPr>
-      <a:lvl4pPr marL="1371600" algn="l" defTabSz="914400" rtl="0" eaLnBrk="1" latinLnBrk="0" hangingPunct="1">
+      <a:lvl4pPr marL="1371600" algn="l" defTabSz="457200" rtl="0" eaLnBrk="1" latinLnBrk="0" hangingPunct="1">
         <a:defRPr sz="1800" kern="1200">
           <a:solidFill>
             <a:schemeClr val="tx1"/>
@@ -2892,7 +7604,7 @@
           <a:cs typeface="+mn-cs"/>
         </a:defRPr>
       </a:lvl4pPr>
-      <a:lvl5pPr marL="1828800" algn="l" defTabSz="914400" rtl="0" eaLnBrk="1" latinLnBrk="0" hangingPunct="1">
+      <a:lvl5pPr marL="1828800" algn="l" defTabSz="457200" rtl="0" eaLnBrk="1" latinLnBrk="0" hangingPunct="1">
         <a:defRPr sz="1800" kern="1200">
           <a:solidFill>
             <a:schemeClr val="tx1"/>
@@ -2902,7 +7614,7 @@
           <a:cs typeface="+mn-cs"/>
         </a:defRPr>
       </a:lvl5pPr>
-      <a:lvl6pPr marL="2286000" algn="l" defTabSz="914400" rtl="0" eaLnBrk="1" latinLnBrk="0" hangingPunct="1">
+      <a:lvl6pPr marL="2286000" algn="l" defTabSz="457200" rtl="0" eaLnBrk="1" latinLnBrk="0" hangingPunct="1">
         <a:defRPr sz="1800" kern="1200">
           <a:solidFill>
             <a:schemeClr val="tx1"/>
@@ -2912,7 +7624,7 @@
           <a:cs typeface="+mn-cs"/>
         </a:defRPr>
       </a:lvl6pPr>
-      <a:lvl7pPr marL="2743200" algn="l" defTabSz="914400" rtl="0" eaLnBrk="1" latinLnBrk="0" hangingPunct="1">
+      <a:lvl7pPr marL="2743200" algn="l" defTabSz="457200" rtl="0" eaLnBrk="1" latinLnBrk="0" hangingPunct="1">
         <a:defRPr sz="1800" kern="1200">
           <a:solidFill>
             <a:schemeClr val="tx1"/>
@@ -2922,7 +7634,7 @@
           <a:cs typeface="+mn-cs"/>
         </a:defRPr>
       </a:lvl7pPr>
-      <a:lvl8pPr marL="3200400" algn="l" defTabSz="914400" rtl="0" eaLnBrk="1" latinLnBrk="0" hangingPunct="1">
+      <a:lvl8pPr marL="3200400" algn="l" defTabSz="457200" rtl="0" eaLnBrk="1" latinLnBrk="0" hangingPunct="1">
         <a:defRPr sz="1800" kern="1200">
           <a:solidFill>
             <a:schemeClr val="tx1"/>
@@ -2932,7 +7644,7 @@
           <a:cs typeface="+mn-cs"/>
         </a:defRPr>
       </a:lvl8pPr>
-      <a:lvl9pPr marL="3657600" algn="l" defTabSz="914400" rtl="0" eaLnBrk="1" latinLnBrk="0" hangingPunct="1">
+      <a:lvl9pPr marL="3657600" algn="l" defTabSz="457200" rtl="0" eaLnBrk="1" latinLnBrk="0" hangingPunct="1">
         <a:defRPr sz="1800" kern="1200">
           <a:solidFill>
             <a:schemeClr val="tx1"/>
@@ -2974,12 +7686,98 @@
             <p:ph type="ctrTitle"/>
           </p:nvPr>
         </p:nvSpPr>
-        <p:spPr/>
-        <p:txBody>
-          <a:bodyPr/>
+        <p:spPr>
+          <a:xfrm>
+            <a:off x="903891" y="262759"/>
+            <a:ext cx="10600722" cy="4330262"/>
+          </a:xfrm>
+        </p:spPr>
+        <p:txBody>
+          <a:bodyPr>
+            <a:normAutofit fontScale="90000"/>
+          </a:bodyPr>
           <a:lstStyle/>
           <a:p>
-            <a:endParaRPr lang="en-US" dirty="0"/>
+            <a:pPr algn="ctr"/>
+            <a:r>
+              <a:rPr lang="ru-RU" sz="3100" dirty="0" smtClean="0"/>
+              <a:t>ФГБОУ ВО «Московский Государственный Технологический Университет «СТАНКИН»</a:t>
+            </a:r>
+            <a:r>
+              <a:rPr lang="ru-RU" sz="3600" dirty="0" smtClean="0"/>
+              <a:t/>
+            </a:r>
+            <a:br>
+              <a:rPr lang="ru-RU" sz="3600" dirty="0" smtClean="0"/>
+            </a:br>
+            <a:r>
+              <a:rPr lang="ru-RU" sz="3600" dirty="0" smtClean="0"/>
+              <a:t/>
+            </a:r>
+            <a:br>
+              <a:rPr lang="ru-RU" sz="3600" dirty="0" smtClean="0"/>
+            </a:br>
+            <a:r>
+              <a:rPr lang="ru-RU" sz="2700" dirty="0" smtClean="0"/>
+              <a:t>Институт информационных систем и технологий</a:t>
+            </a:r>
+            <a:br>
+              <a:rPr lang="ru-RU" sz="2700" dirty="0" smtClean="0"/>
+            </a:br>
+            <a:r>
+              <a:rPr lang="ru-RU" sz="2700" dirty="0" smtClean="0"/>
+              <a:t>Кафедра информационные систем</a:t>
+            </a:r>
+            <a:r>
+              <a:rPr lang="ru-RU" sz="3100" dirty="0" smtClean="0"/>
+              <a:t/>
+            </a:r>
+            <a:br>
+              <a:rPr lang="ru-RU" sz="3100" dirty="0" smtClean="0"/>
+            </a:br>
+            <a:r>
+              <a:rPr lang="ru-RU" sz="3100" dirty="0" smtClean="0"/>
+              <a:t/>
+            </a:r>
+            <a:br>
+              <a:rPr lang="ru-RU" sz="3100" dirty="0" smtClean="0"/>
+            </a:br>
+            <a:r>
+              <a:rPr lang="ru-RU" sz="2700" dirty="0" smtClean="0"/>
+              <a:t>Выпускная </a:t>
+            </a:r>
+            <a:r>
+              <a:rPr lang="ru-RU" sz="2700" dirty="0"/>
+              <a:t>квалификационная работа на тему</a:t>
+            </a:r>
+            <a:r>
+              <a:rPr lang="ru-RU" sz="3100" dirty="0"/>
+              <a:t>:</a:t>
+            </a:r>
+            <a:br>
+              <a:rPr lang="ru-RU" sz="3100" dirty="0"/>
+            </a:br>
+            <a:r>
+              <a:rPr lang="ru-RU" sz="3100" dirty="0" smtClean="0"/>
+              <a:t>«Исследование </a:t>
+            </a:r>
+            <a:r>
+              <a:rPr lang="ru-RU" sz="3100" dirty="0"/>
+              <a:t>методов повышения производительности систем веб-шаблонов и разработка системы </a:t>
+            </a:r>
+            <a:r>
+              <a:rPr lang="ru-RU" sz="3100" dirty="0" smtClean="0"/>
+              <a:t>шаблонизации </a:t>
+            </a:r>
+            <a:r>
+              <a:rPr lang="ru-RU" sz="3100" dirty="0"/>
+              <a:t>на их </a:t>
+            </a:r>
+            <a:r>
+              <a:rPr lang="ru-RU" sz="3100" dirty="0" smtClean="0"/>
+              <a:t>основе»</a:t>
+            </a:r>
+            <a:endParaRPr lang="en-US" sz="3600" dirty="0"/>
           </a:p>
         </p:txBody>
       </p:sp>
@@ -2993,11 +7791,77 @@
             <p:ph type="subTitle" idx="1"/>
           </p:nvPr>
         </p:nvSpPr>
-        <p:spPr/>
-        <p:txBody>
-          <a:bodyPr/>
+        <p:spPr>
+          <a:xfrm>
+            <a:off x="5938346" y="4918840"/>
+            <a:ext cx="5566267" cy="1629104"/>
+          </a:xfrm>
+        </p:spPr>
+        <p:txBody>
+          <a:bodyPr>
+            <a:normAutofit fontScale="92500"/>
+          </a:bodyPr>
           <a:lstStyle/>
           <a:p>
+            <a:r>
+              <a:rPr lang="ru-RU" b="1" dirty="0" smtClean="0"/>
+              <a:t>Выполнил</a:t>
+            </a:r>
+            <a:r>
+              <a:rPr lang="ru-RU" dirty="0" smtClean="0"/>
+              <a:t>: </a:t>
+            </a:r>
+          </a:p>
+          <a:p>
+            <a:r>
+              <a:rPr lang="ru-RU" dirty="0"/>
+              <a:t>	</a:t>
+            </a:r>
+            <a:r>
+              <a:rPr lang="ru-RU" dirty="0" smtClean="0"/>
+              <a:t>	</a:t>
+            </a:r>
+            <a:r>
+              <a:rPr lang="ru-RU" dirty="0" smtClean="0"/>
+              <a:t>Махмудов </a:t>
+            </a:r>
+            <a:r>
+              <a:rPr lang="ru-RU" dirty="0" err="1" smtClean="0"/>
+              <a:t>Бобурбек</a:t>
+            </a:r>
+            <a:r>
+              <a:rPr lang="ru-RU" dirty="0" smtClean="0"/>
+              <a:t> </a:t>
+            </a:r>
+            <a:r>
+              <a:rPr lang="ru-RU" dirty="0" err="1" smtClean="0"/>
+              <a:t>Нодирбекович</a:t>
+            </a:r>
+            <a:endParaRPr lang="ru-RU" dirty="0" smtClean="0"/>
+          </a:p>
+          <a:p>
+            <a:r>
+              <a:rPr lang="ru-RU" b="1" dirty="0" smtClean="0"/>
+              <a:t>Научный руководитель</a:t>
+            </a:r>
+            <a:r>
+              <a:rPr lang="ru-RU" dirty="0" smtClean="0"/>
+              <a:t>:</a:t>
+            </a:r>
+          </a:p>
+          <a:p>
+            <a:r>
+              <a:rPr lang="ru-RU" dirty="0" smtClean="0"/>
+              <a:t>		к.т.н., доц. </a:t>
+            </a:r>
+            <a:r>
+              <a:rPr lang="ru-RU" dirty="0" err="1" smtClean="0"/>
+              <a:t>Бумарин</a:t>
+            </a:r>
+            <a:r>
+              <a:rPr lang="ru-RU" dirty="0" smtClean="0"/>
+              <a:t> Дмитрий Павлович</a:t>
+            </a:r>
             <a:endParaRPr lang="en-US" dirty="0"/>
           </a:p>
         </p:txBody>
@@ -3012,13 +7876,20 @@
   <p:clrMapOvr>
     <a:masterClrMapping/>
   </p:clrMapOvr>
+  <p:timing>
+    <p:tnLst>
+      <p:par>
+        <p:cTn id="1" dur="indefinite" restart="never" nodeType="tmRoot"/>
+      </p:par>
+    </p:tnLst>
+  </p:timing>
 </p:sld>
 </file>
 
 <file path=ppt/theme/theme1.xml><?xml version="1.0" encoding="utf-8"?>
-<a:theme xmlns:a="http://schemas.openxmlformats.org/drawingml/2006/main" name="Тема Office">
+<a:theme xmlns:a="http://schemas.openxmlformats.org/drawingml/2006/main" name="Легкий дым">
   <a:themeElements>
-    <a:clrScheme name="Стандартная">
+    <a:clrScheme name="Легкий дым">
       <a:dk1>
         <a:sysClr val="windowText" lastClr="000000"/>
       </a:dk1>
@@ -3026,83 +7897,48 @@
         <a:sysClr val="window" lastClr="FFFFFF"/>
       </a:lt1>
       <a:dk2>
-        <a:srgbClr val="44546A"/>
+        <a:srgbClr val="766F54"/>
       </a:dk2>
       <a:lt2>
-        <a:srgbClr val="E7E6E6"/>
+        <a:srgbClr val="E3EACF"/>
       </a:lt2>
       <a:accent1>
-        <a:srgbClr val="5B9BD5"/>
+        <a:srgbClr val="A53010"/>
       </a:accent1>
       <a:accent2>
-        <a:srgbClr val="ED7D31"/>
+        <a:srgbClr val="DE7E18"/>
       </a:accent2>
       <a:accent3>
-        <a:srgbClr val="A5A5A5"/>
+        <a:srgbClr val="9F8351"/>
       </a:accent3>
       <a:accent4>
-        <a:srgbClr val="FFC000"/>
+        <a:srgbClr val="728653"/>
       </a:accent4>
       <a:accent5>
-        <a:srgbClr val="4472C4"/>
+        <a:srgbClr val="92AA4C"/>
       </a:accent5>
       <a:accent6>
-        <a:srgbClr val="70AD47"/>
+        <a:srgbClr val="6AAC91"/>
       </a:accent6>
       <a:hlink>
-        <a:srgbClr val="0563C1"/>
+        <a:srgbClr val="FB4A18"/>
       </a:hlink>
       <a:folHlink>
-        <a:srgbClr val="954F72"/>
+        <a:srgbClr val="FB9318"/>
       </a:folHlink>
     </a:clrScheme>
-    <a:fontScheme name="Стандартная">
+    <a:fontScheme name="Легкий дым">
       <a:majorFont>
-        <a:latin typeface="Calibri Light" panose="020F0302020204030204"/>
+        <a:latin typeface="Century Gothic" panose="020B0502020202020204"/>
         <a:ea typeface=""/>
         <a:cs typeface=""/>
-        <a:font script="Jpan" typeface="游ゴシック Light"/>
-        <a:font script="Hang" typeface="맑은 고딕"/>
-        <a:font script="Hans" typeface="等线 Light"/>
-        <a:font script="Hant" typeface="新細明體"/>
-        <a:font script="Arab" typeface="Times New Roman"/>
-        <a:font script="Hebr" typeface="Times New Roman"/>
-        <a:font script="Thai" typeface="Angsana New"/>
-        <a:font script="Ethi" typeface="Nyala"/>
-        <a:font script="Beng" typeface="Vrinda"/>
-        <a:font script="Gujr" typeface="Shruti"/>
-        <a:font script="Khmr" typeface="MoolBoran"/>
-        <a:font script="Knda" typeface="Tunga"/>
-        <a:font script="Guru" typeface="Raavi"/>
-        <a:font script="Cans" typeface="Euphemia"/>
-        <a:font script="Cher" typeface="Plantagenet Cherokee"/>
-        <a:font script="Yiii" typeface="Microsoft Yi Baiti"/>
-        <a:font script="Tibt" typeface="Microsoft Himalaya"/>
-        <a:font script="Thaa" typeface="MV Boli"/>
-        <a:font script="Deva" typeface="Mangal"/>
-        <a:font script="Telu" typeface="Gautami"/>
-        <a:font script="Taml" typeface="Latha"/>
-        <a:font script="Syrc" typeface="Estrangelo Edessa"/>
-        <a:font script="Orya" typeface="Kalinga"/>
-        <a:font script="Mlym" typeface="Kartika"/>
-        <a:font script="Laoo" typeface="DokChampa"/>
-        <a:font script="Sinh" typeface="Iskoola Pota"/>
-        <a:font script="Mong" typeface="Mongolian Baiti"/>
-        <a:font script="Viet" typeface="Times New Roman"/>
-        <a:font script="Uigh" typeface="Microsoft Uighur"/>
-        <a:font script="Geor" typeface="Sylfaen"/>
-      </a:majorFont>
-      <a:minorFont>
-        <a:latin typeface="Calibri" panose="020F0502020204030204"/>
-        <a:ea typeface=""/>
-        <a:cs typeface=""/>
-        <a:font script="Jpan" typeface="游ゴシック"/>
-        <a:font script="Hang" typeface="맑은 고딕"/>
-        <a:font script="Hans" typeface="等线"/>
-        <a:font script="Hant" typeface="新細明體"/>
-        <a:font script="Arab" typeface="Arial"/>
-        <a:font script="Hebr" typeface="Arial"/>
-        <a:font script="Thai" typeface="Cordia New"/>
+        <a:font script="Jpan" typeface="メイリオ"/>
+        <a:font script="Hang" typeface="HY중고딕"/>
+        <a:font script="Hans" typeface="幼圆"/>
+        <a:font script="Hant" typeface="微軟正黑體"/>
+        <a:font script="Arab" typeface="Tahoma"/>
+        <a:font script="Hebr" typeface="Gisha"/>
+        <a:font script="Thai" typeface="DilleniaUPC"/>
         <a:font script="Ethi" typeface="Nyala"/>
         <a:font script="Beng" typeface="Vrinda"/>
         <a:font script="Gujr" typeface="Shruti"/>
@@ -3123,13 +7959,121 @@
         <a:font script="Laoo" typeface="DokChampa"/>
         <a:font script="Sinh" typeface="Iskoola Pota"/>
         <a:font script="Mong" typeface="Mongolian Baiti"/>
-        <a:font script="Viet" typeface="Arial"/>
+        <a:font script="Viet" typeface="Tahoma"/>
+        <a:font script="Uigh" typeface="Microsoft Uighur"/>
+        <a:font script="Geor" typeface="Sylfaen"/>
+      </a:majorFont>
+      <a:minorFont>
+        <a:latin typeface="Century Gothic" panose="020B0502020202020204"/>
+        <a:ea typeface=""/>
+        <a:cs typeface=""/>
+        <a:font script="Jpan" typeface="メイリオ"/>
+        <a:font script="Hang" typeface="HY중고딕"/>
+        <a:font script="Hans" typeface="幼圆"/>
+        <a:font script="Hant" typeface="微軟正黑體"/>
+        <a:font script="Arab" typeface="Tahoma"/>
+        <a:font script="Hebr" typeface="Gisha"/>
+        <a:font script="Thai" typeface="DilleniaUPC"/>
+        <a:font script="Ethi" typeface="Nyala"/>
+        <a:font script="Beng" typeface="Vrinda"/>
+        <a:font script="Gujr" typeface="Shruti"/>
+        <a:font script="Khmr" typeface="DaunPenh"/>
+        <a:font script="Knda" typeface="Tunga"/>
+        <a:font script="Guru" typeface="Raavi"/>
+        <a:font script="Cans" typeface="Euphemia"/>
+        <a:font script="Cher" typeface="Plantagenet Cherokee"/>
+        <a:font script="Yiii" typeface="Microsoft Yi Baiti"/>
+        <a:font script="Tibt" typeface="Microsoft Himalaya"/>
+        <a:font script="Thaa" typeface="MV Boli"/>
+        <a:font script="Deva" typeface="Mangal"/>
+        <a:font script="Telu" typeface="Gautami"/>
+        <a:font script="Taml" typeface="Latha"/>
+        <a:font script="Syrc" typeface="Estrangelo Edessa"/>
+        <a:font script="Orya" typeface="Kalinga"/>
+        <a:font script="Mlym" typeface="Kartika"/>
+        <a:font script="Laoo" typeface="DokChampa"/>
+        <a:font script="Sinh" typeface="Iskoola Pota"/>
+        <a:font script="Mong" typeface="Mongolian Baiti"/>
+        <a:font script="Viet" typeface="Tahoma"/>
         <a:font script="Uigh" typeface="Microsoft Uighur"/>
         <a:font script="Geor" typeface="Sylfaen"/>
       </a:minorFont>
     </a:fontScheme>
-    <a:fmtScheme name="Стандартная">
+    <a:fmtScheme name="Легкий дым">
       <a:fillStyleLst>
+        <a:solidFill>
+          <a:schemeClr val="phClr"/>
+        </a:solidFill>
+        <a:solidFill>
+          <a:schemeClr val="phClr">
+            <a:tint val="70000"/>
+            <a:lumMod val="104000"/>
+          </a:schemeClr>
+        </a:solidFill>
+        <a:gradFill rotWithShape="1">
+          <a:gsLst>
+            <a:gs pos="0">
+              <a:schemeClr val="phClr">
+                <a:tint val="96000"/>
+                <a:lumMod val="104000"/>
+              </a:schemeClr>
+            </a:gs>
+            <a:gs pos="100000">
+              <a:schemeClr val="phClr">
+                <a:shade val="98000"/>
+                <a:lumMod val="94000"/>
+              </a:schemeClr>
+            </a:gs>
+          </a:gsLst>
+          <a:lin ang="5400000" scaled="0"/>
+        </a:gradFill>
+      </a:fillStyleLst>
+      <a:lnStyleLst>
+        <a:ln w="9525" cap="rnd" cmpd="sng" algn="ctr">
+          <a:solidFill>
+            <a:schemeClr val="phClr">
+              <a:shade val="90000"/>
+            </a:schemeClr>
+          </a:solidFill>
+          <a:prstDash val="solid"/>
+        </a:ln>
+        <a:ln w="15875" cap="rnd" cmpd="sng" algn="ctr">
+          <a:solidFill>
+            <a:schemeClr val="phClr"/>
+          </a:solidFill>
+          <a:prstDash val="solid"/>
+        </a:ln>
+        <a:ln w="22225" cap="rnd" cmpd="sng" algn="ctr">
+          <a:solidFill>
+            <a:schemeClr val="phClr"/>
+          </a:solidFill>
+          <a:prstDash val="solid"/>
+        </a:ln>
+      </a:lnStyleLst>
+      <a:effectStyleLst>
+        <a:effectStyle>
+          <a:effectLst/>
+        </a:effectStyle>
+        <a:effectStyle>
+          <a:effectLst>
+            <a:outerShdw blurRad="38100" dist="25400" dir="5400000" rotWithShape="0">
+              <a:srgbClr val="000000">
+                <a:alpha val="25000"/>
+              </a:srgbClr>
+            </a:outerShdw>
+          </a:effectLst>
+        </a:effectStyle>
+        <a:effectStyle>
+          <a:effectLst>
+            <a:outerShdw blurRad="50800" dist="38100" dir="5400000" rotWithShape="0">
+              <a:srgbClr val="000000">
+                <a:alpha val="60000"/>
+              </a:srgbClr>
+            </a:outerShdw>
+          </a:effectLst>
+        </a:effectStyle>
+      </a:effectStyleLst>
+      <a:bgFillStyleLst>
         <a:solidFill>
           <a:schemeClr val="phClr"/>
         </a:solidFill>
@@ -3137,23 +8081,15 @@
           <a:gsLst>
             <a:gs pos="0">
               <a:schemeClr val="phClr">
-                <a:lumMod val="110000"/>
-                <a:satMod val="105000"/>
-                <a:tint val="67000"/>
-              </a:schemeClr>
-            </a:gs>
-            <a:gs pos="50000">
-              <a:schemeClr val="phClr">
-                <a:lumMod val="105000"/>
-                <a:satMod val="103000"/>
-                <a:tint val="73000"/>
+                <a:tint val="90000"/>
+                <a:lumMod val="120000"/>
               </a:schemeClr>
             </a:gs>
             <a:gs pos="100000">
               <a:schemeClr val="phClr">
-                <a:lumMod val="105000"/>
-                <a:satMod val="109000"/>
-                <a:tint val="81000"/>
+                <a:shade val="98000"/>
+                <a:satMod val="120000"/>
+                <a:lumMod val="98000"/>
               </a:schemeClr>
             </a:gs>
           </a:gsLst>
@@ -3163,105 +8099,22 @@
           <a:gsLst>
             <a:gs pos="0">
               <a:schemeClr val="phClr">
-                <a:satMod val="103000"/>
-                <a:lumMod val="102000"/>
-                <a:tint val="94000"/>
-              </a:schemeClr>
-            </a:gs>
-            <a:gs pos="50000">
-              <a:schemeClr val="phClr">
-                <a:satMod val="110000"/>
-                <a:lumMod val="100000"/>
-                <a:shade val="100000"/>
+                <a:tint val="90000"/>
+                <a:satMod val="92000"/>
+                <a:lumMod val="120000"/>
               </a:schemeClr>
             </a:gs>
             <a:gs pos="100000">
               <a:schemeClr val="phClr">
-                <a:lumMod val="99000"/>
+                <a:shade val="98000"/>
                 <a:satMod val="120000"/>
-                <a:shade val="78000"/>
+                <a:lumMod val="98000"/>
               </a:schemeClr>
             </a:gs>
           </a:gsLst>
-          <a:lin ang="5400000" scaled="0"/>
-        </a:gradFill>
-      </a:fillStyleLst>
-      <a:lnStyleLst>
-        <a:ln w="6350" cap="flat" cmpd="sng" algn="ctr">
-          <a:solidFill>
-            <a:schemeClr val="phClr"/>
-          </a:solidFill>
-          <a:prstDash val="solid"/>
-          <a:miter lim="800000"/>
-        </a:ln>
-        <a:ln w="12700" cap="flat" cmpd="sng" algn="ctr">
-          <a:solidFill>
-            <a:schemeClr val="phClr"/>
-          </a:solidFill>
-          <a:prstDash val="solid"/>
-          <a:miter lim="800000"/>
-        </a:ln>
-        <a:ln w="19050" cap="flat" cmpd="sng" algn="ctr">
-          <a:solidFill>
-            <a:schemeClr val="phClr"/>
-          </a:solidFill>
-          <a:prstDash val="solid"/>
-          <a:miter lim="800000"/>
-        </a:ln>
-      </a:lnStyleLst>
-      <a:effectStyleLst>
-        <a:effectStyle>
-          <a:effectLst/>
-        </a:effectStyle>
-        <a:effectStyle>
-          <a:effectLst/>
-        </a:effectStyle>
-        <a:effectStyle>
-          <a:effectLst>
-            <a:outerShdw blurRad="57150" dist="19050" dir="5400000" algn="ctr" rotWithShape="0">
-              <a:srgbClr val="000000">
-                <a:alpha val="63000"/>
-              </a:srgbClr>
-            </a:outerShdw>
-          </a:effectLst>
-        </a:effectStyle>
-      </a:effectStyleLst>
-      <a:bgFillStyleLst>
-        <a:solidFill>
-          <a:schemeClr val="phClr"/>
-        </a:solidFill>
-        <a:solidFill>
-          <a:schemeClr val="phClr">
-            <a:tint val="95000"/>
-            <a:satMod val="170000"/>
-          </a:schemeClr>
-        </a:solidFill>
-        <a:gradFill rotWithShape="1">
-          <a:gsLst>
-            <a:gs pos="0">
-              <a:schemeClr val="phClr">
-                <a:tint val="93000"/>
-                <a:satMod val="150000"/>
-                <a:shade val="98000"/>
-                <a:lumMod val="102000"/>
-              </a:schemeClr>
-            </a:gs>
-            <a:gs pos="50000">
-              <a:schemeClr val="phClr">
-                <a:tint val="98000"/>
-                <a:satMod val="130000"/>
-                <a:shade val="90000"/>
-                <a:lumMod val="103000"/>
-              </a:schemeClr>
-            </a:gs>
-            <a:gs pos="100000">
-              <a:schemeClr val="phClr">
-                <a:shade val="63000"/>
-                <a:satMod val="120000"/>
-              </a:schemeClr>
-            </a:gs>
-          </a:gsLst>
-          <a:lin ang="5400000" scaled="0"/>
+          <a:path path="circle">
+            <a:fillToRect l="50000" t="50000" r="100000" b="100000"/>
+          </a:path>
         </a:gradFill>
       </a:bgFillStyleLst>
     </a:fmtScheme>
@@ -3270,7 +8123,7 @@
   <a:extraClrSchemeLst/>
   <a:extLst>
     <a:ext uri="{05A4C25C-085E-4340-85A3-A5531E510DB2}">
-      <thm15:themeFamily xmlns:thm15="http://schemas.microsoft.com/office/thememl/2012/main" name="Office Theme" id="{62F939B6-93AF-4DB8-9C6B-D6C7DFDC589F}" vid="{4A3C46E8-61CC-4603-A589-7422A47A8E4A}"/>
+      <thm15:themeFamily xmlns:thm15="http://schemas.microsoft.com/office/thememl/2012/main" name="Wisp" id="{7CB32D59-10C0-40DD-B7BD-2E94284A981C}" vid="{24B1A44C-C006-48B2-A4D7-E5549B3D8CD4}"/>
     </a:ext>
   </a:extLst>
 </a:theme>

--- a/docs/Презентация ВКР.pptx
+++ b/docs/Презентация ВКР.pptx
@@ -6,6 +6,16 @@
   </p:sldMasterIdLst>
   <p:sldIdLst>
     <p:sldId id="256" r:id="rId2"/>
+    <p:sldId id="257" r:id="rId3"/>
+    <p:sldId id="259" r:id="rId4"/>
+    <p:sldId id="263" r:id="rId5"/>
+    <p:sldId id="260" r:id="rId6"/>
+    <p:sldId id="258" r:id="rId7"/>
+    <p:sldId id="261" r:id="rId8"/>
+    <p:sldId id="262" r:id="rId9"/>
+    <p:sldId id="264" r:id="rId10"/>
+    <p:sldId id="265" r:id="rId11"/>
+    <p:sldId id="266" r:id="rId12"/>
   </p:sldIdLst>
   <p:sldSz cx="12192000" cy="6858000"/>
   <p:notesSz cx="6858000" cy="9144000"/>
@@ -7819,11 +7829,7 @@
             </a:r>
             <a:r>
               <a:rPr lang="ru-RU" dirty="0" smtClean="0"/>
-              <a:t>	</a:t>
-            </a:r>
-            <a:r>
-              <a:rPr lang="ru-RU" dirty="0" smtClean="0"/>
-              <a:t>Махмудов </a:t>
+              <a:t>	Махмудов </a:t>
             </a:r>
             <a:r>
               <a:rPr lang="ru-RU" dirty="0" err="1" smtClean="0"/>
@@ -7870,6 +7876,1274 @@
     <p:extLst>
       <p:ext uri="{BB962C8B-B14F-4D97-AF65-F5344CB8AC3E}">
         <p14:creationId xmlns:p14="http://schemas.microsoft.com/office/powerpoint/2010/main" val="4049531260"/>
+      </p:ext>
+    </p:extLst>
+  </p:cSld>
+  <p:clrMapOvr>
+    <a:masterClrMapping/>
+  </p:clrMapOvr>
+  <p:timing>
+    <p:tnLst>
+      <p:par>
+        <p:cTn id="1" dur="indefinite" restart="never" nodeType="tmRoot"/>
+      </p:par>
+    </p:tnLst>
+  </p:timing>
+</p:sld>
+</file>
+
+<file path=ppt/slides/slide10.xml><?xml version="1.0" encoding="utf-8"?>
+<p:sld xmlns:a="http://schemas.openxmlformats.org/drawingml/2006/main" xmlns:r="http://schemas.openxmlformats.org/officeDocument/2006/relationships" xmlns:p="http://schemas.openxmlformats.org/presentationml/2006/main">
+  <p:cSld>
+    <p:spTree>
+      <p:nvGrpSpPr>
+        <p:cNvPr id="1" name=""/>
+        <p:cNvGrpSpPr/>
+        <p:nvPr/>
+      </p:nvGrpSpPr>
+      <p:grpSpPr>
+        <a:xfrm>
+          <a:off x="0" y="0"/>
+          <a:ext cx="0" cy="0"/>
+          <a:chOff x="0" y="0"/>
+          <a:chExt cx="0" cy="0"/>
+        </a:xfrm>
+      </p:grpSpPr>
+      <p:sp>
+        <p:nvSpPr>
+          <p:cNvPr id="2" name="Заголовок 1"/>
+          <p:cNvSpPr>
+            <a:spLocks noGrp="1"/>
+          </p:cNvSpPr>
+          <p:nvPr>
+            <p:ph type="title"/>
+          </p:nvPr>
+        </p:nvSpPr>
+        <p:spPr>
+          <a:xfrm>
+            <a:off x="2592924" y="624111"/>
+            <a:ext cx="8911687" cy="710704"/>
+          </a:xfrm>
+        </p:spPr>
+        <p:txBody>
+          <a:bodyPr>
+            <a:normAutofit fontScale="90000"/>
+          </a:bodyPr>
+          <a:lstStyle/>
+          <a:p>
+            <a:r>
+              <a:rPr lang="ru-RU" dirty="0" smtClean="0"/>
+              <a:t>Отсутствие механизмов кеширования</a:t>
+            </a:r>
+            <a:endParaRPr lang="en-US" dirty="0"/>
+          </a:p>
+        </p:txBody>
+      </p:sp>
+    </p:spTree>
+    <p:extLst>
+      <p:ext uri="{BB962C8B-B14F-4D97-AF65-F5344CB8AC3E}">
+        <p14:creationId xmlns:p14="http://schemas.microsoft.com/office/powerpoint/2010/main" val="1614032549"/>
+      </p:ext>
+    </p:extLst>
+  </p:cSld>
+  <p:clrMapOvr>
+    <a:masterClrMapping/>
+  </p:clrMapOvr>
+  <p:timing>
+    <p:tnLst>
+      <p:par>
+        <p:cTn id="1" dur="indefinite" restart="never" nodeType="tmRoot"/>
+      </p:par>
+    </p:tnLst>
+  </p:timing>
+</p:sld>
+</file>
+
+<file path=ppt/slides/slide11.xml><?xml version="1.0" encoding="utf-8"?>
+<p:sld xmlns:a="http://schemas.openxmlformats.org/drawingml/2006/main" xmlns:r="http://schemas.openxmlformats.org/officeDocument/2006/relationships" xmlns:p="http://schemas.openxmlformats.org/presentationml/2006/main">
+  <p:cSld>
+    <p:spTree>
+      <p:nvGrpSpPr>
+        <p:cNvPr id="1" name=""/>
+        <p:cNvGrpSpPr/>
+        <p:nvPr/>
+      </p:nvGrpSpPr>
+      <p:grpSpPr>
+        <a:xfrm>
+          <a:off x="0" y="0"/>
+          <a:ext cx="0" cy="0"/>
+          <a:chOff x="0" y="0"/>
+          <a:chExt cx="0" cy="0"/>
+        </a:xfrm>
+      </p:grpSpPr>
+      <p:sp>
+        <p:nvSpPr>
+          <p:cNvPr id="2" name="Заголовок 1"/>
+          <p:cNvSpPr>
+            <a:spLocks noGrp="1"/>
+          </p:cNvSpPr>
+          <p:nvPr>
+            <p:ph type="title"/>
+          </p:nvPr>
+        </p:nvSpPr>
+        <p:spPr>
+          <a:xfrm>
+            <a:off x="2592924" y="624110"/>
+            <a:ext cx="8911687" cy="700193"/>
+          </a:xfrm>
+        </p:spPr>
+        <p:txBody>
+          <a:bodyPr>
+            <a:normAutofit fontScale="90000"/>
+          </a:bodyPr>
+          <a:lstStyle/>
+          <a:p>
+            <a:r>
+              <a:rPr lang="ru-RU" dirty="0" smtClean="0"/>
+              <a:t>Простаивание вычислительных ресурсов</a:t>
+            </a:r>
+            <a:endParaRPr lang="en-US" dirty="0"/>
+          </a:p>
+        </p:txBody>
+      </p:sp>
+    </p:spTree>
+    <p:extLst>
+      <p:ext uri="{BB962C8B-B14F-4D97-AF65-F5344CB8AC3E}">
+        <p14:creationId xmlns:p14="http://schemas.microsoft.com/office/powerpoint/2010/main" val="44857748"/>
+      </p:ext>
+    </p:extLst>
+  </p:cSld>
+  <p:clrMapOvr>
+    <a:masterClrMapping/>
+  </p:clrMapOvr>
+  <p:timing>
+    <p:tnLst>
+      <p:par>
+        <p:cTn id="1" dur="indefinite" restart="never" nodeType="tmRoot"/>
+      </p:par>
+    </p:tnLst>
+  </p:timing>
+</p:sld>
+</file>
+
+<file path=ppt/slides/slide2.xml><?xml version="1.0" encoding="utf-8"?>
+<p:sld xmlns:a="http://schemas.openxmlformats.org/drawingml/2006/main" xmlns:r="http://schemas.openxmlformats.org/officeDocument/2006/relationships" xmlns:p="http://schemas.openxmlformats.org/presentationml/2006/main">
+  <p:cSld>
+    <p:spTree>
+      <p:nvGrpSpPr>
+        <p:cNvPr id="1" name=""/>
+        <p:cNvGrpSpPr/>
+        <p:nvPr/>
+      </p:nvGrpSpPr>
+      <p:grpSpPr>
+        <a:xfrm>
+          <a:off x="0" y="0"/>
+          <a:ext cx="0" cy="0"/>
+          <a:chOff x="0" y="0"/>
+          <a:chExt cx="0" cy="0"/>
+        </a:xfrm>
+      </p:grpSpPr>
+      <p:sp>
+        <p:nvSpPr>
+          <p:cNvPr id="2" name="Заголовок 1"/>
+          <p:cNvSpPr>
+            <a:spLocks noGrp="1"/>
+          </p:cNvSpPr>
+          <p:nvPr>
+            <p:ph type="title"/>
+          </p:nvPr>
+        </p:nvSpPr>
+        <p:spPr>
+          <a:xfrm>
+            <a:off x="1699544" y="634621"/>
+            <a:ext cx="8911687" cy="689683"/>
+          </a:xfrm>
+        </p:spPr>
+        <p:txBody>
+          <a:bodyPr/>
+          <a:lstStyle/>
+          <a:p>
+            <a:r>
+              <a:rPr lang="ru-RU" dirty="0" smtClean="0"/>
+              <a:t>Содержание</a:t>
+            </a:r>
+            <a:endParaRPr lang="en-US" dirty="0"/>
+          </a:p>
+        </p:txBody>
+      </p:sp>
+      <p:sp>
+        <p:nvSpPr>
+          <p:cNvPr id="3" name="TextBox 2"/>
+          <p:cNvSpPr txBox="1"/>
+          <p:nvPr/>
+        </p:nvSpPr>
+        <p:spPr>
+          <a:xfrm>
+            <a:off x="1699544" y="1545020"/>
+            <a:ext cx="2377574" cy="523220"/>
+          </a:xfrm>
+          <a:prstGeom prst="rect">
+            <a:avLst/>
+          </a:prstGeom>
+          <a:noFill/>
+        </p:spPr>
+        <p:txBody>
+          <a:bodyPr wrap="none" rtlCol="0">
+            <a:spAutoFit/>
+          </a:bodyPr>
+          <a:lstStyle/>
+          <a:p>
+            <a:pPr marL="457200" indent="-457200">
+              <a:buFont typeface="Arial" panose="020B0604020202020204" pitchFamily="34" charset="0"/>
+              <a:buChar char="•"/>
+            </a:pPr>
+            <a:r>
+              <a:rPr lang="ru-RU" sz="2800" dirty="0" smtClean="0"/>
+              <a:t>Введение</a:t>
+            </a:r>
+            <a:endParaRPr lang="en-US" sz="2800" dirty="0"/>
+          </a:p>
+        </p:txBody>
+      </p:sp>
+      <p:sp>
+        <p:nvSpPr>
+          <p:cNvPr id="5" name="TextBox 4"/>
+          <p:cNvSpPr txBox="1"/>
+          <p:nvPr/>
+        </p:nvSpPr>
+        <p:spPr>
+          <a:xfrm>
+            <a:off x="1699544" y="2068240"/>
+            <a:ext cx="7318029" cy="523220"/>
+          </a:xfrm>
+          <a:prstGeom prst="rect">
+            <a:avLst/>
+          </a:prstGeom>
+          <a:noFill/>
+        </p:spPr>
+        <p:txBody>
+          <a:bodyPr wrap="none" rtlCol="0">
+            <a:spAutoFit/>
+          </a:bodyPr>
+          <a:lstStyle/>
+          <a:p>
+            <a:pPr marL="457200" indent="-457200">
+              <a:buFont typeface="Arial" panose="020B0604020202020204" pitchFamily="34" charset="0"/>
+              <a:buChar char="•"/>
+            </a:pPr>
+            <a:r>
+              <a:rPr lang="ru-RU" sz="2800" dirty="0" smtClean="0"/>
+              <a:t>Причины низкой производительности</a:t>
+            </a:r>
+            <a:endParaRPr lang="en-US" sz="2800" dirty="0"/>
+          </a:p>
+        </p:txBody>
+      </p:sp>
+      <p:sp>
+        <p:nvSpPr>
+          <p:cNvPr id="6" name="TextBox 5"/>
+          <p:cNvSpPr txBox="1"/>
+          <p:nvPr/>
+        </p:nvSpPr>
+        <p:spPr>
+          <a:xfrm>
+            <a:off x="1699544" y="2596376"/>
+            <a:ext cx="6107762" cy="954107"/>
+          </a:xfrm>
+          <a:prstGeom prst="rect">
+            <a:avLst/>
+          </a:prstGeom>
+          <a:noFill/>
+        </p:spPr>
+        <p:txBody>
+          <a:bodyPr wrap="none" rtlCol="0">
+            <a:spAutoFit/>
+          </a:bodyPr>
+          <a:lstStyle/>
+          <a:p>
+            <a:pPr marL="457200" indent="-457200">
+              <a:buFont typeface="Arial" panose="020B0604020202020204" pitchFamily="34" charset="0"/>
+              <a:buChar char="•"/>
+            </a:pPr>
+            <a:r>
+              <a:rPr lang="ru-RU" sz="2800" dirty="0" smtClean="0"/>
+              <a:t>Потенциальные решения для</a:t>
+            </a:r>
+          </a:p>
+          <a:p>
+            <a:r>
+              <a:rPr lang="ru-RU" sz="2800" dirty="0" smtClean="0"/>
+              <a:t>повышения производительности</a:t>
+            </a:r>
+            <a:endParaRPr lang="en-US" sz="2800" dirty="0"/>
+          </a:p>
+        </p:txBody>
+      </p:sp>
+      <p:sp>
+        <p:nvSpPr>
+          <p:cNvPr id="7" name="TextBox 6"/>
+          <p:cNvSpPr txBox="1"/>
+          <p:nvPr/>
+        </p:nvSpPr>
+        <p:spPr>
+          <a:xfrm>
+            <a:off x="1699544" y="3586646"/>
+            <a:ext cx="7502375" cy="954107"/>
+          </a:xfrm>
+          <a:prstGeom prst="rect">
+            <a:avLst/>
+          </a:prstGeom>
+          <a:noFill/>
+        </p:spPr>
+        <p:txBody>
+          <a:bodyPr wrap="none" rtlCol="0">
+            <a:spAutoFit/>
+          </a:bodyPr>
+          <a:lstStyle/>
+          <a:p>
+            <a:pPr marL="457200" indent="-457200">
+              <a:buFont typeface="Arial" panose="020B0604020202020204" pitchFamily="34" charset="0"/>
+              <a:buChar char="•"/>
+            </a:pPr>
+            <a:r>
+              <a:rPr lang="ru-RU" sz="2800" dirty="0" smtClean="0"/>
+              <a:t>Разработка высокопроизводительной</a:t>
+            </a:r>
+          </a:p>
+          <a:p>
+            <a:r>
+              <a:rPr lang="ru-RU" sz="2800" dirty="0" smtClean="0"/>
+              <a:t>системы веб-шаблонов</a:t>
+            </a:r>
+            <a:endParaRPr lang="en-US" sz="2800" dirty="0"/>
+          </a:p>
+        </p:txBody>
+      </p:sp>
+      <p:sp>
+        <p:nvSpPr>
+          <p:cNvPr id="9" name="TextBox 8"/>
+          <p:cNvSpPr txBox="1"/>
+          <p:nvPr/>
+        </p:nvSpPr>
+        <p:spPr>
+          <a:xfrm>
+            <a:off x="1699544" y="4581832"/>
+            <a:ext cx="4012637" cy="523220"/>
+          </a:xfrm>
+          <a:prstGeom prst="rect">
+            <a:avLst/>
+          </a:prstGeom>
+          <a:noFill/>
+        </p:spPr>
+        <p:txBody>
+          <a:bodyPr wrap="none" rtlCol="0">
+            <a:spAutoFit/>
+          </a:bodyPr>
+          <a:lstStyle/>
+          <a:p>
+            <a:pPr marL="457200" indent="-457200">
+              <a:buFont typeface="Arial" panose="020B0604020202020204" pitchFamily="34" charset="0"/>
+              <a:buChar char="•"/>
+            </a:pPr>
+            <a:r>
+              <a:rPr lang="ru-RU" sz="2800" dirty="0" smtClean="0"/>
+              <a:t>Результаты работы</a:t>
+            </a:r>
+            <a:endParaRPr lang="en-US" sz="2800" dirty="0"/>
+          </a:p>
+        </p:txBody>
+      </p:sp>
+    </p:spTree>
+    <p:extLst>
+      <p:ext uri="{BB962C8B-B14F-4D97-AF65-F5344CB8AC3E}">
+        <p14:creationId xmlns:p14="http://schemas.microsoft.com/office/powerpoint/2010/main" val="62353730"/>
+      </p:ext>
+    </p:extLst>
+  </p:cSld>
+  <p:clrMapOvr>
+    <a:masterClrMapping/>
+  </p:clrMapOvr>
+  <p:timing>
+    <p:tnLst>
+      <p:par>
+        <p:cTn id="1" dur="indefinite" restart="never" nodeType="tmRoot"/>
+      </p:par>
+    </p:tnLst>
+  </p:timing>
+</p:sld>
+</file>
+
+<file path=ppt/slides/slide3.xml><?xml version="1.0" encoding="utf-8"?>
+<p:sld xmlns:a="http://schemas.openxmlformats.org/drawingml/2006/main" xmlns:r="http://schemas.openxmlformats.org/officeDocument/2006/relationships" xmlns:p="http://schemas.openxmlformats.org/presentationml/2006/main">
+  <p:cSld>
+    <p:spTree>
+      <p:nvGrpSpPr>
+        <p:cNvPr id="1" name=""/>
+        <p:cNvGrpSpPr/>
+        <p:nvPr/>
+      </p:nvGrpSpPr>
+      <p:grpSpPr>
+        <a:xfrm>
+          <a:off x="0" y="0"/>
+          <a:ext cx="0" cy="0"/>
+          <a:chOff x="0" y="0"/>
+          <a:chExt cx="0" cy="0"/>
+        </a:xfrm>
+      </p:grpSpPr>
+      <p:sp>
+        <p:nvSpPr>
+          <p:cNvPr id="2" name="Заголовок 1"/>
+          <p:cNvSpPr>
+            <a:spLocks noGrp="1"/>
+          </p:cNvSpPr>
+          <p:nvPr>
+            <p:ph type="title"/>
+          </p:nvPr>
+        </p:nvSpPr>
+        <p:spPr>
+          <a:xfrm>
+            <a:off x="2592924" y="624110"/>
+            <a:ext cx="8911687" cy="668662"/>
+          </a:xfrm>
+        </p:spPr>
+        <p:txBody>
+          <a:bodyPr/>
+          <a:lstStyle/>
+          <a:p>
+            <a:r>
+              <a:rPr lang="ru-RU" dirty="0" smtClean="0"/>
+              <a:t>Система веб-шаблонов</a:t>
+            </a:r>
+            <a:endParaRPr lang="en-US" dirty="0"/>
+          </a:p>
+        </p:txBody>
+      </p:sp>
+      <p:sp>
+        <p:nvSpPr>
+          <p:cNvPr id="3" name="TextBox 2"/>
+          <p:cNvSpPr txBox="1"/>
+          <p:nvPr/>
+        </p:nvSpPr>
+        <p:spPr>
+          <a:xfrm>
+            <a:off x="1447554" y="1292772"/>
+            <a:ext cx="5686172" cy="461665"/>
+          </a:xfrm>
+          <a:prstGeom prst="rect">
+            <a:avLst/>
+          </a:prstGeom>
+          <a:noFill/>
+        </p:spPr>
+        <p:txBody>
+          <a:bodyPr wrap="none" rtlCol="0">
+            <a:spAutoFit/>
+          </a:bodyPr>
+          <a:lstStyle/>
+          <a:p>
+            <a:r>
+              <a:rPr lang="ru-RU" sz="2400" dirty="0" smtClean="0"/>
+              <a:t>Элементы системы веб-шаблонов:</a:t>
+            </a:r>
+            <a:endParaRPr lang="en-US" sz="2400" dirty="0"/>
+          </a:p>
+        </p:txBody>
+      </p:sp>
+      <p:sp>
+        <p:nvSpPr>
+          <p:cNvPr id="4" name="TextBox 3"/>
+          <p:cNvSpPr txBox="1"/>
+          <p:nvPr/>
+        </p:nvSpPr>
+        <p:spPr>
+          <a:xfrm>
+            <a:off x="1447554" y="1754437"/>
+            <a:ext cx="3671198" cy="1384995"/>
+          </a:xfrm>
+          <a:prstGeom prst="rect">
+            <a:avLst/>
+          </a:prstGeom>
+          <a:noFill/>
+        </p:spPr>
+        <p:txBody>
+          <a:bodyPr wrap="none" rtlCol="0">
+            <a:spAutoFit/>
+          </a:bodyPr>
+          <a:lstStyle/>
+          <a:p>
+            <a:pPr marL="285750" indent="-285750">
+              <a:buFont typeface="Arial" panose="020B0604020202020204" pitchFamily="34" charset="0"/>
+              <a:buChar char="•"/>
+            </a:pPr>
+            <a:r>
+              <a:rPr lang="ru-RU" sz="2800" dirty="0" smtClean="0"/>
+              <a:t>Веб-шаблон</a:t>
+            </a:r>
+          </a:p>
+          <a:p>
+            <a:pPr marL="285750" indent="-285750">
+              <a:buFont typeface="Arial" panose="020B0604020202020204" pitchFamily="34" charset="0"/>
+              <a:buChar char="•"/>
+            </a:pPr>
+            <a:r>
+              <a:rPr lang="ru-RU" sz="2800" dirty="0" smtClean="0"/>
+              <a:t>Источник данных</a:t>
+            </a:r>
+          </a:p>
+          <a:p>
+            <a:pPr marL="285750" indent="-285750">
+              <a:buFont typeface="Arial" panose="020B0604020202020204" pitchFamily="34" charset="0"/>
+              <a:buChar char="•"/>
+            </a:pPr>
+            <a:r>
+              <a:rPr lang="ru-RU" sz="2800" dirty="0" smtClean="0"/>
+              <a:t>Шаблонизатор</a:t>
+            </a:r>
+            <a:endParaRPr lang="en-US" sz="2800" dirty="0"/>
+          </a:p>
+        </p:txBody>
+      </p:sp>
+      <p:pic>
+        <p:nvPicPr>
+          <p:cNvPr id="6" name="Рисунок 5"/>
+          <p:cNvPicPr>
+            <a:picLocks noChangeAspect="1"/>
+          </p:cNvPicPr>
+          <p:nvPr/>
+        </p:nvPicPr>
+        <p:blipFill>
+          <a:blip r:embed="rId2">
+            <a:extLst>
+              <a:ext uri="{28A0092B-C50C-407E-A947-70E740481C1C}">
+                <a14:useLocalDpi xmlns:a14="http://schemas.microsoft.com/office/drawing/2010/main" val="0"/>
+              </a:ext>
+            </a:extLst>
+          </a:blip>
+          <a:stretch>
+            <a:fillRect/>
+          </a:stretch>
+        </p:blipFill>
+        <p:spPr>
+          <a:xfrm>
+            <a:off x="5118752" y="1859540"/>
+            <a:ext cx="6208654" cy="4246970"/>
+          </a:xfrm>
+          <a:prstGeom prst="rect">
+            <a:avLst/>
+          </a:prstGeom>
+        </p:spPr>
+      </p:pic>
+    </p:spTree>
+    <p:extLst>
+      <p:ext uri="{BB962C8B-B14F-4D97-AF65-F5344CB8AC3E}">
+        <p14:creationId xmlns:p14="http://schemas.microsoft.com/office/powerpoint/2010/main" val="3029500358"/>
+      </p:ext>
+    </p:extLst>
+  </p:cSld>
+  <p:clrMapOvr>
+    <a:masterClrMapping/>
+  </p:clrMapOvr>
+  <p:timing>
+    <p:tnLst>
+      <p:par>
+        <p:cTn id="1" dur="indefinite" restart="never" nodeType="tmRoot"/>
+      </p:par>
+    </p:tnLst>
+  </p:timing>
+</p:sld>
+</file>
+
+<file path=ppt/slides/slide4.xml><?xml version="1.0" encoding="utf-8"?>
+<p:sld xmlns:a="http://schemas.openxmlformats.org/drawingml/2006/main" xmlns:r="http://schemas.openxmlformats.org/officeDocument/2006/relationships" xmlns:p="http://schemas.openxmlformats.org/presentationml/2006/main">
+  <p:cSld>
+    <p:spTree>
+      <p:nvGrpSpPr>
+        <p:cNvPr id="1" name=""/>
+        <p:cNvGrpSpPr/>
+        <p:nvPr/>
+      </p:nvGrpSpPr>
+      <p:grpSpPr>
+        <a:xfrm>
+          <a:off x="0" y="0"/>
+          <a:ext cx="0" cy="0"/>
+          <a:chOff x="0" y="0"/>
+          <a:chExt cx="0" cy="0"/>
+        </a:xfrm>
+      </p:grpSpPr>
+      <p:sp>
+        <p:nvSpPr>
+          <p:cNvPr id="2" name="Заголовок 1"/>
+          <p:cNvSpPr>
+            <a:spLocks noGrp="1"/>
+          </p:cNvSpPr>
+          <p:nvPr>
+            <p:ph type="title"/>
+          </p:nvPr>
+        </p:nvSpPr>
+        <p:spPr>
+          <a:xfrm>
+            <a:off x="2592924" y="624110"/>
+            <a:ext cx="8911687" cy="542538"/>
+          </a:xfrm>
+        </p:spPr>
+        <p:txBody>
+          <a:bodyPr>
+            <a:normAutofit fontScale="90000"/>
+          </a:bodyPr>
+          <a:lstStyle/>
+          <a:p>
+            <a:r>
+              <a:rPr lang="ru-RU" sz="3200" dirty="0" smtClean="0"/>
+              <a:t>Общий принцип работы шаблонизатора</a:t>
+            </a:r>
+            <a:endParaRPr lang="en-US" sz="3200" dirty="0"/>
+          </a:p>
+        </p:txBody>
+      </p:sp>
+      <p:pic>
+        <p:nvPicPr>
+          <p:cNvPr id="3" name="Рисунок 2"/>
+          <p:cNvPicPr>
+            <a:picLocks noChangeAspect="1"/>
+          </p:cNvPicPr>
+          <p:nvPr/>
+        </p:nvPicPr>
+        <p:blipFill>
+          <a:blip r:embed="rId2">
+            <a:extLst>
+              <a:ext uri="{28A0092B-C50C-407E-A947-70E740481C1C}">
+                <a14:useLocalDpi xmlns:a14="http://schemas.microsoft.com/office/drawing/2010/main" val="0"/>
+              </a:ext>
+            </a:extLst>
+          </a:blip>
+          <a:stretch>
+            <a:fillRect/>
+          </a:stretch>
+        </p:blipFill>
+        <p:spPr>
+          <a:xfrm>
+            <a:off x="2592924" y="1166649"/>
+            <a:ext cx="8337835" cy="5349766"/>
+          </a:xfrm>
+          <a:prstGeom prst="rect">
+            <a:avLst/>
+          </a:prstGeom>
+        </p:spPr>
+      </p:pic>
+    </p:spTree>
+    <p:extLst>
+      <p:ext uri="{BB962C8B-B14F-4D97-AF65-F5344CB8AC3E}">
+        <p14:creationId xmlns:p14="http://schemas.microsoft.com/office/powerpoint/2010/main" val="1133410021"/>
+      </p:ext>
+    </p:extLst>
+  </p:cSld>
+  <p:clrMapOvr>
+    <a:masterClrMapping/>
+  </p:clrMapOvr>
+  <p:timing>
+    <p:tnLst>
+      <p:par>
+        <p:cTn id="1" dur="indefinite" restart="never" nodeType="tmRoot"/>
+      </p:par>
+    </p:tnLst>
+  </p:timing>
+</p:sld>
+</file>
+
+<file path=ppt/slides/slide5.xml><?xml version="1.0" encoding="utf-8"?>
+<p:sld xmlns:a="http://schemas.openxmlformats.org/drawingml/2006/main" xmlns:r="http://schemas.openxmlformats.org/officeDocument/2006/relationships" xmlns:p="http://schemas.openxmlformats.org/presentationml/2006/main">
+  <p:cSld>
+    <p:spTree>
+      <p:nvGrpSpPr>
+        <p:cNvPr id="1" name=""/>
+        <p:cNvGrpSpPr/>
+        <p:nvPr/>
+      </p:nvGrpSpPr>
+      <p:grpSpPr>
+        <a:xfrm>
+          <a:off x="0" y="0"/>
+          <a:ext cx="0" cy="0"/>
+          <a:chOff x="0" y="0"/>
+          <a:chExt cx="0" cy="0"/>
+        </a:xfrm>
+      </p:grpSpPr>
+      <p:sp>
+        <p:nvSpPr>
+          <p:cNvPr id="2" name="Заголовок 1"/>
+          <p:cNvSpPr>
+            <a:spLocks noGrp="1"/>
+          </p:cNvSpPr>
+          <p:nvPr>
+            <p:ph type="title"/>
+          </p:nvPr>
+        </p:nvSpPr>
+        <p:spPr/>
+        <p:txBody>
+          <a:bodyPr/>
+          <a:lstStyle/>
+          <a:p>
+            <a:r>
+              <a:rPr lang="ru-RU" dirty="0" smtClean="0"/>
+              <a:t>Актуальность работы</a:t>
+            </a:r>
+            <a:endParaRPr lang="en-US" dirty="0"/>
+          </a:p>
+        </p:txBody>
+      </p:sp>
+      <p:sp>
+        <p:nvSpPr>
+          <p:cNvPr id="3" name="Объект 2"/>
+          <p:cNvSpPr>
+            <a:spLocks noGrp="1"/>
+          </p:cNvSpPr>
+          <p:nvPr>
+            <p:ph idx="1"/>
+          </p:nvPr>
+        </p:nvSpPr>
+        <p:spPr>
+          <a:xfrm>
+            <a:off x="2589212" y="2133600"/>
+            <a:ext cx="8915400" cy="2259724"/>
+          </a:xfrm>
+        </p:spPr>
+        <p:txBody>
+          <a:bodyPr/>
+          <a:lstStyle/>
+          <a:p>
+            <a:pPr algn="just"/>
+            <a:r>
+              <a:rPr lang="ru-RU" sz="2400" dirty="0" smtClean="0"/>
+              <a:t>Системы веб-шаблонов медленные</a:t>
+            </a:r>
+          </a:p>
+          <a:p>
+            <a:pPr algn="just"/>
+            <a:r>
+              <a:rPr lang="ru-RU" sz="2400" dirty="0" smtClean="0"/>
+              <a:t>Существующие решения не используют весь потенциал вычислительных машин</a:t>
+            </a:r>
+          </a:p>
+          <a:p>
+            <a:pPr algn="just"/>
+            <a:r>
+              <a:rPr lang="ru-RU" sz="2400" dirty="0" smtClean="0"/>
+              <a:t>Нет унифицированного и простого интерфейса для работы с системой веб-шаблонов</a:t>
+            </a:r>
+          </a:p>
+          <a:p>
+            <a:pPr marL="0" indent="0">
+              <a:buNone/>
+            </a:pPr>
+            <a:endParaRPr lang="ru-RU" dirty="0" smtClean="0"/>
+          </a:p>
+        </p:txBody>
+      </p:sp>
+    </p:spTree>
+    <p:extLst>
+      <p:ext uri="{BB962C8B-B14F-4D97-AF65-F5344CB8AC3E}">
+        <p14:creationId xmlns:p14="http://schemas.microsoft.com/office/powerpoint/2010/main" val="2684956686"/>
+      </p:ext>
+    </p:extLst>
+  </p:cSld>
+  <p:clrMapOvr>
+    <a:masterClrMapping/>
+  </p:clrMapOvr>
+  <p:timing>
+    <p:tnLst>
+      <p:par>
+        <p:cTn id="1" dur="indefinite" restart="never" nodeType="tmRoot"/>
+      </p:par>
+    </p:tnLst>
+  </p:timing>
+</p:sld>
+</file>
+
+<file path=ppt/slides/slide6.xml><?xml version="1.0" encoding="utf-8"?>
+<p:sld xmlns:a="http://schemas.openxmlformats.org/drawingml/2006/main" xmlns:r="http://schemas.openxmlformats.org/officeDocument/2006/relationships" xmlns:p="http://schemas.openxmlformats.org/presentationml/2006/main">
+  <p:cSld>
+    <p:spTree>
+      <p:nvGrpSpPr>
+        <p:cNvPr id="1" name=""/>
+        <p:cNvGrpSpPr/>
+        <p:nvPr/>
+      </p:nvGrpSpPr>
+      <p:grpSpPr>
+        <a:xfrm>
+          <a:off x="0" y="0"/>
+          <a:ext cx="0" cy="0"/>
+          <a:chOff x="0" y="0"/>
+          <a:chExt cx="0" cy="0"/>
+        </a:xfrm>
+      </p:grpSpPr>
+      <p:sp>
+        <p:nvSpPr>
+          <p:cNvPr id="2" name="Заголовок 1"/>
+          <p:cNvSpPr>
+            <a:spLocks noGrp="1"/>
+          </p:cNvSpPr>
+          <p:nvPr>
+            <p:ph type="title"/>
+          </p:nvPr>
+        </p:nvSpPr>
+        <p:spPr/>
+        <p:txBody>
+          <a:bodyPr/>
+          <a:lstStyle/>
+          <a:p>
+            <a:r>
+              <a:rPr lang="ru-RU" dirty="0" smtClean="0"/>
+              <a:t>Цель работы</a:t>
+            </a:r>
+            <a:endParaRPr lang="en-US" dirty="0"/>
+          </a:p>
+        </p:txBody>
+      </p:sp>
+      <p:sp>
+        <p:nvSpPr>
+          <p:cNvPr id="3" name="Объект 2"/>
+          <p:cNvSpPr>
+            <a:spLocks noGrp="1"/>
+          </p:cNvSpPr>
+          <p:nvPr>
+            <p:ph idx="1"/>
+          </p:nvPr>
+        </p:nvSpPr>
+        <p:spPr>
+          <a:xfrm>
+            <a:off x="2589212" y="1629104"/>
+            <a:ext cx="8915400" cy="3777622"/>
+          </a:xfrm>
+        </p:spPr>
+        <p:txBody>
+          <a:bodyPr>
+            <a:normAutofit/>
+          </a:bodyPr>
+          <a:lstStyle/>
+          <a:p>
+            <a:pPr marL="0" indent="0" algn="just">
+              <a:buNone/>
+            </a:pPr>
+            <a:r>
+              <a:rPr lang="ru-RU" sz="2800" dirty="0" smtClean="0"/>
+              <a:t>Поиск способов устранения причин низкой производительности систем веб-шаблонов или уменьшения их влияния. Разработка высокопроизводительной системы веб-шаблонов с применением найденных решений.</a:t>
+            </a:r>
+            <a:endParaRPr lang="en-US" sz="2800" dirty="0"/>
+          </a:p>
+        </p:txBody>
+      </p:sp>
+    </p:spTree>
+    <p:extLst>
+      <p:ext uri="{BB962C8B-B14F-4D97-AF65-F5344CB8AC3E}">
+        <p14:creationId xmlns:p14="http://schemas.microsoft.com/office/powerpoint/2010/main" val="2262822906"/>
+      </p:ext>
+    </p:extLst>
+  </p:cSld>
+  <p:clrMapOvr>
+    <a:masterClrMapping/>
+  </p:clrMapOvr>
+  <p:timing>
+    <p:tnLst>
+      <p:par>
+        <p:cTn id="1" dur="indefinite" restart="never" nodeType="tmRoot"/>
+      </p:par>
+    </p:tnLst>
+  </p:timing>
+</p:sld>
+</file>
+
+<file path=ppt/slides/slide7.xml><?xml version="1.0" encoding="utf-8"?>
+<p:sld xmlns:a="http://schemas.openxmlformats.org/drawingml/2006/main" xmlns:r="http://schemas.openxmlformats.org/officeDocument/2006/relationships" xmlns:p="http://schemas.openxmlformats.org/presentationml/2006/main">
+  <p:cSld>
+    <p:spTree>
+      <p:nvGrpSpPr>
+        <p:cNvPr id="1" name=""/>
+        <p:cNvGrpSpPr/>
+        <p:nvPr/>
+      </p:nvGrpSpPr>
+      <p:grpSpPr>
+        <a:xfrm>
+          <a:off x="0" y="0"/>
+          <a:ext cx="0" cy="0"/>
+          <a:chOff x="0" y="0"/>
+          <a:chExt cx="0" cy="0"/>
+        </a:xfrm>
+      </p:grpSpPr>
+      <p:sp>
+        <p:nvSpPr>
+          <p:cNvPr id="2" name="Заголовок 1"/>
+          <p:cNvSpPr>
+            <a:spLocks noGrp="1"/>
+          </p:cNvSpPr>
+          <p:nvPr>
+            <p:ph type="title"/>
+          </p:nvPr>
+        </p:nvSpPr>
+        <p:spPr>
+          <a:xfrm>
+            <a:off x="2291256" y="624110"/>
+            <a:ext cx="9213356" cy="1509490"/>
+          </a:xfrm>
+        </p:spPr>
+        <p:txBody>
+          <a:bodyPr>
+            <a:normAutofit fontScale="90000"/>
+          </a:bodyPr>
+          <a:lstStyle/>
+          <a:p>
+            <a:r>
+              <a:rPr lang="ru-RU" dirty="0" smtClean="0"/>
+              <a:t>Основные причины низкой производительности систем веб-шаблонов</a:t>
+            </a:r>
+            <a:endParaRPr lang="en-US" dirty="0"/>
+          </a:p>
+        </p:txBody>
+      </p:sp>
+      <p:sp>
+        <p:nvSpPr>
+          <p:cNvPr id="3" name="TextBox 2"/>
+          <p:cNvSpPr txBox="1"/>
+          <p:nvPr/>
+        </p:nvSpPr>
+        <p:spPr>
+          <a:xfrm>
+            <a:off x="2501462" y="2427890"/>
+            <a:ext cx="6914072" cy="954107"/>
+          </a:xfrm>
+          <a:prstGeom prst="rect">
+            <a:avLst/>
+          </a:prstGeom>
+          <a:noFill/>
+        </p:spPr>
+        <p:txBody>
+          <a:bodyPr wrap="none" rtlCol="0">
+            <a:spAutoFit/>
+          </a:bodyPr>
+          <a:lstStyle/>
+          <a:p>
+            <a:pPr marL="457200" indent="-457200">
+              <a:buFont typeface="Arial" panose="020B0604020202020204" pitchFamily="34" charset="0"/>
+              <a:buChar char="•"/>
+            </a:pPr>
+            <a:r>
+              <a:rPr lang="ru-RU" sz="2800" dirty="0" smtClean="0"/>
+              <a:t>Они написаны с использованием </a:t>
+            </a:r>
+          </a:p>
+          <a:p>
+            <a:r>
+              <a:rPr lang="ru-RU" sz="2800" dirty="0" smtClean="0"/>
+              <a:t>интерпретируемых языков;</a:t>
+            </a:r>
+            <a:endParaRPr lang="en-US" sz="2800" dirty="0"/>
+          </a:p>
+        </p:txBody>
+      </p:sp>
+      <p:sp>
+        <p:nvSpPr>
+          <p:cNvPr id="4" name="TextBox 3"/>
+          <p:cNvSpPr txBox="1"/>
+          <p:nvPr/>
+        </p:nvSpPr>
+        <p:spPr>
+          <a:xfrm>
+            <a:off x="2501462" y="3381997"/>
+            <a:ext cx="7159332" cy="523220"/>
+          </a:xfrm>
+          <a:prstGeom prst="rect">
+            <a:avLst/>
+          </a:prstGeom>
+          <a:noFill/>
+        </p:spPr>
+        <p:txBody>
+          <a:bodyPr wrap="none" rtlCol="0">
+            <a:spAutoFit/>
+          </a:bodyPr>
+          <a:lstStyle/>
+          <a:p>
+            <a:pPr marL="457200" indent="-457200">
+              <a:buFont typeface="Arial" panose="020B0604020202020204" pitchFamily="34" charset="0"/>
+              <a:buChar char="•"/>
+            </a:pPr>
+            <a:r>
+              <a:rPr lang="ru-RU" sz="2800" dirty="0" smtClean="0"/>
+              <a:t>Использование сборщика мусора</a:t>
+            </a:r>
+            <a:endParaRPr lang="en-US" sz="2800" dirty="0"/>
+          </a:p>
+        </p:txBody>
+      </p:sp>
+      <p:sp>
+        <p:nvSpPr>
+          <p:cNvPr id="5" name="TextBox 4"/>
+          <p:cNvSpPr txBox="1"/>
+          <p:nvPr/>
+        </p:nvSpPr>
+        <p:spPr>
+          <a:xfrm>
+            <a:off x="2501462" y="3921756"/>
+            <a:ext cx="7704353" cy="523220"/>
+          </a:xfrm>
+          <a:prstGeom prst="rect">
+            <a:avLst/>
+          </a:prstGeom>
+          <a:noFill/>
+        </p:spPr>
+        <p:txBody>
+          <a:bodyPr wrap="none" rtlCol="0">
+            <a:spAutoFit/>
+          </a:bodyPr>
+          <a:lstStyle/>
+          <a:p>
+            <a:pPr marL="457200" indent="-457200">
+              <a:buFont typeface="Arial" panose="020B0604020202020204" pitchFamily="34" charset="0"/>
+              <a:buChar char="•"/>
+            </a:pPr>
+            <a:r>
+              <a:rPr lang="ru-RU" sz="2800" dirty="0" smtClean="0"/>
+              <a:t>Отсутствуют механизмы кеширования;</a:t>
+            </a:r>
+            <a:endParaRPr lang="en-US" sz="2800" dirty="0"/>
+          </a:p>
+        </p:txBody>
+      </p:sp>
+      <p:sp>
+        <p:nvSpPr>
+          <p:cNvPr id="6" name="TextBox 5"/>
+          <p:cNvSpPr txBox="1"/>
+          <p:nvPr/>
+        </p:nvSpPr>
+        <p:spPr>
+          <a:xfrm>
+            <a:off x="2501462" y="4444976"/>
+            <a:ext cx="6742551" cy="954107"/>
+          </a:xfrm>
+          <a:prstGeom prst="rect">
+            <a:avLst/>
+          </a:prstGeom>
+          <a:noFill/>
+        </p:spPr>
+        <p:txBody>
+          <a:bodyPr wrap="none" rtlCol="0">
+            <a:spAutoFit/>
+          </a:bodyPr>
+          <a:lstStyle/>
+          <a:p>
+            <a:pPr marL="457200" indent="-457200">
+              <a:buFont typeface="Arial" panose="020B0604020202020204" pitchFamily="34" charset="0"/>
+              <a:buChar char="•"/>
+            </a:pPr>
+            <a:r>
+              <a:rPr lang="ru-RU" sz="2800" dirty="0" smtClean="0"/>
+              <a:t>Не используют простаивающие </a:t>
+            </a:r>
+          </a:p>
+          <a:p>
+            <a:r>
+              <a:rPr lang="ru-RU" sz="2800" dirty="0" smtClean="0"/>
+              <a:t>ресурсы вычислительной машины.</a:t>
+            </a:r>
+            <a:endParaRPr lang="en-US" sz="2800" dirty="0"/>
+          </a:p>
+        </p:txBody>
+      </p:sp>
+    </p:spTree>
+    <p:extLst>
+      <p:ext uri="{BB962C8B-B14F-4D97-AF65-F5344CB8AC3E}">
+        <p14:creationId xmlns:p14="http://schemas.microsoft.com/office/powerpoint/2010/main" val="3473046678"/>
+      </p:ext>
+    </p:extLst>
+  </p:cSld>
+  <p:clrMapOvr>
+    <a:masterClrMapping/>
+  </p:clrMapOvr>
+  <p:timing>
+    <p:tnLst>
+      <p:par>
+        <p:cTn id="1" dur="indefinite" restart="never" nodeType="tmRoot"/>
+      </p:par>
+    </p:tnLst>
+  </p:timing>
+</p:sld>
+</file>
+
+<file path=ppt/slides/slide8.xml><?xml version="1.0" encoding="utf-8"?>
+<p:sld xmlns:a="http://schemas.openxmlformats.org/drawingml/2006/main" xmlns:r="http://schemas.openxmlformats.org/officeDocument/2006/relationships" xmlns:p="http://schemas.openxmlformats.org/presentationml/2006/main">
+  <p:cSld>
+    <p:spTree>
+      <p:nvGrpSpPr>
+        <p:cNvPr id="1" name=""/>
+        <p:cNvGrpSpPr/>
+        <p:nvPr/>
+      </p:nvGrpSpPr>
+      <p:grpSpPr>
+        <a:xfrm>
+          <a:off x="0" y="0"/>
+          <a:ext cx="0" cy="0"/>
+          <a:chOff x="0" y="0"/>
+          <a:chExt cx="0" cy="0"/>
+        </a:xfrm>
+      </p:grpSpPr>
+      <p:sp>
+        <p:nvSpPr>
+          <p:cNvPr id="2" name="Заголовок 1"/>
+          <p:cNvSpPr>
+            <a:spLocks noGrp="1"/>
+          </p:cNvSpPr>
+          <p:nvPr>
+            <p:ph type="title"/>
+          </p:nvPr>
+        </p:nvSpPr>
+        <p:spPr/>
+        <p:txBody>
+          <a:bodyPr/>
+          <a:lstStyle/>
+          <a:p>
+            <a:r>
+              <a:rPr lang="ru-RU" dirty="0" smtClean="0"/>
+              <a:t>Использование интерпретируемых языков</a:t>
+            </a:r>
+            <a:endParaRPr lang="en-US" dirty="0"/>
+          </a:p>
+        </p:txBody>
+      </p:sp>
+      <p:pic>
+        <p:nvPicPr>
+          <p:cNvPr id="3" name="Рисунок 2"/>
+          <p:cNvPicPr>
+            <a:picLocks noChangeAspect="1"/>
+          </p:cNvPicPr>
+          <p:nvPr/>
+        </p:nvPicPr>
+        <p:blipFill>
+          <a:blip r:embed="rId2">
+            <a:extLst>
+              <a:ext uri="{28A0092B-C50C-407E-A947-70E740481C1C}">
+                <a14:useLocalDpi xmlns:a14="http://schemas.microsoft.com/office/drawing/2010/main" val="0"/>
+              </a:ext>
+            </a:extLst>
+          </a:blip>
+          <a:stretch>
+            <a:fillRect/>
+          </a:stretch>
+        </p:blipFill>
+        <p:spPr>
+          <a:xfrm>
+            <a:off x="2592924" y="1905000"/>
+            <a:ext cx="7544853" cy="4391638"/>
+          </a:xfrm>
+          <a:prstGeom prst="rect">
+            <a:avLst/>
+          </a:prstGeom>
+          <a:ln>
+            <a:solidFill>
+              <a:schemeClr val="tx1"/>
+            </a:solidFill>
+          </a:ln>
+        </p:spPr>
+      </p:pic>
+    </p:spTree>
+    <p:extLst>
+      <p:ext uri="{BB962C8B-B14F-4D97-AF65-F5344CB8AC3E}">
+        <p14:creationId xmlns:p14="http://schemas.microsoft.com/office/powerpoint/2010/main" val="3418791132"/>
+      </p:ext>
+    </p:extLst>
+  </p:cSld>
+  <p:clrMapOvr>
+    <a:masterClrMapping/>
+  </p:clrMapOvr>
+  <p:timing>
+    <p:tnLst>
+      <p:par>
+        <p:cTn id="1" dur="indefinite" restart="never" nodeType="tmRoot"/>
+      </p:par>
+    </p:tnLst>
+  </p:timing>
+</p:sld>
+</file>
+
+<file path=ppt/slides/slide9.xml><?xml version="1.0" encoding="utf-8"?>
+<p:sld xmlns:a="http://schemas.openxmlformats.org/drawingml/2006/main" xmlns:r="http://schemas.openxmlformats.org/officeDocument/2006/relationships" xmlns:p="http://schemas.openxmlformats.org/presentationml/2006/main">
+  <p:cSld>
+    <p:spTree>
+      <p:nvGrpSpPr>
+        <p:cNvPr id="1" name=""/>
+        <p:cNvGrpSpPr/>
+        <p:nvPr/>
+      </p:nvGrpSpPr>
+      <p:grpSpPr>
+        <a:xfrm>
+          <a:off x="0" y="0"/>
+          <a:ext cx="0" cy="0"/>
+          <a:chOff x="0" y="0"/>
+          <a:chExt cx="0" cy="0"/>
+        </a:xfrm>
+      </p:grpSpPr>
+      <p:sp>
+        <p:nvSpPr>
+          <p:cNvPr id="2" name="Заголовок 1"/>
+          <p:cNvSpPr>
+            <a:spLocks noGrp="1"/>
+          </p:cNvSpPr>
+          <p:nvPr>
+            <p:ph type="title"/>
+          </p:nvPr>
+        </p:nvSpPr>
+        <p:spPr>
+          <a:xfrm>
+            <a:off x="2592924" y="624110"/>
+            <a:ext cx="8911687" cy="721214"/>
+          </a:xfrm>
+        </p:spPr>
+        <p:txBody>
+          <a:bodyPr/>
+          <a:lstStyle/>
+          <a:p>
+            <a:r>
+              <a:rPr lang="ru-RU" dirty="0" smtClean="0"/>
+              <a:t>Использование сборщика мусора</a:t>
+            </a:r>
+            <a:endParaRPr lang="en-US" dirty="0"/>
+          </a:p>
+        </p:txBody>
+      </p:sp>
+      <p:pic>
+        <p:nvPicPr>
+          <p:cNvPr id="3" name="Рисунок 2"/>
+          <p:cNvPicPr>
+            <a:picLocks noChangeAspect="1"/>
+          </p:cNvPicPr>
+          <p:nvPr/>
+        </p:nvPicPr>
+        <p:blipFill>
+          <a:blip r:embed="rId2">
+            <a:extLst>
+              <a:ext uri="{28A0092B-C50C-407E-A947-70E740481C1C}">
+                <a14:useLocalDpi xmlns:a14="http://schemas.microsoft.com/office/drawing/2010/main" val="0"/>
+              </a:ext>
+            </a:extLst>
+          </a:blip>
+          <a:stretch>
+            <a:fillRect/>
+          </a:stretch>
+        </p:blipFill>
+        <p:spPr>
+          <a:xfrm>
+            <a:off x="2688184" y="1345324"/>
+            <a:ext cx="6962775" cy="5153025"/>
+          </a:xfrm>
+          <a:prstGeom prst="rect">
+            <a:avLst/>
+          </a:prstGeom>
+          <a:ln>
+            <a:solidFill>
+              <a:schemeClr val="tx1"/>
+            </a:solidFill>
+          </a:ln>
+        </p:spPr>
+      </p:pic>
+    </p:spTree>
+    <p:extLst>
+      <p:ext uri="{BB962C8B-B14F-4D97-AF65-F5344CB8AC3E}">
+        <p14:creationId xmlns:p14="http://schemas.microsoft.com/office/powerpoint/2010/main" val="831587619"/>
       </p:ext>
     </p:extLst>
   </p:cSld>

--- a/docs/Презентация ВКР.pptx
+++ b/docs/Презентация ВКР.pptx
@@ -16,6 +16,10 @@
     <p:sldId id="264" r:id="rId10"/>
     <p:sldId id="265" r:id="rId11"/>
     <p:sldId id="266" r:id="rId12"/>
+    <p:sldId id="267" r:id="rId13"/>
+    <p:sldId id="268" r:id="rId14"/>
+    <p:sldId id="269" r:id="rId15"/>
+    <p:sldId id="270" r:id="rId16"/>
   </p:sldIdLst>
   <p:sldSz cx="12192000" cy="6858000"/>
   <p:notesSz cx="6858000" cy="9144000"/>
@@ -7939,6 +7943,652 @@
           </a:p>
         </p:txBody>
       </p:sp>
+      <p:grpSp>
+        <p:nvGrpSpPr>
+          <p:cNvPr id="9" name="Группа 8"/>
+          <p:cNvGrpSpPr/>
+          <p:nvPr/>
+        </p:nvGrpSpPr>
+        <p:grpSpPr>
+          <a:xfrm>
+            <a:off x="2879834" y="1694463"/>
+            <a:ext cx="7441325" cy="859551"/>
+            <a:chOff x="2879834" y="1694463"/>
+            <a:chExt cx="7441325" cy="859551"/>
+          </a:xfrm>
+        </p:grpSpPr>
+        <p:sp>
+          <p:nvSpPr>
+            <p:cNvPr id="3" name="Прямоугольник 2"/>
+            <p:cNvSpPr/>
+            <p:nvPr/>
+          </p:nvSpPr>
+          <p:spPr>
+            <a:xfrm>
+              <a:off x="3930868" y="1818290"/>
+              <a:ext cx="2102070" cy="735724"/>
+            </a:xfrm>
+            <a:prstGeom prst="rect">
+              <a:avLst/>
+            </a:prstGeom>
+          </p:spPr>
+          <p:style>
+            <a:lnRef idx="2">
+              <a:schemeClr val="accent6"/>
+            </a:lnRef>
+            <a:fillRef idx="1">
+              <a:schemeClr val="lt1"/>
+            </a:fillRef>
+            <a:effectRef idx="0">
+              <a:schemeClr val="accent6"/>
+            </a:effectRef>
+            <a:fontRef idx="minor">
+              <a:schemeClr val="dk1"/>
+            </a:fontRef>
+          </p:style>
+          <p:txBody>
+            <a:bodyPr rtlCol="0" anchor="ctr"/>
+            <a:lstStyle/>
+            <a:p>
+              <a:pPr algn="ctr"/>
+              <a:r>
+                <a:rPr lang="ru-RU" dirty="0" smtClean="0"/>
+                <a:t>Шаблонизатор</a:t>
+              </a:r>
+              <a:endParaRPr lang="en-US" dirty="0"/>
+            </a:p>
+          </p:txBody>
+        </p:sp>
+        <p:sp>
+          <p:nvSpPr>
+            <p:cNvPr id="4" name="Прямоугольник 3"/>
+            <p:cNvSpPr/>
+            <p:nvPr/>
+          </p:nvSpPr>
+          <p:spPr>
+            <a:xfrm>
+              <a:off x="2879834" y="1818290"/>
+              <a:ext cx="935421" cy="735724"/>
+            </a:xfrm>
+            <a:prstGeom prst="rect">
+              <a:avLst/>
+            </a:prstGeom>
+          </p:spPr>
+          <p:style>
+            <a:lnRef idx="1">
+              <a:schemeClr val="accent6"/>
+            </a:lnRef>
+            <a:fillRef idx="2">
+              <a:schemeClr val="accent6"/>
+            </a:fillRef>
+            <a:effectRef idx="1">
+              <a:schemeClr val="accent6"/>
+            </a:effectRef>
+            <a:fontRef idx="minor">
+              <a:schemeClr val="dk1"/>
+            </a:fontRef>
+          </p:style>
+          <p:txBody>
+            <a:bodyPr rtlCol="0" anchor="ctr"/>
+            <a:lstStyle/>
+            <a:p>
+              <a:pPr algn="ctr"/>
+              <a:r>
+                <a:rPr lang="ru-RU" dirty="0"/>
+                <a:t>1</a:t>
+              </a:r>
+              <a:endParaRPr lang="en-US" dirty="0"/>
+            </a:p>
+          </p:txBody>
+        </p:sp>
+        <p:cxnSp>
+          <p:nvCxnSpPr>
+            <p:cNvPr id="6" name="Прямая со стрелкой 5"/>
+            <p:cNvCxnSpPr/>
+            <p:nvPr/>
+          </p:nvCxnSpPr>
+          <p:spPr>
+            <a:xfrm>
+              <a:off x="6516414" y="2186152"/>
+              <a:ext cx="1250731" cy="0"/>
+            </a:xfrm>
+            <a:prstGeom prst="straightConnector1">
+              <a:avLst/>
+            </a:prstGeom>
+            <a:ln>
+              <a:tailEnd type="triangle"/>
+            </a:ln>
+          </p:spPr>
+          <p:style>
+            <a:lnRef idx="1">
+              <a:schemeClr val="accent1"/>
+            </a:lnRef>
+            <a:fillRef idx="0">
+              <a:schemeClr val="accent1"/>
+            </a:fillRef>
+            <a:effectRef idx="0">
+              <a:schemeClr val="accent1"/>
+            </a:effectRef>
+            <a:fontRef idx="minor">
+              <a:schemeClr val="tx1"/>
+            </a:fontRef>
+          </p:style>
+        </p:cxnSp>
+        <p:sp>
+          <p:nvSpPr>
+            <p:cNvPr id="7" name="Блок-схема: документ 6"/>
+            <p:cNvSpPr/>
+            <p:nvPr/>
+          </p:nvSpPr>
+          <p:spPr>
+            <a:xfrm>
+              <a:off x="8250621" y="1818290"/>
+              <a:ext cx="2070538" cy="735724"/>
+            </a:xfrm>
+            <a:prstGeom prst="flowChartDocument">
+              <a:avLst/>
+            </a:prstGeom>
+          </p:spPr>
+          <p:style>
+            <a:lnRef idx="2">
+              <a:schemeClr val="accent6"/>
+            </a:lnRef>
+            <a:fillRef idx="1">
+              <a:schemeClr val="lt1"/>
+            </a:fillRef>
+            <a:effectRef idx="0">
+              <a:schemeClr val="accent6"/>
+            </a:effectRef>
+            <a:fontRef idx="minor">
+              <a:schemeClr val="dk1"/>
+            </a:fontRef>
+          </p:style>
+          <p:txBody>
+            <a:bodyPr rtlCol="0" anchor="ctr"/>
+            <a:lstStyle/>
+            <a:p>
+              <a:pPr algn="ctr"/>
+              <a:r>
+                <a:rPr lang="ru-RU" dirty="0" smtClean="0"/>
+                <a:t>Шаблон №1</a:t>
+              </a:r>
+              <a:endParaRPr lang="en-US" dirty="0"/>
+            </a:p>
+          </p:txBody>
+        </p:sp>
+        <p:sp>
+          <p:nvSpPr>
+            <p:cNvPr id="8" name="TextBox 7"/>
+            <p:cNvSpPr txBox="1"/>
+            <p:nvPr/>
+          </p:nvSpPr>
+          <p:spPr>
+            <a:xfrm>
+              <a:off x="6516414" y="1694463"/>
+              <a:ext cx="1208689" cy="523220"/>
+            </a:xfrm>
+            <a:prstGeom prst="rect">
+              <a:avLst/>
+            </a:prstGeom>
+            <a:noFill/>
+          </p:spPr>
+          <p:txBody>
+            <a:bodyPr wrap="square" rtlCol="0">
+              <a:spAutoFit/>
+            </a:bodyPr>
+            <a:lstStyle/>
+            <a:p>
+              <a:r>
+                <a:rPr lang="ru-RU" sz="1400" dirty="0" smtClean="0"/>
+                <a:t>Подготовка шаблона</a:t>
+              </a:r>
+              <a:endParaRPr lang="en-US" sz="1400" dirty="0"/>
+            </a:p>
+          </p:txBody>
+        </p:sp>
+      </p:grpSp>
+      <p:grpSp>
+        <p:nvGrpSpPr>
+          <p:cNvPr id="10" name="Группа 9"/>
+          <p:cNvGrpSpPr/>
+          <p:nvPr/>
+        </p:nvGrpSpPr>
+        <p:grpSpPr>
+          <a:xfrm>
+            <a:off x="2879834" y="2876877"/>
+            <a:ext cx="7441325" cy="859551"/>
+            <a:chOff x="2879834" y="1694463"/>
+            <a:chExt cx="7441325" cy="859551"/>
+          </a:xfrm>
+        </p:grpSpPr>
+        <p:sp>
+          <p:nvSpPr>
+            <p:cNvPr id="11" name="Прямоугольник 10"/>
+            <p:cNvSpPr/>
+            <p:nvPr/>
+          </p:nvSpPr>
+          <p:spPr>
+            <a:xfrm>
+              <a:off x="3930868" y="1818290"/>
+              <a:ext cx="2102070" cy="735724"/>
+            </a:xfrm>
+            <a:prstGeom prst="rect">
+              <a:avLst/>
+            </a:prstGeom>
+          </p:spPr>
+          <p:style>
+            <a:lnRef idx="2">
+              <a:schemeClr val="accent6"/>
+            </a:lnRef>
+            <a:fillRef idx="1">
+              <a:schemeClr val="lt1"/>
+            </a:fillRef>
+            <a:effectRef idx="0">
+              <a:schemeClr val="accent6"/>
+            </a:effectRef>
+            <a:fontRef idx="minor">
+              <a:schemeClr val="dk1"/>
+            </a:fontRef>
+          </p:style>
+          <p:txBody>
+            <a:bodyPr rtlCol="0" anchor="ctr"/>
+            <a:lstStyle/>
+            <a:p>
+              <a:pPr algn="ctr"/>
+              <a:r>
+                <a:rPr lang="ru-RU" dirty="0" smtClean="0"/>
+                <a:t>Шаблонизатор</a:t>
+              </a:r>
+              <a:endParaRPr lang="en-US" dirty="0"/>
+            </a:p>
+          </p:txBody>
+        </p:sp>
+        <p:sp>
+          <p:nvSpPr>
+            <p:cNvPr id="12" name="Прямоугольник 11"/>
+            <p:cNvSpPr/>
+            <p:nvPr/>
+          </p:nvSpPr>
+          <p:spPr>
+            <a:xfrm>
+              <a:off x="2879834" y="1818290"/>
+              <a:ext cx="935421" cy="735724"/>
+            </a:xfrm>
+            <a:prstGeom prst="rect">
+              <a:avLst/>
+            </a:prstGeom>
+          </p:spPr>
+          <p:style>
+            <a:lnRef idx="1">
+              <a:schemeClr val="accent6"/>
+            </a:lnRef>
+            <a:fillRef idx="2">
+              <a:schemeClr val="accent6"/>
+            </a:fillRef>
+            <a:effectRef idx="1">
+              <a:schemeClr val="accent6"/>
+            </a:effectRef>
+            <a:fontRef idx="minor">
+              <a:schemeClr val="dk1"/>
+            </a:fontRef>
+          </p:style>
+          <p:txBody>
+            <a:bodyPr rtlCol="0" anchor="ctr"/>
+            <a:lstStyle/>
+            <a:p>
+              <a:pPr algn="ctr"/>
+              <a:r>
+                <a:rPr lang="en-US" dirty="0" smtClean="0"/>
+                <a:t>2</a:t>
+              </a:r>
+              <a:endParaRPr lang="en-US" dirty="0"/>
+            </a:p>
+          </p:txBody>
+        </p:sp>
+        <p:cxnSp>
+          <p:nvCxnSpPr>
+            <p:cNvPr id="13" name="Прямая со стрелкой 12"/>
+            <p:cNvCxnSpPr/>
+            <p:nvPr/>
+          </p:nvCxnSpPr>
+          <p:spPr>
+            <a:xfrm>
+              <a:off x="6516414" y="2186152"/>
+              <a:ext cx="1250731" cy="0"/>
+            </a:xfrm>
+            <a:prstGeom prst="straightConnector1">
+              <a:avLst/>
+            </a:prstGeom>
+            <a:ln>
+              <a:tailEnd type="triangle"/>
+            </a:ln>
+          </p:spPr>
+          <p:style>
+            <a:lnRef idx="1">
+              <a:schemeClr val="accent1"/>
+            </a:lnRef>
+            <a:fillRef idx="0">
+              <a:schemeClr val="accent1"/>
+            </a:fillRef>
+            <a:effectRef idx="0">
+              <a:schemeClr val="accent1"/>
+            </a:effectRef>
+            <a:fontRef idx="minor">
+              <a:schemeClr val="tx1"/>
+            </a:fontRef>
+          </p:style>
+        </p:cxnSp>
+        <p:sp>
+          <p:nvSpPr>
+            <p:cNvPr id="14" name="Блок-схема: документ 13"/>
+            <p:cNvSpPr/>
+            <p:nvPr/>
+          </p:nvSpPr>
+          <p:spPr>
+            <a:xfrm>
+              <a:off x="8250621" y="1818290"/>
+              <a:ext cx="2070538" cy="735724"/>
+            </a:xfrm>
+            <a:prstGeom prst="flowChartDocument">
+              <a:avLst/>
+            </a:prstGeom>
+          </p:spPr>
+          <p:style>
+            <a:lnRef idx="2">
+              <a:schemeClr val="accent6"/>
+            </a:lnRef>
+            <a:fillRef idx="1">
+              <a:schemeClr val="lt1"/>
+            </a:fillRef>
+            <a:effectRef idx="0">
+              <a:schemeClr val="accent6"/>
+            </a:effectRef>
+            <a:fontRef idx="minor">
+              <a:schemeClr val="dk1"/>
+            </a:fontRef>
+          </p:style>
+          <p:txBody>
+            <a:bodyPr rtlCol="0" anchor="ctr"/>
+            <a:lstStyle/>
+            <a:p>
+              <a:pPr algn="ctr"/>
+              <a:r>
+                <a:rPr lang="ru-RU" dirty="0" smtClean="0"/>
+                <a:t>Шаблон №2</a:t>
+              </a:r>
+              <a:endParaRPr lang="en-US" dirty="0"/>
+            </a:p>
+          </p:txBody>
+        </p:sp>
+        <p:sp>
+          <p:nvSpPr>
+            <p:cNvPr id="15" name="TextBox 14"/>
+            <p:cNvSpPr txBox="1"/>
+            <p:nvPr/>
+          </p:nvSpPr>
+          <p:spPr>
+            <a:xfrm>
+              <a:off x="6516414" y="1694463"/>
+              <a:ext cx="1208689" cy="523220"/>
+            </a:xfrm>
+            <a:prstGeom prst="rect">
+              <a:avLst/>
+            </a:prstGeom>
+            <a:noFill/>
+          </p:spPr>
+          <p:txBody>
+            <a:bodyPr wrap="square" rtlCol="0">
+              <a:spAutoFit/>
+            </a:bodyPr>
+            <a:lstStyle/>
+            <a:p>
+              <a:r>
+                <a:rPr lang="ru-RU" sz="1400" dirty="0" smtClean="0"/>
+                <a:t>Подготовка шаблона</a:t>
+              </a:r>
+              <a:endParaRPr lang="en-US" sz="1400" dirty="0"/>
+            </a:p>
+          </p:txBody>
+        </p:sp>
+      </p:grpSp>
+      <p:grpSp>
+        <p:nvGrpSpPr>
+          <p:cNvPr id="16" name="Группа 15"/>
+          <p:cNvGrpSpPr/>
+          <p:nvPr/>
+        </p:nvGrpSpPr>
+        <p:grpSpPr>
+          <a:xfrm>
+            <a:off x="2879834" y="4457535"/>
+            <a:ext cx="7441325" cy="859551"/>
+            <a:chOff x="2879834" y="1694463"/>
+            <a:chExt cx="7441325" cy="859551"/>
+          </a:xfrm>
+        </p:grpSpPr>
+        <p:sp>
+          <p:nvSpPr>
+            <p:cNvPr id="17" name="Прямоугольник 16"/>
+            <p:cNvSpPr/>
+            <p:nvPr/>
+          </p:nvSpPr>
+          <p:spPr>
+            <a:xfrm>
+              <a:off x="3930868" y="1818290"/>
+              <a:ext cx="2102070" cy="735724"/>
+            </a:xfrm>
+            <a:prstGeom prst="rect">
+              <a:avLst/>
+            </a:prstGeom>
+          </p:spPr>
+          <p:style>
+            <a:lnRef idx="2">
+              <a:schemeClr val="accent6"/>
+            </a:lnRef>
+            <a:fillRef idx="1">
+              <a:schemeClr val="lt1"/>
+            </a:fillRef>
+            <a:effectRef idx="0">
+              <a:schemeClr val="accent6"/>
+            </a:effectRef>
+            <a:fontRef idx="minor">
+              <a:schemeClr val="dk1"/>
+            </a:fontRef>
+          </p:style>
+          <p:txBody>
+            <a:bodyPr rtlCol="0" anchor="ctr"/>
+            <a:lstStyle/>
+            <a:p>
+              <a:pPr algn="ctr"/>
+              <a:r>
+                <a:rPr lang="ru-RU" dirty="0" smtClean="0"/>
+                <a:t>Шаблонизатор</a:t>
+              </a:r>
+              <a:endParaRPr lang="en-US" dirty="0"/>
+            </a:p>
+          </p:txBody>
+        </p:sp>
+        <p:sp>
+          <p:nvSpPr>
+            <p:cNvPr id="18" name="Прямоугольник 17"/>
+            <p:cNvSpPr/>
+            <p:nvPr/>
+          </p:nvSpPr>
+          <p:spPr>
+            <a:xfrm>
+              <a:off x="2879834" y="1818290"/>
+              <a:ext cx="935421" cy="735724"/>
+            </a:xfrm>
+            <a:prstGeom prst="rect">
+              <a:avLst/>
+            </a:prstGeom>
+          </p:spPr>
+          <p:style>
+            <a:lnRef idx="1">
+              <a:schemeClr val="accent6"/>
+            </a:lnRef>
+            <a:fillRef idx="2">
+              <a:schemeClr val="accent6"/>
+            </a:fillRef>
+            <a:effectRef idx="1">
+              <a:schemeClr val="accent6"/>
+            </a:effectRef>
+            <a:fontRef idx="minor">
+              <a:schemeClr val="dk1"/>
+            </a:fontRef>
+          </p:style>
+          <p:txBody>
+            <a:bodyPr rtlCol="0" anchor="ctr"/>
+            <a:lstStyle/>
+            <a:p>
+              <a:pPr algn="ctr"/>
+              <a:r>
+                <a:rPr lang="en-US" dirty="0" smtClean="0"/>
+                <a:t>N</a:t>
+              </a:r>
+              <a:endParaRPr lang="en-US" dirty="0"/>
+            </a:p>
+          </p:txBody>
+        </p:sp>
+        <p:cxnSp>
+          <p:nvCxnSpPr>
+            <p:cNvPr id="19" name="Прямая со стрелкой 18"/>
+            <p:cNvCxnSpPr/>
+            <p:nvPr/>
+          </p:nvCxnSpPr>
+          <p:spPr>
+            <a:xfrm>
+              <a:off x="6516414" y="2186152"/>
+              <a:ext cx="1250731" cy="0"/>
+            </a:xfrm>
+            <a:prstGeom prst="straightConnector1">
+              <a:avLst/>
+            </a:prstGeom>
+            <a:ln>
+              <a:tailEnd type="triangle"/>
+            </a:ln>
+          </p:spPr>
+          <p:style>
+            <a:lnRef idx="1">
+              <a:schemeClr val="accent1"/>
+            </a:lnRef>
+            <a:fillRef idx="0">
+              <a:schemeClr val="accent1"/>
+            </a:fillRef>
+            <a:effectRef idx="0">
+              <a:schemeClr val="accent1"/>
+            </a:effectRef>
+            <a:fontRef idx="minor">
+              <a:schemeClr val="tx1"/>
+            </a:fontRef>
+          </p:style>
+        </p:cxnSp>
+        <p:sp>
+          <p:nvSpPr>
+            <p:cNvPr id="20" name="Блок-схема: документ 19"/>
+            <p:cNvSpPr/>
+            <p:nvPr/>
+          </p:nvSpPr>
+          <p:spPr>
+            <a:xfrm>
+              <a:off x="8250621" y="1818290"/>
+              <a:ext cx="2070538" cy="735724"/>
+            </a:xfrm>
+            <a:prstGeom prst="flowChartDocument">
+              <a:avLst/>
+            </a:prstGeom>
+          </p:spPr>
+          <p:style>
+            <a:lnRef idx="2">
+              <a:schemeClr val="accent6"/>
+            </a:lnRef>
+            <a:fillRef idx="1">
+              <a:schemeClr val="lt1"/>
+            </a:fillRef>
+            <a:effectRef idx="0">
+              <a:schemeClr val="accent6"/>
+            </a:effectRef>
+            <a:fontRef idx="minor">
+              <a:schemeClr val="dk1"/>
+            </a:fontRef>
+          </p:style>
+          <p:txBody>
+            <a:bodyPr rtlCol="0" anchor="ctr"/>
+            <a:lstStyle/>
+            <a:p>
+              <a:pPr algn="ctr"/>
+              <a:r>
+                <a:rPr lang="ru-RU" dirty="0" smtClean="0"/>
+                <a:t>Шаблон № </a:t>
+              </a:r>
+              <a:r>
+                <a:rPr lang="en-US" dirty="0" smtClean="0"/>
+                <a:t>N</a:t>
+              </a:r>
+              <a:endParaRPr lang="en-US" dirty="0"/>
+            </a:p>
+          </p:txBody>
+        </p:sp>
+        <p:sp>
+          <p:nvSpPr>
+            <p:cNvPr id="21" name="TextBox 20"/>
+            <p:cNvSpPr txBox="1"/>
+            <p:nvPr/>
+          </p:nvSpPr>
+          <p:spPr>
+            <a:xfrm>
+              <a:off x="6516414" y="1694463"/>
+              <a:ext cx="1208689" cy="523220"/>
+            </a:xfrm>
+            <a:prstGeom prst="rect">
+              <a:avLst/>
+            </a:prstGeom>
+            <a:noFill/>
+          </p:spPr>
+          <p:txBody>
+            <a:bodyPr wrap="square" rtlCol="0">
+              <a:spAutoFit/>
+            </a:bodyPr>
+            <a:lstStyle/>
+            <a:p>
+              <a:r>
+                <a:rPr lang="ru-RU" sz="1400" dirty="0" smtClean="0"/>
+                <a:t>Подготовка шаблона</a:t>
+              </a:r>
+              <a:endParaRPr lang="en-US" sz="1400" dirty="0"/>
+            </a:p>
+          </p:txBody>
+        </p:sp>
+      </p:grpSp>
+      <p:sp>
+        <p:nvSpPr>
+          <p:cNvPr id="22" name="TextBox 21"/>
+          <p:cNvSpPr txBox="1"/>
+          <p:nvPr/>
+        </p:nvSpPr>
+        <p:spPr>
+          <a:xfrm>
+            <a:off x="6857999" y="3735280"/>
+            <a:ext cx="567560" cy="584775"/>
+          </a:xfrm>
+          <a:prstGeom prst="rect">
+            <a:avLst/>
+          </a:prstGeom>
+          <a:noFill/>
+        </p:spPr>
+        <p:txBody>
+          <a:bodyPr wrap="square" rtlCol="0">
+            <a:spAutoFit/>
+          </a:bodyPr>
+          <a:lstStyle/>
+          <a:p>
+            <a:r>
+              <a:rPr lang="en-US" sz="3200" dirty="0" smtClean="0"/>
+              <a:t>…</a:t>
+            </a:r>
+            <a:endParaRPr lang="en-US" sz="3200" dirty="0"/>
+          </a:p>
+        </p:txBody>
+      </p:sp>
     </p:spTree>
     <p:extLst>
       <p:ext uri="{BB962C8B-B14F-4D97-AF65-F5344CB8AC3E}">
@@ -8006,6 +8656,439 @@
           </a:p>
         </p:txBody>
       </p:sp>
+      <p:grpSp>
+        <p:nvGrpSpPr>
+          <p:cNvPr id="15" name="Группа 14"/>
+          <p:cNvGrpSpPr/>
+          <p:nvPr/>
+        </p:nvGrpSpPr>
+        <p:grpSpPr>
+          <a:xfrm>
+            <a:off x="2732689" y="1618595"/>
+            <a:ext cx="8387255" cy="3962400"/>
+            <a:chOff x="2196661" y="1849822"/>
+            <a:chExt cx="8387255" cy="3962400"/>
+          </a:xfrm>
+        </p:grpSpPr>
+        <p:sp>
+          <p:nvSpPr>
+            <p:cNvPr id="3" name="Прямоугольник 2"/>
+            <p:cNvSpPr/>
+            <p:nvPr/>
+          </p:nvSpPr>
+          <p:spPr>
+            <a:xfrm>
+              <a:off x="2196661" y="1849822"/>
+              <a:ext cx="8387255" cy="3962400"/>
+            </a:xfrm>
+            <a:prstGeom prst="rect">
+              <a:avLst/>
+            </a:prstGeom>
+            <a:solidFill>
+              <a:schemeClr val="bg2"/>
+            </a:solidFill>
+          </p:spPr>
+          <p:style>
+            <a:lnRef idx="1">
+              <a:schemeClr val="accent5"/>
+            </a:lnRef>
+            <a:fillRef idx="2">
+              <a:schemeClr val="accent5"/>
+            </a:fillRef>
+            <a:effectRef idx="1">
+              <a:schemeClr val="accent5"/>
+            </a:effectRef>
+            <a:fontRef idx="minor">
+              <a:schemeClr val="dk1"/>
+            </a:fontRef>
+          </p:style>
+          <p:txBody>
+            <a:bodyPr rtlCol="0" anchor="ctr"/>
+            <a:lstStyle/>
+            <a:p>
+              <a:pPr algn="ctr"/>
+              <a:endParaRPr lang="en-US"/>
+            </a:p>
+          </p:txBody>
+        </p:sp>
+        <p:sp>
+          <p:nvSpPr>
+            <p:cNvPr id="4" name="Скругленный прямоугольник 3"/>
+            <p:cNvSpPr/>
+            <p:nvPr/>
+          </p:nvSpPr>
+          <p:spPr>
+            <a:xfrm>
+              <a:off x="2412122" y="2102069"/>
+              <a:ext cx="5696608" cy="2112579"/>
+            </a:xfrm>
+            <a:prstGeom prst="roundRect">
+              <a:avLst/>
+            </a:prstGeom>
+          </p:spPr>
+          <p:style>
+            <a:lnRef idx="2">
+              <a:schemeClr val="accent6"/>
+            </a:lnRef>
+            <a:fillRef idx="1">
+              <a:schemeClr val="lt1"/>
+            </a:fillRef>
+            <a:effectRef idx="0">
+              <a:schemeClr val="accent6"/>
+            </a:effectRef>
+            <a:fontRef idx="minor">
+              <a:schemeClr val="dk1"/>
+            </a:fontRef>
+          </p:style>
+          <p:txBody>
+            <a:bodyPr rtlCol="0" anchor="t"/>
+            <a:lstStyle/>
+            <a:p>
+              <a:pPr algn="ctr"/>
+              <a:r>
+                <a:rPr lang="ru-RU" dirty="0" smtClean="0"/>
+                <a:t>Процессор 1</a:t>
+              </a:r>
+            </a:p>
+          </p:txBody>
+        </p:sp>
+        <p:sp>
+          <p:nvSpPr>
+            <p:cNvPr id="8" name="Скругленный прямоугольник 7"/>
+            <p:cNvSpPr/>
+            <p:nvPr/>
+          </p:nvSpPr>
+          <p:spPr>
+            <a:xfrm>
+              <a:off x="8282152" y="2112578"/>
+              <a:ext cx="1975943" cy="2091557"/>
+            </a:xfrm>
+            <a:prstGeom prst="roundRect">
+              <a:avLst/>
+            </a:prstGeom>
+          </p:spPr>
+          <p:style>
+            <a:lnRef idx="2">
+              <a:schemeClr val="accent6"/>
+            </a:lnRef>
+            <a:fillRef idx="1">
+              <a:schemeClr val="lt1"/>
+            </a:fillRef>
+            <a:effectRef idx="0">
+              <a:schemeClr val="accent6"/>
+            </a:effectRef>
+            <a:fontRef idx="minor">
+              <a:schemeClr val="dk1"/>
+            </a:fontRef>
+          </p:style>
+          <p:txBody>
+            <a:bodyPr rtlCol="0" anchor="t"/>
+            <a:lstStyle/>
+            <a:p>
+              <a:pPr algn="ctr"/>
+              <a:r>
+                <a:rPr lang="ru-RU" dirty="0"/>
+                <a:t>Процессор </a:t>
+              </a:r>
+              <a:r>
+                <a:rPr lang="ru-RU" dirty="0" smtClean="0"/>
+                <a:t>2</a:t>
+              </a:r>
+              <a:endParaRPr lang="en-US" dirty="0"/>
+            </a:p>
+          </p:txBody>
+        </p:sp>
+        <p:sp>
+          <p:nvSpPr>
+            <p:cNvPr id="9" name="Скругленный прямоугольник 8"/>
+            <p:cNvSpPr/>
+            <p:nvPr/>
+          </p:nvSpPr>
+          <p:spPr>
+            <a:xfrm>
+              <a:off x="2427889" y="4466895"/>
+              <a:ext cx="3867806" cy="1082568"/>
+            </a:xfrm>
+            <a:prstGeom prst="roundRect">
+              <a:avLst/>
+            </a:prstGeom>
+          </p:spPr>
+          <p:style>
+            <a:lnRef idx="2">
+              <a:schemeClr val="accent6"/>
+            </a:lnRef>
+            <a:fillRef idx="1">
+              <a:schemeClr val="lt1"/>
+            </a:fillRef>
+            <a:effectRef idx="0">
+              <a:schemeClr val="accent6"/>
+            </a:effectRef>
+            <a:fontRef idx="minor">
+              <a:schemeClr val="dk1"/>
+            </a:fontRef>
+          </p:style>
+          <p:txBody>
+            <a:bodyPr rtlCol="0" anchor="t"/>
+            <a:lstStyle/>
+            <a:p>
+              <a:pPr algn="ctr"/>
+              <a:r>
+                <a:rPr lang="ru-RU" dirty="0"/>
+                <a:t>Процессор </a:t>
+              </a:r>
+              <a:r>
+                <a:rPr lang="ru-RU" dirty="0" smtClean="0"/>
+                <a:t>3</a:t>
+              </a:r>
+              <a:endParaRPr lang="en-US" dirty="0"/>
+            </a:p>
+          </p:txBody>
+        </p:sp>
+        <p:sp>
+          <p:nvSpPr>
+            <p:cNvPr id="10" name="Скругленный прямоугольник 9"/>
+            <p:cNvSpPr/>
+            <p:nvPr/>
+          </p:nvSpPr>
+          <p:spPr>
+            <a:xfrm>
+              <a:off x="6526924" y="4466895"/>
+              <a:ext cx="3731172" cy="1082568"/>
+            </a:xfrm>
+            <a:prstGeom prst="roundRect">
+              <a:avLst/>
+            </a:prstGeom>
+          </p:spPr>
+          <p:style>
+            <a:lnRef idx="2">
+              <a:schemeClr val="accent6"/>
+            </a:lnRef>
+            <a:fillRef idx="1">
+              <a:schemeClr val="lt1"/>
+            </a:fillRef>
+            <a:effectRef idx="0">
+              <a:schemeClr val="accent6"/>
+            </a:effectRef>
+            <a:fontRef idx="minor">
+              <a:schemeClr val="dk1"/>
+            </a:fontRef>
+          </p:style>
+          <p:txBody>
+            <a:bodyPr rtlCol="0" anchor="t"/>
+            <a:lstStyle/>
+            <a:p>
+              <a:pPr algn="ctr"/>
+              <a:r>
+                <a:rPr lang="ru-RU" dirty="0"/>
+                <a:t>Процессор 4</a:t>
+              </a:r>
+              <a:endParaRPr lang="en-US" dirty="0"/>
+            </a:p>
+          </p:txBody>
+        </p:sp>
+        <p:sp>
+          <p:nvSpPr>
+            <p:cNvPr id="11" name="Блок-схема: альтернативный процесс 10"/>
+            <p:cNvSpPr/>
+            <p:nvPr/>
+          </p:nvSpPr>
+          <p:spPr>
+            <a:xfrm>
+              <a:off x="2822026" y="2690647"/>
+              <a:ext cx="3799490" cy="1282263"/>
+            </a:xfrm>
+            <a:prstGeom prst="flowChartAlternateProcess">
+              <a:avLst/>
+            </a:prstGeom>
+          </p:spPr>
+          <p:style>
+            <a:lnRef idx="1">
+              <a:schemeClr val="accent4"/>
+            </a:lnRef>
+            <a:fillRef idx="2">
+              <a:schemeClr val="accent4"/>
+            </a:fillRef>
+            <a:effectRef idx="1">
+              <a:schemeClr val="accent4"/>
+            </a:effectRef>
+            <a:fontRef idx="minor">
+              <a:schemeClr val="dk1"/>
+            </a:fontRef>
+          </p:style>
+          <p:txBody>
+            <a:bodyPr rtlCol="0" anchor="ctr"/>
+            <a:lstStyle/>
+            <a:p>
+              <a:pPr marL="342900" indent="-342900">
+                <a:buFont typeface="+mj-lt"/>
+                <a:buAutoNum type="arabicPeriod"/>
+              </a:pPr>
+              <a:r>
+                <a:rPr lang="ru-RU" dirty="0"/>
+                <a:t>Загрузка шаблона</a:t>
+              </a:r>
+            </a:p>
+            <a:p>
+              <a:pPr marL="342900" indent="-342900">
+                <a:buFont typeface="+mj-lt"/>
+                <a:buAutoNum type="arabicPeriod"/>
+              </a:pPr>
+              <a:r>
+                <a:rPr lang="ru-RU" dirty="0" smtClean="0"/>
+                <a:t>Лексический анализ</a:t>
+              </a:r>
+            </a:p>
+            <a:p>
+              <a:pPr marL="342900" indent="-342900">
+                <a:buFont typeface="+mj-lt"/>
+                <a:buAutoNum type="arabicPeriod"/>
+              </a:pPr>
+              <a:r>
+                <a:rPr lang="ru-RU" dirty="0" smtClean="0"/>
+                <a:t>Синтаксический </a:t>
+              </a:r>
+              <a:r>
+                <a:rPr lang="ru-RU" dirty="0"/>
+                <a:t>анализ</a:t>
+              </a:r>
+            </a:p>
+            <a:p>
+              <a:pPr marL="342900" indent="-342900">
+                <a:buFont typeface="+mj-lt"/>
+                <a:buAutoNum type="arabicPeriod"/>
+              </a:pPr>
+              <a:r>
+                <a:rPr lang="ru-RU" dirty="0"/>
+                <a:t>Генерация веб-документа</a:t>
+              </a:r>
+              <a:endParaRPr lang="en-US" dirty="0"/>
+            </a:p>
+          </p:txBody>
+        </p:sp>
+        <p:sp>
+          <p:nvSpPr>
+            <p:cNvPr id="12" name="Блок-схема: альтернативный процесс 11"/>
+            <p:cNvSpPr/>
+            <p:nvPr/>
+          </p:nvSpPr>
+          <p:spPr>
+            <a:xfrm>
+              <a:off x="3145219" y="4987158"/>
+              <a:ext cx="2667001" cy="378373"/>
+            </a:xfrm>
+            <a:prstGeom prst="flowChartAlternateProcess">
+              <a:avLst/>
+            </a:prstGeom>
+          </p:spPr>
+          <p:style>
+            <a:lnRef idx="1">
+              <a:schemeClr val="accent4"/>
+            </a:lnRef>
+            <a:fillRef idx="2">
+              <a:schemeClr val="accent4"/>
+            </a:fillRef>
+            <a:effectRef idx="1">
+              <a:schemeClr val="accent4"/>
+            </a:effectRef>
+            <a:fontRef idx="minor">
+              <a:schemeClr val="dk1"/>
+            </a:fontRef>
+          </p:style>
+          <p:txBody>
+            <a:bodyPr rtlCol="0" anchor="ctr"/>
+            <a:lstStyle/>
+            <a:p>
+              <a:r>
+                <a:rPr lang="ru-RU" dirty="0" smtClean="0"/>
+                <a:t>Ожидаю задач …</a:t>
+              </a:r>
+              <a:endParaRPr lang="en-US" dirty="0"/>
+            </a:p>
+          </p:txBody>
+        </p:sp>
+        <p:sp>
+          <p:nvSpPr>
+            <p:cNvPr id="13" name="Блок-схема: альтернативный процесс 12"/>
+            <p:cNvSpPr/>
+            <p:nvPr/>
+          </p:nvSpPr>
+          <p:spPr>
+            <a:xfrm>
+              <a:off x="7165426" y="4987157"/>
+              <a:ext cx="2667001" cy="378373"/>
+            </a:xfrm>
+            <a:prstGeom prst="flowChartAlternateProcess">
+              <a:avLst/>
+            </a:prstGeom>
+          </p:spPr>
+          <p:style>
+            <a:lnRef idx="1">
+              <a:schemeClr val="accent4"/>
+            </a:lnRef>
+            <a:fillRef idx="2">
+              <a:schemeClr val="accent4"/>
+            </a:fillRef>
+            <a:effectRef idx="1">
+              <a:schemeClr val="accent4"/>
+            </a:effectRef>
+            <a:fontRef idx="minor">
+              <a:schemeClr val="dk1"/>
+            </a:fontRef>
+          </p:style>
+          <p:txBody>
+            <a:bodyPr rtlCol="0" anchor="ctr"/>
+            <a:lstStyle/>
+            <a:p>
+              <a:r>
+                <a:rPr lang="ru-RU" dirty="0" smtClean="0"/>
+                <a:t>Ожидаю задач …</a:t>
+              </a:r>
+              <a:endParaRPr lang="en-US" dirty="0"/>
+            </a:p>
+          </p:txBody>
+        </p:sp>
+        <p:sp>
+          <p:nvSpPr>
+            <p:cNvPr id="14" name="Блок-схема: альтернативный процесс 13"/>
+            <p:cNvSpPr/>
+            <p:nvPr/>
+          </p:nvSpPr>
+          <p:spPr>
+            <a:xfrm>
+              <a:off x="9038895" y="2953405"/>
+              <a:ext cx="462455" cy="378373"/>
+            </a:xfrm>
+            <a:prstGeom prst="flowChartAlternateProcess">
+              <a:avLst/>
+            </a:prstGeom>
+          </p:spPr>
+          <p:style>
+            <a:lnRef idx="1">
+              <a:schemeClr val="accent4"/>
+            </a:lnRef>
+            <a:fillRef idx="2">
+              <a:schemeClr val="accent4"/>
+            </a:fillRef>
+            <a:effectRef idx="1">
+              <a:schemeClr val="accent4"/>
+            </a:effectRef>
+            <a:fontRef idx="minor">
+              <a:schemeClr val="dk1"/>
+            </a:fontRef>
+          </p:style>
+          <p:txBody>
+            <a:bodyPr rtlCol="0" anchor="ctr"/>
+            <a:lstStyle/>
+            <a:p>
+              <a:r>
+                <a:rPr lang="ru-RU" dirty="0" smtClean="0"/>
+                <a:t>…</a:t>
+              </a:r>
+              <a:endParaRPr lang="en-US" dirty="0"/>
+            </a:p>
+          </p:txBody>
+        </p:sp>
+      </p:grpSp>
     </p:spTree>
     <p:extLst>
       <p:ext uri="{BB962C8B-B14F-4D97-AF65-F5344CB8AC3E}">
@@ -8023,6 +9106,244 @@
       </p:par>
     </p:tnLst>
   </p:timing>
+</p:sld>
+</file>
+
+<file path=ppt/slides/slide12.xml><?xml version="1.0" encoding="utf-8"?>
+<p:sld xmlns:a="http://schemas.openxmlformats.org/drawingml/2006/main" xmlns:r="http://schemas.openxmlformats.org/officeDocument/2006/relationships" xmlns:p="http://schemas.openxmlformats.org/presentationml/2006/main">
+  <p:cSld>
+    <p:spTree>
+      <p:nvGrpSpPr>
+        <p:cNvPr id="1" name=""/>
+        <p:cNvGrpSpPr/>
+        <p:nvPr/>
+      </p:nvGrpSpPr>
+      <p:grpSpPr>
+        <a:xfrm>
+          <a:off x="0" y="0"/>
+          <a:ext cx="0" cy="0"/>
+          <a:chOff x="0" y="0"/>
+          <a:chExt cx="0" cy="0"/>
+        </a:xfrm>
+      </p:grpSpPr>
+      <p:sp>
+        <p:nvSpPr>
+          <p:cNvPr id="2" name="Заголовок 1"/>
+          <p:cNvSpPr>
+            <a:spLocks noGrp="1"/>
+          </p:cNvSpPr>
+          <p:nvPr>
+            <p:ph type="title"/>
+          </p:nvPr>
+        </p:nvSpPr>
+        <p:spPr>
+          <a:xfrm>
+            <a:off x="2592924" y="708194"/>
+            <a:ext cx="8911687" cy="553048"/>
+          </a:xfrm>
+        </p:spPr>
+        <p:txBody>
+          <a:bodyPr>
+            <a:normAutofit fontScale="90000"/>
+          </a:bodyPr>
+          <a:lstStyle/>
+          <a:p>
+            <a:r>
+              <a:rPr lang="en-US" dirty="0" err="1" smtClean="0"/>
+              <a:t>RESTFul</a:t>
+            </a:r>
+            <a:r>
+              <a:rPr lang="en-US" dirty="0" smtClean="0"/>
+              <a:t> </a:t>
+            </a:r>
+            <a:r>
+              <a:rPr lang="ru-RU" dirty="0" smtClean="0"/>
+              <a:t>веб-сервис шаблонизации</a:t>
+            </a:r>
+            <a:endParaRPr lang="en-US" dirty="0"/>
+          </a:p>
+        </p:txBody>
+      </p:sp>
+    </p:spTree>
+    <p:extLst>
+      <p:ext uri="{BB962C8B-B14F-4D97-AF65-F5344CB8AC3E}">
+        <p14:creationId xmlns:p14="http://schemas.microsoft.com/office/powerpoint/2010/main" val="4193538942"/>
+      </p:ext>
+    </p:extLst>
+  </p:cSld>
+  <p:clrMapOvr>
+    <a:masterClrMapping/>
+  </p:clrMapOvr>
+</p:sld>
+</file>
+
+<file path=ppt/slides/slide13.xml><?xml version="1.0" encoding="utf-8"?>
+<p:sld xmlns:a="http://schemas.openxmlformats.org/drawingml/2006/main" xmlns:r="http://schemas.openxmlformats.org/officeDocument/2006/relationships" xmlns:p="http://schemas.openxmlformats.org/presentationml/2006/main">
+  <p:cSld>
+    <p:spTree>
+      <p:nvGrpSpPr>
+        <p:cNvPr id="1" name=""/>
+        <p:cNvGrpSpPr/>
+        <p:nvPr/>
+      </p:nvGrpSpPr>
+      <p:grpSpPr>
+        <a:xfrm>
+          <a:off x="0" y="0"/>
+          <a:ext cx="0" cy="0"/>
+          <a:chOff x="0" y="0"/>
+          <a:chExt cx="0" cy="0"/>
+        </a:xfrm>
+      </p:grpSpPr>
+      <p:sp>
+        <p:nvSpPr>
+          <p:cNvPr id="2" name="Заголовок 1"/>
+          <p:cNvSpPr>
+            <a:spLocks noGrp="1"/>
+          </p:cNvSpPr>
+          <p:nvPr>
+            <p:ph type="title"/>
+          </p:nvPr>
+        </p:nvSpPr>
+        <p:spPr>
+          <a:xfrm>
+            <a:off x="2592924" y="624110"/>
+            <a:ext cx="8911687" cy="721214"/>
+          </a:xfrm>
+        </p:spPr>
+        <p:txBody>
+          <a:bodyPr/>
+          <a:lstStyle/>
+          <a:p>
+            <a:r>
+              <a:rPr lang="ru-RU" dirty="0" smtClean="0"/>
+              <a:t>Модель работы веб-сервиса</a:t>
+            </a:r>
+            <a:endParaRPr lang="en-US" dirty="0"/>
+          </a:p>
+        </p:txBody>
+      </p:sp>
+    </p:spTree>
+    <p:extLst>
+      <p:ext uri="{BB962C8B-B14F-4D97-AF65-F5344CB8AC3E}">
+        <p14:creationId xmlns:p14="http://schemas.microsoft.com/office/powerpoint/2010/main" val="811162513"/>
+      </p:ext>
+    </p:extLst>
+  </p:cSld>
+  <p:clrMapOvr>
+    <a:masterClrMapping/>
+  </p:clrMapOvr>
+</p:sld>
+</file>
+
+<file path=ppt/slides/slide14.xml><?xml version="1.0" encoding="utf-8"?>
+<p:sld xmlns:a="http://schemas.openxmlformats.org/drawingml/2006/main" xmlns:r="http://schemas.openxmlformats.org/officeDocument/2006/relationships" xmlns:p="http://schemas.openxmlformats.org/presentationml/2006/main">
+  <p:cSld>
+    <p:spTree>
+      <p:nvGrpSpPr>
+        <p:cNvPr id="1" name=""/>
+        <p:cNvGrpSpPr/>
+        <p:nvPr/>
+      </p:nvGrpSpPr>
+      <p:grpSpPr>
+        <a:xfrm>
+          <a:off x="0" y="0"/>
+          <a:ext cx="0" cy="0"/>
+          <a:chOff x="0" y="0"/>
+          <a:chExt cx="0" cy="0"/>
+        </a:xfrm>
+      </p:grpSpPr>
+      <p:sp>
+        <p:nvSpPr>
+          <p:cNvPr id="2" name="Заголовок 1"/>
+          <p:cNvSpPr>
+            <a:spLocks noGrp="1"/>
+          </p:cNvSpPr>
+          <p:nvPr>
+            <p:ph type="title"/>
+          </p:nvPr>
+        </p:nvSpPr>
+        <p:spPr>
+          <a:xfrm>
+            <a:off x="2592924" y="624110"/>
+            <a:ext cx="8911687" cy="700193"/>
+          </a:xfrm>
+        </p:spPr>
+        <p:txBody>
+          <a:bodyPr/>
+          <a:lstStyle/>
+          <a:p>
+            <a:r>
+              <a:rPr lang="ru-RU" dirty="0" smtClean="0"/>
+              <a:t>Выбор технологий для разработки</a:t>
+            </a:r>
+            <a:endParaRPr lang="en-US" dirty="0"/>
+          </a:p>
+        </p:txBody>
+      </p:sp>
+    </p:spTree>
+    <p:extLst>
+      <p:ext uri="{BB962C8B-B14F-4D97-AF65-F5344CB8AC3E}">
+        <p14:creationId xmlns:p14="http://schemas.microsoft.com/office/powerpoint/2010/main" val="4053716737"/>
+      </p:ext>
+    </p:extLst>
+  </p:cSld>
+  <p:clrMapOvr>
+    <a:masterClrMapping/>
+  </p:clrMapOvr>
+</p:sld>
+</file>
+
+<file path=ppt/slides/slide15.xml><?xml version="1.0" encoding="utf-8"?>
+<p:sld xmlns:a="http://schemas.openxmlformats.org/drawingml/2006/main" xmlns:r="http://schemas.openxmlformats.org/officeDocument/2006/relationships" xmlns:p="http://schemas.openxmlformats.org/presentationml/2006/main">
+  <p:cSld>
+    <p:spTree>
+      <p:nvGrpSpPr>
+        <p:cNvPr id="1" name=""/>
+        <p:cNvGrpSpPr/>
+        <p:nvPr/>
+      </p:nvGrpSpPr>
+      <p:grpSpPr>
+        <a:xfrm>
+          <a:off x="0" y="0"/>
+          <a:ext cx="0" cy="0"/>
+          <a:chOff x="0" y="0"/>
+          <a:chExt cx="0" cy="0"/>
+        </a:xfrm>
+      </p:grpSpPr>
+      <p:sp>
+        <p:nvSpPr>
+          <p:cNvPr id="2" name="Заголовок 1"/>
+          <p:cNvSpPr>
+            <a:spLocks noGrp="1"/>
+          </p:cNvSpPr>
+          <p:nvPr>
+            <p:ph type="title"/>
+          </p:nvPr>
+        </p:nvSpPr>
+        <p:spPr>
+          <a:xfrm>
+            <a:off x="2592924" y="624110"/>
+            <a:ext cx="8911687" cy="742235"/>
+          </a:xfrm>
+        </p:spPr>
+        <p:txBody>
+          <a:bodyPr/>
+          <a:lstStyle/>
+          <a:p>
+            <a:endParaRPr lang="en-US" dirty="0"/>
+          </a:p>
+        </p:txBody>
+      </p:sp>
+    </p:spTree>
+    <p:extLst>
+      <p:ext uri="{BB962C8B-B14F-4D97-AF65-F5344CB8AC3E}">
+        <p14:creationId xmlns:p14="http://schemas.microsoft.com/office/powerpoint/2010/main" val="3422903208"/>
+      </p:ext>
+    </p:extLst>
+  </p:cSld>
+  <p:clrMapOvr>
+    <a:masterClrMapping/>
+  </p:clrMapOvr>
 </p:sld>
 </file>
 
@@ -9127,8 +10448,8 @@
         </p:blipFill>
         <p:spPr>
           <a:xfrm>
-            <a:off x="2688184" y="1345324"/>
-            <a:ext cx="6962775" cy="5153025"/>
+            <a:off x="3245232" y="1502980"/>
+            <a:ext cx="6865719" cy="4687614"/>
           </a:xfrm>
           <a:prstGeom prst="rect">
             <a:avLst/>

--- a/docs/Презентация ВКР.pptx
+++ b/docs/Презентация ВКР.pptx
@@ -20,6 +20,10 @@
     <p:sldId id="268" r:id="rId14"/>
     <p:sldId id="269" r:id="rId15"/>
     <p:sldId id="270" r:id="rId16"/>
+    <p:sldId id="271" r:id="rId17"/>
+    <p:sldId id="274" r:id="rId18"/>
+    <p:sldId id="273" r:id="rId19"/>
+    <p:sldId id="272" r:id="rId20"/>
   </p:sldIdLst>
   <p:sldSz cx="12192000" cy="6858000"/>
   <p:notesSz cx="6858000" cy="9144000"/>
@@ -314,7 +318,7 @@
           <a:p>
             <a:fld id="{8A5229FB-8832-4A27-994F-F3EDC38C3527}" type="datetimeFigureOut">
               <a:rPr lang="en-US" smtClean="0"/>
-              <a:t>3/26/2020</a:t>
+              <a:t>4/4/2020</a:t>
             </a:fld>
             <a:endParaRPr lang="en-US"/>
           </a:p>
@@ -652,7 +656,7 @@
           <a:p>
             <a:fld id="{8A5229FB-8832-4A27-994F-F3EDC38C3527}" type="datetimeFigureOut">
               <a:rPr lang="en-US" smtClean="0"/>
-              <a:t>3/26/2020</a:t>
+              <a:t>4/4/2020</a:t>
             </a:fld>
             <a:endParaRPr lang="en-US"/>
           </a:p>
@@ -1053,7 +1057,7 @@
           <a:p>
             <a:fld id="{8A5229FB-8832-4A27-994F-F3EDC38C3527}" type="datetimeFigureOut">
               <a:rPr lang="en-US" smtClean="0"/>
-              <a:t>3/26/2020</a:t>
+              <a:t>4/4/2020</a:t>
             </a:fld>
             <a:endParaRPr lang="en-US"/>
           </a:p>
@@ -1389,7 +1393,7 @@
           <a:p>
             <a:fld id="{8A5229FB-8832-4A27-994F-F3EDC38C3527}" type="datetimeFigureOut">
               <a:rPr lang="en-US" smtClean="0"/>
-              <a:t>3/26/2020</a:t>
+              <a:t>4/4/2020</a:t>
             </a:fld>
             <a:endParaRPr lang="en-US"/>
           </a:p>
@@ -1709,7 +1713,7 @@
           <a:p>
             <a:fld id="{8A5229FB-8832-4A27-994F-F3EDC38C3527}" type="datetimeFigureOut">
               <a:rPr lang="en-US" smtClean="0"/>
-              <a:t>3/26/2020</a:t>
+              <a:t>4/4/2020</a:t>
             </a:fld>
             <a:endParaRPr lang="en-US"/>
           </a:p>
@@ -2105,7 +2109,7 @@
           <a:p>
             <a:fld id="{8A5229FB-8832-4A27-994F-F3EDC38C3527}" type="datetimeFigureOut">
               <a:rPr lang="en-US" smtClean="0"/>
-              <a:t>3/26/2020</a:t>
+              <a:t>4/4/2020</a:t>
             </a:fld>
             <a:endParaRPr lang="en-US"/>
           </a:p>
@@ -2362,7 +2366,7 @@
           <a:p>
             <a:fld id="{8A5229FB-8832-4A27-994F-F3EDC38C3527}" type="datetimeFigureOut">
               <a:rPr lang="en-US" smtClean="0"/>
-              <a:t>3/26/2020</a:t>
+              <a:t>4/4/2020</a:t>
             </a:fld>
             <a:endParaRPr lang="en-US"/>
           </a:p>
@@ -2624,7 +2628,7 @@
           <a:p>
             <a:fld id="{8A5229FB-8832-4A27-994F-F3EDC38C3527}" type="datetimeFigureOut">
               <a:rPr lang="en-US" smtClean="0"/>
-              <a:t>3/26/2020</a:t>
+              <a:t>4/4/2020</a:t>
             </a:fld>
             <a:endParaRPr lang="en-US"/>
           </a:p>
@@ -2886,7 +2890,7 @@
           <a:p>
             <a:fld id="{8A5229FB-8832-4A27-994F-F3EDC38C3527}" type="datetimeFigureOut">
               <a:rPr lang="en-US" smtClean="0"/>
-              <a:t>3/26/2020</a:t>
+              <a:t>4/4/2020</a:t>
             </a:fld>
             <a:endParaRPr lang="en-US"/>
           </a:p>
@@ -3215,7 +3219,7 @@
           <a:p>
             <a:fld id="{8A5229FB-8832-4A27-994F-F3EDC38C3527}" type="datetimeFigureOut">
               <a:rPr lang="en-US" smtClean="0"/>
-              <a:t>3/26/2020</a:t>
+              <a:t>4/4/2020</a:t>
             </a:fld>
             <a:endParaRPr lang="en-US"/>
           </a:p>
@@ -3538,7 +3542,7 @@
           <a:p>
             <a:fld id="{8A5229FB-8832-4A27-994F-F3EDC38C3527}" type="datetimeFigureOut">
               <a:rPr lang="en-US" smtClean="0"/>
-              <a:t>3/26/2020</a:t>
+              <a:t>4/4/2020</a:t>
             </a:fld>
             <a:endParaRPr lang="en-US"/>
           </a:p>
@@ -3995,7 +3999,7 @@
           <a:p>
             <a:fld id="{8A5229FB-8832-4A27-994F-F3EDC38C3527}" type="datetimeFigureOut">
               <a:rPr lang="en-US" smtClean="0"/>
-              <a:t>3/26/2020</a:t>
+              <a:t>4/4/2020</a:t>
             </a:fld>
             <a:endParaRPr lang="en-US"/>
           </a:p>
@@ -4200,7 +4204,7 @@
           <a:p>
             <a:fld id="{8A5229FB-8832-4A27-994F-F3EDC38C3527}" type="datetimeFigureOut">
               <a:rPr lang="en-US" smtClean="0"/>
-              <a:t>3/26/2020</a:t>
+              <a:t>4/4/2020</a:t>
             </a:fld>
             <a:endParaRPr lang="en-US"/>
           </a:p>
@@ -4377,7 +4381,7 @@
           <a:p>
             <a:fld id="{8A5229FB-8832-4A27-994F-F3EDC38C3527}" type="datetimeFigureOut">
               <a:rPr lang="en-US" smtClean="0"/>
-              <a:t>3/26/2020</a:t>
+              <a:t>4/4/2020</a:t>
             </a:fld>
             <a:endParaRPr lang="en-US"/>
           </a:p>
@@ -4710,7 +4714,7 @@
           <a:p>
             <a:fld id="{8A5229FB-8832-4A27-994F-F3EDC38C3527}" type="datetimeFigureOut">
               <a:rPr lang="en-US" smtClean="0"/>
-              <a:t>3/26/2020</a:t>
+              <a:t>4/4/2020</a:t>
             </a:fld>
             <a:endParaRPr lang="en-US"/>
           </a:p>
@@ -5055,7 +5059,7 @@
           <a:p>
             <a:fld id="{8A5229FB-8832-4A27-994F-F3EDC38C3527}" type="datetimeFigureOut">
               <a:rPr lang="en-US" smtClean="0"/>
-              <a:t>3/26/2020</a:t>
+              <a:t>4/4/2020</a:t>
             </a:fld>
             <a:endParaRPr lang="en-US"/>
           </a:p>
@@ -7172,7 +7176,7 @@
           <a:p>
             <a:fld id="{8A5229FB-8832-4A27-994F-F3EDC38C3527}" type="datetimeFigureOut">
               <a:rPr lang="en-US" smtClean="0"/>
-              <a:t>3/26/2020</a:t>
+              <a:t>4/4/2020</a:t>
             </a:fld>
             <a:endParaRPr lang="en-US"/>
           </a:p>
@@ -9136,15 +9140,10 @@
             <p:ph type="title"/>
           </p:nvPr>
         </p:nvSpPr>
-        <p:spPr>
-          <a:xfrm>
-            <a:off x="2592924" y="708194"/>
-            <a:ext cx="8911687" cy="553048"/>
-          </a:xfrm>
-        </p:spPr>
+        <p:spPr/>
         <p:txBody>
           <a:bodyPr>
-            <a:normAutofit fontScale="90000"/>
+            <a:normAutofit/>
           </a:bodyPr>
           <a:lstStyle/>
           <a:p>
@@ -9161,6 +9160,147 @@
               <a:t>веб-сервис шаблонизации</a:t>
             </a:r>
             <a:endParaRPr lang="en-US" dirty="0"/>
+          </a:p>
+        </p:txBody>
+      </p:sp>
+      <p:sp>
+        <p:nvSpPr>
+          <p:cNvPr id="3" name="Объект 2"/>
+          <p:cNvSpPr>
+            <a:spLocks noGrp="1"/>
+          </p:cNvSpPr>
+          <p:nvPr>
+            <p:ph idx="1"/>
+          </p:nvPr>
+        </p:nvSpPr>
+        <p:spPr>
+          <a:xfrm>
+            <a:off x="2589212" y="1639612"/>
+            <a:ext cx="8915400" cy="4277711"/>
+          </a:xfrm>
+        </p:spPr>
+        <p:txBody>
+          <a:bodyPr/>
+          <a:lstStyle/>
+          <a:p>
+            <a:pPr marL="0" indent="0" algn="just">
+              <a:buNone/>
+            </a:pPr>
+            <a:r>
+              <a:rPr lang="en-US" sz="2000" b="1" dirty="0" smtClean="0"/>
+              <a:t>REST</a:t>
+            </a:r>
+            <a:r>
+              <a:rPr lang="en-US" sz="2000" dirty="0" smtClean="0"/>
+              <a:t> – </a:t>
+            </a:r>
+            <a:r>
+              <a:rPr lang="ru-RU" sz="2000" dirty="0" smtClean="0"/>
+              <a:t>архитектурный </a:t>
+            </a:r>
+            <a:r>
+              <a:rPr lang="ru-RU" sz="2000" dirty="0"/>
+              <a:t>стиль взаимодействия компонентов распределённого приложения в сети. REST представляет собой согласованный набор ограничений, учитываемых при проектировании </a:t>
+            </a:r>
+            <a:r>
+              <a:rPr lang="ru-RU" sz="2000" dirty="0" smtClean="0"/>
+              <a:t>распределённой</a:t>
+            </a:r>
+            <a:r>
+              <a:rPr lang="en-US" sz="2000" dirty="0" smtClean="0"/>
+              <a:t> </a:t>
+            </a:r>
+            <a:r>
+              <a:rPr lang="ru-RU" sz="2000" dirty="0" smtClean="0"/>
+              <a:t>информационной системы. Веб-сервисы удовлетворяющие данным ограничениям называются </a:t>
+            </a:r>
+            <a:r>
+              <a:rPr lang="en-US" sz="2000" dirty="0" err="1" smtClean="0"/>
+              <a:t>RESTFul</a:t>
+            </a:r>
+            <a:r>
+              <a:rPr lang="en-US" sz="2000" dirty="0"/>
+              <a:t> </a:t>
+            </a:r>
+            <a:r>
+              <a:rPr lang="ru-RU" sz="2000" dirty="0" smtClean="0"/>
+              <a:t>сервисами</a:t>
+            </a:r>
+            <a:r>
+              <a:rPr lang="ru-RU" dirty="0" smtClean="0"/>
+              <a:t>.</a:t>
+            </a:r>
+          </a:p>
+          <a:p>
+            <a:pPr marL="0" indent="0" algn="just">
+              <a:buNone/>
+            </a:pPr>
+            <a:r>
+              <a:rPr lang="ru-RU" b="1" dirty="0" smtClean="0"/>
+              <a:t>Преимущества </a:t>
+            </a:r>
+            <a:r>
+              <a:rPr lang="en-US" b="1" dirty="0" smtClean="0"/>
+              <a:t>REST:</a:t>
+            </a:r>
+          </a:p>
+          <a:p>
+            <a:pPr algn="just">
+              <a:buFont typeface="Wingdings" panose="05000000000000000000" pitchFamily="2" charset="2"/>
+              <a:buChar char="ü"/>
+            </a:pPr>
+            <a:r>
+              <a:rPr lang="ru-RU" dirty="0" smtClean="0"/>
+              <a:t>Использование стандартизованного протокола </a:t>
+            </a:r>
+            <a:r>
+              <a:rPr lang="en-US" dirty="0" smtClean="0"/>
+              <a:t>HTTP</a:t>
+            </a:r>
+          </a:p>
+          <a:p>
+            <a:pPr algn="just">
+              <a:buFont typeface="Wingdings" panose="05000000000000000000" pitchFamily="2" charset="2"/>
+              <a:buChar char="ü"/>
+            </a:pPr>
+            <a:r>
+              <a:rPr lang="ru-RU" dirty="0" smtClean="0"/>
+              <a:t>Клиент-серверная архитектура</a:t>
+            </a:r>
+          </a:p>
+          <a:p>
+            <a:pPr algn="just">
+              <a:buFont typeface="Wingdings" panose="05000000000000000000" pitchFamily="2" charset="2"/>
+              <a:buChar char="ü"/>
+            </a:pPr>
+            <a:r>
+              <a:rPr lang="ru-RU" dirty="0" smtClean="0"/>
+              <a:t>Простота масштабирования</a:t>
+            </a:r>
+          </a:p>
+          <a:p>
+            <a:pPr algn="just">
+              <a:buFont typeface="Wingdings" panose="05000000000000000000" pitchFamily="2" charset="2"/>
+              <a:buChar char="ü"/>
+            </a:pPr>
+            <a:r>
+              <a:rPr lang="ru-RU" dirty="0" smtClean="0"/>
+              <a:t>Наличие унифицированного интерфейса для всех возможностей сервиса</a:t>
+            </a:r>
+            <a:endParaRPr lang="en-US" dirty="0" smtClean="0"/>
+          </a:p>
+          <a:p>
+            <a:pPr algn="just">
+              <a:buFont typeface="Wingdings" panose="05000000000000000000" pitchFamily="2" charset="2"/>
+              <a:buChar char="ü"/>
+            </a:pPr>
+            <a:endParaRPr lang="ru-RU" b="1" dirty="0"/>
+          </a:p>
+          <a:p>
+            <a:pPr marL="0" indent="0" algn="just">
+              <a:buNone/>
+            </a:pPr>
+            <a:endParaRPr lang="ru-RU" dirty="0" smtClean="0"/>
           </a:p>
         </p:txBody>
       </p:sp>
@@ -9222,6 +9362,955 @@
           </a:p>
         </p:txBody>
       </p:sp>
+      <p:pic>
+        <p:nvPicPr>
+          <p:cNvPr id="5" name="Рисунок 4"/>
+          <p:cNvPicPr>
+            <a:picLocks noChangeAspect="1"/>
+          </p:cNvPicPr>
+          <p:nvPr/>
+        </p:nvPicPr>
+        <p:blipFill>
+          <a:blip r:embed="rId2" cstate="print">
+            <a:extLst>
+              <a:ext uri="{28A0092B-C50C-407E-A947-70E740481C1C}">
+                <a14:useLocalDpi xmlns:a14="http://schemas.microsoft.com/office/drawing/2010/main" val="0"/>
+              </a:ext>
+            </a:extLst>
+          </a:blip>
+          <a:stretch>
+            <a:fillRect/>
+          </a:stretch>
+        </p:blipFill>
+        <p:spPr>
+          <a:xfrm>
+            <a:off x="1731076" y="1660634"/>
+            <a:ext cx="861848" cy="578070"/>
+          </a:xfrm>
+          <a:prstGeom prst="rect">
+            <a:avLst/>
+          </a:prstGeom>
+        </p:spPr>
+      </p:pic>
+      <p:pic>
+        <p:nvPicPr>
+          <p:cNvPr id="6" name="Рисунок 5"/>
+          <p:cNvPicPr>
+            <a:picLocks noChangeAspect="1"/>
+          </p:cNvPicPr>
+          <p:nvPr/>
+        </p:nvPicPr>
+        <p:blipFill>
+          <a:blip r:embed="rId2" cstate="print">
+            <a:extLst>
+              <a:ext uri="{28A0092B-C50C-407E-A947-70E740481C1C}">
+                <a14:useLocalDpi xmlns:a14="http://schemas.microsoft.com/office/drawing/2010/main" val="0"/>
+              </a:ext>
+            </a:extLst>
+          </a:blip>
+          <a:stretch>
+            <a:fillRect/>
+          </a:stretch>
+        </p:blipFill>
+        <p:spPr>
+          <a:xfrm>
+            <a:off x="1731076" y="2672253"/>
+            <a:ext cx="861848" cy="578070"/>
+          </a:xfrm>
+          <a:prstGeom prst="rect">
+            <a:avLst/>
+          </a:prstGeom>
+        </p:spPr>
+      </p:pic>
+      <p:pic>
+        <p:nvPicPr>
+          <p:cNvPr id="7" name="Рисунок 6"/>
+          <p:cNvPicPr>
+            <a:picLocks noChangeAspect="1"/>
+          </p:cNvPicPr>
+          <p:nvPr/>
+        </p:nvPicPr>
+        <p:blipFill>
+          <a:blip r:embed="rId2" cstate="print">
+            <a:extLst>
+              <a:ext uri="{28A0092B-C50C-407E-A947-70E740481C1C}">
+                <a14:useLocalDpi xmlns:a14="http://schemas.microsoft.com/office/drawing/2010/main" val="0"/>
+              </a:ext>
+            </a:extLst>
+          </a:blip>
+          <a:stretch>
+            <a:fillRect/>
+          </a:stretch>
+        </p:blipFill>
+        <p:spPr>
+          <a:xfrm>
+            <a:off x="1731076" y="3683872"/>
+            <a:ext cx="861848" cy="578070"/>
+          </a:xfrm>
+          <a:prstGeom prst="rect">
+            <a:avLst/>
+          </a:prstGeom>
+        </p:spPr>
+      </p:pic>
+      <p:pic>
+        <p:nvPicPr>
+          <p:cNvPr id="8" name="Рисунок 7"/>
+          <p:cNvPicPr>
+            <a:picLocks noChangeAspect="1"/>
+          </p:cNvPicPr>
+          <p:nvPr/>
+        </p:nvPicPr>
+        <p:blipFill>
+          <a:blip r:embed="rId2" cstate="print">
+            <a:extLst>
+              <a:ext uri="{28A0092B-C50C-407E-A947-70E740481C1C}">
+                <a14:useLocalDpi xmlns:a14="http://schemas.microsoft.com/office/drawing/2010/main" val="0"/>
+              </a:ext>
+            </a:extLst>
+          </a:blip>
+          <a:stretch>
+            <a:fillRect/>
+          </a:stretch>
+        </p:blipFill>
+        <p:spPr>
+          <a:xfrm>
+            <a:off x="1731076" y="5056319"/>
+            <a:ext cx="861848" cy="578070"/>
+          </a:xfrm>
+          <a:prstGeom prst="rect">
+            <a:avLst/>
+          </a:prstGeom>
+        </p:spPr>
+      </p:pic>
+      <p:sp>
+        <p:nvSpPr>
+          <p:cNvPr id="9" name="TextBox 8"/>
+          <p:cNvSpPr txBox="1"/>
+          <p:nvPr/>
+        </p:nvSpPr>
+        <p:spPr>
+          <a:xfrm>
+            <a:off x="1731076" y="2269896"/>
+            <a:ext cx="833883" cy="276999"/>
+          </a:xfrm>
+          <a:prstGeom prst="rect">
+            <a:avLst/>
+          </a:prstGeom>
+          <a:noFill/>
+        </p:spPr>
+        <p:txBody>
+          <a:bodyPr wrap="none" rtlCol="0">
+            <a:spAutoFit/>
+          </a:bodyPr>
+          <a:lstStyle/>
+          <a:p>
+            <a:r>
+              <a:rPr lang="ru-RU" sz="1200" dirty="0" smtClean="0"/>
+              <a:t>Клиент 1</a:t>
+            </a:r>
+            <a:endParaRPr lang="en-US" sz="1200" dirty="0"/>
+          </a:p>
+        </p:txBody>
+      </p:sp>
+      <p:sp>
+        <p:nvSpPr>
+          <p:cNvPr id="10" name="TextBox 9"/>
+          <p:cNvSpPr txBox="1"/>
+          <p:nvPr/>
+        </p:nvSpPr>
+        <p:spPr>
+          <a:xfrm>
+            <a:off x="1731074" y="4293134"/>
+            <a:ext cx="833883" cy="276999"/>
+          </a:xfrm>
+          <a:prstGeom prst="rect">
+            <a:avLst/>
+          </a:prstGeom>
+          <a:noFill/>
+        </p:spPr>
+        <p:txBody>
+          <a:bodyPr wrap="none" rtlCol="0">
+            <a:spAutoFit/>
+          </a:bodyPr>
+          <a:lstStyle/>
+          <a:p>
+            <a:r>
+              <a:rPr lang="ru-RU" sz="1200" dirty="0" smtClean="0"/>
+              <a:t>Клиент 3</a:t>
+            </a:r>
+            <a:endParaRPr lang="en-US" sz="1200" dirty="0"/>
+          </a:p>
+        </p:txBody>
+      </p:sp>
+      <p:sp>
+        <p:nvSpPr>
+          <p:cNvPr id="11" name="TextBox 10"/>
+          <p:cNvSpPr txBox="1"/>
+          <p:nvPr/>
+        </p:nvSpPr>
+        <p:spPr>
+          <a:xfrm>
+            <a:off x="1731075" y="3301776"/>
+            <a:ext cx="833883" cy="276999"/>
+          </a:xfrm>
+          <a:prstGeom prst="rect">
+            <a:avLst/>
+          </a:prstGeom>
+          <a:noFill/>
+        </p:spPr>
+        <p:txBody>
+          <a:bodyPr wrap="none" rtlCol="0">
+            <a:spAutoFit/>
+          </a:bodyPr>
+          <a:lstStyle/>
+          <a:p>
+            <a:r>
+              <a:rPr lang="ru-RU" sz="1200" dirty="0" smtClean="0"/>
+              <a:t>Клиент 2</a:t>
+            </a:r>
+            <a:endParaRPr lang="en-US" sz="1200" dirty="0"/>
+          </a:p>
+        </p:txBody>
+      </p:sp>
+      <p:sp>
+        <p:nvSpPr>
+          <p:cNvPr id="12" name="TextBox 11"/>
+          <p:cNvSpPr txBox="1"/>
+          <p:nvPr/>
+        </p:nvSpPr>
+        <p:spPr>
+          <a:xfrm>
+            <a:off x="1978737" y="4627611"/>
+            <a:ext cx="338554" cy="276999"/>
+          </a:xfrm>
+          <a:prstGeom prst="rect">
+            <a:avLst/>
+          </a:prstGeom>
+          <a:noFill/>
+        </p:spPr>
+        <p:txBody>
+          <a:bodyPr wrap="none" rtlCol="0">
+            <a:spAutoFit/>
+          </a:bodyPr>
+          <a:lstStyle/>
+          <a:p>
+            <a:r>
+              <a:rPr lang="ru-RU" sz="1200" dirty="0" smtClean="0"/>
+              <a:t>…</a:t>
+            </a:r>
+            <a:endParaRPr lang="en-US" sz="1200" dirty="0"/>
+          </a:p>
+        </p:txBody>
+      </p:sp>
+      <p:sp>
+        <p:nvSpPr>
+          <p:cNvPr id="13" name="TextBox 12"/>
+          <p:cNvSpPr txBox="1"/>
+          <p:nvPr/>
+        </p:nvSpPr>
+        <p:spPr>
+          <a:xfrm>
+            <a:off x="1731074" y="5698987"/>
+            <a:ext cx="906017" cy="276999"/>
+          </a:xfrm>
+          <a:prstGeom prst="rect">
+            <a:avLst/>
+          </a:prstGeom>
+          <a:noFill/>
+        </p:spPr>
+        <p:txBody>
+          <a:bodyPr wrap="none" rtlCol="0">
+            <a:spAutoFit/>
+          </a:bodyPr>
+          <a:lstStyle/>
+          <a:p>
+            <a:r>
+              <a:rPr lang="ru-RU" sz="1200" dirty="0" smtClean="0"/>
+              <a:t>Клиент </a:t>
+            </a:r>
+            <a:r>
+              <a:rPr lang="en-US" sz="1200" dirty="0" smtClean="0"/>
+              <a:t>N</a:t>
+            </a:r>
+            <a:r>
+              <a:rPr lang="ru-RU" sz="1200" dirty="0" smtClean="0"/>
+              <a:t> </a:t>
+            </a:r>
+            <a:endParaRPr lang="en-US" sz="1200" dirty="0"/>
+          </a:p>
+        </p:txBody>
+      </p:sp>
+      <p:pic>
+        <p:nvPicPr>
+          <p:cNvPr id="14" name="Рисунок 13"/>
+          <p:cNvPicPr>
+            <a:picLocks noChangeAspect="1"/>
+          </p:cNvPicPr>
+          <p:nvPr/>
+        </p:nvPicPr>
+        <p:blipFill>
+          <a:blip r:embed="rId3" cstate="print">
+            <a:extLst>
+              <a:ext uri="{28A0092B-C50C-407E-A947-70E740481C1C}">
+                <a14:useLocalDpi xmlns:a14="http://schemas.microsoft.com/office/drawing/2010/main" val="0"/>
+              </a:ext>
+            </a:extLst>
+          </a:blip>
+          <a:stretch>
+            <a:fillRect/>
+          </a:stretch>
+        </p:blipFill>
+        <p:spPr>
+          <a:xfrm>
+            <a:off x="4759977" y="2677934"/>
+            <a:ext cx="1998174" cy="1801681"/>
+          </a:xfrm>
+          <a:prstGeom prst="rect">
+            <a:avLst/>
+          </a:prstGeom>
+        </p:spPr>
+      </p:pic>
+      <p:sp>
+        <p:nvSpPr>
+          <p:cNvPr id="15" name="TextBox 14"/>
+          <p:cNvSpPr txBox="1"/>
+          <p:nvPr/>
+        </p:nvSpPr>
+        <p:spPr>
+          <a:xfrm>
+            <a:off x="5055476" y="4503776"/>
+            <a:ext cx="1569660" cy="523220"/>
+          </a:xfrm>
+          <a:prstGeom prst="rect">
+            <a:avLst/>
+          </a:prstGeom>
+          <a:noFill/>
+        </p:spPr>
+        <p:txBody>
+          <a:bodyPr wrap="none" rtlCol="0">
+            <a:spAutoFit/>
+          </a:bodyPr>
+          <a:lstStyle/>
+          <a:p>
+            <a:r>
+              <a:rPr lang="ru-RU" sz="1400" dirty="0" smtClean="0"/>
+              <a:t>Сервис по</a:t>
+            </a:r>
+          </a:p>
+          <a:p>
+            <a:r>
+              <a:rPr lang="ru-RU" sz="1400" dirty="0" smtClean="0"/>
+              <a:t>шаблонизации</a:t>
+            </a:r>
+            <a:endParaRPr lang="en-US" sz="1400" dirty="0"/>
+          </a:p>
+        </p:txBody>
+      </p:sp>
+      <p:cxnSp>
+        <p:nvCxnSpPr>
+          <p:cNvPr id="17" name="Прямая соединительная линия 16"/>
+          <p:cNvCxnSpPr/>
+          <p:nvPr/>
+        </p:nvCxnSpPr>
+        <p:spPr>
+          <a:xfrm>
+            <a:off x="3184633" y="1660634"/>
+            <a:ext cx="0" cy="4176852"/>
+          </a:xfrm>
+          <a:prstGeom prst="line">
+            <a:avLst/>
+          </a:prstGeom>
+          <a:ln w="19050"/>
+        </p:spPr>
+        <p:style>
+          <a:lnRef idx="1">
+            <a:schemeClr val="dk1"/>
+          </a:lnRef>
+          <a:fillRef idx="0">
+            <a:schemeClr val="dk1"/>
+          </a:fillRef>
+          <a:effectRef idx="0">
+            <a:schemeClr val="dk1"/>
+          </a:effectRef>
+          <a:fontRef idx="minor">
+            <a:schemeClr val="tx1"/>
+          </a:fontRef>
+        </p:style>
+      </p:cxnSp>
+      <p:cxnSp>
+        <p:nvCxnSpPr>
+          <p:cNvPr id="19" name="Прямая со стрелкой 18"/>
+          <p:cNvCxnSpPr/>
+          <p:nvPr/>
+        </p:nvCxnSpPr>
+        <p:spPr>
+          <a:xfrm>
+            <a:off x="3199422" y="3291578"/>
+            <a:ext cx="1575345" cy="1"/>
+          </a:xfrm>
+          <a:prstGeom prst="straightConnector1">
+            <a:avLst/>
+          </a:prstGeom>
+          <a:ln w="19050">
+            <a:tailEnd type="triangle"/>
+          </a:ln>
+        </p:spPr>
+        <p:style>
+          <a:lnRef idx="1">
+            <a:schemeClr val="dk1"/>
+          </a:lnRef>
+          <a:fillRef idx="0">
+            <a:schemeClr val="dk1"/>
+          </a:fillRef>
+          <a:effectRef idx="0">
+            <a:schemeClr val="dk1"/>
+          </a:effectRef>
+          <a:fontRef idx="minor">
+            <a:schemeClr val="tx1"/>
+          </a:fontRef>
+        </p:style>
+      </p:cxnSp>
+      <p:cxnSp>
+        <p:nvCxnSpPr>
+          <p:cNvPr id="21" name="Прямая со стрелкой 20"/>
+          <p:cNvCxnSpPr>
+            <a:stCxn id="5" idx="3"/>
+          </p:cNvCxnSpPr>
+          <p:nvPr/>
+        </p:nvCxnSpPr>
+        <p:spPr>
+          <a:xfrm>
+            <a:off x="2592924" y="1949669"/>
+            <a:ext cx="591708" cy="0"/>
+          </a:xfrm>
+          <a:prstGeom prst="straightConnector1">
+            <a:avLst/>
+          </a:prstGeom>
+          <a:ln w="19050">
+            <a:tailEnd type="triangle"/>
+          </a:ln>
+        </p:spPr>
+        <p:style>
+          <a:lnRef idx="1">
+            <a:schemeClr val="dk1"/>
+          </a:lnRef>
+          <a:fillRef idx="0">
+            <a:schemeClr val="dk1"/>
+          </a:fillRef>
+          <a:effectRef idx="0">
+            <a:schemeClr val="dk1"/>
+          </a:effectRef>
+          <a:fontRef idx="minor">
+            <a:schemeClr val="tx1"/>
+          </a:fontRef>
+        </p:style>
+      </p:cxnSp>
+      <p:cxnSp>
+        <p:nvCxnSpPr>
+          <p:cNvPr id="24" name="Прямая со стрелкой 23"/>
+          <p:cNvCxnSpPr/>
+          <p:nvPr/>
+        </p:nvCxnSpPr>
+        <p:spPr>
+          <a:xfrm>
+            <a:off x="2592924" y="2944744"/>
+            <a:ext cx="591708" cy="0"/>
+          </a:xfrm>
+          <a:prstGeom prst="straightConnector1">
+            <a:avLst/>
+          </a:prstGeom>
+          <a:ln w="19050">
+            <a:tailEnd type="triangle"/>
+          </a:ln>
+        </p:spPr>
+        <p:style>
+          <a:lnRef idx="1">
+            <a:schemeClr val="dk1"/>
+          </a:lnRef>
+          <a:fillRef idx="0">
+            <a:schemeClr val="dk1"/>
+          </a:fillRef>
+          <a:effectRef idx="0">
+            <a:schemeClr val="dk1"/>
+          </a:effectRef>
+          <a:fontRef idx="minor">
+            <a:schemeClr val="tx1"/>
+          </a:fontRef>
+        </p:style>
+      </p:cxnSp>
+      <p:cxnSp>
+        <p:nvCxnSpPr>
+          <p:cNvPr id="25" name="Прямая со стрелкой 24"/>
+          <p:cNvCxnSpPr/>
+          <p:nvPr/>
+        </p:nvCxnSpPr>
+        <p:spPr>
+          <a:xfrm>
+            <a:off x="2596612" y="3885420"/>
+            <a:ext cx="591708" cy="0"/>
+          </a:xfrm>
+          <a:prstGeom prst="straightConnector1">
+            <a:avLst/>
+          </a:prstGeom>
+          <a:ln w="19050">
+            <a:tailEnd type="triangle"/>
+          </a:ln>
+        </p:spPr>
+        <p:style>
+          <a:lnRef idx="1">
+            <a:schemeClr val="dk1"/>
+          </a:lnRef>
+          <a:fillRef idx="0">
+            <a:schemeClr val="dk1"/>
+          </a:fillRef>
+          <a:effectRef idx="0">
+            <a:schemeClr val="dk1"/>
+          </a:effectRef>
+          <a:fontRef idx="minor">
+            <a:schemeClr val="tx1"/>
+          </a:fontRef>
+        </p:style>
+      </p:cxnSp>
+      <p:cxnSp>
+        <p:nvCxnSpPr>
+          <p:cNvPr id="26" name="Прямая со стрелкой 25"/>
+          <p:cNvCxnSpPr/>
+          <p:nvPr/>
+        </p:nvCxnSpPr>
+        <p:spPr>
+          <a:xfrm>
+            <a:off x="2592924" y="5345354"/>
+            <a:ext cx="591708" cy="0"/>
+          </a:xfrm>
+          <a:prstGeom prst="straightConnector1">
+            <a:avLst/>
+          </a:prstGeom>
+          <a:ln w="19050">
+            <a:tailEnd type="triangle"/>
+          </a:ln>
+        </p:spPr>
+        <p:style>
+          <a:lnRef idx="1">
+            <a:schemeClr val="dk1"/>
+          </a:lnRef>
+          <a:fillRef idx="0">
+            <a:schemeClr val="dk1"/>
+          </a:fillRef>
+          <a:effectRef idx="0">
+            <a:schemeClr val="dk1"/>
+          </a:effectRef>
+          <a:fontRef idx="minor">
+            <a:schemeClr val="tx1"/>
+          </a:fontRef>
+        </p:style>
+      </p:cxnSp>
+      <p:sp>
+        <p:nvSpPr>
+          <p:cNvPr id="27" name="TextBox 26"/>
+          <p:cNvSpPr txBox="1"/>
+          <p:nvPr/>
+        </p:nvSpPr>
+        <p:spPr>
+          <a:xfrm>
+            <a:off x="3169840" y="2856858"/>
+            <a:ext cx="1604927" cy="338554"/>
+          </a:xfrm>
+          <a:prstGeom prst="rect">
+            <a:avLst/>
+          </a:prstGeom>
+          <a:noFill/>
+        </p:spPr>
+        <p:txBody>
+          <a:bodyPr wrap="none" rtlCol="0">
+            <a:spAutoFit/>
+          </a:bodyPr>
+          <a:lstStyle/>
+          <a:p>
+            <a:r>
+              <a:rPr lang="en-US" sz="1600" dirty="0" smtClean="0"/>
+              <a:t>HTTP </a:t>
+            </a:r>
+            <a:r>
+              <a:rPr lang="ru-RU" sz="1600" dirty="0" smtClean="0"/>
+              <a:t>Запросы</a:t>
+            </a:r>
+            <a:endParaRPr lang="en-US" sz="1600" dirty="0"/>
+          </a:p>
+        </p:txBody>
+      </p:sp>
+      <p:pic>
+        <p:nvPicPr>
+          <p:cNvPr id="28" name="Рисунок 27"/>
+          <p:cNvPicPr>
+            <a:picLocks noChangeAspect="1"/>
+          </p:cNvPicPr>
+          <p:nvPr/>
+        </p:nvPicPr>
+        <p:blipFill>
+          <a:blip r:embed="rId4" cstate="print">
+            <a:extLst>
+              <a:ext uri="{28A0092B-C50C-407E-A947-70E740481C1C}">
+                <a14:useLocalDpi xmlns:a14="http://schemas.microsoft.com/office/drawing/2010/main" val="0"/>
+              </a:ext>
+            </a:extLst>
+          </a:blip>
+          <a:stretch>
+            <a:fillRect/>
+          </a:stretch>
+        </p:blipFill>
+        <p:spPr>
+          <a:xfrm>
+            <a:off x="8329808" y="1547558"/>
+            <a:ext cx="1191343" cy="1194952"/>
+          </a:xfrm>
+          <a:prstGeom prst="rect">
+            <a:avLst/>
+          </a:prstGeom>
+        </p:spPr>
+      </p:pic>
+      <p:sp>
+        <p:nvSpPr>
+          <p:cNvPr id="29" name="TextBox 28"/>
+          <p:cNvSpPr txBox="1"/>
+          <p:nvPr/>
+        </p:nvSpPr>
+        <p:spPr>
+          <a:xfrm>
+            <a:off x="9521151" y="1547558"/>
+            <a:ext cx="1627369" cy="523220"/>
+          </a:xfrm>
+          <a:prstGeom prst="rect">
+            <a:avLst/>
+          </a:prstGeom>
+          <a:noFill/>
+        </p:spPr>
+        <p:txBody>
+          <a:bodyPr wrap="none" rtlCol="0">
+            <a:spAutoFit/>
+          </a:bodyPr>
+          <a:lstStyle/>
+          <a:p>
+            <a:r>
+              <a:rPr lang="en-US" sz="1400" dirty="0" smtClean="0"/>
+              <a:t>API </a:t>
+            </a:r>
+            <a:r>
+              <a:rPr lang="ru-RU" sz="1400" dirty="0" smtClean="0"/>
+              <a:t>библиотеки </a:t>
+            </a:r>
+          </a:p>
+          <a:p>
+            <a:r>
+              <a:rPr lang="ru-RU" sz="1400" dirty="0" smtClean="0"/>
+              <a:t>шаблонизации</a:t>
+            </a:r>
+            <a:endParaRPr lang="en-US" sz="1400" dirty="0"/>
+          </a:p>
+        </p:txBody>
+      </p:sp>
+      <p:pic>
+        <p:nvPicPr>
+          <p:cNvPr id="31" name="Рисунок 30"/>
+          <p:cNvPicPr>
+            <a:picLocks noChangeAspect="1"/>
+          </p:cNvPicPr>
+          <p:nvPr/>
+        </p:nvPicPr>
+        <p:blipFill>
+          <a:blip r:embed="rId5" cstate="print">
+            <a:extLst>
+              <a:ext uri="{28A0092B-C50C-407E-A947-70E740481C1C}">
+                <a14:useLocalDpi xmlns:a14="http://schemas.microsoft.com/office/drawing/2010/main" val="0"/>
+              </a:ext>
+            </a:extLst>
+          </a:blip>
+          <a:stretch>
+            <a:fillRect/>
+          </a:stretch>
+        </p:blipFill>
+        <p:spPr>
+          <a:xfrm>
+            <a:off x="8417565" y="3223243"/>
+            <a:ext cx="1103586" cy="1051633"/>
+          </a:xfrm>
+          <a:prstGeom prst="rect">
+            <a:avLst/>
+          </a:prstGeom>
+        </p:spPr>
+      </p:pic>
+      <p:pic>
+        <p:nvPicPr>
+          <p:cNvPr id="34" name="Рисунок 33"/>
+          <p:cNvPicPr>
+            <a:picLocks noChangeAspect="1"/>
+          </p:cNvPicPr>
+          <p:nvPr/>
+        </p:nvPicPr>
+        <p:blipFill>
+          <a:blip r:embed="rId6" cstate="print">
+            <a:extLst>
+              <a:ext uri="{28A0092B-C50C-407E-A947-70E740481C1C}">
+                <a14:useLocalDpi xmlns:a14="http://schemas.microsoft.com/office/drawing/2010/main" val="0"/>
+              </a:ext>
+            </a:extLst>
+          </a:blip>
+          <a:stretch>
+            <a:fillRect/>
+          </a:stretch>
+        </p:blipFill>
+        <p:spPr>
+          <a:xfrm>
+            <a:off x="8329808" y="4845895"/>
+            <a:ext cx="1318689" cy="991591"/>
+          </a:xfrm>
+          <a:prstGeom prst="rect">
+            <a:avLst/>
+          </a:prstGeom>
+        </p:spPr>
+      </p:pic>
+      <p:cxnSp>
+        <p:nvCxnSpPr>
+          <p:cNvPr id="35" name="Прямая соединительная линия 34"/>
+          <p:cNvCxnSpPr/>
+          <p:nvPr/>
+        </p:nvCxnSpPr>
+        <p:spPr>
+          <a:xfrm>
+            <a:off x="7646274" y="1716574"/>
+            <a:ext cx="0" cy="4176852"/>
+          </a:xfrm>
+          <a:prstGeom prst="line">
+            <a:avLst/>
+          </a:prstGeom>
+          <a:ln w="19050"/>
+        </p:spPr>
+        <p:style>
+          <a:lnRef idx="1">
+            <a:schemeClr val="dk1"/>
+          </a:lnRef>
+          <a:fillRef idx="0">
+            <a:schemeClr val="dk1"/>
+          </a:fillRef>
+          <a:effectRef idx="0">
+            <a:schemeClr val="dk1"/>
+          </a:effectRef>
+          <a:fontRef idx="minor">
+            <a:schemeClr val="tx1"/>
+          </a:fontRef>
+        </p:style>
+      </p:cxnSp>
+      <p:cxnSp>
+        <p:nvCxnSpPr>
+          <p:cNvPr id="36" name="Прямая со стрелкой 35"/>
+          <p:cNvCxnSpPr>
+            <a:endCxn id="28" idx="1"/>
+          </p:cNvCxnSpPr>
+          <p:nvPr/>
+        </p:nvCxnSpPr>
+        <p:spPr>
+          <a:xfrm>
+            <a:off x="7646274" y="2070778"/>
+            <a:ext cx="683534" cy="0"/>
+          </a:xfrm>
+          <a:prstGeom prst="straightConnector1">
+            <a:avLst/>
+          </a:prstGeom>
+          <a:ln w="19050">
+            <a:tailEnd type="triangle"/>
+          </a:ln>
+        </p:spPr>
+        <p:style>
+          <a:lnRef idx="1">
+            <a:schemeClr val="dk1"/>
+          </a:lnRef>
+          <a:fillRef idx="0">
+            <a:schemeClr val="dk1"/>
+          </a:fillRef>
+          <a:effectRef idx="0">
+            <a:schemeClr val="dk1"/>
+          </a:effectRef>
+          <a:fontRef idx="minor">
+            <a:schemeClr val="tx1"/>
+          </a:fontRef>
+        </p:style>
+      </p:cxnSp>
+      <p:cxnSp>
+        <p:nvCxnSpPr>
+          <p:cNvPr id="38" name="Прямая со стрелкой 37"/>
+          <p:cNvCxnSpPr/>
+          <p:nvPr/>
+        </p:nvCxnSpPr>
+        <p:spPr>
+          <a:xfrm>
+            <a:off x="7646274" y="3731409"/>
+            <a:ext cx="683534" cy="0"/>
+          </a:xfrm>
+          <a:prstGeom prst="straightConnector1">
+            <a:avLst/>
+          </a:prstGeom>
+          <a:ln w="19050">
+            <a:tailEnd type="triangle"/>
+          </a:ln>
+        </p:spPr>
+        <p:style>
+          <a:lnRef idx="1">
+            <a:schemeClr val="dk1"/>
+          </a:lnRef>
+          <a:fillRef idx="0">
+            <a:schemeClr val="dk1"/>
+          </a:fillRef>
+          <a:effectRef idx="0">
+            <a:schemeClr val="dk1"/>
+          </a:effectRef>
+          <a:fontRef idx="minor">
+            <a:schemeClr val="tx1"/>
+          </a:fontRef>
+        </p:style>
+      </p:cxnSp>
+      <p:cxnSp>
+        <p:nvCxnSpPr>
+          <p:cNvPr id="39" name="Прямая со стрелкой 38"/>
+          <p:cNvCxnSpPr/>
+          <p:nvPr/>
+        </p:nvCxnSpPr>
+        <p:spPr>
+          <a:xfrm>
+            <a:off x="7646274" y="5239643"/>
+            <a:ext cx="683534" cy="0"/>
+          </a:xfrm>
+          <a:prstGeom prst="straightConnector1">
+            <a:avLst/>
+          </a:prstGeom>
+          <a:ln w="19050">
+            <a:tailEnd type="triangle"/>
+          </a:ln>
+        </p:spPr>
+        <p:style>
+          <a:lnRef idx="1">
+            <a:schemeClr val="dk1"/>
+          </a:lnRef>
+          <a:fillRef idx="0">
+            <a:schemeClr val="dk1"/>
+          </a:fillRef>
+          <a:effectRef idx="0">
+            <a:schemeClr val="dk1"/>
+          </a:effectRef>
+          <a:fontRef idx="minor">
+            <a:schemeClr val="tx1"/>
+          </a:fontRef>
+        </p:style>
+      </p:cxnSp>
+      <p:cxnSp>
+        <p:nvCxnSpPr>
+          <p:cNvPr id="40" name="Прямая со стрелкой 39"/>
+          <p:cNvCxnSpPr/>
+          <p:nvPr/>
+        </p:nvCxnSpPr>
+        <p:spPr>
+          <a:xfrm>
+            <a:off x="6789192" y="3312272"/>
+            <a:ext cx="848833" cy="0"/>
+          </a:xfrm>
+          <a:prstGeom prst="straightConnector1">
+            <a:avLst/>
+          </a:prstGeom>
+          <a:ln w="19050">
+            <a:tailEnd type="triangle"/>
+          </a:ln>
+        </p:spPr>
+        <p:style>
+          <a:lnRef idx="1">
+            <a:schemeClr val="dk1"/>
+          </a:lnRef>
+          <a:fillRef idx="0">
+            <a:schemeClr val="dk1"/>
+          </a:fillRef>
+          <a:effectRef idx="0">
+            <a:schemeClr val="dk1"/>
+          </a:effectRef>
+          <a:fontRef idx="minor">
+            <a:schemeClr val="tx1"/>
+          </a:fontRef>
+        </p:style>
+      </p:cxnSp>
+      <p:sp>
+        <p:nvSpPr>
+          <p:cNvPr id="45" name="TextBox 44"/>
+          <p:cNvSpPr txBox="1"/>
+          <p:nvPr/>
+        </p:nvSpPr>
+        <p:spPr>
+          <a:xfrm>
+            <a:off x="9523964" y="3250323"/>
+            <a:ext cx="1362874" cy="523220"/>
+          </a:xfrm>
+          <a:prstGeom prst="rect">
+            <a:avLst/>
+          </a:prstGeom>
+          <a:noFill/>
+        </p:spPr>
+        <p:txBody>
+          <a:bodyPr wrap="none" rtlCol="0">
+            <a:spAutoFit/>
+          </a:bodyPr>
+          <a:lstStyle/>
+          <a:p>
+            <a:r>
+              <a:rPr lang="ru-RU" sz="1400" dirty="0" smtClean="0"/>
+              <a:t>База данных </a:t>
+            </a:r>
+          </a:p>
+          <a:p>
+            <a:r>
+              <a:rPr lang="ru-RU" sz="1400" dirty="0" smtClean="0"/>
+              <a:t>шаблонов</a:t>
+            </a:r>
+            <a:endParaRPr lang="en-US" sz="1400" dirty="0"/>
+          </a:p>
+        </p:txBody>
+      </p:sp>
+      <p:sp>
+        <p:nvSpPr>
+          <p:cNvPr id="47" name="TextBox 46"/>
+          <p:cNvSpPr txBox="1"/>
+          <p:nvPr/>
+        </p:nvSpPr>
+        <p:spPr>
+          <a:xfrm>
+            <a:off x="9648497" y="4845895"/>
+            <a:ext cx="1915909" cy="738664"/>
+          </a:xfrm>
+          <a:prstGeom prst="rect">
+            <a:avLst/>
+          </a:prstGeom>
+          <a:noFill/>
+        </p:spPr>
+        <p:txBody>
+          <a:bodyPr wrap="none" rtlCol="0">
+            <a:spAutoFit/>
+          </a:bodyPr>
+          <a:lstStyle/>
+          <a:p>
+            <a:r>
+              <a:rPr lang="ru-RU" sz="1400" dirty="0" smtClean="0"/>
+              <a:t>Статичные файлы </a:t>
+            </a:r>
+          </a:p>
+          <a:p>
+            <a:r>
+              <a:rPr lang="ru-RU" sz="1400" dirty="0" smtClean="0"/>
+              <a:t>пользовательского </a:t>
+            </a:r>
+          </a:p>
+          <a:p>
+            <a:r>
+              <a:rPr lang="ru-RU" sz="1400" dirty="0" smtClean="0"/>
+              <a:t>интерфейса</a:t>
+            </a:r>
+            <a:endParaRPr lang="en-US" sz="1400" dirty="0"/>
+          </a:p>
+        </p:txBody>
+      </p:sp>
     </p:spTree>
     <p:extLst>
       <p:ext uri="{BB962C8B-B14F-4D97-AF65-F5344CB8AC3E}">
@@ -9262,12 +10351,7 @@
             <p:ph type="title"/>
           </p:nvPr>
         </p:nvSpPr>
-        <p:spPr>
-          <a:xfrm>
-            <a:off x="2592924" y="624110"/>
-            <a:ext cx="8911687" cy="700193"/>
-          </a:xfrm>
-        </p:spPr>
+        <p:spPr/>
         <p:txBody>
           <a:bodyPr/>
           <a:lstStyle/>
@@ -9277,6 +10361,124 @@
               <a:t>Выбор технологий для разработки</a:t>
             </a:r>
             <a:endParaRPr lang="en-US" dirty="0"/>
+          </a:p>
+        </p:txBody>
+      </p:sp>
+      <p:sp>
+        <p:nvSpPr>
+          <p:cNvPr id="3" name="Объект 2"/>
+          <p:cNvSpPr>
+            <a:spLocks noGrp="1"/>
+          </p:cNvSpPr>
+          <p:nvPr>
+            <p:ph idx="1"/>
+          </p:nvPr>
+        </p:nvSpPr>
+        <p:spPr/>
+        <p:txBody>
+          <a:bodyPr>
+            <a:noAutofit/>
+          </a:bodyPr>
+          <a:lstStyle/>
+          <a:p>
+            <a:r>
+              <a:rPr lang="ru-RU" sz="2000" dirty="0" smtClean="0"/>
+              <a:t>Серверная часть:</a:t>
+            </a:r>
+          </a:p>
+          <a:p>
+            <a:pPr lvl="1"/>
+            <a:r>
+              <a:rPr lang="ru-RU" sz="2000" dirty="0" smtClean="0"/>
+              <a:t>Язык программирования</a:t>
+            </a:r>
+            <a:r>
+              <a:rPr lang="en-US" sz="2000" dirty="0" smtClean="0"/>
+              <a:t> </a:t>
+            </a:r>
+            <a:r>
+              <a:rPr lang="en-US" sz="2000" b="1" dirty="0" smtClean="0"/>
+              <a:t>Rust</a:t>
+            </a:r>
+          </a:p>
+          <a:p>
+            <a:pPr lvl="1"/>
+            <a:r>
+              <a:rPr lang="ru-RU" sz="2000" dirty="0" smtClean="0"/>
+              <a:t>Библиотека асинхронного выполнения </a:t>
+            </a:r>
+            <a:r>
+              <a:rPr lang="en-US" sz="2000" b="1" dirty="0" err="1" smtClean="0"/>
+              <a:t>tokio</a:t>
+            </a:r>
+            <a:endParaRPr lang="ru-RU" sz="2000" b="1" dirty="0" smtClean="0"/>
+          </a:p>
+          <a:p>
+            <a:pPr lvl="1"/>
+            <a:r>
+              <a:rPr lang="ru-RU" sz="2000" dirty="0" smtClean="0"/>
+              <a:t>Библиотека шаблонизации </a:t>
+            </a:r>
+            <a:r>
+              <a:rPr lang="en-US" sz="2000" b="1" dirty="0" err="1" smtClean="0"/>
+              <a:t>tera</a:t>
+            </a:r>
+            <a:endParaRPr lang="en-US" sz="2000" dirty="0" smtClean="0"/>
+          </a:p>
+          <a:p>
+            <a:r>
+              <a:rPr lang="ru-RU" sz="2000" dirty="0" smtClean="0"/>
+              <a:t>Клиентская часть:</a:t>
+            </a:r>
+          </a:p>
+          <a:p>
+            <a:pPr lvl="1"/>
+            <a:r>
+              <a:rPr lang="ru-RU" sz="2000" dirty="0" smtClean="0"/>
+              <a:t>Любое приложение, способное совершать </a:t>
+            </a:r>
+            <a:r>
+              <a:rPr lang="en-US" sz="2000" dirty="0" smtClean="0"/>
+              <a:t>http </a:t>
+            </a:r>
+            <a:r>
+              <a:rPr lang="ru-RU" sz="2000" dirty="0" smtClean="0"/>
+              <a:t>запросы</a:t>
+            </a:r>
+          </a:p>
+          <a:p>
+            <a:pPr lvl="1"/>
+            <a:r>
+              <a:rPr lang="ru-RU" sz="2000" dirty="0" smtClean="0"/>
+              <a:t>Графический пользовательский интерфейс:</a:t>
+            </a:r>
+          </a:p>
+          <a:p>
+            <a:pPr lvl="2"/>
+            <a:r>
+              <a:rPr lang="en-US" sz="2000" dirty="0" smtClean="0"/>
+              <a:t>JavaScript framework Vue.js</a:t>
+            </a:r>
+          </a:p>
+          <a:p>
+            <a:pPr lvl="2"/>
+            <a:r>
+              <a:rPr lang="en-US" sz="2000" dirty="0" smtClean="0"/>
+              <a:t>HTML </a:t>
+            </a:r>
+            <a:r>
+              <a:rPr lang="ru-RU" sz="2000" dirty="0" smtClean="0"/>
+              <a:t>и </a:t>
+            </a:r>
+            <a:r>
+              <a:rPr lang="en-US" sz="2000" dirty="0" smtClean="0"/>
+              <a:t>CS</a:t>
+            </a:r>
+            <a:r>
+              <a:rPr lang="en-US" sz="2000" dirty="0"/>
+              <a:t>S</a:t>
+            </a:r>
+            <a:endParaRPr lang="en-US" sz="2000" dirty="0" smtClean="0"/>
           </a:p>
         </p:txBody>
       </p:sp>
@@ -9327,9 +10529,15 @@
           </a:xfrm>
         </p:spPr>
         <p:txBody>
-          <a:bodyPr/>
+          <a:bodyPr>
+            <a:normAutofit fontScale="90000"/>
+          </a:bodyPr>
           <a:lstStyle/>
           <a:p>
+            <a:r>
+              <a:rPr lang="ru-RU" dirty="0" smtClean="0"/>
+              <a:t>Реализация компонентов веб-сервиса</a:t>
+            </a:r>
             <a:endParaRPr lang="en-US" dirty="0"/>
           </a:p>
         </p:txBody>
@@ -9338,6 +10546,592 @@
     <p:extLst>
       <p:ext uri="{BB962C8B-B14F-4D97-AF65-F5344CB8AC3E}">
         <p14:creationId xmlns:p14="http://schemas.microsoft.com/office/powerpoint/2010/main" val="3422903208"/>
+      </p:ext>
+    </p:extLst>
+  </p:cSld>
+  <p:clrMapOvr>
+    <a:masterClrMapping/>
+  </p:clrMapOvr>
+</p:sld>
+</file>
+
+<file path=ppt/slides/slide16.xml><?xml version="1.0" encoding="utf-8"?>
+<p:sld xmlns:a="http://schemas.openxmlformats.org/drawingml/2006/main" xmlns:r="http://schemas.openxmlformats.org/officeDocument/2006/relationships" xmlns:p="http://schemas.openxmlformats.org/presentationml/2006/main">
+  <p:cSld>
+    <p:spTree>
+      <p:nvGrpSpPr>
+        <p:cNvPr id="1" name=""/>
+        <p:cNvGrpSpPr/>
+        <p:nvPr/>
+      </p:nvGrpSpPr>
+      <p:grpSpPr>
+        <a:xfrm>
+          <a:off x="0" y="0"/>
+          <a:ext cx="0" cy="0"/>
+          <a:chOff x="0" y="0"/>
+          <a:chExt cx="0" cy="0"/>
+        </a:xfrm>
+      </p:grpSpPr>
+      <p:sp>
+        <p:nvSpPr>
+          <p:cNvPr id="2" name="Заголовок 1"/>
+          <p:cNvSpPr>
+            <a:spLocks noGrp="1"/>
+          </p:cNvSpPr>
+          <p:nvPr>
+            <p:ph type="title"/>
+          </p:nvPr>
+        </p:nvSpPr>
+        <p:spPr>
+          <a:xfrm>
+            <a:off x="2592924" y="624110"/>
+            <a:ext cx="8911687" cy="742235"/>
+          </a:xfrm>
+        </p:spPr>
+        <p:txBody>
+          <a:bodyPr>
+            <a:normAutofit/>
+          </a:bodyPr>
+          <a:lstStyle/>
+          <a:p>
+            <a:r>
+              <a:rPr lang="ru-RU" dirty="0" smtClean="0"/>
+              <a:t>Тестирование производительности</a:t>
+            </a:r>
+            <a:endParaRPr lang="en-US" dirty="0"/>
+          </a:p>
+        </p:txBody>
+      </p:sp>
+      <p:pic>
+        <p:nvPicPr>
+          <p:cNvPr id="9" name="Рисунок 8"/>
+          <p:cNvPicPr>
+            <a:picLocks noChangeAspect="1"/>
+          </p:cNvPicPr>
+          <p:nvPr/>
+        </p:nvPicPr>
+        <p:blipFill>
+          <a:blip r:embed="rId2">
+            <a:extLst>
+              <a:ext uri="{28A0092B-C50C-407E-A947-70E740481C1C}">
+                <a14:useLocalDpi xmlns:a14="http://schemas.microsoft.com/office/drawing/2010/main" val="0"/>
+              </a:ext>
+            </a:extLst>
+          </a:blip>
+          <a:stretch>
+            <a:fillRect/>
+          </a:stretch>
+        </p:blipFill>
+        <p:spPr>
+          <a:xfrm>
+            <a:off x="2072615" y="1443523"/>
+            <a:ext cx="9431996" cy="3900349"/>
+          </a:xfrm>
+          <a:prstGeom prst="rect">
+            <a:avLst/>
+          </a:prstGeom>
+          <a:ln>
+            <a:solidFill>
+              <a:schemeClr val="tx1"/>
+            </a:solidFill>
+          </a:ln>
+        </p:spPr>
+      </p:pic>
+      <p:sp>
+        <p:nvSpPr>
+          <p:cNvPr id="10" name="TextBox 9"/>
+          <p:cNvSpPr txBox="1"/>
+          <p:nvPr/>
+        </p:nvSpPr>
+        <p:spPr>
+          <a:xfrm>
+            <a:off x="2072615" y="5517931"/>
+            <a:ext cx="4506362" cy="954107"/>
+          </a:xfrm>
+          <a:prstGeom prst="rect">
+            <a:avLst/>
+          </a:prstGeom>
+          <a:noFill/>
+        </p:spPr>
+        <p:txBody>
+          <a:bodyPr wrap="none" rtlCol="0">
+            <a:spAutoFit/>
+          </a:bodyPr>
+          <a:lstStyle/>
+          <a:p>
+            <a:r>
+              <a:rPr lang="ru-RU" sz="1400" dirty="0" smtClean="0"/>
+              <a:t>Процессор: </a:t>
+            </a:r>
+            <a:r>
+              <a:rPr lang="en-US" sz="1400" dirty="0" smtClean="0"/>
+              <a:t>Intel </a:t>
+            </a:r>
+            <a:r>
+              <a:rPr lang="en-US" sz="1400" dirty="0" err="1" smtClean="0"/>
+              <a:t>KabyLake</a:t>
+            </a:r>
+            <a:r>
+              <a:rPr lang="en-US" sz="1400" dirty="0" smtClean="0"/>
+              <a:t> 2</a:t>
+            </a:r>
+            <a:r>
+              <a:rPr lang="ru-RU" sz="1400" dirty="0" smtClean="0"/>
+              <a:t> Гц</a:t>
+            </a:r>
+          </a:p>
+          <a:p>
+            <a:r>
+              <a:rPr lang="ru-RU" sz="1400" dirty="0" smtClean="0"/>
+              <a:t>Память: </a:t>
+            </a:r>
+            <a:r>
+              <a:rPr lang="en-US" sz="1400" dirty="0" smtClean="0"/>
+              <a:t>DDR4 2</a:t>
+            </a:r>
+            <a:r>
+              <a:rPr lang="ru-RU" sz="1400" dirty="0" smtClean="0"/>
+              <a:t> Гб</a:t>
+            </a:r>
+          </a:p>
+          <a:p>
+            <a:r>
+              <a:rPr lang="ru-RU" sz="1400" dirty="0" smtClean="0"/>
+              <a:t>Расположение сервера: Стокгольм, Швеция</a:t>
+            </a:r>
+          </a:p>
+          <a:p>
+            <a:r>
+              <a:rPr lang="ru-RU" sz="1400" dirty="0" smtClean="0"/>
+              <a:t>Расположение клиента: Франкфурт, Германия</a:t>
+            </a:r>
+            <a:endParaRPr lang="en-US" sz="1400" dirty="0"/>
+          </a:p>
+        </p:txBody>
+      </p:sp>
+    </p:spTree>
+    <p:extLst>
+      <p:ext uri="{BB962C8B-B14F-4D97-AF65-F5344CB8AC3E}">
+        <p14:creationId xmlns:p14="http://schemas.microsoft.com/office/powerpoint/2010/main" val="236733205"/>
+      </p:ext>
+    </p:extLst>
+  </p:cSld>
+  <p:clrMapOvr>
+    <a:masterClrMapping/>
+  </p:clrMapOvr>
+</p:sld>
+</file>
+
+<file path=ppt/slides/slide17.xml><?xml version="1.0" encoding="utf-8"?>
+<p:sld xmlns:a="http://schemas.openxmlformats.org/drawingml/2006/main" xmlns:r="http://schemas.openxmlformats.org/officeDocument/2006/relationships" xmlns:p="http://schemas.openxmlformats.org/presentationml/2006/main">
+  <p:cSld>
+    <p:spTree>
+      <p:nvGrpSpPr>
+        <p:cNvPr id="1" name=""/>
+        <p:cNvGrpSpPr/>
+        <p:nvPr/>
+      </p:nvGrpSpPr>
+      <p:grpSpPr>
+        <a:xfrm>
+          <a:off x="0" y="0"/>
+          <a:ext cx="0" cy="0"/>
+          <a:chOff x="0" y="0"/>
+          <a:chExt cx="0" cy="0"/>
+        </a:xfrm>
+      </p:grpSpPr>
+      <p:sp>
+        <p:nvSpPr>
+          <p:cNvPr id="2" name="Заголовок 1"/>
+          <p:cNvSpPr>
+            <a:spLocks noGrp="1"/>
+          </p:cNvSpPr>
+          <p:nvPr>
+            <p:ph type="title"/>
+          </p:nvPr>
+        </p:nvSpPr>
+        <p:spPr>
+          <a:xfrm>
+            <a:off x="2592924" y="624110"/>
+            <a:ext cx="8911687" cy="742235"/>
+          </a:xfrm>
+        </p:spPr>
+        <p:txBody>
+          <a:bodyPr>
+            <a:normAutofit/>
+          </a:bodyPr>
+          <a:lstStyle/>
+          <a:p>
+            <a:r>
+              <a:rPr lang="ru-RU" dirty="0" smtClean="0"/>
+              <a:t>Тестирование производительности</a:t>
+            </a:r>
+            <a:endParaRPr lang="en-US" dirty="0"/>
+          </a:p>
+        </p:txBody>
+      </p:sp>
+      <p:pic>
+        <p:nvPicPr>
+          <p:cNvPr id="3" name="Рисунок 2"/>
+          <p:cNvPicPr>
+            <a:picLocks noChangeAspect="1"/>
+          </p:cNvPicPr>
+          <p:nvPr/>
+        </p:nvPicPr>
+        <p:blipFill>
+          <a:blip r:embed="rId2">
+            <a:extLst>
+              <a:ext uri="{28A0092B-C50C-407E-A947-70E740481C1C}">
+                <a14:useLocalDpi xmlns:a14="http://schemas.microsoft.com/office/drawing/2010/main" val="0"/>
+              </a:ext>
+            </a:extLst>
+          </a:blip>
+          <a:stretch>
+            <a:fillRect/>
+          </a:stretch>
+        </p:blipFill>
+        <p:spPr>
+          <a:xfrm>
+            <a:off x="2592924" y="1366345"/>
+            <a:ext cx="7543800" cy="3971925"/>
+          </a:xfrm>
+          <a:prstGeom prst="rect">
+            <a:avLst/>
+          </a:prstGeom>
+          <a:ln>
+            <a:solidFill>
+              <a:schemeClr val="tx1"/>
+            </a:solidFill>
+          </a:ln>
+        </p:spPr>
+      </p:pic>
+      <p:sp>
+        <p:nvSpPr>
+          <p:cNvPr id="4" name="TextBox 3"/>
+          <p:cNvSpPr txBox="1"/>
+          <p:nvPr/>
+        </p:nvSpPr>
+        <p:spPr>
+          <a:xfrm>
+            <a:off x="2592924" y="5434174"/>
+            <a:ext cx="5808000" cy="646331"/>
+          </a:xfrm>
+          <a:prstGeom prst="rect">
+            <a:avLst/>
+          </a:prstGeom>
+          <a:noFill/>
+        </p:spPr>
+        <p:txBody>
+          <a:bodyPr wrap="none" rtlCol="0">
+            <a:spAutoFit/>
+          </a:bodyPr>
+          <a:lstStyle/>
+          <a:p>
+            <a:r>
+              <a:rPr lang="ru-RU" dirty="0" smtClean="0"/>
+              <a:t>Состояние системы в момент пиковой нагрузки</a:t>
+            </a:r>
+          </a:p>
+          <a:p>
+            <a:r>
+              <a:rPr lang="ru-RU" dirty="0" smtClean="0"/>
+              <a:t>в 50 одновременных подключений</a:t>
+            </a:r>
+            <a:endParaRPr lang="en-US" dirty="0"/>
+          </a:p>
+        </p:txBody>
+      </p:sp>
+    </p:spTree>
+    <p:extLst>
+      <p:ext uri="{BB962C8B-B14F-4D97-AF65-F5344CB8AC3E}">
+        <p14:creationId xmlns:p14="http://schemas.microsoft.com/office/powerpoint/2010/main" val="4185198682"/>
+      </p:ext>
+    </p:extLst>
+  </p:cSld>
+  <p:clrMapOvr>
+    <a:masterClrMapping/>
+  </p:clrMapOvr>
+</p:sld>
+</file>
+
+<file path=ppt/slides/slide18.xml><?xml version="1.0" encoding="utf-8"?>
+<p:sld xmlns:a="http://schemas.openxmlformats.org/drawingml/2006/main" xmlns:r="http://schemas.openxmlformats.org/officeDocument/2006/relationships" xmlns:p="http://schemas.openxmlformats.org/presentationml/2006/main">
+  <p:cSld>
+    <p:spTree>
+      <p:nvGrpSpPr>
+        <p:cNvPr id="1" name=""/>
+        <p:cNvGrpSpPr/>
+        <p:nvPr/>
+      </p:nvGrpSpPr>
+      <p:grpSpPr>
+        <a:xfrm>
+          <a:off x="0" y="0"/>
+          <a:ext cx="0" cy="0"/>
+          <a:chOff x="0" y="0"/>
+          <a:chExt cx="0" cy="0"/>
+        </a:xfrm>
+      </p:grpSpPr>
+      <p:sp>
+        <p:nvSpPr>
+          <p:cNvPr id="2" name="Заголовок 1"/>
+          <p:cNvSpPr>
+            <a:spLocks noGrp="1"/>
+          </p:cNvSpPr>
+          <p:nvPr>
+            <p:ph type="title"/>
+          </p:nvPr>
+        </p:nvSpPr>
+        <p:spPr>
+          <a:xfrm>
+            <a:off x="2592924" y="624110"/>
+            <a:ext cx="8911687" cy="742235"/>
+          </a:xfrm>
+        </p:spPr>
+        <p:txBody>
+          <a:bodyPr>
+            <a:normAutofit/>
+          </a:bodyPr>
+          <a:lstStyle/>
+          <a:p>
+            <a:r>
+              <a:rPr lang="ru-RU" dirty="0" smtClean="0"/>
+              <a:t>Тестирование производительности</a:t>
+            </a:r>
+            <a:endParaRPr lang="en-US" dirty="0"/>
+          </a:p>
+        </p:txBody>
+      </p:sp>
+      <p:pic>
+        <p:nvPicPr>
+          <p:cNvPr id="7" name="Рисунок 6"/>
+          <p:cNvPicPr>
+            <a:picLocks noChangeAspect="1"/>
+          </p:cNvPicPr>
+          <p:nvPr/>
+        </p:nvPicPr>
+        <p:blipFill>
+          <a:blip r:embed="rId2">
+            <a:extLst>
+              <a:ext uri="{28A0092B-C50C-407E-A947-70E740481C1C}">
+                <a14:useLocalDpi xmlns:a14="http://schemas.microsoft.com/office/drawing/2010/main" val="0"/>
+              </a:ext>
+            </a:extLst>
+          </a:blip>
+          <a:stretch>
+            <a:fillRect/>
+          </a:stretch>
+        </p:blipFill>
+        <p:spPr>
+          <a:xfrm>
+            <a:off x="2592924" y="1282263"/>
+            <a:ext cx="7567449" cy="4151585"/>
+          </a:xfrm>
+          <a:prstGeom prst="rect">
+            <a:avLst/>
+          </a:prstGeom>
+        </p:spPr>
+      </p:pic>
+      <p:sp>
+        <p:nvSpPr>
+          <p:cNvPr id="4" name="TextBox 3"/>
+          <p:cNvSpPr txBox="1"/>
+          <p:nvPr/>
+        </p:nvSpPr>
+        <p:spPr>
+          <a:xfrm>
+            <a:off x="2542405" y="5433848"/>
+            <a:ext cx="4467890" cy="954107"/>
+          </a:xfrm>
+          <a:prstGeom prst="rect">
+            <a:avLst/>
+          </a:prstGeom>
+          <a:noFill/>
+        </p:spPr>
+        <p:txBody>
+          <a:bodyPr wrap="none" rtlCol="0">
+            <a:spAutoFit/>
+          </a:bodyPr>
+          <a:lstStyle/>
+          <a:p>
+            <a:r>
+              <a:rPr lang="ru-RU" sz="1400" dirty="0" smtClean="0"/>
+              <a:t>Процессор: </a:t>
+            </a:r>
+            <a:r>
+              <a:rPr lang="en-US" sz="1400" dirty="0" smtClean="0"/>
+              <a:t>Intel </a:t>
+            </a:r>
+            <a:r>
+              <a:rPr lang="en-US" sz="1400" dirty="0" err="1" smtClean="0"/>
+              <a:t>KabyLake</a:t>
+            </a:r>
+            <a:r>
+              <a:rPr lang="en-US" sz="1400" dirty="0" smtClean="0"/>
+              <a:t> 2</a:t>
+            </a:r>
+            <a:r>
+              <a:rPr lang="ru-RU" sz="1400" dirty="0" smtClean="0"/>
+              <a:t> Гц</a:t>
+            </a:r>
+          </a:p>
+          <a:p>
+            <a:r>
+              <a:rPr lang="ru-RU" sz="1400" dirty="0" smtClean="0"/>
+              <a:t>Память: </a:t>
+            </a:r>
+            <a:r>
+              <a:rPr lang="en-US" sz="1400" dirty="0" smtClean="0"/>
+              <a:t>DDR4 2</a:t>
+            </a:r>
+            <a:r>
+              <a:rPr lang="ru-RU" sz="1400" dirty="0" smtClean="0"/>
+              <a:t> Гб</a:t>
+            </a:r>
+          </a:p>
+          <a:p>
+            <a:r>
+              <a:rPr lang="ru-RU" sz="1400" dirty="0" smtClean="0"/>
+              <a:t>Расположение сервера: Стокгольм, Швеция</a:t>
+            </a:r>
+          </a:p>
+          <a:p>
+            <a:r>
+              <a:rPr lang="ru-RU" sz="1400" dirty="0" smtClean="0"/>
+              <a:t>Расположение клиента: Штат Вирджиния, США</a:t>
+            </a:r>
+            <a:endParaRPr lang="en-US" sz="1400" dirty="0"/>
+          </a:p>
+        </p:txBody>
+      </p:sp>
+    </p:spTree>
+    <p:extLst>
+      <p:ext uri="{BB962C8B-B14F-4D97-AF65-F5344CB8AC3E}">
+        <p14:creationId xmlns:p14="http://schemas.microsoft.com/office/powerpoint/2010/main" val="2656961311"/>
+      </p:ext>
+    </p:extLst>
+  </p:cSld>
+  <p:clrMapOvr>
+    <a:masterClrMapping/>
+  </p:clrMapOvr>
+</p:sld>
+</file>
+
+<file path=ppt/slides/slide19.xml><?xml version="1.0" encoding="utf-8"?>
+<p:sld xmlns:a="http://schemas.openxmlformats.org/drawingml/2006/main" xmlns:r="http://schemas.openxmlformats.org/officeDocument/2006/relationships" xmlns:p="http://schemas.openxmlformats.org/presentationml/2006/main">
+  <p:cSld>
+    <p:spTree>
+      <p:nvGrpSpPr>
+        <p:cNvPr id="1" name=""/>
+        <p:cNvGrpSpPr/>
+        <p:nvPr/>
+      </p:nvGrpSpPr>
+      <p:grpSpPr>
+        <a:xfrm>
+          <a:off x="0" y="0"/>
+          <a:ext cx="0" cy="0"/>
+          <a:chOff x="0" y="0"/>
+          <a:chExt cx="0" cy="0"/>
+        </a:xfrm>
+      </p:grpSpPr>
+      <p:sp>
+        <p:nvSpPr>
+          <p:cNvPr id="2" name="Заголовок 1"/>
+          <p:cNvSpPr>
+            <a:spLocks noGrp="1"/>
+          </p:cNvSpPr>
+          <p:nvPr>
+            <p:ph type="title"/>
+          </p:nvPr>
+        </p:nvSpPr>
+        <p:spPr>
+          <a:xfrm>
+            <a:off x="2592924" y="624110"/>
+            <a:ext cx="8911687" cy="742235"/>
+          </a:xfrm>
+        </p:spPr>
+        <p:txBody>
+          <a:bodyPr>
+            <a:normAutofit/>
+          </a:bodyPr>
+          <a:lstStyle/>
+          <a:p>
+            <a:r>
+              <a:rPr lang="ru-RU" dirty="0" smtClean="0"/>
+              <a:t>Тестирование производительности</a:t>
+            </a:r>
+            <a:endParaRPr lang="en-US" dirty="0"/>
+          </a:p>
+        </p:txBody>
+      </p:sp>
+      <p:pic>
+        <p:nvPicPr>
+          <p:cNvPr id="3" name="Рисунок 2"/>
+          <p:cNvPicPr>
+            <a:picLocks noChangeAspect="1"/>
+          </p:cNvPicPr>
+          <p:nvPr/>
+        </p:nvPicPr>
+        <p:blipFill>
+          <a:blip r:embed="rId2">
+            <a:extLst>
+              <a:ext uri="{28A0092B-C50C-407E-A947-70E740481C1C}">
+                <a14:useLocalDpi xmlns:a14="http://schemas.microsoft.com/office/drawing/2010/main" val="0"/>
+              </a:ext>
+            </a:extLst>
+          </a:blip>
+          <a:stretch>
+            <a:fillRect/>
+          </a:stretch>
+        </p:blipFill>
+        <p:spPr>
+          <a:xfrm>
+            <a:off x="2733632" y="1366345"/>
+            <a:ext cx="7543800" cy="3971925"/>
+          </a:xfrm>
+          <a:prstGeom prst="rect">
+            <a:avLst/>
+          </a:prstGeom>
+        </p:spPr>
+      </p:pic>
+      <p:sp>
+        <p:nvSpPr>
+          <p:cNvPr id="4" name="TextBox 3"/>
+          <p:cNvSpPr txBox="1"/>
+          <p:nvPr/>
+        </p:nvSpPr>
+        <p:spPr>
+          <a:xfrm>
+            <a:off x="2592924" y="5434174"/>
+            <a:ext cx="5808000" cy="646331"/>
+          </a:xfrm>
+          <a:prstGeom prst="rect">
+            <a:avLst/>
+          </a:prstGeom>
+          <a:noFill/>
+        </p:spPr>
+        <p:txBody>
+          <a:bodyPr wrap="none" rtlCol="0">
+            <a:spAutoFit/>
+          </a:bodyPr>
+          <a:lstStyle/>
+          <a:p>
+            <a:r>
+              <a:rPr lang="ru-RU" dirty="0" smtClean="0"/>
+              <a:t>Состояние системы в момент пиковой нагрузки</a:t>
+            </a:r>
+          </a:p>
+          <a:p>
+            <a:r>
+              <a:rPr lang="ru-RU" dirty="0" smtClean="0"/>
+              <a:t>в 550 одновременных подключений</a:t>
+            </a:r>
+            <a:endParaRPr lang="en-US" dirty="0"/>
+          </a:p>
+        </p:txBody>
+      </p:sp>
+    </p:spTree>
+    <p:extLst>
+      <p:ext uri="{BB962C8B-B14F-4D97-AF65-F5344CB8AC3E}">
+        <p14:creationId xmlns:p14="http://schemas.microsoft.com/office/powerpoint/2010/main" val="449076256"/>
       </p:ext>
     </p:extLst>
   </p:cSld>

--- a/docs/Презентация ВКР.pptx
+++ b/docs/Презентация ВКР.pptx
@@ -5,7 +5,7 @@
     <p:sldMasterId id="2147483842" r:id="rId1"/>
   </p:sldMasterIdLst>
   <p:notesMasterIdLst>
-    <p:notesMasterId r:id="rId19"/>
+    <p:notesMasterId r:id="rId21"/>
   </p:notesMasterIdLst>
   <p:sldIdLst>
     <p:sldId id="256" r:id="rId2"/>
@@ -17,14 +17,16 @@
     <p:sldId id="261" r:id="rId8"/>
     <p:sldId id="262" r:id="rId9"/>
     <p:sldId id="266" r:id="rId10"/>
-    <p:sldId id="267" r:id="rId11"/>
-    <p:sldId id="268" r:id="rId12"/>
-    <p:sldId id="269" r:id="rId13"/>
-    <p:sldId id="270" r:id="rId14"/>
-    <p:sldId id="271" r:id="rId15"/>
-    <p:sldId id="274" r:id="rId16"/>
+    <p:sldId id="275" r:id="rId11"/>
+    <p:sldId id="267" r:id="rId12"/>
+    <p:sldId id="268" r:id="rId13"/>
+    <p:sldId id="276" r:id="rId14"/>
+    <p:sldId id="269" r:id="rId15"/>
+    <p:sldId id="278" r:id="rId16"/>
     <p:sldId id="273" r:id="rId17"/>
     <p:sldId id="272" r:id="rId18"/>
+    <p:sldId id="277" r:id="rId19"/>
+    <p:sldId id="279" r:id="rId20"/>
   </p:sldIdLst>
   <p:sldSz cx="12192000" cy="6858000"/>
   <p:notesSz cx="6858000" cy="9144000"/>
@@ -1943,7 +1945,7 @@
         <a:lstStyle/>
         <a:p>
           <a:r>
-            <a:rPr lang="ru-RU" smtClean="0"/>
+            <a:rPr lang="ru-RU" dirty="0" smtClean="0"/>
             <a:t>компиляция</a:t>
           </a:r>
           <a:endParaRPr lang="ru-RU" dirty="0"/>
@@ -2068,6 +2070,13 @@
     <dgm:pt modelId="{C81CF859-D0D8-4680-9A2A-8CF27410BEDD}" type="pres">
       <dgm:prSet presAssocID="{A51F1C03-2D2F-4C7D-94D5-B7AD08E17170}" presName="connectorText" presStyleLbl="sibTrans2D1" presStyleIdx="0" presStyleCnt="1"/>
       <dgm:spPr/>
+      <dgm:t>
+        <a:bodyPr/>
+        <a:lstStyle/>
+        <a:p>
+          <a:endParaRPr lang="ru-RU"/>
+        </a:p>
+      </dgm:t>
     </dgm:pt>
     <dgm:pt modelId="{8E39EB52-E254-4ABC-AEF2-14571D6D8F2F}" type="pres">
       <dgm:prSet presAssocID="{E73E64D0-2783-48B2-80CF-2F023DD1A18E}" presName="node" presStyleLbl="node1" presStyleIdx="1" presStyleCnt="2" custScaleX="94022">
@@ -2088,9 +2097,9 @@
   <dgm:cxnLst>
     <dgm:cxn modelId="{C51EBD0A-BC04-41CF-A58D-3ADD9EC705F5}" type="presOf" srcId="{E73E64D0-2783-48B2-80CF-2F023DD1A18E}" destId="{8E39EB52-E254-4ABC-AEF2-14571D6D8F2F}" srcOrd="0" destOrd="0" presId="urn:microsoft.com/office/officeart/2005/8/layout/process1"/>
     <dgm:cxn modelId="{7DE26809-DA91-45F2-B75C-FD2047EC5C6F}" srcId="{2C3A30B2-DA5B-4025-881A-D6C5384C4BA1}" destId="{E73E64D0-2783-48B2-80CF-2F023DD1A18E}" srcOrd="1" destOrd="0" parTransId="{6E4B2A57-38D3-41B8-A838-293B49CEFCC2}" sibTransId="{512E929D-D900-4D07-B5D2-A68BBD682CA0}"/>
+    <dgm:cxn modelId="{F4162ABF-3592-49E9-B0C6-EC3004BADF19}" type="presOf" srcId="{2C3A30B2-DA5B-4025-881A-D6C5384C4BA1}" destId="{508CF8F4-B292-4D75-8342-62DCC8FAFC12}" srcOrd="0" destOrd="0" presId="urn:microsoft.com/office/officeart/2005/8/layout/process1"/>
     <dgm:cxn modelId="{EEC7EBD5-FA52-49B1-9862-7D1CA4187E6F}" type="presOf" srcId="{A51F1C03-2D2F-4C7D-94D5-B7AD08E17170}" destId="{C81CF859-D0D8-4680-9A2A-8CF27410BEDD}" srcOrd="1" destOrd="0" presId="urn:microsoft.com/office/officeart/2005/8/layout/process1"/>
     <dgm:cxn modelId="{989DD581-AF43-4BA3-BE3F-E079936D8403}" srcId="{2C3A30B2-DA5B-4025-881A-D6C5384C4BA1}" destId="{C2609D12-A26A-499B-8D2A-C3646C927C01}" srcOrd="0" destOrd="0" parTransId="{846010D2-9DDF-408F-9878-749B6740C7B3}" sibTransId="{A51F1C03-2D2F-4C7D-94D5-B7AD08E17170}"/>
-    <dgm:cxn modelId="{F4162ABF-3592-49E9-B0C6-EC3004BADF19}" type="presOf" srcId="{2C3A30B2-DA5B-4025-881A-D6C5384C4BA1}" destId="{508CF8F4-B292-4D75-8342-62DCC8FAFC12}" srcOrd="0" destOrd="0" presId="urn:microsoft.com/office/officeart/2005/8/layout/process1"/>
     <dgm:cxn modelId="{70C1F543-6E2A-4446-98A4-93552A71BD4E}" type="presOf" srcId="{A51F1C03-2D2F-4C7D-94D5-B7AD08E17170}" destId="{8C3FC64F-A684-4A54-8169-787A20CE5E29}" srcOrd="0" destOrd="0" presId="urn:microsoft.com/office/officeart/2005/8/layout/process1"/>
     <dgm:cxn modelId="{D2426D91-13A1-49EA-BE42-F1BEAC1A73FB}" type="presOf" srcId="{C2609D12-A26A-499B-8D2A-C3646C927C01}" destId="{FD4E41E6-EC38-4161-A5A0-556A8344AC5A}" srcOrd="0" destOrd="0" presId="urn:microsoft.com/office/officeart/2005/8/layout/process1"/>
     <dgm:cxn modelId="{2278E25B-4541-4197-BD45-53306B02216F}" type="presParOf" srcId="{508CF8F4-B292-4D75-8342-62DCC8FAFC12}" destId="{FD4E41E6-EC38-4161-A5A0-556A8344AC5A}" srcOrd="0" destOrd="0" presId="urn:microsoft.com/office/officeart/2005/8/layout/process1"/>
@@ -2448,6 +2457,13 @@
         </dgm:presLayoutVars>
       </dgm:prSet>
       <dgm:spPr/>
+      <dgm:t>
+        <a:bodyPr/>
+        <a:lstStyle/>
+        <a:p>
+          <a:endParaRPr lang="ru-RU"/>
+        </a:p>
+      </dgm:t>
     </dgm:pt>
     <dgm:pt modelId="{9268B71E-EE71-4E6C-B879-0BA0072598A1}" type="pres">
       <dgm:prSet presAssocID="{47308C15-BB5E-4FAE-88A7-842E9B55661B}" presName="composite" presStyleCnt="0"/>
@@ -2565,11 +2581,11 @@
   </dgm:ptLst>
   <dgm:cxnLst>
     <dgm:cxn modelId="{41CD4315-F27C-442E-82DB-108CFF1506CA}" type="presOf" srcId="{47308C15-BB5E-4FAE-88A7-842E9B55661B}" destId="{4B334BE6-ACF8-4FAB-8082-B17AC276E167}" srcOrd="0" destOrd="0" presId="urn:microsoft.com/office/officeart/2005/8/layout/StepDownProcess"/>
+    <dgm:cxn modelId="{6A28C670-311D-4748-8A2E-FF5B98881353}" srcId="{F80F944D-D2E6-493C-BFF5-077B07E43A4C}" destId="{47308C15-BB5E-4FAE-88A7-842E9B55661B}" srcOrd="0" destOrd="0" parTransId="{0E7A540E-64FA-4B45-9C3E-C902F237979E}" sibTransId="{2155A3E6-9066-461A-B914-93103CD825B0}"/>
+    <dgm:cxn modelId="{959F3B03-2252-4FDC-9E45-DE807C468278}" type="presOf" srcId="{F80F944D-D2E6-493C-BFF5-077B07E43A4C}" destId="{CB3A7AA5-0FC3-4D88-A48E-0583CAC92FE8}" srcOrd="0" destOrd="0" presId="urn:microsoft.com/office/officeart/2005/8/layout/StepDownProcess"/>
     <dgm:cxn modelId="{9B7563AE-4471-4E6F-93C4-E67476E4EB59}" srcId="{F80F944D-D2E6-493C-BFF5-077B07E43A4C}" destId="{28E0CA74-4406-4E0A-B138-A97164140C6A}" srcOrd="1" destOrd="0" parTransId="{3BDBECCA-F78A-47F0-AFD0-E004109F581E}" sibTransId="{797858ED-E92D-48EE-80EA-E9FB6609C2B3}"/>
+    <dgm:cxn modelId="{1173AA27-8143-47CD-A80F-4B65C915BDE0}" type="presOf" srcId="{28E0CA74-4406-4E0A-B138-A97164140C6A}" destId="{7A3DC7ED-13A1-4E50-84AA-A8F3BFFC528E}" srcOrd="0" destOrd="0" presId="urn:microsoft.com/office/officeart/2005/8/layout/StepDownProcess"/>
     <dgm:cxn modelId="{B5E641D7-5C47-47C7-9611-D25AB65B648F}" type="presOf" srcId="{A8F932AA-A515-4A3C-83CC-293F6EB04442}" destId="{215F8DC2-0B97-4F81-9541-179194B83308}" srcOrd="0" destOrd="0" presId="urn:microsoft.com/office/officeart/2005/8/layout/StepDownProcess"/>
-    <dgm:cxn modelId="{6A28C670-311D-4748-8A2E-FF5B98881353}" srcId="{F80F944D-D2E6-493C-BFF5-077B07E43A4C}" destId="{47308C15-BB5E-4FAE-88A7-842E9B55661B}" srcOrd="0" destOrd="0" parTransId="{0E7A540E-64FA-4B45-9C3E-C902F237979E}" sibTransId="{2155A3E6-9066-461A-B914-93103CD825B0}"/>
-    <dgm:cxn modelId="{1173AA27-8143-47CD-A80F-4B65C915BDE0}" type="presOf" srcId="{28E0CA74-4406-4E0A-B138-A97164140C6A}" destId="{7A3DC7ED-13A1-4E50-84AA-A8F3BFFC528E}" srcOrd="0" destOrd="0" presId="urn:microsoft.com/office/officeart/2005/8/layout/StepDownProcess"/>
-    <dgm:cxn modelId="{959F3B03-2252-4FDC-9E45-DE807C468278}" type="presOf" srcId="{F80F944D-D2E6-493C-BFF5-077B07E43A4C}" destId="{CB3A7AA5-0FC3-4D88-A48E-0583CAC92FE8}" srcOrd="0" destOrd="0" presId="urn:microsoft.com/office/officeart/2005/8/layout/StepDownProcess"/>
     <dgm:cxn modelId="{5C792512-7CA3-4F1C-8181-63688DA3857D}" srcId="{F80F944D-D2E6-493C-BFF5-077B07E43A4C}" destId="{A8F932AA-A515-4A3C-83CC-293F6EB04442}" srcOrd="2" destOrd="0" parTransId="{80A7E1D5-26AD-49CF-BE01-D136D2D0405A}" sibTransId="{969D5862-F51B-48F1-8B14-E46EECC38D2B}"/>
     <dgm:cxn modelId="{8105C992-9A67-4A98-823E-308838859992}" type="presParOf" srcId="{CB3A7AA5-0FC3-4D88-A48E-0583CAC92FE8}" destId="{9268B71E-EE71-4E6C-B879-0BA0072598A1}" srcOrd="0" destOrd="0" presId="urn:microsoft.com/office/officeart/2005/8/layout/StepDownProcess"/>
     <dgm:cxn modelId="{2FB4180F-CD5E-4444-B962-73FE7753F6C5}" type="presParOf" srcId="{9268B71E-EE71-4E6C-B879-0BA0072598A1}" destId="{92AA7814-392E-4CEF-88B8-62DA007AA05F}" srcOrd="0" destOrd="0" presId="urn:microsoft.com/office/officeart/2005/8/layout/StepDownProcess"/>
@@ -2928,7 +2944,7 @@
             </a:spcAft>
           </a:pPr>
           <a:r>
-            <a:rPr lang="ru-RU" sz="1400" kern="1200" smtClean="0"/>
+            <a:rPr lang="ru-RU" sz="1400" kern="1200" dirty="0" smtClean="0"/>
             <a:t>компиляция</a:t>
           </a:r>
           <a:endParaRPr lang="ru-RU" sz="1400" kern="1200" dirty="0"/>
@@ -6409,7 +6425,7 @@
           <a:p>
             <a:fld id="{866795EF-B5F3-41B8-8955-C946C1B25F38}" type="datetimeFigureOut">
               <a:rPr lang="en-US" smtClean="0"/>
-              <a:t>5/27/2020</a:t>
+              <a:t>5/28/2020</a:t>
             </a:fld>
             <a:endParaRPr lang="en-US" dirty="0"/>
           </a:p>
@@ -6808,7 +6824,7 @@
           <a:p>
             <a:fld id="{8A5229FB-8832-4A27-994F-F3EDC38C3527}" type="datetimeFigureOut">
               <a:rPr lang="en-US" smtClean="0"/>
-              <a:t>5/27/2020</a:t>
+              <a:t>5/28/2020</a:t>
             </a:fld>
             <a:endParaRPr lang="en-US" dirty="0"/>
           </a:p>
@@ -6978,7 +6994,7 @@
           <a:p>
             <a:fld id="{8A5229FB-8832-4A27-994F-F3EDC38C3527}" type="datetimeFigureOut">
               <a:rPr lang="en-US" smtClean="0"/>
-              <a:t>5/27/2020</a:t>
+              <a:t>5/28/2020</a:t>
             </a:fld>
             <a:endParaRPr lang="en-US" dirty="0"/>
           </a:p>
@@ -7158,7 +7174,7 @@
           <a:p>
             <a:fld id="{8A5229FB-8832-4A27-994F-F3EDC38C3527}" type="datetimeFigureOut">
               <a:rPr lang="en-US" smtClean="0"/>
-              <a:t>5/27/2020</a:t>
+              <a:t>5/28/2020</a:t>
             </a:fld>
             <a:endParaRPr lang="en-US" dirty="0"/>
           </a:p>
@@ -7328,7 +7344,7 @@
           <a:p>
             <a:fld id="{8A5229FB-8832-4A27-994F-F3EDC38C3527}" type="datetimeFigureOut">
               <a:rPr lang="en-US" smtClean="0"/>
-              <a:t>5/27/2020</a:t>
+              <a:t>5/28/2020</a:t>
             </a:fld>
             <a:endParaRPr lang="en-US" dirty="0"/>
           </a:p>
@@ -7574,7 +7590,7 @@
           <a:p>
             <a:fld id="{8A5229FB-8832-4A27-994F-F3EDC38C3527}" type="datetimeFigureOut">
               <a:rPr lang="en-US" smtClean="0"/>
-              <a:t>5/27/2020</a:t>
+              <a:t>5/28/2020</a:t>
             </a:fld>
             <a:endParaRPr lang="en-US" dirty="0"/>
           </a:p>
@@ -7806,7 +7822,7 @@
           <a:p>
             <a:fld id="{8A5229FB-8832-4A27-994F-F3EDC38C3527}" type="datetimeFigureOut">
               <a:rPr lang="en-US" smtClean="0"/>
-              <a:t>5/27/2020</a:t>
+              <a:t>5/28/2020</a:t>
             </a:fld>
             <a:endParaRPr lang="en-US" dirty="0"/>
           </a:p>
@@ -8173,7 +8189,7 @@
           <a:p>
             <a:fld id="{8A5229FB-8832-4A27-994F-F3EDC38C3527}" type="datetimeFigureOut">
               <a:rPr lang="en-US" smtClean="0"/>
-              <a:t>5/27/2020</a:t>
+              <a:t>5/28/2020</a:t>
             </a:fld>
             <a:endParaRPr lang="en-US" dirty="0"/>
           </a:p>
@@ -8291,7 +8307,7 @@
           <a:p>
             <a:fld id="{8A5229FB-8832-4A27-994F-F3EDC38C3527}" type="datetimeFigureOut">
               <a:rPr lang="en-US" smtClean="0"/>
-              <a:t>5/27/2020</a:t>
+              <a:t>5/28/2020</a:t>
             </a:fld>
             <a:endParaRPr lang="en-US" dirty="0"/>
           </a:p>
@@ -8386,7 +8402,7 @@
           <a:p>
             <a:fld id="{8A5229FB-8832-4A27-994F-F3EDC38C3527}" type="datetimeFigureOut">
               <a:rPr lang="en-US" smtClean="0"/>
-              <a:t>5/27/2020</a:t>
+              <a:t>5/28/2020</a:t>
             </a:fld>
             <a:endParaRPr lang="en-US" dirty="0"/>
           </a:p>
@@ -8663,7 +8679,7 @@
           <a:p>
             <a:fld id="{8A5229FB-8832-4A27-994F-F3EDC38C3527}" type="datetimeFigureOut">
               <a:rPr lang="en-US" smtClean="0"/>
-              <a:t>5/27/2020</a:t>
+              <a:t>5/28/2020</a:t>
             </a:fld>
             <a:endParaRPr lang="en-US" dirty="0"/>
           </a:p>
@@ -8916,7 +8932,7 @@
           <a:p>
             <a:fld id="{8A5229FB-8832-4A27-994F-F3EDC38C3527}" type="datetimeFigureOut">
               <a:rPr lang="en-US" smtClean="0"/>
-              <a:t>5/27/2020</a:t>
+              <a:t>5/28/2020</a:t>
             </a:fld>
             <a:endParaRPr lang="en-US" dirty="0"/>
           </a:p>
@@ -9129,7 +9145,7 @@
           <a:p>
             <a:fld id="{8A5229FB-8832-4A27-994F-F3EDC38C3527}" type="datetimeFigureOut">
               <a:rPr lang="en-US" smtClean="0"/>
-              <a:t>5/27/2020</a:t>
+              <a:t>5/28/2020</a:t>
             </a:fld>
             <a:endParaRPr lang="en-US" dirty="0"/>
           </a:p>
@@ -10147,193 +10163,237 @@
       </p:grpSpPr>
       <p:sp>
         <p:nvSpPr>
-          <p:cNvPr id="2" name="Заголовок 1"/>
-          <p:cNvSpPr>
-            <a:spLocks noGrp="1"/>
-          </p:cNvSpPr>
-          <p:nvPr>
-            <p:ph type="title"/>
-          </p:nvPr>
+          <p:cNvPr id="3" name="TextBox 2"/>
+          <p:cNvSpPr txBox="1"/>
+          <p:nvPr/>
         </p:nvSpPr>
-        <p:spPr/>
+        <p:spPr>
+          <a:xfrm>
+            <a:off x="824593" y="391886"/>
+            <a:ext cx="11201400" cy="523220"/>
+          </a:xfrm>
+          <a:prstGeom prst="rect">
+            <a:avLst/>
+          </a:prstGeom>
+          <a:noFill/>
+        </p:spPr>
         <p:txBody>
-          <a:bodyPr>
-            <a:normAutofit/>
+          <a:bodyPr wrap="square" rtlCol="0">
+            <a:spAutoFit/>
           </a:bodyPr>
           <a:lstStyle/>
           <a:p>
             <a:r>
-              <a:rPr lang="en-US" dirty="0" smtClean="0"/>
-              <a:t>RESTFul </a:t>
-            </a:r>
-            <a:r>
-              <a:rPr lang="ru-RU" dirty="0" smtClean="0"/>
-              <a:t>веб-сервис шаблонизации</a:t>
-            </a:r>
-            <a:endParaRPr lang="en-US" dirty="0"/>
+              <a:rPr lang="ru-RU" sz="2800" b="1" dirty="0">
+                <a:latin typeface="Courier New" panose="02070309020205020404" pitchFamily="49" charset="0"/>
+                <a:cs typeface="Courier New" panose="02070309020205020404" pitchFamily="49" charset="0"/>
+              </a:rPr>
+              <a:t>Выбранные решения проблемы производительности</a:t>
+            </a:r>
           </a:p>
         </p:txBody>
       </p:sp>
       <p:sp>
         <p:nvSpPr>
-          <p:cNvPr id="3" name="Объект 2"/>
-          <p:cNvSpPr>
-            <a:spLocks noGrp="1"/>
-          </p:cNvSpPr>
-          <p:nvPr>
-            <p:ph idx="1"/>
-          </p:nvPr>
+          <p:cNvPr id="4" name="TextBox 3"/>
+          <p:cNvSpPr txBox="1"/>
+          <p:nvPr/>
         </p:nvSpPr>
         <p:spPr>
           <a:xfrm>
-            <a:off x="2589212" y="1639612"/>
-            <a:ext cx="8915400" cy="4277711"/>
+            <a:off x="1068174" y="1208989"/>
+            <a:ext cx="9805308" cy="3046988"/>
           </a:xfrm>
+          <a:prstGeom prst="rect">
+            <a:avLst/>
+          </a:prstGeom>
+          <a:noFill/>
         </p:spPr>
         <p:txBody>
-          <a:bodyPr>
-            <a:normAutofit lnSpcReduction="10000"/>
+          <a:bodyPr wrap="square" rtlCol="0">
+            <a:spAutoFit/>
           </a:bodyPr>
           <a:lstStyle/>
           <a:p>
-            <a:pPr marL="0" indent="0" algn="just">
-              <a:buNone/>
+            <a:pPr marL="457200" indent="-457200">
+              <a:lnSpc>
+                <a:spcPct val="150000"/>
+              </a:lnSpc>
+              <a:buFont typeface="+mj-lt"/>
+              <a:buAutoNum type="arabicPeriod"/>
             </a:pPr>
             <a:r>
-              <a:rPr lang="en-US" sz="2000" b="1" dirty="0" smtClean="0"/>
-              <a:t>REST</a:t>
-            </a:r>
-            <a:r>
-              <a:rPr lang="en-US" sz="2000" dirty="0" smtClean="0"/>
-              <a:t> – </a:t>
-            </a:r>
-            <a:r>
-              <a:rPr lang="ru-RU" sz="2000" dirty="0" smtClean="0"/>
-              <a:t>архитектурный </a:t>
-            </a:r>
-            <a:r>
-              <a:rPr lang="ru-RU" sz="2000" dirty="0"/>
-              <a:t>стиль взаимодействия компонентов распределённого приложения в сети. REST представляет собой согласованный набор ограничений, учитываемых при проектировании </a:t>
-            </a:r>
-            <a:r>
-              <a:rPr lang="ru-RU" sz="2000" dirty="0" smtClean="0"/>
-              <a:t>распределённой</a:t>
-            </a:r>
-            <a:r>
-              <a:rPr lang="en-US" sz="2000" dirty="0" smtClean="0"/>
+              <a:rPr lang="ru-RU" sz="2400" dirty="0" smtClean="0">
+                <a:latin typeface="Courier New" panose="02070309020205020404" pitchFamily="49" charset="0"/>
+                <a:cs typeface="Courier New" panose="02070309020205020404" pitchFamily="49" charset="0"/>
+              </a:rPr>
+              <a:t>Использование в разработке </a:t>
+            </a:r>
+            <a:r>
+              <a:rPr lang="ru-RU" sz="2400" b="1" dirty="0" smtClean="0">
+                <a:latin typeface="Courier New" panose="02070309020205020404" pitchFamily="49" charset="0"/>
+                <a:cs typeface="Courier New" panose="02070309020205020404" pitchFamily="49" charset="0"/>
+              </a:rPr>
+              <a:t>компилируемого языка</a:t>
+            </a:r>
+          </a:p>
+          <a:p>
+            <a:pPr marL="457200" indent="-457200">
+              <a:lnSpc>
+                <a:spcPct val="150000"/>
+              </a:lnSpc>
+              <a:buFont typeface="+mj-lt"/>
+              <a:buAutoNum type="arabicPeriod"/>
+            </a:pPr>
+            <a:r>
+              <a:rPr lang="ru-RU" sz="2400" dirty="0" smtClean="0">
+                <a:latin typeface="Courier New" panose="02070309020205020404" pitchFamily="49" charset="0"/>
+                <a:cs typeface="Courier New" panose="02070309020205020404" pitchFamily="49" charset="0"/>
+              </a:rPr>
+              <a:t>Использование парадигмы </a:t>
+            </a:r>
+            <a:r>
+              <a:rPr lang="en-US" sz="2400" b="1" dirty="0" smtClean="0">
+                <a:latin typeface="Courier New" panose="02070309020205020404" pitchFamily="49" charset="0"/>
+                <a:cs typeface="Courier New" panose="02070309020205020404" pitchFamily="49" charset="0"/>
+              </a:rPr>
+              <a:t>RAII</a:t>
+            </a:r>
+            <a:r>
+              <a:rPr lang="ru-RU" sz="2400" dirty="0">
+                <a:latin typeface="Courier New" panose="02070309020205020404" pitchFamily="49" charset="0"/>
+                <a:cs typeface="Courier New" panose="02070309020205020404" pitchFamily="49" charset="0"/>
+              </a:rPr>
               <a:t> </a:t>
             </a:r>
             <a:r>
-              <a:rPr lang="ru-RU" sz="2000" dirty="0" smtClean="0"/>
-              <a:t>информационной системы. Веб-сервисы удовлетворяющие данным ограничениям называются </a:t>
-            </a:r>
-            <a:r>
-              <a:rPr lang="en-US" sz="2000" dirty="0" smtClean="0"/>
-              <a:t>RESTFul</a:t>
-            </a:r>
-            <a:r>
-              <a:rPr lang="en-US" sz="2000" dirty="0"/>
-              <a:t> </a:t>
-            </a:r>
-            <a:r>
-              <a:rPr lang="ru-RU" sz="2000" dirty="0" smtClean="0"/>
-              <a:t>сервисами</a:t>
-            </a:r>
-            <a:r>
-              <a:rPr lang="ru-RU" dirty="0" smtClean="0"/>
-              <a:t>.</a:t>
-            </a:r>
-          </a:p>
-          <a:p>
-            <a:pPr marL="0" indent="0" algn="just">
-              <a:buNone/>
+              <a:rPr lang="ru-RU" sz="2400" dirty="0" smtClean="0">
+                <a:latin typeface="Courier New" panose="02070309020205020404" pitchFamily="49" charset="0"/>
+                <a:cs typeface="Courier New" panose="02070309020205020404" pitchFamily="49" charset="0"/>
+              </a:rPr>
+              <a:t>вместо сборки мусора</a:t>
+            </a:r>
+          </a:p>
+          <a:p>
+            <a:pPr marL="457200" indent="-457200">
+              <a:lnSpc>
+                <a:spcPct val="150000"/>
+              </a:lnSpc>
+              <a:buFont typeface="+mj-lt"/>
+              <a:buAutoNum type="arabicPeriod"/>
             </a:pPr>
             <a:r>
-              <a:rPr lang="ru-RU" b="1" dirty="0" smtClean="0"/>
-              <a:t>Преимущества </a:t>
-            </a:r>
-            <a:r>
-              <a:rPr lang="en-US" b="1" dirty="0" smtClean="0"/>
-              <a:t>REST:</a:t>
-            </a:r>
-          </a:p>
-          <a:p>
-            <a:pPr algn="just">
-              <a:buFont typeface="Wingdings" panose="05000000000000000000" pitchFamily="2" charset="2"/>
-              <a:buChar char="ü"/>
+              <a:rPr lang="ru-RU" sz="2400" dirty="0" smtClean="0">
+                <a:latin typeface="Courier New" panose="02070309020205020404" pitchFamily="49" charset="0"/>
+                <a:cs typeface="Courier New" panose="02070309020205020404" pitchFamily="49" charset="0"/>
+              </a:rPr>
+              <a:t>Использование кеширования алгоритмом </a:t>
+            </a:r>
+            <a:r>
+              <a:rPr lang="en-US" sz="2400" b="1" dirty="0" smtClean="0">
+                <a:latin typeface="Courier New" panose="02070309020205020404" pitchFamily="49" charset="0"/>
+                <a:cs typeface="Courier New" panose="02070309020205020404" pitchFamily="49" charset="0"/>
+              </a:rPr>
+              <a:t>LRU</a:t>
+            </a:r>
+          </a:p>
+          <a:p>
+            <a:pPr marL="457200" indent="-457200">
+              <a:lnSpc>
+                <a:spcPct val="150000"/>
+              </a:lnSpc>
+              <a:buFont typeface="+mj-lt"/>
+              <a:buAutoNum type="arabicPeriod"/>
             </a:pPr>
             <a:r>
-              <a:rPr lang="ru-RU" dirty="0" smtClean="0"/>
-              <a:t>Использование стандартизованного протокола </a:t>
-            </a:r>
-            <a:r>
-              <a:rPr lang="en-US" dirty="0" smtClean="0"/>
-              <a:t>HTTP</a:t>
-            </a:r>
-          </a:p>
-          <a:p>
-            <a:pPr algn="just">
-              <a:buFont typeface="Wingdings" panose="05000000000000000000" pitchFamily="2" charset="2"/>
-              <a:buChar char="ü"/>
+              <a:rPr lang="ru-RU" sz="2400" dirty="0" smtClean="0">
+                <a:latin typeface="Courier New" panose="02070309020205020404" pitchFamily="49" charset="0"/>
+                <a:cs typeface="Courier New" panose="02070309020205020404" pitchFamily="49" charset="0"/>
+              </a:rPr>
+              <a:t>Разработка </a:t>
+            </a:r>
+            <a:r>
+              <a:rPr lang="ru-RU" sz="2400" b="1" dirty="0" smtClean="0">
+                <a:latin typeface="Courier New" panose="02070309020205020404" pitchFamily="49" charset="0"/>
+                <a:cs typeface="Courier New" panose="02070309020205020404" pitchFamily="49" charset="0"/>
+              </a:rPr>
+              <a:t>веб-сервиса</a:t>
+            </a:r>
+            <a:r>
+              <a:rPr lang="ru-RU" sz="2400" dirty="0" smtClean="0">
+                <a:latin typeface="Courier New" panose="02070309020205020404" pitchFamily="49" charset="0"/>
+                <a:cs typeface="Courier New" panose="02070309020205020404" pitchFamily="49" charset="0"/>
+              </a:rPr>
+              <a:t> шаблоназации с поддержкой:</a:t>
+            </a:r>
+          </a:p>
+          <a:p>
+            <a:pPr marL="742950" lvl="1" indent="-285750">
+              <a:buFont typeface="Arial" panose="020B0604020202020204" pitchFamily="34" charset="0"/>
+              <a:buChar char="•"/>
             </a:pPr>
             <a:r>
-              <a:rPr lang="ru-RU" dirty="0" smtClean="0"/>
-              <a:t>Клиент-серверная архитектура</a:t>
-            </a:r>
-          </a:p>
-          <a:p>
-            <a:pPr algn="just">
-              <a:buFont typeface="Wingdings" panose="05000000000000000000" pitchFamily="2" charset="2"/>
-              <a:buChar char="ü"/>
+              <a:rPr lang="ru-RU" sz="2400" b="1" dirty="0">
+                <a:latin typeface="Courier New" panose="02070309020205020404" pitchFamily="49" charset="0"/>
+                <a:cs typeface="Courier New" panose="02070309020205020404" pitchFamily="49" charset="0"/>
+              </a:rPr>
+              <a:t>м</a:t>
+            </a:r>
+            <a:r>
+              <a:rPr lang="ru-RU" sz="2400" b="1" dirty="0" smtClean="0">
+                <a:latin typeface="Courier New" panose="02070309020205020404" pitchFamily="49" charset="0"/>
+                <a:cs typeface="Courier New" panose="02070309020205020404" pitchFamily="49" charset="0"/>
+              </a:rPr>
+              <a:t>ногопоточного</a:t>
+            </a:r>
+            <a:r>
+              <a:rPr lang="ru-RU" sz="2400" dirty="0" smtClean="0">
+                <a:latin typeface="Courier New" panose="02070309020205020404" pitchFamily="49" charset="0"/>
+                <a:cs typeface="Courier New" panose="02070309020205020404" pitchFamily="49" charset="0"/>
+              </a:rPr>
+              <a:t> (параллельного исполнения)</a:t>
+            </a:r>
+          </a:p>
+          <a:p>
+            <a:pPr marL="742950" lvl="1" indent="-285750">
+              <a:buFont typeface="Arial" panose="020B0604020202020204" pitchFamily="34" charset="0"/>
+              <a:buChar char="•"/>
             </a:pPr>
             <a:r>
-              <a:rPr lang="ru-RU" dirty="0" smtClean="0"/>
-              <a:t>Простота масштабирования</a:t>
-            </a:r>
-          </a:p>
-          <a:p>
-            <a:pPr algn="just">
-              <a:buFont typeface="Wingdings" panose="05000000000000000000" pitchFamily="2" charset="2"/>
-              <a:buChar char="ü"/>
-            </a:pPr>
-            <a:r>
-              <a:rPr lang="ru-RU" dirty="0" smtClean="0"/>
-              <a:t>Наличие унифицированного интерфейса для всех возможностей сервиса</a:t>
-            </a:r>
-            <a:endParaRPr lang="en-US" dirty="0" smtClean="0"/>
-          </a:p>
-          <a:p>
-            <a:pPr algn="just">
-              <a:buFont typeface="Wingdings" panose="05000000000000000000" pitchFamily="2" charset="2"/>
-              <a:buChar char="ü"/>
-            </a:pPr>
-            <a:endParaRPr lang="ru-RU" b="1" dirty="0"/>
-          </a:p>
-          <a:p>
-            <a:pPr marL="0" indent="0" algn="just">
-              <a:buNone/>
-            </a:pPr>
-            <a:endParaRPr lang="ru-RU" dirty="0" smtClean="0"/>
+              <a:rPr lang="ru-RU" sz="2400" b="1" dirty="0">
+                <a:latin typeface="Courier New" panose="02070309020205020404" pitchFamily="49" charset="0"/>
+                <a:cs typeface="Courier New" panose="02070309020205020404" pitchFamily="49" charset="0"/>
+              </a:rPr>
+              <a:t>а</a:t>
+            </a:r>
+            <a:r>
+              <a:rPr lang="ru-RU" sz="2400" b="1" dirty="0" smtClean="0">
+                <a:latin typeface="Courier New" panose="02070309020205020404" pitchFamily="49" charset="0"/>
+                <a:cs typeface="Courier New" panose="02070309020205020404" pitchFamily="49" charset="0"/>
+              </a:rPr>
+              <a:t>синхронного</a:t>
+            </a:r>
+            <a:r>
+              <a:rPr lang="ru-RU" sz="2400" dirty="0" smtClean="0">
+                <a:latin typeface="Courier New" panose="02070309020205020404" pitchFamily="49" charset="0"/>
+                <a:cs typeface="Courier New" panose="02070309020205020404" pitchFamily="49" charset="0"/>
+              </a:rPr>
+              <a:t> выполнения</a:t>
+            </a:r>
+            <a:endParaRPr lang="en-US" dirty="0"/>
           </a:p>
         </p:txBody>
       </p:sp>
     </p:spTree>
     <p:extLst>
       <p:ext uri="{BB962C8B-B14F-4D97-AF65-F5344CB8AC3E}">
-        <p14:creationId xmlns:p14="http://schemas.microsoft.com/office/powerpoint/2010/main" val="4193538942"/>
+        <p14:creationId xmlns:p14="http://schemas.microsoft.com/office/powerpoint/2010/main" val="31615129"/>
       </p:ext>
     </p:extLst>
   </p:cSld>
   <p:clrMapOvr>
     <a:masterClrMapping/>
   </p:clrMapOvr>
-  <p:timing>
-    <p:tnLst>
-      <p:par>
-        <p:cTn id="1" dur="indefinite" restart="never" nodeType="tmRoot"/>
-      </p:par>
-    </p:tnLst>
-  </p:timing>
 </p:sld>
 </file>
 
@@ -10372,42 +10432,214 @@
       </p:grpSpPr>
       <p:sp>
         <p:nvSpPr>
-          <p:cNvPr id="2" name="Заголовок 1"/>
-          <p:cNvSpPr>
-            <a:spLocks noGrp="1"/>
-          </p:cNvSpPr>
-          <p:nvPr>
-            <p:ph type="title"/>
-          </p:nvPr>
+          <p:cNvPr id="5" name="TextBox 4"/>
+          <p:cNvSpPr txBox="1"/>
+          <p:nvPr/>
         </p:nvSpPr>
         <p:spPr>
           <a:xfrm>
-            <a:off x="2592924" y="624110"/>
-            <a:ext cx="8911687" cy="721214"/>
+            <a:off x="775607" y="285752"/>
+            <a:ext cx="9788979" cy="584775"/>
           </a:xfrm>
+          <a:prstGeom prst="rect">
+            <a:avLst/>
+          </a:prstGeom>
+          <a:noFill/>
         </p:spPr>
         <p:txBody>
-          <a:bodyPr/>
+          <a:bodyPr wrap="square" rtlCol="0">
+            <a:spAutoFit/>
+          </a:bodyPr>
           <a:lstStyle/>
           <a:p>
             <a:r>
-              <a:rPr lang="ru-RU" dirty="0" smtClean="0"/>
-              <a:t>Модель работы веб-сервиса</a:t>
-            </a:r>
-            <a:endParaRPr lang="en-US" dirty="0"/>
+              <a:rPr lang="en-US" sz="3200" b="1" dirty="0" smtClean="0">
+                <a:latin typeface="Courier New" panose="02070309020205020404" pitchFamily="49" charset="0"/>
+                <a:cs typeface="Courier New" panose="02070309020205020404" pitchFamily="49" charset="0"/>
+              </a:rPr>
+              <a:t>RESTFul </a:t>
+            </a:r>
+            <a:r>
+              <a:rPr lang="ru-RU" sz="3200" b="1" dirty="0" smtClean="0">
+                <a:latin typeface="Courier New" panose="02070309020205020404" pitchFamily="49" charset="0"/>
+                <a:cs typeface="Courier New" panose="02070309020205020404" pitchFamily="49" charset="0"/>
+              </a:rPr>
+              <a:t>Веб-сервис шаблонизации</a:t>
+            </a:r>
+            <a:endParaRPr lang="en-US" sz="3200" b="1" dirty="0">
+              <a:latin typeface="Courier New" panose="02070309020205020404" pitchFamily="49" charset="0"/>
+              <a:cs typeface="Courier New" panose="02070309020205020404" pitchFamily="49" charset="0"/>
+            </a:endParaRPr>
+          </a:p>
+        </p:txBody>
+      </p:sp>
+      <p:sp>
+        <p:nvSpPr>
+          <p:cNvPr id="7" name="TextBox 6"/>
+          <p:cNvSpPr txBox="1"/>
+          <p:nvPr/>
+        </p:nvSpPr>
+        <p:spPr>
+          <a:xfrm>
+            <a:off x="963387" y="1054894"/>
+            <a:ext cx="9984921" cy="2769989"/>
+          </a:xfrm>
+          <a:prstGeom prst="rect">
+            <a:avLst/>
+          </a:prstGeom>
+          <a:noFill/>
+        </p:spPr>
+        <p:txBody>
+          <a:bodyPr wrap="square" rtlCol="0">
+            <a:spAutoFit/>
+          </a:bodyPr>
+          <a:lstStyle/>
+          <a:p>
+            <a:pPr algn="just"/>
+            <a:r>
+              <a:rPr lang="en-US" sz="2400" b="1" dirty="0">
+                <a:latin typeface="Courier New" panose="02070309020205020404" pitchFamily="49" charset="0"/>
+                <a:cs typeface="Courier New" panose="02070309020205020404" pitchFamily="49" charset="0"/>
+              </a:rPr>
+              <a:t>REST</a:t>
+            </a:r>
+            <a:r>
+              <a:rPr lang="en-US" sz="2400" dirty="0">
+                <a:latin typeface="Courier New" panose="02070309020205020404" pitchFamily="49" charset="0"/>
+                <a:cs typeface="Courier New" panose="02070309020205020404" pitchFamily="49" charset="0"/>
+              </a:rPr>
+              <a:t> – </a:t>
+            </a:r>
+            <a:r>
+              <a:rPr lang="ru-RU" sz="2400" dirty="0">
+                <a:latin typeface="Courier New" panose="02070309020205020404" pitchFamily="49" charset="0"/>
+                <a:cs typeface="Courier New" panose="02070309020205020404" pitchFamily="49" charset="0"/>
+              </a:rPr>
+              <a:t>архитектурный стиль взаимодействия компонентов распределённого приложения в сети</a:t>
+            </a:r>
+            <a:r>
+              <a:rPr lang="ru-RU" sz="2400" dirty="0" smtClean="0">
+                <a:latin typeface="Courier New" panose="02070309020205020404" pitchFamily="49" charset="0"/>
+                <a:cs typeface="Courier New" panose="02070309020205020404" pitchFamily="49" charset="0"/>
+              </a:rPr>
+              <a:t>.</a:t>
+            </a:r>
+            <a:endParaRPr lang="ru-RU" sz="2400" dirty="0">
+              <a:latin typeface="Courier New" panose="02070309020205020404" pitchFamily="49" charset="0"/>
+              <a:cs typeface="Courier New" panose="02070309020205020404" pitchFamily="49" charset="0"/>
+            </a:endParaRPr>
+          </a:p>
+          <a:p>
+            <a:pPr algn="just"/>
+            <a:r>
+              <a:rPr lang="ru-RU" b="1" dirty="0">
+                <a:latin typeface="Courier New" panose="02070309020205020404" pitchFamily="49" charset="0"/>
+                <a:cs typeface="Courier New" panose="02070309020205020404" pitchFamily="49" charset="0"/>
+              </a:rPr>
+              <a:t>Преимущества </a:t>
+            </a:r>
+            <a:r>
+              <a:rPr lang="en-US" b="1" dirty="0">
+                <a:latin typeface="Courier New" panose="02070309020205020404" pitchFamily="49" charset="0"/>
+                <a:cs typeface="Courier New" panose="02070309020205020404" pitchFamily="49" charset="0"/>
+              </a:rPr>
+              <a:t>REST:</a:t>
+            </a:r>
+          </a:p>
+          <a:p>
+            <a:pPr marL="742950" lvl="1" indent="-285750" algn="just">
+              <a:lnSpc>
+                <a:spcPct val="150000"/>
+              </a:lnSpc>
+              <a:buFont typeface="Arial" panose="020B0604020202020204" pitchFamily="34" charset="0"/>
+              <a:buChar char="•"/>
+            </a:pPr>
+            <a:r>
+              <a:rPr lang="ru-RU" dirty="0">
+                <a:latin typeface="Courier New" panose="02070309020205020404" pitchFamily="49" charset="0"/>
+                <a:cs typeface="Courier New" panose="02070309020205020404" pitchFamily="49" charset="0"/>
+              </a:rPr>
+              <a:t>Использование стандартизованного протокола </a:t>
+            </a:r>
+            <a:r>
+              <a:rPr lang="en-US" dirty="0">
+                <a:latin typeface="Courier New" panose="02070309020205020404" pitchFamily="49" charset="0"/>
+                <a:cs typeface="Courier New" panose="02070309020205020404" pitchFamily="49" charset="0"/>
+              </a:rPr>
+              <a:t>HTTP</a:t>
+            </a:r>
+          </a:p>
+          <a:p>
+            <a:pPr marL="742950" lvl="1" indent="-285750" algn="just">
+              <a:lnSpc>
+                <a:spcPct val="150000"/>
+              </a:lnSpc>
+              <a:buFont typeface="Arial" panose="020B0604020202020204" pitchFamily="34" charset="0"/>
+              <a:buChar char="•"/>
+            </a:pPr>
+            <a:r>
+              <a:rPr lang="ru-RU" dirty="0">
+                <a:latin typeface="Courier New" panose="02070309020205020404" pitchFamily="49" charset="0"/>
+                <a:cs typeface="Courier New" panose="02070309020205020404" pitchFamily="49" charset="0"/>
+              </a:rPr>
+              <a:t>Клиент-серверная архитектура</a:t>
+            </a:r>
+          </a:p>
+          <a:p>
+            <a:pPr marL="742950" lvl="1" indent="-285750" algn="just">
+              <a:lnSpc>
+                <a:spcPct val="150000"/>
+              </a:lnSpc>
+              <a:buFont typeface="Arial" panose="020B0604020202020204" pitchFamily="34" charset="0"/>
+              <a:buChar char="•"/>
+            </a:pPr>
+            <a:r>
+              <a:rPr lang="ru-RU" dirty="0">
+                <a:latin typeface="Courier New" panose="02070309020205020404" pitchFamily="49" charset="0"/>
+                <a:cs typeface="Courier New" panose="02070309020205020404" pitchFamily="49" charset="0"/>
+              </a:rPr>
+              <a:t>Простота масштабирования</a:t>
+            </a:r>
+          </a:p>
+          <a:p>
+            <a:pPr marL="742950" lvl="1" indent="-285750" algn="just">
+              <a:lnSpc>
+                <a:spcPct val="150000"/>
+              </a:lnSpc>
+              <a:buFont typeface="Arial" panose="020B0604020202020204" pitchFamily="34" charset="0"/>
+              <a:buChar char="•"/>
+            </a:pPr>
+            <a:r>
+              <a:rPr lang="ru-RU" dirty="0">
+                <a:latin typeface="Courier New" panose="02070309020205020404" pitchFamily="49" charset="0"/>
+                <a:cs typeface="Courier New" panose="02070309020205020404" pitchFamily="49" charset="0"/>
+              </a:rPr>
+              <a:t>Наличие унифицированного интерфейса для всех возможностей </a:t>
+            </a:r>
+            <a:r>
+              <a:rPr lang="ru-RU" dirty="0" smtClean="0">
+                <a:latin typeface="Courier New" panose="02070309020205020404" pitchFamily="49" charset="0"/>
+                <a:cs typeface="Courier New" panose="02070309020205020404" pitchFamily="49" charset="0"/>
+              </a:rPr>
+              <a:t>сервиса</a:t>
+            </a:r>
+            <a:endParaRPr lang="en-US" dirty="0">
+              <a:latin typeface="Courier New" panose="02070309020205020404" pitchFamily="49" charset="0"/>
+              <a:cs typeface="Courier New" panose="02070309020205020404" pitchFamily="49" charset="0"/>
+            </a:endParaRPr>
           </a:p>
         </p:txBody>
       </p:sp>
       <p:pic>
         <p:nvPicPr>
-          <p:cNvPr id="5" name="Рисунок 4"/>
+          <p:cNvPr id="9" name="Рисунок 8"/>
           <p:cNvPicPr>
             <a:picLocks noChangeAspect="1"/>
           </p:cNvPicPr>
           <p:nvPr/>
         </p:nvPicPr>
         <p:blipFill>
-          <a:blip r:embed="rId2" cstate="print">
+          <a:blip r:embed="rId2">
             <a:extLst>
               <a:ext uri="{28A0092B-C50C-407E-A947-70E740481C1C}">
                 <a14:useLocalDpi xmlns:a14="http://schemas.microsoft.com/office/drawing/2010/main" val="0"/>
@@ -10420,937 +10652,18 @@
         </p:blipFill>
         <p:spPr>
           <a:xfrm>
-            <a:off x="1731076" y="1660634"/>
-            <a:ext cx="861848" cy="578070"/>
+            <a:off x="2516980" y="4009250"/>
+            <a:ext cx="6534831" cy="2365601"/>
           </a:xfrm>
           <a:prstGeom prst="rect">
             <a:avLst/>
           </a:prstGeom>
         </p:spPr>
       </p:pic>
-      <p:pic>
-        <p:nvPicPr>
-          <p:cNvPr id="6" name="Рисунок 5"/>
-          <p:cNvPicPr>
-            <a:picLocks noChangeAspect="1"/>
-          </p:cNvPicPr>
-          <p:nvPr/>
-        </p:nvPicPr>
-        <p:blipFill>
-          <a:blip r:embed="rId2" cstate="print">
-            <a:extLst>
-              <a:ext uri="{28A0092B-C50C-407E-A947-70E740481C1C}">
-                <a14:useLocalDpi xmlns:a14="http://schemas.microsoft.com/office/drawing/2010/main" val="0"/>
-              </a:ext>
-            </a:extLst>
-          </a:blip>
-          <a:stretch>
-            <a:fillRect/>
-          </a:stretch>
-        </p:blipFill>
-        <p:spPr>
-          <a:xfrm>
-            <a:off x="1731076" y="2672253"/>
-            <a:ext cx="861848" cy="578070"/>
-          </a:xfrm>
-          <a:prstGeom prst="rect">
-            <a:avLst/>
-          </a:prstGeom>
-        </p:spPr>
-      </p:pic>
-      <p:pic>
-        <p:nvPicPr>
-          <p:cNvPr id="7" name="Рисунок 6"/>
-          <p:cNvPicPr>
-            <a:picLocks noChangeAspect="1"/>
-          </p:cNvPicPr>
-          <p:nvPr/>
-        </p:nvPicPr>
-        <p:blipFill>
-          <a:blip r:embed="rId2" cstate="print">
-            <a:extLst>
-              <a:ext uri="{28A0092B-C50C-407E-A947-70E740481C1C}">
-                <a14:useLocalDpi xmlns:a14="http://schemas.microsoft.com/office/drawing/2010/main" val="0"/>
-              </a:ext>
-            </a:extLst>
-          </a:blip>
-          <a:stretch>
-            <a:fillRect/>
-          </a:stretch>
-        </p:blipFill>
-        <p:spPr>
-          <a:xfrm>
-            <a:off x="1731076" y="3683872"/>
-            <a:ext cx="861848" cy="578070"/>
-          </a:xfrm>
-          <a:prstGeom prst="rect">
-            <a:avLst/>
-          </a:prstGeom>
-        </p:spPr>
-      </p:pic>
-      <p:pic>
-        <p:nvPicPr>
-          <p:cNvPr id="8" name="Рисунок 7"/>
-          <p:cNvPicPr>
-            <a:picLocks noChangeAspect="1"/>
-          </p:cNvPicPr>
-          <p:nvPr/>
-        </p:nvPicPr>
-        <p:blipFill>
-          <a:blip r:embed="rId2" cstate="print">
-            <a:extLst>
-              <a:ext uri="{28A0092B-C50C-407E-A947-70E740481C1C}">
-                <a14:useLocalDpi xmlns:a14="http://schemas.microsoft.com/office/drawing/2010/main" val="0"/>
-              </a:ext>
-            </a:extLst>
-          </a:blip>
-          <a:stretch>
-            <a:fillRect/>
-          </a:stretch>
-        </p:blipFill>
-        <p:spPr>
-          <a:xfrm>
-            <a:off x="1731076" y="5056319"/>
-            <a:ext cx="861848" cy="578070"/>
-          </a:xfrm>
-          <a:prstGeom prst="rect">
-            <a:avLst/>
-          </a:prstGeom>
-        </p:spPr>
-      </p:pic>
-      <p:sp>
-        <p:nvSpPr>
-          <p:cNvPr id="9" name="TextBox 8"/>
-          <p:cNvSpPr txBox="1"/>
-          <p:nvPr/>
-        </p:nvSpPr>
-        <p:spPr>
-          <a:xfrm>
-            <a:off x="1731076" y="2269896"/>
-            <a:ext cx="833883" cy="276999"/>
-          </a:xfrm>
-          <a:prstGeom prst="rect">
-            <a:avLst/>
-          </a:prstGeom>
-          <a:noFill/>
-        </p:spPr>
-        <p:txBody>
-          <a:bodyPr wrap="none" rtlCol="0">
-            <a:spAutoFit/>
-          </a:bodyPr>
-          <a:lstStyle/>
-          <a:p>
-            <a:r>
-              <a:rPr lang="ru-RU" sz="1200" dirty="0" smtClean="0"/>
-              <a:t>Клиент 1</a:t>
-            </a:r>
-            <a:endParaRPr lang="en-US" sz="1200" dirty="0"/>
-          </a:p>
-        </p:txBody>
-      </p:sp>
-      <p:sp>
-        <p:nvSpPr>
-          <p:cNvPr id="10" name="TextBox 9"/>
-          <p:cNvSpPr txBox="1"/>
-          <p:nvPr/>
-        </p:nvSpPr>
-        <p:spPr>
-          <a:xfrm>
-            <a:off x="1731074" y="4293134"/>
-            <a:ext cx="833883" cy="276999"/>
-          </a:xfrm>
-          <a:prstGeom prst="rect">
-            <a:avLst/>
-          </a:prstGeom>
-          <a:noFill/>
-        </p:spPr>
-        <p:txBody>
-          <a:bodyPr wrap="none" rtlCol="0">
-            <a:spAutoFit/>
-          </a:bodyPr>
-          <a:lstStyle/>
-          <a:p>
-            <a:r>
-              <a:rPr lang="ru-RU" sz="1200" dirty="0" smtClean="0"/>
-              <a:t>Клиент 3</a:t>
-            </a:r>
-            <a:endParaRPr lang="en-US" sz="1200" dirty="0"/>
-          </a:p>
-        </p:txBody>
-      </p:sp>
-      <p:sp>
-        <p:nvSpPr>
-          <p:cNvPr id="11" name="TextBox 10"/>
-          <p:cNvSpPr txBox="1"/>
-          <p:nvPr/>
-        </p:nvSpPr>
-        <p:spPr>
-          <a:xfrm>
-            <a:off x="1731075" y="3301776"/>
-            <a:ext cx="833883" cy="276999"/>
-          </a:xfrm>
-          <a:prstGeom prst="rect">
-            <a:avLst/>
-          </a:prstGeom>
-          <a:noFill/>
-        </p:spPr>
-        <p:txBody>
-          <a:bodyPr wrap="none" rtlCol="0">
-            <a:spAutoFit/>
-          </a:bodyPr>
-          <a:lstStyle/>
-          <a:p>
-            <a:r>
-              <a:rPr lang="ru-RU" sz="1200" dirty="0" smtClean="0"/>
-              <a:t>Клиент 2</a:t>
-            </a:r>
-            <a:endParaRPr lang="en-US" sz="1200" dirty="0"/>
-          </a:p>
-        </p:txBody>
-      </p:sp>
-      <p:sp>
-        <p:nvSpPr>
-          <p:cNvPr id="12" name="TextBox 11"/>
-          <p:cNvSpPr txBox="1"/>
-          <p:nvPr/>
-        </p:nvSpPr>
-        <p:spPr>
-          <a:xfrm>
-            <a:off x="1978737" y="4627611"/>
-            <a:ext cx="338554" cy="276999"/>
-          </a:xfrm>
-          <a:prstGeom prst="rect">
-            <a:avLst/>
-          </a:prstGeom>
-          <a:noFill/>
-        </p:spPr>
-        <p:txBody>
-          <a:bodyPr wrap="none" rtlCol="0">
-            <a:spAutoFit/>
-          </a:bodyPr>
-          <a:lstStyle/>
-          <a:p>
-            <a:r>
-              <a:rPr lang="ru-RU" sz="1200" dirty="0" smtClean="0"/>
-              <a:t>…</a:t>
-            </a:r>
-            <a:endParaRPr lang="en-US" sz="1200" dirty="0"/>
-          </a:p>
-        </p:txBody>
-      </p:sp>
-      <p:sp>
-        <p:nvSpPr>
-          <p:cNvPr id="13" name="TextBox 12"/>
-          <p:cNvSpPr txBox="1"/>
-          <p:nvPr/>
-        </p:nvSpPr>
-        <p:spPr>
-          <a:xfrm>
-            <a:off x="1731074" y="5698987"/>
-            <a:ext cx="906017" cy="276999"/>
-          </a:xfrm>
-          <a:prstGeom prst="rect">
-            <a:avLst/>
-          </a:prstGeom>
-          <a:noFill/>
-        </p:spPr>
-        <p:txBody>
-          <a:bodyPr wrap="none" rtlCol="0">
-            <a:spAutoFit/>
-          </a:bodyPr>
-          <a:lstStyle/>
-          <a:p>
-            <a:r>
-              <a:rPr lang="ru-RU" sz="1200" dirty="0" smtClean="0"/>
-              <a:t>Клиент </a:t>
-            </a:r>
-            <a:r>
-              <a:rPr lang="en-US" sz="1200" dirty="0" smtClean="0"/>
-              <a:t>N</a:t>
-            </a:r>
-            <a:r>
-              <a:rPr lang="ru-RU" sz="1200" dirty="0" smtClean="0"/>
-              <a:t> </a:t>
-            </a:r>
-            <a:endParaRPr lang="en-US" sz="1200" dirty="0"/>
-          </a:p>
-        </p:txBody>
-      </p:sp>
-      <p:pic>
-        <p:nvPicPr>
-          <p:cNvPr id="14" name="Рисунок 13"/>
-          <p:cNvPicPr>
-            <a:picLocks noChangeAspect="1"/>
-          </p:cNvPicPr>
-          <p:nvPr/>
-        </p:nvPicPr>
-        <p:blipFill>
-          <a:blip r:embed="rId3" cstate="print">
-            <a:extLst>
-              <a:ext uri="{28A0092B-C50C-407E-A947-70E740481C1C}">
-                <a14:useLocalDpi xmlns:a14="http://schemas.microsoft.com/office/drawing/2010/main" val="0"/>
-              </a:ext>
-            </a:extLst>
-          </a:blip>
-          <a:stretch>
-            <a:fillRect/>
-          </a:stretch>
-        </p:blipFill>
-        <p:spPr>
-          <a:xfrm>
-            <a:off x="4759977" y="2677934"/>
-            <a:ext cx="1998174" cy="1801681"/>
-          </a:xfrm>
-          <a:prstGeom prst="rect">
-            <a:avLst/>
-          </a:prstGeom>
-        </p:spPr>
-      </p:pic>
-      <p:sp>
-        <p:nvSpPr>
-          <p:cNvPr id="15" name="TextBox 14"/>
-          <p:cNvSpPr txBox="1"/>
-          <p:nvPr/>
-        </p:nvSpPr>
-        <p:spPr>
-          <a:xfrm>
-            <a:off x="5055476" y="4503776"/>
-            <a:ext cx="1569660" cy="523220"/>
-          </a:xfrm>
-          <a:prstGeom prst="rect">
-            <a:avLst/>
-          </a:prstGeom>
-          <a:noFill/>
-        </p:spPr>
-        <p:txBody>
-          <a:bodyPr wrap="none" rtlCol="0">
-            <a:spAutoFit/>
-          </a:bodyPr>
-          <a:lstStyle/>
-          <a:p>
-            <a:r>
-              <a:rPr lang="ru-RU" sz="1400" dirty="0" smtClean="0"/>
-              <a:t>Сервис по</a:t>
-            </a:r>
-          </a:p>
-          <a:p>
-            <a:r>
-              <a:rPr lang="ru-RU" sz="1400" dirty="0" smtClean="0"/>
-              <a:t>шаблонизации</a:t>
-            </a:r>
-            <a:endParaRPr lang="en-US" sz="1400" dirty="0"/>
-          </a:p>
-        </p:txBody>
-      </p:sp>
-      <p:cxnSp>
-        <p:nvCxnSpPr>
-          <p:cNvPr id="17" name="Прямая соединительная линия 16"/>
-          <p:cNvCxnSpPr/>
-          <p:nvPr/>
-        </p:nvCxnSpPr>
-        <p:spPr>
-          <a:xfrm>
-            <a:off x="3184633" y="1660634"/>
-            <a:ext cx="0" cy="4176852"/>
-          </a:xfrm>
-          <a:prstGeom prst="line">
-            <a:avLst/>
-          </a:prstGeom>
-          <a:ln w="19050"/>
-        </p:spPr>
-        <p:style>
-          <a:lnRef idx="1">
-            <a:schemeClr val="dk1"/>
-          </a:lnRef>
-          <a:fillRef idx="0">
-            <a:schemeClr val="dk1"/>
-          </a:fillRef>
-          <a:effectRef idx="0">
-            <a:schemeClr val="dk1"/>
-          </a:effectRef>
-          <a:fontRef idx="minor">
-            <a:schemeClr val="tx1"/>
-          </a:fontRef>
-        </p:style>
-      </p:cxnSp>
-      <p:cxnSp>
-        <p:nvCxnSpPr>
-          <p:cNvPr id="19" name="Прямая со стрелкой 18"/>
-          <p:cNvCxnSpPr/>
-          <p:nvPr/>
-        </p:nvCxnSpPr>
-        <p:spPr>
-          <a:xfrm>
-            <a:off x="3199422" y="3291578"/>
-            <a:ext cx="1575345" cy="1"/>
-          </a:xfrm>
-          <a:prstGeom prst="straightConnector1">
-            <a:avLst/>
-          </a:prstGeom>
-          <a:ln w="19050">
-            <a:tailEnd type="triangle"/>
-          </a:ln>
-        </p:spPr>
-        <p:style>
-          <a:lnRef idx="1">
-            <a:schemeClr val="dk1"/>
-          </a:lnRef>
-          <a:fillRef idx="0">
-            <a:schemeClr val="dk1"/>
-          </a:fillRef>
-          <a:effectRef idx="0">
-            <a:schemeClr val="dk1"/>
-          </a:effectRef>
-          <a:fontRef idx="minor">
-            <a:schemeClr val="tx1"/>
-          </a:fontRef>
-        </p:style>
-      </p:cxnSp>
-      <p:cxnSp>
-        <p:nvCxnSpPr>
-          <p:cNvPr id="21" name="Прямая со стрелкой 20"/>
-          <p:cNvCxnSpPr>
-            <a:stCxn id="5" idx="3"/>
-          </p:cNvCxnSpPr>
-          <p:nvPr/>
-        </p:nvCxnSpPr>
-        <p:spPr>
-          <a:xfrm>
-            <a:off x="2592924" y="1949669"/>
-            <a:ext cx="591708" cy="0"/>
-          </a:xfrm>
-          <a:prstGeom prst="straightConnector1">
-            <a:avLst/>
-          </a:prstGeom>
-          <a:ln w="19050">
-            <a:tailEnd type="triangle"/>
-          </a:ln>
-        </p:spPr>
-        <p:style>
-          <a:lnRef idx="1">
-            <a:schemeClr val="dk1"/>
-          </a:lnRef>
-          <a:fillRef idx="0">
-            <a:schemeClr val="dk1"/>
-          </a:fillRef>
-          <a:effectRef idx="0">
-            <a:schemeClr val="dk1"/>
-          </a:effectRef>
-          <a:fontRef idx="minor">
-            <a:schemeClr val="tx1"/>
-          </a:fontRef>
-        </p:style>
-      </p:cxnSp>
-      <p:cxnSp>
-        <p:nvCxnSpPr>
-          <p:cNvPr id="24" name="Прямая со стрелкой 23"/>
-          <p:cNvCxnSpPr/>
-          <p:nvPr/>
-        </p:nvCxnSpPr>
-        <p:spPr>
-          <a:xfrm>
-            <a:off x="2592924" y="2944744"/>
-            <a:ext cx="591708" cy="0"/>
-          </a:xfrm>
-          <a:prstGeom prst="straightConnector1">
-            <a:avLst/>
-          </a:prstGeom>
-          <a:ln w="19050">
-            <a:tailEnd type="triangle"/>
-          </a:ln>
-        </p:spPr>
-        <p:style>
-          <a:lnRef idx="1">
-            <a:schemeClr val="dk1"/>
-          </a:lnRef>
-          <a:fillRef idx="0">
-            <a:schemeClr val="dk1"/>
-          </a:fillRef>
-          <a:effectRef idx="0">
-            <a:schemeClr val="dk1"/>
-          </a:effectRef>
-          <a:fontRef idx="minor">
-            <a:schemeClr val="tx1"/>
-          </a:fontRef>
-        </p:style>
-      </p:cxnSp>
-      <p:cxnSp>
-        <p:nvCxnSpPr>
-          <p:cNvPr id="25" name="Прямая со стрелкой 24"/>
-          <p:cNvCxnSpPr/>
-          <p:nvPr/>
-        </p:nvCxnSpPr>
-        <p:spPr>
-          <a:xfrm>
-            <a:off x="2596612" y="3885420"/>
-            <a:ext cx="591708" cy="0"/>
-          </a:xfrm>
-          <a:prstGeom prst="straightConnector1">
-            <a:avLst/>
-          </a:prstGeom>
-          <a:ln w="19050">
-            <a:tailEnd type="triangle"/>
-          </a:ln>
-        </p:spPr>
-        <p:style>
-          <a:lnRef idx="1">
-            <a:schemeClr val="dk1"/>
-          </a:lnRef>
-          <a:fillRef idx="0">
-            <a:schemeClr val="dk1"/>
-          </a:fillRef>
-          <a:effectRef idx="0">
-            <a:schemeClr val="dk1"/>
-          </a:effectRef>
-          <a:fontRef idx="minor">
-            <a:schemeClr val="tx1"/>
-          </a:fontRef>
-        </p:style>
-      </p:cxnSp>
-      <p:cxnSp>
-        <p:nvCxnSpPr>
-          <p:cNvPr id="26" name="Прямая со стрелкой 25"/>
-          <p:cNvCxnSpPr/>
-          <p:nvPr/>
-        </p:nvCxnSpPr>
-        <p:spPr>
-          <a:xfrm>
-            <a:off x="2592924" y="5345354"/>
-            <a:ext cx="591708" cy="0"/>
-          </a:xfrm>
-          <a:prstGeom prst="straightConnector1">
-            <a:avLst/>
-          </a:prstGeom>
-          <a:ln w="19050">
-            <a:tailEnd type="triangle"/>
-          </a:ln>
-        </p:spPr>
-        <p:style>
-          <a:lnRef idx="1">
-            <a:schemeClr val="dk1"/>
-          </a:lnRef>
-          <a:fillRef idx="0">
-            <a:schemeClr val="dk1"/>
-          </a:fillRef>
-          <a:effectRef idx="0">
-            <a:schemeClr val="dk1"/>
-          </a:effectRef>
-          <a:fontRef idx="minor">
-            <a:schemeClr val="tx1"/>
-          </a:fontRef>
-        </p:style>
-      </p:cxnSp>
-      <p:sp>
-        <p:nvSpPr>
-          <p:cNvPr id="27" name="TextBox 26"/>
-          <p:cNvSpPr txBox="1"/>
-          <p:nvPr/>
-        </p:nvSpPr>
-        <p:spPr>
-          <a:xfrm>
-            <a:off x="3169840" y="2856858"/>
-            <a:ext cx="1604927" cy="338554"/>
-          </a:xfrm>
-          <a:prstGeom prst="rect">
-            <a:avLst/>
-          </a:prstGeom>
-          <a:noFill/>
-        </p:spPr>
-        <p:txBody>
-          <a:bodyPr wrap="none" rtlCol="0">
-            <a:spAutoFit/>
-          </a:bodyPr>
-          <a:lstStyle/>
-          <a:p>
-            <a:r>
-              <a:rPr lang="en-US" sz="1600" dirty="0" smtClean="0"/>
-              <a:t>HTTP </a:t>
-            </a:r>
-            <a:r>
-              <a:rPr lang="ru-RU" sz="1600" dirty="0" smtClean="0"/>
-              <a:t>Запросы</a:t>
-            </a:r>
-            <a:endParaRPr lang="en-US" sz="1600" dirty="0"/>
-          </a:p>
-        </p:txBody>
-      </p:sp>
-      <p:pic>
-        <p:nvPicPr>
-          <p:cNvPr id="28" name="Рисунок 27"/>
-          <p:cNvPicPr>
-            <a:picLocks noChangeAspect="1"/>
-          </p:cNvPicPr>
-          <p:nvPr/>
-        </p:nvPicPr>
-        <p:blipFill>
-          <a:blip r:embed="rId4" cstate="print">
-            <a:extLst>
-              <a:ext uri="{28A0092B-C50C-407E-A947-70E740481C1C}">
-                <a14:useLocalDpi xmlns:a14="http://schemas.microsoft.com/office/drawing/2010/main" val="0"/>
-              </a:ext>
-            </a:extLst>
-          </a:blip>
-          <a:stretch>
-            <a:fillRect/>
-          </a:stretch>
-        </p:blipFill>
-        <p:spPr>
-          <a:xfrm>
-            <a:off x="8329808" y="1547558"/>
-            <a:ext cx="1191343" cy="1194952"/>
-          </a:xfrm>
-          <a:prstGeom prst="rect">
-            <a:avLst/>
-          </a:prstGeom>
-        </p:spPr>
-      </p:pic>
-      <p:sp>
-        <p:nvSpPr>
-          <p:cNvPr id="29" name="TextBox 28"/>
-          <p:cNvSpPr txBox="1"/>
-          <p:nvPr/>
-        </p:nvSpPr>
-        <p:spPr>
-          <a:xfrm>
-            <a:off x="9521151" y="1547558"/>
-            <a:ext cx="1627369" cy="523220"/>
-          </a:xfrm>
-          <a:prstGeom prst="rect">
-            <a:avLst/>
-          </a:prstGeom>
-          <a:noFill/>
-        </p:spPr>
-        <p:txBody>
-          <a:bodyPr wrap="none" rtlCol="0">
-            <a:spAutoFit/>
-          </a:bodyPr>
-          <a:lstStyle/>
-          <a:p>
-            <a:r>
-              <a:rPr lang="en-US" sz="1400" dirty="0" smtClean="0"/>
-              <a:t>API </a:t>
-            </a:r>
-            <a:r>
-              <a:rPr lang="ru-RU" sz="1400" dirty="0" smtClean="0"/>
-              <a:t>библиотеки </a:t>
-            </a:r>
-          </a:p>
-          <a:p>
-            <a:r>
-              <a:rPr lang="ru-RU" sz="1400" dirty="0" smtClean="0"/>
-              <a:t>шаблонизации</a:t>
-            </a:r>
-            <a:endParaRPr lang="en-US" sz="1400" dirty="0"/>
-          </a:p>
-        </p:txBody>
-      </p:sp>
-      <p:pic>
-        <p:nvPicPr>
-          <p:cNvPr id="31" name="Рисунок 30"/>
-          <p:cNvPicPr>
-            <a:picLocks noChangeAspect="1"/>
-          </p:cNvPicPr>
-          <p:nvPr/>
-        </p:nvPicPr>
-        <p:blipFill>
-          <a:blip r:embed="rId5" cstate="print">
-            <a:extLst>
-              <a:ext uri="{28A0092B-C50C-407E-A947-70E740481C1C}">
-                <a14:useLocalDpi xmlns:a14="http://schemas.microsoft.com/office/drawing/2010/main" val="0"/>
-              </a:ext>
-            </a:extLst>
-          </a:blip>
-          <a:stretch>
-            <a:fillRect/>
-          </a:stretch>
-        </p:blipFill>
-        <p:spPr>
-          <a:xfrm>
-            <a:off x="8417565" y="3223243"/>
-            <a:ext cx="1103586" cy="1051633"/>
-          </a:xfrm>
-          <a:prstGeom prst="rect">
-            <a:avLst/>
-          </a:prstGeom>
-        </p:spPr>
-      </p:pic>
-      <p:pic>
-        <p:nvPicPr>
-          <p:cNvPr id="34" name="Рисунок 33"/>
-          <p:cNvPicPr>
-            <a:picLocks noChangeAspect="1"/>
-          </p:cNvPicPr>
-          <p:nvPr/>
-        </p:nvPicPr>
-        <p:blipFill>
-          <a:blip r:embed="rId6" cstate="print">
-            <a:extLst>
-              <a:ext uri="{28A0092B-C50C-407E-A947-70E740481C1C}">
-                <a14:useLocalDpi xmlns:a14="http://schemas.microsoft.com/office/drawing/2010/main" val="0"/>
-              </a:ext>
-            </a:extLst>
-          </a:blip>
-          <a:stretch>
-            <a:fillRect/>
-          </a:stretch>
-        </p:blipFill>
-        <p:spPr>
-          <a:xfrm>
-            <a:off x="8329808" y="4845895"/>
-            <a:ext cx="1318689" cy="991591"/>
-          </a:xfrm>
-          <a:prstGeom prst="rect">
-            <a:avLst/>
-          </a:prstGeom>
-        </p:spPr>
-      </p:pic>
-      <p:cxnSp>
-        <p:nvCxnSpPr>
-          <p:cNvPr id="35" name="Прямая соединительная линия 34"/>
-          <p:cNvCxnSpPr/>
-          <p:nvPr/>
-        </p:nvCxnSpPr>
-        <p:spPr>
-          <a:xfrm>
-            <a:off x="7646274" y="1716574"/>
-            <a:ext cx="0" cy="4176852"/>
-          </a:xfrm>
-          <a:prstGeom prst="line">
-            <a:avLst/>
-          </a:prstGeom>
-          <a:ln w="19050"/>
-        </p:spPr>
-        <p:style>
-          <a:lnRef idx="1">
-            <a:schemeClr val="dk1"/>
-          </a:lnRef>
-          <a:fillRef idx="0">
-            <a:schemeClr val="dk1"/>
-          </a:fillRef>
-          <a:effectRef idx="0">
-            <a:schemeClr val="dk1"/>
-          </a:effectRef>
-          <a:fontRef idx="minor">
-            <a:schemeClr val="tx1"/>
-          </a:fontRef>
-        </p:style>
-      </p:cxnSp>
-      <p:cxnSp>
-        <p:nvCxnSpPr>
-          <p:cNvPr id="36" name="Прямая со стрелкой 35"/>
-          <p:cNvCxnSpPr>
-            <a:endCxn id="28" idx="1"/>
-          </p:cNvCxnSpPr>
-          <p:nvPr/>
-        </p:nvCxnSpPr>
-        <p:spPr>
-          <a:xfrm>
-            <a:off x="7646274" y="2070778"/>
-            <a:ext cx="683534" cy="0"/>
-          </a:xfrm>
-          <a:prstGeom prst="straightConnector1">
-            <a:avLst/>
-          </a:prstGeom>
-          <a:ln w="19050">
-            <a:tailEnd type="triangle"/>
-          </a:ln>
-        </p:spPr>
-        <p:style>
-          <a:lnRef idx="1">
-            <a:schemeClr val="dk1"/>
-          </a:lnRef>
-          <a:fillRef idx="0">
-            <a:schemeClr val="dk1"/>
-          </a:fillRef>
-          <a:effectRef idx="0">
-            <a:schemeClr val="dk1"/>
-          </a:effectRef>
-          <a:fontRef idx="minor">
-            <a:schemeClr val="tx1"/>
-          </a:fontRef>
-        </p:style>
-      </p:cxnSp>
-      <p:cxnSp>
-        <p:nvCxnSpPr>
-          <p:cNvPr id="38" name="Прямая со стрелкой 37"/>
-          <p:cNvCxnSpPr/>
-          <p:nvPr/>
-        </p:nvCxnSpPr>
-        <p:spPr>
-          <a:xfrm>
-            <a:off x="7646274" y="3731409"/>
-            <a:ext cx="683534" cy="0"/>
-          </a:xfrm>
-          <a:prstGeom prst="straightConnector1">
-            <a:avLst/>
-          </a:prstGeom>
-          <a:ln w="19050">
-            <a:tailEnd type="triangle"/>
-          </a:ln>
-        </p:spPr>
-        <p:style>
-          <a:lnRef idx="1">
-            <a:schemeClr val="dk1"/>
-          </a:lnRef>
-          <a:fillRef idx="0">
-            <a:schemeClr val="dk1"/>
-          </a:fillRef>
-          <a:effectRef idx="0">
-            <a:schemeClr val="dk1"/>
-          </a:effectRef>
-          <a:fontRef idx="minor">
-            <a:schemeClr val="tx1"/>
-          </a:fontRef>
-        </p:style>
-      </p:cxnSp>
-      <p:cxnSp>
-        <p:nvCxnSpPr>
-          <p:cNvPr id="39" name="Прямая со стрелкой 38"/>
-          <p:cNvCxnSpPr/>
-          <p:nvPr/>
-        </p:nvCxnSpPr>
-        <p:spPr>
-          <a:xfrm>
-            <a:off x="7646274" y="5239643"/>
-            <a:ext cx="683534" cy="0"/>
-          </a:xfrm>
-          <a:prstGeom prst="straightConnector1">
-            <a:avLst/>
-          </a:prstGeom>
-          <a:ln w="19050">
-            <a:tailEnd type="triangle"/>
-          </a:ln>
-        </p:spPr>
-        <p:style>
-          <a:lnRef idx="1">
-            <a:schemeClr val="dk1"/>
-          </a:lnRef>
-          <a:fillRef idx="0">
-            <a:schemeClr val="dk1"/>
-          </a:fillRef>
-          <a:effectRef idx="0">
-            <a:schemeClr val="dk1"/>
-          </a:effectRef>
-          <a:fontRef idx="minor">
-            <a:schemeClr val="tx1"/>
-          </a:fontRef>
-        </p:style>
-      </p:cxnSp>
-      <p:cxnSp>
-        <p:nvCxnSpPr>
-          <p:cNvPr id="40" name="Прямая со стрелкой 39"/>
-          <p:cNvCxnSpPr/>
-          <p:nvPr/>
-        </p:nvCxnSpPr>
-        <p:spPr>
-          <a:xfrm>
-            <a:off x="6789192" y="3312272"/>
-            <a:ext cx="848833" cy="0"/>
-          </a:xfrm>
-          <a:prstGeom prst="straightConnector1">
-            <a:avLst/>
-          </a:prstGeom>
-          <a:ln w="19050">
-            <a:tailEnd type="triangle"/>
-          </a:ln>
-        </p:spPr>
-        <p:style>
-          <a:lnRef idx="1">
-            <a:schemeClr val="dk1"/>
-          </a:lnRef>
-          <a:fillRef idx="0">
-            <a:schemeClr val="dk1"/>
-          </a:fillRef>
-          <a:effectRef idx="0">
-            <a:schemeClr val="dk1"/>
-          </a:effectRef>
-          <a:fontRef idx="minor">
-            <a:schemeClr val="tx1"/>
-          </a:fontRef>
-        </p:style>
-      </p:cxnSp>
-      <p:sp>
-        <p:nvSpPr>
-          <p:cNvPr id="45" name="TextBox 44"/>
-          <p:cNvSpPr txBox="1"/>
-          <p:nvPr/>
-        </p:nvSpPr>
-        <p:spPr>
-          <a:xfrm>
-            <a:off x="9523964" y="3250323"/>
-            <a:ext cx="1362874" cy="523220"/>
-          </a:xfrm>
-          <a:prstGeom prst="rect">
-            <a:avLst/>
-          </a:prstGeom>
-          <a:noFill/>
-        </p:spPr>
-        <p:txBody>
-          <a:bodyPr wrap="none" rtlCol="0">
-            <a:spAutoFit/>
-          </a:bodyPr>
-          <a:lstStyle/>
-          <a:p>
-            <a:r>
-              <a:rPr lang="ru-RU" sz="1400" dirty="0" smtClean="0"/>
-              <a:t>База данных </a:t>
-            </a:r>
-          </a:p>
-          <a:p>
-            <a:r>
-              <a:rPr lang="ru-RU" sz="1400" dirty="0" smtClean="0"/>
-              <a:t>шаблонов</a:t>
-            </a:r>
-            <a:endParaRPr lang="en-US" sz="1400" dirty="0"/>
-          </a:p>
-        </p:txBody>
-      </p:sp>
-      <p:sp>
-        <p:nvSpPr>
-          <p:cNvPr id="47" name="TextBox 46"/>
-          <p:cNvSpPr txBox="1"/>
-          <p:nvPr/>
-        </p:nvSpPr>
-        <p:spPr>
-          <a:xfrm>
-            <a:off x="9648497" y="4845895"/>
-            <a:ext cx="1915909" cy="738664"/>
-          </a:xfrm>
-          <a:prstGeom prst="rect">
-            <a:avLst/>
-          </a:prstGeom>
-          <a:noFill/>
-        </p:spPr>
-        <p:txBody>
-          <a:bodyPr wrap="none" rtlCol="0">
-            <a:spAutoFit/>
-          </a:bodyPr>
-          <a:lstStyle/>
-          <a:p>
-            <a:r>
-              <a:rPr lang="ru-RU" sz="1400" dirty="0" smtClean="0"/>
-              <a:t>Статичные файлы </a:t>
-            </a:r>
-          </a:p>
-          <a:p>
-            <a:r>
-              <a:rPr lang="ru-RU" sz="1400" dirty="0" smtClean="0"/>
-              <a:t>пользовательского </a:t>
-            </a:r>
-          </a:p>
-          <a:p>
-            <a:r>
-              <a:rPr lang="ru-RU" sz="1400" dirty="0" smtClean="0"/>
-              <a:t>интерфейса</a:t>
-            </a:r>
-            <a:endParaRPr lang="en-US" sz="1400" dirty="0"/>
-          </a:p>
-        </p:txBody>
-      </p:sp>
     </p:spTree>
     <p:extLst>
       <p:ext uri="{BB962C8B-B14F-4D97-AF65-F5344CB8AC3E}">
-        <p14:creationId xmlns:p14="http://schemas.microsoft.com/office/powerpoint/2010/main" val="811162513"/>
+        <p14:creationId xmlns:p14="http://schemas.microsoft.com/office/powerpoint/2010/main" val="4193538942"/>
       </p:ext>
     </p:extLst>
   </p:cSld>
@@ -11400,151 +10713,1010 @@
           <a:chExt cx="0" cy="0"/>
         </a:xfrm>
       </p:grpSpPr>
+      <p:grpSp>
+        <p:nvGrpSpPr>
+          <p:cNvPr id="16" name="Группа 15"/>
+          <p:cNvGrpSpPr/>
+          <p:nvPr/>
+        </p:nvGrpSpPr>
+        <p:grpSpPr>
+          <a:xfrm>
+            <a:off x="1355516" y="1392437"/>
+            <a:ext cx="9833332" cy="4428428"/>
+            <a:chOff x="1731074" y="1547558"/>
+            <a:chExt cx="9833332" cy="4428428"/>
+          </a:xfrm>
+        </p:grpSpPr>
+        <p:pic>
+          <p:nvPicPr>
+            <p:cNvPr id="5" name="Рисунок 4"/>
+            <p:cNvPicPr>
+              <a:picLocks noChangeAspect="1"/>
+            </p:cNvPicPr>
+            <p:nvPr/>
+          </p:nvPicPr>
+          <p:blipFill>
+            <a:blip r:embed="rId2" cstate="print">
+              <a:extLst>
+                <a:ext uri="{28A0092B-C50C-407E-A947-70E740481C1C}">
+                  <a14:useLocalDpi xmlns:a14="http://schemas.microsoft.com/office/drawing/2010/main" val="0"/>
+                </a:ext>
+              </a:extLst>
+            </a:blip>
+            <a:stretch>
+              <a:fillRect/>
+            </a:stretch>
+          </p:blipFill>
+          <p:spPr>
+            <a:xfrm>
+              <a:off x="1731076" y="1660634"/>
+              <a:ext cx="861848" cy="578070"/>
+            </a:xfrm>
+            <a:prstGeom prst="rect">
+              <a:avLst/>
+            </a:prstGeom>
+          </p:spPr>
+        </p:pic>
+        <p:pic>
+          <p:nvPicPr>
+            <p:cNvPr id="6" name="Рисунок 5"/>
+            <p:cNvPicPr>
+              <a:picLocks noChangeAspect="1"/>
+            </p:cNvPicPr>
+            <p:nvPr/>
+          </p:nvPicPr>
+          <p:blipFill>
+            <a:blip r:embed="rId2" cstate="print">
+              <a:extLst>
+                <a:ext uri="{28A0092B-C50C-407E-A947-70E740481C1C}">
+                  <a14:useLocalDpi xmlns:a14="http://schemas.microsoft.com/office/drawing/2010/main" val="0"/>
+                </a:ext>
+              </a:extLst>
+            </a:blip>
+            <a:stretch>
+              <a:fillRect/>
+            </a:stretch>
+          </p:blipFill>
+          <p:spPr>
+            <a:xfrm>
+              <a:off x="1731076" y="2672253"/>
+              <a:ext cx="861848" cy="578070"/>
+            </a:xfrm>
+            <a:prstGeom prst="rect">
+              <a:avLst/>
+            </a:prstGeom>
+          </p:spPr>
+        </p:pic>
+        <p:pic>
+          <p:nvPicPr>
+            <p:cNvPr id="7" name="Рисунок 6"/>
+            <p:cNvPicPr>
+              <a:picLocks noChangeAspect="1"/>
+            </p:cNvPicPr>
+            <p:nvPr/>
+          </p:nvPicPr>
+          <p:blipFill>
+            <a:blip r:embed="rId2" cstate="print">
+              <a:extLst>
+                <a:ext uri="{28A0092B-C50C-407E-A947-70E740481C1C}">
+                  <a14:useLocalDpi xmlns:a14="http://schemas.microsoft.com/office/drawing/2010/main" val="0"/>
+                </a:ext>
+              </a:extLst>
+            </a:blip>
+            <a:stretch>
+              <a:fillRect/>
+            </a:stretch>
+          </p:blipFill>
+          <p:spPr>
+            <a:xfrm>
+              <a:off x="1731076" y="3683872"/>
+              <a:ext cx="861848" cy="578070"/>
+            </a:xfrm>
+            <a:prstGeom prst="rect">
+              <a:avLst/>
+            </a:prstGeom>
+          </p:spPr>
+        </p:pic>
+        <p:pic>
+          <p:nvPicPr>
+            <p:cNvPr id="8" name="Рисунок 7"/>
+            <p:cNvPicPr>
+              <a:picLocks noChangeAspect="1"/>
+            </p:cNvPicPr>
+            <p:nvPr/>
+          </p:nvPicPr>
+          <p:blipFill>
+            <a:blip r:embed="rId2" cstate="print">
+              <a:extLst>
+                <a:ext uri="{28A0092B-C50C-407E-A947-70E740481C1C}">
+                  <a14:useLocalDpi xmlns:a14="http://schemas.microsoft.com/office/drawing/2010/main" val="0"/>
+                </a:ext>
+              </a:extLst>
+            </a:blip>
+            <a:stretch>
+              <a:fillRect/>
+            </a:stretch>
+          </p:blipFill>
+          <p:spPr>
+            <a:xfrm>
+              <a:off x="1731076" y="5056319"/>
+              <a:ext cx="861848" cy="578070"/>
+            </a:xfrm>
+            <a:prstGeom prst="rect">
+              <a:avLst/>
+            </a:prstGeom>
+          </p:spPr>
+        </p:pic>
+        <p:sp>
+          <p:nvSpPr>
+            <p:cNvPr id="9" name="TextBox 8"/>
+            <p:cNvSpPr txBox="1"/>
+            <p:nvPr/>
+          </p:nvSpPr>
+          <p:spPr>
+            <a:xfrm>
+              <a:off x="1731076" y="2269896"/>
+              <a:ext cx="833883" cy="276999"/>
+            </a:xfrm>
+            <a:prstGeom prst="rect">
+              <a:avLst/>
+            </a:prstGeom>
+            <a:noFill/>
+          </p:spPr>
+          <p:txBody>
+            <a:bodyPr wrap="none" rtlCol="0">
+              <a:spAutoFit/>
+            </a:bodyPr>
+            <a:lstStyle/>
+            <a:p>
+              <a:r>
+                <a:rPr lang="ru-RU" sz="1200" dirty="0" smtClean="0"/>
+                <a:t>Клиент 1</a:t>
+              </a:r>
+              <a:endParaRPr lang="en-US" sz="1200" dirty="0"/>
+            </a:p>
+          </p:txBody>
+        </p:sp>
+        <p:sp>
+          <p:nvSpPr>
+            <p:cNvPr id="10" name="TextBox 9"/>
+            <p:cNvSpPr txBox="1"/>
+            <p:nvPr/>
+          </p:nvSpPr>
+          <p:spPr>
+            <a:xfrm>
+              <a:off x="1731074" y="4293134"/>
+              <a:ext cx="833883" cy="276999"/>
+            </a:xfrm>
+            <a:prstGeom prst="rect">
+              <a:avLst/>
+            </a:prstGeom>
+            <a:noFill/>
+          </p:spPr>
+          <p:txBody>
+            <a:bodyPr wrap="none" rtlCol="0">
+              <a:spAutoFit/>
+            </a:bodyPr>
+            <a:lstStyle/>
+            <a:p>
+              <a:r>
+                <a:rPr lang="ru-RU" sz="1200" dirty="0" smtClean="0"/>
+                <a:t>Клиент 3</a:t>
+              </a:r>
+              <a:endParaRPr lang="en-US" sz="1200" dirty="0"/>
+            </a:p>
+          </p:txBody>
+        </p:sp>
+        <p:sp>
+          <p:nvSpPr>
+            <p:cNvPr id="11" name="TextBox 10"/>
+            <p:cNvSpPr txBox="1"/>
+            <p:nvPr/>
+          </p:nvSpPr>
+          <p:spPr>
+            <a:xfrm>
+              <a:off x="1731075" y="3301776"/>
+              <a:ext cx="833883" cy="276999"/>
+            </a:xfrm>
+            <a:prstGeom prst="rect">
+              <a:avLst/>
+            </a:prstGeom>
+            <a:noFill/>
+          </p:spPr>
+          <p:txBody>
+            <a:bodyPr wrap="none" rtlCol="0">
+              <a:spAutoFit/>
+            </a:bodyPr>
+            <a:lstStyle/>
+            <a:p>
+              <a:r>
+                <a:rPr lang="ru-RU" sz="1200" dirty="0" smtClean="0"/>
+                <a:t>Клиент 2</a:t>
+              </a:r>
+              <a:endParaRPr lang="en-US" sz="1200" dirty="0"/>
+            </a:p>
+          </p:txBody>
+        </p:sp>
+        <p:sp>
+          <p:nvSpPr>
+            <p:cNvPr id="12" name="TextBox 11"/>
+            <p:cNvSpPr txBox="1"/>
+            <p:nvPr/>
+          </p:nvSpPr>
+          <p:spPr>
+            <a:xfrm>
+              <a:off x="1978737" y="4627611"/>
+              <a:ext cx="338554" cy="276999"/>
+            </a:xfrm>
+            <a:prstGeom prst="rect">
+              <a:avLst/>
+            </a:prstGeom>
+            <a:noFill/>
+          </p:spPr>
+          <p:txBody>
+            <a:bodyPr wrap="none" rtlCol="0">
+              <a:spAutoFit/>
+            </a:bodyPr>
+            <a:lstStyle/>
+            <a:p>
+              <a:r>
+                <a:rPr lang="ru-RU" sz="1200" dirty="0" smtClean="0"/>
+                <a:t>…</a:t>
+              </a:r>
+              <a:endParaRPr lang="en-US" sz="1200" dirty="0"/>
+            </a:p>
+          </p:txBody>
+        </p:sp>
+        <p:sp>
+          <p:nvSpPr>
+            <p:cNvPr id="13" name="TextBox 12"/>
+            <p:cNvSpPr txBox="1"/>
+            <p:nvPr/>
+          </p:nvSpPr>
+          <p:spPr>
+            <a:xfrm>
+              <a:off x="1731074" y="5698987"/>
+              <a:ext cx="906017" cy="276999"/>
+            </a:xfrm>
+            <a:prstGeom prst="rect">
+              <a:avLst/>
+            </a:prstGeom>
+            <a:noFill/>
+          </p:spPr>
+          <p:txBody>
+            <a:bodyPr wrap="none" rtlCol="0">
+              <a:spAutoFit/>
+            </a:bodyPr>
+            <a:lstStyle/>
+            <a:p>
+              <a:r>
+                <a:rPr lang="ru-RU" sz="1200" dirty="0" smtClean="0"/>
+                <a:t>Клиент </a:t>
+              </a:r>
+              <a:r>
+                <a:rPr lang="en-US" sz="1200" dirty="0" smtClean="0"/>
+                <a:t>N</a:t>
+              </a:r>
+              <a:r>
+                <a:rPr lang="ru-RU" sz="1200" dirty="0" smtClean="0"/>
+                <a:t> </a:t>
+              </a:r>
+              <a:endParaRPr lang="en-US" sz="1200" dirty="0"/>
+            </a:p>
+          </p:txBody>
+        </p:sp>
+        <p:pic>
+          <p:nvPicPr>
+            <p:cNvPr id="14" name="Рисунок 13"/>
+            <p:cNvPicPr>
+              <a:picLocks noChangeAspect="1"/>
+            </p:cNvPicPr>
+            <p:nvPr/>
+          </p:nvPicPr>
+          <p:blipFill>
+            <a:blip r:embed="rId3" cstate="print">
+              <a:extLst>
+                <a:ext uri="{28A0092B-C50C-407E-A947-70E740481C1C}">
+                  <a14:useLocalDpi xmlns:a14="http://schemas.microsoft.com/office/drawing/2010/main" val="0"/>
+                </a:ext>
+              </a:extLst>
+            </a:blip>
+            <a:stretch>
+              <a:fillRect/>
+            </a:stretch>
+          </p:blipFill>
+          <p:spPr>
+            <a:xfrm>
+              <a:off x="4759977" y="2677934"/>
+              <a:ext cx="1998174" cy="1801681"/>
+            </a:xfrm>
+            <a:prstGeom prst="rect">
+              <a:avLst/>
+            </a:prstGeom>
+          </p:spPr>
+        </p:pic>
+        <p:sp>
+          <p:nvSpPr>
+            <p:cNvPr id="15" name="TextBox 14"/>
+            <p:cNvSpPr txBox="1"/>
+            <p:nvPr/>
+          </p:nvSpPr>
+          <p:spPr>
+            <a:xfrm>
+              <a:off x="5055476" y="4503776"/>
+              <a:ext cx="1569660" cy="523220"/>
+            </a:xfrm>
+            <a:prstGeom prst="rect">
+              <a:avLst/>
+            </a:prstGeom>
+            <a:noFill/>
+          </p:spPr>
+          <p:txBody>
+            <a:bodyPr wrap="none" rtlCol="0">
+              <a:spAutoFit/>
+            </a:bodyPr>
+            <a:lstStyle/>
+            <a:p>
+              <a:r>
+                <a:rPr lang="ru-RU" sz="1400" dirty="0" smtClean="0"/>
+                <a:t>Сервис по</a:t>
+              </a:r>
+            </a:p>
+            <a:p>
+              <a:r>
+                <a:rPr lang="ru-RU" sz="1400" dirty="0" smtClean="0"/>
+                <a:t>шаблонизации</a:t>
+              </a:r>
+              <a:endParaRPr lang="en-US" sz="1400" dirty="0"/>
+            </a:p>
+          </p:txBody>
+        </p:sp>
+        <p:cxnSp>
+          <p:nvCxnSpPr>
+            <p:cNvPr id="17" name="Прямая соединительная линия 16"/>
+            <p:cNvCxnSpPr/>
+            <p:nvPr/>
+          </p:nvCxnSpPr>
+          <p:spPr>
+            <a:xfrm>
+              <a:off x="3184633" y="1660634"/>
+              <a:ext cx="0" cy="4176852"/>
+            </a:xfrm>
+            <a:prstGeom prst="line">
+              <a:avLst/>
+            </a:prstGeom>
+            <a:ln w="19050"/>
+          </p:spPr>
+          <p:style>
+            <a:lnRef idx="1">
+              <a:schemeClr val="dk1"/>
+            </a:lnRef>
+            <a:fillRef idx="0">
+              <a:schemeClr val="dk1"/>
+            </a:fillRef>
+            <a:effectRef idx="0">
+              <a:schemeClr val="dk1"/>
+            </a:effectRef>
+            <a:fontRef idx="minor">
+              <a:schemeClr val="tx1"/>
+            </a:fontRef>
+          </p:style>
+        </p:cxnSp>
+        <p:cxnSp>
+          <p:nvCxnSpPr>
+            <p:cNvPr id="19" name="Прямая со стрелкой 18"/>
+            <p:cNvCxnSpPr/>
+            <p:nvPr/>
+          </p:nvCxnSpPr>
+          <p:spPr>
+            <a:xfrm>
+              <a:off x="3199422" y="3291578"/>
+              <a:ext cx="1575345" cy="1"/>
+            </a:xfrm>
+            <a:prstGeom prst="straightConnector1">
+              <a:avLst/>
+            </a:prstGeom>
+            <a:ln w="19050">
+              <a:tailEnd type="triangle"/>
+            </a:ln>
+          </p:spPr>
+          <p:style>
+            <a:lnRef idx="1">
+              <a:schemeClr val="dk1"/>
+            </a:lnRef>
+            <a:fillRef idx="0">
+              <a:schemeClr val="dk1"/>
+            </a:fillRef>
+            <a:effectRef idx="0">
+              <a:schemeClr val="dk1"/>
+            </a:effectRef>
+            <a:fontRef idx="minor">
+              <a:schemeClr val="tx1"/>
+            </a:fontRef>
+          </p:style>
+        </p:cxnSp>
+        <p:cxnSp>
+          <p:nvCxnSpPr>
+            <p:cNvPr id="21" name="Прямая со стрелкой 20"/>
+            <p:cNvCxnSpPr>
+              <a:stCxn id="5" idx="3"/>
+            </p:cNvCxnSpPr>
+            <p:nvPr/>
+          </p:nvCxnSpPr>
+          <p:spPr>
+            <a:xfrm>
+              <a:off x="2592924" y="1949669"/>
+              <a:ext cx="591708" cy="0"/>
+            </a:xfrm>
+            <a:prstGeom prst="straightConnector1">
+              <a:avLst/>
+            </a:prstGeom>
+            <a:ln w="19050">
+              <a:tailEnd type="triangle"/>
+            </a:ln>
+          </p:spPr>
+          <p:style>
+            <a:lnRef idx="1">
+              <a:schemeClr val="dk1"/>
+            </a:lnRef>
+            <a:fillRef idx="0">
+              <a:schemeClr val="dk1"/>
+            </a:fillRef>
+            <a:effectRef idx="0">
+              <a:schemeClr val="dk1"/>
+            </a:effectRef>
+            <a:fontRef idx="minor">
+              <a:schemeClr val="tx1"/>
+            </a:fontRef>
+          </p:style>
+        </p:cxnSp>
+        <p:cxnSp>
+          <p:nvCxnSpPr>
+            <p:cNvPr id="24" name="Прямая со стрелкой 23"/>
+            <p:cNvCxnSpPr/>
+            <p:nvPr/>
+          </p:nvCxnSpPr>
+          <p:spPr>
+            <a:xfrm>
+              <a:off x="2592924" y="2944744"/>
+              <a:ext cx="591708" cy="0"/>
+            </a:xfrm>
+            <a:prstGeom prst="straightConnector1">
+              <a:avLst/>
+            </a:prstGeom>
+            <a:ln w="19050">
+              <a:tailEnd type="triangle"/>
+            </a:ln>
+          </p:spPr>
+          <p:style>
+            <a:lnRef idx="1">
+              <a:schemeClr val="dk1"/>
+            </a:lnRef>
+            <a:fillRef idx="0">
+              <a:schemeClr val="dk1"/>
+            </a:fillRef>
+            <a:effectRef idx="0">
+              <a:schemeClr val="dk1"/>
+            </a:effectRef>
+            <a:fontRef idx="minor">
+              <a:schemeClr val="tx1"/>
+            </a:fontRef>
+          </p:style>
+        </p:cxnSp>
+        <p:cxnSp>
+          <p:nvCxnSpPr>
+            <p:cNvPr id="25" name="Прямая со стрелкой 24"/>
+            <p:cNvCxnSpPr/>
+            <p:nvPr/>
+          </p:nvCxnSpPr>
+          <p:spPr>
+            <a:xfrm>
+              <a:off x="2596612" y="3885420"/>
+              <a:ext cx="591708" cy="0"/>
+            </a:xfrm>
+            <a:prstGeom prst="straightConnector1">
+              <a:avLst/>
+            </a:prstGeom>
+            <a:ln w="19050">
+              <a:tailEnd type="triangle"/>
+            </a:ln>
+          </p:spPr>
+          <p:style>
+            <a:lnRef idx="1">
+              <a:schemeClr val="dk1"/>
+            </a:lnRef>
+            <a:fillRef idx="0">
+              <a:schemeClr val="dk1"/>
+            </a:fillRef>
+            <a:effectRef idx="0">
+              <a:schemeClr val="dk1"/>
+            </a:effectRef>
+            <a:fontRef idx="minor">
+              <a:schemeClr val="tx1"/>
+            </a:fontRef>
+          </p:style>
+        </p:cxnSp>
+        <p:cxnSp>
+          <p:nvCxnSpPr>
+            <p:cNvPr id="26" name="Прямая со стрелкой 25"/>
+            <p:cNvCxnSpPr/>
+            <p:nvPr/>
+          </p:nvCxnSpPr>
+          <p:spPr>
+            <a:xfrm>
+              <a:off x="2592924" y="5345354"/>
+              <a:ext cx="591708" cy="0"/>
+            </a:xfrm>
+            <a:prstGeom prst="straightConnector1">
+              <a:avLst/>
+            </a:prstGeom>
+            <a:ln w="19050">
+              <a:tailEnd type="triangle"/>
+            </a:ln>
+          </p:spPr>
+          <p:style>
+            <a:lnRef idx="1">
+              <a:schemeClr val="dk1"/>
+            </a:lnRef>
+            <a:fillRef idx="0">
+              <a:schemeClr val="dk1"/>
+            </a:fillRef>
+            <a:effectRef idx="0">
+              <a:schemeClr val="dk1"/>
+            </a:effectRef>
+            <a:fontRef idx="minor">
+              <a:schemeClr val="tx1"/>
+            </a:fontRef>
+          </p:style>
+        </p:cxnSp>
+        <p:sp>
+          <p:nvSpPr>
+            <p:cNvPr id="27" name="TextBox 26"/>
+            <p:cNvSpPr txBox="1"/>
+            <p:nvPr/>
+          </p:nvSpPr>
+          <p:spPr>
+            <a:xfrm>
+              <a:off x="3169840" y="2856858"/>
+              <a:ext cx="1604927" cy="338554"/>
+            </a:xfrm>
+            <a:prstGeom prst="rect">
+              <a:avLst/>
+            </a:prstGeom>
+            <a:noFill/>
+          </p:spPr>
+          <p:txBody>
+            <a:bodyPr wrap="none" rtlCol="0">
+              <a:spAutoFit/>
+            </a:bodyPr>
+            <a:lstStyle/>
+            <a:p>
+              <a:r>
+                <a:rPr lang="en-US" sz="1600" dirty="0" smtClean="0"/>
+                <a:t>HTTP </a:t>
+              </a:r>
+              <a:r>
+                <a:rPr lang="ru-RU" sz="1600" dirty="0" smtClean="0"/>
+                <a:t>Запросы</a:t>
+              </a:r>
+              <a:endParaRPr lang="en-US" sz="1600" dirty="0"/>
+            </a:p>
+          </p:txBody>
+        </p:sp>
+        <p:pic>
+          <p:nvPicPr>
+            <p:cNvPr id="28" name="Рисунок 27"/>
+            <p:cNvPicPr>
+              <a:picLocks noChangeAspect="1"/>
+            </p:cNvPicPr>
+            <p:nvPr/>
+          </p:nvPicPr>
+          <p:blipFill>
+            <a:blip r:embed="rId4" cstate="print">
+              <a:extLst>
+                <a:ext uri="{28A0092B-C50C-407E-A947-70E740481C1C}">
+                  <a14:useLocalDpi xmlns:a14="http://schemas.microsoft.com/office/drawing/2010/main" val="0"/>
+                </a:ext>
+              </a:extLst>
+            </a:blip>
+            <a:stretch>
+              <a:fillRect/>
+            </a:stretch>
+          </p:blipFill>
+          <p:spPr>
+            <a:xfrm>
+              <a:off x="8329808" y="1547558"/>
+              <a:ext cx="1191343" cy="1194952"/>
+            </a:xfrm>
+            <a:prstGeom prst="rect">
+              <a:avLst/>
+            </a:prstGeom>
+          </p:spPr>
+        </p:pic>
+        <p:sp>
+          <p:nvSpPr>
+            <p:cNvPr id="29" name="TextBox 28"/>
+            <p:cNvSpPr txBox="1"/>
+            <p:nvPr/>
+          </p:nvSpPr>
+          <p:spPr>
+            <a:xfrm>
+              <a:off x="9521151" y="1547558"/>
+              <a:ext cx="1627369" cy="523220"/>
+            </a:xfrm>
+            <a:prstGeom prst="rect">
+              <a:avLst/>
+            </a:prstGeom>
+            <a:noFill/>
+          </p:spPr>
+          <p:txBody>
+            <a:bodyPr wrap="none" rtlCol="0">
+              <a:spAutoFit/>
+            </a:bodyPr>
+            <a:lstStyle/>
+            <a:p>
+              <a:r>
+                <a:rPr lang="en-US" sz="1400" dirty="0" smtClean="0"/>
+                <a:t>API </a:t>
+              </a:r>
+              <a:r>
+                <a:rPr lang="ru-RU" sz="1400" dirty="0" smtClean="0"/>
+                <a:t>библиотеки </a:t>
+              </a:r>
+            </a:p>
+            <a:p>
+              <a:r>
+                <a:rPr lang="ru-RU" sz="1400" dirty="0" smtClean="0"/>
+                <a:t>шаблонизации</a:t>
+              </a:r>
+              <a:endParaRPr lang="en-US" sz="1400" dirty="0"/>
+            </a:p>
+          </p:txBody>
+        </p:sp>
+        <p:pic>
+          <p:nvPicPr>
+            <p:cNvPr id="31" name="Рисунок 30"/>
+            <p:cNvPicPr>
+              <a:picLocks noChangeAspect="1"/>
+            </p:cNvPicPr>
+            <p:nvPr/>
+          </p:nvPicPr>
+          <p:blipFill>
+            <a:blip r:embed="rId5" cstate="print">
+              <a:extLst>
+                <a:ext uri="{28A0092B-C50C-407E-A947-70E740481C1C}">
+                  <a14:useLocalDpi xmlns:a14="http://schemas.microsoft.com/office/drawing/2010/main" val="0"/>
+                </a:ext>
+              </a:extLst>
+            </a:blip>
+            <a:stretch>
+              <a:fillRect/>
+            </a:stretch>
+          </p:blipFill>
+          <p:spPr>
+            <a:xfrm>
+              <a:off x="8417565" y="3223243"/>
+              <a:ext cx="1103586" cy="1051633"/>
+            </a:xfrm>
+            <a:prstGeom prst="rect">
+              <a:avLst/>
+            </a:prstGeom>
+          </p:spPr>
+        </p:pic>
+        <p:pic>
+          <p:nvPicPr>
+            <p:cNvPr id="34" name="Рисунок 33"/>
+            <p:cNvPicPr>
+              <a:picLocks noChangeAspect="1"/>
+            </p:cNvPicPr>
+            <p:nvPr/>
+          </p:nvPicPr>
+          <p:blipFill>
+            <a:blip r:embed="rId6" cstate="print">
+              <a:extLst>
+                <a:ext uri="{28A0092B-C50C-407E-A947-70E740481C1C}">
+                  <a14:useLocalDpi xmlns:a14="http://schemas.microsoft.com/office/drawing/2010/main" val="0"/>
+                </a:ext>
+              </a:extLst>
+            </a:blip>
+            <a:stretch>
+              <a:fillRect/>
+            </a:stretch>
+          </p:blipFill>
+          <p:spPr>
+            <a:xfrm>
+              <a:off x="8329808" y="4845895"/>
+              <a:ext cx="1318689" cy="991591"/>
+            </a:xfrm>
+            <a:prstGeom prst="rect">
+              <a:avLst/>
+            </a:prstGeom>
+          </p:spPr>
+        </p:pic>
+        <p:cxnSp>
+          <p:nvCxnSpPr>
+            <p:cNvPr id="35" name="Прямая соединительная линия 34"/>
+            <p:cNvCxnSpPr/>
+            <p:nvPr/>
+          </p:nvCxnSpPr>
+          <p:spPr>
+            <a:xfrm>
+              <a:off x="7646274" y="1716574"/>
+              <a:ext cx="0" cy="4176852"/>
+            </a:xfrm>
+            <a:prstGeom prst="line">
+              <a:avLst/>
+            </a:prstGeom>
+            <a:ln w="19050"/>
+          </p:spPr>
+          <p:style>
+            <a:lnRef idx="1">
+              <a:schemeClr val="dk1"/>
+            </a:lnRef>
+            <a:fillRef idx="0">
+              <a:schemeClr val="dk1"/>
+            </a:fillRef>
+            <a:effectRef idx="0">
+              <a:schemeClr val="dk1"/>
+            </a:effectRef>
+            <a:fontRef idx="minor">
+              <a:schemeClr val="tx1"/>
+            </a:fontRef>
+          </p:style>
+        </p:cxnSp>
+        <p:cxnSp>
+          <p:nvCxnSpPr>
+            <p:cNvPr id="36" name="Прямая со стрелкой 35"/>
+            <p:cNvCxnSpPr>
+              <a:endCxn id="28" idx="1"/>
+            </p:cNvCxnSpPr>
+            <p:nvPr/>
+          </p:nvCxnSpPr>
+          <p:spPr>
+            <a:xfrm>
+              <a:off x="7646274" y="2070778"/>
+              <a:ext cx="683534" cy="0"/>
+            </a:xfrm>
+            <a:prstGeom prst="straightConnector1">
+              <a:avLst/>
+            </a:prstGeom>
+            <a:ln w="19050">
+              <a:tailEnd type="triangle"/>
+            </a:ln>
+          </p:spPr>
+          <p:style>
+            <a:lnRef idx="1">
+              <a:schemeClr val="dk1"/>
+            </a:lnRef>
+            <a:fillRef idx="0">
+              <a:schemeClr val="dk1"/>
+            </a:fillRef>
+            <a:effectRef idx="0">
+              <a:schemeClr val="dk1"/>
+            </a:effectRef>
+            <a:fontRef idx="minor">
+              <a:schemeClr val="tx1"/>
+            </a:fontRef>
+          </p:style>
+        </p:cxnSp>
+        <p:cxnSp>
+          <p:nvCxnSpPr>
+            <p:cNvPr id="38" name="Прямая со стрелкой 37"/>
+            <p:cNvCxnSpPr/>
+            <p:nvPr/>
+          </p:nvCxnSpPr>
+          <p:spPr>
+            <a:xfrm>
+              <a:off x="7646274" y="3731409"/>
+              <a:ext cx="683534" cy="0"/>
+            </a:xfrm>
+            <a:prstGeom prst="straightConnector1">
+              <a:avLst/>
+            </a:prstGeom>
+            <a:ln w="19050">
+              <a:tailEnd type="triangle"/>
+            </a:ln>
+          </p:spPr>
+          <p:style>
+            <a:lnRef idx="1">
+              <a:schemeClr val="dk1"/>
+            </a:lnRef>
+            <a:fillRef idx="0">
+              <a:schemeClr val="dk1"/>
+            </a:fillRef>
+            <a:effectRef idx="0">
+              <a:schemeClr val="dk1"/>
+            </a:effectRef>
+            <a:fontRef idx="minor">
+              <a:schemeClr val="tx1"/>
+            </a:fontRef>
+          </p:style>
+        </p:cxnSp>
+        <p:cxnSp>
+          <p:nvCxnSpPr>
+            <p:cNvPr id="39" name="Прямая со стрелкой 38"/>
+            <p:cNvCxnSpPr/>
+            <p:nvPr/>
+          </p:nvCxnSpPr>
+          <p:spPr>
+            <a:xfrm>
+              <a:off x="7646274" y="5239643"/>
+              <a:ext cx="683534" cy="0"/>
+            </a:xfrm>
+            <a:prstGeom prst="straightConnector1">
+              <a:avLst/>
+            </a:prstGeom>
+            <a:ln w="19050">
+              <a:tailEnd type="triangle"/>
+            </a:ln>
+          </p:spPr>
+          <p:style>
+            <a:lnRef idx="1">
+              <a:schemeClr val="dk1"/>
+            </a:lnRef>
+            <a:fillRef idx="0">
+              <a:schemeClr val="dk1"/>
+            </a:fillRef>
+            <a:effectRef idx="0">
+              <a:schemeClr val="dk1"/>
+            </a:effectRef>
+            <a:fontRef idx="minor">
+              <a:schemeClr val="tx1"/>
+            </a:fontRef>
+          </p:style>
+        </p:cxnSp>
+        <p:cxnSp>
+          <p:nvCxnSpPr>
+            <p:cNvPr id="40" name="Прямая со стрелкой 39"/>
+            <p:cNvCxnSpPr/>
+            <p:nvPr/>
+          </p:nvCxnSpPr>
+          <p:spPr>
+            <a:xfrm>
+              <a:off x="6789192" y="3312272"/>
+              <a:ext cx="848833" cy="0"/>
+            </a:xfrm>
+            <a:prstGeom prst="straightConnector1">
+              <a:avLst/>
+            </a:prstGeom>
+            <a:ln w="19050">
+              <a:tailEnd type="triangle"/>
+            </a:ln>
+          </p:spPr>
+          <p:style>
+            <a:lnRef idx="1">
+              <a:schemeClr val="dk1"/>
+            </a:lnRef>
+            <a:fillRef idx="0">
+              <a:schemeClr val="dk1"/>
+            </a:fillRef>
+            <a:effectRef idx="0">
+              <a:schemeClr val="dk1"/>
+            </a:effectRef>
+            <a:fontRef idx="minor">
+              <a:schemeClr val="tx1"/>
+            </a:fontRef>
+          </p:style>
+        </p:cxnSp>
+        <p:sp>
+          <p:nvSpPr>
+            <p:cNvPr id="45" name="TextBox 44"/>
+            <p:cNvSpPr txBox="1"/>
+            <p:nvPr/>
+          </p:nvSpPr>
+          <p:spPr>
+            <a:xfrm>
+              <a:off x="9523964" y="3250323"/>
+              <a:ext cx="1362874" cy="523220"/>
+            </a:xfrm>
+            <a:prstGeom prst="rect">
+              <a:avLst/>
+            </a:prstGeom>
+            <a:noFill/>
+          </p:spPr>
+          <p:txBody>
+            <a:bodyPr wrap="none" rtlCol="0">
+              <a:spAutoFit/>
+            </a:bodyPr>
+            <a:lstStyle/>
+            <a:p>
+              <a:r>
+                <a:rPr lang="ru-RU" sz="1400" dirty="0" smtClean="0"/>
+                <a:t>База данных </a:t>
+              </a:r>
+            </a:p>
+            <a:p>
+              <a:r>
+                <a:rPr lang="ru-RU" sz="1400" dirty="0" smtClean="0"/>
+                <a:t>шаблонов</a:t>
+              </a:r>
+              <a:endParaRPr lang="en-US" sz="1400" dirty="0"/>
+            </a:p>
+          </p:txBody>
+        </p:sp>
+        <p:sp>
+          <p:nvSpPr>
+            <p:cNvPr id="47" name="TextBox 46"/>
+            <p:cNvSpPr txBox="1"/>
+            <p:nvPr/>
+          </p:nvSpPr>
+          <p:spPr>
+            <a:xfrm>
+              <a:off x="9648497" y="4845895"/>
+              <a:ext cx="1915909" cy="738664"/>
+            </a:xfrm>
+            <a:prstGeom prst="rect">
+              <a:avLst/>
+            </a:prstGeom>
+            <a:noFill/>
+          </p:spPr>
+          <p:txBody>
+            <a:bodyPr wrap="none" rtlCol="0">
+              <a:spAutoFit/>
+            </a:bodyPr>
+            <a:lstStyle/>
+            <a:p>
+              <a:r>
+                <a:rPr lang="ru-RU" sz="1400" dirty="0" smtClean="0"/>
+                <a:t>Статичные файлы </a:t>
+              </a:r>
+            </a:p>
+            <a:p>
+              <a:r>
+                <a:rPr lang="ru-RU" sz="1400" dirty="0" smtClean="0"/>
+                <a:t>пользовательского </a:t>
+              </a:r>
+            </a:p>
+            <a:p>
+              <a:r>
+                <a:rPr lang="ru-RU" sz="1400" dirty="0" smtClean="0"/>
+                <a:t>интерфейса</a:t>
+              </a:r>
+              <a:endParaRPr lang="en-US" sz="1400" dirty="0"/>
+            </a:p>
+          </p:txBody>
+        </p:sp>
+      </p:grpSp>
       <p:sp>
         <p:nvSpPr>
-          <p:cNvPr id="2" name="Заголовок 1"/>
-          <p:cNvSpPr>
-            <a:spLocks noGrp="1"/>
-          </p:cNvSpPr>
-          <p:nvPr>
-            <p:ph type="title"/>
-          </p:nvPr>
+          <p:cNvPr id="4" name="TextBox 3"/>
+          <p:cNvSpPr txBox="1"/>
+          <p:nvPr/>
         </p:nvSpPr>
-        <p:spPr/>
+        <p:spPr>
+          <a:xfrm>
+            <a:off x="963385" y="310254"/>
+            <a:ext cx="9046029" cy="646331"/>
+          </a:xfrm>
+          <a:prstGeom prst="rect">
+            <a:avLst/>
+          </a:prstGeom>
+          <a:noFill/>
+        </p:spPr>
         <p:txBody>
-          <a:bodyPr/>
-          <a:lstStyle/>
-          <a:p>
-            <a:r>
-              <a:rPr lang="ru-RU" dirty="0" smtClean="0"/>
-              <a:t>Выбор технологий для разработки</a:t>
-            </a:r>
-            <a:endParaRPr lang="en-US" dirty="0"/>
-          </a:p>
-        </p:txBody>
-      </p:sp>
-      <p:sp>
-        <p:nvSpPr>
-          <p:cNvPr id="3" name="Объект 2"/>
-          <p:cNvSpPr>
-            <a:spLocks noGrp="1"/>
-          </p:cNvSpPr>
-          <p:nvPr>
-            <p:ph idx="1"/>
-          </p:nvPr>
-        </p:nvSpPr>
-        <p:spPr/>
-        <p:txBody>
-          <a:bodyPr>
-            <a:noAutofit/>
+          <a:bodyPr wrap="square" rtlCol="0">
+            <a:spAutoFit/>
           </a:bodyPr>
           <a:lstStyle/>
           <a:p>
             <a:r>
-              <a:rPr lang="ru-RU" sz="2000" dirty="0" smtClean="0"/>
-              <a:t>Серверная часть:</a:t>
-            </a:r>
-          </a:p>
-          <a:p>
-            <a:pPr lvl="1"/>
-            <a:r>
-              <a:rPr lang="ru-RU" sz="2000" dirty="0" smtClean="0"/>
-              <a:t>Язык программирования</a:t>
-            </a:r>
-            <a:r>
-              <a:rPr lang="en-US" sz="2000" dirty="0" smtClean="0"/>
-              <a:t> </a:t>
-            </a:r>
-            <a:r>
-              <a:rPr lang="en-US" sz="2000" b="1" dirty="0" smtClean="0"/>
-              <a:t>Rust</a:t>
-            </a:r>
-          </a:p>
-          <a:p>
-            <a:pPr lvl="1"/>
-            <a:r>
-              <a:rPr lang="ru-RU" sz="2000" dirty="0" smtClean="0"/>
-              <a:t>Библиотека асинхронного выполнения </a:t>
-            </a:r>
-            <a:r>
-              <a:rPr lang="en-US" sz="2000" b="1" dirty="0" smtClean="0"/>
-              <a:t>tokio</a:t>
-            </a:r>
-            <a:endParaRPr lang="ru-RU" sz="2000" b="1" dirty="0" smtClean="0"/>
-          </a:p>
-          <a:p>
-            <a:pPr lvl="1"/>
-            <a:r>
-              <a:rPr lang="ru-RU" sz="2000" dirty="0" smtClean="0"/>
-              <a:t>Библиотека шаблонизации </a:t>
-            </a:r>
-            <a:r>
-              <a:rPr lang="en-US" sz="2000" b="1" dirty="0" smtClean="0"/>
-              <a:t>tera</a:t>
-            </a:r>
-            <a:endParaRPr lang="en-US" sz="2000" dirty="0" smtClean="0"/>
-          </a:p>
-          <a:p>
-            <a:r>
-              <a:rPr lang="ru-RU" sz="2000" dirty="0" smtClean="0"/>
-              <a:t>Клиентская часть:</a:t>
-            </a:r>
-          </a:p>
-          <a:p>
-            <a:pPr lvl="1"/>
-            <a:r>
-              <a:rPr lang="ru-RU" sz="2000" dirty="0" smtClean="0"/>
-              <a:t>Любое приложение, способное совершать </a:t>
-            </a:r>
-            <a:r>
-              <a:rPr lang="en-US" sz="2000" dirty="0" smtClean="0"/>
-              <a:t>http </a:t>
-            </a:r>
-            <a:r>
-              <a:rPr lang="ru-RU" sz="2000" dirty="0" smtClean="0"/>
-              <a:t>запросы</a:t>
-            </a:r>
-          </a:p>
-          <a:p>
-            <a:pPr lvl="1"/>
-            <a:r>
-              <a:rPr lang="ru-RU" sz="2000" dirty="0" smtClean="0"/>
-              <a:t>Графический пользовательский интерфейс:</a:t>
-            </a:r>
-          </a:p>
-          <a:p>
-            <a:pPr lvl="2"/>
-            <a:r>
-              <a:rPr lang="en-US" sz="2000" dirty="0" smtClean="0"/>
-              <a:t>JavaScript framework Vue.js</a:t>
-            </a:r>
-          </a:p>
-          <a:p>
-            <a:pPr lvl="2"/>
-            <a:r>
-              <a:rPr lang="en-US" sz="2000" dirty="0" smtClean="0"/>
-              <a:t>HTML </a:t>
-            </a:r>
-            <a:r>
-              <a:rPr lang="ru-RU" sz="2000" dirty="0" smtClean="0"/>
-              <a:t>и </a:t>
-            </a:r>
-            <a:r>
-              <a:rPr lang="en-US" sz="2000" dirty="0" smtClean="0"/>
-              <a:t>CS</a:t>
-            </a:r>
-            <a:r>
-              <a:rPr lang="en-US" sz="2000" dirty="0"/>
-              <a:t>S</a:t>
-            </a:r>
-            <a:endParaRPr lang="en-US" sz="2000" dirty="0" smtClean="0"/>
+              <a:rPr lang="ru-RU" sz="3600" b="1" dirty="0" smtClean="0">
+                <a:latin typeface="Courier New" panose="02070309020205020404" pitchFamily="49" charset="0"/>
+                <a:cs typeface="Courier New" panose="02070309020205020404" pitchFamily="49" charset="0"/>
+              </a:rPr>
+              <a:t>Модель работы веб-сервиса</a:t>
+            </a:r>
+            <a:endParaRPr lang="en-US" sz="3600" b="1" dirty="0">
+              <a:latin typeface="Courier New" panose="02070309020205020404" pitchFamily="49" charset="0"/>
+              <a:cs typeface="Courier New" panose="02070309020205020404" pitchFamily="49" charset="0"/>
+            </a:endParaRPr>
           </a:p>
         </p:txBody>
       </p:sp>
     </p:spTree>
     <p:extLst>
       <p:ext uri="{BB962C8B-B14F-4D97-AF65-F5344CB8AC3E}">
-        <p14:creationId xmlns:p14="http://schemas.microsoft.com/office/powerpoint/2010/main" val="4053716737"/>
+        <p14:creationId xmlns:p14="http://schemas.microsoft.com/office/powerpoint/2010/main" val="811162513"/>
       </p:ext>
     </p:extLst>
   </p:cSld>
@@ -11596,51 +11768,85 @@
       </p:grpSpPr>
       <p:sp>
         <p:nvSpPr>
-          <p:cNvPr id="2" name="Заголовок 1"/>
-          <p:cNvSpPr>
-            <a:spLocks noGrp="1"/>
-          </p:cNvSpPr>
-          <p:nvPr>
-            <p:ph type="title"/>
-          </p:nvPr>
+          <p:cNvPr id="3" name="TextBox 2"/>
+          <p:cNvSpPr txBox="1"/>
+          <p:nvPr/>
         </p:nvSpPr>
         <p:spPr>
           <a:xfrm>
-            <a:off x="2592924" y="624110"/>
-            <a:ext cx="8911687" cy="742235"/>
+            <a:off x="1630837" y="209084"/>
+            <a:ext cx="8386741" cy="646331"/>
           </a:xfrm>
+          <a:prstGeom prst="rect">
+            <a:avLst/>
+          </a:prstGeom>
+          <a:noFill/>
         </p:spPr>
         <p:txBody>
-          <a:bodyPr>
-            <a:normAutofit fontScale="90000"/>
+          <a:bodyPr wrap="square" rtlCol="0">
+            <a:spAutoFit/>
           </a:bodyPr>
           <a:lstStyle/>
           <a:p>
             <a:r>
-              <a:rPr lang="ru-RU" dirty="0" smtClean="0"/>
-              <a:t>Реализация компонентов веб-сервиса</a:t>
-            </a:r>
-            <a:endParaRPr lang="en-US" dirty="0"/>
+              <a:rPr lang="ru-RU" sz="3600" b="1" dirty="0" smtClean="0">
+                <a:latin typeface="Courier New" panose="02070309020205020404" pitchFamily="49" charset="0"/>
+                <a:cs typeface="Courier New" panose="02070309020205020404" pitchFamily="49" charset="0"/>
+              </a:rPr>
+              <a:t>Модель работы веб-сервиса</a:t>
+            </a:r>
+            <a:endParaRPr lang="en-US" sz="3600" b="1" dirty="0">
+              <a:latin typeface="Courier New" panose="02070309020205020404" pitchFamily="49" charset="0"/>
+              <a:cs typeface="Courier New" panose="02070309020205020404" pitchFamily="49" charset="0"/>
+            </a:endParaRPr>
           </a:p>
         </p:txBody>
       </p:sp>
+      <p:pic>
+        <p:nvPicPr>
+          <p:cNvPr id="4" name="Рисунок 3"/>
+          <p:cNvPicPr>
+            <a:picLocks noChangeAspect="1"/>
+          </p:cNvPicPr>
+          <p:nvPr/>
+        </p:nvPicPr>
+        <p:blipFill>
+          <a:blip r:embed="rId2">
+            <a:extLst>
+              <a:ext uri="{28A0092B-C50C-407E-A947-70E740481C1C}">
+                <a14:useLocalDpi xmlns:a14="http://schemas.microsoft.com/office/drawing/2010/main" val="0"/>
+              </a:ext>
+            </a:extLst>
+          </a:blip>
+          <a:stretch>
+            <a:fillRect/>
+          </a:stretch>
+        </p:blipFill>
+        <p:spPr>
+          <a:xfrm>
+            <a:off x="1630837" y="1034525"/>
+            <a:ext cx="7908174" cy="5206020"/>
+          </a:xfrm>
+          <a:prstGeom prst="rect">
+            <a:avLst/>
+          </a:prstGeom>
+          <a:ln>
+            <a:solidFill>
+              <a:schemeClr val="tx1"/>
+            </a:solidFill>
+          </a:ln>
+        </p:spPr>
+      </p:pic>
     </p:spTree>
     <p:extLst>
       <p:ext uri="{BB962C8B-B14F-4D97-AF65-F5344CB8AC3E}">
-        <p14:creationId xmlns:p14="http://schemas.microsoft.com/office/powerpoint/2010/main" val="3422903208"/>
+        <p14:creationId xmlns:p14="http://schemas.microsoft.com/office/powerpoint/2010/main" val="279697673"/>
       </p:ext>
     </p:extLst>
   </p:cSld>
   <p:clrMapOvr>
     <a:masterClrMapping/>
   </p:clrMapOvr>
-  <p:timing>
-    <p:tnLst>
-      <p:par>
-        <p:cTn id="1" dur="indefinite" restart="never" nodeType="tmRoot"/>
-      </p:par>
-    </p:tnLst>
-  </p:timing>
 </p:sld>
 </file>
 
@@ -11679,79 +11885,14 @@
       </p:grpSpPr>
       <p:sp>
         <p:nvSpPr>
-          <p:cNvPr id="2" name="Заголовок 1"/>
-          <p:cNvSpPr>
-            <a:spLocks noGrp="1"/>
-          </p:cNvSpPr>
-          <p:nvPr>
-            <p:ph type="title"/>
-          </p:nvPr>
-        </p:nvSpPr>
-        <p:spPr>
-          <a:xfrm>
-            <a:off x="2592924" y="624110"/>
-            <a:ext cx="8911687" cy="742235"/>
-          </a:xfrm>
-        </p:spPr>
-        <p:txBody>
-          <a:bodyPr>
-            <a:normAutofit/>
-          </a:bodyPr>
-          <a:lstStyle/>
-          <a:p>
-            <a:r>
-              <a:rPr lang="ru-RU" dirty="0" smtClean="0"/>
-              <a:t>Тестирование производительности</a:t>
-            </a:r>
-            <a:endParaRPr lang="en-US" dirty="0"/>
-          </a:p>
-        </p:txBody>
-      </p:sp>
-      <p:pic>
-        <p:nvPicPr>
-          <p:cNvPr id="9" name="Рисунок 8"/>
-          <p:cNvPicPr>
-            <a:picLocks noChangeAspect="1"/>
-          </p:cNvPicPr>
-          <p:nvPr/>
-        </p:nvPicPr>
-        <p:blipFill>
-          <a:blip r:embed="rId2">
-            <a:extLst>
-              <a:ext uri="{28A0092B-C50C-407E-A947-70E740481C1C}">
-                <a14:useLocalDpi xmlns:a14="http://schemas.microsoft.com/office/drawing/2010/main" val="0"/>
-              </a:ext>
-            </a:extLst>
-          </a:blip>
-          <a:stretch>
-            <a:fillRect/>
-          </a:stretch>
-        </p:blipFill>
-        <p:spPr>
-          <a:xfrm>
-            <a:off x="2072615" y="1443523"/>
-            <a:ext cx="9431996" cy="3900349"/>
-          </a:xfrm>
-          <a:prstGeom prst="rect">
-            <a:avLst/>
-          </a:prstGeom>
-          <a:ln>
-            <a:solidFill>
-              <a:schemeClr val="tx1"/>
-            </a:solidFill>
-          </a:ln>
-        </p:spPr>
-      </p:pic>
-      <p:sp>
-        <p:nvSpPr>
-          <p:cNvPr id="10" name="TextBox 9"/>
+          <p:cNvPr id="4" name="TextBox 3"/>
           <p:cNvSpPr txBox="1"/>
           <p:nvPr/>
         </p:nvSpPr>
         <p:spPr>
           <a:xfrm>
-            <a:off x="2072615" y="5517931"/>
-            <a:ext cx="4506362" cy="954107"/>
+            <a:off x="1053190" y="310243"/>
+            <a:ext cx="9794423" cy="646331"/>
           </a:xfrm>
           <a:prstGeom prst="rect">
             <a:avLst/>
@@ -11759,57 +11900,263 @@
           <a:noFill/>
         </p:spPr>
         <p:txBody>
-          <a:bodyPr wrap="none" rtlCol="0">
+          <a:bodyPr wrap="square" rtlCol="0">
             <a:spAutoFit/>
           </a:bodyPr>
           <a:lstStyle/>
           <a:p>
             <a:r>
-              <a:rPr lang="ru-RU" sz="1400" dirty="0" smtClean="0"/>
-              <a:t>Процессор: </a:t>
-            </a:r>
-            <a:r>
-              <a:rPr lang="en-US" sz="1400" dirty="0" smtClean="0"/>
-              <a:t>Intel KabyLake 2</a:t>
-            </a:r>
-            <a:r>
-              <a:rPr lang="ru-RU" sz="1400" dirty="0" smtClean="0"/>
-              <a:t> Гц</a:t>
-            </a:r>
-          </a:p>
-          <a:p>
-            <a:r>
-              <a:rPr lang="ru-RU" sz="1400" dirty="0" smtClean="0"/>
-              <a:t>Память: </a:t>
-            </a:r>
-            <a:r>
-              <a:rPr lang="en-US" sz="1400" dirty="0" smtClean="0"/>
-              <a:t>DDR4 2</a:t>
-            </a:r>
-            <a:r>
-              <a:rPr lang="ru-RU" sz="1400" dirty="0" smtClean="0"/>
-              <a:t> Гб</a:t>
-            </a:r>
-          </a:p>
-          <a:p>
-            <a:r>
-              <a:rPr lang="ru-RU" sz="1400" dirty="0" smtClean="0"/>
-              <a:t>Расположение сервера: Стокгольм, Швеция</a:t>
-            </a:r>
-          </a:p>
-          <a:p>
-            <a:r>
-              <a:rPr lang="ru-RU" sz="1400" dirty="0" smtClean="0"/>
-              <a:t>Расположение клиента: Франкфурт, Германия</a:t>
-            </a:r>
-            <a:endParaRPr lang="en-US" sz="1400" dirty="0"/>
+              <a:rPr lang="ru-RU" sz="3600" b="1" dirty="0" smtClean="0">
+                <a:latin typeface="Courier New" panose="02070309020205020404" pitchFamily="49" charset="0"/>
+                <a:cs typeface="Courier New" panose="02070309020205020404" pitchFamily="49" charset="0"/>
+              </a:rPr>
+              <a:t>Выбранные инструменты разработки</a:t>
+            </a:r>
+            <a:endParaRPr lang="en-US" sz="3600" dirty="0"/>
+          </a:p>
+        </p:txBody>
+      </p:sp>
+      <p:sp>
+        <p:nvSpPr>
+          <p:cNvPr id="5" name="TextBox 4"/>
+          <p:cNvSpPr txBox="1"/>
+          <p:nvPr/>
+        </p:nvSpPr>
+        <p:spPr>
+          <a:xfrm>
+            <a:off x="1053191" y="1126671"/>
+            <a:ext cx="10197194" cy="5170646"/>
+          </a:xfrm>
+          <a:prstGeom prst="rect">
+            <a:avLst/>
+          </a:prstGeom>
+          <a:noFill/>
+        </p:spPr>
+        <p:txBody>
+          <a:bodyPr wrap="square" rtlCol="0">
+            <a:spAutoFit/>
+          </a:bodyPr>
+          <a:lstStyle/>
+          <a:p>
+            <a:pPr>
+              <a:lnSpc>
+                <a:spcPct val="150000"/>
+              </a:lnSpc>
+            </a:pPr>
+            <a:r>
+              <a:rPr lang="ru-RU" sz="2400" b="1" dirty="0">
+                <a:latin typeface="Courier New" panose="02070309020205020404" pitchFamily="49" charset="0"/>
+                <a:cs typeface="Courier New" panose="02070309020205020404" pitchFamily="49" charset="0"/>
+              </a:rPr>
+              <a:t>Серверная часть:</a:t>
+            </a:r>
+          </a:p>
+          <a:p>
+            <a:pPr marL="800100" lvl="1" indent="-342900">
+              <a:lnSpc>
+                <a:spcPct val="150000"/>
+              </a:lnSpc>
+              <a:buFont typeface="Arial" panose="020B0604020202020204" pitchFamily="34" charset="0"/>
+              <a:buChar char="•"/>
+            </a:pPr>
+            <a:r>
+              <a:rPr lang="ru-RU" sz="2400" dirty="0">
+                <a:latin typeface="Courier New" panose="02070309020205020404" pitchFamily="49" charset="0"/>
+                <a:cs typeface="Courier New" panose="02070309020205020404" pitchFamily="49" charset="0"/>
+              </a:rPr>
+              <a:t>Язык программирования</a:t>
+            </a:r>
+            <a:r>
+              <a:rPr lang="en-US" sz="2400" dirty="0">
+                <a:latin typeface="Courier New" panose="02070309020205020404" pitchFamily="49" charset="0"/>
+                <a:cs typeface="Courier New" panose="02070309020205020404" pitchFamily="49" charset="0"/>
+              </a:rPr>
+              <a:t> </a:t>
+            </a:r>
+            <a:r>
+              <a:rPr lang="en-US" sz="2400" b="1" dirty="0">
+                <a:latin typeface="Courier New" panose="02070309020205020404" pitchFamily="49" charset="0"/>
+                <a:cs typeface="Courier New" panose="02070309020205020404" pitchFamily="49" charset="0"/>
+              </a:rPr>
+              <a:t>Rust</a:t>
+            </a:r>
+          </a:p>
+          <a:p>
+            <a:pPr marL="800100" lvl="1" indent="-342900">
+              <a:lnSpc>
+                <a:spcPct val="150000"/>
+              </a:lnSpc>
+              <a:buFont typeface="Arial" panose="020B0604020202020204" pitchFamily="34" charset="0"/>
+              <a:buChar char="•"/>
+            </a:pPr>
+            <a:r>
+              <a:rPr lang="ru-RU" sz="2400" dirty="0">
+                <a:latin typeface="Courier New" panose="02070309020205020404" pitchFamily="49" charset="0"/>
+                <a:cs typeface="Courier New" panose="02070309020205020404" pitchFamily="49" charset="0"/>
+              </a:rPr>
+              <a:t>Библиотека асинхронного выполнения </a:t>
+            </a:r>
+            <a:r>
+              <a:rPr lang="en-US" sz="2400" b="1" dirty="0" err="1">
+                <a:latin typeface="Courier New" panose="02070309020205020404" pitchFamily="49" charset="0"/>
+                <a:cs typeface="Courier New" panose="02070309020205020404" pitchFamily="49" charset="0"/>
+              </a:rPr>
+              <a:t>tokio</a:t>
+            </a:r>
+            <a:endParaRPr lang="ru-RU" sz="2400" b="1" dirty="0">
+              <a:latin typeface="Courier New" panose="02070309020205020404" pitchFamily="49" charset="0"/>
+              <a:cs typeface="Courier New" panose="02070309020205020404" pitchFamily="49" charset="0"/>
+            </a:endParaRPr>
+          </a:p>
+          <a:p>
+            <a:pPr marL="800100" lvl="1" indent="-342900">
+              <a:lnSpc>
+                <a:spcPct val="150000"/>
+              </a:lnSpc>
+              <a:buFont typeface="Arial" panose="020B0604020202020204" pitchFamily="34" charset="0"/>
+              <a:buChar char="•"/>
+            </a:pPr>
+            <a:r>
+              <a:rPr lang="ru-RU" sz="2400" dirty="0">
+                <a:latin typeface="Courier New" panose="02070309020205020404" pitchFamily="49" charset="0"/>
+                <a:cs typeface="Courier New" panose="02070309020205020404" pitchFamily="49" charset="0"/>
+              </a:rPr>
+              <a:t>Библиотека шаблонизации </a:t>
+            </a:r>
+            <a:r>
+              <a:rPr lang="en-US" sz="2400" b="1" dirty="0" err="1">
+                <a:latin typeface="Courier New" panose="02070309020205020404" pitchFamily="49" charset="0"/>
+                <a:cs typeface="Courier New" panose="02070309020205020404" pitchFamily="49" charset="0"/>
+              </a:rPr>
+              <a:t>tera</a:t>
+            </a:r>
+            <a:endParaRPr lang="en-US" sz="2400" dirty="0">
+              <a:latin typeface="Courier New" panose="02070309020205020404" pitchFamily="49" charset="0"/>
+              <a:cs typeface="Courier New" panose="02070309020205020404" pitchFamily="49" charset="0"/>
+            </a:endParaRPr>
+          </a:p>
+          <a:p>
+            <a:pPr>
+              <a:lnSpc>
+                <a:spcPct val="150000"/>
+              </a:lnSpc>
+            </a:pPr>
+            <a:r>
+              <a:rPr lang="ru-RU" sz="2400" b="1" dirty="0">
+                <a:latin typeface="Courier New" panose="02070309020205020404" pitchFamily="49" charset="0"/>
+                <a:cs typeface="Courier New" panose="02070309020205020404" pitchFamily="49" charset="0"/>
+              </a:rPr>
+              <a:t>Клиентская часть:</a:t>
+            </a:r>
+          </a:p>
+          <a:p>
+            <a:pPr marL="800100" lvl="1" indent="-342900">
+              <a:lnSpc>
+                <a:spcPct val="150000"/>
+              </a:lnSpc>
+              <a:buFont typeface="Arial" panose="020B0604020202020204" pitchFamily="34" charset="0"/>
+              <a:buChar char="•"/>
+            </a:pPr>
+            <a:r>
+              <a:rPr lang="ru-RU" sz="2400" dirty="0">
+                <a:latin typeface="Courier New" panose="02070309020205020404" pitchFamily="49" charset="0"/>
+                <a:cs typeface="Courier New" panose="02070309020205020404" pitchFamily="49" charset="0"/>
+              </a:rPr>
+              <a:t>Любое приложение, способное совершать </a:t>
+            </a:r>
+            <a:r>
+              <a:rPr lang="en-US" sz="2400" dirty="0">
+                <a:latin typeface="Courier New" panose="02070309020205020404" pitchFamily="49" charset="0"/>
+                <a:cs typeface="Courier New" panose="02070309020205020404" pitchFamily="49" charset="0"/>
+              </a:rPr>
+              <a:t>http </a:t>
+            </a:r>
+            <a:r>
+              <a:rPr lang="ru-RU" sz="2400" dirty="0">
+                <a:latin typeface="Courier New" panose="02070309020205020404" pitchFamily="49" charset="0"/>
+                <a:cs typeface="Courier New" panose="02070309020205020404" pitchFamily="49" charset="0"/>
+              </a:rPr>
+              <a:t>запросы</a:t>
+            </a:r>
+          </a:p>
+          <a:p>
+            <a:pPr marL="800100" lvl="1" indent="-342900">
+              <a:lnSpc>
+                <a:spcPct val="150000"/>
+              </a:lnSpc>
+              <a:buFont typeface="Arial" panose="020B0604020202020204" pitchFamily="34" charset="0"/>
+              <a:buChar char="•"/>
+            </a:pPr>
+            <a:r>
+              <a:rPr lang="ru-RU" sz="2400" dirty="0">
+                <a:latin typeface="Courier New" panose="02070309020205020404" pitchFamily="49" charset="0"/>
+                <a:cs typeface="Courier New" panose="02070309020205020404" pitchFamily="49" charset="0"/>
+              </a:rPr>
+              <a:t>Графический пользовательский интерфейс:</a:t>
+            </a:r>
+          </a:p>
+          <a:p>
+            <a:pPr marL="1257300" lvl="2" indent="-342900">
+              <a:lnSpc>
+                <a:spcPct val="150000"/>
+              </a:lnSpc>
+              <a:buFont typeface="Wingdings" panose="05000000000000000000" pitchFamily="2" charset="2"/>
+              <a:buChar char="§"/>
+            </a:pPr>
+            <a:r>
+              <a:rPr lang="en-US" sz="2000" dirty="0">
+                <a:latin typeface="Courier New" panose="02070309020205020404" pitchFamily="49" charset="0"/>
+                <a:cs typeface="Courier New" panose="02070309020205020404" pitchFamily="49" charset="0"/>
+              </a:rPr>
+              <a:t>JavaScript framework </a:t>
+            </a:r>
+            <a:r>
+              <a:rPr lang="en-US" sz="2000" b="1" dirty="0">
+                <a:latin typeface="Courier New" panose="02070309020205020404" pitchFamily="49" charset="0"/>
+                <a:cs typeface="Courier New" panose="02070309020205020404" pitchFamily="49" charset="0"/>
+              </a:rPr>
+              <a:t>Vue.js</a:t>
+            </a:r>
+          </a:p>
+          <a:p>
+            <a:pPr marL="1257300" lvl="2" indent="-342900">
+              <a:lnSpc>
+                <a:spcPct val="150000"/>
+              </a:lnSpc>
+              <a:buFont typeface="Wingdings" panose="05000000000000000000" pitchFamily="2" charset="2"/>
+              <a:buChar char="§"/>
+            </a:pPr>
+            <a:r>
+              <a:rPr lang="en-US" sz="2000" dirty="0">
+                <a:latin typeface="Courier New" panose="02070309020205020404" pitchFamily="49" charset="0"/>
+                <a:cs typeface="Courier New" panose="02070309020205020404" pitchFamily="49" charset="0"/>
+              </a:rPr>
+              <a:t>HTML </a:t>
+            </a:r>
+            <a:r>
+              <a:rPr lang="ru-RU" sz="2000" dirty="0">
+                <a:latin typeface="Courier New" panose="02070309020205020404" pitchFamily="49" charset="0"/>
+                <a:cs typeface="Courier New" panose="02070309020205020404" pitchFamily="49" charset="0"/>
+              </a:rPr>
+              <a:t>и </a:t>
+            </a:r>
+            <a:r>
+              <a:rPr lang="en-US" sz="2000" dirty="0">
+                <a:latin typeface="Courier New" panose="02070309020205020404" pitchFamily="49" charset="0"/>
+                <a:cs typeface="Courier New" panose="02070309020205020404" pitchFamily="49" charset="0"/>
+              </a:rPr>
+              <a:t>CSS</a:t>
+            </a:r>
+          </a:p>
+          <a:p>
+            <a:endParaRPr lang="en-US" dirty="0"/>
           </a:p>
         </p:txBody>
       </p:sp>
     </p:spTree>
     <p:extLst>
       <p:ext uri="{BB962C8B-B14F-4D97-AF65-F5344CB8AC3E}">
-        <p14:creationId xmlns:p14="http://schemas.microsoft.com/office/powerpoint/2010/main" val="236733205"/>
+        <p14:creationId xmlns:p14="http://schemas.microsoft.com/office/powerpoint/2010/main" val="4053716737"/>
       </p:ext>
     </p:extLst>
   </p:cSld>
@@ -11861,31 +12208,34 @@
       </p:grpSpPr>
       <p:sp>
         <p:nvSpPr>
-          <p:cNvPr id="2" name="Заголовок 1"/>
-          <p:cNvSpPr>
-            <a:spLocks noGrp="1"/>
-          </p:cNvSpPr>
-          <p:nvPr>
-            <p:ph type="title"/>
-          </p:nvPr>
+          <p:cNvPr id="4" name="TextBox 3"/>
+          <p:cNvSpPr txBox="1"/>
+          <p:nvPr/>
         </p:nvSpPr>
         <p:spPr>
           <a:xfrm>
-            <a:off x="2592924" y="624110"/>
-            <a:ext cx="8911687" cy="742235"/>
+            <a:off x="948319" y="234870"/>
+            <a:ext cx="10009414" cy="646331"/>
           </a:xfrm>
+          <a:prstGeom prst="rect">
+            <a:avLst/>
+          </a:prstGeom>
+          <a:noFill/>
         </p:spPr>
         <p:txBody>
-          <a:bodyPr>
-            <a:normAutofit/>
+          <a:bodyPr wrap="square" rtlCol="0">
+            <a:spAutoFit/>
           </a:bodyPr>
           <a:lstStyle/>
           <a:p>
             <a:r>
-              <a:rPr lang="ru-RU" dirty="0" smtClean="0"/>
-              <a:t>Тестирование производительности</a:t>
-            </a:r>
-            <a:endParaRPr lang="en-US" dirty="0"/>
+              <a:rPr lang="ru-RU" sz="3600" b="1" dirty="0" smtClean="0">
+                <a:latin typeface="Courier New" panose="02070309020205020404" pitchFamily="49" charset="0"/>
+                <a:cs typeface="Courier New" panose="02070309020205020404" pitchFamily="49" charset="0"/>
+              </a:rPr>
+              <a:t>Пользовательский интерфейс</a:t>
+            </a:r>
+            <a:endParaRPr lang="en-US" sz="3600" dirty="0"/>
           </a:p>
         </p:txBody>
       </p:sp>
@@ -11911,8 +12261,8 @@
         </p:blipFill>
         <p:spPr>
           <a:xfrm>
-            <a:off x="2592924" y="1366345"/>
-            <a:ext cx="7543800" cy="3971925"/>
+            <a:off x="948319" y="1201713"/>
+            <a:ext cx="9209988" cy="4360102"/>
           </a:xfrm>
           <a:prstGeom prst="rect">
             <a:avLst/>
@@ -11926,14 +12276,14 @@
       </p:pic>
       <p:sp>
         <p:nvSpPr>
-          <p:cNvPr id="4" name="TextBox 3"/>
+          <p:cNvPr id="6" name="TextBox 5"/>
           <p:cNvSpPr txBox="1"/>
           <p:nvPr/>
         </p:nvSpPr>
         <p:spPr>
           <a:xfrm>
-            <a:off x="2592924" y="5434174"/>
-            <a:ext cx="5808000" cy="646331"/>
+            <a:off x="948319" y="5882327"/>
+            <a:ext cx="9586279" cy="461665"/>
           </a:xfrm>
           <a:prstGeom prst="rect">
             <a:avLst/>
@@ -11947,23 +12297,33 @@
           <a:lstStyle/>
           <a:p>
             <a:r>
-              <a:rPr lang="ru-RU" dirty="0" smtClean="0"/>
-              <a:t>Состояние системы в момент пиковой нагрузки</a:t>
-            </a:r>
-          </a:p>
-          <a:p>
-            <a:r>
-              <a:rPr lang="ru-RU" dirty="0" smtClean="0"/>
-              <a:t>в 50 одновременных подключений</a:t>
-            </a:r>
-            <a:endParaRPr lang="en-US" dirty="0"/>
+              <a:rPr lang="ru-RU" sz="2400" b="1" dirty="0" smtClean="0">
+                <a:latin typeface="Courier New" panose="02070309020205020404" pitchFamily="49" charset="0"/>
+                <a:cs typeface="Courier New" panose="02070309020205020404" pitchFamily="49" charset="0"/>
+              </a:rPr>
+              <a:t>Ссылка для ознакомления </a:t>
+            </a:r>
+            <a:r>
+              <a:rPr lang="en-US" sz="2400" b="1" dirty="0" smtClean="0">
+                <a:latin typeface="Courier New" panose="02070309020205020404" pitchFamily="49" charset="0"/>
+                <a:cs typeface="Courier New" panose="02070309020205020404" pitchFamily="49" charset="0"/>
+              </a:rPr>
+              <a:t>http</a:t>
+            </a:r>
+            <a:r>
+              <a:rPr lang="en-US" sz="2400" b="1" dirty="0">
+                <a:latin typeface="Courier New" panose="02070309020205020404" pitchFamily="49" charset="0"/>
+                <a:cs typeface="Courier New" panose="02070309020205020404" pitchFamily="49" charset="0"/>
+              </a:rPr>
+              <a:t>://35.228.134.188:5001/</a:t>
+            </a:r>
           </a:p>
         </p:txBody>
       </p:sp>
     </p:spTree>
     <p:extLst>
       <p:ext uri="{BB962C8B-B14F-4D97-AF65-F5344CB8AC3E}">
-        <p14:creationId xmlns:p14="http://schemas.microsoft.com/office/powerpoint/2010/main" val="4185198682"/>
+        <p14:creationId xmlns:p14="http://schemas.microsoft.com/office/powerpoint/2010/main" val="2741089583"/>
       </p:ext>
     </p:extLst>
   </p:cSld>
@@ -12013,36 +12373,6 @@
           <a:chExt cx="0" cy="0"/>
         </a:xfrm>
       </p:grpSpPr>
-      <p:sp>
-        <p:nvSpPr>
-          <p:cNvPr id="2" name="Заголовок 1"/>
-          <p:cNvSpPr>
-            <a:spLocks noGrp="1"/>
-          </p:cNvSpPr>
-          <p:nvPr>
-            <p:ph type="title"/>
-          </p:nvPr>
-        </p:nvSpPr>
-        <p:spPr>
-          <a:xfrm>
-            <a:off x="2592924" y="624110"/>
-            <a:ext cx="8911687" cy="742235"/>
-          </a:xfrm>
-        </p:spPr>
-        <p:txBody>
-          <a:bodyPr>
-            <a:normAutofit/>
-          </a:bodyPr>
-          <a:lstStyle/>
-          <a:p>
-            <a:r>
-              <a:rPr lang="ru-RU" dirty="0" smtClean="0"/>
-              <a:t>Тестирование производительности</a:t>
-            </a:r>
-            <a:endParaRPr lang="en-US" dirty="0"/>
-          </a:p>
-        </p:txBody>
-      </p:sp>
       <p:pic>
         <p:nvPicPr>
           <p:cNvPr id="7" name="Рисунок 6"/>
@@ -12065,12 +12395,17 @@
         </p:blipFill>
         <p:spPr>
           <a:xfrm>
-            <a:off x="2592924" y="1282263"/>
+            <a:off x="2258187" y="1138745"/>
             <a:ext cx="7567449" cy="4151585"/>
           </a:xfrm>
           <a:prstGeom prst="rect">
             <a:avLst/>
           </a:prstGeom>
+          <a:ln>
+            <a:solidFill>
+              <a:schemeClr val="tx1"/>
+            </a:solidFill>
+          </a:ln>
         </p:spPr>
       </p:pic>
       <p:sp>
@@ -12081,8 +12416,8 @@
         </p:nvSpPr>
         <p:spPr>
           <a:xfrm>
-            <a:off x="2542405" y="5433848"/>
-            <a:ext cx="4467890" cy="954107"/>
+            <a:off x="2258187" y="5433847"/>
+            <a:ext cx="6494085" cy="1323439"/>
           </a:xfrm>
           <a:prstGeom prst="rect">
             <a:avLst/>
@@ -12096,44 +12431,121 @@
           <a:lstStyle/>
           <a:p>
             <a:r>
-              <a:rPr lang="ru-RU" sz="1400" dirty="0" smtClean="0"/>
+              <a:rPr lang="ru-RU" sz="2000" b="1" dirty="0" smtClean="0">
+                <a:latin typeface="Courier New" panose="02070309020205020404" pitchFamily="49" charset="0"/>
+                <a:cs typeface="Courier New" panose="02070309020205020404" pitchFamily="49" charset="0"/>
+              </a:rPr>
               <a:t>Процессор: </a:t>
             </a:r>
             <a:r>
-              <a:rPr lang="en-US" sz="1400" dirty="0" smtClean="0"/>
+              <a:rPr lang="en-US" sz="2000" dirty="0" smtClean="0">
+                <a:latin typeface="Courier New" panose="02070309020205020404" pitchFamily="49" charset="0"/>
+                <a:cs typeface="Courier New" panose="02070309020205020404" pitchFamily="49" charset="0"/>
+              </a:rPr>
               <a:t>Intel KabyLake 2</a:t>
             </a:r>
             <a:r>
-              <a:rPr lang="ru-RU" sz="1400" dirty="0" smtClean="0"/>
+              <a:rPr lang="ru-RU" sz="2000" dirty="0" smtClean="0">
+                <a:latin typeface="Courier New" panose="02070309020205020404" pitchFamily="49" charset="0"/>
+                <a:cs typeface="Courier New" panose="02070309020205020404" pitchFamily="49" charset="0"/>
+              </a:rPr>
               <a:t> Гц</a:t>
             </a:r>
           </a:p>
           <a:p>
             <a:r>
-              <a:rPr lang="ru-RU" sz="1400" dirty="0" smtClean="0"/>
+              <a:rPr lang="ru-RU" sz="2000" b="1" dirty="0" smtClean="0">
+                <a:latin typeface="Courier New" panose="02070309020205020404" pitchFamily="49" charset="0"/>
+                <a:cs typeface="Courier New" panose="02070309020205020404" pitchFamily="49" charset="0"/>
+              </a:rPr>
               <a:t>Память: </a:t>
             </a:r>
             <a:r>
-              <a:rPr lang="en-US" sz="1400" dirty="0" smtClean="0"/>
+              <a:rPr lang="en-US" sz="2000" dirty="0" smtClean="0">
+                <a:latin typeface="Courier New" panose="02070309020205020404" pitchFamily="49" charset="0"/>
+                <a:cs typeface="Courier New" panose="02070309020205020404" pitchFamily="49" charset="0"/>
+              </a:rPr>
               <a:t>DDR4 2</a:t>
             </a:r>
             <a:r>
-              <a:rPr lang="ru-RU" sz="1400" dirty="0" smtClean="0"/>
+              <a:rPr lang="ru-RU" sz="2000" dirty="0" smtClean="0">
+                <a:latin typeface="Courier New" panose="02070309020205020404" pitchFamily="49" charset="0"/>
+                <a:cs typeface="Courier New" panose="02070309020205020404" pitchFamily="49" charset="0"/>
+              </a:rPr>
               <a:t> Гб</a:t>
             </a:r>
           </a:p>
           <a:p>
             <a:r>
-              <a:rPr lang="ru-RU" sz="1400" dirty="0" smtClean="0"/>
-              <a:t>Расположение сервера: Стокгольм, Швеция</a:t>
-            </a:r>
-          </a:p>
-          <a:p>
-            <a:r>
-              <a:rPr lang="ru-RU" sz="1400" dirty="0" smtClean="0"/>
-              <a:t>Расположение клиента: Штат Вирджиния, США</a:t>
-            </a:r>
-            <a:endParaRPr lang="en-US" sz="1400" dirty="0"/>
+              <a:rPr lang="ru-RU" sz="2000" b="1" dirty="0" smtClean="0">
+                <a:latin typeface="Courier New" panose="02070309020205020404" pitchFamily="49" charset="0"/>
+                <a:cs typeface="Courier New" panose="02070309020205020404" pitchFamily="49" charset="0"/>
+              </a:rPr>
+              <a:t>Расположение сервера: </a:t>
+            </a:r>
+            <a:r>
+              <a:rPr lang="ru-RU" sz="2000" dirty="0" smtClean="0">
+                <a:latin typeface="Courier New" panose="02070309020205020404" pitchFamily="49" charset="0"/>
+                <a:cs typeface="Courier New" panose="02070309020205020404" pitchFamily="49" charset="0"/>
+              </a:rPr>
+              <a:t>Стокгольм, Швеция</a:t>
+            </a:r>
+          </a:p>
+          <a:p>
+            <a:r>
+              <a:rPr lang="ru-RU" sz="2000" b="1" dirty="0" smtClean="0">
+                <a:latin typeface="Courier New" panose="02070309020205020404" pitchFamily="49" charset="0"/>
+                <a:cs typeface="Courier New" panose="02070309020205020404" pitchFamily="49" charset="0"/>
+              </a:rPr>
+              <a:t>Расположение клиента: </a:t>
+            </a:r>
+            <a:r>
+              <a:rPr lang="ru-RU" sz="2000" dirty="0" smtClean="0">
+                <a:latin typeface="Courier New" panose="02070309020205020404" pitchFamily="49" charset="0"/>
+                <a:cs typeface="Courier New" panose="02070309020205020404" pitchFamily="49" charset="0"/>
+              </a:rPr>
+              <a:t>Штат Вирджиния, США</a:t>
+            </a:r>
+            <a:endParaRPr lang="en-US" sz="2000" dirty="0">
+              <a:latin typeface="Courier New" panose="02070309020205020404" pitchFamily="49" charset="0"/>
+              <a:cs typeface="Courier New" panose="02070309020205020404" pitchFamily="49" charset="0"/>
+            </a:endParaRPr>
+          </a:p>
+        </p:txBody>
+      </p:sp>
+      <p:sp>
+        <p:nvSpPr>
+          <p:cNvPr id="6" name="TextBox 5"/>
+          <p:cNvSpPr txBox="1"/>
+          <p:nvPr/>
+        </p:nvSpPr>
+        <p:spPr>
+          <a:xfrm>
+            <a:off x="1772239" y="348897"/>
+            <a:ext cx="9241382" cy="646331"/>
+          </a:xfrm>
+          <a:prstGeom prst="rect">
+            <a:avLst/>
+          </a:prstGeom>
+          <a:noFill/>
+        </p:spPr>
+        <p:txBody>
+          <a:bodyPr wrap="square" rtlCol="0">
+            <a:spAutoFit/>
+          </a:bodyPr>
+          <a:lstStyle/>
+          <a:p>
+            <a:r>
+              <a:rPr lang="ru-RU" sz="3600" b="1" dirty="0">
+                <a:latin typeface="Courier New" panose="02070309020205020404" pitchFamily="49" charset="0"/>
+                <a:cs typeface="Courier New" panose="02070309020205020404" pitchFamily="49" charset="0"/>
+              </a:rPr>
+              <a:t>Тестирование производительности</a:t>
+            </a:r>
+            <a:endParaRPr lang="en-US" sz="3600" b="1" dirty="0">
+              <a:latin typeface="Courier New" panose="02070309020205020404" pitchFamily="49" charset="0"/>
+              <a:cs typeface="Courier New" panose="02070309020205020404" pitchFamily="49" charset="0"/>
+            </a:endParaRPr>
           </a:p>
         </p:txBody>
       </p:sp>
@@ -12190,36 +12602,6 @@
           <a:chExt cx="0" cy="0"/>
         </a:xfrm>
       </p:grpSpPr>
-      <p:sp>
-        <p:nvSpPr>
-          <p:cNvPr id="2" name="Заголовок 1"/>
-          <p:cNvSpPr>
-            <a:spLocks noGrp="1"/>
-          </p:cNvSpPr>
-          <p:nvPr>
-            <p:ph type="title"/>
-          </p:nvPr>
-        </p:nvSpPr>
-        <p:spPr>
-          <a:xfrm>
-            <a:off x="2592924" y="624110"/>
-            <a:ext cx="8911687" cy="742235"/>
-          </a:xfrm>
-        </p:spPr>
-        <p:txBody>
-          <a:bodyPr>
-            <a:normAutofit/>
-          </a:bodyPr>
-          <a:lstStyle/>
-          <a:p>
-            <a:r>
-              <a:rPr lang="ru-RU" dirty="0" smtClean="0"/>
-              <a:t>Тестирование производительности</a:t>
-            </a:r>
-            <a:endParaRPr lang="en-US" dirty="0"/>
-          </a:p>
-        </p:txBody>
-      </p:sp>
       <p:pic>
         <p:nvPicPr>
           <p:cNvPr id="3" name="Рисунок 2"/>
@@ -12242,12 +12624,17 @@
         </p:blipFill>
         <p:spPr>
           <a:xfrm>
-            <a:off x="2733632" y="1366345"/>
-            <a:ext cx="7543800" cy="3971925"/>
+            <a:off x="1768331" y="1118513"/>
+            <a:ext cx="7890020" cy="4327071"/>
           </a:xfrm>
           <a:prstGeom prst="rect">
             <a:avLst/>
           </a:prstGeom>
+          <a:ln>
+            <a:solidFill>
+              <a:schemeClr val="tx1"/>
+            </a:solidFill>
+          </a:ln>
         </p:spPr>
       </p:pic>
       <p:sp>
@@ -12258,8 +12645,8 @@
         </p:nvSpPr>
         <p:spPr>
           <a:xfrm>
-            <a:off x="2592924" y="5434174"/>
-            <a:ext cx="5808000" cy="646331"/>
+            <a:off x="1657583" y="5610519"/>
+            <a:ext cx="8111516" cy="830997"/>
           </a:xfrm>
           <a:prstGeom prst="rect">
             <a:avLst/>
@@ -12273,16 +12660,75 @@
           <a:lstStyle/>
           <a:p>
             <a:r>
-              <a:rPr lang="ru-RU" dirty="0" smtClean="0"/>
+              <a:rPr lang="ru-RU" sz="2400" dirty="0" smtClean="0">
+                <a:latin typeface="Courier New" panose="02070309020205020404" pitchFamily="49" charset="0"/>
+                <a:cs typeface="Courier New" panose="02070309020205020404" pitchFamily="49" charset="0"/>
+              </a:rPr>
               <a:t>Состояние системы в момент пиковой нагрузки</a:t>
             </a:r>
           </a:p>
           <a:p>
             <a:r>
-              <a:rPr lang="ru-RU" dirty="0" smtClean="0"/>
-              <a:t>в 550 одновременных подключений</a:t>
-            </a:r>
-            <a:endParaRPr lang="en-US" dirty="0"/>
+              <a:rPr lang="ru-RU" sz="2400" dirty="0" smtClean="0">
+                <a:latin typeface="Courier New" panose="02070309020205020404" pitchFamily="49" charset="0"/>
+                <a:cs typeface="Courier New" panose="02070309020205020404" pitchFamily="49" charset="0"/>
+              </a:rPr>
+              <a:t>в </a:t>
+            </a:r>
+            <a:r>
+              <a:rPr lang="ru-RU" sz="2400" b="1" dirty="0" smtClean="0">
+                <a:latin typeface="Courier New" panose="02070309020205020404" pitchFamily="49" charset="0"/>
+                <a:cs typeface="Courier New" panose="02070309020205020404" pitchFamily="49" charset="0"/>
+              </a:rPr>
+              <a:t>550</a:t>
+            </a:r>
+            <a:r>
+              <a:rPr lang="ru-RU" sz="2400" dirty="0" smtClean="0">
+                <a:latin typeface="Courier New" panose="02070309020205020404" pitchFamily="49" charset="0"/>
+                <a:cs typeface="Courier New" panose="02070309020205020404" pitchFamily="49" charset="0"/>
+              </a:rPr>
+              <a:t> одновременных подключений</a:t>
+            </a:r>
+            <a:endParaRPr lang="en-US" sz="2400" dirty="0">
+              <a:latin typeface="Courier New" panose="02070309020205020404" pitchFamily="49" charset="0"/>
+              <a:cs typeface="Courier New" panose="02070309020205020404" pitchFamily="49" charset="0"/>
+            </a:endParaRPr>
+          </a:p>
+        </p:txBody>
+      </p:sp>
+      <p:sp>
+        <p:nvSpPr>
+          <p:cNvPr id="6" name="TextBox 5"/>
+          <p:cNvSpPr txBox="1"/>
+          <p:nvPr/>
+        </p:nvSpPr>
+        <p:spPr>
+          <a:xfrm>
+            <a:off x="1442300" y="324403"/>
+            <a:ext cx="9832577" cy="646331"/>
+          </a:xfrm>
+          <a:prstGeom prst="rect">
+            <a:avLst/>
+          </a:prstGeom>
+          <a:noFill/>
+        </p:spPr>
+        <p:txBody>
+          <a:bodyPr wrap="square" rtlCol="0">
+            <a:spAutoFit/>
+          </a:bodyPr>
+          <a:lstStyle/>
+          <a:p>
+            <a:r>
+              <a:rPr lang="ru-RU" sz="3600" b="1" dirty="0">
+                <a:latin typeface="Courier New" panose="02070309020205020404" pitchFamily="49" charset="0"/>
+                <a:cs typeface="Courier New" panose="02070309020205020404" pitchFamily="49" charset="0"/>
+              </a:rPr>
+              <a:t>Тестирование производительности</a:t>
+            </a:r>
+            <a:endParaRPr lang="en-US" sz="3600" b="1" dirty="0">
+              <a:latin typeface="Courier New" panose="02070309020205020404" pitchFamily="49" charset="0"/>
+              <a:cs typeface="Courier New" panose="02070309020205020404" pitchFamily="49" charset="0"/>
+            </a:endParaRPr>
           </a:p>
         </p:txBody>
       </p:sp>
@@ -12290,6 +12736,245 @@
     <p:extLst>
       <p:ext uri="{BB962C8B-B14F-4D97-AF65-F5344CB8AC3E}">
         <p14:creationId xmlns:p14="http://schemas.microsoft.com/office/powerpoint/2010/main" val="449076256"/>
+      </p:ext>
+    </p:extLst>
+  </p:cSld>
+  <p:clrMapOvr>
+    <a:masterClrMapping/>
+  </p:clrMapOvr>
+  <p:timing>
+    <p:tnLst>
+      <p:par>
+        <p:cTn id="1" dur="indefinite" restart="never" nodeType="tmRoot"/>
+      </p:par>
+    </p:tnLst>
+  </p:timing>
+</p:sld>
+</file>
+
+<file path=ppt/slides/slide18.xml><?xml version="1.0" encoding="utf-8"?>
+<p:sld xmlns:a="http://schemas.openxmlformats.org/drawingml/2006/main" xmlns:r="http://schemas.openxmlformats.org/officeDocument/2006/relationships" xmlns:p="http://schemas.openxmlformats.org/presentationml/2006/main">
+  <p:cSld>
+    <p:bg>
+      <p:bgPr>
+        <a:pattFill prst="pct10">
+          <a:fgClr>
+            <a:schemeClr val="accent1">
+              <a:lumMod val="60000"/>
+              <a:lumOff val="40000"/>
+            </a:schemeClr>
+          </a:fgClr>
+          <a:bgClr>
+            <a:schemeClr val="bg1"/>
+          </a:bgClr>
+        </a:pattFill>
+        <a:effectLst/>
+      </p:bgPr>
+    </p:bg>
+    <p:spTree>
+      <p:nvGrpSpPr>
+        <p:cNvPr id="1" name=""/>
+        <p:cNvGrpSpPr/>
+        <p:nvPr/>
+      </p:nvGrpSpPr>
+      <p:grpSpPr>
+        <a:xfrm>
+          <a:off x="0" y="0"/>
+          <a:ext cx="0" cy="0"/>
+          <a:chOff x="0" y="0"/>
+          <a:chExt cx="0" cy="0"/>
+        </a:xfrm>
+      </p:grpSpPr>
+      <p:sp>
+        <p:nvSpPr>
+          <p:cNvPr id="6" name="TextBox 5"/>
+          <p:cNvSpPr txBox="1"/>
+          <p:nvPr/>
+        </p:nvSpPr>
+        <p:spPr>
+          <a:xfrm>
+            <a:off x="1309904" y="296123"/>
+            <a:ext cx="10115802" cy="646331"/>
+          </a:xfrm>
+          <a:prstGeom prst="rect">
+            <a:avLst/>
+          </a:prstGeom>
+          <a:noFill/>
+        </p:spPr>
+        <p:txBody>
+          <a:bodyPr wrap="square" rtlCol="0">
+            <a:spAutoFit/>
+          </a:bodyPr>
+          <a:lstStyle/>
+          <a:p>
+            <a:r>
+              <a:rPr lang="ru-RU" sz="3600" b="1" dirty="0" smtClean="0">
+                <a:latin typeface="Courier New" panose="02070309020205020404" pitchFamily="49" charset="0"/>
+                <a:cs typeface="Courier New" panose="02070309020205020404" pitchFamily="49" charset="0"/>
+              </a:rPr>
+              <a:t>Заключение</a:t>
+            </a:r>
+            <a:endParaRPr lang="en-US" sz="3600" b="1" dirty="0">
+              <a:latin typeface="Courier New" panose="02070309020205020404" pitchFamily="49" charset="0"/>
+              <a:cs typeface="Courier New" panose="02070309020205020404" pitchFamily="49" charset="0"/>
+            </a:endParaRPr>
+          </a:p>
+        </p:txBody>
+      </p:sp>
+      <p:sp>
+        <p:nvSpPr>
+          <p:cNvPr id="2" name="TextBox 1"/>
+          <p:cNvSpPr txBox="1"/>
+          <p:nvPr/>
+        </p:nvSpPr>
+        <p:spPr>
+          <a:xfrm>
+            <a:off x="1309904" y="1150070"/>
+            <a:ext cx="9879290" cy="4524315"/>
+          </a:xfrm>
+          <a:prstGeom prst="rect">
+            <a:avLst/>
+          </a:prstGeom>
+          <a:noFill/>
+        </p:spPr>
+        <p:txBody>
+          <a:bodyPr wrap="square" rtlCol="0">
+            <a:spAutoFit/>
+          </a:bodyPr>
+          <a:lstStyle/>
+          <a:p>
+            <a:r>
+              <a:rPr lang="ru-RU" sz="2400" dirty="0" smtClean="0">
+                <a:latin typeface="Courier New" panose="02070309020205020404" pitchFamily="49" charset="0"/>
+                <a:cs typeface="Courier New" panose="02070309020205020404" pitchFamily="49" charset="0"/>
+              </a:rPr>
+              <a:t>В ходе выполнения выпускной квалификационной работы были проанализированы и выявлены подходы к повышению производительности систем веб-шаблонов. Найденные методы были успешно применены при разработке </a:t>
+            </a:r>
+            <a:r>
+              <a:rPr lang="en-US" sz="2400" dirty="0" smtClean="0">
+                <a:latin typeface="Courier New" panose="02070309020205020404" pitchFamily="49" charset="0"/>
+                <a:cs typeface="Courier New" panose="02070309020205020404" pitchFamily="49" charset="0"/>
+              </a:rPr>
+              <a:t>RESTFul </a:t>
+            </a:r>
+            <a:r>
+              <a:rPr lang="ru-RU" sz="2400" dirty="0" smtClean="0">
+                <a:latin typeface="Courier New" panose="02070309020205020404" pitchFamily="49" charset="0"/>
+                <a:cs typeface="Courier New" panose="02070309020205020404" pitchFamily="49" charset="0"/>
+              </a:rPr>
+              <a:t>веб-сервиса по шаблонизации.</a:t>
+            </a:r>
+          </a:p>
+          <a:p>
+            <a:endParaRPr lang="ru-RU" sz="2400" dirty="0">
+              <a:latin typeface="Courier New" panose="02070309020205020404" pitchFamily="49" charset="0"/>
+              <a:cs typeface="Courier New" panose="02070309020205020404" pitchFamily="49" charset="0"/>
+            </a:endParaRPr>
+          </a:p>
+          <a:p>
+            <a:r>
+              <a:rPr lang="ru-RU" sz="2400" dirty="0" smtClean="0">
+                <a:latin typeface="Courier New" panose="02070309020205020404" pitchFamily="49" charset="0"/>
+                <a:cs typeface="Courier New" panose="02070309020205020404" pitchFamily="49" charset="0"/>
+              </a:rPr>
+              <a:t>Разработанная система обладает высокими показателями производительности и эффективности и способна обслуживать большое количество одновременных запросов. Также веб-сервис обладает удобным пользовательским интерфейсом, что делает его доступным для людей не технических специальностей.</a:t>
+            </a:r>
+          </a:p>
+        </p:txBody>
+      </p:sp>
+    </p:spTree>
+    <p:extLst>
+      <p:ext uri="{BB962C8B-B14F-4D97-AF65-F5344CB8AC3E}">
+        <p14:creationId xmlns:p14="http://schemas.microsoft.com/office/powerpoint/2010/main" val="825459063"/>
+      </p:ext>
+    </p:extLst>
+  </p:cSld>
+  <p:clrMapOvr>
+    <a:masterClrMapping/>
+  </p:clrMapOvr>
+  <p:timing>
+    <p:tnLst>
+      <p:par>
+        <p:cTn id="1" dur="indefinite" restart="never" nodeType="tmRoot"/>
+      </p:par>
+    </p:tnLst>
+  </p:timing>
+</p:sld>
+</file>
+
+<file path=ppt/slides/slide19.xml><?xml version="1.0" encoding="utf-8"?>
+<p:sld xmlns:a="http://schemas.openxmlformats.org/drawingml/2006/main" xmlns:r="http://schemas.openxmlformats.org/officeDocument/2006/relationships" xmlns:p="http://schemas.openxmlformats.org/presentationml/2006/main">
+  <p:cSld>
+    <p:bg>
+      <p:bgPr>
+        <a:pattFill prst="pct10">
+          <a:fgClr>
+            <a:schemeClr val="accent1">
+              <a:lumMod val="60000"/>
+              <a:lumOff val="40000"/>
+            </a:schemeClr>
+          </a:fgClr>
+          <a:bgClr>
+            <a:schemeClr val="bg1"/>
+          </a:bgClr>
+        </a:pattFill>
+        <a:effectLst/>
+      </p:bgPr>
+    </p:bg>
+    <p:spTree>
+      <p:nvGrpSpPr>
+        <p:cNvPr id="1" name=""/>
+        <p:cNvGrpSpPr/>
+        <p:nvPr/>
+      </p:nvGrpSpPr>
+      <p:grpSpPr>
+        <a:xfrm>
+          <a:off x="0" y="0"/>
+          <a:ext cx="0" cy="0"/>
+          <a:chOff x="0" y="0"/>
+          <a:chExt cx="0" cy="0"/>
+        </a:xfrm>
+      </p:grpSpPr>
+      <p:sp>
+        <p:nvSpPr>
+          <p:cNvPr id="3" name="TextBox 2"/>
+          <p:cNvSpPr txBox="1"/>
+          <p:nvPr/>
+        </p:nvSpPr>
+        <p:spPr>
+          <a:xfrm>
+            <a:off x="1121790" y="2686639"/>
+            <a:ext cx="10388338" cy="1107996"/>
+          </a:xfrm>
+          <a:prstGeom prst="rect">
+            <a:avLst/>
+          </a:prstGeom>
+          <a:noFill/>
+        </p:spPr>
+        <p:txBody>
+          <a:bodyPr wrap="square" rtlCol="0">
+            <a:spAutoFit/>
+          </a:bodyPr>
+          <a:lstStyle/>
+          <a:p>
+            <a:r>
+              <a:rPr lang="ru-RU" sz="6600" b="1" dirty="0" smtClean="0">
+                <a:latin typeface="Courier New" panose="02070309020205020404" pitchFamily="49" charset="0"/>
+                <a:cs typeface="Courier New" panose="02070309020205020404" pitchFamily="49" charset="0"/>
+              </a:rPr>
+              <a:t>Спасибо за внимание!</a:t>
+            </a:r>
+            <a:endParaRPr lang="en-US" sz="6600" b="1" dirty="0">
+              <a:latin typeface="Courier New" panose="02070309020205020404" pitchFamily="49" charset="0"/>
+              <a:cs typeface="Courier New" panose="02070309020205020404" pitchFamily="49" charset="0"/>
+            </a:endParaRPr>
+          </a:p>
+        </p:txBody>
+      </p:sp>
+    </p:spTree>
+    <p:extLst>
+      <p:ext uri="{BB962C8B-B14F-4D97-AF65-F5344CB8AC3E}">
+        <p14:creationId xmlns:p14="http://schemas.microsoft.com/office/powerpoint/2010/main" val="541023994"/>
       </p:ext>
     </p:extLst>
   </p:cSld>
@@ -12347,8 +13032,8 @@
         </p:nvSpPr>
         <p:spPr>
           <a:xfrm>
-            <a:off x="840921" y="669471"/>
-            <a:ext cx="8801100" cy="646331"/>
+            <a:off x="952107" y="669471"/>
+            <a:ext cx="8689914" cy="646331"/>
           </a:xfrm>
           <a:prstGeom prst="rect">
             <a:avLst/>
@@ -12384,7 +13069,7 @@
         <p:spPr>
           <a:xfrm>
             <a:off x="1306285" y="1567543"/>
-            <a:ext cx="9535885" cy="2677656"/>
+            <a:ext cx="9535885" cy="3924151"/>
           </a:xfrm>
           <a:prstGeom prst="rect">
             <a:avLst/>
@@ -12398,6 +13083,9 @@
           <a:lstStyle/>
           <a:p>
             <a:pPr marL="342900" indent="-342900">
+              <a:lnSpc>
+                <a:spcPct val="150000"/>
+              </a:lnSpc>
               <a:buFont typeface="+mj-lt"/>
               <a:buAutoNum type="arabicPeriod"/>
             </a:pPr>
@@ -12411,6 +13099,9 @@
           </a:p>
           <a:p>
             <a:pPr marL="342900" indent="-342900">
+              <a:lnSpc>
+                <a:spcPct val="150000"/>
+              </a:lnSpc>
               <a:buFont typeface="+mj-lt"/>
               <a:buAutoNum type="arabicPeriod"/>
             </a:pPr>
@@ -12424,6 +13115,9 @@
           </a:p>
           <a:p>
             <a:pPr marL="342900" indent="-342900">
+              <a:lnSpc>
+                <a:spcPct val="150000"/>
+              </a:lnSpc>
               <a:buFont typeface="+mj-lt"/>
               <a:buAutoNum type="arabicPeriod"/>
             </a:pPr>
@@ -12437,6 +13131,9 @@
           </a:p>
           <a:p>
             <a:pPr marL="342900" indent="-342900">
+              <a:lnSpc>
+                <a:spcPct val="150000"/>
+              </a:lnSpc>
               <a:buFont typeface="+mj-lt"/>
               <a:buAutoNum type="arabicPeriod"/>
             </a:pPr>
@@ -12450,6 +13147,9 @@
           </a:p>
           <a:p>
             <a:pPr marL="342900" indent="-342900">
+              <a:lnSpc>
+                <a:spcPct val="150000"/>
+              </a:lnSpc>
               <a:buFont typeface="+mj-lt"/>
               <a:buAutoNum type="arabicPeriod"/>
             </a:pPr>
@@ -12463,6 +13163,9 @@
           </a:p>
           <a:p>
             <a:pPr marL="342900" indent="-342900">
+              <a:lnSpc>
+                <a:spcPct val="150000"/>
+              </a:lnSpc>
               <a:buFont typeface="+mj-lt"/>
               <a:buAutoNum type="arabicPeriod"/>
             </a:pPr>
@@ -12476,6 +13179,9 @@
           </a:p>
           <a:p>
             <a:pPr marL="342900" indent="-342900">
+              <a:lnSpc>
+                <a:spcPct val="150000"/>
+              </a:lnSpc>
               <a:buFont typeface="+mj-lt"/>
               <a:buAutoNum type="arabicPeriod"/>
             </a:pPr>
@@ -13550,11 +14256,25 @@
               <a:buAutoNum type="arabicPeriod"/>
             </a:pPr>
             <a:r>
+              <a:rPr lang="ru-RU" sz="2800" dirty="0" smtClean="0">
+                <a:latin typeface="Courier New" panose="02070309020205020404" pitchFamily="49" charset="0"/>
+                <a:cs typeface="Courier New" panose="02070309020205020404" pitchFamily="49" charset="0"/>
+              </a:rPr>
+              <a:t>Использование </a:t>
+            </a:r>
+            <a:r>
               <a:rPr lang="ru-RU" sz="2800" b="1" dirty="0" smtClean="0">
                 <a:latin typeface="Courier New" panose="02070309020205020404" pitchFamily="49" charset="0"/>
                 <a:cs typeface="Courier New" panose="02070309020205020404" pitchFamily="49" charset="0"/>
               </a:rPr>
-              <a:t>Использование интерпретируемых языков</a:t>
+              <a:t>интерпретируемых</a:t>
+            </a:r>
+            <a:r>
+              <a:rPr lang="ru-RU" sz="2800" dirty="0" smtClean="0">
+                <a:latin typeface="Courier New" panose="02070309020205020404" pitchFamily="49" charset="0"/>
+                <a:cs typeface="Courier New" panose="02070309020205020404" pitchFamily="49" charset="0"/>
+              </a:rPr>
+              <a:t> языков</a:t>
             </a:r>
           </a:p>
           <a:p>
@@ -13566,11 +14286,18 @@
               <a:buAutoNum type="arabicPeriod"/>
             </a:pPr>
             <a:r>
+              <a:rPr lang="ru-RU" sz="2800" dirty="0" smtClean="0">
+                <a:latin typeface="Courier New" panose="02070309020205020404" pitchFamily="49" charset="0"/>
+                <a:cs typeface="Courier New" panose="02070309020205020404" pitchFamily="49" charset="0"/>
+              </a:rPr>
+              <a:t>Наличие механизмов </a:t>
+            </a:r>
+            <a:r>
               <a:rPr lang="ru-RU" sz="2800" b="1" dirty="0" smtClean="0">
                 <a:latin typeface="Courier New" panose="02070309020205020404" pitchFamily="49" charset="0"/>
                 <a:cs typeface="Courier New" panose="02070309020205020404" pitchFamily="49" charset="0"/>
               </a:rPr>
-              <a:t>Наличие механизмов сборки мусора</a:t>
+              <a:t>сборки мусора</a:t>
             </a:r>
           </a:p>
           <a:p>
@@ -13582,11 +14309,18 @@
               <a:buAutoNum type="arabicPeriod"/>
             </a:pPr>
             <a:r>
+              <a:rPr lang="ru-RU" sz="2800" dirty="0" smtClean="0">
+                <a:latin typeface="Courier New" panose="02070309020205020404" pitchFamily="49" charset="0"/>
+                <a:cs typeface="Courier New" panose="02070309020205020404" pitchFamily="49" charset="0"/>
+              </a:rPr>
+              <a:t>Отсутствие </a:t>
+            </a:r>
+            <a:r>
               <a:rPr lang="ru-RU" sz="2800" b="1" dirty="0" smtClean="0">
                 <a:latin typeface="Courier New" panose="02070309020205020404" pitchFamily="49" charset="0"/>
                 <a:cs typeface="Courier New" panose="02070309020205020404" pitchFamily="49" charset="0"/>
               </a:rPr>
-              <a:t>Отсутствие кеширования</a:t>
+              <a:t>кеширования</a:t>
             </a:r>
           </a:p>
           <a:p>
@@ -13598,7 +14332,7 @@
               <a:buAutoNum type="arabicPeriod"/>
             </a:pPr>
             <a:r>
-              <a:rPr lang="ru-RU" sz="2800" b="1" dirty="0" smtClean="0">
+              <a:rPr lang="ru-RU" sz="2800" dirty="0" smtClean="0">
                 <a:latin typeface="Courier New" panose="02070309020205020404" pitchFamily="49" charset="0"/>
                 <a:cs typeface="Courier New" panose="02070309020205020404" pitchFamily="49" charset="0"/>
               </a:rPr>
@@ -13618,7 +14352,14 @@
                 <a:latin typeface="Courier New" panose="02070309020205020404" pitchFamily="49" charset="0"/>
                 <a:cs typeface="Courier New" panose="02070309020205020404" pitchFamily="49" charset="0"/>
               </a:rPr>
-              <a:t>Однопоточный исполнение</a:t>
+              <a:t>Однопоточный</a:t>
+            </a:r>
+            <a:r>
+              <a:rPr lang="ru-RU" sz="2000" dirty="0" smtClean="0">
+                <a:latin typeface="Courier New" panose="02070309020205020404" pitchFamily="49" charset="0"/>
+                <a:cs typeface="Courier New" panose="02070309020205020404" pitchFamily="49" charset="0"/>
+              </a:rPr>
+              <a:t> исполнение</a:t>
             </a:r>
           </a:p>
           <a:p>
@@ -13634,9 +14375,16 @@
                 <a:latin typeface="Courier New" panose="02070309020205020404" pitchFamily="49" charset="0"/>
                 <a:cs typeface="Courier New" panose="02070309020205020404" pitchFamily="49" charset="0"/>
               </a:rPr>
-              <a:t>Синхронное исполнение</a:t>
-            </a:r>
-            <a:endParaRPr lang="en-US" sz="2000" b="1" dirty="0">
+              <a:t>Синхронное</a:t>
+            </a:r>
+            <a:r>
+              <a:rPr lang="ru-RU" sz="2000" dirty="0" smtClean="0">
+                <a:latin typeface="Courier New" panose="02070309020205020404" pitchFamily="49" charset="0"/>
+                <a:cs typeface="Courier New" panose="02070309020205020404" pitchFamily="49" charset="0"/>
+              </a:rPr>
+              <a:t> исполнение</a:t>
+            </a:r>
+            <a:endParaRPr lang="en-US" sz="2000" dirty="0">
               <a:latin typeface="Courier New" panose="02070309020205020404" pitchFamily="49" charset="0"/>
               <a:cs typeface="Courier New" panose="02070309020205020404" pitchFamily="49" charset="0"/>
             </a:endParaRPr>
@@ -13831,7 +14579,7 @@
         </p:nvGrpSpPr>
         <p:grpSpPr>
           <a:xfrm>
-            <a:off x="1733061" y="1216731"/>
+            <a:off x="1208663" y="1527815"/>
             <a:ext cx="9565054" cy="4498269"/>
             <a:chOff x="1733061" y="1216731"/>
             <a:chExt cx="9565054" cy="4498269"/>
@@ -14095,8 +14843,8 @@
         </p:nvSpPr>
         <p:spPr>
           <a:xfrm>
-            <a:off x="682660" y="335050"/>
-            <a:ext cx="10091057" cy="646331"/>
+            <a:off x="1395167" y="335050"/>
+            <a:ext cx="9378550" cy="646331"/>
           </a:xfrm>
           <a:prstGeom prst="rect">
             <a:avLst/>
@@ -14198,7 +14946,7 @@
         </p:nvGrpSpPr>
         <p:grpSpPr>
           <a:xfrm>
-            <a:off x="1484182" y="1433956"/>
+            <a:off x="1265278" y="1471663"/>
             <a:ext cx="9333496" cy="4351382"/>
             <a:chOff x="2196661" y="1849822"/>
             <a:chExt cx="8387255" cy="3962400"/>
@@ -14631,8 +15379,8 @@
         </p:nvSpPr>
         <p:spPr>
           <a:xfrm>
-            <a:off x="726621" y="400050"/>
-            <a:ext cx="10091057" cy="646331"/>
+            <a:off x="1265278" y="400050"/>
+            <a:ext cx="9552400" cy="646331"/>
           </a:xfrm>
           <a:prstGeom prst="rect">
             <a:avLst/>

--- a/docs/Презентация ВКР.pptx
+++ b/docs/Презентация ВКР.pptx
@@ -6425,7 +6425,7 @@
           <a:p>
             <a:fld id="{866795EF-B5F3-41B8-8955-C946C1B25F38}" type="datetimeFigureOut">
               <a:rPr lang="en-US" smtClean="0"/>
-              <a:t>5/28/2020</a:t>
+              <a:t>6/16/2020</a:t>
             </a:fld>
             <a:endParaRPr lang="en-US" dirty="0"/>
           </a:p>
@@ -6824,7 +6824,7 @@
           <a:p>
             <a:fld id="{8A5229FB-8832-4A27-994F-F3EDC38C3527}" type="datetimeFigureOut">
               <a:rPr lang="en-US" smtClean="0"/>
-              <a:t>5/28/2020</a:t>
+              <a:t>6/16/2020</a:t>
             </a:fld>
             <a:endParaRPr lang="en-US" dirty="0"/>
           </a:p>
@@ -6994,7 +6994,7 @@
           <a:p>
             <a:fld id="{8A5229FB-8832-4A27-994F-F3EDC38C3527}" type="datetimeFigureOut">
               <a:rPr lang="en-US" smtClean="0"/>
-              <a:t>5/28/2020</a:t>
+              <a:t>6/16/2020</a:t>
             </a:fld>
             <a:endParaRPr lang="en-US" dirty="0"/>
           </a:p>
@@ -7174,7 +7174,7 @@
           <a:p>
             <a:fld id="{8A5229FB-8832-4A27-994F-F3EDC38C3527}" type="datetimeFigureOut">
               <a:rPr lang="en-US" smtClean="0"/>
-              <a:t>5/28/2020</a:t>
+              <a:t>6/16/2020</a:t>
             </a:fld>
             <a:endParaRPr lang="en-US" dirty="0"/>
           </a:p>
@@ -7344,7 +7344,7 @@
           <a:p>
             <a:fld id="{8A5229FB-8832-4A27-994F-F3EDC38C3527}" type="datetimeFigureOut">
               <a:rPr lang="en-US" smtClean="0"/>
-              <a:t>5/28/2020</a:t>
+              <a:t>6/16/2020</a:t>
             </a:fld>
             <a:endParaRPr lang="en-US" dirty="0"/>
           </a:p>
@@ -7590,7 +7590,7 @@
           <a:p>
             <a:fld id="{8A5229FB-8832-4A27-994F-F3EDC38C3527}" type="datetimeFigureOut">
               <a:rPr lang="en-US" smtClean="0"/>
-              <a:t>5/28/2020</a:t>
+              <a:t>6/16/2020</a:t>
             </a:fld>
             <a:endParaRPr lang="en-US" dirty="0"/>
           </a:p>
@@ -7822,7 +7822,7 @@
           <a:p>
             <a:fld id="{8A5229FB-8832-4A27-994F-F3EDC38C3527}" type="datetimeFigureOut">
               <a:rPr lang="en-US" smtClean="0"/>
-              <a:t>5/28/2020</a:t>
+              <a:t>6/16/2020</a:t>
             </a:fld>
             <a:endParaRPr lang="en-US" dirty="0"/>
           </a:p>
@@ -8189,7 +8189,7 @@
           <a:p>
             <a:fld id="{8A5229FB-8832-4A27-994F-F3EDC38C3527}" type="datetimeFigureOut">
               <a:rPr lang="en-US" smtClean="0"/>
-              <a:t>5/28/2020</a:t>
+              <a:t>6/16/2020</a:t>
             </a:fld>
             <a:endParaRPr lang="en-US" dirty="0"/>
           </a:p>
@@ -8307,7 +8307,7 @@
           <a:p>
             <a:fld id="{8A5229FB-8832-4A27-994F-F3EDC38C3527}" type="datetimeFigureOut">
               <a:rPr lang="en-US" smtClean="0"/>
-              <a:t>5/28/2020</a:t>
+              <a:t>6/16/2020</a:t>
             </a:fld>
             <a:endParaRPr lang="en-US" dirty="0"/>
           </a:p>
@@ -8402,7 +8402,7 @@
           <a:p>
             <a:fld id="{8A5229FB-8832-4A27-994F-F3EDC38C3527}" type="datetimeFigureOut">
               <a:rPr lang="en-US" smtClean="0"/>
-              <a:t>5/28/2020</a:t>
+              <a:t>6/16/2020</a:t>
             </a:fld>
             <a:endParaRPr lang="en-US" dirty="0"/>
           </a:p>
@@ -8679,7 +8679,7 @@
           <a:p>
             <a:fld id="{8A5229FB-8832-4A27-994F-F3EDC38C3527}" type="datetimeFigureOut">
               <a:rPr lang="en-US" smtClean="0"/>
-              <a:t>5/28/2020</a:t>
+              <a:t>6/16/2020</a:t>
             </a:fld>
             <a:endParaRPr lang="en-US" dirty="0"/>
           </a:p>
@@ -8932,7 +8932,7 @@
           <a:p>
             <a:fld id="{8A5229FB-8832-4A27-994F-F3EDC38C3527}" type="datetimeFigureOut">
               <a:rPr lang="en-US" smtClean="0"/>
-              <a:t>5/28/2020</a:t>
+              <a:t>6/16/2020</a:t>
             </a:fld>
             <a:endParaRPr lang="en-US" dirty="0"/>
           </a:p>
@@ -9145,7 +9145,7 @@
           <a:p>
             <a:fld id="{8A5229FB-8832-4A27-994F-F3EDC38C3527}" type="datetimeFigureOut">
               <a:rPr lang="en-US" smtClean="0"/>
-              <a:t>5/28/2020</a:t>
+              <a:t>6/16/2020</a:t>
             </a:fld>
             <a:endParaRPr lang="en-US" dirty="0"/>
           </a:p>
@@ -13069,7 +13069,7 @@
         <p:spPr>
           <a:xfrm>
             <a:off x="1306285" y="1567543"/>
-            <a:ext cx="9535885" cy="3924151"/>
+            <a:ext cx="9535885" cy="3970318"/>
           </a:xfrm>
           <a:prstGeom prst="rect">
             <a:avLst/>
@@ -13094,8 +13094,26 @@
                 <a:latin typeface="Courier New" panose="02070309020205020404" pitchFamily="49" charset="0"/>
                 <a:cs typeface="Courier New" panose="02070309020205020404" pitchFamily="49" charset="0"/>
               </a:rPr>
-              <a:t>Актуальность работы</a:t>
-            </a:r>
+              <a:t>Актуальность </a:t>
+            </a:r>
+            <a:r>
+              <a:rPr lang="ru-RU" sz="2400" dirty="0" smtClean="0">
+                <a:latin typeface="Courier New" panose="02070309020205020404" pitchFamily="49" charset="0"/>
+                <a:cs typeface="Courier New" panose="02070309020205020404" pitchFamily="49" charset="0"/>
+              </a:rPr>
+              <a:t>работы</a:t>
+            </a:r>
+            <a:r>
+              <a:rPr lang="en-US" sz="2400" dirty="0" smtClean="0">
+                <a:latin typeface="Courier New" panose="02070309020205020404" pitchFamily="49" charset="0"/>
+                <a:cs typeface="Courier New" panose="02070309020205020404" pitchFamily="49" charset="0"/>
+              </a:rPr>
+              <a:t>,</a:t>
+            </a:r>
+            <a:endParaRPr lang="ru-RU" sz="2400" dirty="0" smtClean="0">
+              <a:latin typeface="Courier New" panose="02070309020205020404" pitchFamily="49" charset="0"/>
+              <a:cs typeface="Courier New" panose="02070309020205020404" pitchFamily="49" charset="0"/>
+            </a:endParaRPr>
           </a:p>
           <a:p>
             <a:pPr marL="342900" indent="-342900">

--- a/docs/Презентация ВКР.pptx
+++ b/docs/Презентация ВКР.pptx
@@ -5,28 +5,25 @@
     <p:sldMasterId id="2147483842" r:id="rId1"/>
   </p:sldMasterIdLst>
   <p:notesMasterIdLst>
-    <p:notesMasterId r:id="rId21"/>
+    <p:notesMasterId r:id="rId18"/>
   </p:notesMasterIdLst>
   <p:sldIdLst>
     <p:sldId id="256" r:id="rId2"/>
-    <p:sldId id="257" r:id="rId3"/>
-    <p:sldId id="259" r:id="rId4"/>
-    <p:sldId id="263" r:id="rId5"/>
-    <p:sldId id="260" r:id="rId6"/>
-    <p:sldId id="258" r:id="rId7"/>
-    <p:sldId id="261" r:id="rId8"/>
-    <p:sldId id="262" r:id="rId9"/>
-    <p:sldId id="266" r:id="rId10"/>
-    <p:sldId id="275" r:id="rId11"/>
-    <p:sldId id="267" r:id="rId12"/>
-    <p:sldId id="268" r:id="rId13"/>
-    <p:sldId id="276" r:id="rId14"/>
-    <p:sldId id="269" r:id="rId15"/>
-    <p:sldId id="278" r:id="rId16"/>
-    <p:sldId id="273" r:id="rId17"/>
-    <p:sldId id="272" r:id="rId18"/>
-    <p:sldId id="277" r:id="rId19"/>
-    <p:sldId id="279" r:id="rId20"/>
+    <p:sldId id="260" r:id="rId3"/>
+    <p:sldId id="258" r:id="rId4"/>
+    <p:sldId id="280" r:id="rId5"/>
+    <p:sldId id="261" r:id="rId6"/>
+    <p:sldId id="262" r:id="rId7"/>
+    <p:sldId id="266" r:id="rId8"/>
+    <p:sldId id="275" r:id="rId9"/>
+    <p:sldId id="268" r:id="rId10"/>
+    <p:sldId id="276" r:id="rId11"/>
+    <p:sldId id="269" r:id="rId12"/>
+    <p:sldId id="278" r:id="rId13"/>
+    <p:sldId id="273" r:id="rId14"/>
+    <p:sldId id="272" r:id="rId15"/>
+    <p:sldId id="277" r:id="rId16"/>
+    <p:sldId id="279" r:id="rId17"/>
   </p:sldIdLst>
   <p:sldSz cx="12192000" cy="6858000"/>
   <p:notesSz cx="6858000" cy="9144000"/>
@@ -131,6 +128,46 @@
     </p:ext>
   </p:extLst>
 </p:presentation>
+</file>
+
+<file path=ppt/commentAuthors.xml><?xml version="1.0" encoding="utf-8"?>
+<p:cmAuthorLst xmlns:a="http://schemas.openxmlformats.org/drawingml/2006/main" xmlns:r="http://schemas.openxmlformats.org/officeDocument/2006/relationships" xmlns:p="http://schemas.openxmlformats.org/presentationml/2006/main">
+  <p:cmAuthor id="1" name="bobur" initials="b" lastIdx="3" clrIdx="0">
+    <p:extLst>
+      <p:ext uri="{19B8F6BF-5375-455C-9EA6-DF929625EA0E}">
+        <p15:presenceInfo xmlns:p15="http://schemas.microsoft.com/office/powerpoint/2012/main" userId="bobur" providerId="None"/>
+      </p:ext>
+    </p:extLst>
+  </p:cmAuthor>
+</p:cmAuthorLst>
+</file>
+
+<file path=ppt/comments/comment1.xml><?xml version="1.0" encoding="utf-8"?>
+<p:cmLst xmlns:a="http://schemas.openxmlformats.org/drawingml/2006/main" xmlns:r="http://schemas.openxmlformats.org/officeDocument/2006/relationships" xmlns:p="http://schemas.openxmlformats.org/presentationml/2006/main">
+  <p:cm authorId="1" dt="2020-06-17T20:58:16.241" idx="1">
+    <p:pos x="2065" y="278"/>
+    <p:text>Может выпилить?</p:text>
+    <p:extLst>
+      <p:ext uri="{C676402C-5697-4E1C-873F-D02D1690AC5C}">
+        <p15:threadingInfo xmlns:p15="http://schemas.microsoft.com/office/powerpoint/2012/main" timeZoneBias="-180"/>
+      </p:ext>
+    </p:extLst>
+  </p:cm>
+</p:cmLst>
+</file>
+
+<file path=ppt/comments/comment2.xml><?xml version="1.0" encoding="utf-8"?>
+<p:cmLst xmlns:a="http://schemas.openxmlformats.org/drawingml/2006/main" xmlns:r="http://schemas.openxmlformats.org/officeDocument/2006/relationships" xmlns:p="http://schemas.openxmlformats.org/presentationml/2006/main">
+  <p:cm authorId="1" dt="2020-06-17T21:02:00.419" idx="3">
+    <p:pos x="10" y="10"/>
+    <p:text>Может как-то сократить?</p:text>
+    <p:extLst>
+      <p:ext uri="{C676402C-5697-4E1C-873F-D02D1690AC5C}">
+        <p15:threadingInfo xmlns:p15="http://schemas.microsoft.com/office/powerpoint/2012/main" timeZoneBias="-180"/>
+      </p:ext>
+    </p:extLst>
+  </p:cm>
+</p:cmLst>
 </file>
 
 <file path=ppt/diagrams/colors1.xml><?xml version="1.0" encoding="utf-8"?>
@@ -6425,7 +6462,7 @@
           <a:p>
             <a:fld id="{866795EF-B5F3-41B8-8955-C946C1B25F38}" type="datetimeFigureOut">
               <a:rPr lang="en-US" smtClean="0"/>
-              <a:t>6/16/2020</a:t>
+              <a:t>6/17/2020</a:t>
             </a:fld>
             <a:endParaRPr lang="en-US" dirty="0"/>
           </a:p>
@@ -6824,7 +6861,7 @@
           <a:p>
             <a:fld id="{8A5229FB-8832-4A27-994F-F3EDC38C3527}" type="datetimeFigureOut">
               <a:rPr lang="en-US" smtClean="0"/>
-              <a:t>6/16/2020</a:t>
+              <a:t>6/17/2020</a:t>
             </a:fld>
             <a:endParaRPr lang="en-US" dirty="0"/>
           </a:p>
@@ -6994,7 +7031,7 @@
           <a:p>
             <a:fld id="{8A5229FB-8832-4A27-994F-F3EDC38C3527}" type="datetimeFigureOut">
               <a:rPr lang="en-US" smtClean="0"/>
-              <a:t>6/16/2020</a:t>
+              <a:t>6/17/2020</a:t>
             </a:fld>
             <a:endParaRPr lang="en-US" dirty="0"/>
           </a:p>
@@ -7174,7 +7211,7 @@
           <a:p>
             <a:fld id="{8A5229FB-8832-4A27-994F-F3EDC38C3527}" type="datetimeFigureOut">
               <a:rPr lang="en-US" smtClean="0"/>
-              <a:t>6/16/2020</a:t>
+              <a:t>6/17/2020</a:t>
             </a:fld>
             <a:endParaRPr lang="en-US" dirty="0"/>
           </a:p>
@@ -7344,7 +7381,7 @@
           <a:p>
             <a:fld id="{8A5229FB-8832-4A27-994F-F3EDC38C3527}" type="datetimeFigureOut">
               <a:rPr lang="en-US" smtClean="0"/>
-              <a:t>6/16/2020</a:t>
+              <a:t>6/17/2020</a:t>
             </a:fld>
             <a:endParaRPr lang="en-US" dirty="0"/>
           </a:p>
@@ -7590,7 +7627,7 @@
           <a:p>
             <a:fld id="{8A5229FB-8832-4A27-994F-F3EDC38C3527}" type="datetimeFigureOut">
               <a:rPr lang="en-US" smtClean="0"/>
-              <a:t>6/16/2020</a:t>
+              <a:t>6/17/2020</a:t>
             </a:fld>
             <a:endParaRPr lang="en-US" dirty="0"/>
           </a:p>
@@ -7822,7 +7859,7 @@
           <a:p>
             <a:fld id="{8A5229FB-8832-4A27-994F-F3EDC38C3527}" type="datetimeFigureOut">
               <a:rPr lang="en-US" smtClean="0"/>
-              <a:t>6/16/2020</a:t>
+              <a:t>6/17/2020</a:t>
             </a:fld>
             <a:endParaRPr lang="en-US" dirty="0"/>
           </a:p>
@@ -8189,7 +8226,7 @@
           <a:p>
             <a:fld id="{8A5229FB-8832-4A27-994F-F3EDC38C3527}" type="datetimeFigureOut">
               <a:rPr lang="en-US" smtClean="0"/>
-              <a:t>6/16/2020</a:t>
+              <a:t>6/17/2020</a:t>
             </a:fld>
             <a:endParaRPr lang="en-US" dirty="0"/>
           </a:p>
@@ -8307,7 +8344,7 @@
           <a:p>
             <a:fld id="{8A5229FB-8832-4A27-994F-F3EDC38C3527}" type="datetimeFigureOut">
               <a:rPr lang="en-US" smtClean="0"/>
-              <a:t>6/16/2020</a:t>
+              <a:t>6/17/2020</a:t>
             </a:fld>
             <a:endParaRPr lang="en-US" dirty="0"/>
           </a:p>
@@ -8402,7 +8439,7 @@
           <a:p>
             <a:fld id="{8A5229FB-8832-4A27-994F-F3EDC38C3527}" type="datetimeFigureOut">
               <a:rPr lang="en-US" smtClean="0"/>
-              <a:t>6/16/2020</a:t>
+              <a:t>6/17/2020</a:t>
             </a:fld>
             <a:endParaRPr lang="en-US" dirty="0"/>
           </a:p>
@@ -8679,7 +8716,7 @@
           <a:p>
             <a:fld id="{8A5229FB-8832-4A27-994F-F3EDC38C3527}" type="datetimeFigureOut">
               <a:rPr lang="en-US" smtClean="0"/>
-              <a:t>6/16/2020</a:t>
+              <a:t>6/17/2020</a:t>
             </a:fld>
             <a:endParaRPr lang="en-US" dirty="0"/>
           </a:p>
@@ -8932,7 +8969,7 @@
           <a:p>
             <a:fld id="{8A5229FB-8832-4A27-994F-F3EDC38C3527}" type="datetimeFigureOut">
               <a:rPr lang="en-US" smtClean="0"/>
-              <a:t>6/16/2020</a:t>
+              <a:t>6/17/2020</a:t>
             </a:fld>
             <a:endParaRPr lang="en-US" dirty="0"/>
           </a:p>
@@ -9145,7 +9182,7 @@
           <a:p>
             <a:fld id="{8A5229FB-8832-4A27-994F-F3EDC38C3527}" type="datetimeFigureOut">
               <a:rPr lang="en-US" smtClean="0"/>
-              <a:t>6/16/2020</a:t>
+              <a:t>6/17/2020</a:t>
             </a:fld>
             <a:endParaRPr lang="en-US" dirty="0"/>
           </a:p>
@@ -10169,8 +10206,8 @@
         </p:nvSpPr>
         <p:spPr>
           <a:xfrm>
-            <a:off x="824593" y="391886"/>
-            <a:ext cx="11201400" cy="523220"/>
+            <a:off x="1630837" y="209084"/>
+            <a:ext cx="8386741" cy="646331"/>
           </a:xfrm>
           <a:prstGeom prst="rect">
             <a:avLst/>
@@ -10184,210 +10221,58 @@
           <a:lstStyle/>
           <a:p>
             <a:r>
-              <a:rPr lang="ru-RU" sz="2800" b="1" dirty="0">
+              <a:rPr lang="ru-RU" sz="3600" b="1" dirty="0" smtClean="0">
                 <a:latin typeface="Courier New" panose="02070309020205020404" pitchFamily="49" charset="0"/>
                 <a:cs typeface="Courier New" panose="02070309020205020404" pitchFamily="49" charset="0"/>
               </a:rPr>
-              <a:t>Выбранные решения проблемы производительности</a:t>
-            </a:r>
+              <a:t>Модель работы веб-сервиса</a:t>
+            </a:r>
+            <a:endParaRPr lang="en-US" sz="3600" b="1" dirty="0">
+              <a:latin typeface="Courier New" panose="02070309020205020404" pitchFamily="49" charset="0"/>
+              <a:cs typeface="Courier New" panose="02070309020205020404" pitchFamily="49" charset="0"/>
+            </a:endParaRPr>
           </a:p>
         </p:txBody>
       </p:sp>
-      <p:sp>
-        <p:nvSpPr>
-          <p:cNvPr id="4" name="TextBox 3"/>
-          <p:cNvSpPr txBox="1"/>
+      <p:pic>
+        <p:nvPicPr>
+          <p:cNvPr id="4" name="Рисунок 3"/>
+          <p:cNvPicPr>
+            <a:picLocks noChangeAspect="1"/>
+          </p:cNvPicPr>
           <p:nvPr/>
-        </p:nvSpPr>
+        </p:nvPicPr>
+        <p:blipFill>
+          <a:blip r:embed="rId2">
+            <a:extLst>
+              <a:ext uri="{28A0092B-C50C-407E-A947-70E740481C1C}">
+                <a14:useLocalDpi xmlns:a14="http://schemas.microsoft.com/office/drawing/2010/main" val="0"/>
+              </a:ext>
+            </a:extLst>
+          </a:blip>
+          <a:stretch>
+            <a:fillRect/>
+          </a:stretch>
+        </p:blipFill>
         <p:spPr>
           <a:xfrm>
-            <a:off x="1068174" y="1208989"/>
-            <a:ext cx="9805308" cy="3046988"/>
+            <a:off x="1630837" y="1034525"/>
+            <a:ext cx="7908174" cy="5206020"/>
           </a:xfrm>
           <a:prstGeom prst="rect">
             <a:avLst/>
           </a:prstGeom>
-          <a:noFill/>
+          <a:ln>
+            <a:solidFill>
+              <a:schemeClr val="tx1"/>
+            </a:solidFill>
+          </a:ln>
         </p:spPr>
-        <p:txBody>
-          <a:bodyPr wrap="square" rtlCol="0">
-            <a:spAutoFit/>
-          </a:bodyPr>
-          <a:lstStyle/>
-          <a:p>
-            <a:pPr marL="457200" indent="-457200">
-              <a:lnSpc>
-                <a:spcPct val="150000"/>
-              </a:lnSpc>
-              <a:buFont typeface="+mj-lt"/>
-              <a:buAutoNum type="arabicPeriod"/>
-            </a:pPr>
-            <a:r>
-              <a:rPr lang="ru-RU" sz="2400" dirty="0" smtClean="0">
-                <a:latin typeface="Courier New" panose="02070309020205020404" pitchFamily="49" charset="0"/>
-                <a:cs typeface="Courier New" panose="02070309020205020404" pitchFamily="49" charset="0"/>
-              </a:rPr>
-              <a:t>Использование в разработке </a:t>
-            </a:r>
-            <a:r>
-              <a:rPr lang="ru-RU" sz="2400" b="1" dirty="0" smtClean="0">
-                <a:latin typeface="Courier New" panose="02070309020205020404" pitchFamily="49" charset="0"/>
-                <a:cs typeface="Courier New" panose="02070309020205020404" pitchFamily="49" charset="0"/>
-              </a:rPr>
-              <a:t>компилируемого языка</a:t>
-            </a:r>
-          </a:p>
-          <a:p>
-            <a:pPr marL="457200" indent="-457200">
-              <a:lnSpc>
-                <a:spcPct val="150000"/>
-              </a:lnSpc>
-              <a:buFont typeface="+mj-lt"/>
-              <a:buAutoNum type="arabicPeriod"/>
-            </a:pPr>
-            <a:r>
-              <a:rPr lang="ru-RU" sz="2400" dirty="0" smtClean="0">
-                <a:latin typeface="Courier New" panose="02070309020205020404" pitchFamily="49" charset="0"/>
-                <a:cs typeface="Courier New" panose="02070309020205020404" pitchFamily="49" charset="0"/>
-              </a:rPr>
-              <a:t>Использование парадигмы </a:t>
-            </a:r>
-            <a:r>
-              <a:rPr lang="en-US" sz="2400" b="1" dirty="0" smtClean="0">
-                <a:latin typeface="Courier New" panose="02070309020205020404" pitchFamily="49" charset="0"/>
-                <a:cs typeface="Courier New" panose="02070309020205020404" pitchFamily="49" charset="0"/>
-              </a:rPr>
-              <a:t>RAII</a:t>
-            </a:r>
-            <a:r>
-              <a:rPr lang="ru-RU" sz="2400" dirty="0">
-                <a:latin typeface="Courier New" panose="02070309020205020404" pitchFamily="49" charset="0"/>
-                <a:cs typeface="Courier New" panose="02070309020205020404" pitchFamily="49" charset="0"/>
-              </a:rPr>
-              <a:t> </a:t>
-            </a:r>
-            <a:r>
-              <a:rPr lang="ru-RU" sz="2400" dirty="0" smtClean="0">
-                <a:latin typeface="Courier New" panose="02070309020205020404" pitchFamily="49" charset="0"/>
-                <a:cs typeface="Courier New" panose="02070309020205020404" pitchFamily="49" charset="0"/>
-              </a:rPr>
-              <a:t>вместо сборки мусора</a:t>
-            </a:r>
-          </a:p>
-          <a:p>
-            <a:pPr marL="457200" indent="-457200">
-              <a:lnSpc>
-                <a:spcPct val="150000"/>
-              </a:lnSpc>
-              <a:buFont typeface="+mj-lt"/>
-              <a:buAutoNum type="arabicPeriod"/>
-            </a:pPr>
-            <a:r>
-              <a:rPr lang="ru-RU" sz="2400" dirty="0" smtClean="0">
-                <a:latin typeface="Courier New" panose="02070309020205020404" pitchFamily="49" charset="0"/>
-                <a:cs typeface="Courier New" panose="02070309020205020404" pitchFamily="49" charset="0"/>
-              </a:rPr>
-              <a:t>Использование кеширования алгоритмом </a:t>
-            </a:r>
-            <a:r>
-              <a:rPr lang="en-US" sz="2400" b="1" dirty="0" smtClean="0">
-                <a:latin typeface="Courier New" panose="02070309020205020404" pitchFamily="49" charset="0"/>
-                <a:cs typeface="Courier New" panose="02070309020205020404" pitchFamily="49" charset="0"/>
-              </a:rPr>
-              <a:t>LRU</a:t>
-            </a:r>
-          </a:p>
-          <a:p>
-            <a:pPr marL="457200" indent="-457200">
-              <a:lnSpc>
-                <a:spcPct val="150000"/>
-              </a:lnSpc>
-              <a:buFont typeface="+mj-lt"/>
-              <a:buAutoNum type="arabicPeriod"/>
-            </a:pPr>
-            <a:r>
-              <a:rPr lang="ru-RU" sz="2400" dirty="0" smtClean="0">
-                <a:latin typeface="Courier New" panose="02070309020205020404" pitchFamily="49" charset="0"/>
-                <a:cs typeface="Courier New" panose="02070309020205020404" pitchFamily="49" charset="0"/>
-              </a:rPr>
-              <a:t>Разработка </a:t>
-            </a:r>
-            <a:r>
-              <a:rPr lang="ru-RU" sz="2400" b="1" dirty="0" smtClean="0">
-                <a:latin typeface="Courier New" panose="02070309020205020404" pitchFamily="49" charset="0"/>
-                <a:cs typeface="Courier New" panose="02070309020205020404" pitchFamily="49" charset="0"/>
-              </a:rPr>
-              <a:t>веб-сервиса</a:t>
-            </a:r>
-            <a:r>
-              <a:rPr lang="ru-RU" sz="2400" dirty="0" smtClean="0">
-                <a:latin typeface="Courier New" panose="02070309020205020404" pitchFamily="49" charset="0"/>
-                <a:cs typeface="Courier New" panose="02070309020205020404" pitchFamily="49" charset="0"/>
-              </a:rPr>
-              <a:t> шаблоназации с поддержкой:</a:t>
-            </a:r>
-          </a:p>
-          <a:p>
-            <a:pPr marL="742950" lvl="1" indent="-285750">
-              <a:buFont typeface="Arial" panose="020B0604020202020204" pitchFamily="34" charset="0"/>
-              <a:buChar char="•"/>
-            </a:pPr>
-            <a:r>
-              <a:rPr lang="ru-RU" sz="2400" b="1" dirty="0">
-                <a:latin typeface="Courier New" panose="02070309020205020404" pitchFamily="49" charset="0"/>
-                <a:cs typeface="Courier New" panose="02070309020205020404" pitchFamily="49" charset="0"/>
-              </a:rPr>
-              <a:t>м</a:t>
-            </a:r>
-            <a:r>
-              <a:rPr lang="ru-RU" sz="2400" b="1" dirty="0" smtClean="0">
-                <a:latin typeface="Courier New" panose="02070309020205020404" pitchFamily="49" charset="0"/>
-                <a:cs typeface="Courier New" panose="02070309020205020404" pitchFamily="49" charset="0"/>
-              </a:rPr>
-              <a:t>ногопоточного</a:t>
-            </a:r>
-            <a:r>
-              <a:rPr lang="ru-RU" sz="2400" dirty="0" smtClean="0">
-                <a:latin typeface="Courier New" panose="02070309020205020404" pitchFamily="49" charset="0"/>
-                <a:cs typeface="Courier New" panose="02070309020205020404" pitchFamily="49" charset="0"/>
-              </a:rPr>
-              <a:t> (параллельного исполнения)</a:t>
-            </a:r>
-          </a:p>
-          <a:p>
-            <a:pPr marL="742950" lvl="1" indent="-285750">
-              <a:buFont typeface="Arial" panose="020B0604020202020204" pitchFamily="34" charset="0"/>
-              <a:buChar char="•"/>
-            </a:pPr>
-            <a:r>
-              <a:rPr lang="ru-RU" sz="2400" b="1" dirty="0">
-                <a:latin typeface="Courier New" panose="02070309020205020404" pitchFamily="49" charset="0"/>
-                <a:cs typeface="Courier New" panose="02070309020205020404" pitchFamily="49" charset="0"/>
-              </a:rPr>
-              <a:t>а</a:t>
-            </a:r>
-            <a:r>
-              <a:rPr lang="ru-RU" sz="2400" b="1" dirty="0" smtClean="0">
-                <a:latin typeface="Courier New" panose="02070309020205020404" pitchFamily="49" charset="0"/>
-                <a:cs typeface="Courier New" panose="02070309020205020404" pitchFamily="49" charset="0"/>
-              </a:rPr>
-              <a:t>синхронного</a:t>
-            </a:r>
-            <a:r>
-              <a:rPr lang="ru-RU" sz="2400" dirty="0" smtClean="0">
-                <a:latin typeface="Courier New" panose="02070309020205020404" pitchFamily="49" charset="0"/>
-                <a:cs typeface="Courier New" panose="02070309020205020404" pitchFamily="49" charset="0"/>
-              </a:rPr>
-              <a:t> выполнения</a:t>
-            </a:r>
-            <a:endParaRPr lang="en-US" dirty="0"/>
-          </a:p>
-        </p:txBody>
-      </p:sp>
+      </p:pic>
     </p:spTree>
     <p:extLst>
       <p:ext uri="{BB962C8B-B14F-4D97-AF65-F5344CB8AC3E}">
-        <p14:creationId xmlns:p14="http://schemas.microsoft.com/office/powerpoint/2010/main" val="31615129"/>
+        <p14:creationId xmlns:p14="http://schemas.microsoft.com/office/powerpoint/2010/main" val="279697673"/>
       </p:ext>
     </p:extLst>
   </p:cSld>
@@ -10432,14 +10317,14 @@
       </p:grpSpPr>
       <p:sp>
         <p:nvSpPr>
-          <p:cNvPr id="5" name="TextBox 4"/>
+          <p:cNvPr id="4" name="TextBox 3"/>
           <p:cNvSpPr txBox="1"/>
           <p:nvPr/>
         </p:nvSpPr>
         <p:spPr>
           <a:xfrm>
-            <a:off x="775607" y="285752"/>
-            <a:ext cx="9788979" cy="584775"/>
+            <a:off x="1053190" y="310243"/>
+            <a:ext cx="9794423" cy="646331"/>
           </a:xfrm>
           <a:prstGeom prst="rect">
             <a:avLst/>
@@ -10453,36 +10338,26 @@
           <a:lstStyle/>
           <a:p>
             <a:r>
-              <a:rPr lang="en-US" sz="3200" b="1" dirty="0" smtClean="0">
+              <a:rPr lang="ru-RU" sz="3600" b="1" dirty="0" smtClean="0">
                 <a:latin typeface="Courier New" panose="02070309020205020404" pitchFamily="49" charset="0"/>
                 <a:cs typeface="Courier New" panose="02070309020205020404" pitchFamily="49" charset="0"/>
               </a:rPr>
-              <a:t>RESTFul </a:t>
-            </a:r>
-            <a:r>
-              <a:rPr lang="ru-RU" sz="3200" b="1" dirty="0" smtClean="0">
-                <a:latin typeface="Courier New" panose="02070309020205020404" pitchFamily="49" charset="0"/>
-                <a:cs typeface="Courier New" panose="02070309020205020404" pitchFamily="49" charset="0"/>
-              </a:rPr>
-              <a:t>Веб-сервис шаблонизации</a:t>
-            </a:r>
-            <a:endParaRPr lang="en-US" sz="3200" b="1" dirty="0">
-              <a:latin typeface="Courier New" panose="02070309020205020404" pitchFamily="49" charset="0"/>
-              <a:cs typeface="Courier New" panose="02070309020205020404" pitchFamily="49" charset="0"/>
-            </a:endParaRPr>
+              <a:t>Выбранные инструменты разработки</a:t>
+            </a:r>
+            <a:endParaRPr lang="en-US" sz="3600" dirty="0"/>
           </a:p>
         </p:txBody>
       </p:sp>
       <p:sp>
         <p:nvSpPr>
-          <p:cNvPr id="7" name="TextBox 6"/>
+          <p:cNvPr id="5" name="TextBox 4"/>
           <p:cNvSpPr txBox="1"/>
           <p:nvPr/>
         </p:nvSpPr>
         <p:spPr>
           <a:xfrm>
-            <a:off x="963387" y="1054894"/>
-            <a:ext cx="9984921" cy="2769989"/>
+            <a:off x="1053191" y="1126671"/>
+            <a:ext cx="10197194" cy="5170646"/>
           </a:xfrm>
           <a:prstGeom prst="rect">
             <a:avLst/>
@@ -10495,59 +10370,21 @@
           </a:bodyPr>
           <a:lstStyle/>
           <a:p>
-            <a:pPr algn="just"/>
-            <a:r>
-              <a:rPr lang="en-US" sz="2400" b="1" dirty="0">
+            <a:pPr>
+              <a:lnSpc>
+                <a:spcPct val="150000"/>
+              </a:lnSpc>
+            </a:pPr>
+            <a:r>
+              <a:rPr lang="ru-RU" sz="2400" b="1" dirty="0">
                 <a:latin typeface="Courier New" panose="02070309020205020404" pitchFamily="49" charset="0"/>
                 <a:cs typeface="Courier New" panose="02070309020205020404" pitchFamily="49" charset="0"/>
               </a:rPr>
-              <a:t>REST</a:t>
-            </a:r>
-            <a:r>
-              <a:rPr lang="en-US" sz="2400" dirty="0">
-                <a:latin typeface="Courier New" panose="02070309020205020404" pitchFamily="49" charset="0"/>
-                <a:cs typeface="Courier New" panose="02070309020205020404" pitchFamily="49" charset="0"/>
-              </a:rPr>
-              <a:t> – </a:t>
-            </a:r>
-            <a:r>
-              <a:rPr lang="ru-RU" sz="2400" dirty="0">
-                <a:latin typeface="Courier New" panose="02070309020205020404" pitchFamily="49" charset="0"/>
-                <a:cs typeface="Courier New" panose="02070309020205020404" pitchFamily="49" charset="0"/>
-              </a:rPr>
-              <a:t>архитектурный стиль взаимодействия компонентов распределённого приложения в сети</a:t>
-            </a:r>
-            <a:r>
-              <a:rPr lang="ru-RU" sz="2400" dirty="0" smtClean="0">
-                <a:latin typeface="Courier New" panose="02070309020205020404" pitchFamily="49" charset="0"/>
-                <a:cs typeface="Courier New" panose="02070309020205020404" pitchFamily="49" charset="0"/>
-              </a:rPr>
-              <a:t>.</a:t>
-            </a:r>
-            <a:endParaRPr lang="ru-RU" sz="2400" dirty="0">
-              <a:latin typeface="Courier New" panose="02070309020205020404" pitchFamily="49" charset="0"/>
-              <a:cs typeface="Courier New" panose="02070309020205020404" pitchFamily="49" charset="0"/>
-            </a:endParaRPr>
-          </a:p>
-          <a:p>
-            <a:pPr algn="just"/>
-            <a:r>
-              <a:rPr lang="ru-RU" b="1" dirty="0">
-                <a:latin typeface="Courier New" panose="02070309020205020404" pitchFamily="49" charset="0"/>
-                <a:cs typeface="Courier New" panose="02070309020205020404" pitchFamily="49" charset="0"/>
-              </a:rPr>
-              <a:t>Преимущества </a:t>
-            </a:r>
-            <a:r>
-              <a:rPr lang="en-US" b="1" dirty="0">
-                <a:latin typeface="Courier New" panose="02070309020205020404" pitchFamily="49" charset="0"/>
-                <a:cs typeface="Courier New" panose="02070309020205020404" pitchFamily="49" charset="0"/>
-              </a:rPr>
-              <a:t>REST:</a:t>
-            </a:r>
-          </a:p>
-          <a:p>
-            <a:pPr marL="742950" lvl="1" indent="-285750" algn="just">
+              <a:t>Серверная часть:</a:t>
+            </a:r>
+          </a:p>
+          <a:p>
+            <a:pPr marL="800100" lvl="1" indent="-342900">
               <a:lnSpc>
                 <a:spcPct val="150000"/>
               </a:lnSpc>
@@ -10555,22 +10392,29 @@
               <a:buChar char="•"/>
             </a:pPr>
             <a:r>
-              <a:rPr lang="ru-RU" dirty="0">
+              <a:rPr lang="ru-RU" sz="2400" dirty="0">
                 <a:latin typeface="Courier New" panose="02070309020205020404" pitchFamily="49" charset="0"/>
                 <a:cs typeface="Courier New" panose="02070309020205020404" pitchFamily="49" charset="0"/>
               </a:rPr>
-              <a:t>Использование стандартизованного протокола </a:t>
-            </a:r>
-            <a:r>
-              <a:rPr lang="en-US" dirty="0">
+              <a:t>Язык программирования</a:t>
+            </a:r>
+            <a:r>
+              <a:rPr lang="en-US" sz="2400" dirty="0">
                 <a:latin typeface="Courier New" panose="02070309020205020404" pitchFamily="49" charset="0"/>
                 <a:cs typeface="Courier New" panose="02070309020205020404" pitchFamily="49" charset="0"/>
               </a:rPr>
-              <a:t>HTTP</a:t>
-            </a:r>
-          </a:p>
-          <a:p>
-            <a:pPr marL="742950" lvl="1" indent="-285750" algn="just">
+              <a:t> </a:t>
+            </a:r>
+            <a:r>
+              <a:rPr lang="en-US" sz="2400" b="1" dirty="0">
+                <a:latin typeface="Courier New" panose="02070309020205020404" pitchFamily="49" charset="0"/>
+                <a:cs typeface="Courier New" panose="02070309020205020404" pitchFamily="49" charset="0"/>
+              </a:rPr>
+              <a:t>Rust</a:t>
+            </a:r>
+          </a:p>
+          <a:p>
+            <a:pPr marL="800100" lvl="1" indent="-342900">
               <a:lnSpc>
                 <a:spcPct val="150000"/>
               </a:lnSpc>
@@ -10578,15 +10422,26 @@
               <a:buChar char="•"/>
             </a:pPr>
             <a:r>
-              <a:rPr lang="ru-RU" dirty="0">
+              <a:rPr lang="ru-RU" sz="2400" dirty="0">
                 <a:latin typeface="Courier New" panose="02070309020205020404" pitchFamily="49" charset="0"/>
                 <a:cs typeface="Courier New" panose="02070309020205020404" pitchFamily="49" charset="0"/>
               </a:rPr>
-              <a:t>Клиент-серверная архитектура</a:t>
-            </a:r>
-          </a:p>
-          <a:p>
-            <a:pPr marL="742950" lvl="1" indent="-285750" algn="just">
+              <a:t>Библиотека асинхронного выполнения </a:t>
+            </a:r>
+            <a:r>
+              <a:rPr lang="en-US" sz="2400" b="1" dirty="0" err="1">
+                <a:latin typeface="Courier New" panose="02070309020205020404" pitchFamily="49" charset="0"/>
+                <a:cs typeface="Courier New" panose="02070309020205020404" pitchFamily="49" charset="0"/>
+              </a:rPr>
+              <a:t>tokio</a:t>
+            </a:r>
+            <a:endParaRPr lang="ru-RU" sz="2400" b="1" dirty="0">
+              <a:latin typeface="Courier New" panose="02070309020205020404" pitchFamily="49" charset="0"/>
+              <a:cs typeface="Courier New" panose="02070309020205020404" pitchFamily="49" charset="0"/>
+            </a:endParaRPr>
+          </a:p>
+          <a:p>
+            <a:pPr marL="800100" lvl="1" indent="-342900">
               <a:lnSpc>
                 <a:spcPct val="150000"/>
               </a:lnSpc>
@@ -10594,15 +10449,40 @@
               <a:buChar char="•"/>
             </a:pPr>
             <a:r>
-              <a:rPr lang="ru-RU" dirty="0">
+              <a:rPr lang="ru-RU" sz="2400" dirty="0">
                 <a:latin typeface="Courier New" panose="02070309020205020404" pitchFamily="49" charset="0"/>
                 <a:cs typeface="Courier New" panose="02070309020205020404" pitchFamily="49" charset="0"/>
               </a:rPr>
-              <a:t>Простота масштабирования</a:t>
-            </a:r>
-          </a:p>
-          <a:p>
-            <a:pPr marL="742950" lvl="1" indent="-285750" algn="just">
+              <a:t>Библиотека шаблонизации </a:t>
+            </a:r>
+            <a:r>
+              <a:rPr lang="en-US" sz="2400" b="1" dirty="0" err="1">
+                <a:latin typeface="Courier New" panose="02070309020205020404" pitchFamily="49" charset="0"/>
+                <a:cs typeface="Courier New" panose="02070309020205020404" pitchFamily="49" charset="0"/>
+              </a:rPr>
+              <a:t>tera</a:t>
+            </a:r>
+            <a:endParaRPr lang="en-US" sz="2400" dirty="0">
+              <a:latin typeface="Courier New" panose="02070309020205020404" pitchFamily="49" charset="0"/>
+              <a:cs typeface="Courier New" panose="02070309020205020404" pitchFamily="49" charset="0"/>
+            </a:endParaRPr>
+          </a:p>
+          <a:p>
+            <a:pPr>
+              <a:lnSpc>
+                <a:spcPct val="150000"/>
+              </a:lnSpc>
+            </a:pPr>
+            <a:r>
+              <a:rPr lang="ru-RU" sz="2400" b="1" dirty="0">
+                <a:latin typeface="Courier New" panose="02070309020205020404" pitchFamily="49" charset="0"/>
+                <a:cs typeface="Courier New" panose="02070309020205020404" pitchFamily="49" charset="0"/>
+              </a:rPr>
+              <a:t>Клиентская часть:</a:t>
+            </a:r>
+          </a:p>
+          <a:p>
+            <a:pPr marL="800100" lvl="1" indent="-342900">
               <a:lnSpc>
                 <a:spcPct val="150000"/>
               </a:lnSpc>
@@ -10610,29 +10490,190 @@
               <a:buChar char="•"/>
             </a:pPr>
             <a:r>
-              <a:rPr lang="ru-RU" dirty="0">
+              <a:rPr lang="ru-RU" sz="2400" dirty="0">
                 <a:latin typeface="Courier New" panose="02070309020205020404" pitchFamily="49" charset="0"/>
                 <a:cs typeface="Courier New" panose="02070309020205020404" pitchFamily="49" charset="0"/>
               </a:rPr>
-              <a:t>Наличие унифицированного интерфейса для всех возможностей </a:t>
-            </a:r>
-            <a:r>
-              <a:rPr lang="ru-RU" dirty="0" smtClean="0">
+              <a:t>Любое приложение, способное совершать </a:t>
+            </a:r>
+            <a:r>
+              <a:rPr lang="en-US" sz="2400" dirty="0">
                 <a:latin typeface="Courier New" panose="02070309020205020404" pitchFamily="49" charset="0"/>
                 <a:cs typeface="Courier New" panose="02070309020205020404" pitchFamily="49" charset="0"/>
               </a:rPr>
-              <a:t>сервиса</a:t>
-            </a:r>
-            <a:endParaRPr lang="en-US" dirty="0">
-              <a:latin typeface="Courier New" panose="02070309020205020404" pitchFamily="49" charset="0"/>
-              <a:cs typeface="Courier New" panose="02070309020205020404" pitchFamily="49" charset="0"/>
-            </a:endParaRPr>
+              <a:t>http </a:t>
+            </a:r>
+            <a:r>
+              <a:rPr lang="ru-RU" sz="2400" dirty="0">
+                <a:latin typeface="Courier New" panose="02070309020205020404" pitchFamily="49" charset="0"/>
+                <a:cs typeface="Courier New" panose="02070309020205020404" pitchFamily="49" charset="0"/>
+              </a:rPr>
+              <a:t>запросы</a:t>
+            </a:r>
+          </a:p>
+          <a:p>
+            <a:pPr marL="800100" lvl="1" indent="-342900">
+              <a:lnSpc>
+                <a:spcPct val="150000"/>
+              </a:lnSpc>
+              <a:buFont typeface="Arial" panose="020B0604020202020204" pitchFamily="34" charset="0"/>
+              <a:buChar char="•"/>
+            </a:pPr>
+            <a:r>
+              <a:rPr lang="ru-RU" sz="2400" dirty="0">
+                <a:latin typeface="Courier New" panose="02070309020205020404" pitchFamily="49" charset="0"/>
+                <a:cs typeface="Courier New" panose="02070309020205020404" pitchFamily="49" charset="0"/>
+              </a:rPr>
+              <a:t>Графический пользовательский интерфейс:</a:t>
+            </a:r>
+          </a:p>
+          <a:p>
+            <a:pPr marL="1257300" lvl="2" indent="-342900">
+              <a:lnSpc>
+                <a:spcPct val="150000"/>
+              </a:lnSpc>
+              <a:buFont typeface="Wingdings" panose="05000000000000000000" pitchFamily="2" charset="2"/>
+              <a:buChar char="§"/>
+            </a:pPr>
+            <a:r>
+              <a:rPr lang="en-US" sz="2000" dirty="0">
+                <a:latin typeface="Courier New" panose="02070309020205020404" pitchFamily="49" charset="0"/>
+                <a:cs typeface="Courier New" panose="02070309020205020404" pitchFamily="49" charset="0"/>
+              </a:rPr>
+              <a:t>JavaScript framework </a:t>
+            </a:r>
+            <a:r>
+              <a:rPr lang="en-US" sz="2000" b="1" dirty="0">
+                <a:latin typeface="Courier New" panose="02070309020205020404" pitchFamily="49" charset="0"/>
+                <a:cs typeface="Courier New" panose="02070309020205020404" pitchFamily="49" charset="0"/>
+              </a:rPr>
+              <a:t>Vue.js</a:t>
+            </a:r>
+          </a:p>
+          <a:p>
+            <a:pPr marL="1257300" lvl="2" indent="-342900">
+              <a:lnSpc>
+                <a:spcPct val="150000"/>
+              </a:lnSpc>
+              <a:buFont typeface="Wingdings" panose="05000000000000000000" pitchFamily="2" charset="2"/>
+              <a:buChar char="§"/>
+            </a:pPr>
+            <a:r>
+              <a:rPr lang="en-US" sz="2000" dirty="0">
+                <a:latin typeface="Courier New" panose="02070309020205020404" pitchFamily="49" charset="0"/>
+                <a:cs typeface="Courier New" panose="02070309020205020404" pitchFamily="49" charset="0"/>
+              </a:rPr>
+              <a:t>HTML </a:t>
+            </a:r>
+            <a:r>
+              <a:rPr lang="ru-RU" sz="2000" dirty="0">
+                <a:latin typeface="Courier New" panose="02070309020205020404" pitchFamily="49" charset="0"/>
+                <a:cs typeface="Courier New" panose="02070309020205020404" pitchFamily="49" charset="0"/>
+              </a:rPr>
+              <a:t>и </a:t>
+            </a:r>
+            <a:r>
+              <a:rPr lang="en-US" sz="2000" dirty="0">
+                <a:latin typeface="Courier New" panose="02070309020205020404" pitchFamily="49" charset="0"/>
+                <a:cs typeface="Courier New" panose="02070309020205020404" pitchFamily="49" charset="0"/>
+              </a:rPr>
+              <a:t>CSS</a:t>
+            </a:r>
+          </a:p>
+          <a:p>
+            <a:endParaRPr lang="en-US" dirty="0"/>
+          </a:p>
+        </p:txBody>
+      </p:sp>
+    </p:spTree>
+    <p:extLst>
+      <p:ext uri="{BB962C8B-B14F-4D97-AF65-F5344CB8AC3E}">
+        <p14:creationId xmlns:p14="http://schemas.microsoft.com/office/powerpoint/2010/main" val="4053716737"/>
+      </p:ext>
+    </p:extLst>
+  </p:cSld>
+  <p:clrMapOvr>
+    <a:masterClrMapping/>
+  </p:clrMapOvr>
+  <p:timing>
+    <p:tnLst>
+      <p:par>
+        <p:cTn id="1" dur="indefinite" restart="never" nodeType="tmRoot"/>
+      </p:par>
+    </p:tnLst>
+  </p:timing>
+</p:sld>
+</file>
+
+<file path=ppt/slides/slide12.xml><?xml version="1.0" encoding="utf-8"?>
+<p:sld xmlns:a="http://schemas.openxmlformats.org/drawingml/2006/main" xmlns:r="http://schemas.openxmlformats.org/officeDocument/2006/relationships" xmlns:p="http://schemas.openxmlformats.org/presentationml/2006/main">
+  <p:cSld>
+    <p:bg>
+      <p:bgPr>
+        <a:pattFill prst="pct10">
+          <a:fgClr>
+            <a:schemeClr val="accent1">
+              <a:lumMod val="60000"/>
+              <a:lumOff val="40000"/>
+            </a:schemeClr>
+          </a:fgClr>
+          <a:bgClr>
+            <a:schemeClr val="bg1"/>
+          </a:bgClr>
+        </a:pattFill>
+        <a:effectLst/>
+      </p:bgPr>
+    </p:bg>
+    <p:spTree>
+      <p:nvGrpSpPr>
+        <p:cNvPr id="1" name=""/>
+        <p:cNvGrpSpPr/>
+        <p:nvPr/>
+      </p:nvGrpSpPr>
+      <p:grpSpPr>
+        <a:xfrm>
+          <a:off x="0" y="0"/>
+          <a:ext cx="0" cy="0"/>
+          <a:chOff x="0" y="0"/>
+          <a:chExt cx="0" cy="0"/>
+        </a:xfrm>
+      </p:grpSpPr>
+      <p:sp>
+        <p:nvSpPr>
+          <p:cNvPr id="4" name="TextBox 3"/>
+          <p:cNvSpPr txBox="1"/>
+          <p:nvPr/>
+        </p:nvSpPr>
+        <p:spPr>
+          <a:xfrm>
+            <a:off x="948319" y="234870"/>
+            <a:ext cx="10009414" cy="646331"/>
+          </a:xfrm>
+          <a:prstGeom prst="rect">
+            <a:avLst/>
+          </a:prstGeom>
+          <a:noFill/>
+        </p:spPr>
+        <p:txBody>
+          <a:bodyPr wrap="square" rtlCol="0">
+            <a:spAutoFit/>
+          </a:bodyPr>
+          <a:lstStyle/>
+          <a:p>
+            <a:r>
+              <a:rPr lang="ru-RU" sz="3600" b="1" dirty="0" smtClean="0">
+                <a:latin typeface="Courier New" panose="02070309020205020404" pitchFamily="49" charset="0"/>
+                <a:cs typeface="Courier New" panose="02070309020205020404" pitchFamily="49" charset="0"/>
+              </a:rPr>
+              <a:t>Пользовательский интерфейс</a:t>
+            </a:r>
+            <a:endParaRPr lang="en-US" sz="3600" dirty="0"/>
           </a:p>
         </p:txBody>
       </p:sp>
       <p:pic>
         <p:nvPicPr>
-          <p:cNvPr id="9" name="Рисунок 8"/>
+          <p:cNvPr id="3" name="Рисунок 2"/>
           <p:cNvPicPr>
             <a:picLocks noChangeAspect="1"/>
           </p:cNvPicPr>
@@ -10652,18 +10693,69 @@
         </p:blipFill>
         <p:spPr>
           <a:xfrm>
-            <a:off x="2516980" y="4009250"/>
-            <a:ext cx="6534831" cy="2365601"/>
+            <a:off x="1371454" y="1214706"/>
+            <a:ext cx="9209988" cy="4360102"/>
           </a:xfrm>
           <a:prstGeom prst="rect">
             <a:avLst/>
           </a:prstGeom>
+          <a:ln>
+            <a:solidFill>
+              <a:schemeClr val="tx1"/>
+            </a:solidFill>
+          </a:ln>
         </p:spPr>
       </p:pic>
+      <p:sp>
+        <p:nvSpPr>
+          <p:cNvPr id="6" name="TextBox 5"/>
+          <p:cNvSpPr txBox="1"/>
+          <p:nvPr/>
+        </p:nvSpPr>
+        <p:spPr>
+          <a:xfrm>
+            <a:off x="1371454" y="5882327"/>
+            <a:ext cx="9586279" cy="461665"/>
+          </a:xfrm>
+          <a:prstGeom prst="rect">
+            <a:avLst/>
+          </a:prstGeom>
+          <a:noFill/>
+        </p:spPr>
+        <p:txBody>
+          <a:bodyPr wrap="none" rtlCol="0">
+            <a:spAutoFit/>
+          </a:bodyPr>
+          <a:lstStyle/>
+          <a:p>
+            <a:r>
+              <a:rPr lang="ru-RU" sz="2400" b="1" dirty="0" smtClean="0">
+                <a:latin typeface="Courier New" panose="02070309020205020404" pitchFamily="49" charset="0"/>
+                <a:cs typeface="Courier New" panose="02070309020205020404" pitchFamily="49" charset="0"/>
+              </a:rPr>
+              <a:t>Ссылка для ознакомления </a:t>
+            </a:r>
+            <a:r>
+              <a:rPr lang="en-US" sz="2400" b="1" dirty="0" smtClean="0">
+                <a:latin typeface="Courier New" panose="02070309020205020404" pitchFamily="49" charset="0"/>
+                <a:cs typeface="Courier New" panose="02070309020205020404" pitchFamily="49" charset="0"/>
+              </a:rPr>
+              <a:t>http</a:t>
+            </a:r>
+            <a:r>
+              <a:rPr lang="en-US" sz="2400" b="1" dirty="0">
+                <a:latin typeface="Courier New" panose="02070309020205020404" pitchFamily="49" charset="0"/>
+                <a:cs typeface="Courier New" panose="02070309020205020404" pitchFamily="49" charset="0"/>
+              </a:rPr>
+              <a:t>://35.228.134.188:5001/</a:t>
+            </a:r>
+          </a:p>
+        </p:txBody>
+      </p:sp>
     </p:spTree>
     <p:extLst>
       <p:ext uri="{BB962C8B-B14F-4D97-AF65-F5344CB8AC3E}">
-        <p14:creationId xmlns:p14="http://schemas.microsoft.com/office/powerpoint/2010/main" val="4193538942"/>
+        <p14:creationId xmlns:p14="http://schemas.microsoft.com/office/powerpoint/2010/main" val="2741089583"/>
       </p:ext>
     </p:extLst>
   </p:cSld>
@@ -10680,7 +10772,2864 @@
 </p:sld>
 </file>
 
-<file path=ppt/slides/slide12.xml><?xml version="1.0" encoding="utf-8"?>
+<file path=ppt/slides/slide13.xml><?xml version="1.0" encoding="utf-8"?>
+<p:sld xmlns:a="http://schemas.openxmlformats.org/drawingml/2006/main" xmlns:r="http://schemas.openxmlformats.org/officeDocument/2006/relationships" xmlns:p="http://schemas.openxmlformats.org/presentationml/2006/main">
+  <p:cSld>
+    <p:bg>
+      <p:bgPr>
+        <a:pattFill prst="pct10">
+          <a:fgClr>
+            <a:schemeClr val="accent1">
+              <a:lumMod val="60000"/>
+              <a:lumOff val="40000"/>
+            </a:schemeClr>
+          </a:fgClr>
+          <a:bgClr>
+            <a:schemeClr val="bg1"/>
+          </a:bgClr>
+        </a:pattFill>
+        <a:effectLst/>
+      </p:bgPr>
+    </p:bg>
+    <p:spTree>
+      <p:nvGrpSpPr>
+        <p:cNvPr id="1" name=""/>
+        <p:cNvGrpSpPr/>
+        <p:nvPr/>
+      </p:nvGrpSpPr>
+      <p:grpSpPr>
+        <a:xfrm>
+          <a:off x="0" y="0"/>
+          <a:ext cx="0" cy="0"/>
+          <a:chOff x="0" y="0"/>
+          <a:chExt cx="0" cy="0"/>
+        </a:xfrm>
+      </p:grpSpPr>
+      <p:pic>
+        <p:nvPicPr>
+          <p:cNvPr id="7" name="Рисунок 6"/>
+          <p:cNvPicPr>
+            <a:picLocks noChangeAspect="1"/>
+          </p:cNvPicPr>
+          <p:nvPr/>
+        </p:nvPicPr>
+        <p:blipFill>
+          <a:blip r:embed="rId2">
+            <a:extLst>
+              <a:ext uri="{28A0092B-C50C-407E-A947-70E740481C1C}">
+                <a14:useLocalDpi xmlns:a14="http://schemas.microsoft.com/office/drawing/2010/main" val="0"/>
+              </a:ext>
+            </a:extLst>
+          </a:blip>
+          <a:stretch>
+            <a:fillRect/>
+          </a:stretch>
+        </p:blipFill>
+        <p:spPr>
+          <a:xfrm>
+            <a:off x="2258187" y="1138745"/>
+            <a:ext cx="7567449" cy="4151585"/>
+          </a:xfrm>
+          <a:prstGeom prst="rect">
+            <a:avLst/>
+          </a:prstGeom>
+          <a:ln>
+            <a:solidFill>
+              <a:schemeClr val="tx1"/>
+            </a:solidFill>
+          </a:ln>
+        </p:spPr>
+      </p:pic>
+      <p:sp>
+        <p:nvSpPr>
+          <p:cNvPr id="4" name="TextBox 3"/>
+          <p:cNvSpPr txBox="1"/>
+          <p:nvPr/>
+        </p:nvSpPr>
+        <p:spPr>
+          <a:xfrm>
+            <a:off x="2258187" y="5433847"/>
+            <a:ext cx="6494085" cy="1323439"/>
+          </a:xfrm>
+          <a:prstGeom prst="rect">
+            <a:avLst/>
+          </a:prstGeom>
+          <a:noFill/>
+        </p:spPr>
+        <p:txBody>
+          <a:bodyPr wrap="none" rtlCol="0">
+            <a:spAutoFit/>
+          </a:bodyPr>
+          <a:lstStyle/>
+          <a:p>
+            <a:r>
+              <a:rPr lang="ru-RU" sz="2000" b="1" dirty="0" smtClean="0">
+                <a:latin typeface="Courier New" panose="02070309020205020404" pitchFamily="49" charset="0"/>
+                <a:cs typeface="Courier New" panose="02070309020205020404" pitchFamily="49" charset="0"/>
+              </a:rPr>
+              <a:t>Процессор: </a:t>
+            </a:r>
+            <a:r>
+              <a:rPr lang="en-US" sz="2000" dirty="0" smtClean="0">
+                <a:latin typeface="Courier New" panose="02070309020205020404" pitchFamily="49" charset="0"/>
+                <a:cs typeface="Courier New" panose="02070309020205020404" pitchFamily="49" charset="0"/>
+              </a:rPr>
+              <a:t>Intel KabyLake 2</a:t>
+            </a:r>
+            <a:r>
+              <a:rPr lang="ru-RU" sz="2000" dirty="0" smtClean="0">
+                <a:latin typeface="Courier New" panose="02070309020205020404" pitchFamily="49" charset="0"/>
+                <a:cs typeface="Courier New" panose="02070309020205020404" pitchFamily="49" charset="0"/>
+              </a:rPr>
+              <a:t> Гц</a:t>
+            </a:r>
+          </a:p>
+          <a:p>
+            <a:r>
+              <a:rPr lang="ru-RU" sz="2000" b="1" dirty="0" smtClean="0">
+                <a:latin typeface="Courier New" panose="02070309020205020404" pitchFamily="49" charset="0"/>
+                <a:cs typeface="Courier New" panose="02070309020205020404" pitchFamily="49" charset="0"/>
+              </a:rPr>
+              <a:t>Память: </a:t>
+            </a:r>
+            <a:r>
+              <a:rPr lang="en-US" sz="2000" dirty="0" smtClean="0">
+                <a:latin typeface="Courier New" panose="02070309020205020404" pitchFamily="49" charset="0"/>
+                <a:cs typeface="Courier New" panose="02070309020205020404" pitchFamily="49" charset="0"/>
+              </a:rPr>
+              <a:t>DDR4 2</a:t>
+            </a:r>
+            <a:r>
+              <a:rPr lang="ru-RU" sz="2000" dirty="0" smtClean="0">
+                <a:latin typeface="Courier New" panose="02070309020205020404" pitchFamily="49" charset="0"/>
+                <a:cs typeface="Courier New" panose="02070309020205020404" pitchFamily="49" charset="0"/>
+              </a:rPr>
+              <a:t> Гб</a:t>
+            </a:r>
+          </a:p>
+          <a:p>
+            <a:r>
+              <a:rPr lang="ru-RU" sz="2000" b="1" dirty="0" smtClean="0">
+                <a:latin typeface="Courier New" panose="02070309020205020404" pitchFamily="49" charset="0"/>
+                <a:cs typeface="Courier New" panose="02070309020205020404" pitchFamily="49" charset="0"/>
+              </a:rPr>
+              <a:t>Расположение сервера: </a:t>
+            </a:r>
+            <a:r>
+              <a:rPr lang="ru-RU" sz="2000" dirty="0" smtClean="0">
+                <a:latin typeface="Courier New" panose="02070309020205020404" pitchFamily="49" charset="0"/>
+                <a:cs typeface="Courier New" panose="02070309020205020404" pitchFamily="49" charset="0"/>
+              </a:rPr>
+              <a:t>Стокгольм, Швеция</a:t>
+            </a:r>
+          </a:p>
+          <a:p>
+            <a:r>
+              <a:rPr lang="ru-RU" sz="2000" b="1" dirty="0" smtClean="0">
+                <a:latin typeface="Courier New" panose="02070309020205020404" pitchFamily="49" charset="0"/>
+                <a:cs typeface="Courier New" panose="02070309020205020404" pitchFamily="49" charset="0"/>
+              </a:rPr>
+              <a:t>Расположение клиента: </a:t>
+            </a:r>
+            <a:r>
+              <a:rPr lang="ru-RU" sz="2000" dirty="0" smtClean="0">
+                <a:latin typeface="Courier New" panose="02070309020205020404" pitchFamily="49" charset="0"/>
+                <a:cs typeface="Courier New" panose="02070309020205020404" pitchFamily="49" charset="0"/>
+              </a:rPr>
+              <a:t>Штат Вирджиния, США</a:t>
+            </a:r>
+            <a:endParaRPr lang="en-US" sz="2000" dirty="0">
+              <a:latin typeface="Courier New" panose="02070309020205020404" pitchFamily="49" charset="0"/>
+              <a:cs typeface="Courier New" panose="02070309020205020404" pitchFamily="49" charset="0"/>
+            </a:endParaRPr>
+          </a:p>
+        </p:txBody>
+      </p:sp>
+      <p:sp>
+        <p:nvSpPr>
+          <p:cNvPr id="6" name="TextBox 5"/>
+          <p:cNvSpPr txBox="1"/>
+          <p:nvPr/>
+        </p:nvSpPr>
+        <p:spPr>
+          <a:xfrm>
+            <a:off x="1772239" y="348897"/>
+            <a:ext cx="9241382" cy="646331"/>
+          </a:xfrm>
+          <a:prstGeom prst="rect">
+            <a:avLst/>
+          </a:prstGeom>
+          <a:noFill/>
+        </p:spPr>
+        <p:txBody>
+          <a:bodyPr wrap="square" rtlCol="0">
+            <a:spAutoFit/>
+          </a:bodyPr>
+          <a:lstStyle/>
+          <a:p>
+            <a:r>
+              <a:rPr lang="ru-RU" sz="3600" b="1" dirty="0">
+                <a:latin typeface="Courier New" panose="02070309020205020404" pitchFamily="49" charset="0"/>
+                <a:cs typeface="Courier New" panose="02070309020205020404" pitchFamily="49" charset="0"/>
+              </a:rPr>
+              <a:t>Тестирование производительности</a:t>
+            </a:r>
+            <a:endParaRPr lang="en-US" sz="3600" b="1" dirty="0">
+              <a:latin typeface="Courier New" panose="02070309020205020404" pitchFamily="49" charset="0"/>
+              <a:cs typeface="Courier New" panose="02070309020205020404" pitchFamily="49" charset="0"/>
+            </a:endParaRPr>
+          </a:p>
+        </p:txBody>
+      </p:sp>
+    </p:spTree>
+    <p:extLst>
+      <p:ext uri="{BB962C8B-B14F-4D97-AF65-F5344CB8AC3E}">
+        <p14:creationId xmlns:p14="http://schemas.microsoft.com/office/powerpoint/2010/main" val="2656961311"/>
+      </p:ext>
+    </p:extLst>
+  </p:cSld>
+  <p:clrMapOvr>
+    <a:masterClrMapping/>
+  </p:clrMapOvr>
+  <p:timing>
+    <p:tnLst>
+      <p:par>
+        <p:cTn id="1" dur="indefinite" restart="never" nodeType="tmRoot"/>
+      </p:par>
+    </p:tnLst>
+  </p:timing>
+</p:sld>
+</file>
+
+<file path=ppt/slides/slide14.xml><?xml version="1.0" encoding="utf-8"?>
+<p:sld xmlns:a="http://schemas.openxmlformats.org/drawingml/2006/main" xmlns:r="http://schemas.openxmlformats.org/officeDocument/2006/relationships" xmlns:p="http://schemas.openxmlformats.org/presentationml/2006/main">
+  <p:cSld>
+    <p:bg>
+      <p:bgPr>
+        <a:pattFill prst="pct10">
+          <a:fgClr>
+            <a:schemeClr val="accent1">
+              <a:lumMod val="60000"/>
+              <a:lumOff val="40000"/>
+            </a:schemeClr>
+          </a:fgClr>
+          <a:bgClr>
+            <a:schemeClr val="bg1"/>
+          </a:bgClr>
+        </a:pattFill>
+        <a:effectLst/>
+      </p:bgPr>
+    </p:bg>
+    <p:spTree>
+      <p:nvGrpSpPr>
+        <p:cNvPr id="1" name=""/>
+        <p:cNvGrpSpPr/>
+        <p:nvPr/>
+      </p:nvGrpSpPr>
+      <p:grpSpPr>
+        <a:xfrm>
+          <a:off x="0" y="0"/>
+          <a:ext cx="0" cy="0"/>
+          <a:chOff x="0" y="0"/>
+          <a:chExt cx="0" cy="0"/>
+        </a:xfrm>
+      </p:grpSpPr>
+      <p:pic>
+        <p:nvPicPr>
+          <p:cNvPr id="3" name="Рисунок 2"/>
+          <p:cNvPicPr>
+            <a:picLocks noChangeAspect="1"/>
+          </p:cNvPicPr>
+          <p:nvPr/>
+        </p:nvPicPr>
+        <p:blipFill>
+          <a:blip r:embed="rId2">
+            <a:extLst>
+              <a:ext uri="{28A0092B-C50C-407E-A947-70E740481C1C}">
+                <a14:useLocalDpi xmlns:a14="http://schemas.microsoft.com/office/drawing/2010/main" val="0"/>
+              </a:ext>
+            </a:extLst>
+          </a:blip>
+          <a:stretch>
+            <a:fillRect/>
+          </a:stretch>
+        </p:blipFill>
+        <p:spPr>
+          <a:xfrm>
+            <a:off x="1768331" y="1118513"/>
+            <a:ext cx="7890020" cy="4327071"/>
+          </a:xfrm>
+          <a:prstGeom prst="rect">
+            <a:avLst/>
+          </a:prstGeom>
+          <a:ln>
+            <a:solidFill>
+              <a:schemeClr val="tx1"/>
+            </a:solidFill>
+          </a:ln>
+        </p:spPr>
+      </p:pic>
+      <p:sp>
+        <p:nvSpPr>
+          <p:cNvPr id="4" name="TextBox 3"/>
+          <p:cNvSpPr txBox="1"/>
+          <p:nvPr/>
+        </p:nvSpPr>
+        <p:spPr>
+          <a:xfrm>
+            <a:off x="1657583" y="5610519"/>
+            <a:ext cx="8111516" cy="830997"/>
+          </a:xfrm>
+          <a:prstGeom prst="rect">
+            <a:avLst/>
+          </a:prstGeom>
+          <a:noFill/>
+        </p:spPr>
+        <p:txBody>
+          <a:bodyPr wrap="none" rtlCol="0">
+            <a:spAutoFit/>
+          </a:bodyPr>
+          <a:lstStyle/>
+          <a:p>
+            <a:r>
+              <a:rPr lang="ru-RU" sz="2400" dirty="0" smtClean="0">
+                <a:latin typeface="Courier New" panose="02070309020205020404" pitchFamily="49" charset="0"/>
+                <a:cs typeface="Courier New" panose="02070309020205020404" pitchFamily="49" charset="0"/>
+              </a:rPr>
+              <a:t>Состояние системы в момент пиковой нагрузки</a:t>
+            </a:r>
+          </a:p>
+          <a:p>
+            <a:r>
+              <a:rPr lang="ru-RU" sz="2400" dirty="0" smtClean="0">
+                <a:latin typeface="Courier New" panose="02070309020205020404" pitchFamily="49" charset="0"/>
+                <a:cs typeface="Courier New" panose="02070309020205020404" pitchFamily="49" charset="0"/>
+              </a:rPr>
+              <a:t>в </a:t>
+            </a:r>
+            <a:r>
+              <a:rPr lang="ru-RU" sz="2400" b="1" dirty="0" smtClean="0">
+                <a:latin typeface="Courier New" panose="02070309020205020404" pitchFamily="49" charset="0"/>
+                <a:cs typeface="Courier New" panose="02070309020205020404" pitchFamily="49" charset="0"/>
+              </a:rPr>
+              <a:t>550</a:t>
+            </a:r>
+            <a:r>
+              <a:rPr lang="ru-RU" sz="2400" dirty="0" smtClean="0">
+                <a:latin typeface="Courier New" panose="02070309020205020404" pitchFamily="49" charset="0"/>
+                <a:cs typeface="Courier New" panose="02070309020205020404" pitchFamily="49" charset="0"/>
+              </a:rPr>
+              <a:t> одновременных подключений</a:t>
+            </a:r>
+            <a:endParaRPr lang="en-US" sz="2400" dirty="0">
+              <a:latin typeface="Courier New" panose="02070309020205020404" pitchFamily="49" charset="0"/>
+              <a:cs typeface="Courier New" panose="02070309020205020404" pitchFamily="49" charset="0"/>
+            </a:endParaRPr>
+          </a:p>
+        </p:txBody>
+      </p:sp>
+      <p:sp>
+        <p:nvSpPr>
+          <p:cNvPr id="6" name="TextBox 5"/>
+          <p:cNvSpPr txBox="1"/>
+          <p:nvPr/>
+        </p:nvSpPr>
+        <p:spPr>
+          <a:xfrm>
+            <a:off x="1442300" y="324403"/>
+            <a:ext cx="9832577" cy="646331"/>
+          </a:xfrm>
+          <a:prstGeom prst="rect">
+            <a:avLst/>
+          </a:prstGeom>
+          <a:noFill/>
+        </p:spPr>
+        <p:txBody>
+          <a:bodyPr wrap="square" rtlCol="0">
+            <a:spAutoFit/>
+          </a:bodyPr>
+          <a:lstStyle/>
+          <a:p>
+            <a:r>
+              <a:rPr lang="ru-RU" sz="3600" b="1" dirty="0">
+                <a:latin typeface="Courier New" panose="02070309020205020404" pitchFamily="49" charset="0"/>
+                <a:cs typeface="Courier New" panose="02070309020205020404" pitchFamily="49" charset="0"/>
+              </a:rPr>
+              <a:t>Тестирование производительности</a:t>
+            </a:r>
+            <a:endParaRPr lang="en-US" sz="3600" b="1" dirty="0">
+              <a:latin typeface="Courier New" panose="02070309020205020404" pitchFamily="49" charset="0"/>
+              <a:cs typeface="Courier New" panose="02070309020205020404" pitchFamily="49" charset="0"/>
+            </a:endParaRPr>
+          </a:p>
+        </p:txBody>
+      </p:sp>
+    </p:spTree>
+    <p:extLst>
+      <p:ext uri="{BB962C8B-B14F-4D97-AF65-F5344CB8AC3E}">
+        <p14:creationId xmlns:p14="http://schemas.microsoft.com/office/powerpoint/2010/main" val="449076256"/>
+      </p:ext>
+    </p:extLst>
+  </p:cSld>
+  <p:clrMapOvr>
+    <a:masterClrMapping/>
+  </p:clrMapOvr>
+  <p:timing>
+    <p:tnLst>
+      <p:par>
+        <p:cTn id="1" dur="indefinite" restart="never" nodeType="tmRoot"/>
+      </p:par>
+    </p:tnLst>
+  </p:timing>
+</p:sld>
+</file>
+
+<file path=ppt/slides/slide15.xml><?xml version="1.0" encoding="utf-8"?>
+<p:sld xmlns:a="http://schemas.openxmlformats.org/drawingml/2006/main" xmlns:r="http://schemas.openxmlformats.org/officeDocument/2006/relationships" xmlns:p="http://schemas.openxmlformats.org/presentationml/2006/main">
+  <p:cSld>
+    <p:bg>
+      <p:bgPr>
+        <a:pattFill prst="pct10">
+          <a:fgClr>
+            <a:schemeClr val="accent1">
+              <a:lumMod val="60000"/>
+              <a:lumOff val="40000"/>
+            </a:schemeClr>
+          </a:fgClr>
+          <a:bgClr>
+            <a:schemeClr val="bg1"/>
+          </a:bgClr>
+        </a:pattFill>
+        <a:effectLst/>
+      </p:bgPr>
+    </p:bg>
+    <p:spTree>
+      <p:nvGrpSpPr>
+        <p:cNvPr id="1" name=""/>
+        <p:cNvGrpSpPr/>
+        <p:nvPr/>
+      </p:nvGrpSpPr>
+      <p:grpSpPr>
+        <a:xfrm>
+          <a:off x="0" y="0"/>
+          <a:ext cx="0" cy="0"/>
+          <a:chOff x="0" y="0"/>
+          <a:chExt cx="0" cy="0"/>
+        </a:xfrm>
+      </p:grpSpPr>
+      <p:sp>
+        <p:nvSpPr>
+          <p:cNvPr id="6" name="TextBox 5"/>
+          <p:cNvSpPr txBox="1"/>
+          <p:nvPr/>
+        </p:nvSpPr>
+        <p:spPr>
+          <a:xfrm>
+            <a:off x="1309904" y="296123"/>
+            <a:ext cx="10115802" cy="646331"/>
+          </a:xfrm>
+          <a:prstGeom prst="rect">
+            <a:avLst/>
+          </a:prstGeom>
+          <a:noFill/>
+        </p:spPr>
+        <p:txBody>
+          <a:bodyPr wrap="square" rtlCol="0">
+            <a:spAutoFit/>
+          </a:bodyPr>
+          <a:lstStyle/>
+          <a:p>
+            <a:r>
+              <a:rPr lang="ru-RU" sz="3600" b="1" dirty="0" smtClean="0">
+                <a:latin typeface="Courier New" panose="02070309020205020404" pitchFamily="49" charset="0"/>
+                <a:cs typeface="Courier New" panose="02070309020205020404" pitchFamily="49" charset="0"/>
+              </a:rPr>
+              <a:t>Заключение</a:t>
+            </a:r>
+            <a:endParaRPr lang="en-US" sz="3600" b="1" dirty="0">
+              <a:latin typeface="Courier New" panose="02070309020205020404" pitchFamily="49" charset="0"/>
+              <a:cs typeface="Courier New" panose="02070309020205020404" pitchFamily="49" charset="0"/>
+            </a:endParaRPr>
+          </a:p>
+        </p:txBody>
+      </p:sp>
+      <p:sp>
+        <p:nvSpPr>
+          <p:cNvPr id="2" name="TextBox 1"/>
+          <p:cNvSpPr txBox="1"/>
+          <p:nvPr/>
+        </p:nvSpPr>
+        <p:spPr>
+          <a:xfrm>
+            <a:off x="1309904" y="1150070"/>
+            <a:ext cx="9879290" cy="4524315"/>
+          </a:xfrm>
+          <a:prstGeom prst="rect">
+            <a:avLst/>
+          </a:prstGeom>
+          <a:noFill/>
+        </p:spPr>
+        <p:txBody>
+          <a:bodyPr wrap="square" rtlCol="0">
+            <a:spAutoFit/>
+          </a:bodyPr>
+          <a:lstStyle/>
+          <a:p>
+            <a:r>
+              <a:rPr lang="ru-RU" sz="2400" dirty="0" smtClean="0">
+                <a:latin typeface="Courier New" panose="02070309020205020404" pitchFamily="49" charset="0"/>
+                <a:cs typeface="Courier New" panose="02070309020205020404" pitchFamily="49" charset="0"/>
+              </a:rPr>
+              <a:t>В ходе выполнения выпускной квалификационной работы были проанализированы и выявлены подходы к повышению производительности систем веб-шаблонов. Найденные методы были успешно применены при разработке </a:t>
+            </a:r>
+            <a:r>
+              <a:rPr lang="en-US" sz="2400" dirty="0" smtClean="0">
+                <a:latin typeface="Courier New" panose="02070309020205020404" pitchFamily="49" charset="0"/>
+                <a:cs typeface="Courier New" panose="02070309020205020404" pitchFamily="49" charset="0"/>
+              </a:rPr>
+              <a:t>RESTFul </a:t>
+            </a:r>
+            <a:r>
+              <a:rPr lang="ru-RU" sz="2400" dirty="0" smtClean="0">
+                <a:latin typeface="Courier New" panose="02070309020205020404" pitchFamily="49" charset="0"/>
+                <a:cs typeface="Courier New" panose="02070309020205020404" pitchFamily="49" charset="0"/>
+              </a:rPr>
+              <a:t>веб-сервиса по шаблонизации.</a:t>
+            </a:r>
+          </a:p>
+          <a:p>
+            <a:endParaRPr lang="ru-RU" sz="2400" dirty="0">
+              <a:latin typeface="Courier New" panose="02070309020205020404" pitchFamily="49" charset="0"/>
+              <a:cs typeface="Courier New" panose="02070309020205020404" pitchFamily="49" charset="0"/>
+            </a:endParaRPr>
+          </a:p>
+          <a:p>
+            <a:r>
+              <a:rPr lang="ru-RU" sz="2400" dirty="0" smtClean="0">
+                <a:latin typeface="Courier New" panose="02070309020205020404" pitchFamily="49" charset="0"/>
+                <a:cs typeface="Courier New" panose="02070309020205020404" pitchFamily="49" charset="0"/>
+              </a:rPr>
+              <a:t>Разработанная система обладает высокими показателями производительности и эффективности и способна обслуживать большое количество одновременных запросов. Также веб-сервис обладает удобным пользовательским интерфейсом, что делает его доступным для людей не технических специальностей.</a:t>
+            </a:r>
+          </a:p>
+        </p:txBody>
+      </p:sp>
+    </p:spTree>
+    <p:extLst>
+      <p:ext uri="{BB962C8B-B14F-4D97-AF65-F5344CB8AC3E}">
+        <p14:creationId xmlns:p14="http://schemas.microsoft.com/office/powerpoint/2010/main" val="825459063"/>
+      </p:ext>
+    </p:extLst>
+  </p:cSld>
+  <p:clrMapOvr>
+    <a:masterClrMapping/>
+  </p:clrMapOvr>
+  <p:timing>
+    <p:tnLst>
+      <p:par>
+        <p:cTn id="1" dur="indefinite" restart="never" nodeType="tmRoot"/>
+      </p:par>
+    </p:tnLst>
+  </p:timing>
+</p:sld>
+</file>
+
+<file path=ppt/slides/slide16.xml><?xml version="1.0" encoding="utf-8"?>
+<p:sld xmlns:a="http://schemas.openxmlformats.org/drawingml/2006/main" xmlns:r="http://schemas.openxmlformats.org/officeDocument/2006/relationships" xmlns:p="http://schemas.openxmlformats.org/presentationml/2006/main">
+  <p:cSld>
+    <p:bg>
+      <p:bgPr>
+        <a:pattFill prst="pct10">
+          <a:fgClr>
+            <a:schemeClr val="accent1">
+              <a:lumMod val="60000"/>
+              <a:lumOff val="40000"/>
+            </a:schemeClr>
+          </a:fgClr>
+          <a:bgClr>
+            <a:schemeClr val="bg1"/>
+          </a:bgClr>
+        </a:pattFill>
+        <a:effectLst/>
+      </p:bgPr>
+    </p:bg>
+    <p:spTree>
+      <p:nvGrpSpPr>
+        <p:cNvPr id="1" name=""/>
+        <p:cNvGrpSpPr/>
+        <p:nvPr/>
+      </p:nvGrpSpPr>
+      <p:grpSpPr>
+        <a:xfrm>
+          <a:off x="0" y="0"/>
+          <a:ext cx="0" cy="0"/>
+          <a:chOff x="0" y="0"/>
+          <a:chExt cx="0" cy="0"/>
+        </a:xfrm>
+      </p:grpSpPr>
+      <p:sp>
+        <p:nvSpPr>
+          <p:cNvPr id="3" name="TextBox 2"/>
+          <p:cNvSpPr txBox="1"/>
+          <p:nvPr/>
+        </p:nvSpPr>
+        <p:spPr>
+          <a:xfrm>
+            <a:off x="1121790" y="2686639"/>
+            <a:ext cx="10388338" cy="1107996"/>
+          </a:xfrm>
+          <a:prstGeom prst="rect">
+            <a:avLst/>
+          </a:prstGeom>
+          <a:noFill/>
+        </p:spPr>
+        <p:txBody>
+          <a:bodyPr wrap="square" rtlCol="0">
+            <a:spAutoFit/>
+          </a:bodyPr>
+          <a:lstStyle/>
+          <a:p>
+            <a:r>
+              <a:rPr lang="ru-RU" sz="6600" b="1" dirty="0" smtClean="0">
+                <a:latin typeface="Courier New" panose="02070309020205020404" pitchFamily="49" charset="0"/>
+                <a:cs typeface="Courier New" panose="02070309020205020404" pitchFamily="49" charset="0"/>
+              </a:rPr>
+              <a:t>Спасибо за внимание!</a:t>
+            </a:r>
+            <a:endParaRPr lang="en-US" sz="6600" b="1" dirty="0">
+              <a:latin typeface="Courier New" panose="02070309020205020404" pitchFamily="49" charset="0"/>
+              <a:cs typeface="Courier New" panose="02070309020205020404" pitchFamily="49" charset="0"/>
+            </a:endParaRPr>
+          </a:p>
+        </p:txBody>
+      </p:sp>
+    </p:spTree>
+    <p:extLst>
+      <p:ext uri="{BB962C8B-B14F-4D97-AF65-F5344CB8AC3E}">
+        <p14:creationId xmlns:p14="http://schemas.microsoft.com/office/powerpoint/2010/main" val="541023994"/>
+      </p:ext>
+    </p:extLst>
+  </p:cSld>
+  <p:clrMapOvr>
+    <a:masterClrMapping/>
+  </p:clrMapOvr>
+  <p:timing>
+    <p:tnLst>
+      <p:par>
+        <p:cTn id="1" dur="indefinite" restart="never" nodeType="tmRoot"/>
+      </p:par>
+    </p:tnLst>
+  </p:timing>
+</p:sld>
+</file>
+
+<file path=ppt/slides/slide2.xml><?xml version="1.0" encoding="utf-8"?>
+<p:sld xmlns:a="http://schemas.openxmlformats.org/drawingml/2006/main" xmlns:r="http://schemas.openxmlformats.org/officeDocument/2006/relationships" xmlns:p="http://schemas.openxmlformats.org/presentationml/2006/main">
+  <p:cSld>
+    <p:bg>
+      <p:bgPr>
+        <a:pattFill prst="pct10">
+          <a:fgClr>
+            <a:schemeClr val="accent1">
+              <a:lumMod val="60000"/>
+              <a:lumOff val="40000"/>
+            </a:schemeClr>
+          </a:fgClr>
+          <a:bgClr>
+            <a:schemeClr val="bg1"/>
+          </a:bgClr>
+        </a:pattFill>
+        <a:effectLst/>
+      </p:bgPr>
+    </p:bg>
+    <p:spTree>
+      <p:nvGrpSpPr>
+        <p:cNvPr id="1" name=""/>
+        <p:cNvGrpSpPr/>
+        <p:nvPr/>
+      </p:nvGrpSpPr>
+      <p:grpSpPr>
+        <a:xfrm>
+          <a:off x="0" y="0"/>
+          <a:ext cx="0" cy="0"/>
+          <a:chOff x="0" y="0"/>
+          <a:chExt cx="0" cy="0"/>
+        </a:xfrm>
+      </p:grpSpPr>
+      <p:sp>
+        <p:nvSpPr>
+          <p:cNvPr id="5" name="TextBox 4"/>
+          <p:cNvSpPr txBox="1"/>
+          <p:nvPr/>
+        </p:nvSpPr>
+        <p:spPr>
+          <a:xfrm>
+            <a:off x="816429" y="538843"/>
+            <a:ext cx="8515350" cy="646331"/>
+          </a:xfrm>
+          <a:prstGeom prst="rect">
+            <a:avLst/>
+          </a:prstGeom>
+          <a:noFill/>
+        </p:spPr>
+        <p:txBody>
+          <a:bodyPr wrap="square" rtlCol="0">
+            <a:spAutoFit/>
+          </a:bodyPr>
+          <a:lstStyle/>
+          <a:p>
+            <a:r>
+              <a:rPr lang="ru-RU" sz="3600" b="1" dirty="0" smtClean="0">
+                <a:latin typeface="Courier New" panose="02070309020205020404" pitchFamily="49" charset="0"/>
+                <a:cs typeface="Courier New" panose="02070309020205020404" pitchFamily="49" charset="0"/>
+              </a:rPr>
+              <a:t>Актуальность работы</a:t>
+            </a:r>
+            <a:endParaRPr lang="en-US" sz="3600" b="1" dirty="0">
+              <a:latin typeface="Courier New" panose="02070309020205020404" pitchFamily="49" charset="0"/>
+              <a:cs typeface="Courier New" panose="02070309020205020404" pitchFamily="49" charset="0"/>
+            </a:endParaRPr>
+          </a:p>
+        </p:txBody>
+      </p:sp>
+      <p:sp>
+        <p:nvSpPr>
+          <p:cNvPr id="8" name="TextBox 7"/>
+          <p:cNvSpPr txBox="1"/>
+          <p:nvPr/>
+        </p:nvSpPr>
+        <p:spPr>
+          <a:xfrm>
+            <a:off x="1077684" y="1420586"/>
+            <a:ext cx="10401302" cy="3416320"/>
+          </a:xfrm>
+          <a:prstGeom prst="rect">
+            <a:avLst/>
+          </a:prstGeom>
+          <a:noFill/>
+        </p:spPr>
+        <p:txBody>
+          <a:bodyPr wrap="square" rtlCol="0">
+            <a:spAutoFit/>
+          </a:bodyPr>
+          <a:lstStyle/>
+          <a:p>
+            <a:pPr marL="342900" indent="-342900">
+              <a:lnSpc>
+                <a:spcPct val="150000"/>
+              </a:lnSpc>
+              <a:buFont typeface="Arial" panose="020B0604020202020204" pitchFamily="34" charset="0"/>
+              <a:buChar char="•"/>
+            </a:pPr>
+            <a:r>
+              <a:rPr lang="ru-RU" sz="2400" dirty="0" smtClean="0">
+                <a:latin typeface="Courier New" panose="02070309020205020404" pitchFamily="49" charset="0"/>
+                <a:cs typeface="Courier New" panose="02070309020205020404" pitchFamily="49" charset="0"/>
+              </a:rPr>
+              <a:t>Существующие популярные системы веб-шаблонов не ресурсоэффективные </a:t>
+            </a:r>
+          </a:p>
+          <a:p>
+            <a:pPr marL="342900" indent="-342900">
+              <a:lnSpc>
+                <a:spcPct val="150000"/>
+              </a:lnSpc>
+              <a:buFont typeface="Arial" panose="020B0604020202020204" pitchFamily="34" charset="0"/>
+              <a:buChar char="•"/>
+            </a:pPr>
+            <a:r>
+              <a:rPr lang="ru-RU" sz="2400" dirty="0" smtClean="0">
+                <a:latin typeface="Courier New" panose="02070309020205020404" pitchFamily="49" charset="0"/>
+                <a:cs typeface="Courier New" panose="02070309020205020404" pitchFamily="49" charset="0"/>
+              </a:rPr>
+              <a:t>Они являются частью более сложных фреймворков</a:t>
+            </a:r>
+          </a:p>
+          <a:p>
+            <a:pPr marL="342900" indent="-342900">
+              <a:lnSpc>
+                <a:spcPct val="150000"/>
+              </a:lnSpc>
+              <a:buFont typeface="Arial" panose="020B0604020202020204" pitchFamily="34" charset="0"/>
+              <a:buChar char="•"/>
+            </a:pPr>
+            <a:r>
+              <a:rPr lang="ru-RU" sz="2400" dirty="0" smtClean="0">
+                <a:latin typeface="Courier New" panose="02070309020205020404" pitchFamily="49" charset="0"/>
+                <a:cs typeface="Courier New" panose="02070309020205020404" pitchFamily="49" charset="0"/>
+              </a:rPr>
+              <a:t>Разработка производительной и удобной в использовании системы веб-шаблонов позволит сэкономить как вычислительные, так и трудовые ресурсы</a:t>
+            </a:r>
+          </a:p>
+        </p:txBody>
+      </p:sp>
+    </p:spTree>
+    <p:extLst>
+      <p:ext uri="{BB962C8B-B14F-4D97-AF65-F5344CB8AC3E}">
+        <p14:creationId xmlns:p14="http://schemas.microsoft.com/office/powerpoint/2010/main" val="2684956686"/>
+      </p:ext>
+    </p:extLst>
+  </p:cSld>
+  <p:clrMapOvr>
+    <a:masterClrMapping/>
+  </p:clrMapOvr>
+  <p:timing>
+    <p:tnLst>
+      <p:par>
+        <p:cTn id="1" dur="indefinite" restart="never" nodeType="tmRoot"/>
+      </p:par>
+    </p:tnLst>
+  </p:timing>
+</p:sld>
+</file>
+
+<file path=ppt/slides/slide3.xml><?xml version="1.0" encoding="utf-8"?>
+<p:sld xmlns:a="http://schemas.openxmlformats.org/drawingml/2006/main" xmlns:r="http://schemas.openxmlformats.org/officeDocument/2006/relationships" xmlns:p="http://schemas.openxmlformats.org/presentationml/2006/main">
+  <p:cSld>
+    <p:bg>
+      <p:bgPr>
+        <a:pattFill prst="pct10">
+          <a:fgClr>
+            <a:schemeClr val="accent1">
+              <a:lumMod val="60000"/>
+              <a:lumOff val="40000"/>
+            </a:schemeClr>
+          </a:fgClr>
+          <a:bgClr>
+            <a:schemeClr val="bg1"/>
+          </a:bgClr>
+        </a:pattFill>
+        <a:effectLst/>
+      </p:bgPr>
+    </p:bg>
+    <p:spTree>
+      <p:nvGrpSpPr>
+        <p:cNvPr id="1" name=""/>
+        <p:cNvGrpSpPr/>
+        <p:nvPr/>
+      </p:nvGrpSpPr>
+      <p:grpSpPr>
+        <a:xfrm>
+          <a:off x="0" y="0"/>
+          <a:ext cx="0" cy="0"/>
+          <a:chOff x="0" y="0"/>
+          <a:chExt cx="0" cy="0"/>
+        </a:xfrm>
+      </p:grpSpPr>
+      <p:sp>
+        <p:nvSpPr>
+          <p:cNvPr id="5" name="TextBox 4"/>
+          <p:cNvSpPr txBox="1"/>
+          <p:nvPr/>
+        </p:nvSpPr>
+        <p:spPr>
+          <a:xfrm>
+            <a:off x="734785" y="359229"/>
+            <a:ext cx="10433957" cy="646331"/>
+          </a:xfrm>
+          <a:prstGeom prst="rect">
+            <a:avLst/>
+          </a:prstGeom>
+          <a:noFill/>
+        </p:spPr>
+        <p:txBody>
+          <a:bodyPr wrap="square" rtlCol="0">
+            <a:spAutoFit/>
+          </a:bodyPr>
+          <a:lstStyle/>
+          <a:p>
+            <a:r>
+              <a:rPr lang="ru-RU" sz="3600" b="1" dirty="0" smtClean="0">
+                <a:latin typeface="Courier New" panose="02070309020205020404" pitchFamily="49" charset="0"/>
+                <a:cs typeface="Courier New" panose="02070309020205020404" pitchFamily="49" charset="0"/>
+              </a:rPr>
+              <a:t>Цели и задачи</a:t>
+            </a:r>
+            <a:endParaRPr lang="en-US" sz="3600" b="1" dirty="0">
+              <a:latin typeface="Courier New" panose="02070309020205020404" pitchFamily="49" charset="0"/>
+              <a:cs typeface="Courier New" panose="02070309020205020404" pitchFamily="49" charset="0"/>
+            </a:endParaRPr>
+          </a:p>
+        </p:txBody>
+      </p:sp>
+      <p:sp>
+        <p:nvSpPr>
+          <p:cNvPr id="6" name="TextBox 5"/>
+          <p:cNvSpPr txBox="1"/>
+          <p:nvPr/>
+        </p:nvSpPr>
+        <p:spPr>
+          <a:xfrm>
+            <a:off x="1135431" y="1307387"/>
+            <a:ext cx="10115550" cy="4562788"/>
+          </a:xfrm>
+          <a:prstGeom prst="rect">
+            <a:avLst/>
+          </a:prstGeom>
+          <a:noFill/>
+        </p:spPr>
+        <p:txBody>
+          <a:bodyPr wrap="square" rtlCol="0">
+            <a:spAutoFit/>
+          </a:bodyPr>
+          <a:lstStyle/>
+          <a:p>
+            <a:pPr>
+              <a:lnSpc>
+                <a:spcPct val="150000"/>
+              </a:lnSpc>
+            </a:pPr>
+            <a:r>
+              <a:rPr lang="ru-RU" sz="2800" b="1" dirty="0">
+                <a:latin typeface="Courier New" panose="02070309020205020404" pitchFamily="49" charset="0"/>
+                <a:cs typeface="Courier New" panose="02070309020205020404" pitchFamily="49" charset="0"/>
+              </a:rPr>
+              <a:t>Цель исследования</a:t>
+            </a:r>
+            <a:r>
+              <a:rPr lang="ru-RU" sz="2800" b="1" dirty="0" smtClean="0">
+                <a:latin typeface="Courier New" panose="02070309020205020404" pitchFamily="49" charset="0"/>
+                <a:cs typeface="Courier New" panose="02070309020205020404" pitchFamily="49" charset="0"/>
+              </a:rPr>
+              <a:t>:</a:t>
+            </a:r>
+          </a:p>
+          <a:p>
+            <a:pPr>
+              <a:lnSpc>
+                <a:spcPct val="150000"/>
+              </a:lnSpc>
+            </a:pPr>
+            <a:r>
+              <a:rPr lang="ru-RU" sz="2800" dirty="0" smtClean="0">
+                <a:latin typeface="Courier New" panose="02070309020205020404" pitchFamily="49" charset="0"/>
+                <a:cs typeface="Courier New" panose="02070309020205020404" pitchFamily="49" charset="0"/>
+              </a:rPr>
+              <a:t>Поиск методов повышения производительности систем веб-шаблонов</a:t>
+            </a:r>
+            <a:endParaRPr lang="ru-RU" sz="2800" dirty="0">
+              <a:latin typeface="Courier New" panose="02070309020205020404" pitchFamily="49" charset="0"/>
+              <a:cs typeface="Courier New" panose="02070309020205020404" pitchFamily="49" charset="0"/>
+            </a:endParaRPr>
+          </a:p>
+          <a:p>
+            <a:pPr>
+              <a:lnSpc>
+                <a:spcPct val="150000"/>
+              </a:lnSpc>
+            </a:pPr>
+            <a:r>
+              <a:rPr lang="ru-RU" sz="2800" b="1" dirty="0" smtClean="0">
+                <a:latin typeface="Courier New" panose="02070309020205020404" pitchFamily="49" charset="0"/>
+                <a:cs typeface="Courier New" panose="02070309020205020404" pitchFamily="49" charset="0"/>
+              </a:rPr>
+              <a:t>Объект </a:t>
+            </a:r>
+            <a:r>
+              <a:rPr lang="ru-RU" sz="2800" b="1" dirty="0">
+                <a:latin typeface="Courier New" panose="02070309020205020404" pitchFamily="49" charset="0"/>
+                <a:cs typeface="Courier New" panose="02070309020205020404" pitchFamily="49" charset="0"/>
+              </a:rPr>
+              <a:t>исследования</a:t>
+            </a:r>
+            <a:r>
+              <a:rPr lang="ru-RU" sz="2800" b="1" dirty="0" smtClean="0">
+                <a:latin typeface="Courier New" panose="02070309020205020404" pitchFamily="49" charset="0"/>
+                <a:cs typeface="Courier New" panose="02070309020205020404" pitchFamily="49" charset="0"/>
+              </a:rPr>
+              <a:t>:</a:t>
+            </a:r>
+          </a:p>
+          <a:p>
+            <a:pPr>
+              <a:lnSpc>
+                <a:spcPct val="150000"/>
+              </a:lnSpc>
+            </a:pPr>
+            <a:r>
+              <a:rPr lang="ru-RU" sz="2800" dirty="0" smtClean="0">
+                <a:latin typeface="Courier New" panose="02070309020205020404" pitchFamily="49" charset="0"/>
+                <a:cs typeface="Courier New" panose="02070309020205020404" pitchFamily="49" charset="0"/>
+              </a:rPr>
+              <a:t>Система веб-шаблонов</a:t>
+            </a:r>
+            <a:r>
+              <a:rPr lang="ru-RU" sz="2800" b="1" dirty="0" smtClean="0">
+                <a:latin typeface="Courier New" panose="02070309020205020404" pitchFamily="49" charset="0"/>
+                <a:cs typeface="Courier New" panose="02070309020205020404" pitchFamily="49" charset="0"/>
+              </a:rPr>
+              <a:t> </a:t>
+            </a:r>
+            <a:endParaRPr lang="ru-RU" sz="2800" b="1" dirty="0">
+              <a:latin typeface="Courier New" panose="02070309020205020404" pitchFamily="49" charset="0"/>
+              <a:cs typeface="Courier New" panose="02070309020205020404" pitchFamily="49" charset="0"/>
+            </a:endParaRPr>
+          </a:p>
+          <a:p>
+            <a:pPr>
+              <a:lnSpc>
+                <a:spcPct val="150000"/>
+              </a:lnSpc>
+            </a:pPr>
+            <a:r>
+              <a:rPr lang="ru-RU" sz="2800" b="1" dirty="0" smtClean="0">
+                <a:latin typeface="Courier New" panose="02070309020205020404" pitchFamily="49" charset="0"/>
+                <a:cs typeface="Courier New" panose="02070309020205020404" pitchFamily="49" charset="0"/>
+              </a:rPr>
+              <a:t>Предмет </a:t>
+            </a:r>
+            <a:r>
+              <a:rPr lang="ru-RU" sz="2800" b="1" dirty="0">
+                <a:latin typeface="Courier New" panose="02070309020205020404" pitchFamily="49" charset="0"/>
+                <a:cs typeface="Courier New" panose="02070309020205020404" pitchFamily="49" charset="0"/>
+              </a:rPr>
+              <a:t>исследования:  </a:t>
+            </a:r>
+            <a:endParaRPr lang="ru-RU" sz="2800" b="1" dirty="0" smtClean="0">
+              <a:latin typeface="Courier New" panose="02070309020205020404" pitchFamily="49" charset="0"/>
+              <a:cs typeface="Courier New" panose="02070309020205020404" pitchFamily="49" charset="0"/>
+            </a:endParaRPr>
+          </a:p>
+          <a:p>
+            <a:pPr>
+              <a:lnSpc>
+                <a:spcPct val="150000"/>
+              </a:lnSpc>
+            </a:pPr>
+            <a:r>
+              <a:rPr lang="ru-RU" sz="2800" dirty="0" smtClean="0">
+                <a:latin typeface="Courier New" panose="02070309020205020404" pitchFamily="49" charset="0"/>
+                <a:cs typeface="Courier New" panose="02070309020205020404" pitchFamily="49" charset="0"/>
+              </a:rPr>
+              <a:t>Производительность </a:t>
+            </a:r>
+            <a:r>
+              <a:rPr lang="ru-RU" sz="2800" dirty="0">
+                <a:latin typeface="Courier New" panose="02070309020205020404" pitchFamily="49" charset="0"/>
+                <a:cs typeface="Courier New" panose="02070309020205020404" pitchFamily="49" charset="0"/>
+              </a:rPr>
+              <a:t>систем </a:t>
+            </a:r>
+            <a:r>
+              <a:rPr lang="ru-RU" sz="2800" dirty="0" smtClean="0">
+                <a:latin typeface="Courier New" panose="02070309020205020404" pitchFamily="49" charset="0"/>
+                <a:cs typeface="Courier New" panose="02070309020205020404" pitchFamily="49" charset="0"/>
+              </a:rPr>
+              <a:t>веб-шаблонов</a:t>
+            </a:r>
+            <a:endParaRPr lang="ru-RU" sz="2800" dirty="0">
+              <a:latin typeface="Courier New" panose="02070309020205020404" pitchFamily="49" charset="0"/>
+              <a:cs typeface="Courier New" panose="02070309020205020404" pitchFamily="49" charset="0"/>
+            </a:endParaRPr>
+          </a:p>
+        </p:txBody>
+      </p:sp>
+    </p:spTree>
+    <p:extLst>
+      <p:ext uri="{BB962C8B-B14F-4D97-AF65-F5344CB8AC3E}">
+        <p14:creationId xmlns:p14="http://schemas.microsoft.com/office/powerpoint/2010/main" val="2262822906"/>
+      </p:ext>
+    </p:extLst>
+  </p:cSld>
+  <p:clrMapOvr>
+    <a:masterClrMapping/>
+  </p:clrMapOvr>
+  <p:timing>
+    <p:tnLst>
+      <p:par>
+        <p:cTn id="1" dur="indefinite" restart="never" nodeType="tmRoot"/>
+      </p:par>
+    </p:tnLst>
+  </p:timing>
+</p:sld>
+</file>
+
+<file path=ppt/slides/slide4.xml><?xml version="1.0" encoding="utf-8"?>
+<p:sld xmlns:a="http://schemas.openxmlformats.org/drawingml/2006/main" xmlns:r="http://schemas.openxmlformats.org/officeDocument/2006/relationships" xmlns:p="http://schemas.openxmlformats.org/presentationml/2006/main">
+  <p:cSld>
+    <p:bg>
+      <p:bgPr>
+        <a:pattFill prst="pct10">
+          <a:fgClr>
+            <a:schemeClr val="accent1">
+              <a:lumMod val="60000"/>
+              <a:lumOff val="40000"/>
+            </a:schemeClr>
+          </a:fgClr>
+          <a:bgClr>
+            <a:schemeClr val="bg1"/>
+          </a:bgClr>
+        </a:pattFill>
+        <a:effectLst/>
+      </p:bgPr>
+    </p:bg>
+    <p:spTree>
+      <p:nvGrpSpPr>
+        <p:cNvPr id="1" name=""/>
+        <p:cNvGrpSpPr/>
+        <p:nvPr/>
+      </p:nvGrpSpPr>
+      <p:grpSpPr>
+        <a:xfrm>
+          <a:off x="0" y="0"/>
+          <a:ext cx="0" cy="0"/>
+          <a:chOff x="0" y="0"/>
+          <a:chExt cx="0" cy="0"/>
+        </a:xfrm>
+      </p:grpSpPr>
+      <p:sp>
+        <p:nvSpPr>
+          <p:cNvPr id="5" name="TextBox 4"/>
+          <p:cNvSpPr txBox="1"/>
+          <p:nvPr/>
+        </p:nvSpPr>
+        <p:spPr>
+          <a:xfrm>
+            <a:off x="734785" y="359229"/>
+            <a:ext cx="10433957" cy="646331"/>
+          </a:xfrm>
+          <a:prstGeom prst="rect">
+            <a:avLst/>
+          </a:prstGeom>
+          <a:noFill/>
+        </p:spPr>
+        <p:txBody>
+          <a:bodyPr wrap="square" rtlCol="0">
+            <a:spAutoFit/>
+          </a:bodyPr>
+          <a:lstStyle/>
+          <a:p>
+            <a:r>
+              <a:rPr lang="ru-RU" sz="3600" b="1" dirty="0" smtClean="0">
+                <a:latin typeface="Courier New" panose="02070309020205020404" pitchFamily="49" charset="0"/>
+                <a:cs typeface="Courier New" panose="02070309020205020404" pitchFamily="49" charset="0"/>
+              </a:rPr>
+              <a:t>Цели и задачи</a:t>
+            </a:r>
+            <a:endParaRPr lang="en-US" sz="3600" b="1" dirty="0">
+              <a:latin typeface="Courier New" panose="02070309020205020404" pitchFamily="49" charset="0"/>
+              <a:cs typeface="Courier New" panose="02070309020205020404" pitchFamily="49" charset="0"/>
+            </a:endParaRPr>
+          </a:p>
+        </p:txBody>
+      </p:sp>
+      <p:sp>
+        <p:nvSpPr>
+          <p:cNvPr id="6" name="TextBox 5"/>
+          <p:cNvSpPr txBox="1"/>
+          <p:nvPr/>
+        </p:nvSpPr>
+        <p:spPr>
+          <a:xfrm>
+            <a:off x="1053192" y="1081355"/>
+            <a:ext cx="10115550" cy="6001643"/>
+          </a:xfrm>
+          <a:prstGeom prst="rect">
+            <a:avLst/>
+          </a:prstGeom>
+          <a:noFill/>
+        </p:spPr>
+        <p:txBody>
+          <a:bodyPr wrap="square" rtlCol="0">
+            <a:spAutoFit/>
+          </a:bodyPr>
+          <a:lstStyle/>
+          <a:p>
+            <a:pPr>
+              <a:lnSpc>
+                <a:spcPct val="150000"/>
+              </a:lnSpc>
+            </a:pPr>
+            <a:r>
+              <a:rPr lang="ru-RU" sz="3200" b="1" dirty="0" smtClean="0">
+                <a:latin typeface="Courier New" panose="02070309020205020404" pitchFamily="49" charset="0"/>
+                <a:cs typeface="Courier New" panose="02070309020205020404" pitchFamily="49" charset="0"/>
+              </a:rPr>
+              <a:t>Поставленные задачи:</a:t>
+            </a:r>
+          </a:p>
+          <a:p>
+            <a:pPr marL="342900" indent="-342900">
+              <a:buFont typeface="Arial" panose="020B0604020202020204" pitchFamily="34" charset="0"/>
+              <a:buChar char="•"/>
+            </a:pPr>
+            <a:r>
+              <a:rPr lang="ru-RU" sz="2400" dirty="0" smtClean="0">
+                <a:latin typeface="Courier New" panose="02070309020205020404" pitchFamily="49" charset="0"/>
+                <a:cs typeface="Courier New" panose="02070309020205020404" pitchFamily="49" charset="0"/>
+              </a:rPr>
+              <a:t>Исследовать </a:t>
+            </a:r>
+            <a:r>
+              <a:rPr lang="ru-RU" sz="2400" dirty="0">
+                <a:latin typeface="Courier New" panose="02070309020205020404" pitchFamily="49" charset="0"/>
+                <a:cs typeface="Courier New" panose="02070309020205020404" pitchFamily="49" charset="0"/>
+              </a:rPr>
+              <a:t>основные принципы функционирования систем веб-шаблонов.</a:t>
+            </a:r>
+          </a:p>
+          <a:p>
+            <a:pPr marL="342900" indent="-342900">
+              <a:buFont typeface="Arial" panose="020B0604020202020204" pitchFamily="34" charset="0"/>
+              <a:buChar char="•"/>
+            </a:pPr>
+            <a:r>
+              <a:rPr lang="ru-RU" sz="2400" dirty="0" smtClean="0">
+                <a:latin typeface="Courier New" panose="02070309020205020404" pitchFamily="49" charset="0"/>
+                <a:cs typeface="Courier New" panose="02070309020205020404" pitchFamily="49" charset="0"/>
+              </a:rPr>
+              <a:t>Проанализировать </a:t>
+            </a:r>
+            <a:r>
+              <a:rPr lang="ru-RU" sz="2400" dirty="0">
+                <a:latin typeface="Courier New" panose="02070309020205020404" pitchFamily="49" charset="0"/>
+                <a:cs typeface="Courier New" panose="02070309020205020404" pitchFamily="49" charset="0"/>
+              </a:rPr>
+              <a:t>существующие системы веб-шаблонов с целью выявления наиболее распространённых проблем с производительностью.</a:t>
+            </a:r>
+          </a:p>
+          <a:p>
+            <a:pPr marL="342900" indent="-342900">
+              <a:buFont typeface="Arial" panose="020B0604020202020204" pitchFamily="34" charset="0"/>
+              <a:buChar char="•"/>
+            </a:pPr>
+            <a:r>
+              <a:rPr lang="ru-RU" sz="2400" dirty="0" smtClean="0">
+                <a:latin typeface="Courier New" panose="02070309020205020404" pitchFamily="49" charset="0"/>
+                <a:cs typeface="Courier New" panose="02070309020205020404" pitchFamily="49" charset="0"/>
+              </a:rPr>
+              <a:t>Исследовать </a:t>
+            </a:r>
+            <a:r>
+              <a:rPr lang="ru-RU" sz="2400" dirty="0">
+                <a:latin typeface="Courier New" panose="02070309020205020404" pitchFamily="49" charset="0"/>
+                <a:cs typeface="Courier New" panose="02070309020205020404" pitchFamily="49" charset="0"/>
+              </a:rPr>
+              <a:t>причины возникновения каждой из проблем с производительностью.</a:t>
+            </a:r>
+          </a:p>
+          <a:p>
+            <a:pPr marL="342900" indent="-342900">
+              <a:buFont typeface="Arial" panose="020B0604020202020204" pitchFamily="34" charset="0"/>
+              <a:buChar char="•"/>
+            </a:pPr>
+            <a:r>
+              <a:rPr lang="ru-RU" sz="2400" dirty="0" smtClean="0">
+                <a:latin typeface="Courier New" panose="02070309020205020404" pitchFamily="49" charset="0"/>
+                <a:cs typeface="Courier New" panose="02070309020205020404" pitchFamily="49" charset="0"/>
+              </a:rPr>
+              <a:t>Разработать </a:t>
+            </a:r>
+            <a:r>
+              <a:rPr lang="ru-RU" sz="2400" dirty="0">
+                <a:latin typeface="Courier New" panose="02070309020205020404" pitchFamily="49" charset="0"/>
+                <a:cs typeface="Courier New" panose="02070309020205020404" pitchFamily="49" charset="0"/>
+              </a:rPr>
+              <a:t>методы для устранения проблем с производительностью, либо их смягчения.</a:t>
+            </a:r>
+          </a:p>
+          <a:p>
+            <a:pPr marL="342900" indent="-342900">
+              <a:buFont typeface="Arial" panose="020B0604020202020204" pitchFamily="34" charset="0"/>
+              <a:buChar char="•"/>
+            </a:pPr>
+            <a:r>
+              <a:rPr lang="ru-RU" sz="2400" dirty="0" smtClean="0">
+                <a:latin typeface="Courier New" panose="02070309020205020404" pitchFamily="49" charset="0"/>
+                <a:cs typeface="Courier New" panose="02070309020205020404" pitchFamily="49" charset="0"/>
+              </a:rPr>
+              <a:t>Применить </a:t>
+            </a:r>
+            <a:r>
+              <a:rPr lang="ru-RU" sz="2400" dirty="0">
+                <a:latin typeface="Courier New" panose="02070309020205020404" pitchFamily="49" charset="0"/>
+                <a:cs typeface="Courier New" panose="02070309020205020404" pitchFamily="49" charset="0"/>
+              </a:rPr>
+              <a:t>разработанные методы на практике, разработав высокопроизводительную систему веб-шаблонов.</a:t>
+            </a:r>
+          </a:p>
+          <a:p>
+            <a:pPr>
+              <a:lnSpc>
+                <a:spcPct val="150000"/>
+              </a:lnSpc>
+            </a:pPr>
+            <a:endParaRPr lang="ru-RU" sz="3200" b="1" dirty="0" smtClean="0">
+              <a:latin typeface="Courier New" panose="02070309020205020404" pitchFamily="49" charset="0"/>
+              <a:cs typeface="Courier New" panose="02070309020205020404" pitchFamily="49" charset="0"/>
+            </a:endParaRPr>
+          </a:p>
+        </p:txBody>
+      </p:sp>
+    </p:spTree>
+    <p:extLst>
+      <p:ext uri="{BB962C8B-B14F-4D97-AF65-F5344CB8AC3E}">
+        <p14:creationId xmlns:p14="http://schemas.microsoft.com/office/powerpoint/2010/main" val="1112639758"/>
+      </p:ext>
+    </p:extLst>
+  </p:cSld>
+  <p:clrMapOvr>
+    <a:masterClrMapping/>
+  </p:clrMapOvr>
+  <p:timing>
+    <p:tnLst>
+      <p:par>
+        <p:cTn id="1" dur="indefinite" restart="never" nodeType="tmRoot"/>
+      </p:par>
+    </p:tnLst>
+  </p:timing>
+</p:sld>
+</file>
+
+<file path=ppt/slides/slide5.xml><?xml version="1.0" encoding="utf-8"?>
+<p:sld xmlns:a="http://schemas.openxmlformats.org/drawingml/2006/main" xmlns:r="http://schemas.openxmlformats.org/officeDocument/2006/relationships" xmlns:p="http://schemas.openxmlformats.org/presentationml/2006/main">
+  <p:cSld>
+    <p:bg>
+      <p:bgPr>
+        <a:pattFill prst="pct10">
+          <a:fgClr>
+            <a:schemeClr val="accent1">
+              <a:lumMod val="60000"/>
+              <a:lumOff val="40000"/>
+            </a:schemeClr>
+          </a:fgClr>
+          <a:bgClr>
+            <a:schemeClr val="bg1"/>
+          </a:bgClr>
+        </a:pattFill>
+        <a:effectLst/>
+      </p:bgPr>
+    </p:bg>
+    <p:spTree>
+      <p:nvGrpSpPr>
+        <p:cNvPr id="1" name=""/>
+        <p:cNvGrpSpPr/>
+        <p:nvPr/>
+      </p:nvGrpSpPr>
+      <p:grpSpPr>
+        <a:xfrm>
+          <a:off x="0" y="0"/>
+          <a:ext cx="0" cy="0"/>
+          <a:chOff x="0" y="0"/>
+          <a:chExt cx="0" cy="0"/>
+        </a:xfrm>
+      </p:grpSpPr>
+      <p:sp>
+        <p:nvSpPr>
+          <p:cNvPr id="8" name="TextBox 7"/>
+          <p:cNvSpPr txBox="1"/>
+          <p:nvPr/>
+        </p:nvSpPr>
+        <p:spPr>
+          <a:xfrm>
+            <a:off x="726621" y="400050"/>
+            <a:ext cx="10091057" cy="646331"/>
+          </a:xfrm>
+          <a:prstGeom prst="rect">
+            <a:avLst/>
+          </a:prstGeom>
+          <a:noFill/>
+        </p:spPr>
+        <p:txBody>
+          <a:bodyPr wrap="square" rtlCol="0">
+            <a:spAutoFit/>
+          </a:bodyPr>
+          <a:lstStyle/>
+          <a:p>
+            <a:r>
+              <a:rPr lang="ru-RU" sz="3600" b="1" dirty="0">
+                <a:latin typeface="Courier New" panose="02070309020205020404" pitchFamily="49" charset="0"/>
+                <a:cs typeface="Courier New" panose="02070309020205020404" pitchFamily="49" charset="0"/>
+              </a:rPr>
+              <a:t>Основные проблемы производительности</a:t>
+            </a:r>
+          </a:p>
+        </p:txBody>
+      </p:sp>
+      <p:sp>
+        <p:nvSpPr>
+          <p:cNvPr id="9" name="TextBox 8"/>
+          <p:cNvSpPr txBox="1"/>
+          <p:nvPr/>
+        </p:nvSpPr>
+        <p:spPr>
+          <a:xfrm>
+            <a:off x="1240971" y="1469571"/>
+            <a:ext cx="8874579" cy="3785652"/>
+          </a:xfrm>
+          <a:prstGeom prst="rect">
+            <a:avLst/>
+          </a:prstGeom>
+          <a:noFill/>
+        </p:spPr>
+        <p:txBody>
+          <a:bodyPr wrap="square" rtlCol="0">
+            <a:spAutoFit/>
+          </a:bodyPr>
+          <a:lstStyle/>
+          <a:p>
+            <a:pPr marL="342900" indent="-342900">
+              <a:lnSpc>
+                <a:spcPct val="150000"/>
+              </a:lnSpc>
+              <a:buFont typeface="+mj-lt"/>
+              <a:buAutoNum type="arabicPeriod"/>
+            </a:pPr>
+            <a:r>
+              <a:rPr lang="ru-RU" sz="2800" dirty="0" smtClean="0">
+                <a:latin typeface="Courier New" panose="02070309020205020404" pitchFamily="49" charset="0"/>
+                <a:cs typeface="Courier New" panose="02070309020205020404" pitchFamily="49" charset="0"/>
+              </a:rPr>
+              <a:t>Использование </a:t>
+            </a:r>
+            <a:r>
+              <a:rPr lang="ru-RU" sz="2800" b="1" dirty="0" smtClean="0">
+                <a:latin typeface="Courier New" panose="02070309020205020404" pitchFamily="49" charset="0"/>
+                <a:cs typeface="Courier New" panose="02070309020205020404" pitchFamily="49" charset="0"/>
+              </a:rPr>
+              <a:t>интерпретируемых</a:t>
+            </a:r>
+            <a:r>
+              <a:rPr lang="ru-RU" sz="2800" dirty="0" smtClean="0">
+                <a:latin typeface="Courier New" panose="02070309020205020404" pitchFamily="49" charset="0"/>
+                <a:cs typeface="Courier New" panose="02070309020205020404" pitchFamily="49" charset="0"/>
+              </a:rPr>
+              <a:t> языков</a:t>
+            </a:r>
+          </a:p>
+          <a:p>
+            <a:pPr marL="342900" indent="-342900">
+              <a:lnSpc>
+                <a:spcPct val="150000"/>
+              </a:lnSpc>
+              <a:buFont typeface="+mj-lt"/>
+              <a:buAutoNum type="arabicPeriod"/>
+            </a:pPr>
+            <a:r>
+              <a:rPr lang="ru-RU" sz="2800" dirty="0" smtClean="0">
+                <a:latin typeface="Courier New" panose="02070309020205020404" pitchFamily="49" charset="0"/>
+                <a:cs typeface="Courier New" panose="02070309020205020404" pitchFamily="49" charset="0"/>
+              </a:rPr>
+              <a:t>Наличие механизмов </a:t>
+            </a:r>
+            <a:r>
+              <a:rPr lang="ru-RU" sz="2800" b="1" dirty="0" smtClean="0">
+                <a:latin typeface="Courier New" panose="02070309020205020404" pitchFamily="49" charset="0"/>
+                <a:cs typeface="Courier New" panose="02070309020205020404" pitchFamily="49" charset="0"/>
+              </a:rPr>
+              <a:t>сборки мусора</a:t>
+            </a:r>
+          </a:p>
+          <a:p>
+            <a:pPr marL="342900" indent="-342900">
+              <a:lnSpc>
+                <a:spcPct val="150000"/>
+              </a:lnSpc>
+              <a:buFont typeface="+mj-lt"/>
+              <a:buAutoNum type="arabicPeriod"/>
+            </a:pPr>
+            <a:r>
+              <a:rPr lang="ru-RU" sz="2800" dirty="0" smtClean="0">
+                <a:latin typeface="Courier New" panose="02070309020205020404" pitchFamily="49" charset="0"/>
+                <a:cs typeface="Courier New" panose="02070309020205020404" pitchFamily="49" charset="0"/>
+              </a:rPr>
+              <a:t>Отсутствие </a:t>
+            </a:r>
+            <a:r>
+              <a:rPr lang="ru-RU" sz="2800" b="1" dirty="0" smtClean="0">
+                <a:latin typeface="Courier New" panose="02070309020205020404" pitchFamily="49" charset="0"/>
+                <a:cs typeface="Courier New" panose="02070309020205020404" pitchFamily="49" charset="0"/>
+              </a:rPr>
+              <a:t>кеширования</a:t>
+            </a:r>
+          </a:p>
+          <a:p>
+            <a:pPr marL="342900" indent="-342900">
+              <a:lnSpc>
+                <a:spcPct val="150000"/>
+              </a:lnSpc>
+              <a:buFont typeface="+mj-lt"/>
+              <a:buAutoNum type="arabicPeriod"/>
+            </a:pPr>
+            <a:r>
+              <a:rPr lang="ru-RU" sz="2800" dirty="0" smtClean="0">
+                <a:latin typeface="Courier New" panose="02070309020205020404" pitchFamily="49" charset="0"/>
+                <a:cs typeface="Courier New" panose="02070309020205020404" pitchFamily="49" charset="0"/>
+              </a:rPr>
+              <a:t>Простой вычислительных ресурсов:</a:t>
+            </a:r>
+          </a:p>
+          <a:p>
+            <a:pPr marL="800100" lvl="1" indent="-342900">
+              <a:lnSpc>
+                <a:spcPct val="150000"/>
+              </a:lnSpc>
+              <a:buFont typeface="Arial" panose="020B0604020202020204" pitchFamily="34" charset="0"/>
+              <a:buChar char="•"/>
+            </a:pPr>
+            <a:r>
+              <a:rPr lang="ru-RU" sz="2400" b="1" dirty="0" smtClean="0">
+                <a:latin typeface="Courier New" panose="02070309020205020404" pitchFamily="49" charset="0"/>
+                <a:cs typeface="Courier New" panose="02070309020205020404" pitchFamily="49" charset="0"/>
+              </a:rPr>
+              <a:t>Однопоточное</a:t>
+            </a:r>
+            <a:r>
+              <a:rPr lang="ru-RU" sz="2400" dirty="0" smtClean="0">
+                <a:latin typeface="Courier New" panose="02070309020205020404" pitchFamily="49" charset="0"/>
+                <a:cs typeface="Courier New" panose="02070309020205020404" pitchFamily="49" charset="0"/>
+              </a:rPr>
+              <a:t> исполнение</a:t>
+            </a:r>
+          </a:p>
+          <a:p>
+            <a:pPr marL="800100" lvl="1" indent="-342900">
+              <a:lnSpc>
+                <a:spcPct val="150000"/>
+              </a:lnSpc>
+              <a:buFont typeface="Arial" panose="020B0604020202020204" pitchFamily="34" charset="0"/>
+              <a:buChar char="•"/>
+            </a:pPr>
+            <a:r>
+              <a:rPr lang="ru-RU" sz="2400" b="1" dirty="0" smtClean="0">
+                <a:latin typeface="Courier New" panose="02070309020205020404" pitchFamily="49" charset="0"/>
+                <a:cs typeface="Courier New" panose="02070309020205020404" pitchFamily="49" charset="0"/>
+              </a:rPr>
+              <a:t>Синхронное</a:t>
+            </a:r>
+            <a:r>
+              <a:rPr lang="ru-RU" sz="2400" dirty="0" smtClean="0">
+                <a:latin typeface="Courier New" panose="02070309020205020404" pitchFamily="49" charset="0"/>
+                <a:cs typeface="Courier New" panose="02070309020205020404" pitchFamily="49" charset="0"/>
+              </a:rPr>
+              <a:t> исполнение</a:t>
+            </a:r>
+            <a:endParaRPr lang="en-US" sz="2400" dirty="0">
+              <a:latin typeface="Courier New" panose="02070309020205020404" pitchFamily="49" charset="0"/>
+              <a:cs typeface="Courier New" panose="02070309020205020404" pitchFamily="49" charset="0"/>
+            </a:endParaRPr>
+          </a:p>
+        </p:txBody>
+      </p:sp>
+    </p:spTree>
+    <p:extLst>
+      <p:ext uri="{BB962C8B-B14F-4D97-AF65-F5344CB8AC3E}">
+        <p14:creationId xmlns:p14="http://schemas.microsoft.com/office/powerpoint/2010/main" val="3473046678"/>
+      </p:ext>
+    </p:extLst>
+  </p:cSld>
+  <p:clrMapOvr>
+    <a:masterClrMapping/>
+  </p:clrMapOvr>
+  <p:timing>
+    <p:tnLst>
+      <p:par>
+        <p:cTn id="1" dur="indefinite" restart="never" nodeType="tmRoot">
+          <p:childTnLst>
+            <p:seq concurrent="1" nextAc="seek">
+              <p:cTn id="2" dur="indefinite" nodeType="mainSeq">
+                <p:childTnLst>
+                  <p:par>
+                    <p:cTn id="3" fill="hold">
+                      <p:stCondLst>
+                        <p:cond delay="indefinite"/>
+                      </p:stCondLst>
+                      <p:childTnLst>
+                        <p:par>
+                          <p:cTn id="4" fill="hold">
+                            <p:stCondLst>
+                              <p:cond delay="0"/>
+                            </p:stCondLst>
+                            <p:childTnLst>
+                              <p:par>
+                                <p:cTn id="5" presetID="26" presetClass="emph" presetSubtype="0" fill="hold" nodeType="clickEffect">
+                                  <p:stCondLst>
+                                    <p:cond delay="0"/>
+                                  </p:stCondLst>
+                                  <p:childTnLst>
+                                    <p:animEffect transition="out" filter="fade">
+                                      <p:cBhvr>
+                                        <p:cTn id="6" dur="1000" tmFilter="0, 0; .2, .5; .8, .5; 1, 0"/>
+                                        <p:tgtEl>
+                                          <p:spTgt spid="9">
+                                            <p:txEl>
+                                              <p:pRg st="0" end="0"/>
+                                            </p:txEl>
+                                          </p:spTgt>
+                                        </p:tgtEl>
+                                      </p:cBhvr>
+                                    </p:animEffect>
+                                    <p:animScale>
+                                      <p:cBhvr>
+                                        <p:cTn id="7" dur="500" autoRev="1" fill="hold"/>
+                                        <p:tgtEl>
+                                          <p:spTgt spid="9">
+                                            <p:txEl>
+                                              <p:pRg st="0" end="0"/>
+                                            </p:txEl>
+                                          </p:spTgt>
+                                        </p:tgtEl>
+                                      </p:cBhvr>
+                                      <p:by x="105000" y="105000"/>
+                                    </p:animScale>
+                                  </p:childTnLst>
+                                </p:cTn>
+                              </p:par>
+                            </p:childTnLst>
+                          </p:cTn>
+                        </p:par>
+                      </p:childTnLst>
+                    </p:cTn>
+                  </p:par>
+                  <p:par>
+                    <p:cTn id="8" fill="hold">
+                      <p:stCondLst>
+                        <p:cond delay="indefinite"/>
+                      </p:stCondLst>
+                      <p:childTnLst>
+                        <p:par>
+                          <p:cTn id="9" fill="hold">
+                            <p:stCondLst>
+                              <p:cond delay="0"/>
+                            </p:stCondLst>
+                            <p:childTnLst>
+                              <p:par>
+                                <p:cTn id="10" presetID="26" presetClass="emph" presetSubtype="0" fill="hold" nodeType="clickEffect">
+                                  <p:stCondLst>
+                                    <p:cond delay="0"/>
+                                  </p:stCondLst>
+                                  <p:childTnLst>
+                                    <p:animEffect transition="out" filter="fade">
+                                      <p:cBhvr>
+                                        <p:cTn id="11" dur="1000" tmFilter="0, 0; .2, .5; .8, .5; 1, 0"/>
+                                        <p:tgtEl>
+                                          <p:spTgt spid="9">
+                                            <p:txEl>
+                                              <p:pRg st="3" end="3"/>
+                                            </p:txEl>
+                                          </p:spTgt>
+                                        </p:tgtEl>
+                                      </p:cBhvr>
+                                    </p:animEffect>
+                                    <p:animScale>
+                                      <p:cBhvr>
+                                        <p:cTn id="12" dur="500" autoRev="1" fill="hold"/>
+                                        <p:tgtEl>
+                                          <p:spTgt spid="9">
+                                            <p:txEl>
+                                              <p:pRg st="3" end="3"/>
+                                            </p:txEl>
+                                          </p:spTgt>
+                                        </p:tgtEl>
+                                      </p:cBhvr>
+                                      <p:by x="105000" y="105000"/>
+                                    </p:animScale>
+                                  </p:childTnLst>
+                                </p:cTn>
+                              </p:par>
+                            </p:childTnLst>
+                          </p:cTn>
+                        </p:par>
+                      </p:childTnLst>
+                    </p:cTn>
+                  </p:par>
+                </p:childTnLst>
+              </p:cTn>
+              <p:prevCondLst>
+                <p:cond evt="onPrev" delay="0">
+                  <p:tgtEl>
+                    <p:sldTgt/>
+                  </p:tgtEl>
+                </p:cond>
+              </p:prevCondLst>
+              <p:nextCondLst>
+                <p:cond evt="onNext" delay="0">
+                  <p:tgtEl>
+                    <p:sldTgt/>
+                  </p:tgtEl>
+                </p:cond>
+              </p:nextCondLst>
+            </p:seq>
+          </p:childTnLst>
+        </p:cTn>
+      </p:par>
+    </p:tnLst>
+  </p:timing>
+</p:sld>
+</file>
+
+<file path=ppt/slides/slide6.xml><?xml version="1.0" encoding="utf-8"?>
+<p:sld xmlns:a="http://schemas.openxmlformats.org/drawingml/2006/main" xmlns:r="http://schemas.openxmlformats.org/officeDocument/2006/relationships" xmlns:p="http://schemas.openxmlformats.org/presentationml/2006/main">
+  <p:cSld>
+    <p:bg>
+      <p:bgPr>
+        <a:pattFill prst="pct10">
+          <a:fgClr>
+            <a:schemeClr val="accent1">
+              <a:lumMod val="60000"/>
+              <a:lumOff val="40000"/>
+            </a:schemeClr>
+          </a:fgClr>
+          <a:bgClr>
+            <a:schemeClr val="bg1"/>
+          </a:bgClr>
+        </a:pattFill>
+        <a:effectLst/>
+      </p:bgPr>
+    </p:bg>
+    <p:spTree>
+      <p:nvGrpSpPr>
+        <p:cNvPr id="1" name=""/>
+        <p:cNvGrpSpPr/>
+        <p:nvPr/>
+      </p:nvGrpSpPr>
+      <p:grpSpPr>
+        <a:xfrm>
+          <a:off x="0" y="0"/>
+          <a:ext cx="0" cy="0"/>
+          <a:chOff x="0" y="0"/>
+          <a:chExt cx="0" cy="0"/>
+        </a:xfrm>
+      </p:grpSpPr>
+      <p:grpSp>
+        <p:nvGrpSpPr>
+          <p:cNvPr id="26" name="Группа 25"/>
+          <p:cNvGrpSpPr/>
+          <p:nvPr/>
+        </p:nvGrpSpPr>
+        <p:grpSpPr>
+          <a:xfrm>
+            <a:off x="1208663" y="1527815"/>
+            <a:ext cx="9565054" cy="4498269"/>
+            <a:chOff x="1733061" y="1216731"/>
+            <a:chExt cx="9565054" cy="4498269"/>
+          </a:xfrm>
+        </p:grpSpPr>
+        <p:graphicFrame>
+          <p:nvGraphicFramePr>
+            <p:cNvPr id="4" name="Схема 3"/>
+            <p:cNvGraphicFramePr/>
+            <p:nvPr>
+              <p:extLst>
+                <p:ext uri="{D42A27DB-BD31-4B8C-83A1-F6EECF244321}">
+                  <p14:modId xmlns:p14="http://schemas.microsoft.com/office/powerpoint/2010/main" val="1229570835"/>
+                </p:ext>
+              </p:extLst>
+            </p:nvPr>
+          </p:nvGraphicFramePr>
+          <p:xfrm>
+            <a:off x="2032000" y="1216731"/>
+            <a:ext cx="7120792" cy="880532"/>
+          </p:xfrm>
+          <a:graphic>
+            <a:graphicData uri="http://schemas.openxmlformats.org/drawingml/2006/diagram">
+              <dgm:relIds xmlns:dgm="http://schemas.openxmlformats.org/drawingml/2006/diagram" xmlns:r="http://schemas.openxmlformats.org/officeDocument/2006/relationships" r:dm="rId2" r:lo="rId3" r:qs="rId4" r:cs="rId5"/>
+            </a:graphicData>
+          </a:graphic>
+        </p:graphicFrame>
+        <p:graphicFrame>
+          <p:nvGraphicFramePr>
+            <p:cNvPr id="7" name="Схема 6"/>
+            <p:cNvGraphicFramePr/>
+            <p:nvPr>
+              <p:extLst>
+                <p:ext uri="{D42A27DB-BD31-4B8C-83A1-F6EECF244321}">
+                  <p14:modId xmlns:p14="http://schemas.microsoft.com/office/powerpoint/2010/main" val="524577689"/>
+                </p:ext>
+              </p:extLst>
+            </p:nvPr>
+          </p:nvGraphicFramePr>
+          <p:xfrm>
+            <a:off x="1733061" y="3049628"/>
+            <a:ext cx="9565054" cy="2665372"/>
+          </p:xfrm>
+          <a:graphic>
+            <a:graphicData uri="http://schemas.openxmlformats.org/drawingml/2006/diagram">
+              <dgm:relIds xmlns:dgm="http://schemas.openxmlformats.org/drawingml/2006/diagram" xmlns:r="http://schemas.openxmlformats.org/officeDocument/2006/relationships" r:dm="rId7" r:lo="rId8" r:qs="rId9" r:cs="rId10"/>
+            </a:graphicData>
+          </a:graphic>
+        </p:graphicFrame>
+        <p:sp>
+          <p:nvSpPr>
+            <p:cNvPr id="8" name="TextBox 7"/>
+            <p:cNvSpPr txBox="1"/>
+            <p:nvPr/>
+          </p:nvSpPr>
+          <p:spPr>
+            <a:xfrm>
+              <a:off x="3209192" y="4466493"/>
+              <a:ext cx="1354016" cy="307777"/>
+            </a:xfrm>
+            <a:prstGeom prst="rect">
+              <a:avLst/>
+            </a:prstGeom>
+            <a:noFill/>
+          </p:spPr>
+          <p:txBody>
+            <a:bodyPr wrap="square" rtlCol="0">
+              <a:spAutoFit/>
+            </a:bodyPr>
+            <a:lstStyle/>
+            <a:p>
+              <a:r>
+                <a:rPr lang="ru-RU" sz="1400" dirty="0" smtClean="0"/>
+                <a:t>интерпретация</a:t>
+              </a:r>
+              <a:endParaRPr lang="en-US" sz="1400" dirty="0"/>
+            </a:p>
+          </p:txBody>
+        </p:sp>
+        <p:sp>
+          <p:nvSpPr>
+            <p:cNvPr id="9" name="TextBox 8"/>
+            <p:cNvSpPr txBox="1"/>
+            <p:nvPr/>
+          </p:nvSpPr>
+          <p:spPr>
+            <a:xfrm>
+              <a:off x="6392008" y="5161085"/>
+              <a:ext cx="1406769" cy="307777"/>
+            </a:xfrm>
+            <a:prstGeom prst="rect">
+              <a:avLst/>
+            </a:prstGeom>
+            <a:noFill/>
+          </p:spPr>
+          <p:txBody>
+            <a:bodyPr wrap="square" rtlCol="0">
+              <a:spAutoFit/>
+            </a:bodyPr>
+            <a:lstStyle/>
+            <a:p>
+              <a:r>
+                <a:rPr lang="ru-RU" sz="1400" dirty="0" smtClean="0"/>
+                <a:t>трансляция</a:t>
+              </a:r>
+              <a:endParaRPr lang="en-US" sz="1400" dirty="0"/>
+            </a:p>
+          </p:txBody>
+        </p:sp>
+        <p:pic>
+          <p:nvPicPr>
+            <p:cNvPr id="10" name="Рисунок 9"/>
+            <p:cNvPicPr>
+              <a:picLocks noChangeAspect="1"/>
+            </p:cNvPicPr>
+            <p:nvPr/>
+          </p:nvPicPr>
+          <p:blipFill>
+            <a:blip r:embed="rId12" cstate="print">
+              <a:extLst>
+                <a:ext uri="{28A0092B-C50C-407E-A947-70E740481C1C}">
+                  <a14:useLocalDpi xmlns:a14="http://schemas.microsoft.com/office/drawing/2010/main" val="0"/>
+                </a:ext>
+              </a:extLst>
+            </a:blip>
+            <a:stretch>
+              <a:fillRect/>
+            </a:stretch>
+          </p:blipFill>
+          <p:spPr>
+            <a:xfrm>
+              <a:off x="9152792" y="2157461"/>
+              <a:ext cx="1805925" cy="1784333"/>
+            </a:xfrm>
+            <a:prstGeom prst="rect">
+              <a:avLst/>
+            </a:prstGeom>
+          </p:spPr>
+        </p:pic>
+        <p:cxnSp>
+          <p:nvCxnSpPr>
+            <p:cNvPr id="12" name="Соединительная линия уступом 11"/>
+            <p:cNvCxnSpPr/>
+            <p:nvPr/>
+          </p:nvCxnSpPr>
+          <p:spPr>
+            <a:xfrm>
+              <a:off x="7642267" y="2097263"/>
+              <a:ext cx="1510525" cy="952364"/>
+            </a:xfrm>
+            <a:prstGeom prst="bentConnector3">
+              <a:avLst>
+                <a:gd name="adj1" fmla="val 3435"/>
+              </a:avLst>
+            </a:prstGeom>
+            <a:ln w="28575">
+              <a:solidFill>
+                <a:schemeClr val="tx1"/>
+              </a:solidFill>
+              <a:tailEnd type="triangle"/>
+            </a:ln>
+          </p:spPr>
+          <p:style>
+            <a:lnRef idx="1">
+              <a:schemeClr val="accent1"/>
+            </a:lnRef>
+            <a:fillRef idx="0">
+              <a:schemeClr val="accent1"/>
+            </a:fillRef>
+            <a:effectRef idx="0">
+              <a:schemeClr val="accent1"/>
+            </a:effectRef>
+            <a:fontRef idx="minor">
+              <a:schemeClr val="tx1"/>
+            </a:fontRef>
+          </p:style>
+        </p:cxnSp>
+        <p:cxnSp>
+          <p:nvCxnSpPr>
+            <p:cNvPr id="15" name="Соединительная линия уступом 14"/>
+            <p:cNvCxnSpPr>
+              <a:endCxn id="10" idx="1"/>
+            </p:cNvCxnSpPr>
+            <p:nvPr/>
+          </p:nvCxnSpPr>
+          <p:spPr>
+            <a:xfrm rot="16200000" flipV="1">
+              <a:off x="8344976" y="3857444"/>
+              <a:ext cx="1724642" cy="109010"/>
+            </a:xfrm>
+            <a:prstGeom prst="bentConnector4">
+              <a:avLst>
+                <a:gd name="adj1" fmla="val 24135"/>
+                <a:gd name="adj2" fmla="val 1438890"/>
+              </a:avLst>
+            </a:prstGeom>
+            <a:ln w="28575">
+              <a:solidFill>
+                <a:schemeClr val="tx1"/>
+              </a:solidFill>
+              <a:tailEnd type="triangle"/>
+            </a:ln>
+          </p:spPr>
+          <p:style>
+            <a:lnRef idx="1">
+              <a:schemeClr val="accent1"/>
+            </a:lnRef>
+            <a:fillRef idx="0">
+              <a:schemeClr val="accent1"/>
+            </a:fillRef>
+            <a:effectRef idx="0">
+              <a:schemeClr val="accent1"/>
+            </a:effectRef>
+            <a:fontRef idx="minor">
+              <a:schemeClr val="tx1"/>
+            </a:fontRef>
+          </p:style>
+        </p:cxnSp>
+        <p:sp>
+          <p:nvSpPr>
+            <p:cNvPr id="18" name="TextBox 17"/>
+            <p:cNvSpPr txBox="1"/>
+            <p:nvPr/>
+          </p:nvSpPr>
+          <p:spPr>
+            <a:xfrm>
+              <a:off x="7642267" y="2680296"/>
+              <a:ext cx="1565030" cy="369332"/>
+            </a:xfrm>
+            <a:prstGeom prst="rect">
+              <a:avLst/>
+            </a:prstGeom>
+            <a:noFill/>
+          </p:spPr>
+          <p:txBody>
+            <a:bodyPr wrap="square" rtlCol="0">
+              <a:spAutoFit/>
+            </a:bodyPr>
+            <a:lstStyle/>
+            <a:p>
+              <a:r>
+                <a:rPr lang="ru-RU" b="1" dirty="0" smtClean="0">
+                  <a:latin typeface="Courier New" panose="02070309020205020404" pitchFamily="49" charset="0"/>
+                  <a:cs typeface="Courier New" panose="02070309020205020404" pitchFamily="49" charset="0"/>
+                </a:rPr>
+                <a:t>исполнение</a:t>
+              </a:r>
+              <a:endParaRPr lang="en-US" b="1" dirty="0">
+                <a:latin typeface="Courier New" panose="02070309020205020404" pitchFamily="49" charset="0"/>
+                <a:cs typeface="Courier New" panose="02070309020205020404" pitchFamily="49" charset="0"/>
+              </a:endParaRPr>
+            </a:p>
+          </p:txBody>
+        </p:sp>
+      </p:grpSp>
+      <p:sp>
+        <p:nvSpPr>
+          <p:cNvPr id="25" name="TextBox 24"/>
+          <p:cNvSpPr txBox="1"/>
+          <p:nvPr/>
+        </p:nvSpPr>
+        <p:spPr>
+          <a:xfrm>
+            <a:off x="1395167" y="335050"/>
+            <a:ext cx="9378550" cy="646331"/>
+          </a:xfrm>
+          <a:prstGeom prst="rect">
+            <a:avLst/>
+          </a:prstGeom>
+          <a:noFill/>
+        </p:spPr>
+        <p:txBody>
+          <a:bodyPr wrap="square" rtlCol="0">
+            <a:spAutoFit/>
+          </a:bodyPr>
+          <a:lstStyle/>
+          <a:p>
+            <a:r>
+              <a:rPr lang="ru-RU" sz="3600" b="1" dirty="0" smtClean="0">
+                <a:latin typeface="Courier New" panose="02070309020205020404" pitchFamily="49" charset="0"/>
+                <a:cs typeface="Courier New" panose="02070309020205020404" pitchFamily="49" charset="0"/>
+              </a:rPr>
+              <a:t>Компиляция </a:t>
+            </a:r>
+            <a:r>
+              <a:rPr lang="en-US" sz="3600" b="1" dirty="0" smtClean="0">
+                <a:latin typeface="Courier New" panose="02070309020205020404" pitchFamily="49" charset="0"/>
+                <a:cs typeface="Courier New" panose="02070309020205020404" pitchFamily="49" charset="0"/>
+              </a:rPr>
+              <a:t>VS </a:t>
+            </a:r>
+            <a:r>
+              <a:rPr lang="ru-RU" sz="3600" b="1" dirty="0" smtClean="0">
+                <a:latin typeface="Courier New" panose="02070309020205020404" pitchFamily="49" charset="0"/>
+                <a:cs typeface="Courier New" panose="02070309020205020404" pitchFamily="49" charset="0"/>
+              </a:rPr>
+              <a:t>Интерпретация</a:t>
+            </a:r>
+            <a:endParaRPr lang="ru-RU" sz="3600" b="1" dirty="0">
+              <a:latin typeface="Courier New" panose="02070309020205020404" pitchFamily="49" charset="0"/>
+              <a:cs typeface="Courier New" panose="02070309020205020404" pitchFamily="49" charset="0"/>
+            </a:endParaRPr>
+          </a:p>
+        </p:txBody>
+      </p:sp>
+    </p:spTree>
+    <p:extLst>
+      <p:ext uri="{BB962C8B-B14F-4D97-AF65-F5344CB8AC3E}">
+        <p14:creationId xmlns:p14="http://schemas.microsoft.com/office/powerpoint/2010/main" val="3418791132"/>
+      </p:ext>
+    </p:extLst>
+  </p:cSld>
+  <p:clrMapOvr>
+    <a:masterClrMapping/>
+  </p:clrMapOvr>
+  <p:timing>
+    <p:tnLst>
+      <p:par>
+        <p:cTn id="1" dur="indefinite" restart="never" nodeType="tmRoot"/>
+      </p:par>
+    </p:tnLst>
+  </p:timing>
+</p:sld>
+</file>
+
+<file path=ppt/slides/slide7.xml><?xml version="1.0" encoding="utf-8"?>
+<p:sld xmlns:a="http://schemas.openxmlformats.org/drawingml/2006/main" xmlns:r="http://schemas.openxmlformats.org/officeDocument/2006/relationships" xmlns:p="http://schemas.openxmlformats.org/presentationml/2006/main">
+  <p:cSld>
+    <p:bg>
+      <p:bgPr>
+        <a:pattFill prst="pct10">
+          <a:fgClr>
+            <a:schemeClr val="accent1">
+              <a:lumMod val="60000"/>
+              <a:lumOff val="40000"/>
+            </a:schemeClr>
+          </a:fgClr>
+          <a:bgClr>
+            <a:schemeClr val="bg1"/>
+          </a:bgClr>
+        </a:pattFill>
+        <a:effectLst/>
+      </p:bgPr>
+    </p:bg>
+    <p:spTree>
+      <p:nvGrpSpPr>
+        <p:cNvPr id="1" name=""/>
+        <p:cNvGrpSpPr/>
+        <p:nvPr/>
+      </p:nvGrpSpPr>
+      <p:grpSpPr>
+        <a:xfrm>
+          <a:off x="0" y="0"/>
+          <a:ext cx="0" cy="0"/>
+          <a:chOff x="0" y="0"/>
+          <a:chExt cx="0" cy="0"/>
+        </a:xfrm>
+      </p:grpSpPr>
+      <p:grpSp>
+        <p:nvGrpSpPr>
+          <p:cNvPr id="15" name="Группа 14"/>
+          <p:cNvGrpSpPr/>
+          <p:nvPr/>
+        </p:nvGrpSpPr>
+        <p:grpSpPr>
+          <a:xfrm>
+            <a:off x="1265278" y="1471663"/>
+            <a:ext cx="9333496" cy="4351382"/>
+            <a:chOff x="2196661" y="1849822"/>
+            <a:chExt cx="8387255" cy="3962400"/>
+          </a:xfrm>
+        </p:grpSpPr>
+        <p:sp>
+          <p:nvSpPr>
+            <p:cNvPr id="3" name="Прямоугольник 2"/>
+            <p:cNvSpPr/>
+            <p:nvPr/>
+          </p:nvSpPr>
+          <p:spPr>
+            <a:xfrm>
+              <a:off x="2196661" y="1849822"/>
+              <a:ext cx="8387255" cy="3962400"/>
+            </a:xfrm>
+            <a:prstGeom prst="rect">
+              <a:avLst/>
+            </a:prstGeom>
+            <a:solidFill>
+              <a:schemeClr val="bg2"/>
+            </a:solidFill>
+          </p:spPr>
+          <p:style>
+            <a:lnRef idx="1">
+              <a:schemeClr val="accent5"/>
+            </a:lnRef>
+            <a:fillRef idx="2">
+              <a:schemeClr val="accent5"/>
+            </a:fillRef>
+            <a:effectRef idx="1">
+              <a:schemeClr val="accent5"/>
+            </a:effectRef>
+            <a:fontRef idx="minor">
+              <a:schemeClr val="dk1"/>
+            </a:fontRef>
+          </p:style>
+          <p:txBody>
+            <a:bodyPr rtlCol="0" anchor="ctr"/>
+            <a:lstStyle/>
+            <a:p>
+              <a:pPr algn="ctr"/>
+              <a:endParaRPr lang="en-US" dirty="0"/>
+            </a:p>
+          </p:txBody>
+        </p:sp>
+        <p:sp>
+          <p:nvSpPr>
+            <p:cNvPr id="4" name="Скругленный прямоугольник 3"/>
+            <p:cNvSpPr/>
+            <p:nvPr/>
+          </p:nvSpPr>
+          <p:spPr>
+            <a:xfrm>
+              <a:off x="2412122" y="2102069"/>
+              <a:ext cx="5696608" cy="2112579"/>
+            </a:xfrm>
+            <a:prstGeom prst="roundRect">
+              <a:avLst/>
+            </a:prstGeom>
+          </p:spPr>
+          <p:style>
+            <a:lnRef idx="2">
+              <a:schemeClr val="accent6"/>
+            </a:lnRef>
+            <a:fillRef idx="1">
+              <a:schemeClr val="lt1"/>
+            </a:fillRef>
+            <a:effectRef idx="0">
+              <a:schemeClr val="accent6"/>
+            </a:effectRef>
+            <a:fontRef idx="minor">
+              <a:schemeClr val="dk1"/>
+            </a:fontRef>
+          </p:style>
+          <p:txBody>
+            <a:bodyPr rtlCol="0" anchor="t"/>
+            <a:lstStyle/>
+            <a:p>
+              <a:pPr algn="ctr"/>
+              <a:r>
+                <a:rPr lang="ru-RU" dirty="0" smtClean="0"/>
+                <a:t>Процессор 1</a:t>
+              </a:r>
+            </a:p>
+          </p:txBody>
+        </p:sp>
+        <p:sp>
+          <p:nvSpPr>
+            <p:cNvPr id="8" name="Скругленный прямоугольник 7"/>
+            <p:cNvSpPr/>
+            <p:nvPr/>
+          </p:nvSpPr>
+          <p:spPr>
+            <a:xfrm>
+              <a:off x="8282152" y="2112578"/>
+              <a:ext cx="1975943" cy="2091557"/>
+            </a:xfrm>
+            <a:prstGeom prst="roundRect">
+              <a:avLst/>
+            </a:prstGeom>
+          </p:spPr>
+          <p:style>
+            <a:lnRef idx="2">
+              <a:schemeClr val="accent6"/>
+            </a:lnRef>
+            <a:fillRef idx="1">
+              <a:schemeClr val="lt1"/>
+            </a:fillRef>
+            <a:effectRef idx="0">
+              <a:schemeClr val="accent6"/>
+            </a:effectRef>
+            <a:fontRef idx="minor">
+              <a:schemeClr val="dk1"/>
+            </a:fontRef>
+          </p:style>
+          <p:txBody>
+            <a:bodyPr rtlCol="0" anchor="t"/>
+            <a:lstStyle/>
+            <a:p>
+              <a:pPr algn="ctr"/>
+              <a:r>
+                <a:rPr lang="ru-RU" dirty="0"/>
+                <a:t>Процессор </a:t>
+              </a:r>
+              <a:r>
+                <a:rPr lang="ru-RU" dirty="0" smtClean="0"/>
+                <a:t>2</a:t>
+              </a:r>
+              <a:endParaRPr lang="en-US" dirty="0"/>
+            </a:p>
+          </p:txBody>
+        </p:sp>
+        <p:sp>
+          <p:nvSpPr>
+            <p:cNvPr id="9" name="Скругленный прямоугольник 8"/>
+            <p:cNvSpPr/>
+            <p:nvPr/>
+          </p:nvSpPr>
+          <p:spPr>
+            <a:xfrm>
+              <a:off x="2427889" y="4466895"/>
+              <a:ext cx="3867806" cy="1082568"/>
+            </a:xfrm>
+            <a:prstGeom prst="roundRect">
+              <a:avLst/>
+            </a:prstGeom>
+          </p:spPr>
+          <p:style>
+            <a:lnRef idx="2">
+              <a:schemeClr val="accent6"/>
+            </a:lnRef>
+            <a:fillRef idx="1">
+              <a:schemeClr val="lt1"/>
+            </a:fillRef>
+            <a:effectRef idx="0">
+              <a:schemeClr val="accent6"/>
+            </a:effectRef>
+            <a:fontRef idx="minor">
+              <a:schemeClr val="dk1"/>
+            </a:fontRef>
+          </p:style>
+          <p:txBody>
+            <a:bodyPr rtlCol="0" anchor="t"/>
+            <a:lstStyle/>
+            <a:p>
+              <a:pPr algn="ctr"/>
+              <a:r>
+                <a:rPr lang="ru-RU" dirty="0"/>
+                <a:t>Процессор </a:t>
+              </a:r>
+              <a:r>
+                <a:rPr lang="ru-RU" dirty="0" smtClean="0"/>
+                <a:t>3</a:t>
+              </a:r>
+              <a:endParaRPr lang="en-US" dirty="0"/>
+            </a:p>
+          </p:txBody>
+        </p:sp>
+        <p:sp>
+          <p:nvSpPr>
+            <p:cNvPr id="10" name="Скругленный прямоугольник 9"/>
+            <p:cNvSpPr/>
+            <p:nvPr/>
+          </p:nvSpPr>
+          <p:spPr>
+            <a:xfrm>
+              <a:off x="6526924" y="4466895"/>
+              <a:ext cx="3731172" cy="1082568"/>
+            </a:xfrm>
+            <a:prstGeom prst="roundRect">
+              <a:avLst/>
+            </a:prstGeom>
+          </p:spPr>
+          <p:style>
+            <a:lnRef idx="2">
+              <a:schemeClr val="accent6"/>
+            </a:lnRef>
+            <a:fillRef idx="1">
+              <a:schemeClr val="lt1"/>
+            </a:fillRef>
+            <a:effectRef idx="0">
+              <a:schemeClr val="accent6"/>
+            </a:effectRef>
+            <a:fontRef idx="minor">
+              <a:schemeClr val="dk1"/>
+            </a:fontRef>
+          </p:style>
+          <p:txBody>
+            <a:bodyPr rtlCol="0" anchor="t"/>
+            <a:lstStyle/>
+            <a:p>
+              <a:pPr algn="ctr"/>
+              <a:r>
+                <a:rPr lang="ru-RU" dirty="0"/>
+                <a:t>Процессор 4</a:t>
+              </a:r>
+              <a:endParaRPr lang="en-US" dirty="0"/>
+            </a:p>
+          </p:txBody>
+        </p:sp>
+        <p:sp>
+          <p:nvSpPr>
+            <p:cNvPr id="11" name="Блок-схема: альтернативный процесс 10"/>
+            <p:cNvSpPr/>
+            <p:nvPr/>
+          </p:nvSpPr>
+          <p:spPr>
+            <a:xfrm>
+              <a:off x="2822026" y="2690647"/>
+              <a:ext cx="3799490" cy="1282263"/>
+            </a:xfrm>
+            <a:prstGeom prst="flowChartAlternateProcess">
+              <a:avLst/>
+            </a:prstGeom>
+          </p:spPr>
+          <p:style>
+            <a:lnRef idx="1">
+              <a:schemeClr val="accent4"/>
+            </a:lnRef>
+            <a:fillRef idx="2">
+              <a:schemeClr val="accent4"/>
+            </a:fillRef>
+            <a:effectRef idx="1">
+              <a:schemeClr val="accent4"/>
+            </a:effectRef>
+            <a:fontRef idx="minor">
+              <a:schemeClr val="dk1"/>
+            </a:fontRef>
+          </p:style>
+          <p:txBody>
+            <a:bodyPr rtlCol="0" anchor="ctr"/>
+            <a:lstStyle/>
+            <a:p>
+              <a:pPr marL="342900" indent="-342900">
+                <a:buFont typeface="+mj-lt"/>
+                <a:buAutoNum type="arabicPeriod"/>
+              </a:pPr>
+              <a:r>
+                <a:rPr lang="ru-RU" dirty="0"/>
+                <a:t>Загрузка шаблона</a:t>
+              </a:r>
+            </a:p>
+            <a:p>
+              <a:pPr marL="342900" indent="-342900">
+                <a:buFont typeface="+mj-lt"/>
+                <a:buAutoNum type="arabicPeriod"/>
+              </a:pPr>
+              <a:r>
+                <a:rPr lang="ru-RU" dirty="0" smtClean="0"/>
+                <a:t>Лексический анализ</a:t>
+              </a:r>
+            </a:p>
+            <a:p>
+              <a:pPr marL="342900" indent="-342900">
+                <a:buFont typeface="+mj-lt"/>
+                <a:buAutoNum type="arabicPeriod"/>
+              </a:pPr>
+              <a:r>
+                <a:rPr lang="ru-RU" dirty="0" smtClean="0"/>
+                <a:t>Синтаксический </a:t>
+              </a:r>
+              <a:r>
+                <a:rPr lang="ru-RU" dirty="0"/>
+                <a:t>анализ</a:t>
+              </a:r>
+            </a:p>
+            <a:p>
+              <a:pPr marL="342900" indent="-342900">
+                <a:buFont typeface="+mj-lt"/>
+                <a:buAutoNum type="arabicPeriod"/>
+              </a:pPr>
+              <a:r>
+                <a:rPr lang="ru-RU" dirty="0"/>
+                <a:t>Генерация веб-документа</a:t>
+              </a:r>
+              <a:endParaRPr lang="en-US" dirty="0"/>
+            </a:p>
+          </p:txBody>
+        </p:sp>
+        <p:sp>
+          <p:nvSpPr>
+            <p:cNvPr id="12" name="Блок-схема: альтернативный процесс 11"/>
+            <p:cNvSpPr/>
+            <p:nvPr/>
+          </p:nvSpPr>
+          <p:spPr>
+            <a:xfrm>
+              <a:off x="3145219" y="4987158"/>
+              <a:ext cx="2667001" cy="378373"/>
+            </a:xfrm>
+            <a:prstGeom prst="flowChartAlternateProcess">
+              <a:avLst/>
+            </a:prstGeom>
+          </p:spPr>
+          <p:style>
+            <a:lnRef idx="1">
+              <a:schemeClr val="accent4"/>
+            </a:lnRef>
+            <a:fillRef idx="2">
+              <a:schemeClr val="accent4"/>
+            </a:fillRef>
+            <a:effectRef idx="1">
+              <a:schemeClr val="accent4"/>
+            </a:effectRef>
+            <a:fontRef idx="minor">
+              <a:schemeClr val="dk1"/>
+            </a:fontRef>
+          </p:style>
+          <p:txBody>
+            <a:bodyPr rtlCol="0" anchor="ctr"/>
+            <a:lstStyle/>
+            <a:p>
+              <a:r>
+                <a:rPr lang="ru-RU" dirty="0" smtClean="0"/>
+                <a:t>Ожидаю задач …</a:t>
+              </a:r>
+              <a:endParaRPr lang="en-US" dirty="0"/>
+            </a:p>
+          </p:txBody>
+        </p:sp>
+        <p:sp>
+          <p:nvSpPr>
+            <p:cNvPr id="13" name="Блок-схема: альтернативный процесс 12"/>
+            <p:cNvSpPr/>
+            <p:nvPr/>
+          </p:nvSpPr>
+          <p:spPr>
+            <a:xfrm>
+              <a:off x="7165426" y="4987157"/>
+              <a:ext cx="2667001" cy="378373"/>
+            </a:xfrm>
+            <a:prstGeom prst="flowChartAlternateProcess">
+              <a:avLst/>
+            </a:prstGeom>
+          </p:spPr>
+          <p:style>
+            <a:lnRef idx="1">
+              <a:schemeClr val="accent4"/>
+            </a:lnRef>
+            <a:fillRef idx="2">
+              <a:schemeClr val="accent4"/>
+            </a:fillRef>
+            <a:effectRef idx="1">
+              <a:schemeClr val="accent4"/>
+            </a:effectRef>
+            <a:fontRef idx="minor">
+              <a:schemeClr val="dk1"/>
+            </a:fontRef>
+          </p:style>
+          <p:txBody>
+            <a:bodyPr rtlCol="0" anchor="ctr"/>
+            <a:lstStyle/>
+            <a:p>
+              <a:r>
+                <a:rPr lang="ru-RU" dirty="0" smtClean="0"/>
+                <a:t>Ожидаю задач …</a:t>
+              </a:r>
+              <a:endParaRPr lang="en-US" dirty="0"/>
+            </a:p>
+          </p:txBody>
+        </p:sp>
+        <p:sp>
+          <p:nvSpPr>
+            <p:cNvPr id="14" name="Блок-схема: альтернативный процесс 13"/>
+            <p:cNvSpPr/>
+            <p:nvPr/>
+          </p:nvSpPr>
+          <p:spPr>
+            <a:xfrm>
+              <a:off x="9038895" y="2953405"/>
+              <a:ext cx="462455" cy="378373"/>
+            </a:xfrm>
+            <a:prstGeom prst="flowChartAlternateProcess">
+              <a:avLst/>
+            </a:prstGeom>
+          </p:spPr>
+          <p:style>
+            <a:lnRef idx="1">
+              <a:schemeClr val="accent4"/>
+            </a:lnRef>
+            <a:fillRef idx="2">
+              <a:schemeClr val="accent4"/>
+            </a:fillRef>
+            <a:effectRef idx="1">
+              <a:schemeClr val="accent4"/>
+            </a:effectRef>
+            <a:fontRef idx="minor">
+              <a:schemeClr val="dk1"/>
+            </a:fontRef>
+          </p:style>
+          <p:txBody>
+            <a:bodyPr rtlCol="0" anchor="ctr"/>
+            <a:lstStyle/>
+            <a:p>
+              <a:r>
+                <a:rPr lang="ru-RU" dirty="0" smtClean="0"/>
+                <a:t>…</a:t>
+              </a:r>
+              <a:endParaRPr lang="en-US" dirty="0"/>
+            </a:p>
+          </p:txBody>
+        </p:sp>
+      </p:grpSp>
+      <p:sp>
+        <p:nvSpPr>
+          <p:cNvPr id="16" name="TextBox 15"/>
+          <p:cNvSpPr txBox="1"/>
+          <p:nvPr/>
+        </p:nvSpPr>
+        <p:spPr>
+          <a:xfrm>
+            <a:off x="1265278" y="400050"/>
+            <a:ext cx="9552400" cy="646331"/>
+          </a:xfrm>
+          <a:prstGeom prst="rect">
+            <a:avLst/>
+          </a:prstGeom>
+          <a:noFill/>
+        </p:spPr>
+        <p:txBody>
+          <a:bodyPr wrap="square" rtlCol="0">
+            <a:spAutoFit/>
+          </a:bodyPr>
+          <a:lstStyle/>
+          <a:p>
+            <a:r>
+              <a:rPr lang="ru-RU" sz="3600" b="1" dirty="0" smtClean="0">
+                <a:latin typeface="Courier New" panose="02070309020205020404" pitchFamily="49" charset="0"/>
+                <a:cs typeface="Courier New" panose="02070309020205020404" pitchFamily="49" charset="0"/>
+              </a:rPr>
+              <a:t>Простой вычислительных ресурсов</a:t>
+            </a:r>
+          </a:p>
+        </p:txBody>
+      </p:sp>
+    </p:spTree>
+    <p:extLst>
+      <p:ext uri="{BB962C8B-B14F-4D97-AF65-F5344CB8AC3E}">
+        <p14:creationId xmlns:p14="http://schemas.microsoft.com/office/powerpoint/2010/main" val="44857748"/>
+      </p:ext>
+    </p:extLst>
+  </p:cSld>
+  <p:clrMapOvr>
+    <a:masterClrMapping/>
+  </p:clrMapOvr>
+  <p:timing>
+    <p:tnLst>
+      <p:par>
+        <p:cTn id="1" dur="indefinite" restart="never" nodeType="tmRoot"/>
+      </p:par>
+    </p:tnLst>
+  </p:timing>
+</p:sld>
+</file>
+
+<file path=ppt/slides/slide8.xml><?xml version="1.0" encoding="utf-8"?>
+<p:sld xmlns:a="http://schemas.openxmlformats.org/drawingml/2006/main" xmlns:r="http://schemas.openxmlformats.org/officeDocument/2006/relationships" xmlns:p="http://schemas.openxmlformats.org/presentationml/2006/main">
+  <p:cSld>
+    <p:bg>
+      <p:bgPr>
+        <a:pattFill prst="pct10">
+          <a:fgClr>
+            <a:schemeClr val="accent1">
+              <a:lumMod val="60000"/>
+              <a:lumOff val="40000"/>
+            </a:schemeClr>
+          </a:fgClr>
+          <a:bgClr>
+            <a:schemeClr val="bg1"/>
+          </a:bgClr>
+        </a:pattFill>
+        <a:effectLst/>
+      </p:bgPr>
+    </p:bg>
+    <p:spTree>
+      <p:nvGrpSpPr>
+        <p:cNvPr id="1" name=""/>
+        <p:cNvGrpSpPr/>
+        <p:nvPr/>
+      </p:nvGrpSpPr>
+      <p:grpSpPr>
+        <a:xfrm>
+          <a:off x="0" y="0"/>
+          <a:ext cx="0" cy="0"/>
+          <a:chOff x="0" y="0"/>
+          <a:chExt cx="0" cy="0"/>
+        </a:xfrm>
+      </p:grpSpPr>
+      <p:sp>
+        <p:nvSpPr>
+          <p:cNvPr id="3" name="TextBox 2"/>
+          <p:cNvSpPr txBox="1"/>
+          <p:nvPr/>
+        </p:nvSpPr>
+        <p:spPr>
+          <a:xfrm>
+            <a:off x="824593" y="391886"/>
+            <a:ext cx="11201400" cy="523220"/>
+          </a:xfrm>
+          <a:prstGeom prst="rect">
+            <a:avLst/>
+          </a:prstGeom>
+          <a:noFill/>
+        </p:spPr>
+        <p:txBody>
+          <a:bodyPr wrap="square" rtlCol="0">
+            <a:spAutoFit/>
+          </a:bodyPr>
+          <a:lstStyle/>
+          <a:p>
+            <a:r>
+              <a:rPr lang="ru-RU" sz="2800" b="1" dirty="0">
+                <a:latin typeface="Courier New" panose="02070309020205020404" pitchFamily="49" charset="0"/>
+                <a:cs typeface="Courier New" panose="02070309020205020404" pitchFamily="49" charset="0"/>
+              </a:rPr>
+              <a:t>Выбранные решения проблемы производительности</a:t>
+            </a:r>
+          </a:p>
+        </p:txBody>
+      </p:sp>
+      <p:sp>
+        <p:nvSpPr>
+          <p:cNvPr id="4" name="TextBox 3"/>
+          <p:cNvSpPr txBox="1"/>
+          <p:nvPr/>
+        </p:nvSpPr>
+        <p:spPr>
+          <a:xfrm>
+            <a:off x="1068174" y="1208989"/>
+            <a:ext cx="9805308" cy="3416320"/>
+          </a:xfrm>
+          <a:prstGeom prst="rect">
+            <a:avLst/>
+          </a:prstGeom>
+          <a:noFill/>
+        </p:spPr>
+        <p:txBody>
+          <a:bodyPr wrap="square" rtlCol="0">
+            <a:spAutoFit/>
+          </a:bodyPr>
+          <a:lstStyle/>
+          <a:p>
+            <a:pPr marL="457200" indent="-457200">
+              <a:lnSpc>
+                <a:spcPct val="150000"/>
+              </a:lnSpc>
+              <a:buFont typeface="+mj-lt"/>
+              <a:buAutoNum type="arabicPeriod"/>
+            </a:pPr>
+            <a:r>
+              <a:rPr lang="ru-RU" sz="2400" dirty="0" smtClean="0">
+                <a:latin typeface="Courier New" panose="02070309020205020404" pitchFamily="49" charset="0"/>
+                <a:cs typeface="Courier New" panose="02070309020205020404" pitchFamily="49" charset="0"/>
+              </a:rPr>
+              <a:t>Использование в разработке </a:t>
+            </a:r>
+            <a:r>
+              <a:rPr lang="ru-RU" sz="2400" b="1" dirty="0" smtClean="0">
+                <a:latin typeface="Courier New" panose="02070309020205020404" pitchFamily="49" charset="0"/>
+                <a:cs typeface="Courier New" panose="02070309020205020404" pitchFamily="49" charset="0"/>
+              </a:rPr>
+              <a:t>компилируемого языка</a:t>
+            </a:r>
+          </a:p>
+          <a:p>
+            <a:pPr marL="457200" indent="-457200">
+              <a:lnSpc>
+                <a:spcPct val="150000"/>
+              </a:lnSpc>
+              <a:buFont typeface="+mj-lt"/>
+              <a:buAutoNum type="arabicPeriod"/>
+            </a:pPr>
+            <a:r>
+              <a:rPr lang="ru-RU" sz="2400" dirty="0" smtClean="0">
+                <a:latin typeface="Courier New" panose="02070309020205020404" pitchFamily="49" charset="0"/>
+                <a:cs typeface="Courier New" panose="02070309020205020404" pitchFamily="49" charset="0"/>
+              </a:rPr>
+              <a:t>Использование парадигмы </a:t>
+            </a:r>
+            <a:r>
+              <a:rPr lang="en-US" sz="2400" b="1" dirty="0" smtClean="0">
+                <a:latin typeface="Courier New" panose="02070309020205020404" pitchFamily="49" charset="0"/>
+                <a:cs typeface="Courier New" panose="02070309020205020404" pitchFamily="49" charset="0"/>
+              </a:rPr>
+              <a:t>RAII</a:t>
+            </a:r>
+            <a:r>
+              <a:rPr lang="ru-RU" sz="2400" dirty="0">
+                <a:latin typeface="Courier New" panose="02070309020205020404" pitchFamily="49" charset="0"/>
+                <a:cs typeface="Courier New" panose="02070309020205020404" pitchFamily="49" charset="0"/>
+              </a:rPr>
+              <a:t> </a:t>
+            </a:r>
+            <a:r>
+              <a:rPr lang="ru-RU" sz="2400" dirty="0" smtClean="0">
+                <a:latin typeface="Courier New" panose="02070309020205020404" pitchFamily="49" charset="0"/>
+                <a:cs typeface="Courier New" panose="02070309020205020404" pitchFamily="49" charset="0"/>
+              </a:rPr>
+              <a:t>вместо сборки мусора</a:t>
+            </a:r>
+          </a:p>
+          <a:p>
+            <a:pPr marL="457200" indent="-457200">
+              <a:lnSpc>
+                <a:spcPct val="150000"/>
+              </a:lnSpc>
+              <a:buFont typeface="+mj-lt"/>
+              <a:buAutoNum type="arabicPeriod"/>
+            </a:pPr>
+            <a:r>
+              <a:rPr lang="ru-RU" sz="2400" dirty="0" smtClean="0">
+                <a:latin typeface="Courier New" panose="02070309020205020404" pitchFamily="49" charset="0"/>
+                <a:cs typeface="Courier New" panose="02070309020205020404" pitchFamily="49" charset="0"/>
+              </a:rPr>
+              <a:t>Использование кеширования алгоритмом </a:t>
+            </a:r>
+            <a:r>
+              <a:rPr lang="en-US" sz="2400" b="1" dirty="0" smtClean="0">
+                <a:latin typeface="Courier New" panose="02070309020205020404" pitchFamily="49" charset="0"/>
+                <a:cs typeface="Courier New" panose="02070309020205020404" pitchFamily="49" charset="0"/>
+              </a:rPr>
+              <a:t>LRU</a:t>
+            </a:r>
+          </a:p>
+          <a:p>
+            <a:pPr marL="457200" indent="-457200">
+              <a:lnSpc>
+                <a:spcPct val="150000"/>
+              </a:lnSpc>
+              <a:buFont typeface="+mj-lt"/>
+              <a:buAutoNum type="arabicPeriod"/>
+            </a:pPr>
+            <a:r>
+              <a:rPr lang="ru-RU" sz="2400" dirty="0" smtClean="0">
+                <a:latin typeface="Courier New" panose="02070309020205020404" pitchFamily="49" charset="0"/>
+                <a:cs typeface="Courier New" panose="02070309020205020404" pitchFamily="49" charset="0"/>
+              </a:rPr>
+              <a:t>Разработка </a:t>
+            </a:r>
+            <a:r>
+              <a:rPr lang="ru-RU" sz="2400" b="1" dirty="0" smtClean="0">
+                <a:latin typeface="Courier New" panose="02070309020205020404" pitchFamily="49" charset="0"/>
+                <a:cs typeface="Courier New" panose="02070309020205020404" pitchFamily="49" charset="0"/>
+              </a:rPr>
+              <a:t>веб-сервиса</a:t>
+            </a:r>
+            <a:r>
+              <a:rPr lang="ru-RU" sz="2400" dirty="0" smtClean="0">
+                <a:latin typeface="Courier New" panose="02070309020205020404" pitchFamily="49" charset="0"/>
+                <a:cs typeface="Courier New" panose="02070309020205020404" pitchFamily="49" charset="0"/>
+              </a:rPr>
+              <a:t> шаблоназации с поддержкой:</a:t>
+            </a:r>
+          </a:p>
+          <a:p>
+            <a:pPr marL="742950" lvl="1" indent="-285750">
+              <a:lnSpc>
+                <a:spcPct val="150000"/>
+              </a:lnSpc>
+              <a:buFont typeface="Arial" panose="020B0604020202020204" pitchFamily="34" charset="0"/>
+              <a:buChar char="•"/>
+            </a:pPr>
+            <a:r>
+              <a:rPr lang="ru-RU" sz="2400" b="1" dirty="0">
+                <a:latin typeface="Courier New" panose="02070309020205020404" pitchFamily="49" charset="0"/>
+                <a:cs typeface="Courier New" panose="02070309020205020404" pitchFamily="49" charset="0"/>
+              </a:rPr>
+              <a:t>м</a:t>
+            </a:r>
+            <a:r>
+              <a:rPr lang="ru-RU" sz="2400" b="1" dirty="0" smtClean="0">
+                <a:latin typeface="Courier New" panose="02070309020205020404" pitchFamily="49" charset="0"/>
+                <a:cs typeface="Courier New" panose="02070309020205020404" pitchFamily="49" charset="0"/>
+              </a:rPr>
+              <a:t>ногопоточного</a:t>
+            </a:r>
+            <a:r>
+              <a:rPr lang="ru-RU" sz="2400" dirty="0" smtClean="0">
+                <a:latin typeface="Courier New" panose="02070309020205020404" pitchFamily="49" charset="0"/>
+                <a:cs typeface="Courier New" panose="02070309020205020404" pitchFamily="49" charset="0"/>
+              </a:rPr>
+              <a:t> (</a:t>
+            </a:r>
+            <a:r>
+              <a:rPr lang="ru-RU" sz="2400" dirty="0" smtClean="0">
+                <a:latin typeface="Courier New" panose="02070309020205020404" pitchFamily="49" charset="0"/>
+                <a:cs typeface="Courier New" panose="02070309020205020404" pitchFamily="49" charset="0"/>
+              </a:rPr>
+              <a:t>параллельного) исполнения</a:t>
+            </a:r>
+            <a:endParaRPr lang="ru-RU" sz="2400" dirty="0" smtClean="0">
+              <a:latin typeface="Courier New" panose="02070309020205020404" pitchFamily="49" charset="0"/>
+              <a:cs typeface="Courier New" panose="02070309020205020404" pitchFamily="49" charset="0"/>
+            </a:endParaRPr>
+          </a:p>
+          <a:p>
+            <a:pPr marL="742950" lvl="1" indent="-285750">
+              <a:lnSpc>
+                <a:spcPct val="150000"/>
+              </a:lnSpc>
+              <a:buFont typeface="Arial" panose="020B0604020202020204" pitchFamily="34" charset="0"/>
+              <a:buChar char="•"/>
+            </a:pPr>
+            <a:r>
+              <a:rPr lang="ru-RU" sz="2400" b="1" dirty="0">
+                <a:latin typeface="Courier New" panose="02070309020205020404" pitchFamily="49" charset="0"/>
+                <a:cs typeface="Courier New" panose="02070309020205020404" pitchFamily="49" charset="0"/>
+              </a:rPr>
+              <a:t>а</a:t>
+            </a:r>
+            <a:r>
+              <a:rPr lang="ru-RU" sz="2400" b="1" dirty="0" smtClean="0">
+                <a:latin typeface="Courier New" panose="02070309020205020404" pitchFamily="49" charset="0"/>
+                <a:cs typeface="Courier New" panose="02070309020205020404" pitchFamily="49" charset="0"/>
+              </a:rPr>
+              <a:t>синхронного</a:t>
+            </a:r>
+            <a:r>
+              <a:rPr lang="ru-RU" sz="2400" dirty="0" smtClean="0">
+                <a:latin typeface="Courier New" panose="02070309020205020404" pitchFamily="49" charset="0"/>
+                <a:cs typeface="Courier New" panose="02070309020205020404" pitchFamily="49" charset="0"/>
+              </a:rPr>
+              <a:t> выполнения</a:t>
+            </a:r>
+            <a:endParaRPr lang="en-US" sz="2400" dirty="0"/>
+          </a:p>
+        </p:txBody>
+      </p:sp>
+    </p:spTree>
+    <p:extLst>
+      <p:ext uri="{BB962C8B-B14F-4D97-AF65-F5344CB8AC3E}">
+        <p14:creationId xmlns:p14="http://schemas.microsoft.com/office/powerpoint/2010/main" val="31615129"/>
+      </p:ext>
+    </p:extLst>
+  </p:cSld>
+  <p:clrMapOvr>
+    <a:masterClrMapping/>
+  </p:clrMapOvr>
+</p:sld>
+</file>
+
+<file path=ppt/slides/slide9.xml><?xml version="1.0" encoding="utf-8"?>
 <p:sld xmlns:a="http://schemas.openxmlformats.org/drawingml/2006/main" xmlns:r="http://schemas.openxmlformats.org/officeDocument/2006/relationships" xmlns:p="http://schemas.openxmlformats.org/presentationml/2006/main">
   <p:cSld>
     <p:bg>
@@ -11733,3714 +14682,6 @@
 </p:sld>
 </file>
 
-<file path=ppt/slides/slide13.xml><?xml version="1.0" encoding="utf-8"?>
-<p:sld xmlns:a="http://schemas.openxmlformats.org/drawingml/2006/main" xmlns:r="http://schemas.openxmlformats.org/officeDocument/2006/relationships" xmlns:p="http://schemas.openxmlformats.org/presentationml/2006/main">
-  <p:cSld>
-    <p:bg>
-      <p:bgPr>
-        <a:pattFill prst="pct10">
-          <a:fgClr>
-            <a:schemeClr val="accent1">
-              <a:lumMod val="60000"/>
-              <a:lumOff val="40000"/>
-            </a:schemeClr>
-          </a:fgClr>
-          <a:bgClr>
-            <a:schemeClr val="bg1"/>
-          </a:bgClr>
-        </a:pattFill>
-        <a:effectLst/>
-      </p:bgPr>
-    </p:bg>
-    <p:spTree>
-      <p:nvGrpSpPr>
-        <p:cNvPr id="1" name=""/>
-        <p:cNvGrpSpPr/>
-        <p:nvPr/>
-      </p:nvGrpSpPr>
-      <p:grpSpPr>
-        <a:xfrm>
-          <a:off x="0" y="0"/>
-          <a:ext cx="0" cy="0"/>
-          <a:chOff x="0" y="0"/>
-          <a:chExt cx="0" cy="0"/>
-        </a:xfrm>
-      </p:grpSpPr>
-      <p:sp>
-        <p:nvSpPr>
-          <p:cNvPr id="3" name="TextBox 2"/>
-          <p:cNvSpPr txBox="1"/>
-          <p:nvPr/>
-        </p:nvSpPr>
-        <p:spPr>
-          <a:xfrm>
-            <a:off x="1630837" y="209084"/>
-            <a:ext cx="8386741" cy="646331"/>
-          </a:xfrm>
-          <a:prstGeom prst="rect">
-            <a:avLst/>
-          </a:prstGeom>
-          <a:noFill/>
-        </p:spPr>
-        <p:txBody>
-          <a:bodyPr wrap="square" rtlCol="0">
-            <a:spAutoFit/>
-          </a:bodyPr>
-          <a:lstStyle/>
-          <a:p>
-            <a:r>
-              <a:rPr lang="ru-RU" sz="3600" b="1" dirty="0" smtClean="0">
-                <a:latin typeface="Courier New" panose="02070309020205020404" pitchFamily="49" charset="0"/>
-                <a:cs typeface="Courier New" panose="02070309020205020404" pitchFamily="49" charset="0"/>
-              </a:rPr>
-              <a:t>Модель работы веб-сервиса</a:t>
-            </a:r>
-            <a:endParaRPr lang="en-US" sz="3600" b="1" dirty="0">
-              <a:latin typeface="Courier New" panose="02070309020205020404" pitchFamily="49" charset="0"/>
-              <a:cs typeface="Courier New" panose="02070309020205020404" pitchFamily="49" charset="0"/>
-            </a:endParaRPr>
-          </a:p>
-        </p:txBody>
-      </p:sp>
-      <p:pic>
-        <p:nvPicPr>
-          <p:cNvPr id="4" name="Рисунок 3"/>
-          <p:cNvPicPr>
-            <a:picLocks noChangeAspect="1"/>
-          </p:cNvPicPr>
-          <p:nvPr/>
-        </p:nvPicPr>
-        <p:blipFill>
-          <a:blip r:embed="rId2">
-            <a:extLst>
-              <a:ext uri="{28A0092B-C50C-407E-A947-70E740481C1C}">
-                <a14:useLocalDpi xmlns:a14="http://schemas.microsoft.com/office/drawing/2010/main" val="0"/>
-              </a:ext>
-            </a:extLst>
-          </a:blip>
-          <a:stretch>
-            <a:fillRect/>
-          </a:stretch>
-        </p:blipFill>
-        <p:spPr>
-          <a:xfrm>
-            <a:off x="1630837" y="1034525"/>
-            <a:ext cx="7908174" cy="5206020"/>
-          </a:xfrm>
-          <a:prstGeom prst="rect">
-            <a:avLst/>
-          </a:prstGeom>
-          <a:ln>
-            <a:solidFill>
-              <a:schemeClr val="tx1"/>
-            </a:solidFill>
-          </a:ln>
-        </p:spPr>
-      </p:pic>
-    </p:spTree>
-    <p:extLst>
-      <p:ext uri="{BB962C8B-B14F-4D97-AF65-F5344CB8AC3E}">
-        <p14:creationId xmlns:p14="http://schemas.microsoft.com/office/powerpoint/2010/main" val="279697673"/>
-      </p:ext>
-    </p:extLst>
-  </p:cSld>
-  <p:clrMapOvr>
-    <a:masterClrMapping/>
-  </p:clrMapOvr>
-</p:sld>
-</file>
-
-<file path=ppt/slides/slide14.xml><?xml version="1.0" encoding="utf-8"?>
-<p:sld xmlns:a="http://schemas.openxmlformats.org/drawingml/2006/main" xmlns:r="http://schemas.openxmlformats.org/officeDocument/2006/relationships" xmlns:p="http://schemas.openxmlformats.org/presentationml/2006/main">
-  <p:cSld>
-    <p:bg>
-      <p:bgPr>
-        <a:pattFill prst="pct10">
-          <a:fgClr>
-            <a:schemeClr val="accent1">
-              <a:lumMod val="60000"/>
-              <a:lumOff val="40000"/>
-            </a:schemeClr>
-          </a:fgClr>
-          <a:bgClr>
-            <a:schemeClr val="bg1"/>
-          </a:bgClr>
-        </a:pattFill>
-        <a:effectLst/>
-      </p:bgPr>
-    </p:bg>
-    <p:spTree>
-      <p:nvGrpSpPr>
-        <p:cNvPr id="1" name=""/>
-        <p:cNvGrpSpPr/>
-        <p:nvPr/>
-      </p:nvGrpSpPr>
-      <p:grpSpPr>
-        <a:xfrm>
-          <a:off x="0" y="0"/>
-          <a:ext cx="0" cy="0"/>
-          <a:chOff x="0" y="0"/>
-          <a:chExt cx="0" cy="0"/>
-        </a:xfrm>
-      </p:grpSpPr>
-      <p:sp>
-        <p:nvSpPr>
-          <p:cNvPr id="4" name="TextBox 3"/>
-          <p:cNvSpPr txBox="1"/>
-          <p:nvPr/>
-        </p:nvSpPr>
-        <p:spPr>
-          <a:xfrm>
-            <a:off x="1053190" y="310243"/>
-            <a:ext cx="9794423" cy="646331"/>
-          </a:xfrm>
-          <a:prstGeom prst="rect">
-            <a:avLst/>
-          </a:prstGeom>
-          <a:noFill/>
-        </p:spPr>
-        <p:txBody>
-          <a:bodyPr wrap="square" rtlCol="0">
-            <a:spAutoFit/>
-          </a:bodyPr>
-          <a:lstStyle/>
-          <a:p>
-            <a:r>
-              <a:rPr lang="ru-RU" sz="3600" b="1" dirty="0" smtClean="0">
-                <a:latin typeface="Courier New" panose="02070309020205020404" pitchFamily="49" charset="0"/>
-                <a:cs typeface="Courier New" panose="02070309020205020404" pitchFamily="49" charset="0"/>
-              </a:rPr>
-              <a:t>Выбранные инструменты разработки</a:t>
-            </a:r>
-            <a:endParaRPr lang="en-US" sz="3600" dirty="0"/>
-          </a:p>
-        </p:txBody>
-      </p:sp>
-      <p:sp>
-        <p:nvSpPr>
-          <p:cNvPr id="5" name="TextBox 4"/>
-          <p:cNvSpPr txBox="1"/>
-          <p:nvPr/>
-        </p:nvSpPr>
-        <p:spPr>
-          <a:xfrm>
-            <a:off x="1053191" y="1126671"/>
-            <a:ext cx="10197194" cy="5170646"/>
-          </a:xfrm>
-          <a:prstGeom prst="rect">
-            <a:avLst/>
-          </a:prstGeom>
-          <a:noFill/>
-        </p:spPr>
-        <p:txBody>
-          <a:bodyPr wrap="square" rtlCol="0">
-            <a:spAutoFit/>
-          </a:bodyPr>
-          <a:lstStyle/>
-          <a:p>
-            <a:pPr>
-              <a:lnSpc>
-                <a:spcPct val="150000"/>
-              </a:lnSpc>
-            </a:pPr>
-            <a:r>
-              <a:rPr lang="ru-RU" sz="2400" b="1" dirty="0">
-                <a:latin typeface="Courier New" panose="02070309020205020404" pitchFamily="49" charset="0"/>
-                <a:cs typeface="Courier New" panose="02070309020205020404" pitchFamily="49" charset="0"/>
-              </a:rPr>
-              <a:t>Серверная часть:</a:t>
-            </a:r>
-          </a:p>
-          <a:p>
-            <a:pPr marL="800100" lvl="1" indent="-342900">
-              <a:lnSpc>
-                <a:spcPct val="150000"/>
-              </a:lnSpc>
-              <a:buFont typeface="Arial" panose="020B0604020202020204" pitchFamily="34" charset="0"/>
-              <a:buChar char="•"/>
-            </a:pPr>
-            <a:r>
-              <a:rPr lang="ru-RU" sz="2400" dirty="0">
-                <a:latin typeface="Courier New" panose="02070309020205020404" pitchFamily="49" charset="0"/>
-                <a:cs typeface="Courier New" panose="02070309020205020404" pitchFamily="49" charset="0"/>
-              </a:rPr>
-              <a:t>Язык программирования</a:t>
-            </a:r>
-            <a:r>
-              <a:rPr lang="en-US" sz="2400" dirty="0">
-                <a:latin typeface="Courier New" panose="02070309020205020404" pitchFamily="49" charset="0"/>
-                <a:cs typeface="Courier New" panose="02070309020205020404" pitchFamily="49" charset="0"/>
-              </a:rPr>
-              <a:t> </a:t>
-            </a:r>
-            <a:r>
-              <a:rPr lang="en-US" sz="2400" b="1" dirty="0">
-                <a:latin typeface="Courier New" panose="02070309020205020404" pitchFamily="49" charset="0"/>
-                <a:cs typeface="Courier New" panose="02070309020205020404" pitchFamily="49" charset="0"/>
-              </a:rPr>
-              <a:t>Rust</a:t>
-            </a:r>
-          </a:p>
-          <a:p>
-            <a:pPr marL="800100" lvl="1" indent="-342900">
-              <a:lnSpc>
-                <a:spcPct val="150000"/>
-              </a:lnSpc>
-              <a:buFont typeface="Arial" panose="020B0604020202020204" pitchFamily="34" charset="0"/>
-              <a:buChar char="•"/>
-            </a:pPr>
-            <a:r>
-              <a:rPr lang="ru-RU" sz="2400" dirty="0">
-                <a:latin typeface="Courier New" panose="02070309020205020404" pitchFamily="49" charset="0"/>
-                <a:cs typeface="Courier New" panose="02070309020205020404" pitchFamily="49" charset="0"/>
-              </a:rPr>
-              <a:t>Библиотека асинхронного выполнения </a:t>
-            </a:r>
-            <a:r>
-              <a:rPr lang="en-US" sz="2400" b="1" dirty="0" err="1">
-                <a:latin typeface="Courier New" panose="02070309020205020404" pitchFamily="49" charset="0"/>
-                <a:cs typeface="Courier New" panose="02070309020205020404" pitchFamily="49" charset="0"/>
-              </a:rPr>
-              <a:t>tokio</a:t>
-            </a:r>
-            <a:endParaRPr lang="ru-RU" sz="2400" b="1" dirty="0">
-              <a:latin typeface="Courier New" panose="02070309020205020404" pitchFamily="49" charset="0"/>
-              <a:cs typeface="Courier New" panose="02070309020205020404" pitchFamily="49" charset="0"/>
-            </a:endParaRPr>
-          </a:p>
-          <a:p>
-            <a:pPr marL="800100" lvl="1" indent="-342900">
-              <a:lnSpc>
-                <a:spcPct val="150000"/>
-              </a:lnSpc>
-              <a:buFont typeface="Arial" panose="020B0604020202020204" pitchFamily="34" charset="0"/>
-              <a:buChar char="•"/>
-            </a:pPr>
-            <a:r>
-              <a:rPr lang="ru-RU" sz="2400" dirty="0">
-                <a:latin typeface="Courier New" panose="02070309020205020404" pitchFamily="49" charset="0"/>
-                <a:cs typeface="Courier New" panose="02070309020205020404" pitchFamily="49" charset="0"/>
-              </a:rPr>
-              <a:t>Библиотека шаблонизации </a:t>
-            </a:r>
-            <a:r>
-              <a:rPr lang="en-US" sz="2400" b="1" dirty="0" err="1">
-                <a:latin typeface="Courier New" panose="02070309020205020404" pitchFamily="49" charset="0"/>
-                <a:cs typeface="Courier New" panose="02070309020205020404" pitchFamily="49" charset="0"/>
-              </a:rPr>
-              <a:t>tera</a:t>
-            </a:r>
-            <a:endParaRPr lang="en-US" sz="2400" dirty="0">
-              <a:latin typeface="Courier New" panose="02070309020205020404" pitchFamily="49" charset="0"/>
-              <a:cs typeface="Courier New" panose="02070309020205020404" pitchFamily="49" charset="0"/>
-            </a:endParaRPr>
-          </a:p>
-          <a:p>
-            <a:pPr>
-              <a:lnSpc>
-                <a:spcPct val="150000"/>
-              </a:lnSpc>
-            </a:pPr>
-            <a:r>
-              <a:rPr lang="ru-RU" sz="2400" b="1" dirty="0">
-                <a:latin typeface="Courier New" panose="02070309020205020404" pitchFamily="49" charset="0"/>
-                <a:cs typeface="Courier New" panose="02070309020205020404" pitchFamily="49" charset="0"/>
-              </a:rPr>
-              <a:t>Клиентская часть:</a:t>
-            </a:r>
-          </a:p>
-          <a:p>
-            <a:pPr marL="800100" lvl="1" indent="-342900">
-              <a:lnSpc>
-                <a:spcPct val="150000"/>
-              </a:lnSpc>
-              <a:buFont typeface="Arial" panose="020B0604020202020204" pitchFamily="34" charset="0"/>
-              <a:buChar char="•"/>
-            </a:pPr>
-            <a:r>
-              <a:rPr lang="ru-RU" sz="2400" dirty="0">
-                <a:latin typeface="Courier New" panose="02070309020205020404" pitchFamily="49" charset="0"/>
-                <a:cs typeface="Courier New" panose="02070309020205020404" pitchFamily="49" charset="0"/>
-              </a:rPr>
-              <a:t>Любое приложение, способное совершать </a:t>
-            </a:r>
-            <a:r>
-              <a:rPr lang="en-US" sz="2400" dirty="0">
-                <a:latin typeface="Courier New" panose="02070309020205020404" pitchFamily="49" charset="0"/>
-                <a:cs typeface="Courier New" panose="02070309020205020404" pitchFamily="49" charset="0"/>
-              </a:rPr>
-              <a:t>http </a:t>
-            </a:r>
-            <a:r>
-              <a:rPr lang="ru-RU" sz="2400" dirty="0">
-                <a:latin typeface="Courier New" panose="02070309020205020404" pitchFamily="49" charset="0"/>
-                <a:cs typeface="Courier New" panose="02070309020205020404" pitchFamily="49" charset="0"/>
-              </a:rPr>
-              <a:t>запросы</a:t>
-            </a:r>
-          </a:p>
-          <a:p>
-            <a:pPr marL="800100" lvl="1" indent="-342900">
-              <a:lnSpc>
-                <a:spcPct val="150000"/>
-              </a:lnSpc>
-              <a:buFont typeface="Arial" panose="020B0604020202020204" pitchFamily="34" charset="0"/>
-              <a:buChar char="•"/>
-            </a:pPr>
-            <a:r>
-              <a:rPr lang="ru-RU" sz="2400" dirty="0">
-                <a:latin typeface="Courier New" panose="02070309020205020404" pitchFamily="49" charset="0"/>
-                <a:cs typeface="Courier New" panose="02070309020205020404" pitchFamily="49" charset="0"/>
-              </a:rPr>
-              <a:t>Графический пользовательский интерфейс:</a:t>
-            </a:r>
-          </a:p>
-          <a:p>
-            <a:pPr marL="1257300" lvl="2" indent="-342900">
-              <a:lnSpc>
-                <a:spcPct val="150000"/>
-              </a:lnSpc>
-              <a:buFont typeface="Wingdings" panose="05000000000000000000" pitchFamily="2" charset="2"/>
-              <a:buChar char="§"/>
-            </a:pPr>
-            <a:r>
-              <a:rPr lang="en-US" sz="2000" dirty="0">
-                <a:latin typeface="Courier New" panose="02070309020205020404" pitchFamily="49" charset="0"/>
-                <a:cs typeface="Courier New" panose="02070309020205020404" pitchFamily="49" charset="0"/>
-              </a:rPr>
-              <a:t>JavaScript framework </a:t>
-            </a:r>
-            <a:r>
-              <a:rPr lang="en-US" sz="2000" b="1" dirty="0">
-                <a:latin typeface="Courier New" panose="02070309020205020404" pitchFamily="49" charset="0"/>
-                <a:cs typeface="Courier New" panose="02070309020205020404" pitchFamily="49" charset="0"/>
-              </a:rPr>
-              <a:t>Vue.js</a:t>
-            </a:r>
-          </a:p>
-          <a:p>
-            <a:pPr marL="1257300" lvl="2" indent="-342900">
-              <a:lnSpc>
-                <a:spcPct val="150000"/>
-              </a:lnSpc>
-              <a:buFont typeface="Wingdings" panose="05000000000000000000" pitchFamily="2" charset="2"/>
-              <a:buChar char="§"/>
-            </a:pPr>
-            <a:r>
-              <a:rPr lang="en-US" sz="2000" dirty="0">
-                <a:latin typeface="Courier New" panose="02070309020205020404" pitchFamily="49" charset="0"/>
-                <a:cs typeface="Courier New" panose="02070309020205020404" pitchFamily="49" charset="0"/>
-              </a:rPr>
-              <a:t>HTML </a:t>
-            </a:r>
-            <a:r>
-              <a:rPr lang="ru-RU" sz="2000" dirty="0">
-                <a:latin typeface="Courier New" panose="02070309020205020404" pitchFamily="49" charset="0"/>
-                <a:cs typeface="Courier New" panose="02070309020205020404" pitchFamily="49" charset="0"/>
-              </a:rPr>
-              <a:t>и </a:t>
-            </a:r>
-            <a:r>
-              <a:rPr lang="en-US" sz="2000" dirty="0">
-                <a:latin typeface="Courier New" panose="02070309020205020404" pitchFamily="49" charset="0"/>
-                <a:cs typeface="Courier New" panose="02070309020205020404" pitchFamily="49" charset="0"/>
-              </a:rPr>
-              <a:t>CSS</a:t>
-            </a:r>
-          </a:p>
-          <a:p>
-            <a:endParaRPr lang="en-US" dirty="0"/>
-          </a:p>
-        </p:txBody>
-      </p:sp>
-    </p:spTree>
-    <p:extLst>
-      <p:ext uri="{BB962C8B-B14F-4D97-AF65-F5344CB8AC3E}">
-        <p14:creationId xmlns:p14="http://schemas.microsoft.com/office/powerpoint/2010/main" val="4053716737"/>
-      </p:ext>
-    </p:extLst>
-  </p:cSld>
-  <p:clrMapOvr>
-    <a:masterClrMapping/>
-  </p:clrMapOvr>
-  <p:timing>
-    <p:tnLst>
-      <p:par>
-        <p:cTn id="1" dur="indefinite" restart="never" nodeType="tmRoot"/>
-      </p:par>
-    </p:tnLst>
-  </p:timing>
-</p:sld>
-</file>
-
-<file path=ppt/slides/slide15.xml><?xml version="1.0" encoding="utf-8"?>
-<p:sld xmlns:a="http://schemas.openxmlformats.org/drawingml/2006/main" xmlns:r="http://schemas.openxmlformats.org/officeDocument/2006/relationships" xmlns:p="http://schemas.openxmlformats.org/presentationml/2006/main">
-  <p:cSld>
-    <p:bg>
-      <p:bgPr>
-        <a:pattFill prst="pct10">
-          <a:fgClr>
-            <a:schemeClr val="accent1">
-              <a:lumMod val="60000"/>
-              <a:lumOff val="40000"/>
-            </a:schemeClr>
-          </a:fgClr>
-          <a:bgClr>
-            <a:schemeClr val="bg1"/>
-          </a:bgClr>
-        </a:pattFill>
-        <a:effectLst/>
-      </p:bgPr>
-    </p:bg>
-    <p:spTree>
-      <p:nvGrpSpPr>
-        <p:cNvPr id="1" name=""/>
-        <p:cNvGrpSpPr/>
-        <p:nvPr/>
-      </p:nvGrpSpPr>
-      <p:grpSpPr>
-        <a:xfrm>
-          <a:off x="0" y="0"/>
-          <a:ext cx="0" cy="0"/>
-          <a:chOff x="0" y="0"/>
-          <a:chExt cx="0" cy="0"/>
-        </a:xfrm>
-      </p:grpSpPr>
-      <p:sp>
-        <p:nvSpPr>
-          <p:cNvPr id="4" name="TextBox 3"/>
-          <p:cNvSpPr txBox="1"/>
-          <p:nvPr/>
-        </p:nvSpPr>
-        <p:spPr>
-          <a:xfrm>
-            <a:off x="948319" y="234870"/>
-            <a:ext cx="10009414" cy="646331"/>
-          </a:xfrm>
-          <a:prstGeom prst="rect">
-            <a:avLst/>
-          </a:prstGeom>
-          <a:noFill/>
-        </p:spPr>
-        <p:txBody>
-          <a:bodyPr wrap="square" rtlCol="0">
-            <a:spAutoFit/>
-          </a:bodyPr>
-          <a:lstStyle/>
-          <a:p>
-            <a:r>
-              <a:rPr lang="ru-RU" sz="3600" b="1" dirty="0" smtClean="0">
-                <a:latin typeface="Courier New" panose="02070309020205020404" pitchFamily="49" charset="0"/>
-                <a:cs typeface="Courier New" panose="02070309020205020404" pitchFamily="49" charset="0"/>
-              </a:rPr>
-              <a:t>Пользовательский интерфейс</a:t>
-            </a:r>
-            <a:endParaRPr lang="en-US" sz="3600" dirty="0"/>
-          </a:p>
-        </p:txBody>
-      </p:sp>
-      <p:pic>
-        <p:nvPicPr>
-          <p:cNvPr id="3" name="Рисунок 2"/>
-          <p:cNvPicPr>
-            <a:picLocks noChangeAspect="1"/>
-          </p:cNvPicPr>
-          <p:nvPr/>
-        </p:nvPicPr>
-        <p:blipFill>
-          <a:blip r:embed="rId2">
-            <a:extLst>
-              <a:ext uri="{28A0092B-C50C-407E-A947-70E740481C1C}">
-                <a14:useLocalDpi xmlns:a14="http://schemas.microsoft.com/office/drawing/2010/main" val="0"/>
-              </a:ext>
-            </a:extLst>
-          </a:blip>
-          <a:stretch>
-            <a:fillRect/>
-          </a:stretch>
-        </p:blipFill>
-        <p:spPr>
-          <a:xfrm>
-            <a:off x="948319" y="1201713"/>
-            <a:ext cx="9209988" cy="4360102"/>
-          </a:xfrm>
-          <a:prstGeom prst="rect">
-            <a:avLst/>
-          </a:prstGeom>
-          <a:ln>
-            <a:solidFill>
-              <a:schemeClr val="tx1"/>
-            </a:solidFill>
-          </a:ln>
-        </p:spPr>
-      </p:pic>
-      <p:sp>
-        <p:nvSpPr>
-          <p:cNvPr id="6" name="TextBox 5"/>
-          <p:cNvSpPr txBox="1"/>
-          <p:nvPr/>
-        </p:nvSpPr>
-        <p:spPr>
-          <a:xfrm>
-            <a:off x="948319" y="5882327"/>
-            <a:ext cx="9586279" cy="461665"/>
-          </a:xfrm>
-          <a:prstGeom prst="rect">
-            <a:avLst/>
-          </a:prstGeom>
-          <a:noFill/>
-        </p:spPr>
-        <p:txBody>
-          <a:bodyPr wrap="none" rtlCol="0">
-            <a:spAutoFit/>
-          </a:bodyPr>
-          <a:lstStyle/>
-          <a:p>
-            <a:r>
-              <a:rPr lang="ru-RU" sz="2400" b="1" dirty="0" smtClean="0">
-                <a:latin typeface="Courier New" panose="02070309020205020404" pitchFamily="49" charset="0"/>
-                <a:cs typeface="Courier New" panose="02070309020205020404" pitchFamily="49" charset="0"/>
-              </a:rPr>
-              <a:t>Ссылка для ознакомления </a:t>
-            </a:r>
-            <a:r>
-              <a:rPr lang="en-US" sz="2400" b="1" dirty="0" smtClean="0">
-                <a:latin typeface="Courier New" panose="02070309020205020404" pitchFamily="49" charset="0"/>
-                <a:cs typeface="Courier New" panose="02070309020205020404" pitchFamily="49" charset="0"/>
-              </a:rPr>
-              <a:t>http</a:t>
-            </a:r>
-            <a:r>
-              <a:rPr lang="en-US" sz="2400" b="1" dirty="0">
-                <a:latin typeface="Courier New" panose="02070309020205020404" pitchFamily="49" charset="0"/>
-                <a:cs typeface="Courier New" panose="02070309020205020404" pitchFamily="49" charset="0"/>
-              </a:rPr>
-              <a:t>://35.228.134.188:5001/</a:t>
-            </a:r>
-          </a:p>
-        </p:txBody>
-      </p:sp>
-    </p:spTree>
-    <p:extLst>
-      <p:ext uri="{BB962C8B-B14F-4D97-AF65-F5344CB8AC3E}">
-        <p14:creationId xmlns:p14="http://schemas.microsoft.com/office/powerpoint/2010/main" val="2741089583"/>
-      </p:ext>
-    </p:extLst>
-  </p:cSld>
-  <p:clrMapOvr>
-    <a:masterClrMapping/>
-  </p:clrMapOvr>
-  <p:timing>
-    <p:tnLst>
-      <p:par>
-        <p:cTn id="1" dur="indefinite" restart="never" nodeType="tmRoot"/>
-      </p:par>
-    </p:tnLst>
-  </p:timing>
-</p:sld>
-</file>
-
-<file path=ppt/slides/slide16.xml><?xml version="1.0" encoding="utf-8"?>
-<p:sld xmlns:a="http://schemas.openxmlformats.org/drawingml/2006/main" xmlns:r="http://schemas.openxmlformats.org/officeDocument/2006/relationships" xmlns:p="http://schemas.openxmlformats.org/presentationml/2006/main">
-  <p:cSld>
-    <p:bg>
-      <p:bgPr>
-        <a:pattFill prst="pct10">
-          <a:fgClr>
-            <a:schemeClr val="accent1">
-              <a:lumMod val="60000"/>
-              <a:lumOff val="40000"/>
-            </a:schemeClr>
-          </a:fgClr>
-          <a:bgClr>
-            <a:schemeClr val="bg1"/>
-          </a:bgClr>
-        </a:pattFill>
-        <a:effectLst/>
-      </p:bgPr>
-    </p:bg>
-    <p:spTree>
-      <p:nvGrpSpPr>
-        <p:cNvPr id="1" name=""/>
-        <p:cNvGrpSpPr/>
-        <p:nvPr/>
-      </p:nvGrpSpPr>
-      <p:grpSpPr>
-        <a:xfrm>
-          <a:off x="0" y="0"/>
-          <a:ext cx="0" cy="0"/>
-          <a:chOff x="0" y="0"/>
-          <a:chExt cx="0" cy="0"/>
-        </a:xfrm>
-      </p:grpSpPr>
-      <p:pic>
-        <p:nvPicPr>
-          <p:cNvPr id="7" name="Рисунок 6"/>
-          <p:cNvPicPr>
-            <a:picLocks noChangeAspect="1"/>
-          </p:cNvPicPr>
-          <p:nvPr/>
-        </p:nvPicPr>
-        <p:blipFill>
-          <a:blip r:embed="rId2">
-            <a:extLst>
-              <a:ext uri="{28A0092B-C50C-407E-A947-70E740481C1C}">
-                <a14:useLocalDpi xmlns:a14="http://schemas.microsoft.com/office/drawing/2010/main" val="0"/>
-              </a:ext>
-            </a:extLst>
-          </a:blip>
-          <a:stretch>
-            <a:fillRect/>
-          </a:stretch>
-        </p:blipFill>
-        <p:spPr>
-          <a:xfrm>
-            <a:off x="2258187" y="1138745"/>
-            <a:ext cx="7567449" cy="4151585"/>
-          </a:xfrm>
-          <a:prstGeom prst="rect">
-            <a:avLst/>
-          </a:prstGeom>
-          <a:ln>
-            <a:solidFill>
-              <a:schemeClr val="tx1"/>
-            </a:solidFill>
-          </a:ln>
-        </p:spPr>
-      </p:pic>
-      <p:sp>
-        <p:nvSpPr>
-          <p:cNvPr id="4" name="TextBox 3"/>
-          <p:cNvSpPr txBox="1"/>
-          <p:nvPr/>
-        </p:nvSpPr>
-        <p:spPr>
-          <a:xfrm>
-            <a:off x="2258187" y="5433847"/>
-            <a:ext cx="6494085" cy="1323439"/>
-          </a:xfrm>
-          <a:prstGeom prst="rect">
-            <a:avLst/>
-          </a:prstGeom>
-          <a:noFill/>
-        </p:spPr>
-        <p:txBody>
-          <a:bodyPr wrap="none" rtlCol="0">
-            <a:spAutoFit/>
-          </a:bodyPr>
-          <a:lstStyle/>
-          <a:p>
-            <a:r>
-              <a:rPr lang="ru-RU" sz="2000" b="1" dirty="0" smtClean="0">
-                <a:latin typeface="Courier New" panose="02070309020205020404" pitchFamily="49" charset="0"/>
-                <a:cs typeface="Courier New" panose="02070309020205020404" pitchFamily="49" charset="0"/>
-              </a:rPr>
-              <a:t>Процессор: </a:t>
-            </a:r>
-            <a:r>
-              <a:rPr lang="en-US" sz="2000" dirty="0" smtClean="0">
-                <a:latin typeface="Courier New" panose="02070309020205020404" pitchFamily="49" charset="0"/>
-                <a:cs typeface="Courier New" panose="02070309020205020404" pitchFamily="49" charset="0"/>
-              </a:rPr>
-              <a:t>Intel KabyLake 2</a:t>
-            </a:r>
-            <a:r>
-              <a:rPr lang="ru-RU" sz="2000" dirty="0" smtClean="0">
-                <a:latin typeface="Courier New" panose="02070309020205020404" pitchFamily="49" charset="0"/>
-                <a:cs typeface="Courier New" panose="02070309020205020404" pitchFamily="49" charset="0"/>
-              </a:rPr>
-              <a:t> Гц</a:t>
-            </a:r>
-          </a:p>
-          <a:p>
-            <a:r>
-              <a:rPr lang="ru-RU" sz="2000" b="1" dirty="0" smtClean="0">
-                <a:latin typeface="Courier New" panose="02070309020205020404" pitchFamily="49" charset="0"/>
-                <a:cs typeface="Courier New" panose="02070309020205020404" pitchFamily="49" charset="0"/>
-              </a:rPr>
-              <a:t>Память: </a:t>
-            </a:r>
-            <a:r>
-              <a:rPr lang="en-US" sz="2000" dirty="0" smtClean="0">
-                <a:latin typeface="Courier New" panose="02070309020205020404" pitchFamily="49" charset="0"/>
-                <a:cs typeface="Courier New" panose="02070309020205020404" pitchFamily="49" charset="0"/>
-              </a:rPr>
-              <a:t>DDR4 2</a:t>
-            </a:r>
-            <a:r>
-              <a:rPr lang="ru-RU" sz="2000" dirty="0" smtClean="0">
-                <a:latin typeface="Courier New" panose="02070309020205020404" pitchFamily="49" charset="0"/>
-                <a:cs typeface="Courier New" panose="02070309020205020404" pitchFamily="49" charset="0"/>
-              </a:rPr>
-              <a:t> Гб</a:t>
-            </a:r>
-          </a:p>
-          <a:p>
-            <a:r>
-              <a:rPr lang="ru-RU" sz="2000" b="1" dirty="0" smtClean="0">
-                <a:latin typeface="Courier New" panose="02070309020205020404" pitchFamily="49" charset="0"/>
-                <a:cs typeface="Courier New" panose="02070309020205020404" pitchFamily="49" charset="0"/>
-              </a:rPr>
-              <a:t>Расположение сервера: </a:t>
-            </a:r>
-            <a:r>
-              <a:rPr lang="ru-RU" sz="2000" dirty="0" smtClean="0">
-                <a:latin typeface="Courier New" panose="02070309020205020404" pitchFamily="49" charset="0"/>
-                <a:cs typeface="Courier New" panose="02070309020205020404" pitchFamily="49" charset="0"/>
-              </a:rPr>
-              <a:t>Стокгольм, Швеция</a:t>
-            </a:r>
-          </a:p>
-          <a:p>
-            <a:r>
-              <a:rPr lang="ru-RU" sz="2000" b="1" dirty="0" smtClean="0">
-                <a:latin typeface="Courier New" panose="02070309020205020404" pitchFamily="49" charset="0"/>
-                <a:cs typeface="Courier New" panose="02070309020205020404" pitchFamily="49" charset="0"/>
-              </a:rPr>
-              <a:t>Расположение клиента: </a:t>
-            </a:r>
-            <a:r>
-              <a:rPr lang="ru-RU" sz="2000" dirty="0" smtClean="0">
-                <a:latin typeface="Courier New" panose="02070309020205020404" pitchFamily="49" charset="0"/>
-                <a:cs typeface="Courier New" panose="02070309020205020404" pitchFamily="49" charset="0"/>
-              </a:rPr>
-              <a:t>Штат Вирджиния, США</a:t>
-            </a:r>
-            <a:endParaRPr lang="en-US" sz="2000" dirty="0">
-              <a:latin typeface="Courier New" panose="02070309020205020404" pitchFamily="49" charset="0"/>
-              <a:cs typeface="Courier New" panose="02070309020205020404" pitchFamily="49" charset="0"/>
-            </a:endParaRPr>
-          </a:p>
-        </p:txBody>
-      </p:sp>
-      <p:sp>
-        <p:nvSpPr>
-          <p:cNvPr id="6" name="TextBox 5"/>
-          <p:cNvSpPr txBox="1"/>
-          <p:nvPr/>
-        </p:nvSpPr>
-        <p:spPr>
-          <a:xfrm>
-            <a:off x="1772239" y="348897"/>
-            <a:ext cx="9241382" cy="646331"/>
-          </a:xfrm>
-          <a:prstGeom prst="rect">
-            <a:avLst/>
-          </a:prstGeom>
-          <a:noFill/>
-        </p:spPr>
-        <p:txBody>
-          <a:bodyPr wrap="square" rtlCol="0">
-            <a:spAutoFit/>
-          </a:bodyPr>
-          <a:lstStyle/>
-          <a:p>
-            <a:r>
-              <a:rPr lang="ru-RU" sz="3600" b="1" dirty="0">
-                <a:latin typeface="Courier New" panose="02070309020205020404" pitchFamily="49" charset="0"/>
-                <a:cs typeface="Courier New" panose="02070309020205020404" pitchFamily="49" charset="0"/>
-              </a:rPr>
-              <a:t>Тестирование производительности</a:t>
-            </a:r>
-            <a:endParaRPr lang="en-US" sz="3600" b="1" dirty="0">
-              <a:latin typeface="Courier New" panose="02070309020205020404" pitchFamily="49" charset="0"/>
-              <a:cs typeface="Courier New" panose="02070309020205020404" pitchFamily="49" charset="0"/>
-            </a:endParaRPr>
-          </a:p>
-        </p:txBody>
-      </p:sp>
-    </p:spTree>
-    <p:extLst>
-      <p:ext uri="{BB962C8B-B14F-4D97-AF65-F5344CB8AC3E}">
-        <p14:creationId xmlns:p14="http://schemas.microsoft.com/office/powerpoint/2010/main" val="2656961311"/>
-      </p:ext>
-    </p:extLst>
-  </p:cSld>
-  <p:clrMapOvr>
-    <a:masterClrMapping/>
-  </p:clrMapOvr>
-  <p:timing>
-    <p:tnLst>
-      <p:par>
-        <p:cTn id="1" dur="indefinite" restart="never" nodeType="tmRoot"/>
-      </p:par>
-    </p:tnLst>
-  </p:timing>
-</p:sld>
-</file>
-
-<file path=ppt/slides/slide17.xml><?xml version="1.0" encoding="utf-8"?>
-<p:sld xmlns:a="http://schemas.openxmlformats.org/drawingml/2006/main" xmlns:r="http://schemas.openxmlformats.org/officeDocument/2006/relationships" xmlns:p="http://schemas.openxmlformats.org/presentationml/2006/main">
-  <p:cSld>
-    <p:bg>
-      <p:bgPr>
-        <a:pattFill prst="pct10">
-          <a:fgClr>
-            <a:schemeClr val="accent1">
-              <a:lumMod val="60000"/>
-              <a:lumOff val="40000"/>
-            </a:schemeClr>
-          </a:fgClr>
-          <a:bgClr>
-            <a:schemeClr val="bg1"/>
-          </a:bgClr>
-        </a:pattFill>
-        <a:effectLst/>
-      </p:bgPr>
-    </p:bg>
-    <p:spTree>
-      <p:nvGrpSpPr>
-        <p:cNvPr id="1" name=""/>
-        <p:cNvGrpSpPr/>
-        <p:nvPr/>
-      </p:nvGrpSpPr>
-      <p:grpSpPr>
-        <a:xfrm>
-          <a:off x="0" y="0"/>
-          <a:ext cx="0" cy="0"/>
-          <a:chOff x="0" y="0"/>
-          <a:chExt cx="0" cy="0"/>
-        </a:xfrm>
-      </p:grpSpPr>
-      <p:pic>
-        <p:nvPicPr>
-          <p:cNvPr id="3" name="Рисунок 2"/>
-          <p:cNvPicPr>
-            <a:picLocks noChangeAspect="1"/>
-          </p:cNvPicPr>
-          <p:nvPr/>
-        </p:nvPicPr>
-        <p:blipFill>
-          <a:blip r:embed="rId2">
-            <a:extLst>
-              <a:ext uri="{28A0092B-C50C-407E-A947-70E740481C1C}">
-                <a14:useLocalDpi xmlns:a14="http://schemas.microsoft.com/office/drawing/2010/main" val="0"/>
-              </a:ext>
-            </a:extLst>
-          </a:blip>
-          <a:stretch>
-            <a:fillRect/>
-          </a:stretch>
-        </p:blipFill>
-        <p:spPr>
-          <a:xfrm>
-            <a:off x="1768331" y="1118513"/>
-            <a:ext cx="7890020" cy="4327071"/>
-          </a:xfrm>
-          <a:prstGeom prst="rect">
-            <a:avLst/>
-          </a:prstGeom>
-          <a:ln>
-            <a:solidFill>
-              <a:schemeClr val="tx1"/>
-            </a:solidFill>
-          </a:ln>
-        </p:spPr>
-      </p:pic>
-      <p:sp>
-        <p:nvSpPr>
-          <p:cNvPr id="4" name="TextBox 3"/>
-          <p:cNvSpPr txBox="1"/>
-          <p:nvPr/>
-        </p:nvSpPr>
-        <p:spPr>
-          <a:xfrm>
-            <a:off x="1657583" y="5610519"/>
-            <a:ext cx="8111516" cy="830997"/>
-          </a:xfrm>
-          <a:prstGeom prst="rect">
-            <a:avLst/>
-          </a:prstGeom>
-          <a:noFill/>
-        </p:spPr>
-        <p:txBody>
-          <a:bodyPr wrap="none" rtlCol="0">
-            <a:spAutoFit/>
-          </a:bodyPr>
-          <a:lstStyle/>
-          <a:p>
-            <a:r>
-              <a:rPr lang="ru-RU" sz="2400" dirty="0" smtClean="0">
-                <a:latin typeface="Courier New" panose="02070309020205020404" pitchFamily="49" charset="0"/>
-                <a:cs typeface="Courier New" panose="02070309020205020404" pitchFamily="49" charset="0"/>
-              </a:rPr>
-              <a:t>Состояние системы в момент пиковой нагрузки</a:t>
-            </a:r>
-          </a:p>
-          <a:p>
-            <a:r>
-              <a:rPr lang="ru-RU" sz="2400" dirty="0" smtClean="0">
-                <a:latin typeface="Courier New" panose="02070309020205020404" pitchFamily="49" charset="0"/>
-                <a:cs typeface="Courier New" panose="02070309020205020404" pitchFamily="49" charset="0"/>
-              </a:rPr>
-              <a:t>в </a:t>
-            </a:r>
-            <a:r>
-              <a:rPr lang="ru-RU" sz="2400" b="1" dirty="0" smtClean="0">
-                <a:latin typeface="Courier New" panose="02070309020205020404" pitchFamily="49" charset="0"/>
-                <a:cs typeface="Courier New" panose="02070309020205020404" pitchFamily="49" charset="0"/>
-              </a:rPr>
-              <a:t>550</a:t>
-            </a:r>
-            <a:r>
-              <a:rPr lang="ru-RU" sz="2400" dirty="0" smtClean="0">
-                <a:latin typeface="Courier New" panose="02070309020205020404" pitchFamily="49" charset="0"/>
-                <a:cs typeface="Courier New" panose="02070309020205020404" pitchFamily="49" charset="0"/>
-              </a:rPr>
-              <a:t> одновременных подключений</a:t>
-            </a:r>
-            <a:endParaRPr lang="en-US" sz="2400" dirty="0">
-              <a:latin typeface="Courier New" panose="02070309020205020404" pitchFamily="49" charset="0"/>
-              <a:cs typeface="Courier New" panose="02070309020205020404" pitchFamily="49" charset="0"/>
-            </a:endParaRPr>
-          </a:p>
-        </p:txBody>
-      </p:sp>
-      <p:sp>
-        <p:nvSpPr>
-          <p:cNvPr id="6" name="TextBox 5"/>
-          <p:cNvSpPr txBox="1"/>
-          <p:nvPr/>
-        </p:nvSpPr>
-        <p:spPr>
-          <a:xfrm>
-            <a:off x="1442300" y="324403"/>
-            <a:ext cx="9832577" cy="646331"/>
-          </a:xfrm>
-          <a:prstGeom prst="rect">
-            <a:avLst/>
-          </a:prstGeom>
-          <a:noFill/>
-        </p:spPr>
-        <p:txBody>
-          <a:bodyPr wrap="square" rtlCol="0">
-            <a:spAutoFit/>
-          </a:bodyPr>
-          <a:lstStyle/>
-          <a:p>
-            <a:r>
-              <a:rPr lang="ru-RU" sz="3600" b="1" dirty="0">
-                <a:latin typeface="Courier New" panose="02070309020205020404" pitchFamily="49" charset="0"/>
-                <a:cs typeface="Courier New" panose="02070309020205020404" pitchFamily="49" charset="0"/>
-              </a:rPr>
-              <a:t>Тестирование производительности</a:t>
-            </a:r>
-            <a:endParaRPr lang="en-US" sz="3600" b="1" dirty="0">
-              <a:latin typeface="Courier New" panose="02070309020205020404" pitchFamily="49" charset="0"/>
-              <a:cs typeface="Courier New" panose="02070309020205020404" pitchFamily="49" charset="0"/>
-            </a:endParaRPr>
-          </a:p>
-        </p:txBody>
-      </p:sp>
-    </p:spTree>
-    <p:extLst>
-      <p:ext uri="{BB962C8B-B14F-4D97-AF65-F5344CB8AC3E}">
-        <p14:creationId xmlns:p14="http://schemas.microsoft.com/office/powerpoint/2010/main" val="449076256"/>
-      </p:ext>
-    </p:extLst>
-  </p:cSld>
-  <p:clrMapOvr>
-    <a:masterClrMapping/>
-  </p:clrMapOvr>
-  <p:timing>
-    <p:tnLst>
-      <p:par>
-        <p:cTn id="1" dur="indefinite" restart="never" nodeType="tmRoot"/>
-      </p:par>
-    </p:tnLst>
-  </p:timing>
-</p:sld>
-</file>
-
-<file path=ppt/slides/slide18.xml><?xml version="1.0" encoding="utf-8"?>
-<p:sld xmlns:a="http://schemas.openxmlformats.org/drawingml/2006/main" xmlns:r="http://schemas.openxmlformats.org/officeDocument/2006/relationships" xmlns:p="http://schemas.openxmlformats.org/presentationml/2006/main">
-  <p:cSld>
-    <p:bg>
-      <p:bgPr>
-        <a:pattFill prst="pct10">
-          <a:fgClr>
-            <a:schemeClr val="accent1">
-              <a:lumMod val="60000"/>
-              <a:lumOff val="40000"/>
-            </a:schemeClr>
-          </a:fgClr>
-          <a:bgClr>
-            <a:schemeClr val="bg1"/>
-          </a:bgClr>
-        </a:pattFill>
-        <a:effectLst/>
-      </p:bgPr>
-    </p:bg>
-    <p:spTree>
-      <p:nvGrpSpPr>
-        <p:cNvPr id="1" name=""/>
-        <p:cNvGrpSpPr/>
-        <p:nvPr/>
-      </p:nvGrpSpPr>
-      <p:grpSpPr>
-        <a:xfrm>
-          <a:off x="0" y="0"/>
-          <a:ext cx="0" cy="0"/>
-          <a:chOff x="0" y="0"/>
-          <a:chExt cx="0" cy="0"/>
-        </a:xfrm>
-      </p:grpSpPr>
-      <p:sp>
-        <p:nvSpPr>
-          <p:cNvPr id="6" name="TextBox 5"/>
-          <p:cNvSpPr txBox="1"/>
-          <p:nvPr/>
-        </p:nvSpPr>
-        <p:spPr>
-          <a:xfrm>
-            <a:off x="1309904" y="296123"/>
-            <a:ext cx="10115802" cy="646331"/>
-          </a:xfrm>
-          <a:prstGeom prst="rect">
-            <a:avLst/>
-          </a:prstGeom>
-          <a:noFill/>
-        </p:spPr>
-        <p:txBody>
-          <a:bodyPr wrap="square" rtlCol="0">
-            <a:spAutoFit/>
-          </a:bodyPr>
-          <a:lstStyle/>
-          <a:p>
-            <a:r>
-              <a:rPr lang="ru-RU" sz="3600" b="1" dirty="0" smtClean="0">
-                <a:latin typeface="Courier New" panose="02070309020205020404" pitchFamily="49" charset="0"/>
-                <a:cs typeface="Courier New" panose="02070309020205020404" pitchFamily="49" charset="0"/>
-              </a:rPr>
-              <a:t>Заключение</a:t>
-            </a:r>
-            <a:endParaRPr lang="en-US" sz="3600" b="1" dirty="0">
-              <a:latin typeface="Courier New" panose="02070309020205020404" pitchFamily="49" charset="0"/>
-              <a:cs typeface="Courier New" panose="02070309020205020404" pitchFamily="49" charset="0"/>
-            </a:endParaRPr>
-          </a:p>
-        </p:txBody>
-      </p:sp>
-      <p:sp>
-        <p:nvSpPr>
-          <p:cNvPr id="2" name="TextBox 1"/>
-          <p:cNvSpPr txBox="1"/>
-          <p:nvPr/>
-        </p:nvSpPr>
-        <p:spPr>
-          <a:xfrm>
-            <a:off x="1309904" y="1150070"/>
-            <a:ext cx="9879290" cy="4524315"/>
-          </a:xfrm>
-          <a:prstGeom prst="rect">
-            <a:avLst/>
-          </a:prstGeom>
-          <a:noFill/>
-        </p:spPr>
-        <p:txBody>
-          <a:bodyPr wrap="square" rtlCol="0">
-            <a:spAutoFit/>
-          </a:bodyPr>
-          <a:lstStyle/>
-          <a:p>
-            <a:r>
-              <a:rPr lang="ru-RU" sz="2400" dirty="0" smtClean="0">
-                <a:latin typeface="Courier New" panose="02070309020205020404" pitchFamily="49" charset="0"/>
-                <a:cs typeface="Courier New" panose="02070309020205020404" pitchFamily="49" charset="0"/>
-              </a:rPr>
-              <a:t>В ходе выполнения выпускной квалификационной работы были проанализированы и выявлены подходы к повышению производительности систем веб-шаблонов. Найденные методы были успешно применены при разработке </a:t>
-            </a:r>
-            <a:r>
-              <a:rPr lang="en-US" sz="2400" dirty="0" smtClean="0">
-                <a:latin typeface="Courier New" panose="02070309020205020404" pitchFamily="49" charset="0"/>
-                <a:cs typeface="Courier New" panose="02070309020205020404" pitchFamily="49" charset="0"/>
-              </a:rPr>
-              <a:t>RESTFul </a:t>
-            </a:r>
-            <a:r>
-              <a:rPr lang="ru-RU" sz="2400" dirty="0" smtClean="0">
-                <a:latin typeface="Courier New" panose="02070309020205020404" pitchFamily="49" charset="0"/>
-                <a:cs typeface="Courier New" panose="02070309020205020404" pitchFamily="49" charset="0"/>
-              </a:rPr>
-              <a:t>веб-сервиса по шаблонизации.</a:t>
-            </a:r>
-          </a:p>
-          <a:p>
-            <a:endParaRPr lang="ru-RU" sz="2400" dirty="0">
-              <a:latin typeface="Courier New" panose="02070309020205020404" pitchFamily="49" charset="0"/>
-              <a:cs typeface="Courier New" panose="02070309020205020404" pitchFamily="49" charset="0"/>
-            </a:endParaRPr>
-          </a:p>
-          <a:p>
-            <a:r>
-              <a:rPr lang="ru-RU" sz="2400" dirty="0" smtClean="0">
-                <a:latin typeface="Courier New" panose="02070309020205020404" pitchFamily="49" charset="0"/>
-                <a:cs typeface="Courier New" panose="02070309020205020404" pitchFamily="49" charset="0"/>
-              </a:rPr>
-              <a:t>Разработанная система обладает высокими показателями производительности и эффективности и способна обслуживать большое количество одновременных запросов. Также веб-сервис обладает удобным пользовательским интерфейсом, что делает его доступным для людей не технических специальностей.</a:t>
-            </a:r>
-          </a:p>
-        </p:txBody>
-      </p:sp>
-    </p:spTree>
-    <p:extLst>
-      <p:ext uri="{BB962C8B-B14F-4D97-AF65-F5344CB8AC3E}">
-        <p14:creationId xmlns:p14="http://schemas.microsoft.com/office/powerpoint/2010/main" val="825459063"/>
-      </p:ext>
-    </p:extLst>
-  </p:cSld>
-  <p:clrMapOvr>
-    <a:masterClrMapping/>
-  </p:clrMapOvr>
-  <p:timing>
-    <p:tnLst>
-      <p:par>
-        <p:cTn id="1" dur="indefinite" restart="never" nodeType="tmRoot"/>
-      </p:par>
-    </p:tnLst>
-  </p:timing>
-</p:sld>
-</file>
-
-<file path=ppt/slides/slide19.xml><?xml version="1.0" encoding="utf-8"?>
-<p:sld xmlns:a="http://schemas.openxmlformats.org/drawingml/2006/main" xmlns:r="http://schemas.openxmlformats.org/officeDocument/2006/relationships" xmlns:p="http://schemas.openxmlformats.org/presentationml/2006/main">
-  <p:cSld>
-    <p:bg>
-      <p:bgPr>
-        <a:pattFill prst="pct10">
-          <a:fgClr>
-            <a:schemeClr val="accent1">
-              <a:lumMod val="60000"/>
-              <a:lumOff val="40000"/>
-            </a:schemeClr>
-          </a:fgClr>
-          <a:bgClr>
-            <a:schemeClr val="bg1"/>
-          </a:bgClr>
-        </a:pattFill>
-        <a:effectLst/>
-      </p:bgPr>
-    </p:bg>
-    <p:spTree>
-      <p:nvGrpSpPr>
-        <p:cNvPr id="1" name=""/>
-        <p:cNvGrpSpPr/>
-        <p:nvPr/>
-      </p:nvGrpSpPr>
-      <p:grpSpPr>
-        <a:xfrm>
-          <a:off x="0" y="0"/>
-          <a:ext cx="0" cy="0"/>
-          <a:chOff x="0" y="0"/>
-          <a:chExt cx="0" cy="0"/>
-        </a:xfrm>
-      </p:grpSpPr>
-      <p:sp>
-        <p:nvSpPr>
-          <p:cNvPr id="3" name="TextBox 2"/>
-          <p:cNvSpPr txBox="1"/>
-          <p:nvPr/>
-        </p:nvSpPr>
-        <p:spPr>
-          <a:xfrm>
-            <a:off x="1121790" y="2686639"/>
-            <a:ext cx="10388338" cy="1107996"/>
-          </a:xfrm>
-          <a:prstGeom prst="rect">
-            <a:avLst/>
-          </a:prstGeom>
-          <a:noFill/>
-        </p:spPr>
-        <p:txBody>
-          <a:bodyPr wrap="square" rtlCol="0">
-            <a:spAutoFit/>
-          </a:bodyPr>
-          <a:lstStyle/>
-          <a:p>
-            <a:r>
-              <a:rPr lang="ru-RU" sz="6600" b="1" dirty="0" smtClean="0">
-                <a:latin typeface="Courier New" panose="02070309020205020404" pitchFamily="49" charset="0"/>
-                <a:cs typeface="Courier New" panose="02070309020205020404" pitchFamily="49" charset="0"/>
-              </a:rPr>
-              <a:t>Спасибо за внимание!</a:t>
-            </a:r>
-            <a:endParaRPr lang="en-US" sz="6600" b="1" dirty="0">
-              <a:latin typeface="Courier New" panose="02070309020205020404" pitchFamily="49" charset="0"/>
-              <a:cs typeface="Courier New" panose="02070309020205020404" pitchFamily="49" charset="0"/>
-            </a:endParaRPr>
-          </a:p>
-        </p:txBody>
-      </p:sp>
-    </p:spTree>
-    <p:extLst>
-      <p:ext uri="{BB962C8B-B14F-4D97-AF65-F5344CB8AC3E}">
-        <p14:creationId xmlns:p14="http://schemas.microsoft.com/office/powerpoint/2010/main" val="541023994"/>
-      </p:ext>
-    </p:extLst>
-  </p:cSld>
-  <p:clrMapOvr>
-    <a:masterClrMapping/>
-  </p:clrMapOvr>
-  <p:timing>
-    <p:tnLst>
-      <p:par>
-        <p:cTn id="1" dur="indefinite" restart="never" nodeType="tmRoot"/>
-      </p:par>
-    </p:tnLst>
-  </p:timing>
-</p:sld>
-</file>
-
-<file path=ppt/slides/slide2.xml><?xml version="1.0" encoding="utf-8"?>
-<p:sld xmlns:a="http://schemas.openxmlformats.org/drawingml/2006/main" xmlns:r="http://schemas.openxmlformats.org/officeDocument/2006/relationships" xmlns:p="http://schemas.openxmlformats.org/presentationml/2006/main">
-  <p:cSld>
-    <p:bg>
-      <p:bgPr>
-        <a:pattFill prst="pct10">
-          <a:fgClr>
-            <a:schemeClr val="accent1">
-              <a:lumMod val="60000"/>
-              <a:lumOff val="40000"/>
-            </a:schemeClr>
-          </a:fgClr>
-          <a:bgClr>
-            <a:schemeClr val="bg1"/>
-          </a:bgClr>
-        </a:pattFill>
-        <a:effectLst/>
-      </p:bgPr>
-    </p:bg>
-    <p:spTree>
-      <p:nvGrpSpPr>
-        <p:cNvPr id="1" name=""/>
-        <p:cNvGrpSpPr/>
-        <p:nvPr/>
-      </p:nvGrpSpPr>
-      <p:grpSpPr>
-        <a:xfrm>
-          <a:off x="0" y="0"/>
-          <a:ext cx="0" cy="0"/>
-          <a:chOff x="0" y="0"/>
-          <a:chExt cx="0" cy="0"/>
-        </a:xfrm>
-      </p:grpSpPr>
-      <p:sp>
-        <p:nvSpPr>
-          <p:cNvPr id="4" name="TextBox 3"/>
-          <p:cNvSpPr txBox="1"/>
-          <p:nvPr/>
-        </p:nvSpPr>
-        <p:spPr>
-          <a:xfrm>
-            <a:off x="952107" y="669471"/>
-            <a:ext cx="8689914" cy="646331"/>
-          </a:xfrm>
-          <a:prstGeom prst="rect">
-            <a:avLst/>
-          </a:prstGeom>
-          <a:noFill/>
-        </p:spPr>
-        <p:txBody>
-          <a:bodyPr wrap="square" rtlCol="0">
-            <a:spAutoFit/>
-          </a:bodyPr>
-          <a:lstStyle/>
-          <a:p>
-            <a:r>
-              <a:rPr lang="ru-RU" sz="3600" b="1" dirty="0" smtClean="0">
-                <a:latin typeface="Courier New" panose="02070309020205020404" pitchFamily="49" charset="0"/>
-                <a:cs typeface="Courier New" panose="02070309020205020404" pitchFamily="49" charset="0"/>
-              </a:rPr>
-              <a:t>Структура презентации</a:t>
-            </a:r>
-            <a:endParaRPr lang="en-US" sz="3600" b="1" dirty="0">
-              <a:latin typeface="Courier New" panose="02070309020205020404" pitchFamily="49" charset="0"/>
-              <a:cs typeface="Courier New" panose="02070309020205020404" pitchFamily="49" charset="0"/>
-            </a:endParaRPr>
-          </a:p>
-        </p:txBody>
-      </p:sp>
-      <p:sp>
-        <p:nvSpPr>
-          <p:cNvPr id="8" name="TextBox 7"/>
-          <p:cNvSpPr txBox="1"/>
-          <p:nvPr/>
-        </p:nvSpPr>
-        <p:spPr>
-          <a:xfrm>
-            <a:off x="1306285" y="1567543"/>
-            <a:ext cx="9535885" cy="3970318"/>
-          </a:xfrm>
-          <a:prstGeom prst="rect">
-            <a:avLst/>
-          </a:prstGeom>
-          <a:noFill/>
-        </p:spPr>
-        <p:txBody>
-          <a:bodyPr wrap="square" rtlCol="0">
-            <a:spAutoFit/>
-          </a:bodyPr>
-          <a:lstStyle/>
-          <a:p>
-            <a:pPr marL="342900" indent="-342900">
-              <a:lnSpc>
-                <a:spcPct val="150000"/>
-              </a:lnSpc>
-              <a:buFont typeface="+mj-lt"/>
-              <a:buAutoNum type="arabicPeriod"/>
-            </a:pPr>
-            <a:r>
-              <a:rPr lang="ru-RU" sz="2400" dirty="0" smtClean="0">
-                <a:latin typeface="Courier New" panose="02070309020205020404" pitchFamily="49" charset="0"/>
-                <a:cs typeface="Courier New" panose="02070309020205020404" pitchFamily="49" charset="0"/>
-              </a:rPr>
-              <a:t>Актуальность </a:t>
-            </a:r>
-            <a:r>
-              <a:rPr lang="ru-RU" sz="2400" dirty="0" smtClean="0">
-                <a:latin typeface="Courier New" panose="02070309020205020404" pitchFamily="49" charset="0"/>
-                <a:cs typeface="Courier New" panose="02070309020205020404" pitchFamily="49" charset="0"/>
-              </a:rPr>
-              <a:t>работы</a:t>
-            </a:r>
-            <a:r>
-              <a:rPr lang="en-US" sz="2400" dirty="0" smtClean="0">
-                <a:latin typeface="Courier New" panose="02070309020205020404" pitchFamily="49" charset="0"/>
-                <a:cs typeface="Courier New" panose="02070309020205020404" pitchFamily="49" charset="0"/>
-              </a:rPr>
-              <a:t>,</a:t>
-            </a:r>
-            <a:endParaRPr lang="ru-RU" sz="2400" dirty="0" smtClean="0">
-              <a:latin typeface="Courier New" panose="02070309020205020404" pitchFamily="49" charset="0"/>
-              <a:cs typeface="Courier New" panose="02070309020205020404" pitchFamily="49" charset="0"/>
-            </a:endParaRPr>
-          </a:p>
-          <a:p>
-            <a:pPr marL="342900" indent="-342900">
-              <a:lnSpc>
-                <a:spcPct val="150000"/>
-              </a:lnSpc>
-              <a:buFont typeface="+mj-lt"/>
-              <a:buAutoNum type="arabicPeriod"/>
-            </a:pPr>
-            <a:r>
-              <a:rPr lang="ru-RU" sz="2400" dirty="0" smtClean="0">
-                <a:latin typeface="Courier New" panose="02070309020205020404" pitchFamily="49" charset="0"/>
-                <a:cs typeface="Courier New" panose="02070309020205020404" pitchFamily="49" charset="0"/>
-              </a:rPr>
-              <a:t>Цели и задачи</a:t>
-            </a:r>
-          </a:p>
-          <a:p>
-            <a:pPr marL="342900" indent="-342900">
-              <a:lnSpc>
-                <a:spcPct val="150000"/>
-              </a:lnSpc>
-              <a:buFont typeface="+mj-lt"/>
-              <a:buAutoNum type="arabicPeriod"/>
-            </a:pPr>
-            <a:r>
-              <a:rPr lang="ru-RU" sz="2400" dirty="0" smtClean="0">
-                <a:latin typeface="Courier New" panose="02070309020205020404" pitchFamily="49" charset="0"/>
-                <a:cs typeface="Courier New" panose="02070309020205020404" pitchFamily="49" charset="0"/>
-              </a:rPr>
-              <a:t>Основные проблемы производительности</a:t>
-            </a:r>
-          </a:p>
-          <a:p>
-            <a:pPr marL="342900" indent="-342900">
-              <a:lnSpc>
-                <a:spcPct val="150000"/>
-              </a:lnSpc>
-              <a:buFont typeface="+mj-lt"/>
-              <a:buAutoNum type="arabicPeriod"/>
-            </a:pPr>
-            <a:r>
-              <a:rPr lang="ru-RU" sz="2400" dirty="0" smtClean="0">
-                <a:latin typeface="Courier New" panose="02070309020205020404" pitchFamily="49" charset="0"/>
-                <a:cs typeface="Courier New" panose="02070309020205020404" pitchFamily="49" charset="0"/>
-              </a:rPr>
-              <a:t>Выбранные решения проблемы производительности</a:t>
-            </a:r>
-          </a:p>
-          <a:p>
-            <a:pPr marL="342900" indent="-342900">
-              <a:lnSpc>
-                <a:spcPct val="150000"/>
-              </a:lnSpc>
-              <a:buFont typeface="+mj-lt"/>
-              <a:buAutoNum type="arabicPeriod"/>
-            </a:pPr>
-            <a:r>
-              <a:rPr lang="ru-RU" sz="2400" dirty="0" smtClean="0">
-                <a:latin typeface="Courier New" panose="02070309020205020404" pitchFamily="49" charset="0"/>
-                <a:cs typeface="Courier New" panose="02070309020205020404" pitchFamily="49" charset="0"/>
-              </a:rPr>
-              <a:t>Проектирование системы веб-шаблонов</a:t>
-            </a:r>
-          </a:p>
-          <a:p>
-            <a:pPr marL="342900" indent="-342900">
-              <a:lnSpc>
-                <a:spcPct val="150000"/>
-              </a:lnSpc>
-              <a:buFont typeface="+mj-lt"/>
-              <a:buAutoNum type="arabicPeriod"/>
-            </a:pPr>
-            <a:r>
-              <a:rPr lang="ru-RU" sz="2400" dirty="0" smtClean="0">
-                <a:latin typeface="Courier New" panose="02070309020205020404" pitchFamily="49" charset="0"/>
-                <a:cs typeface="Courier New" panose="02070309020205020404" pitchFamily="49" charset="0"/>
-              </a:rPr>
-              <a:t>Выбранные инструменты</a:t>
-            </a:r>
-          </a:p>
-          <a:p>
-            <a:pPr marL="342900" indent="-342900">
-              <a:lnSpc>
-                <a:spcPct val="150000"/>
-              </a:lnSpc>
-              <a:buFont typeface="+mj-lt"/>
-              <a:buAutoNum type="arabicPeriod"/>
-            </a:pPr>
-            <a:r>
-              <a:rPr lang="ru-RU" sz="2400" dirty="0" smtClean="0">
-                <a:latin typeface="Courier New" panose="02070309020205020404" pitchFamily="49" charset="0"/>
-                <a:cs typeface="Courier New" panose="02070309020205020404" pitchFamily="49" charset="0"/>
-              </a:rPr>
-              <a:t>Результаты разработки / Тесты производительности</a:t>
-            </a:r>
-          </a:p>
-        </p:txBody>
-      </p:sp>
-    </p:spTree>
-    <p:extLst>
-      <p:ext uri="{BB962C8B-B14F-4D97-AF65-F5344CB8AC3E}">
-        <p14:creationId xmlns:p14="http://schemas.microsoft.com/office/powerpoint/2010/main" val="62353730"/>
-      </p:ext>
-    </p:extLst>
-  </p:cSld>
-  <p:clrMapOvr>
-    <a:masterClrMapping/>
-  </p:clrMapOvr>
-  <p:timing>
-    <p:tnLst>
-      <p:par>
-        <p:cTn id="1" dur="indefinite" restart="never" nodeType="tmRoot"/>
-      </p:par>
-    </p:tnLst>
-  </p:timing>
-</p:sld>
-</file>
-
-<file path=ppt/slides/slide3.xml><?xml version="1.0" encoding="utf-8"?>
-<p:sld xmlns:a="http://schemas.openxmlformats.org/drawingml/2006/main" xmlns:r="http://schemas.openxmlformats.org/officeDocument/2006/relationships" xmlns:p="http://schemas.openxmlformats.org/presentationml/2006/main">
-  <p:cSld>
-    <p:bg>
-      <p:bgPr>
-        <a:pattFill prst="pct10">
-          <a:fgClr>
-            <a:schemeClr val="accent1">
-              <a:lumMod val="60000"/>
-              <a:lumOff val="40000"/>
-            </a:schemeClr>
-          </a:fgClr>
-          <a:bgClr>
-            <a:schemeClr val="bg1"/>
-          </a:bgClr>
-        </a:pattFill>
-        <a:effectLst/>
-      </p:bgPr>
-    </p:bg>
-    <p:spTree>
-      <p:nvGrpSpPr>
-        <p:cNvPr id="1" name=""/>
-        <p:cNvGrpSpPr/>
-        <p:nvPr/>
-      </p:nvGrpSpPr>
-      <p:grpSpPr>
-        <a:xfrm>
-          <a:off x="0" y="0"/>
-          <a:ext cx="0" cy="0"/>
-          <a:chOff x="0" y="0"/>
-          <a:chExt cx="0" cy="0"/>
-        </a:xfrm>
-      </p:grpSpPr>
-      <p:sp>
-        <p:nvSpPr>
-          <p:cNvPr id="3" name="TextBox 2"/>
-          <p:cNvSpPr txBox="1"/>
-          <p:nvPr/>
-        </p:nvSpPr>
-        <p:spPr>
-          <a:xfrm>
-            <a:off x="868460" y="1061025"/>
-            <a:ext cx="9834918" cy="369332"/>
-          </a:xfrm>
-          <a:prstGeom prst="rect">
-            <a:avLst/>
-          </a:prstGeom>
-          <a:noFill/>
-        </p:spPr>
-        <p:txBody>
-          <a:bodyPr wrap="square" rtlCol="0">
-            <a:spAutoFit/>
-          </a:bodyPr>
-          <a:lstStyle/>
-          <a:p>
-            <a:r>
-              <a:rPr lang="ru-RU" b="1" dirty="0">
-                <a:latin typeface="Courier New" panose="02070309020205020404" pitchFamily="49" charset="0"/>
-                <a:cs typeface="Courier New" panose="02070309020205020404" pitchFamily="49" charset="0"/>
-              </a:rPr>
-              <a:t>Система веб-шаблонов </a:t>
-            </a:r>
-            <a:r>
-              <a:rPr lang="ru-RU" dirty="0">
-                <a:latin typeface="Courier New" panose="02070309020205020404" pitchFamily="49" charset="0"/>
-                <a:cs typeface="Courier New" panose="02070309020205020404" pitchFamily="49" charset="0"/>
-              </a:rPr>
-              <a:t>– система, в состав которой входят три элемента</a:t>
-            </a:r>
-            <a:r>
-              <a:rPr lang="ru-RU" dirty="0" smtClean="0">
-                <a:latin typeface="Courier New" panose="02070309020205020404" pitchFamily="49" charset="0"/>
-                <a:cs typeface="Courier New" panose="02070309020205020404" pitchFamily="49" charset="0"/>
-              </a:rPr>
-              <a:t>:</a:t>
-            </a:r>
-            <a:endParaRPr lang="ru-RU" dirty="0">
-              <a:latin typeface="Courier New" panose="02070309020205020404" pitchFamily="49" charset="0"/>
-              <a:cs typeface="Courier New" panose="02070309020205020404" pitchFamily="49" charset="0"/>
-            </a:endParaRPr>
-          </a:p>
-        </p:txBody>
-      </p:sp>
-      <p:pic>
-        <p:nvPicPr>
-          <p:cNvPr id="6" name="Рисунок 5"/>
-          <p:cNvPicPr>
-            <a:picLocks noChangeAspect="1"/>
-          </p:cNvPicPr>
-          <p:nvPr/>
-        </p:nvPicPr>
-        <p:blipFill>
-          <a:blip r:embed="rId2">
-            <a:extLst>
-              <a:ext uri="{28A0092B-C50C-407E-A947-70E740481C1C}">
-                <a14:useLocalDpi xmlns:a14="http://schemas.microsoft.com/office/drawing/2010/main" val="0"/>
-              </a:ext>
-            </a:extLst>
-          </a:blip>
-          <a:stretch>
-            <a:fillRect/>
-          </a:stretch>
-        </p:blipFill>
-        <p:spPr>
-          <a:xfrm>
-            <a:off x="6025243" y="2610000"/>
-            <a:ext cx="5547092" cy="3611186"/>
-          </a:xfrm>
-          <a:prstGeom prst="rect">
-            <a:avLst/>
-          </a:prstGeom>
-        </p:spPr>
-      </p:pic>
-      <p:sp>
-        <p:nvSpPr>
-          <p:cNvPr id="5" name="TextBox 4"/>
-          <p:cNvSpPr txBox="1"/>
-          <p:nvPr/>
-        </p:nvSpPr>
-        <p:spPr>
-          <a:xfrm>
-            <a:off x="693964" y="268217"/>
-            <a:ext cx="6833507" cy="646331"/>
-          </a:xfrm>
-          <a:prstGeom prst="rect">
-            <a:avLst/>
-          </a:prstGeom>
-          <a:noFill/>
-        </p:spPr>
-        <p:txBody>
-          <a:bodyPr wrap="square" rtlCol="0">
-            <a:spAutoFit/>
-          </a:bodyPr>
-          <a:lstStyle/>
-          <a:p>
-            <a:r>
-              <a:rPr lang="ru-RU" sz="3600" b="1" dirty="0" smtClean="0">
-                <a:latin typeface="Courier New" panose="02070309020205020404" pitchFamily="49" charset="0"/>
-                <a:cs typeface="Courier New" panose="02070309020205020404" pitchFamily="49" charset="0"/>
-              </a:rPr>
-              <a:t>Система веб-шаблонов</a:t>
-            </a:r>
-            <a:endParaRPr lang="en-US" sz="3600" b="1" dirty="0">
-              <a:latin typeface="Courier New" panose="02070309020205020404" pitchFamily="49" charset="0"/>
-              <a:cs typeface="Courier New" panose="02070309020205020404" pitchFamily="49" charset="0"/>
-            </a:endParaRPr>
-          </a:p>
-        </p:txBody>
-      </p:sp>
-      <p:sp>
-        <p:nvSpPr>
-          <p:cNvPr id="7" name="TextBox 6"/>
-          <p:cNvSpPr txBox="1"/>
-          <p:nvPr/>
-        </p:nvSpPr>
-        <p:spPr>
-          <a:xfrm>
-            <a:off x="938892" y="1686670"/>
-            <a:ext cx="5592537" cy="923330"/>
-          </a:xfrm>
-          <a:prstGeom prst="rect">
-            <a:avLst/>
-          </a:prstGeom>
-          <a:noFill/>
-        </p:spPr>
-        <p:txBody>
-          <a:bodyPr wrap="square" rtlCol="0">
-            <a:spAutoFit/>
-          </a:bodyPr>
-          <a:lstStyle/>
-          <a:p>
-            <a:pPr marL="285750" indent="-285750">
-              <a:buFont typeface="Arial" panose="020B0604020202020204" pitchFamily="34" charset="0"/>
-              <a:buChar char="•"/>
-            </a:pPr>
-            <a:r>
-              <a:rPr lang="ru-RU" b="1" dirty="0" smtClean="0">
-                <a:latin typeface="Courier New" panose="02070309020205020404" pitchFamily="49" charset="0"/>
-                <a:cs typeface="Courier New" panose="02070309020205020404" pitchFamily="49" charset="0"/>
-              </a:rPr>
-              <a:t>Веб-шаблон</a:t>
-            </a:r>
-            <a:endParaRPr lang="ru-RU" b="1" dirty="0">
-              <a:latin typeface="Courier New" panose="02070309020205020404" pitchFamily="49" charset="0"/>
-              <a:cs typeface="Courier New" panose="02070309020205020404" pitchFamily="49" charset="0"/>
-            </a:endParaRPr>
-          </a:p>
-          <a:p>
-            <a:pPr marL="285750" indent="-285750">
-              <a:buFont typeface="Arial" panose="020B0604020202020204" pitchFamily="34" charset="0"/>
-              <a:buChar char="•"/>
-            </a:pPr>
-            <a:r>
-              <a:rPr lang="ru-RU" b="1" dirty="0" smtClean="0">
-                <a:latin typeface="Courier New" panose="02070309020205020404" pitchFamily="49" charset="0"/>
-                <a:cs typeface="Courier New" panose="02070309020205020404" pitchFamily="49" charset="0"/>
-              </a:rPr>
-              <a:t>Источника </a:t>
-            </a:r>
-            <a:r>
-              <a:rPr lang="ru-RU" b="1" dirty="0">
-                <a:latin typeface="Courier New" panose="02070309020205020404" pitchFamily="49" charset="0"/>
-                <a:cs typeface="Courier New" panose="02070309020205020404" pitchFamily="49" charset="0"/>
-              </a:rPr>
-              <a:t>данных </a:t>
-            </a:r>
-            <a:r>
-              <a:rPr lang="ru-RU" dirty="0">
-                <a:latin typeface="Courier New" panose="02070309020205020404" pitchFamily="49" charset="0"/>
-                <a:cs typeface="Courier New" panose="02070309020205020404" pitchFamily="49" charset="0"/>
-              </a:rPr>
-              <a:t>(</a:t>
-            </a:r>
-            <a:r>
-              <a:rPr lang="ru-RU" dirty="0" smtClean="0">
-                <a:latin typeface="Courier New" panose="02070309020205020404" pitchFamily="49" charset="0"/>
-                <a:cs typeface="Courier New" panose="02070309020205020404" pitchFamily="49" charset="0"/>
-              </a:rPr>
-              <a:t>JSON, база </a:t>
-            </a:r>
-            <a:r>
-              <a:rPr lang="ru-RU" dirty="0">
-                <a:latin typeface="Courier New" panose="02070309020205020404" pitchFamily="49" charset="0"/>
-                <a:cs typeface="Courier New" panose="02070309020205020404" pitchFamily="49" charset="0"/>
-              </a:rPr>
-              <a:t>данных</a:t>
-            </a:r>
-            <a:r>
-              <a:rPr lang="ru-RU" dirty="0" smtClean="0">
-                <a:latin typeface="Courier New" panose="02070309020205020404" pitchFamily="49" charset="0"/>
-                <a:cs typeface="Courier New" panose="02070309020205020404" pitchFamily="49" charset="0"/>
-              </a:rPr>
-              <a:t>)</a:t>
-            </a:r>
-            <a:endParaRPr lang="ru-RU" dirty="0">
-              <a:latin typeface="Courier New" panose="02070309020205020404" pitchFamily="49" charset="0"/>
-              <a:cs typeface="Courier New" panose="02070309020205020404" pitchFamily="49" charset="0"/>
-            </a:endParaRPr>
-          </a:p>
-          <a:p>
-            <a:pPr marL="285750" indent="-285750">
-              <a:buFont typeface="Arial" panose="020B0604020202020204" pitchFamily="34" charset="0"/>
-              <a:buChar char="•"/>
-            </a:pPr>
-            <a:r>
-              <a:rPr lang="ru-RU" b="1" dirty="0" smtClean="0">
-                <a:latin typeface="Courier New" panose="02070309020205020404" pitchFamily="49" charset="0"/>
-                <a:cs typeface="Courier New" panose="02070309020205020404" pitchFamily="49" charset="0"/>
-              </a:rPr>
-              <a:t>Шаблонизатор </a:t>
-            </a:r>
-            <a:endParaRPr lang="ru-RU" b="1" dirty="0">
-              <a:latin typeface="Courier New" panose="02070309020205020404" pitchFamily="49" charset="0"/>
-              <a:cs typeface="Courier New" panose="02070309020205020404" pitchFamily="49" charset="0"/>
-            </a:endParaRPr>
-          </a:p>
-        </p:txBody>
-      </p:sp>
-      <p:sp>
-        <p:nvSpPr>
-          <p:cNvPr id="8" name="TextBox 7"/>
-          <p:cNvSpPr txBox="1"/>
-          <p:nvPr/>
-        </p:nvSpPr>
-        <p:spPr>
-          <a:xfrm>
-            <a:off x="868460" y="5061857"/>
-            <a:ext cx="4767943" cy="923330"/>
-          </a:xfrm>
-          <a:prstGeom prst="rect">
-            <a:avLst/>
-          </a:prstGeom>
-          <a:noFill/>
-        </p:spPr>
-        <p:txBody>
-          <a:bodyPr wrap="square" rtlCol="0">
-            <a:spAutoFit/>
-          </a:bodyPr>
-          <a:lstStyle/>
-          <a:p>
-            <a:r>
-              <a:rPr lang="ru-RU" b="1" dirty="0" smtClean="0">
-                <a:latin typeface="Courier New" panose="02070309020205020404" pitchFamily="49" charset="0"/>
-                <a:cs typeface="Courier New" panose="02070309020205020404" pitchFamily="49" charset="0"/>
-              </a:rPr>
-              <a:t>*</a:t>
-            </a:r>
-            <a:r>
-              <a:rPr lang="ru-RU" dirty="0" smtClean="0">
-                <a:latin typeface="Courier New" panose="02070309020205020404" pitchFamily="49" charset="0"/>
-                <a:cs typeface="Courier New" panose="02070309020205020404" pitchFamily="49" charset="0"/>
-              </a:rPr>
-              <a:t> Шаблонизатор </a:t>
-            </a:r>
-            <a:r>
-              <a:rPr lang="ru-RU" dirty="0">
-                <a:latin typeface="Courier New" panose="02070309020205020404" pitchFamily="49" charset="0"/>
-                <a:cs typeface="Courier New" panose="02070309020205020404" pitchFamily="49" charset="0"/>
-              </a:rPr>
-              <a:t>комбинирует данные и веб-шаблоны для массовой генерации веб-документов</a:t>
-            </a:r>
-            <a:r>
-              <a:rPr lang="ru-RU" dirty="0"/>
-              <a:t>.</a:t>
-            </a:r>
-            <a:endParaRPr lang="en-US" dirty="0"/>
-          </a:p>
-        </p:txBody>
-      </p:sp>
-    </p:spTree>
-    <p:extLst>
-      <p:ext uri="{BB962C8B-B14F-4D97-AF65-F5344CB8AC3E}">
-        <p14:creationId xmlns:p14="http://schemas.microsoft.com/office/powerpoint/2010/main" val="3029500358"/>
-      </p:ext>
-    </p:extLst>
-  </p:cSld>
-  <p:clrMapOvr>
-    <a:masterClrMapping/>
-  </p:clrMapOvr>
-  <p:timing>
-    <p:tnLst>
-      <p:par>
-        <p:cTn id="1" dur="indefinite" restart="never" nodeType="tmRoot"/>
-      </p:par>
-    </p:tnLst>
-  </p:timing>
-</p:sld>
-</file>
-
-<file path=ppt/slides/slide4.xml><?xml version="1.0" encoding="utf-8"?>
-<p:sld xmlns:a="http://schemas.openxmlformats.org/drawingml/2006/main" xmlns:r="http://schemas.openxmlformats.org/officeDocument/2006/relationships" xmlns:p="http://schemas.openxmlformats.org/presentationml/2006/main">
-  <p:cSld>
-    <p:bg>
-      <p:bgPr>
-        <a:pattFill prst="pct10">
-          <a:fgClr>
-            <a:schemeClr val="accent1">
-              <a:lumMod val="60000"/>
-              <a:lumOff val="40000"/>
-            </a:schemeClr>
-          </a:fgClr>
-          <a:bgClr>
-            <a:schemeClr val="bg1"/>
-          </a:bgClr>
-        </a:pattFill>
-        <a:effectLst/>
-      </p:bgPr>
-    </p:bg>
-    <p:spTree>
-      <p:nvGrpSpPr>
-        <p:cNvPr id="1" name=""/>
-        <p:cNvGrpSpPr/>
-        <p:nvPr/>
-      </p:nvGrpSpPr>
-      <p:grpSpPr>
-        <a:xfrm>
-          <a:off x="0" y="0"/>
-          <a:ext cx="0" cy="0"/>
-          <a:chOff x="0" y="0"/>
-          <a:chExt cx="0" cy="0"/>
-        </a:xfrm>
-      </p:grpSpPr>
-      <p:pic>
-        <p:nvPicPr>
-          <p:cNvPr id="3" name="Рисунок 2"/>
-          <p:cNvPicPr>
-            <a:picLocks noChangeAspect="1"/>
-          </p:cNvPicPr>
-          <p:nvPr/>
-        </p:nvPicPr>
-        <p:blipFill>
-          <a:blip r:embed="rId2">
-            <a:extLst>
-              <a:ext uri="{28A0092B-C50C-407E-A947-70E740481C1C}">
-                <a14:useLocalDpi xmlns:a14="http://schemas.microsoft.com/office/drawing/2010/main" val="0"/>
-              </a:ext>
-            </a:extLst>
-          </a:blip>
-          <a:stretch>
-            <a:fillRect/>
-          </a:stretch>
-        </p:blipFill>
-        <p:spPr>
-          <a:xfrm>
-            <a:off x="2089007" y="1044185"/>
-            <a:ext cx="8337835" cy="5349766"/>
-          </a:xfrm>
-          <a:prstGeom prst="rect">
-            <a:avLst/>
-          </a:prstGeom>
-          <a:ln>
-            <a:solidFill>
-              <a:schemeClr val="tx1">
-                <a:lumMod val="95000"/>
-                <a:lumOff val="5000"/>
-              </a:schemeClr>
-            </a:solidFill>
-          </a:ln>
-        </p:spPr>
-      </p:pic>
-      <p:sp>
-        <p:nvSpPr>
-          <p:cNvPr id="6" name="TextBox 5"/>
-          <p:cNvSpPr txBox="1"/>
-          <p:nvPr/>
-        </p:nvSpPr>
-        <p:spPr>
-          <a:xfrm>
-            <a:off x="644979" y="220436"/>
-            <a:ext cx="11225892" cy="584775"/>
-          </a:xfrm>
-          <a:prstGeom prst="rect">
-            <a:avLst/>
-          </a:prstGeom>
-          <a:noFill/>
-        </p:spPr>
-        <p:txBody>
-          <a:bodyPr wrap="square" rtlCol="0">
-            <a:spAutoFit/>
-          </a:bodyPr>
-          <a:lstStyle/>
-          <a:p>
-            <a:r>
-              <a:rPr lang="ru-RU" sz="3200" b="1" dirty="0" smtClean="0">
-                <a:latin typeface="Courier New" panose="02070309020205020404" pitchFamily="49" charset="0"/>
-                <a:cs typeface="Courier New" panose="02070309020205020404" pitchFamily="49" charset="0"/>
-              </a:rPr>
-              <a:t>Принцип работы системы веб-шаблонов (</a:t>
-            </a:r>
-            <a:r>
-              <a:rPr lang="en-US" sz="3200" b="1" dirty="0" smtClean="0">
-                <a:latin typeface="Courier New" panose="02070309020205020404" pitchFamily="49" charset="0"/>
-                <a:cs typeface="Courier New" panose="02070309020205020404" pitchFamily="49" charset="0"/>
-              </a:rPr>
-              <a:t>IDEF0)</a:t>
-            </a:r>
-            <a:endParaRPr lang="en-US" sz="3200" b="1" dirty="0">
-              <a:latin typeface="Courier New" panose="02070309020205020404" pitchFamily="49" charset="0"/>
-              <a:cs typeface="Courier New" panose="02070309020205020404" pitchFamily="49" charset="0"/>
-            </a:endParaRPr>
-          </a:p>
-        </p:txBody>
-      </p:sp>
-    </p:spTree>
-    <p:extLst>
-      <p:ext uri="{BB962C8B-B14F-4D97-AF65-F5344CB8AC3E}">
-        <p14:creationId xmlns:p14="http://schemas.microsoft.com/office/powerpoint/2010/main" val="1133410021"/>
-      </p:ext>
-    </p:extLst>
-  </p:cSld>
-  <p:clrMapOvr>
-    <a:masterClrMapping/>
-  </p:clrMapOvr>
-  <p:timing>
-    <p:tnLst>
-      <p:par>
-        <p:cTn id="1" dur="indefinite" restart="never" nodeType="tmRoot"/>
-      </p:par>
-    </p:tnLst>
-  </p:timing>
-</p:sld>
-</file>
-
-<file path=ppt/slides/slide5.xml><?xml version="1.0" encoding="utf-8"?>
-<p:sld xmlns:a="http://schemas.openxmlformats.org/drawingml/2006/main" xmlns:r="http://schemas.openxmlformats.org/officeDocument/2006/relationships" xmlns:p="http://schemas.openxmlformats.org/presentationml/2006/main">
-  <p:cSld>
-    <p:bg>
-      <p:bgPr>
-        <a:pattFill prst="pct10">
-          <a:fgClr>
-            <a:schemeClr val="accent1">
-              <a:lumMod val="60000"/>
-              <a:lumOff val="40000"/>
-            </a:schemeClr>
-          </a:fgClr>
-          <a:bgClr>
-            <a:schemeClr val="bg1"/>
-          </a:bgClr>
-        </a:pattFill>
-        <a:effectLst/>
-      </p:bgPr>
-    </p:bg>
-    <p:spTree>
-      <p:nvGrpSpPr>
-        <p:cNvPr id="1" name=""/>
-        <p:cNvGrpSpPr/>
-        <p:nvPr/>
-      </p:nvGrpSpPr>
-      <p:grpSpPr>
-        <a:xfrm>
-          <a:off x="0" y="0"/>
-          <a:ext cx="0" cy="0"/>
-          <a:chOff x="0" y="0"/>
-          <a:chExt cx="0" cy="0"/>
-        </a:xfrm>
-      </p:grpSpPr>
-      <p:sp>
-        <p:nvSpPr>
-          <p:cNvPr id="5" name="TextBox 4"/>
-          <p:cNvSpPr txBox="1"/>
-          <p:nvPr/>
-        </p:nvSpPr>
-        <p:spPr>
-          <a:xfrm>
-            <a:off x="816429" y="538843"/>
-            <a:ext cx="8515350" cy="646331"/>
-          </a:xfrm>
-          <a:prstGeom prst="rect">
-            <a:avLst/>
-          </a:prstGeom>
-          <a:noFill/>
-        </p:spPr>
-        <p:txBody>
-          <a:bodyPr wrap="square" rtlCol="0">
-            <a:spAutoFit/>
-          </a:bodyPr>
-          <a:lstStyle/>
-          <a:p>
-            <a:r>
-              <a:rPr lang="ru-RU" sz="3600" b="1" dirty="0" smtClean="0">
-                <a:latin typeface="Courier New" panose="02070309020205020404" pitchFamily="49" charset="0"/>
-                <a:cs typeface="Courier New" panose="02070309020205020404" pitchFamily="49" charset="0"/>
-              </a:rPr>
-              <a:t>Актуальность работы</a:t>
-            </a:r>
-            <a:endParaRPr lang="en-US" sz="3600" b="1" dirty="0">
-              <a:latin typeface="Courier New" panose="02070309020205020404" pitchFamily="49" charset="0"/>
-              <a:cs typeface="Courier New" panose="02070309020205020404" pitchFamily="49" charset="0"/>
-            </a:endParaRPr>
-          </a:p>
-        </p:txBody>
-      </p:sp>
-      <p:sp>
-        <p:nvSpPr>
-          <p:cNvPr id="8" name="TextBox 7"/>
-          <p:cNvSpPr txBox="1"/>
-          <p:nvPr/>
-        </p:nvSpPr>
-        <p:spPr>
-          <a:xfrm>
-            <a:off x="1077684" y="1420586"/>
-            <a:ext cx="10401302" cy="3416320"/>
-          </a:xfrm>
-          <a:prstGeom prst="rect">
-            <a:avLst/>
-          </a:prstGeom>
-          <a:noFill/>
-        </p:spPr>
-        <p:txBody>
-          <a:bodyPr wrap="square" rtlCol="0">
-            <a:spAutoFit/>
-          </a:bodyPr>
-          <a:lstStyle/>
-          <a:p>
-            <a:pPr marL="342900" indent="-342900">
-              <a:lnSpc>
-                <a:spcPct val="150000"/>
-              </a:lnSpc>
-              <a:buFont typeface="Arial" panose="020B0604020202020204" pitchFamily="34" charset="0"/>
-              <a:buChar char="•"/>
-            </a:pPr>
-            <a:r>
-              <a:rPr lang="ru-RU" sz="2400" dirty="0" smtClean="0">
-                <a:latin typeface="Courier New" panose="02070309020205020404" pitchFamily="49" charset="0"/>
-                <a:cs typeface="Courier New" panose="02070309020205020404" pitchFamily="49" charset="0"/>
-              </a:rPr>
-              <a:t>Существующие популярные системы веб-шаблонов не ресурсоэффективные </a:t>
-            </a:r>
-          </a:p>
-          <a:p>
-            <a:pPr marL="342900" indent="-342900">
-              <a:lnSpc>
-                <a:spcPct val="150000"/>
-              </a:lnSpc>
-              <a:buFont typeface="Arial" panose="020B0604020202020204" pitchFamily="34" charset="0"/>
-              <a:buChar char="•"/>
-            </a:pPr>
-            <a:r>
-              <a:rPr lang="ru-RU" sz="2400" dirty="0" smtClean="0">
-                <a:latin typeface="Courier New" panose="02070309020205020404" pitchFamily="49" charset="0"/>
-                <a:cs typeface="Courier New" panose="02070309020205020404" pitchFamily="49" charset="0"/>
-              </a:rPr>
-              <a:t>Они являются частью более сложных фреймворков</a:t>
-            </a:r>
-          </a:p>
-          <a:p>
-            <a:pPr marL="342900" indent="-342900">
-              <a:lnSpc>
-                <a:spcPct val="150000"/>
-              </a:lnSpc>
-              <a:buFont typeface="Arial" panose="020B0604020202020204" pitchFamily="34" charset="0"/>
-              <a:buChar char="•"/>
-            </a:pPr>
-            <a:r>
-              <a:rPr lang="ru-RU" sz="2400" dirty="0" smtClean="0">
-                <a:latin typeface="Courier New" panose="02070309020205020404" pitchFamily="49" charset="0"/>
-                <a:cs typeface="Courier New" panose="02070309020205020404" pitchFamily="49" charset="0"/>
-              </a:rPr>
-              <a:t>Разработка производительной и удобной в использовании системы веб-шаблонов позволит сэкономить как вычислительные, так и трудовые ресурсы</a:t>
-            </a:r>
-          </a:p>
-        </p:txBody>
-      </p:sp>
-    </p:spTree>
-    <p:extLst>
-      <p:ext uri="{BB962C8B-B14F-4D97-AF65-F5344CB8AC3E}">
-        <p14:creationId xmlns:p14="http://schemas.microsoft.com/office/powerpoint/2010/main" val="2684956686"/>
-      </p:ext>
-    </p:extLst>
-  </p:cSld>
-  <p:clrMapOvr>
-    <a:masterClrMapping/>
-  </p:clrMapOvr>
-  <p:timing>
-    <p:tnLst>
-      <p:par>
-        <p:cTn id="1" dur="indefinite" restart="never" nodeType="tmRoot"/>
-      </p:par>
-    </p:tnLst>
-  </p:timing>
-</p:sld>
-</file>
-
-<file path=ppt/slides/slide6.xml><?xml version="1.0" encoding="utf-8"?>
-<p:sld xmlns:a="http://schemas.openxmlformats.org/drawingml/2006/main" xmlns:r="http://schemas.openxmlformats.org/officeDocument/2006/relationships" xmlns:p="http://schemas.openxmlformats.org/presentationml/2006/main">
-  <p:cSld>
-    <p:bg>
-      <p:bgPr>
-        <a:pattFill prst="pct10">
-          <a:fgClr>
-            <a:schemeClr val="accent1">
-              <a:lumMod val="60000"/>
-              <a:lumOff val="40000"/>
-            </a:schemeClr>
-          </a:fgClr>
-          <a:bgClr>
-            <a:schemeClr val="bg1"/>
-          </a:bgClr>
-        </a:pattFill>
-        <a:effectLst/>
-      </p:bgPr>
-    </p:bg>
-    <p:spTree>
-      <p:nvGrpSpPr>
-        <p:cNvPr id="1" name=""/>
-        <p:cNvGrpSpPr/>
-        <p:nvPr/>
-      </p:nvGrpSpPr>
-      <p:grpSpPr>
-        <a:xfrm>
-          <a:off x="0" y="0"/>
-          <a:ext cx="0" cy="0"/>
-          <a:chOff x="0" y="0"/>
-          <a:chExt cx="0" cy="0"/>
-        </a:xfrm>
-      </p:grpSpPr>
-      <p:sp>
-        <p:nvSpPr>
-          <p:cNvPr id="5" name="TextBox 4"/>
-          <p:cNvSpPr txBox="1"/>
-          <p:nvPr/>
-        </p:nvSpPr>
-        <p:spPr>
-          <a:xfrm>
-            <a:off x="734785" y="359229"/>
-            <a:ext cx="10433957" cy="646331"/>
-          </a:xfrm>
-          <a:prstGeom prst="rect">
-            <a:avLst/>
-          </a:prstGeom>
-          <a:noFill/>
-        </p:spPr>
-        <p:txBody>
-          <a:bodyPr wrap="square" rtlCol="0">
-            <a:spAutoFit/>
-          </a:bodyPr>
-          <a:lstStyle/>
-          <a:p>
-            <a:r>
-              <a:rPr lang="ru-RU" sz="3600" b="1" dirty="0" smtClean="0">
-                <a:latin typeface="Courier New" panose="02070309020205020404" pitchFamily="49" charset="0"/>
-                <a:cs typeface="Courier New" panose="02070309020205020404" pitchFamily="49" charset="0"/>
-              </a:rPr>
-              <a:t>Цели и задачи</a:t>
-            </a:r>
-            <a:endParaRPr lang="en-US" sz="3600" b="1" dirty="0">
-              <a:latin typeface="Courier New" panose="02070309020205020404" pitchFamily="49" charset="0"/>
-              <a:cs typeface="Courier New" panose="02070309020205020404" pitchFamily="49" charset="0"/>
-            </a:endParaRPr>
-          </a:p>
-        </p:txBody>
-      </p:sp>
-      <p:sp>
-        <p:nvSpPr>
-          <p:cNvPr id="6" name="TextBox 5"/>
-          <p:cNvSpPr txBox="1"/>
-          <p:nvPr/>
-        </p:nvSpPr>
-        <p:spPr>
-          <a:xfrm>
-            <a:off x="1351188" y="1143000"/>
-            <a:ext cx="10115550" cy="4670509"/>
-          </a:xfrm>
-          <a:prstGeom prst="rect">
-            <a:avLst/>
-          </a:prstGeom>
-          <a:noFill/>
-        </p:spPr>
-        <p:txBody>
-          <a:bodyPr wrap="square" rtlCol="0">
-            <a:spAutoFit/>
-          </a:bodyPr>
-          <a:lstStyle/>
-          <a:p>
-            <a:pPr>
-              <a:lnSpc>
-                <a:spcPct val="150000"/>
-              </a:lnSpc>
-            </a:pPr>
-            <a:r>
-              <a:rPr lang="ru-RU" sz="2000" b="1" dirty="0">
-                <a:latin typeface="Courier New" panose="02070309020205020404" pitchFamily="49" charset="0"/>
-                <a:cs typeface="Courier New" panose="02070309020205020404" pitchFamily="49" charset="0"/>
-              </a:rPr>
-              <a:t>Цель исследования</a:t>
-            </a:r>
-            <a:r>
-              <a:rPr lang="ru-RU" sz="2000" b="1" dirty="0" smtClean="0">
-                <a:latin typeface="Courier New" panose="02070309020205020404" pitchFamily="49" charset="0"/>
-                <a:cs typeface="Courier New" panose="02070309020205020404" pitchFamily="49" charset="0"/>
-              </a:rPr>
-              <a:t>:</a:t>
-            </a:r>
-          </a:p>
-          <a:p>
-            <a:pPr>
-              <a:lnSpc>
-                <a:spcPct val="150000"/>
-              </a:lnSpc>
-            </a:pPr>
-            <a:r>
-              <a:rPr lang="ru-RU" sz="2000" dirty="0" smtClean="0">
-                <a:latin typeface="Courier New" panose="02070309020205020404" pitchFamily="49" charset="0"/>
-                <a:cs typeface="Courier New" panose="02070309020205020404" pitchFamily="49" charset="0"/>
-              </a:rPr>
-              <a:t>Поиск методов повышения производительности систем веб-шаблонов</a:t>
-            </a:r>
-            <a:endParaRPr lang="ru-RU" sz="2000" dirty="0">
-              <a:latin typeface="Courier New" panose="02070309020205020404" pitchFamily="49" charset="0"/>
-              <a:cs typeface="Courier New" panose="02070309020205020404" pitchFamily="49" charset="0"/>
-            </a:endParaRPr>
-          </a:p>
-          <a:p>
-            <a:pPr>
-              <a:lnSpc>
-                <a:spcPct val="150000"/>
-              </a:lnSpc>
-            </a:pPr>
-            <a:r>
-              <a:rPr lang="ru-RU" sz="2000" b="1" dirty="0" smtClean="0">
-                <a:latin typeface="Courier New" panose="02070309020205020404" pitchFamily="49" charset="0"/>
-                <a:cs typeface="Courier New" panose="02070309020205020404" pitchFamily="49" charset="0"/>
-              </a:rPr>
-              <a:t>Объект </a:t>
-            </a:r>
-            <a:r>
-              <a:rPr lang="ru-RU" sz="2000" b="1" dirty="0">
-                <a:latin typeface="Courier New" panose="02070309020205020404" pitchFamily="49" charset="0"/>
-                <a:cs typeface="Courier New" panose="02070309020205020404" pitchFamily="49" charset="0"/>
-              </a:rPr>
-              <a:t>исследования</a:t>
-            </a:r>
-            <a:r>
-              <a:rPr lang="ru-RU" sz="2000" b="1" dirty="0" smtClean="0">
-                <a:latin typeface="Courier New" panose="02070309020205020404" pitchFamily="49" charset="0"/>
-                <a:cs typeface="Courier New" panose="02070309020205020404" pitchFamily="49" charset="0"/>
-              </a:rPr>
-              <a:t>:</a:t>
-            </a:r>
-          </a:p>
-          <a:p>
-            <a:pPr>
-              <a:lnSpc>
-                <a:spcPct val="150000"/>
-              </a:lnSpc>
-            </a:pPr>
-            <a:r>
-              <a:rPr lang="ru-RU" sz="2000" dirty="0" smtClean="0">
-                <a:latin typeface="Courier New" panose="02070309020205020404" pitchFamily="49" charset="0"/>
-                <a:cs typeface="Courier New" panose="02070309020205020404" pitchFamily="49" charset="0"/>
-              </a:rPr>
-              <a:t>Система веб-шаблонов</a:t>
-            </a:r>
-            <a:r>
-              <a:rPr lang="ru-RU" sz="2000" b="1" dirty="0" smtClean="0">
-                <a:latin typeface="Courier New" panose="02070309020205020404" pitchFamily="49" charset="0"/>
-                <a:cs typeface="Courier New" panose="02070309020205020404" pitchFamily="49" charset="0"/>
-              </a:rPr>
-              <a:t> </a:t>
-            </a:r>
-            <a:endParaRPr lang="ru-RU" sz="2000" b="1" dirty="0">
-              <a:latin typeface="Courier New" panose="02070309020205020404" pitchFamily="49" charset="0"/>
-              <a:cs typeface="Courier New" panose="02070309020205020404" pitchFamily="49" charset="0"/>
-            </a:endParaRPr>
-          </a:p>
-          <a:p>
-            <a:pPr>
-              <a:lnSpc>
-                <a:spcPct val="150000"/>
-              </a:lnSpc>
-            </a:pPr>
-            <a:r>
-              <a:rPr lang="ru-RU" sz="2000" b="1" dirty="0" smtClean="0">
-                <a:latin typeface="Courier New" panose="02070309020205020404" pitchFamily="49" charset="0"/>
-                <a:cs typeface="Courier New" panose="02070309020205020404" pitchFamily="49" charset="0"/>
-              </a:rPr>
-              <a:t>Предмет </a:t>
-            </a:r>
-            <a:r>
-              <a:rPr lang="ru-RU" sz="2000" b="1" dirty="0">
-                <a:latin typeface="Courier New" panose="02070309020205020404" pitchFamily="49" charset="0"/>
-                <a:cs typeface="Courier New" panose="02070309020205020404" pitchFamily="49" charset="0"/>
-              </a:rPr>
-              <a:t>исследования:  </a:t>
-            </a:r>
-            <a:endParaRPr lang="ru-RU" sz="2000" b="1" dirty="0" smtClean="0">
-              <a:latin typeface="Courier New" panose="02070309020205020404" pitchFamily="49" charset="0"/>
-              <a:cs typeface="Courier New" panose="02070309020205020404" pitchFamily="49" charset="0"/>
-            </a:endParaRPr>
-          </a:p>
-          <a:p>
-            <a:pPr>
-              <a:lnSpc>
-                <a:spcPct val="150000"/>
-              </a:lnSpc>
-            </a:pPr>
-            <a:r>
-              <a:rPr lang="ru-RU" sz="2000" dirty="0" smtClean="0">
-                <a:latin typeface="Courier New" panose="02070309020205020404" pitchFamily="49" charset="0"/>
-                <a:cs typeface="Courier New" panose="02070309020205020404" pitchFamily="49" charset="0"/>
-              </a:rPr>
-              <a:t>Производительность </a:t>
-            </a:r>
-            <a:r>
-              <a:rPr lang="ru-RU" sz="2000" dirty="0">
-                <a:latin typeface="Courier New" panose="02070309020205020404" pitchFamily="49" charset="0"/>
-                <a:cs typeface="Courier New" panose="02070309020205020404" pitchFamily="49" charset="0"/>
-              </a:rPr>
-              <a:t>систем веб-шаблонов</a:t>
-            </a:r>
-          </a:p>
-          <a:p>
-            <a:pPr>
-              <a:lnSpc>
-                <a:spcPct val="150000"/>
-              </a:lnSpc>
-            </a:pPr>
-            <a:r>
-              <a:rPr lang="ru-RU" sz="2000" b="1" dirty="0" smtClean="0">
-                <a:latin typeface="Courier New" panose="02070309020205020404" pitchFamily="49" charset="0"/>
-                <a:cs typeface="Courier New" panose="02070309020205020404" pitchFamily="49" charset="0"/>
-              </a:rPr>
-              <a:t>Методы исследования:</a:t>
-            </a:r>
-          </a:p>
-          <a:p>
-            <a:pPr marL="742950" lvl="1" indent="-285750">
-              <a:lnSpc>
-                <a:spcPct val="150000"/>
-              </a:lnSpc>
-              <a:buFont typeface="Arial" panose="020B0604020202020204" pitchFamily="34" charset="0"/>
-              <a:buChar char="•"/>
-            </a:pPr>
-            <a:r>
-              <a:rPr lang="ru-RU" sz="2000" dirty="0" smtClean="0">
-                <a:latin typeface="Courier New" panose="02070309020205020404" pitchFamily="49" charset="0"/>
-                <a:cs typeface="Courier New" panose="02070309020205020404" pitchFamily="49" charset="0"/>
-              </a:rPr>
-              <a:t>системный анализ</a:t>
-            </a:r>
-          </a:p>
-          <a:p>
-            <a:pPr marL="742950" lvl="1" indent="-285750">
-              <a:lnSpc>
-                <a:spcPct val="150000"/>
-              </a:lnSpc>
-              <a:buFont typeface="Arial" panose="020B0604020202020204" pitchFamily="34" charset="0"/>
-              <a:buChar char="•"/>
-            </a:pPr>
-            <a:r>
-              <a:rPr lang="ru-RU" sz="2000" dirty="0" smtClean="0">
-                <a:latin typeface="Courier New" panose="02070309020205020404" pitchFamily="49" charset="0"/>
-                <a:cs typeface="Courier New" panose="02070309020205020404" pitchFamily="49" charset="0"/>
-              </a:rPr>
-              <a:t>функциональное моделирование </a:t>
-            </a:r>
-          </a:p>
-          <a:p>
-            <a:pPr marL="742950" lvl="1" indent="-285750">
-              <a:lnSpc>
-                <a:spcPct val="150000"/>
-              </a:lnSpc>
-              <a:buFont typeface="Arial" panose="020B0604020202020204" pitchFamily="34" charset="0"/>
-              <a:buChar char="•"/>
-            </a:pPr>
-            <a:r>
-              <a:rPr lang="ru-RU" sz="2000" dirty="0" smtClean="0">
-                <a:latin typeface="Courier New" panose="02070309020205020404" pitchFamily="49" charset="0"/>
-                <a:cs typeface="Courier New" panose="02070309020205020404" pitchFamily="49" charset="0"/>
-              </a:rPr>
-              <a:t>архитектурный </a:t>
-            </a:r>
-            <a:r>
-              <a:rPr lang="ru-RU" sz="2000" dirty="0">
-                <a:latin typeface="Courier New" panose="02070309020205020404" pitchFamily="49" charset="0"/>
-                <a:cs typeface="Courier New" panose="02070309020205020404" pitchFamily="49" charset="0"/>
-              </a:rPr>
-              <a:t>подход</a:t>
-            </a:r>
-            <a:endParaRPr lang="ru-RU" sz="2000" dirty="0" smtClean="0">
-              <a:latin typeface="Courier New" panose="02070309020205020404" pitchFamily="49" charset="0"/>
-              <a:cs typeface="Courier New" panose="02070309020205020404" pitchFamily="49" charset="0"/>
-            </a:endParaRPr>
-          </a:p>
-        </p:txBody>
-      </p:sp>
-    </p:spTree>
-    <p:extLst>
-      <p:ext uri="{BB962C8B-B14F-4D97-AF65-F5344CB8AC3E}">
-        <p14:creationId xmlns:p14="http://schemas.microsoft.com/office/powerpoint/2010/main" val="2262822906"/>
-      </p:ext>
-    </p:extLst>
-  </p:cSld>
-  <p:clrMapOvr>
-    <a:masterClrMapping/>
-  </p:clrMapOvr>
-  <p:timing>
-    <p:tnLst>
-      <p:par>
-        <p:cTn id="1" dur="indefinite" restart="never" nodeType="tmRoot"/>
-      </p:par>
-    </p:tnLst>
-  </p:timing>
-</p:sld>
-</file>
-
-<file path=ppt/slides/slide7.xml><?xml version="1.0" encoding="utf-8"?>
-<p:sld xmlns:a="http://schemas.openxmlformats.org/drawingml/2006/main" xmlns:r="http://schemas.openxmlformats.org/officeDocument/2006/relationships" xmlns:p="http://schemas.openxmlformats.org/presentationml/2006/main">
-  <p:cSld>
-    <p:bg>
-      <p:bgPr>
-        <a:pattFill prst="pct10">
-          <a:fgClr>
-            <a:schemeClr val="accent1">
-              <a:lumMod val="60000"/>
-              <a:lumOff val="40000"/>
-            </a:schemeClr>
-          </a:fgClr>
-          <a:bgClr>
-            <a:schemeClr val="bg1"/>
-          </a:bgClr>
-        </a:pattFill>
-        <a:effectLst/>
-      </p:bgPr>
-    </p:bg>
-    <p:spTree>
-      <p:nvGrpSpPr>
-        <p:cNvPr id="1" name=""/>
-        <p:cNvGrpSpPr/>
-        <p:nvPr/>
-      </p:nvGrpSpPr>
-      <p:grpSpPr>
-        <a:xfrm>
-          <a:off x="0" y="0"/>
-          <a:ext cx="0" cy="0"/>
-          <a:chOff x="0" y="0"/>
-          <a:chExt cx="0" cy="0"/>
-        </a:xfrm>
-      </p:grpSpPr>
-      <p:sp>
-        <p:nvSpPr>
-          <p:cNvPr id="8" name="TextBox 7"/>
-          <p:cNvSpPr txBox="1"/>
-          <p:nvPr/>
-        </p:nvSpPr>
-        <p:spPr>
-          <a:xfrm>
-            <a:off x="726621" y="400050"/>
-            <a:ext cx="10091057" cy="646331"/>
-          </a:xfrm>
-          <a:prstGeom prst="rect">
-            <a:avLst/>
-          </a:prstGeom>
-          <a:noFill/>
-        </p:spPr>
-        <p:txBody>
-          <a:bodyPr wrap="square" rtlCol="0">
-            <a:spAutoFit/>
-          </a:bodyPr>
-          <a:lstStyle/>
-          <a:p>
-            <a:r>
-              <a:rPr lang="ru-RU" sz="3600" b="1" dirty="0">
-                <a:latin typeface="Courier New" panose="02070309020205020404" pitchFamily="49" charset="0"/>
-                <a:cs typeface="Courier New" panose="02070309020205020404" pitchFamily="49" charset="0"/>
-              </a:rPr>
-              <a:t>Основные проблемы производительности</a:t>
-            </a:r>
-          </a:p>
-        </p:txBody>
-      </p:sp>
-      <p:sp>
-        <p:nvSpPr>
-          <p:cNvPr id="9" name="TextBox 8"/>
-          <p:cNvSpPr txBox="1"/>
-          <p:nvPr/>
-        </p:nvSpPr>
-        <p:spPr>
-          <a:xfrm>
-            <a:off x="1240971" y="1469571"/>
-            <a:ext cx="8874579" cy="3562514"/>
-          </a:xfrm>
-          <a:prstGeom prst="rect">
-            <a:avLst/>
-          </a:prstGeom>
-          <a:noFill/>
-        </p:spPr>
-        <p:txBody>
-          <a:bodyPr wrap="square" rtlCol="0">
-            <a:spAutoFit/>
-          </a:bodyPr>
-          <a:lstStyle/>
-          <a:p>
-            <a:pPr marL="342900" indent="-342900">
-              <a:lnSpc>
-                <a:spcPct val="150000"/>
-              </a:lnSpc>
-              <a:buFont typeface="+mj-lt"/>
-              <a:buAutoNum type="arabicPeriod"/>
-            </a:pPr>
-            <a:r>
-              <a:rPr lang="ru-RU" sz="2800" dirty="0" smtClean="0">
-                <a:latin typeface="Courier New" panose="02070309020205020404" pitchFamily="49" charset="0"/>
-                <a:cs typeface="Courier New" panose="02070309020205020404" pitchFamily="49" charset="0"/>
-              </a:rPr>
-              <a:t>Использование </a:t>
-            </a:r>
-            <a:r>
-              <a:rPr lang="ru-RU" sz="2800" b="1" dirty="0" smtClean="0">
-                <a:latin typeface="Courier New" panose="02070309020205020404" pitchFamily="49" charset="0"/>
-                <a:cs typeface="Courier New" panose="02070309020205020404" pitchFamily="49" charset="0"/>
-              </a:rPr>
-              <a:t>интерпретируемых</a:t>
-            </a:r>
-            <a:r>
-              <a:rPr lang="ru-RU" sz="2800" dirty="0" smtClean="0">
-                <a:latin typeface="Courier New" panose="02070309020205020404" pitchFamily="49" charset="0"/>
-                <a:cs typeface="Courier New" panose="02070309020205020404" pitchFamily="49" charset="0"/>
-              </a:rPr>
-              <a:t> языков</a:t>
-            </a:r>
-          </a:p>
-          <a:p>
-            <a:pPr marL="342900" indent="-342900">
-              <a:lnSpc>
-                <a:spcPct val="150000"/>
-              </a:lnSpc>
-              <a:buFont typeface="+mj-lt"/>
-              <a:buAutoNum type="arabicPeriod"/>
-            </a:pPr>
-            <a:r>
-              <a:rPr lang="ru-RU" sz="2800" dirty="0" smtClean="0">
-                <a:latin typeface="Courier New" panose="02070309020205020404" pitchFamily="49" charset="0"/>
-                <a:cs typeface="Courier New" panose="02070309020205020404" pitchFamily="49" charset="0"/>
-              </a:rPr>
-              <a:t>Наличие механизмов </a:t>
-            </a:r>
-            <a:r>
-              <a:rPr lang="ru-RU" sz="2800" b="1" dirty="0" smtClean="0">
-                <a:latin typeface="Courier New" panose="02070309020205020404" pitchFamily="49" charset="0"/>
-                <a:cs typeface="Courier New" panose="02070309020205020404" pitchFamily="49" charset="0"/>
-              </a:rPr>
-              <a:t>сборки мусора</a:t>
-            </a:r>
-          </a:p>
-          <a:p>
-            <a:pPr marL="342900" indent="-342900">
-              <a:lnSpc>
-                <a:spcPct val="150000"/>
-              </a:lnSpc>
-              <a:buFont typeface="+mj-lt"/>
-              <a:buAutoNum type="arabicPeriod"/>
-            </a:pPr>
-            <a:r>
-              <a:rPr lang="ru-RU" sz="2800" dirty="0" smtClean="0">
-                <a:latin typeface="Courier New" panose="02070309020205020404" pitchFamily="49" charset="0"/>
-                <a:cs typeface="Courier New" panose="02070309020205020404" pitchFamily="49" charset="0"/>
-              </a:rPr>
-              <a:t>Отсутствие </a:t>
-            </a:r>
-            <a:r>
-              <a:rPr lang="ru-RU" sz="2800" b="1" dirty="0" smtClean="0">
-                <a:latin typeface="Courier New" panose="02070309020205020404" pitchFamily="49" charset="0"/>
-                <a:cs typeface="Courier New" panose="02070309020205020404" pitchFamily="49" charset="0"/>
-              </a:rPr>
-              <a:t>кеширования</a:t>
-            </a:r>
-          </a:p>
-          <a:p>
-            <a:pPr marL="342900" indent="-342900">
-              <a:lnSpc>
-                <a:spcPct val="150000"/>
-              </a:lnSpc>
-              <a:buFont typeface="+mj-lt"/>
-              <a:buAutoNum type="arabicPeriod"/>
-            </a:pPr>
-            <a:r>
-              <a:rPr lang="ru-RU" sz="2800" dirty="0" smtClean="0">
-                <a:latin typeface="Courier New" panose="02070309020205020404" pitchFamily="49" charset="0"/>
-                <a:cs typeface="Courier New" panose="02070309020205020404" pitchFamily="49" charset="0"/>
-              </a:rPr>
-              <a:t>Простой вычислительных ресурсов:</a:t>
-            </a:r>
-          </a:p>
-          <a:p>
-            <a:pPr marL="800100" lvl="1" indent="-342900">
-              <a:lnSpc>
-                <a:spcPct val="150000"/>
-              </a:lnSpc>
-              <a:buFont typeface="Arial" panose="020B0604020202020204" pitchFamily="34" charset="0"/>
-              <a:buChar char="•"/>
-            </a:pPr>
-            <a:r>
-              <a:rPr lang="ru-RU" sz="2000" b="1" dirty="0" smtClean="0">
-                <a:latin typeface="Courier New" panose="02070309020205020404" pitchFamily="49" charset="0"/>
-                <a:cs typeface="Courier New" panose="02070309020205020404" pitchFamily="49" charset="0"/>
-              </a:rPr>
-              <a:t>Однопоточный</a:t>
-            </a:r>
-            <a:r>
-              <a:rPr lang="ru-RU" sz="2000" dirty="0" smtClean="0">
-                <a:latin typeface="Courier New" panose="02070309020205020404" pitchFamily="49" charset="0"/>
-                <a:cs typeface="Courier New" panose="02070309020205020404" pitchFamily="49" charset="0"/>
-              </a:rPr>
-              <a:t> исполнение</a:t>
-            </a:r>
-          </a:p>
-          <a:p>
-            <a:pPr marL="800100" lvl="1" indent="-342900">
-              <a:lnSpc>
-                <a:spcPct val="150000"/>
-              </a:lnSpc>
-              <a:buFont typeface="Arial" panose="020B0604020202020204" pitchFamily="34" charset="0"/>
-              <a:buChar char="•"/>
-            </a:pPr>
-            <a:r>
-              <a:rPr lang="ru-RU" sz="2000" b="1" dirty="0" smtClean="0">
-                <a:latin typeface="Courier New" panose="02070309020205020404" pitchFamily="49" charset="0"/>
-                <a:cs typeface="Courier New" panose="02070309020205020404" pitchFamily="49" charset="0"/>
-              </a:rPr>
-              <a:t>Синхронное</a:t>
-            </a:r>
-            <a:r>
-              <a:rPr lang="ru-RU" sz="2000" dirty="0" smtClean="0">
-                <a:latin typeface="Courier New" panose="02070309020205020404" pitchFamily="49" charset="0"/>
-                <a:cs typeface="Courier New" panose="02070309020205020404" pitchFamily="49" charset="0"/>
-              </a:rPr>
-              <a:t> исполнение</a:t>
-            </a:r>
-            <a:endParaRPr lang="en-US" sz="2000" dirty="0">
-              <a:latin typeface="Courier New" panose="02070309020205020404" pitchFamily="49" charset="0"/>
-              <a:cs typeface="Courier New" panose="02070309020205020404" pitchFamily="49" charset="0"/>
-            </a:endParaRPr>
-          </a:p>
-        </p:txBody>
-      </p:sp>
-    </p:spTree>
-    <p:extLst>
-      <p:ext uri="{BB962C8B-B14F-4D97-AF65-F5344CB8AC3E}">
-        <p14:creationId xmlns:p14="http://schemas.microsoft.com/office/powerpoint/2010/main" val="3473046678"/>
-      </p:ext>
-    </p:extLst>
-  </p:cSld>
-  <p:clrMapOvr>
-    <a:masterClrMapping/>
-  </p:clrMapOvr>
-  <p:timing>
-    <p:tnLst>
-      <p:par>
-        <p:cTn id="1" dur="indefinite" restart="never" nodeType="tmRoot">
-          <p:childTnLst>
-            <p:seq concurrent="1" nextAc="seek">
-              <p:cTn id="2" dur="indefinite" nodeType="mainSeq">
-                <p:childTnLst>
-                  <p:par>
-                    <p:cTn id="3" fill="hold">
-                      <p:stCondLst>
-                        <p:cond delay="indefinite"/>
-                      </p:stCondLst>
-                      <p:childTnLst>
-                        <p:par>
-                          <p:cTn id="4" fill="hold">
-                            <p:stCondLst>
-                              <p:cond delay="0"/>
-                            </p:stCondLst>
-                            <p:childTnLst>
-                              <p:par>
-                                <p:cTn id="5" presetID="26" presetClass="emph" presetSubtype="0" fill="hold" nodeType="clickEffect">
-                                  <p:stCondLst>
-                                    <p:cond delay="0"/>
-                                  </p:stCondLst>
-                                  <p:childTnLst>
-                                    <p:animEffect transition="out" filter="fade">
-                                      <p:cBhvr>
-                                        <p:cTn id="6" dur="1000" tmFilter="0, 0; .2, .5; .8, .5; 1, 0"/>
-                                        <p:tgtEl>
-                                          <p:spTgt spid="9">
-                                            <p:txEl>
-                                              <p:pRg st="0" end="0"/>
-                                            </p:txEl>
-                                          </p:spTgt>
-                                        </p:tgtEl>
-                                      </p:cBhvr>
-                                    </p:animEffect>
-                                    <p:animScale>
-                                      <p:cBhvr>
-                                        <p:cTn id="7" dur="500" autoRev="1" fill="hold"/>
-                                        <p:tgtEl>
-                                          <p:spTgt spid="9">
-                                            <p:txEl>
-                                              <p:pRg st="0" end="0"/>
-                                            </p:txEl>
-                                          </p:spTgt>
-                                        </p:tgtEl>
-                                      </p:cBhvr>
-                                      <p:by x="105000" y="105000"/>
-                                    </p:animScale>
-                                  </p:childTnLst>
-                                </p:cTn>
-                              </p:par>
-                            </p:childTnLst>
-                          </p:cTn>
-                        </p:par>
-                      </p:childTnLst>
-                    </p:cTn>
-                  </p:par>
-                  <p:par>
-                    <p:cTn id="8" fill="hold">
-                      <p:stCondLst>
-                        <p:cond delay="indefinite"/>
-                      </p:stCondLst>
-                      <p:childTnLst>
-                        <p:par>
-                          <p:cTn id="9" fill="hold">
-                            <p:stCondLst>
-                              <p:cond delay="0"/>
-                            </p:stCondLst>
-                            <p:childTnLst>
-                              <p:par>
-                                <p:cTn id="10" presetID="26" presetClass="emph" presetSubtype="0" fill="hold" nodeType="clickEffect">
-                                  <p:stCondLst>
-                                    <p:cond delay="0"/>
-                                  </p:stCondLst>
-                                  <p:childTnLst>
-                                    <p:animEffect transition="out" filter="fade">
-                                      <p:cBhvr>
-                                        <p:cTn id="11" dur="1000" tmFilter="0, 0; .2, .5; .8, .5; 1, 0"/>
-                                        <p:tgtEl>
-                                          <p:spTgt spid="9">
-                                            <p:txEl>
-                                              <p:pRg st="3" end="3"/>
-                                            </p:txEl>
-                                          </p:spTgt>
-                                        </p:tgtEl>
-                                      </p:cBhvr>
-                                    </p:animEffect>
-                                    <p:animScale>
-                                      <p:cBhvr>
-                                        <p:cTn id="12" dur="500" autoRev="1" fill="hold"/>
-                                        <p:tgtEl>
-                                          <p:spTgt spid="9">
-                                            <p:txEl>
-                                              <p:pRg st="3" end="3"/>
-                                            </p:txEl>
-                                          </p:spTgt>
-                                        </p:tgtEl>
-                                      </p:cBhvr>
-                                      <p:by x="105000" y="105000"/>
-                                    </p:animScale>
-                                  </p:childTnLst>
-                                </p:cTn>
-                              </p:par>
-                            </p:childTnLst>
-                          </p:cTn>
-                        </p:par>
-                      </p:childTnLst>
-                    </p:cTn>
-                  </p:par>
-                </p:childTnLst>
-              </p:cTn>
-              <p:prevCondLst>
-                <p:cond evt="onPrev" delay="0">
-                  <p:tgtEl>
-                    <p:sldTgt/>
-                  </p:tgtEl>
-                </p:cond>
-              </p:prevCondLst>
-              <p:nextCondLst>
-                <p:cond evt="onNext" delay="0">
-                  <p:tgtEl>
-                    <p:sldTgt/>
-                  </p:tgtEl>
-                </p:cond>
-              </p:nextCondLst>
-            </p:seq>
-          </p:childTnLst>
-        </p:cTn>
-      </p:par>
-    </p:tnLst>
-  </p:timing>
-</p:sld>
-</file>
-
-<file path=ppt/slides/slide8.xml><?xml version="1.0" encoding="utf-8"?>
-<p:sld xmlns:a="http://schemas.openxmlformats.org/drawingml/2006/main" xmlns:r="http://schemas.openxmlformats.org/officeDocument/2006/relationships" xmlns:p="http://schemas.openxmlformats.org/presentationml/2006/main">
-  <p:cSld>
-    <p:bg>
-      <p:bgPr>
-        <a:pattFill prst="pct10">
-          <a:fgClr>
-            <a:schemeClr val="accent1">
-              <a:lumMod val="60000"/>
-              <a:lumOff val="40000"/>
-            </a:schemeClr>
-          </a:fgClr>
-          <a:bgClr>
-            <a:schemeClr val="bg1"/>
-          </a:bgClr>
-        </a:pattFill>
-        <a:effectLst/>
-      </p:bgPr>
-    </p:bg>
-    <p:spTree>
-      <p:nvGrpSpPr>
-        <p:cNvPr id="1" name=""/>
-        <p:cNvGrpSpPr/>
-        <p:nvPr/>
-      </p:nvGrpSpPr>
-      <p:grpSpPr>
-        <a:xfrm>
-          <a:off x="0" y="0"/>
-          <a:ext cx="0" cy="0"/>
-          <a:chOff x="0" y="0"/>
-          <a:chExt cx="0" cy="0"/>
-        </a:xfrm>
-      </p:grpSpPr>
-      <p:grpSp>
-        <p:nvGrpSpPr>
-          <p:cNvPr id="26" name="Группа 25"/>
-          <p:cNvGrpSpPr/>
-          <p:nvPr/>
-        </p:nvGrpSpPr>
-        <p:grpSpPr>
-          <a:xfrm>
-            <a:off x="1208663" y="1527815"/>
-            <a:ext cx="9565054" cy="4498269"/>
-            <a:chOff x="1733061" y="1216731"/>
-            <a:chExt cx="9565054" cy="4498269"/>
-          </a:xfrm>
-        </p:grpSpPr>
-        <p:graphicFrame>
-          <p:nvGraphicFramePr>
-            <p:cNvPr id="4" name="Схема 3"/>
-            <p:cNvGraphicFramePr/>
-            <p:nvPr>
-              <p:extLst>
-                <p:ext uri="{D42A27DB-BD31-4B8C-83A1-F6EECF244321}">
-                  <p14:modId xmlns:p14="http://schemas.microsoft.com/office/powerpoint/2010/main" val="1229570835"/>
-                </p:ext>
-              </p:extLst>
-            </p:nvPr>
-          </p:nvGraphicFramePr>
-          <p:xfrm>
-            <a:off x="2032000" y="1216731"/>
-            <a:ext cx="7120792" cy="880532"/>
-          </p:xfrm>
-          <a:graphic>
-            <a:graphicData uri="http://schemas.openxmlformats.org/drawingml/2006/diagram">
-              <dgm:relIds xmlns:dgm="http://schemas.openxmlformats.org/drawingml/2006/diagram" xmlns:r="http://schemas.openxmlformats.org/officeDocument/2006/relationships" r:dm="rId2" r:lo="rId3" r:qs="rId4" r:cs="rId5"/>
-            </a:graphicData>
-          </a:graphic>
-        </p:graphicFrame>
-        <p:graphicFrame>
-          <p:nvGraphicFramePr>
-            <p:cNvPr id="7" name="Схема 6"/>
-            <p:cNvGraphicFramePr/>
-            <p:nvPr>
-              <p:extLst>
-                <p:ext uri="{D42A27DB-BD31-4B8C-83A1-F6EECF244321}">
-                  <p14:modId xmlns:p14="http://schemas.microsoft.com/office/powerpoint/2010/main" val="524577689"/>
-                </p:ext>
-              </p:extLst>
-            </p:nvPr>
-          </p:nvGraphicFramePr>
-          <p:xfrm>
-            <a:off x="1733061" y="3049628"/>
-            <a:ext cx="9565054" cy="2665372"/>
-          </p:xfrm>
-          <a:graphic>
-            <a:graphicData uri="http://schemas.openxmlformats.org/drawingml/2006/diagram">
-              <dgm:relIds xmlns:dgm="http://schemas.openxmlformats.org/drawingml/2006/diagram" xmlns:r="http://schemas.openxmlformats.org/officeDocument/2006/relationships" r:dm="rId7" r:lo="rId8" r:qs="rId9" r:cs="rId10"/>
-            </a:graphicData>
-          </a:graphic>
-        </p:graphicFrame>
-        <p:sp>
-          <p:nvSpPr>
-            <p:cNvPr id="8" name="TextBox 7"/>
-            <p:cNvSpPr txBox="1"/>
-            <p:nvPr/>
-          </p:nvSpPr>
-          <p:spPr>
-            <a:xfrm>
-              <a:off x="3209192" y="4466493"/>
-              <a:ext cx="1354016" cy="307777"/>
-            </a:xfrm>
-            <a:prstGeom prst="rect">
-              <a:avLst/>
-            </a:prstGeom>
-            <a:noFill/>
-          </p:spPr>
-          <p:txBody>
-            <a:bodyPr wrap="square" rtlCol="0">
-              <a:spAutoFit/>
-            </a:bodyPr>
-            <a:lstStyle/>
-            <a:p>
-              <a:r>
-                <a:rPr lang="ru-RU" sz="1400" dirty="0" smtClean="0"/>
-                <a:t>интерпретация</a:t>
-              </a:r>
-              <a:endParaRPr lang="en-US" sz="1400" dirty="0"/>
-            </a:p>
-          </p:txBody>
-        </p:sp>
-        <p:sp>
-          <p:nvSpPr>
-            <p:cNvPr id="9" name="TextBox 8"/>
-            <p:cNvSpPr txBox="1"/>
-            <p:nvPr/>
-          </p:nvSpPr>
-          <p:spPr>
-            <a:xfrm>
-              <a:off x="6392008" y="5161085"/>
-              <a:ext cx="1406769" cy="307777"/>
-            </a:xfrm>
-            <a:prstGeom prst="rect">
-              <a:avLst/>
-            </a:prstGeom>
-            <a:noFill/>
-          </p:spPr>
-          <p:txBody>
-            <a:bodyPr wrap="square" rtlCol="0">
-              <a:spAutoFit/>
-            </a:bodyPr>
-            <a:lstStyle/>
-            <a:p>
-              <a:r>
-                <a:rPr lang="ru-RU" sz="1400" dirty="0" smtClean="0"/>
-                <a:t>трансляция</a:t>
-              </a:r>
-              <a:endParaRPr lang="en-US" sz="1400" dirty="0"/>
-            </a:p>
-          </p:txBody>
-        </p:sp>
-        <p:pic>
-          <p:nvPicPr>
-            <p:cNvPr id="10" name="Рисунок 9"/>
-            <p:cNvPicPr>
-              <a:picLocks noChangeAspect="1"/>
-            </p:cNvPicPr>
-            <p:nvPr/>
-          </p:nvPicPr>
-          <p:blipFill>
-            <a:blip r:embed="rId12" cstate="print">
-              <a:extLst>
-                <a:ext uri="{28A0092B-C50C-407E-A947-70E740481C1C}">
-                  <a14:useLocalDpi xmlns:a14="http://schemas.microsoft.com/office/drawing/2010/main" val="0"/>
-                </a:ext>
-              </a:extLst>
-            </a:blip>
-            <a:stretch>
-              <a:fillRect/>
-            </a:stretch>
-          </p:blipFill>
-          <p:spPr>
-            <a:xfrm>
-              <a:off x="9152792" y="2157461"/>
-              <a:ext cx="1805925" cy="1784333"/>
-            </a:xfrm>
-            <a:prstGeom prst="rect">
-              <a:avLst/>
-            </a:prstGeom>
-          </p:spPr>
-        </p:pic>
-        <p:cxnSp>
-          <p:nvCxnSpPr>
-            <p:cNvPr id="12" name="Соединительная линия уступом 11"/>
-            <p:cNvCxnSpPr/>
-            <p:nvPr/>
-          </p:nvCxnSpPr>
-          <p:spPr>
-            <a:xfrm>
-              <a:off x="7642267" y="2097263"/>
-              <a:ext cx="1510525" cy="952364"/>
-            </a:xfrm>
-            <a:prstGeom prst="bentConnector3">
-              <a:avLst>
-                <a:gd name="adj1" fmla="val 3435"/>
-              </a:avLst>
-            </a:prstGeom>
-            <a:ln w="28575">
-              <a:solidFill>
-                <a:schemeClr val="tx1"/>
-              </a:solidFill>
-              <a:tailEnd type="triangle"/>
-            </a:ln>
-          </p:spPr>
-          <p:style>
-            <a:lnRef idx="1">
-              <a:schemeClr val="accent1"/>
-            </a:lnRef>
-            <a:fillRef idx="0">
-              <a:schemeClr val="accent1"/>
-            </a:fillRef>
-            <a:effectRef idx="0">
-              <a:schemeClr val="accent1"/>
-            </a:effectRef>
-            <a:fontRef idx="minor">
-              <a:schemeClr val="tx1"/>
-            </a:fontRef>
-          </p:style>
-        </p:cxnSp>
-        <p:cxnSp>
-          <p:nvCxnSpPr>
-            <p:cNvPr id="15" name="Соединительная линия уступом 14"/>
-            <p:cNvCxnSpPr>
-              <a:endCxn id="10" idx="1"/>
-            </p:cNvCxnSpPr>
-            <p:nvPr/>
-          </p:nvCxnSpPr>
-          <p:spPr>
-            <a:xfrm rot="16200000" flipV="1">
-              <a:off x="8344976" y="3857444"/>
-              <a:ext cx="1724642" cy="109010"/>
-            </a:xfrm>
-            <a:prstGeom prst="bentConnector4">
-              <a:avLst>
-                <a:gd name="adj1" fmla="val 24135"/>
-                <a:gd name="adj2" fmla="val 1438890"/>
-              </a:avLst>
-            </a:prstGeom>
-            <a:ln w="28575">
-              <a:solidFill>
-                <a:schemeClr val="tx1"/>
-              </a:solidFill>
-              <a:tailEnd type="triangle"/>
-            </a:ln>
-          </p:spPr>
-          <p:style>
-            <a:lnRef idx="1">
-              <a:schemeClr val="accent1"/>
-            </a:lnRef>
-            <a:fillRef idx="0">
-              <a:schemeClr val="accent1"/>
-            </a:fillRef>
-            <a:effectRef idx="0">
-              <a:schemeClr val="accent1"/>
-            </a:effectRef>
-            <a:fontRef idx="minor">
-              <a:schemeClr val="tx1"/>
-            </a:fontRef>
-          </p:style>
-        </p:cxnSp>
-        <p:sp>
-          <p:nvSpPr>
-            <p:cNvPr id="18" name="TextBox 17"/>
-            <p:cNvSpPr txBox="1"/>
-            <p:nvPr/>
-          </p:nvSpPr>
-          <p:spPr>
-            <a:xfrm>
-              <a:off x="7642267" y="2680296"/>
-              <a:ext cx="1565030" cy="369332"/>
-            </a:xfrm>
-            <a:prstGeom prst="rect">
-              <a:avLst/>
-            </a:prstGeom>
-            <a:noFill/>
-          </p:spPr>
-          <p:txBody>
-            <a:bodyPr wrap="square" rtlCol="0">
-              <a:spAutoFit/>
-            </a:bodyPr>
-            <a:lstStyle/>
-            <a:p>
-              <a:r>
-                <a:rPr lang="ru-RU" b="1" dirty="0" smtClean="0">
-                  <a:latin typeface="Courier New" panose="02070309020205020404" pitchFamily="49" charset="0"/>
-                  <a:cs typeface="Courier New" panose="02070309020205020404" pitchFamily="49" charset="0"/>
-                </a:rPr>
-                <a:t>исполнение</a:t>
-              </a:r>
-              <a:endParaRPr lang="en-US" b="1" dirty="0">
-                <a:latin typeface="Courier New" panose="02070309020205020404" pitchFamily="49" charset="0"/>
-                <a:cs typeface="Courier New" panose="02070309020205020404" pitchFamily="49" charset="0"/>
-              </a:endParaRPr>
-            </a:p>
-          </p:txBody>
-        </p:sp>
-      </p:grpSp>
-      <p:sp>
-        <p:nvSpPr>
-          <p:cNvPr id="25" name="TextBox 24"/>
-          <p:cNvSpPr txBox="1"/>
-          <p:nvPr/>
-        </p:nvSpPr>
-        <p:spPr>
-          <a:xfrm>
-            <a:off x="1395167" y="335050"/>
-            <a:ext cx="9378550" cy="646331"/>
-          </a:xfrm>
-          <a:prstGeom prst="rect">
-            <a:avLst/>
-          </a:prstGeom>
-          <a:noFill/>
-        </p:spPr>
-        <p:txBody>
-          <a:bodyPr wrap="square" rtlCol="0">
-            <a:spAutoFit/>
-          </a:bodyPr>
-          <a:lstStyle/>
-          <a:p>
-            <a:r>
-              <a:rPr lang="ru-RU" sz="3600" b="1" dirty="0" smtClean="0">
-                <a:latin typeface="Courier New" panose="02070309020205020404" pitchFamily="49" charset="0"/>
-                <a:cs typeface="Courier New" panose="02070309020205020404" pitchFamily="49" charset="0"/>
-              </a:rPr>
-              <a:t>Компиляция </a:t>
-            </a:r>
-            <a:r>
-              <a:rPr lang="en-US" sz="3600" b="1" dirty="0" smtClean="0">
-                <a:latin typeface="Courier New" panose="02070309020205020404" pitchFamily="49" charset="0"/>
-                <a:cs typeface="Courier New" panose="02070309020205020404" pitchFamily="49" charset="0"/>
-              </a:rPr>
-              <a:t>VS </a:t>
-            </a:r>
-            <a:r>
-              <a:rPr lang="ru-RU" sz="3600" b="1" dirty="0" smtClean="0">
-                <a:latin typeface="Courier New" panose="02070309020205020404" pitchFamily="49" charset="0"/>
-                <a:cs typeface="Courier New" panose="02070309020205020404" pitchFamily="49" charset="0"/>
-              </a:rPr>
-              <a:t>Интерпретация</a:t>
-            </a:r>
-            <a:endParaRPr lang="ru-RU" sz="3600" b="1" dirty="0">
-              <a:latin typeface="Courier New" panose="02070309020205020404" pitchFamily="49" charset="0"/>
-              <a:cs typeface="Courier New" panose="02070309020205020404" pitchFamily="49" charset="0"/>
-            </a:endParaRPr>
-          </a:p>
-        </p:txBody>
-      </p:sp>
-    </p:spTree>
-    <p:extLst>
-      <p:ext uri="{BB962C8B-B14F-4D97-AF65-F5344CB8AC3E}">
-        <p14:creationId xmlns:p14="http://schemas.microsoft.com/office/powerpoint/2010/main" val="3418791132"/>
-      </p:ext>
-    </p:extLst>
-  </p:cSld>
-  <p:clrMapOvr>
-    <a:masterClrMapping/>
-  </p:clrMapOvr>
-  <p:timing>
-    <p:tnLst>
-      <p:par>
-        <p:cTn id="1" dur="indefinite" restart="never" nodeType="tmRoot"/>
-      </p:par>
-    </p:tnLst>
-  </p:timing>
-</p:sld>
-</file>
-
-<file path=ppt/slides/slide9.xml><?xml version="1.0" encoding="utf-8"?>
-<p:sld xmlns:a="http://schemas.openxmlformats.org/drawingml/2006/main" xmlns:r="http://schemas.openxmlformats.org/officeDocument/2006/relationships" xmlns:p="http://schemas.openxmlformats.org/presentationml/2006/main">
-  <p:cSld>
-    <p:bg>
-      <p:bgPr>
-        <a:pattFill prst="pct10">
-          <a:fgClr>
-            <a:schemeClr val="accent1">
-              <a:lumMod val="60000"/>
-              <a:lumOff val="40000"/>
-            </a:schemeClr>
-          </a:fgClr>
-          <a:bgClr>
-            <a:schemeClr val="bg1"/>
-          </a:bgClr>
-        </a:pattFill>
-        <a:effectLst/>
-      </p:bgPr>
-    </p:bg>
-    <p:spTree>
-      <p:nvGrpSpPr>
-        <p:cNvPr id="1" name=""/>
-        <p:cNvGrpSpPr/>
-        <p:nvPr/>
-      </p:nvGrpSpPr>
-      <p:grpSpPr>
-        <a:xfrm>
-          <a:off x="0" y="0"/>
-          <a:ext cx="0" cy="0"/>
-          <a:chOff x="0" y="0"/>
-          <a:chExt cx="0" cy="0"/>
-        </a:xfrm>
-      </p:grpSpPr>
-      <p:grpSp>
-        <p:nvGrpSpPr>
-          <p:cNvPr id="15" name="Группа 14"/>
-          <p:cNvGrpSpPr/>
-          <p:nvPr/>
-        </p:nvGrpSpPr>
-        <p:grpSpPr>
-          <a:xfrm>
-            <a:off x="1265278" y="1471663"/>
-            <a:ext cx="9333496" cy="4351382"/>
-            <a:chOff x="2196661" y="1849822"/>
-            <a:chExt cx="8387255" cy="3962400"/>
-          </a:xfrm>
-        </p:grpSpPr>
-        <p:sp>
-          <p:nvSpPr>
-            <p:cNvPr id="3" name="Прямоугольник 2"/>
-            <p:cNvSpPr/>
-            <p:nvPr/>
-          </p:nvSpPr>
-          <p:spPr>
-            <a:xfrm>
-              <a:off x="2196661" y="1849822"/>
-              <a:ext cx="8387255" cy="3962400"/>
-            </a:xfrm>
-            <a:prstGeom prst="rect">
-              <a:avLst/>
-            </a:prstGeom>
-            <a:solidFill>
-              <a:schemeClr val="bg2"/>
-            </a:solidFill>
-          </p:spPr>
-          <p:style>
-            <a:lnRef idx="1">
-              <a:schemeClr val="accent5"/>
-            </a:lnRef>
-            <a:fillRef idx="2">
-              <a:schemeClr val="accent5"/>
-            </a:fillRef>
-            <a:effectRef idx="1">
-              <a:schemeClr val="accent5"/>
-            </a:effectRef>
-            <a:fontRef idx="minor">
-              <a:schemeClr val="dk1"/>
-            </a:fontRef>
-          </p:style>
-          <p:txBody>
-            <a:bodyPr rtlCol="0" anchor="ctr"/>
-            <a:lstStyle/>
-            <a:p>
-              <a:pPr algn="ctr"/>
-              <a:endParaRPr lang="en-US" dirty="0"/>
-            </a:p>
-          </p:txBody>
-        </p:sp>
-        <p:sp>
-          <p:nvSpPr>
-            <p:cNvPr id="4" name="Скругленный прямоугольник 3"/>
-            <p:cNvSpPr/>
-            <p:nvPr/>
-          </p:nvSpPr>
-          <p:spPr>
-            <a:xfrm>
-              <a:off x="2412122" y="2102069"/>
-              <a:ext cx="5696608" cy="2112579"/>
-            </a:xfrm>
-            <a:prstGeom prst="roundRect">
-              <a:avLst/>
-            </a:prstGeom>
-          </p:spPr>
-          <p:style>
-            <a:lnRef idx="2">
-              <a:schemeClr val="accent6"/>
-            </a:lnRef>
-            <a:fillRef idx="1">
-              <a:schemeClr val="lt1"/>
-            </a:fillRef>
-            <a:effectRef idx="0">
-              <a:schemeClr val="accent6"/>
-            </a:effectRef>
-            <a:fontRef idx="minor">
-              <a:schemeClr val="dk1"/>
-            </a:fontRef>
-          </p:style>
-          <p:txBody>
-            <a:bodyPr rtlCol="0" anchor="t"/>
-            <a:lstStyle/>
-            <a:p>
-              <a:pPr algn="ctr"/>
-              <a:r>
-                <a:rPr lang="ru-RU" dirty="0" smtClean="0"/>
-                <a:t>Процессор 1</a:t>
-              </a:r>
-            </a:p>
-          </p:txBody>
-        </p:sp>
-        <p:sp>
-          <p:nvSpPr>
-            <p:cNvPr id="8" name="Скругленный прямоугольник 7"/>
-            <p:cNvSpPr/>
-            <p:nvPr/>
-          </p:nvSpPr>
-          <p:spPr>
-            <a:xfrm>
-              <a:off x="8282152" y="2112578"/>
-              <a:ext cx="1975943" cy="2091557"/>
-            </a:xfrm>
-            <a:prstGeom prst="roundRect">
-              <a:avLst/>
-            </a:prstGeom>
-          </p:spPr>
-          <p:style>
-            <a:lnRef idx="2">
-              <a:schemeClr val="accent6"/>
-            </a:lnRef>
-            <a:fillRef idx="1">
-              <a:schemeClr val="lt1"/>
-            </a:fillRef>
-            <a:effectRef idx="0">
-              <a:schemeClr val="accent6"/>
-            </a:effectRef>
-            <a:fontRef idx="minor">
-              <a:schemeClr val="dk1"/>
-            </a:fontRef>
-          </p:style>
-          <p:txBody>
-            <a:bodyPr rtlCol="0" anchor="t"/>
-            <a:lstStyle/>
-            <a:p>
-              <a:pPr algn="ctr"/>
-              <a:r>
-                <a:rPr lang="ru-RU" dirty="0"/>
-                <a:t>Процессор </a:t>
-              </a:r>
-              <a:r>
-                <a:rPr lang="ru-RU" dirty="0" smtClean="0"/>
-                <a:t>2</a:t>
-              </a:r>
-              <a:endParaRPr lang="en-US" dirty="0"/>
-            </a:p>
-          </p:txBody>
-        </p:sp>
-        <p:sp>
-          <p:nvSpPr>
-            <p:cNvPr id="9" name="Скругленный прямоугольник 8"/>
-            <p:cNvSpPr/>
-            <p:nvPr/>
-          </p:nvSpPr>
-          <p:spPr>
-            <a:xfrm>
-              <a:off x="2427889" y="4466895"/>
-              <a:ext cx="3867806" cy="1082568"/>
-            </a:xfrm>
-            <a:prstGeom prst="roundRect">
-              <a:avLst/>
-            </a:prstGeom>
-          </p:spPr>
-          <p:style>
-            <a:lnRef idx="2">
-              <a:schemeClr val="accent6"/>
-            </a:lnRef>
-            <a:fillRef idx="1">
-              <a:schemeClr val="lt1"/>
-            </a:fillRef>
-            <a:effectRef idx="0">
-              <a:schemeClr val="accent6"/>
-            </a:effectRef>
-            <a:fontRef idx="minor">
-              <a:schemeClr val="dk1"/>
-            </a:fontRef>
-          </p:style>
-          <p:txBody>
-            <a:bodyPr rtlCol="0" anchor="t"/>
-            <a:lstStyle/>
-            <a:p>
-              <a:pPr algn="ctr"/>
-              <a:r>
-                <a:rPr lang="ru-RU" dirty="0"/>
-                <a:t>Процессор </a:t>
-              </a:r>
-              <a:r>
-                <a:rPr lang="ru-RU" dirty="0" smtClean="0"/>
-                <a:t>3</a:t>
-              </a:r>
-              <a:endParaRPr lang="en-US" dirty="0"/>
-            </a:p>
-          </p:txBody>
-        </p:sp>
-        <p:sp>
-          <p:nvSpPr>
-            <p:cNvPr id="10" name="Скругленный прямоугольник 9"/>
-            <p:cNvSpPr/>
-            <p:nvPr/>
-          </p:nvSpPr>
-          <p:spPr>
-            <a:xfrm>
-              <a:off x="6526924" y="4466895"/>
-              <a:ext cx="3731172" cy="1082568"/>
-            </a:xfrm>
-            <a:prstGeom prst="roundRect">
-              <a:avLst/>
-            </a:prstGeom>
-          </p:spPr>
-          <p:style>
-            <a:lnRef idx="2">
-              <a:schemeClr val="accent6"/>
-            </a:lnRef>
-            <a:fillRef idx="1">
-              <a:schemeClr val="lt1"/>
-            </a:fillRef>
-            <a:effectRef idx="0">
-              <a:schemeClr val="accent6"/>
-            </a:effectRef>
-            <a:fontRef idx="minor">
-              <a:schemeClr val="dk1"/>
-            </a:fontRef>
-          </p:style>
-          <p:txBody>
-            <a:bodyPr rtlCol="0" anchor="t"/>
-            <a:lstStyle/>
-            <a:p>
-              <a:pPr algn="ctr"/>
-              <a:r>
-                <a:rPr lang="ru-RU" dirty="0"/>
-                <a:t>Процессор 4</a:t>
-              </a:r>
-              <a:endParaRPr lang="en-US" dirty="0"/>
-            </a:p>
-          </p:txBody>
-        </p:sp>
-        <p:sp>
-          <p:nvSpPr>
-            <p:cNvPr id="11" name="Блок-схема: альтернативный процесс 10"/>
-            <p:cNvSpPr/>
-            <p:nvPr/>
-          </p:nvSpPr>
-          <p:spPr>
-            <a:xfrm>
-              <a:off x="2822026" y="2690647"/>
-              <a:ext cx="3799490" cy="1282263"/>
-            </a:xfrm>
-            <a:prstGeom prst="flowChartAlternateProcess">
-              <a:avLst/>
-            </a:prstGeom>
-          </p:spPr>
-          <p:style>
-            <a:lnRef idx="1">
-              <a:schemeClr val="accent4"/>
-            </a:lnRef>
-            <a:fillRef idx="2">
-              <a:schemeClr val="accent4"/>
-            </a:fillRef>
-            <a:effectRef idx="1">
-              <a:schemeClr val="accent4"/>
-            </a:effectRef>
-            <a:fontRef idx="minor">
-              <a:schemeClr val="dk1"/>
-            </a:fontRef>
-          </p:style>
-          <p:txBody>
-            <a:bodyPr rtlCol="0" anchor="ctr"/>
-            <a:lstStyle/>
-            <a:p>
-              <a:pPr marL="342900" indent="-342900">
-                <a:buFont typeface="+mj-lt"/>
-                <a:buAutoNum type="arabicPeriod"/>
-              </a:pPr>
-              <a:r>
-                <a:rPr lang="ru-RU" dirty="0"/>
-                <a:t>Загрузка шаблона</a:t>
-              </a:r>
-            </a:p>
-            <a:p>
-              <a:pPr marL="342900" indent="-342900">
-                <a:buFont typeface="+mj-lt"/>
-                <a:buAutoNum type="arabicPeriod"/>
-              </a:pPr>
-              <a:r>
-                <a:rPr lang="ru-RU" dirty="0" smtClean="0"/>
-                <a:t>Лексический анализ</a:t>
-              </a:r>
-            </a:p>
-            <a:p>
-              <a:pPr marL="342900" indent="-342900">
-                <a:buFont typeface="+mj-lt"/>
-                <a:buAutoNum type="arabicPeriod"/>
-              </a:pPr>
-              <a:r>
-                <a:rPr lang="ru-RU" dirty="0" smtClean="0"/>
-                <a:t>Синтаксический </a:t>
-              </a:r>
-              <a:r>
-                <a:rPr lang="ru-RU" dirty="0"/>
-                <a:t>анализ</a:t>
-              </a:r>
-            </a:p>
-            <a:p>
-              <a:pPr marL="342900" indent="-342900">
-                <a:buFont typeface="+mj-lt"/>
-                <a:buAutoNum type="arabicPeriod"/>
-              </a:pPr>
-              <a:r>
-                <a:rPr lang="ru-RU" dirty="0"/>
-                <a:t>Генерация веб-документа</a:t>
-              </a:r>
-              <a:endParaRPr lang="en-US" dirty="0"/>
-            </a:p>
-          </p:txBody>
-        </p:sp>
-        <p:sp>
-          <p:nvSpPr>
-            <p:cNvPr id="12" name="Блок-схема: альтернативный процесс 11"/>
-            <p:cNvSpPr/>
-            <p:nvPr/>
-          </p:nvSpPr>
-          <p:spPr>
-            <a:xfrm>
-              <a:off x="3145219" y="4987158"/>
-              <a:ext cx="2667001" cy="378373"/>
-            </a:xfrm>
-            <a:prstGeom prst="flowChartAlternateProcess">
-              <a:avLst/>
-            </a:prstGeom>
-          </p:spPr>
-          <p:style>
-            <a:lnRef idx="1">
-              <a:schemeClr val="accent4"/>
-            </a:lnRef>
-            <a:fillRef idx="2">
-              <a:schemeClr val="accent4"/>
-            </a:fillRef>
-            <a:effectRef idx="1">
-              <a:schemeClr val="accent4"/>
-            </a:effectRef>
-            <a:fontRef idx="minor">
-              <a:schemeClr val="dk1"/>
-            </a:fontRef>
-          </p:style>
-          <p:txBody>
-            <a:bodyPr rtlCol="0" anchor="ctr"/>
-            <a:lstStyle/>
-            <a:p>
-              <a:r>
-                <a:rPr lang="ru-RU" dirty="0" smtClean="0"/>
-                <a:t>Ожидаю задач …</a:t>
-              </a:r>
-              <a:endParaRPr lang="en-US" dirty="0"/>
-            </a:p>
-          </p:txBody>
-        </p:sp>
-        <p:sp>
-          <p:nvSpPr>
-            <p:cNvPr id="13" name="Блок-схема: альтернативный процесс 12"/>
-            <p:cNvSpPr/>
-            <p:nvPr/>
-          </p:nvSpPr>
-          <p:spPr>
-            <a:xfrm>
-              <a:off x="7165426" y="4987157"/>
-              <a:ext cx="2667001" cy="378373"/>
-            </a:xfrm>
-            <a:prstGeom prst="flowChartAlternateProcess">
-              <a:avLst/>
-            </a:prstGeom>
-          </p:spPr>
-          <p:style>
-            <a:lnRef idx="1">
-              <a:schemeClr val="accent4"/>
-            </a:lnRef>
-            <a:fillRef idx="2">
-              <a:schemeClr val="accent4"/>
-            </a:fillRef>
-            <a:effectRef idx="1">
-              <a:schemeClr val="accent4"/>
-            </a:effectRef>
-            <a:fontRef idx="minor">
-              <a:schemeClr val="dk1"/>
-            </a:fontRef>
-          </p:style>
-          <p:txBody>
-            <a:bodyPr rtlCol="0" anchor="ctr"/>
-            <a:lstStyle/>
-            <a:p>
-              <a:r>
-                <a:rPr lang="ru-RU" dirty="0" smtClean="0"/>
-                <a:t>Ожидаю задач …</a:t>
-              </a:r>
-              <a:endParaRPr lang="en-US" dirty="0"/>
-            </a:p>
-          </p:txBody>
-        </p:sp>
-        <p:sp>
-          <p:nvSpPr>
-            <p:cNvPr id="14" name="Блок-схема: альтернативный процесс 13"/>
-            <p:cNvSpPr/>
-            <p:nvPr/>
-          </p:nvSpPr>
-          <p:spPr>
-            <a:xfrm>
-              <a:off x="9038895" y="2953405"/>
-              <a:ext cx="462455" cy="378373"/>
-            </a:xfrm>
-            <a:prstGeom prst="flowChartAlternateProcess">
-              <a:avLst/>
-            </a:prstGeom>
-          </p:spPr>
-          <p:style>
-            <a:lnRef idx="1">
-              <a:schemeClr val="accent4"/>
-            </a:lnRef>
-            <a:fillRef idx="2">
-              <a:schemeClr val="accent4"/>
-            </a:fillRef>
-            <a:effectRef idx="1">
-              <a:schemeClr val="accent4"/>
-            </a:effectRef>
-            <a:fontRef idx="minor">
-              <a:schemeClr val="dk1"/>
-            </a:fontRef>
-          </p:style>
-          <p:txBody>
-            <a:bodyPr rtlCol="0" anchor="ctr"/>
-            <a:lstStyle/>
-            <a:p>
-              <a:r>
-                <a:rPr lang="ru-RU" dirty="0" smtClean="0"/>
-                <a:t>…</a:t>
-              </a:r>
-              <a:endParaRPr lang="en-US" dirty="0"/>
-            </a:p>
-          </p:txBody>
-        </p:sp>
-      </p:grpSp>
-      <p:sp>
-        <p:nvSpPr>
-          <p:cNvPr id="16" name="TextBox 15"/>
-          <p:cNvSpPr txBox="1"/>
-          <p:nvPr/>
-        </p:nvSpPr>
-        <p:spPr>
-          <a:xfrm>
-            <a:off x="1265278" y="400050"/>
-            <a:ext cx="9552400" cy="646331"/>
-          </a:xfrm>
-          <a:prstGeom prst="rect">
-            <a:avLst/>
-          </a:prstGeom>
-          <a:noFill/>
-        </p:spPr>
-        <p:txBody>
-          <a:bodyPr wrap="square" rtlCol="0">
-            <a:spAutoFit/>
-          </a:bodyPr>
-          <a:lstStyle/>
-          <a:p>
-            <a:r>
-              <a:rPr lang="ru-RU" sz="3600" b="1" dirty="0" smtClean="0">
-                <a:latin typeface="Courier New" panose="02070309020205020404" pitchFamily="49" charset="0"/>
-                <a:cs typeface="Courier New" panose="02070309020205020404" pitchFamily="49" charset="0"/>
-              </a:rPr>
-              <a:t>Простой вычислительных ресурсов</a:t>
-            </a:r>
-          </a:p>
-        </p:txBody>
-      </p:sp>
-    </p:spTree>
-    <p:extLst>
-      <p:ext uri="{BB962C8B-B14F-4D97-AF65-F5344CB8AC3E}">
-        <p14:creationId xmlns:p14="http://schemas.microsoft.com/office/powerpoint/2010/main" val="44857748"/>
-      </p:ext>
-    </p:extLst>
-  </p:cSld>
-  <p:clrMapOvr>
-    <a:masterClrMapping/>
-  </p:clrMapOvr>
-  <p:timing>
-    <p:tnLst>
-      <p:par>
-        <p:cTn id="1" dur="indefinite" restart="never" nodeType="tmRoot"/>
-      </p:par>
-    </p:tnLst>
-  </p:timing>
-</p:sld>
-</file>
-
 <file path=ppt/theme/theme1.xml><?xml version="1.0" encoding="utf-8"?>
 <a:theme xmlns:a="http://schemas.openxmlformats.org/drawingml/2006/main" name="Тема Office">
   <a:themeElements>

--- a/docs/Презентация ВКР.pptx
+++ b/docs/Презентация ВКР.pptx
@@ -5,25 +5,23 @@
     <p:sldMasterId id="2147483842" r:id="rId1"/>
   </p:sldMasterIdLst>
   <p:notesMasterIdLst>
-    <p:notesMasterId r:id="rId18"/>
+    <p:notesMasterId r:id="rId16"/>
   </p:notesMasterIdLst>
   <p:sldIdLst>
     <p:sldId id="256" r:id="rId2"/>
     <p:sldId id="260" r:id="rId3"/>
     <p:sldId id="258" r:id="rId4"/>
-    <p:sldId id="280" r:id="rId5"/>
-    <p:sldId id="261" r:id="rId6"/>
-    <p:sldId id="262" r:id="rId7"/>
-    <p:sldId id="266" r:id="rId8"/>
-    <p:sldId id="275" r:id="rId9"/>
-    <p:sldId id="268" r:id="rId10"/>
-    <p:sldId id="276" r:id="rId11"/>
-    <p:sldId id="269" r:id="rId12"/>
-    <p:sldId id="278" r:id="rId13"/>
-    <p:sldId id="273" r:id="rId14"/>
-    <p:sldId id="272" r:id="rId15"/>
-    <p:sldId id="277" r:id="rId16"/>
-    <p:sldId id="279" r:id="rId17"/>
+    <p:sldId id="261" r:id="rId5"/>
+    <p:sldId id="262" r:id="rId6"/>
+    <p:sldId id="275" r:id="rId7"/>
+    <p:sldId id="268" r:id="rId8"/>
+    <p:sldId id="276" r:id="rId9"/>
+    <p:sldId id="269" r:id="rId10"/>
+    <p:sldId id="278" r:id="rId11"/>
+    <p:sldId id="273" r:id="rId12"/>
+    <p:sldId id="272" r:id="rId13"/>
+    <p:sldId id="277" r:id="rId14"/>
+    <p:sldId id="279" r:id="rId15"/>
   </p:sldIdLst>
   <p:sldSz cx="12192000" cy="6858000"/>
   <p:notesSz cx="6858000" cy="9144000"/>
@@ -144,20 +142,6 @@
 
 <file path=ppt/comments/comment1.xml><?xml version="1.0" encoding="utf-8"?>
 <p:cmLst xmlns:a="http://schemas.openxmlformats.org/drawingml/2006/main" xmlns:r="http://schemas.openxmlformats.org/officeDocument/2006/relationships" xmlns:p="http://schemas.openxmlformats.org/presentationml/2006/main">
-  <p:cm authorId="1" dt="2020-06-17T20:58:16.241" idx="1">
-    <p:pos x="2065" y="278"/>
-    <p:text>Может выпилить?</p:text>
-    <p:extLst>
-      <p:ext uri="{C676402C-5697-4E1C-873F-D02D1690AC5C}">
-        <p15:threadingInfo xmlns:p15="http://schemas.microsoft.com/office/powerpoint/2012/main" timeZoneBias="-180"/>
-      </p:ext>
-    </p:extLst>
-  </p:cm>
-</p:cmLst>
-</file>
-
-<file path=ppt/comments/comment2.xml><?xml version="1.0" encoding="utf-8"?>
-<p:cmLst xmlns:a="http://schemas.openxmlformats.org/drawingml/2006/main" xmlns:r="http://schemas.openxmlformats.org/officeDocument/2006/relationships" xmlns:p="http://schemas.openxmlformats.org/presentationml/2006/main">
   <p:cm authorId="1" dt="2020-06-17T21:02:00.419" idx="3">
     <p:pos x="10" y="10"/>
     <p:text>Может как-то сократить?</p:text>
@@ -1800,20 +1784,20 @@
         <a:p>
           <a:pPr algn="l"/>
           <a:r>
-            <a:rPr lang="ru-RU" sz="1000" dirty="0" smtClean="0">
+            <a:rPr lang="ru-RU" sz="1100" dirty="0" smtClean="0">
               <a:latin typeface="Courier New" panose="02070309020205020404" pitchFamily="49" charset="0"/>
               <a:cs typeface="Courier New" panose="02070309020205020404" pitchFamily="49" charset="0"/>
             </a:rPr>
-            <a:t>Исходный код</a:t>
+            <a:t>Исходный </a:t>
           </a:r>
-          <a:endParaRPr lang="en-US" sz="1000" dirty="0" smtClean="0">
-            <a:latin typeface="Courier New" panose="02070309020205020404" pitchFamily="49" charset="0"/>
-            <a:cs typeface="Courier New" panose="02070309020205020404" pitchFamily="49" charset="0"/>
-          </a:endParaRPr>
-        </a:p>
-        <a:p>
-          <a:pPr algn="l"/>
-          <a:endParaRPr lang="ru-RU" sz="1000" dirty="0" smtClean="0">
+          <a:r>
+            <a:rPr lang="ru-RU" sz="1100" dirty="0" smtClean="0">
+              <a:latin typeface="Courier New" panose="02070309020205020404" pitchFamily="49" charset="0"/>
+              <a:cs typeface="Courier New" panose="02070309020205020404" pitchFamily="49" charset="0"/>
+            </a:rPr>
+            <a:t>код</a:t>
+          </a:r>
+          <a:endParaRPr lang="ru-RU" sz="1100" dirty="0" smtClean="0">
             <a:latin typeface="Courier New" panose="02070309020205020404" pitchFamily="49" charset="0"/>
             <a:cs typeface="Courier New" panose="02070309020205020404" pitchFamily="49" charset="0"/>
           </a:endParaRPr>
@@ -1821,7 +1805,7 @@
         <a:p>
           <a:pPr algn="l"/>
           <a:r>
-            <a:rPr lang="en-US" sz="900" dirty="0" smtClean="0">
+            <a:rPr lang="en-US" sz="1100" dirty="0" smtClean="0">
               <a:solidFill>
                 <a:schemeClr val="accent2"/>
               </a:solidFill>
@@ -1831,14 +1815,14 @@
             <a:t>int</a:t>
           </a:r>
           <a:r>
-            <a:rPr lang="en-US" sz="900" dirty="0" smtClean="0">
+            <a:rPr lang="en-US" sz="1100" dirty="0" smtClean="0">
               <a:latin typeface="Courier New" panose="02070309020205020404" pitchFamily="49" charset="0"/>
               <a:cs typeface="Courier New" panose="02070309020205020404" pitchFamily="49" charset="0"/>
             </a:rPr>
             <a:t> </a:t>
           </a:r>
           <a:r>
-            <a:rPr lang="en-US" sz="900" dirty="0" smtClean="0">
+            <a:rPr lang="en-US" sz="1100" dirty="0" smtClean="0">
               <a:solidFill>
                 <a:schemeClr val="accent1"/>
               </a:solidFill>
@@ -1848,14 +1832,14 @@
             <a:t>main</a:t>
           </a:r>
           <a:r>
-            <a:rPr lang="en-US" sz="900" dirty="0" smtClean="0">
+            <a:rPr lang="en-US" sz="1100" dirty="0" smtClean="0">
               <a:latin typeface="Courier New" panose="02070309020205020404" pitchFamily="49" charset="0"/>
               <a:cs typeface="Courier New" panose="02070309020205020404" pitchFamily="49" charset="0"/>
             </a:rPr>
             <a:t>(</a:t>
           </a:r>
           <a:r>
-            <a:rPr lang="en-US" sz="900" dirty="0" smtClean="0">
+            <a:rPr lang="en-US" sz="1100" dirty="0" smtClean="0">
               <a:solidFill>
                 <a:schemeClr val="accent2"/>
               </a:solidFill>
@@ -1865,14 +1849,14 @@
             <a:t>int</a:t>
           </a:r>
           <a:r>
-            <a:rPr lang="en-US" sz="900" dirty="0" smtClean="0">
+            <a:rPr lang="en-US" sz="1100" dirty="0" smtClean="0">
               <a:latin typeface="Courier New" panose="02070309020205020404" pitchFamily="49" charset="0"/>
               <a:cs typeface="Courier New" panose="02070309020205020404" pitchFamily="49" charset="0"/>
             </a:rPr>
             <a:t> argc, </a:t>
           </a:r>
           <a:r>
-            <a:rPr lang="en-US" sz="900" dirty="0" smtClean="0">
+            <a:rPr lang="en-US" sz="1100" dirty="0" smtClean="0">
               <a:solidFill>
                 <a:schemeClr val="accent2">
                   <a:lumMod val="50000"/>
@@ -1884,7 +1868,7 @@
             <a:t>char** </a:t>
           </a:r>
           <a:r>
-            <a:rPr lang="en-US" sz="900" dirty="0" smtClean="0">
+            <a:rPr lang="en-US" sz="1100" dirty="0" smtClean="0">
               <a:latin typeface="Courier New" panose="02070309020205020404" pitchFamily="49" charset="0"/>
               <a:cs typeface="Courier New" panose="02070309020205020404" pitchFamily="49" charset="0"/>
             </a:rPr>
@@ -1894,14 +1878,14 @@
         <a:p>
           <a:pPr algn="l"/>
           <a:r>
-            <a:rPr lang="en-US" sz="900" dirty="0" smtClean="0">
+            <a:rPr lang="en-US" sz="1100" dirty="0" smtClean="0">
               <a:latin typeface="Courier New" panose="02070309020205020404" pitchFamily="49" charset="0"/>
               <a:cs typeface="Courier New" panose="02070309020205020404" pitchFamily="49" charset="0"/>
             </a:rPr>
             <a:t>    </a:t>
           </a:r>
           <a:r>
-            <a:rPr lang="en-US" sz="900" dirty="0" smtClean="0">
+            <a:rPr lang="en-US" sz="1100" dirty="0" smtClean="0">
               <a:solidFill>
                 <a:schemeClr val="accent1"/>
               </a:solidFill>
@@ -1911,14 +1895,14 @@
             <a:t>printf</a:t>
           </a:r>
           <a:r>
-            <a:rPr lang="en-US" sz="900" dirty="0" smtClean="0">
+            <a:rPr lang="en-US" sz="1100" dirty="0" smtClean="0">
               <a:latin typeface="Courier New" panose="02070309020205020404" pitchFamily="49" charset="0"/>
               <a:cs typeface="Courier New" panose="02070309020205020404" pitchFamily="49" charset="0"/>
             </a:rPr>
             <a:t>(</a:t>
           </a:r>
           <a:r>
-            <a:rPr lang="en-US" sz="900" dirty="0" smtClean="0">
+            <a:rPr lang="en-US" sz="1100" dirty="0" smtClean="0">
               <a:solidFill>
                 <a:schemeClr val="accent6"/>
               </a:solidFill>
@@ -1928,7 +1912,7 @@
             <a:t>“Hello world”</a:t>
           </a:r>
           <a:r>
-            <a:rPr lang="en-US" sz="900" dirty="0" smtClean="0">
+            <a:rPr lang="en-US" sz="1100" dirty="0" smtClean="0">
               <a:latin typeface="Courier New" panose="02070309020205020404" pitchFamily="49" charset="0"/>
               <a:cs typeface="Courier New" panose="02070309020205020404" pitchFamily="49" charset="0"/>
             </a:rPr>
@@ -1998,7 +1982,7 @@
         <a:p>
           <a:pPr algn="l"/>
           <a:r>
-            <a:rPr lang="ru-RU" sz="1000" dirty="0" smtClean="0">
+            <a:rPr lang="ru-RU" sz="1100" dirty="0" smtClean="0">
               <a:latin typeface="Courier New" panose="02070309020205020404" pitchFamily="49" charset="0"/>
               <a:cs typeface="Courier New" panose="02070309020205020404" pitchFamily="49" charset="0"/>
             </a:rPr>
@@ -2007,7 +1991,7 @@
         </a:p>
         <a:p>
           <a:pPr algn="l"/>
-          <a:endParaRPr lang="ru-RU" sz="1000" dirty="0" smtClean="0">
+          <a:endParaRPr lang="ru-RU" sz="1100" dirty="0" smtClean="0">
             <a:solidFill>
               <a:srgbClr val="7030A0"/>
             </a:solidFill>
@@ -2018,7 +2002,7 @@
         <a:p>
           <a:pPr algn="l"/>
           <a:r>
-            <a:rPr lang="ru-RU" sz="1000" dirty="0" smtClean="0">
+            <a:rPr lang="ru-RU" sz="1100" dirty="0" smtClean="0">
               <a:solidFill>
                 <a:srgbClr val="7030A0"/>
               </a:solidFill>
@@ -2028,7 +2012,7 @@
             <a:t>101000010100010011110101101001011010101010111110</a:t>
           </a:r>
           <a:r>
-            <a:rPr lang="en-US" sz="1000" dirty="0" smtClean="0">
+            <a:rPr lang="en-US" sz="1100" dirty="0" smtClean="0">
               <a:solidFill>
                 <a:srgbClr val="7030A0"/>
               </a:solidFill>
@@ -2037,7 +2021,7 @@
             </a:rPr>
             <a:t>11111000000101101010011100</a:t>
           </a:r>
-          <a:endParaRPr lang="ru-RU" sz="1000" dirty="0">
+          <a:endParaRPr lang="ru-RU" sz="1100" dirty="0">
             <a:solidFill>
               <a:srgbClr val="7030A0"/>
             </a:solidFill>
@@ -2177,20 +2161,20 @@
         <a:p>
           <a:pPr algn="l"/>
           <a:r>
-            <a:rPr lang="ru-RU" sz="1000" dirty="0" smtClean="0">
+            <a:rPr lang="ru-RU" sz="1200" dirty="0" smtClean="0">
               <a:latin typeface="Courier New" panose="02070309020205020404" pitchFamily="49" charset="0"/>
               <a:cs typeface="Courier New" panose="02070309020205020404" pitchFamily="49" charset="0"/>
             </a:rPr>
-            <a:t>Исходный код</a:t>
+            <a:t>Исходный </a:t>
           </a:r>
-          <a:endParaRPr lang="en-US" sz="1000" dirty="0" smtClean="0">
-            <a:latin typeface="Courier New" panose="02070309020205020404" pitchFamily="49" charset="0"/>
-            <a:cs typeface="Courier New" panose="02070309020205020404" pitchFamily="49" charset="0"/>
-          </a:endParaRPr>
-        </a:p>
-        <a:p>
-          <a:pPr algn="l"/>
-          <a:endParaRPr lang="ru-RU" sz="1000" dirty="0" smtClean="0">
+          <a:r>
+            <a:rPr lang="ru-RU" sz="1200" dirty="0" smtClean="0">
+              <a:latin typeface="Courier New" panose="02070309020205020404" pitchFamily="49" charset="0"/>
+              <a:cs typeface="Courier New" panose="02070309020205020404" pitchFamily="49" charset="0"/>
+            </a:rPr>
+            <a:t>код</a:t>
+          </a:r>
+          <a:endParaRPr lang="ru-RU" sz="1200" dirty="0" smtClean="0">
             <a:latin typeface="Courier New" panose="02070309020205020404" pitchFamily="49" charset="0"/>
             <a:cs typeface="Courier New" panose="02070309020205020404" pitchFamily="49" charset="0"/>
           </a:endParaRPr>
@@ -2198,7 +2182,7 @@
         <a:p>
           <a:pPr algn="l"/>
           <a:r>
-            <a:rPr lang="en-US" sz="1000" dirty="0" smtClean="0">
+            <a:rPr lang="en-US" sz="1200" dirty="0" smtClean="0">
               <a:solidFill>
                 <a:srgbClr val="C00000"/>
               </a:solidFill>
@@ -2208,7 +2192,7 @@
             <a:t>import </a:t>
           </a:r>
           <a:r>
-            <a:rPr lang="en-US" sz="1000" dirty="0" smtClean="0">
+            <a:rPr lang="en-US" sz="1200" dirty="0" smtClean="0">
               <a:solidFill>
                 <a:schemeClr val="accent6">
                   <a:lumMod val="75000"/>
@@ -2223,7 +2207,7 @@
         <a:p>
           <a:pPr algn="l"/>
           <a:r>
-            <a:rPr lang="en-US" sz="1000" dirty="0" smtClean="0">
+            <a:rPr lang="en-US" sz="1200" dirty="0" smtClean="0">
               <a:solidFill>
                 <a:schemeClr val="accent1">
                   <a:lumMod val="75000"/>
@@ -2235,7 +2219,7 @@
             <a:t>print</a:t>
           </a:r>
           <a:r>
-            <a:rPr lang="en-US" sz="1000" dirty="0" smtClean="0">
+            <a:rPr lang="en-US" sz="1200" dirty="0" smtClean="0">
               <a:latin typeface="Courier New" panose="02070309020205020404" pitchFamily="49" charset="0"/>
               <a:cs typeface="Courier New" panose="02070309020205020404" pitchFamily="49" charset="0"/>
             </a:rPr>
@@ -2279,7 +2263,7 @@
         <a:p>
           <a:pPr algn="l"/>
           <a:r>
-            <a:rPr lang="ru-RU" sz="1000" dirty="0" smtClean="0">
+            <a:rPr lang="ru-RU" sz="1200" dirty="0" smtClean="0">
               <a:latin typeface="Courier New" panose="02070309020205020404" pitchFamily="49" charset="0"/>
               <a:cs typeface="Courier New" panose="02070309020205020404" pitchFamily="49" charset="0"/>
             </a:rPr>
@@ -2289,14 +2273,14 @@
         <a:p>
           <a:pPr algn="l"/>
           <a:r>
-            <a:rPr lang="ru-RU" sz="1000" dirty="0" smtClean="0">
+            <a:rPr lang="ru-RU" sz="1200" dirty="0" smtClean="0">
               <a:latin typeface="Courier New" panose="02070309020205020404" pitchFamily="49" charset="0"/>
               <a:cs typeface="Courier New" panose="02070309020205020404" pitchFamily="49" charset="0"/>
             </a:rPr>
             <a:t>0 </a:t>
           </a:r>
           <a:r>
-            <a:rPr lang="en-US" sz="1000" dirty="0" smtClean="0">
+            <a:rPr lang="en-US" sz="1200" dirty="0" smtClean="0">
               <a:solidFill>
                 <a:schemeClr val="accent1">
                   <a:lumMod val="75000"/>
@@ -2308,14 +2292,14 @@
             <a:t>LOAD_NAME</a:t>
           </a:r>
           <a:r>
-            <a:rPr lang="en-US" sz="1000" dirty="0" smtClean="0">
+            <a:rPr lang="en-US" sz="1200" dirty="0" smtClean="0">
               <a:latin typeface="Courier New" panose="02070309020205020404" pitchFamily="49" charset="0"/>
               <a:cs typeface="Courier New" panose="02070309020205020404" pitchFamily="49" charset="0"/>
             </a:rPr>
             <a:t> 0 (</a:t>
           </a:r>
           <a:r>
-            <a:rPr lang="en-US" sz="1000" dirty="0" smtClean="0">
+            <a:rPr lang="en-US" sz="1200" dirty="0" smtClean="0">
               <a:solidFill>
                 <a:schemeClr val="accent6">
                   <a:lumMod val="50000"/>
@@ -2327,7 +2311,7 @@
             <a:t>print</a:t>
           </a:r>
           <a:r>
-            <a:rPr lang="en-US" sz="1000" dirty="0" smtClean="0">
+            <a:rPr lang="en-US" sz="1200" dirty="0" smtClean="0">
               <a:latin typeface="Courier New" panose="02070309020205020404" pitchFamily="49" charset="0"/>
               <a:cs typeface="Courier New" panose="02070309020205020404" pitchFamily="49" charset="0"/>
             </a:rPr>
@@ -2337,14 +2321,14 @@
         <a:p>
           <a:pPr algn="l"/>
           <a:r>
-            <a:rPr lang="en-US" sz="1000" dirty="0" smtClean="0">
+            <a:rPr lang="en-US" sz="1200" dirty="0" smtClean="0">
               <a:latin typeface="Courier New" panose="02070309020205020404" pitchFamily="49" charset="0"/>
               <a:cs typeface="Courier New" panose="02070309020205020404" pitchFamily="49" charset="0"/>
             </a:rPr>
             <a:t>1 </a:t>
           </a:r>
           <a:r>
-            <a:rPr lang="en-US" sz="1000" dirty="0" smtClean="0">
+            <a:rPr lang="en-US" sz="1200" dirty="0" smtClean="0">
               <a:solidFill>
                 <a:schemeClr val="accent1">
                   <a:lumMod val="75000"/>
@@ -2356,14 +2340,14 @@
             <a:t>LOAD_CONSTANT</a:t>
           </a:r>
           <a:r>
-            <a:rPr lang="en-US" sz="1000" dirty="0" smtClean="0">
+            <a:rPr lang="en-US" sz="1200" dirty="0" smtClean="0">
               <a:latin typeface="Courier New" panose="02070309020205020404" pitchFamily="49" charset="0"/>
               <a:cs typeface="Courier New" panose="02070309020205020404" pitchFamily="49" charset="0"/>
             </a:rPr>
             <a:t> 0 (</a:t>
           </a:r>
           <a:r>
-            <a:rPr lang="en-US" sz="1000" dirty="0" smtClean="0">
+            <a:rPr lang="en-US" sz="1200" dirty="0" smtClean="0">
               <a:solidFill>
                 <a:schemeClr val="accent6">
                   <a:lumMod val="50000"/>
@@ -2375,13 +2359,13 @@
             <a:t>time</a:t>
           </a:r>
           <a:r>
-            <a:rPr lang="en-US" sz="1000" dirty="0" smtClean="0">
+            <a:rPr lang="en-US" sz="1200" dirty="0" smtClean="0">
               <a:latin typeface="Courier New" panose="02070309020205020404" pitchFamily="49" charset="0"/>
               <a:cs typeface="Courier New" panose="02070309020205020404" pitchFamily="49" charset="0"/>
             </a:rPr>
             <a:t>)</a:t>
           </a:r>
-          <a:endParaRPr lang="ru-RU" sz="1000" dirty="0">
+          <a:endParaRPr lang="ru-RU" sz="1200" dirty="0">
             <a:latin typeface="Courier New" panose="02070309020205020404" pitchFamily="49" charset="0"/>
             <a:cs typeface="Courier New" panose="02070309020205020404" pitchFamily="49" charset="0"/>
           </a:endParaRPr>
@@ -2419,16 +2403,20 @@
         <a:p>
           <a:pPr algn="l"/>
           <a:r>
-            <a:rPr lang="ru-RU" sz="1000" dirty="0" smtClean="0">
+            <a:rPr lang="ru-RU" sz="1100" dirty="0" smtClean="0">
               <a:latin typeface="Courier New" panose="02070309020205020404" pitchFamily="49" charset="0"/>
               <a:cs typeface="Courier New" panose="02070309020205020404" pitchFamily="49" charset="0"/>
             </a:rPr>
-            <a:t>Машинный код</a:t>
+            <a:t>Машинный </a:t>
           </a:r>
-        </a:p>
-        <a:p>
-          <a:pPr algn="l"/>
-          <a:endParaRPr lang="ru-RU" sz="1000" dirty="0" smtClean="0">
+          <a:r>
+            <a:rPr lang="ru-RU" sz="1100" dirty="0" smtClean="0">
+              <a:latin typeface="Courier New" panose="02070309020205020404" pitchFamily="49" charset="0"/>
+              <a:cs typeface="Courier New" panose="02070309020205020404" pitchFamily="49" charset="0"/>
+            </a:rPr>
+            <a:t>код</a:t>
+          </a:r>
+          <a:endParaRPr lang="ru-RU" sz="1100" dirty="0" smtClean="0">
             <a:solidFill>
               <a:srgbClr val="7030A0"/>
             </a:solidFill>
@@ -2439,7 +2427,7 @@
         <a:p>
           <a:pPr algn="l"/>
           <a:r>
-            <a:rPr lang="ru-RU" sz="1000" dirty="0" smtClean="0">
+            <a:rPr lang="ru-RU" sz="1100" dirty="0" smtClean="0">
               <a:solidFill>
                 <a:srgbClr val="7030A0"/>
               </a:solidFill>
@@ -2449,7 +2437,7 @@
             <a:t>1010000101000100111101011010010110101</a:t>
           </a:r>
           <a:r>
-            <a:rPr lang="en-US" sz="1000" dirty="0" smtClean="0">
+            <a:rPr lang="en-US" sz="1100" dirty="0" smtClean="0">
               <a:solidFill>
                 <a:srgbClr val="7030A0"/>
               </a:solidFill>
@@ -2458,7 +2446,7 @@
             </a:rPr>
             <a:t>001</a:t>
           </a:r>
-          <a:endParaRPr lang="ru-RU" sz="1000" dirty="0"/>
+          <a:endParaRPr lang="ru-RU" sz="1100" dirty="0"/>
         </a:p>
       </dgm:t>
     </dgm:pt>
@@ -2507,11 +2495,11 @@
       <dgm:spPr/>
     </dgm:pt>
     <dgm:pt modelId="{92AA7814-392E-4CEF-88B8-62DA007AA05F}" type="pres">
-      <dgm:prSet presAssocID="{47308C15-BB5E-4FAE-88A7-842E9B55661B}" presName="bentUpArrow1" presStyleLbl="alignImgPlace1" presStyleIdx="0" presStyleCnt="2" custScaleX="220467" custScaleY="71980" custLinFactX="-96059" custLinFactNeighborX="-100000" custLinFactNeighborY="19189"/>
+      <dgm:prSet presAssocID="{47308C15-BB5E-4FAE-88A7-842E9B55661B}" presName="bentUpArrow1" presStyleLbl="alignImgPlace1" presStyleIdx="0" presStyleCnt="2" custScaleX="220467" custScaleY="71980" custLinFactX="-92177" custLinFactNeighborX="-100000" custLinFactNeighborY="14500"/>
       <dgm:spPr/>
     </dgm:pt>
     <dgm:pt modelId="{4B334BE6-ACF8-4FAB-8082-B17AC276E167}" type="pres">
-      <dgm:prSet presAssocID="{47308C15-BB5E-4FAE-88A7-842E9B55661B}" presName="ParentText" presStyleLbl="node1" presStyleIdx="0" presStyleCnt="3" custScaleX="213913" custScaleY="125319" custLinFactX="-86119" custLinFactNeighborX="-100000" custLinFactNeighborY="14738">
+      <dgm:prSet presAssocID="{47308C15-BB5E-4FAE-88A7-842E9B55661B}" presName="ParentText" presStyleLbl="node1" presStyleIdx="0" presStyleCnt="3" custScaleX="150445" custScaleY="97921" custLinFactX="-91295" custLinFactNeighborX="-100000" custLinFactNeighborY="17474">
         <dgm:presLayoutVars>
           <dgm:chMax val="1"/>
           <dgm:chPref val="1"/>
@@ -2553,11 +2541,11 @@
       <dgm:spPr/>
     </dgm:pt>
     <dgm:pt modelId="{7339C448-4F32-4FB7-A5C6-572D5FB2BAA3}" type="pres">
-      <dgm:prSet presAssocID="{28E0CA74-4406-4E0A-B138-A97164140C6A}" presName="bentUpArrow1" presStyleLbl="alignImgPlace1" presStyleIdx="1" presStyleCnt="2" custScaleX="240737" custScaleY="67142" custLinFactNeighborX="19422" custLinFactNeighborY="85"/>
+      <dgm:prSet presAssocID="{28E0CA74-4406-4E0A-B138-A97164140C6A}" presName="bentUpArrow1" presStyleLbl="alignImgPlace1" presStyleIdx="1" presStyleCnt="2" custScaleX="240737" custScaleY="67142" custLinFactNeighborX="11143" custLinFactNeighborY="-3668"/>
       <dgm:spPr/>
     </dgm:pt>
     <dgm:pt modelId="{7A3DC7ED-13A1-4E50-84AA-A8F3BFFC528E}" type="pres">
-      <dgm:prSet presAssocID="{28E0CA74-4406-4E0A-B138-A97164140C6A}" presName="ParentText" presStyleLbl="node1" presStyleIdx="1" presStyleCnt="3" custScaleX="212993" custLinFactNeighborX="-63579" custLinFactNeighborY="13196">
+      <dgm:prSet presAssocID="{28E0CA74-4406-4E0A-B138-A97164140C6A}" presName="ParentText" presStyleLbl="node1" presStyleIdx="1" presStyleCnt="3" custScaleX="212993" custLinFactNeighborX="-62811" custLinFactNeighborY="4246">
         <dgm:presLayoutVars>
           <dgm:chMax val="1"/>
           <dgm:chPref val="1"/>
@@ -2599,7 +2587,7 @@
       <dgm:spPr/>
     </dgm:pt>
     <dgm:pt modelId="{215F8DC2-0B97-4F81-9541-179194B83308}" type="pres">
-      <dgm:prSet presAssocID="{A8F932AA-A515-4A3C-83CC-293F6EB04442}" presName="ParentText" presStyleLbl="node1" presStyleIdx="2" presStyleCnt="3" custScaleX="145116" custLinFactNeighborX="87662" custLinFactNeighborY="-10468">
+      <dgm:prSet presAssocID="{A8F932AA-A515-4A3C-83CC-293F6EB04442}" presName="ParentText" presStyleLbl="node1" presStyleIdx="2" presStyleCnt="3" custScaleX="151621" custLinFactX="7314" custLinFactNeighborX="100000" custLinFactNeighborY="-4607">
         <dgm:presLayoutVars>
           <dgm:chMax val="1"/>
           <dgm:chPref val="1"/>
@@ -2708,12 +2696,12 @@
         </a:fontRef>
       </dsp:style>
       <dsp:txBody>
-        <a:bodyPr spcFirstLastPara="0" vert="horz" wrap="square" lIns="38100" tIns="38100" rIns="38100" bIns="38100" numCol="1" spcCol="1270" anchor="ctr" anchorCtr="0">
+        <a:bodyPr spcFirstLastPara="0" vert="horz" wrap="square" lIns="41910" tIns="41910" rIns="41910" bIns="41910" numCol="1" spcCol="1270" anchor="ctr" anchorCtr="0">
           <a:noAutofit/>
         </a:bodyPr>
         <a:lstStyle/>
         <a:p>
-          <a:pPr lvl="0" algn="l" defTabSz="444500">
+          <a:pPr lvl="0" algn="l" defTabSz="488950">
             <a:lnSpc>
               <a:spcPct val="90000"/>
             </a:lnSpc>
@@ -2725,36 +2713,26 @@
             </a:spcAft>
           </a:pPr>
           <a:r>
-            <a:rPr lang="ru-RU" sz="1000" kern="1200" dirty="0" smtClean="0">
+            <a:rPr lang="ru-RU" sz="1100" kern="1200" dirty="0" smtClean="0">
               <a:latin typeface="Courier New" panose="02070309020205020404" pitchFamily="49" charset="0"/>
               <a:cs typeface="Courier New" panose="02070309020205020404" pitchFamily="49" charset="0"/>
             </a:rPr>
-            <a:t>Исходный код</a:t>
+            <a:t>Исходный </a:t>
           </a:r>
-          <a:endParaRPr lang="en-US" sz="1000" kern="1200" dirty="0" smtClean="0">
+          <a:r>
+            <a:rPr lang="ru-RU" sz="1100" kern="1200" dirty="0" smtClean="0">
+              <a:latin typeface="Courier New" panose="02070309020205020404" pitchFamily="49" charset="0"/>
+              <a:cs typeface="Courier New" panose="02070309020205020404" pitchFamily="49" charset="0"/>
+            </a:rPr>
+            <a:t>код</a:t>
+          </a:r>
+          <a:endParaRPr lang="ru-RU" sz="1100" kern="1200" dirty="0" smtClean="0">
             <a:latin typeface="Courier New" panose="02070309020205020404" pitchFamily="49" charset="0"/>
             <a:cs typeface="Courier New" panose="02070309020205020404" pitchFamily="49" charset="0"/>
           </a:endParaRPr>
         </a:p>
         <a:p>
-          <a:pPr lvl="0" algn="l" defTabSz="444500">
-            <a:lnSpc>
-              <a:spcPct val="90000"/>
-            </a:lnSpc>
-            <a:spcBef>
-              <a:spcPct val="0"/>
-            </a:spcBef>
-            <a:spcAft>
-              <a:spcPct val="35000"/>
-            </a:spcAft>
-          </a:pPr>
-          <a:endParaRPr lang="ru-RU" sz="1000" kern="1200" dirty="0" smtClean="0">
-            <a:latin typeface="Courier New" panose="02070309020205020404" pitchFamily="49" charset="0"/>
-            <a:cs typeface="Courier New" panose="02070309020205020404" pitchFamily="49" charset="0"/>
-          </a:endParaRPr>
-        </a:p>
-        <a:p>
-          <a:pPr lvl="0" algn="l" defTabSz="444500">
+          <a:pPr lvl="0" algn="l" defTabSz="488950">
             <a:lnSpc>
               <a:spcPct val="90000"/>
             </a:lnSpc>
@@ -2766,7 +2744,7 @@
             </a:spcAft>
           </a:pPr>
           <a:r>
-            <a:rPr lang="en-US" sz="900" kern="1200" dirty="0" smtClean="0">
+            <a:rPr lang="en-US" sz="1100" kern="1200" dirty="0" smtClean="0">
               <a:solidFill>
                 <a:schemeClr val="accent2"/>
               </a:solidFill>
@@ -2776,14 +2754,14 @@
             <a:t>int</a:t>
           </a:r>
           <a:r>
-            <a:rPr lang="en-US" sz="900" kern="1200" dirty="0" smtClean="0">
+            <a:rPr lang="en-US" sz="1100" kern="1200" dirty="0" smtClean="0">
               <a:latin typeface="Courier New" panose="02070309020205020404" pitchFamily="49" charset="0"/>
               <a:cs typeface="Courier New" panose="02070309020205020404" pitchFamily="49" charset="0"/>
             </a:rPr>
             <a:t> </a:t>
           </a:r>
           <a:r>
-            <a:rPr lang="en-US" sz="900" kern="1200" dirty="0" smtClean="0">
+            <a:rPr lang="en-US" sz="1100" kern="1200" dirty="0" smtClean="0">
               <a:solidFill>
                 <a:schemeClr val="accent1"/>
               </a:solidFill>
@@ -2793,14 +2771,14 @@
             <a:t>main</a:t>
           </a:r>
           <a:r>
-            <a:rPr lang="en-US" sz="900" kern="1200" dirty="0" smtClean="0">
+            <a:rPr lang="en-US" sz="1100" kern="1200" dirty="0" smtClean="0">
               <a:latin typeface="Courier New" panose="02070309020205020404" pitchFamily="49" charset="0"/>
               <a:cs typeface="Courier New" panose="02070309020205020404" pitchFamily="49" charset="0"/>
             </a:rPr>
             <a:t>(</a:t>
           </a:r>
           <a:r>
-            <a:rPr lang="en-US" sz="900" kern="1200" dirty="0" smtClean="0">
+            <a:rPr lang="en-US" sz="1100" kern="1200" dirty="0" smtClean="0">
               <a:solidFill>
                 <a:schemeClr val="accent2"/>
               </a:solidFill>
@@ -2810,14 +2788,14 @@
             <a:t>int</a:t>
           </a:r>
           <a:r>
-            <a:rPr lang="en-US" sz="900" kern="1200" dirty="0" smtClean="0">
+            <a:rPr lang="en-US" sz="1100" kern="1200" dirty="0" smtClean="0">
               <a:latin typeface="Courier New" panose="02070309020205020404" pitchFamily="49" charset="0"/>
               <a:cs typeface="Courier New" panose="02070309020205020404" pitchFamily="49" charset="0"/>
             </a:rPr>
             <a:t> argc, </a:t>
           </a:r>
           <a:r>
-            <a:rPr lang="en-US" sz="900" kern="1200" dirty="0" smtClean="0">
+            <a:rPr lang="en-US" sz="1100" kern="1200" dirty="0" smtClean="0">
               <a:solidFill>
                 <a:schemeClr val="accent2">
                   <a:lumMod val="50000"/>
@@ -2829,7 +2807,7 @@
             <a:t>char** </a:t>
           </a:r>
           <a:r>
-            <a:rPr lang="en-US" sz="900" kern="1200" dirty="0" smtClean="0">
+            <a:rPr lang="en-US" sz="1100" kern="1200" dirty="0" smtClean="0">
               <a:latin typeface="Courier New" panose="02070309020205020404" pitchFamily="49" charset="0"/>
               <a:cs typeface="Courier New" panose="02070309020205020404" pitchFamily="49" charset="0"/>
             </a:rPr>
@@ -2837,7 +2815,7 @@
           </a:r>
         </a:p>
         <a:p>
-          <a:pPr lvl="0" algn="l" defTabSz="444500">
+          <a:pPr lvl="0" algn="l" defTabSz="488950">
             <a:lnSpc>
               <a:spcPct val="90000"/>
             </a:lnSpc>
@@ -2849,14 +2827,14 @@
             </a:spcAft>
           </a:pPr>
           <a:r>
-            <a:rPr lang="en-US" sz="900" kern="1200" dirty="0" smtClean="0">
+            <a:rPr lang="en-US" sz="1100" kern="1200" dirty="0" smtClean="0">
               <a:latin typeface="Courier New" panose="02070309020205020404" pitchFamily="49" charset="0"/>
               <a:cs typeface="Courier New" panose="02070309020205020404" pitchFamily="49" charset="0"/>
             </a:rPr>
             <a:t>    </a:t>
           </a:r>
           <a:r>
-            <a:rPr lang="en-US" sz="900" kern="1200" dirty="0" smtClean="0">
+            <a:rPr lang="en-US" sz="1100" kern="1200" dirty="0" smtClean="0">
               <a:solidFill>
                 <a:schemeClr val="accent1"/>
               </a:solidFill>
@@ -2866,14 +2844,14 @@
             <a:t>printf</a:t>
           </a:r>
           <a:r>
-            <a:rPr lang="en-US" sz="900" kern="1200" dirty="0" smtClean="0">
+            <a:rPr lang="en-US" sz="1100" kern="1200" dirty="0" smtClean="0">
               <a:latin typeface="Courier New" panose="02070309020205020404" pitchFamily="49" charset="0"/>
               <a:cs typeface="Courier New" panose="02070309020205020404" pitchFamily="49" charset="0"/>
             </a:rPr>
             <a:t>(</a:t>
           </a:r>
           <a:r>
-            <a:rPr lang="en-US" sz="900" kern="1200" dirty="0" smtClean="0">
+            <a:rPr lang="en-US" sz="1100" kern="1200" dirty="0" smtClean="0">
               <a:solidFill>
                 <a:schemeClr val="accent6"/>
               </a:solidFill>
@@ -2883,7 +2861,7 @@
             <a:t>“Hello world”</a:t>
           </a:r>
           <a:r>
-            <a:rPr lang="en-US" sz="900" kern="1200" dirty="0" smtClean="0">
+            <a:rPr lang="en-US" sz="1100" kern="1200" dirty="0" smtClean="0">
               <a:latin typeface="Courier New" panose="02070309020205020404" pitchFamily="49" charset="0"/>
               <a:cs typeface="Courier New" panose="02070309020205020404" pitchFamily="49" charset="0"/>
             </a:rPr>
@@ -2891,7 +2869,7 @@
           </a:r>
         </a:p>
         <a:p>
-          <a:pPr lvl="0" algn="l" defTabSz="444500">
+          <a:pPr lvl="0" algn="l" defTabSz="488950">
             <a:lnSpc>
               <a:spcPct val="90000"/>
             </a:lnSpc>
@@ -3045,12 +3023,12 @@
         </a:fontRef>
       </dsp:style>
       <dsp:txBody>
-        <a:bodyPr spcFirstLastPara="0" vert="horz" wrap="square" lIns="38100" tIns="38100" rIns="38100" bIns="38100" numCol="1" spcCol="1270" anchor="ctr" anchorCtr="0">
+        <a:bodyPr spcFirstLastPara="0" vert="horz" wrap="square" lIns="41910" tIns="41910" rIns="41910" bIns="41910" numCol="1" spcCol="1270" anchor="ctr" anchorCtr="0">
           <a:noAutofit/>
         </a:bodyPr>
         <a:lstStyle/>
         <a:p>
-          <a:pPr lvl="0" algn="l" defTabSz="444500">
+          <a:pPr lvl="0" algn="l" defTabSz="488950">
             <a:lnSpc>
               <a:spcPct val="90000"/>
             </a:lnSpc>
@@ -3062,7 +3040,7 @@
             </a:spcAft>
           </a:pPr>
           <a:r>
-            <a:rPr lang="ru-RU" sz="1000" kern="1200" dirty="0" smtClean="0">
+            <a:rPr lang="ru-RU" sz="1100" kern="1200" dirty="0" smtClean="0">
               <a:latin typeface="Courier New" panose="02070309020205020404" pitchFamily="49" charset="0"/>
               <a:cs typeface="Courier New" panose="02070309020205020404" pitchFamily="49" charset="0"/>
             </a:rPr>
@@ -3070,7 +3048,7 @@
           </a:r>
         </a:p>
         <a:p>
-          <a:pPr lvl="0" algn="l" defTabSz="444500">
+          <a:pPr lvl="0" algn="l" defTabSz="488950">
             <a:lnSpc>
               <a:spcPct val="90000"/>
             </a:lnSpc>
@@ -3081,7 +3059,7 @@
               <a:spcPct val="35000"/>
             </a:spcAft>
           </a:pPr>
-          <a:endParaRPr lang="ru-RU" sz="1000" kern="1200" dirty="0" smtClean="0">
+          <a:endParaRPr lang="ru-RU" sz="1100" kern="1200" dirty="0" smtClean="0">
             <a:solidFill>
               <a:srgbClr val="7030A0"/>
             </a:solidFill>
@@ -3090,7 +3068,7 @@
           </a:endParaRPr>
         </a:p>
         <a:p>
-          <a:pPr lvl="0" algn="l" defTabSz="444500">
+          <a:pPr lvl="0" algn="l" defTabSz="488950">
             <a:lnSpc>
               <a:spcPct val="90000"/>
             </a:lnSpc>
@@ -3102,7 +3080,7 @@
             </a:spcAft>
           </a:pPr>
           <a:r>
-            <a:rPr lang="ru-RU" sz="1000" kern="1200" dirty="0" smtClean="0">
+            <a:rPr lang="ru-RU" sz="1100" kern="1200" dirty="0" smtClean="0">
               <a:solidFill>
                 <a:srgbClr val="7030A0"/>
               </a:solidFill>
@@ -3112,7 +3090,7 @@
             <a:t>101000010100010011110101101001011010101010111110</a:t>
           </a:r>
           <a:r>
-            <a:rPr lang="en-US" sz="1000" kern="1200" dirty="0" smtClean="0">
+            <a:rPr lang="en-US" sz="1100" kern="1200" dirty="0" smtClean="0">
               <a:solidFill>
                 <a:srgbClr val="7030A0"/>
               </a:solidFill>
@@ -3121,7 +3099,7 @@
             </a:rPr>
             <a:t>11111000000101101010011100</a:t>
           </a:r>
-          <a:endParaRPr lang="ru-RU" sz="1000" kern="1200" dirty="0">
+          <a:endParaRPr lang="ru-RU" sz="1100" kern="1200" dirty="0">
             <a:solidFill>
               <a:srgbClr val="7030A0"/>
             </a:solidFill>
@@ -3154,8 +3132,8 @@
       </dsp:nvSpPr>
       <dsp:spPr>
         <a:xfrm rot="5400000">
-          <a:off x="1948607" y="563179"/>
-          <a:ext cx="516992" cy="1802750"/>
+          <a:off x="1628196" y="432209"/>
+          <a:ext cx="540599" cy="1885068"/>
         </a:xfrm>
         <a:prstGeom prst="bentUpArrow">
           <a:avLst>
@@ -3208,8 +3186,8 @@
       </dsp:nvSpPr>
       <dsp:spPr>
         <a:xfrm>
-          <a:off x="321827" y="139285"/>
-          <a:ext cx="2586425" cy="1060614"/>
+          <a:off x="229718" y="169621"/>
+          <a:ext cx="1902093" cy="866578"/>
         </a:xfrm>
         <a:prstGeom prst="roundRect">
           <a:avLst>
@@ -3254,12 +3232,12 @@
         </a:fontRef>
       </dsp:style>
       <dsp:txBody>
-        <a:bodyPr spcFirstLastPara="0" vert="horz" wrap="square" lIns="38100" tIns="38100" rIns="38100" bIns="38100" numCol="1" spcCol="1270" anchor="ctr" anchorCtr="0">
+        <a:bodyPr spcFirstLastPara="0" vert="horz" wrap="square" lIns="45720" tIns="45720" rIns="45720" bIns="45720" numCol="1" spcCol="1270" anchor="ctr" anchorCtr="0">
           <a:noAutofit/>
         </a:bodyPr>
         <a:lstStyle/>
         <a:p>
-          <a:pPr lvl="0" algn="l" defTabSz="444500">
+          <a:pPr lvl="0" algn="l" defTabSz="533400">
             <a:lnSpc>
               <a:spcPct val="90000"/>
             </a:lnSpc>
@@ -3271,36 +3249,26 @@
             </a:spcAft>
           </a:pPr>
           <a:r>
-            <a:rPr lang="ru-RU" sz="1000" kern="1200" dirty="0" smtClean="0">
+            <a:rPr lang="ru-RU" sz="1200" kern="1200" dirty="0" smtClean="0">
               <a:latin typeface="Courier New" panose="02070309020205020404" pitchFamily="49" charset="0"/>
               <a:cs typeface="Courier New" panose="02070309020205020404" pitchFamily="49" charset="0"/>
             </a:rPr>
-            <a:t>Исходный код</a:t>
+            <a:t>Исходный </a:t>
           </a:r>
-          <a:endParaRPr lang="en-US" sz="1000" kern="1200" dirty="0" smtClean="0">
+          <a:r>
+            <a:rPr lang="ru-RU" sz="1200" kern="1200" dirty="0" smtClean="0">
+              <a:latin typeface="Courier New" panose="02070309020205020404" pitchFamily="49" charset="0"/>
+              <a:cs typeface="Courier New" panose="02070309020205020404" pitchFamily="49" charset="0"/>
+            </a:rPr>
+            <a:t>код</a:t>
+          </a:r>
+          <a:endParaRPr lang="ru-RU" sz="1200" kern="1200" dirty="0" smtClean="0">
             <a:latin typeface="Courier New" panose="02070309020205020404" pitchFamily="49" charset="0"/>
             <a:cs typeface="Courier New" panose="02070309020205020404" pitchFamily="49" charset="0"/>
           </a:endParaRPr>
         </a:p>
         <a:p>
-          <a:pPr lvl="0" algn="l" defTabSz="444500">
-            <a:lnSpc>
-              <a:spcPct val="90000"/>
-            </a:lnSpc>
-            <a:spcBef>
-              <a:spcPct val="0"/>
-            </a:spcBef>
-            <a:spcAft>
-              <a:spcPct val="35000"/>
-            </a:spcAft>
-          </a:pPr>
-          <a:endParaRPr lang="ru-RU" sz="1000" kern="1200" dirty="0" smtClean="0">
-            <a:latin typeface="Courier New" panose="02070309020205020404" pitchFamily="49" charset="0"/>
-            <a:cs typeface="Courier New" panose="02070309020205020404" pitchFamily="49" charset="0"/>
-          </a:endParaRPr>
-        </a:p>
-        <a:p>
-          <a:pPr lvl="0" algn="l" defTabSz="444500">
+          <a:pPr lvl="0" algn="l" defTabSz="533400">
             <a:lnSpc>
               <a:spcPct val="90000"/>
             </a:lnSpc>
@@ -3312,7 +3280,7 @@
             </a:spcAft>
           </a:pPr>
           <a:r>
-            <a:rPr lang="en-US" sz="1000" kern="1200" dirty="0" smtClean="0">
+            <a:rPr lang="en-US" sz="1200" kern="1200" dirty="0" smtClean="0">
               <a:solidFill>
                 <a:srgbClr val="C00000"/>
               </a:solidFill>
@@ -3322,7 +3290,7 @@
             <a:t>import </a:t>
           </a:r>
           <a:r>
-            <a:rPr lang="en-US" sz="1000" kern="1200" dirty="0" smtClean="0">
+            <a:rPr lang="en-US" sz="1200" kern="1200" dirty="0" smtClean="0">
               <a:solidFill>
                 <a:schemeClr val="accent6">
                   <a:lumMod val="75000"/>
@@ -3335,7 +3303,7 @@
           </a:r>
         </a:p>
         <a:p>
-          <a:pPr lvl="0" algn="l" defTabSz="444500">
+          <a:pPr lvl="0" algn="l" defTabSz="533400">
             <a:lnSpc>
               <a:spcPct val="90000"/>
             </a:lnSpc>
@@ -3347,7 +3315,7 @@
             </a:spcAft>
           </a:pPr>
           <a:r>
-            <a:rPr lang="en-US" sz="1000" kern="1200" dirty="0" smtClean="0">
+            <a:rPr lang="en-US" sz="1200" kern="1200" dirty="0" smtClean="0">
               <a:solidFill>
                 <a:schemeClr val="accent1">
                   <a:lumMod val="75000"/>
@@ -3359,7 +3327,7 @@
             <a:t>print</a:t>
           </a:r>
           <a:r>
-            <a:rPr lang="en-US" sz="1000" kern="1200" dirty="0" smtClean="0">
+            <a:rPr lang="en-US" sz="1200" kern="1200" dirty="0" smtClean="0">
               <a:latin typeface="Courier New" panose="02070309020205020404" pitchFamily="49" charset="0"/>
               <a:cs typeface="Courier New" panose="02070309020205020404" pitchFamily="49" charset="0"/>
             </a:rPr>
@@ -3367,7 +3335,7 @@
           </a:r>
         </a:p>
         <a:p>
-          <a:pPr lvl="0" algn="l" defTabSz="444500">
+          <a:pPr lvl="0" algn="l" defTabSz="533400">
             <a:lnSpc>
               <a:spcPct val="90000"/>
             </a:lnSpc>
@@ -3382,8 +3350,8 @@
         </a:p>
       </dsp:txBody>
       <dsp:txXfrm>
-        <a:off x="373611" y="191069"/>
-        <a:ext cx="2482857" cy="957046"/>
+        <a:off x="272028" y="211931"/>
+        <a:ext cx="1817473" cy="781958"/>
       </dsp:txXfrm>
     </dsp:sp>
     <dsp:sp modelId="{28A97473-3973-4CCA-8A5D-307CD9A5C11E}">
@@ -3393,8 +3361,8 @@
       </dsp:nvSpPr>
       <dsp:spPr>
         <a:xfrm>
-          <a:off x="4469959" y="202411"/>
-          <a:ext cx="879385" cy="684042"/>
+          <a:off x="4231486" y="90183"/>
+          <a:ext cx="919539" cy="715277"/>
         </a:xfrm>
         <a:prstGeom prst="rect">
           <a:avLst/>
@@ -3425,8 +3393,8 @@
       </dsp:nvSpPr>
       <dsp:spPr>
         <a:xfrm rot="5400000">
-          <a:off x="5055431" y="1193176"/>
-          <a:ext cx="482243" cy="1968497"/>
+          <a:off x="4955983" y="1098003"/>
+          <a:ext cx="504264" cy="2058383"/>
         </a:xfrm>
         <a:prstGeom prst="bentUpArrow">
           <a:avLst>
@@ -3479,8 +3447,8 @@
       </dsp:nvSpPr>
       <dsp:spPr>
         <a:xfrm>
-          <a:off x="3136492" y="1083459"/>
-          <a:ext cx="2575301" cy="846331"/>
+          <a:off x="3029919" y="932257"/>
+          <a:ext cx="2692895" cy="884977"/>
         </a:xfrm>
         <a:prstGeom prst="roundRect">
           <a:avLst>
@@ -3525,12 +3493,12 @@
         </a:fontRef>
       </dsp:style>
       <dsp:txBody>
-        <a:bodyPr spcFirstLastPara="0" vert="horz" wrap="square" lIns="38100" tIns="38100" rIns="38100" bIns="38100" numCol="1" spcCol="1270" anchor="ctr" anchorCtr="0">
+        <a:bodyPr spcFirstLastPara="0" vert="horz" wrap="square" lIns="45720" tIns="45720" rIns="45720" bIns="45720" numCol="1" spcCol="1270" anchor="ctr" anchorCtr="0">
           <a:noAutofit/>
         </a:bodyPr>
         <a:lstStyle/>
         <a:p>
-          <a:pPr lvl="0" algn="l" defTabSz="444500">
+          <a:pPr lvl="0" algn="l" defTabSz="533400">
             <a:lnSpc>
               <a:spcPct val="90000"/>
             </a:lnSpc>
@@ -3542,7 +3510,7 @@
             </a:spcAft>
           </a:pPr>
           <a:r>
-            <a:rPr lang="ru-RU" sz="1000" kern="1200" dirty="0" smtClean="0">
+            <a:rPr lang="ru-RU" sz="1200" kern="1200" dirty="0" smtClean="0">
               <a:latin typeface="Courier New" panose="02070309020205020404" pitchFamily="49" charset="0"/>
               <a:cs typeface="Courier New" panose="02070309020205020404" pitchFamily="49" charset="0"/>
             </a:rPr>
@@ -3550,7 +3518,7 @@
           </a:r>
         </a:p>
         <a:p>
-          <a:pPr lvl="0" algn="l" defTabSz="444500">
+          <a:pPr lvl="0" algn="l" defTabSz="533400">
             <a:lnSpc>
               <a:spcPct val="90000"/>
             </a:lnSpc>
@@ -3562,14 +3530,14 @@
             </a:spcAft>
           </a:pPr>
           <a:r>
-            <a:rPr lang="ru-RU" sz="1000" kern="1200" dirty="0" smtClean="0">
+            <a:rPr lang="ru-RU" sz="1200" kern="1200" dirty="0" smtClean="0">
               <a:latin typeface="Courier New" panose="02070309020205020404" pitchFamily="49" charset="0"/>
               <a:cs typeface="Courier New" panose="02070309020205020404" pitchFamily="49" charset="0"/>
             </a:rPr>
             <a:t>0 </a:t>
           </a:r>
           <a:r>
-            <a:rPr lang="en-US" sz="1000" kern="1200" dirty="0" smtClean="0">
+            <a:rPr lang="en-US" sz="1200" kern="1200" dirty="0" smtClean="0">
               <a:solidFill>
                 <a:schemeClr val="accent1">
                   <a:lumMod val="75000"/>
@@ -3581,14 +3549,14 @@
             <a:t>LOAD_NAME</a:t>
           </a:r>
           <a:r>
-            <a:rPr lang="en-US" sz="1000" kern="1200" dirty="0" smtClean="0">
+            <a:rPr lang="en-US" sz="1200" kern="1200" dirty="0" smtClean="0">
               <a:latin typeface="Courier New" panose="02070309020205020404" pitchFamily="49" charset="0"/>
               <a:cs typeface="Courier New" panose="02070309020205020404" pitchFamily="49" charset="0"/>
             </a:rPr>
             <a:t> 0 (</a:t>
           </a:r>
           <a:r>
-            <a:rPr lang="en-US" sz="1000" kern="1200" dirty="0" smtClean="0">
+            <a:rPr lang="en-US" sz="1200" kern="1200" dirty="0" smtClean="0">
               <a:solidFill>
                 <a:schemeClr val="accent6">
                   <a:lumMod val="50000"/>
@@ -3600,7 +3568,7 @@
             <a:t>print</a:t>
           </a:r>
           <a:r>
-            <a:rPr lang="en-US" sz="1000" kern="1200" dirty="0" smtClean="0">
+            <a:rPr lang="en-US" sz="1200" kern="1200" dirty="0" smtClean="0">
               <a:latin typeface="Courier New" panose="02070309020205020404" pitchFamily="49" charset="0"/>
               <a:cs typeface="Courier New" panose="02070309020205020404" pitchFamily="49" charset="0"/>
             </a:rPr>
@@ -3608,7 +3576,7 @@
           </a:r>
         </a:p>
         <a:p>
-          <a:pPr lvl="0" algn="l" defTabSz="444500">
+          <a:pPr lvl="0" algn="l" defTabSz="533400">
             <a:lnSpc>
               <a:spcPct val="90000"/>
             </a:lnSpc>
@@ -3620,14 +3588,14 @@
             </a:spcAft>
           </a:pPr>
           <a:r>
-            <a:rPr lang="en-US" sz="1000" kern="1200" dirty="0" smtClean="0">
+            <a:rPr lang="en-US" sz="1200" kern="1200" dirty="0" smtClean="0">
               <a:latin typeface="Courier New" panose="02070309020205020404" pitchFamily="49" charset="0"/>
               <a:cs typeface="Courier New" panose="02070309020205020404" pitchFamily="49" charset="0"/>
             </a:rPr>
             <a:t>1 </a:t>
           </a:r>
           <a:r>
-            <a:rPr lang="en-US" sz="1000" kern="1200" dirty="0" smtClean="0">
+            <a:rPr lang="en-US" sz="1200" kern="1200" dirty="0" smtClean="0">
               <a:solidFill>
                 <a:schemeClr val="accent1">
                   <a:lumMod val="75000"/>
@@ -3639,14 +3607,14 @@
             <a:t>LOAD_CONSTANT</a:t>
           </a:r>
           <a:r>
-            <a:rPr lang="en-US" sz="1000" kern="1200" dirty="0" smtClean="0">
+            <a:rPr lang="en-US" sz="1200" kern="1200" dirty="0" smtClean="0">
               <a:latin typeface="Courier New" panose="02070309020205020404" pitchFamily="49" charset="0"/>
               <a:cs typeface="Courier New" panose="02070309020205020404" pitchFamily="49" charset="0"/>
             </a:rPr>
             <a:t> 0 (</a:t>
           </a:r>
           <a:r>
-            <a:rPr lang="en-US" sz="1000" kern="1200" dirty="0" smtClean="0">
+            <a:rPr lang="en-US" sz="1200" kern="1200" dirty="0" smtClean="0">
               <a:solidFill>
                 <a:schemeClr val="accent6">
                   <a:lumMod val="50000"/>
@@ -3658,21 +3626,21 @@
             <a:t>time</a:t>
           </a:r>
           <a:r>
-            <a:rPr lang="en-US" sz="1000" kern="1200" dirty="0" smtClean="0">
+            <a:rPr lang="en-US" sz="1200" kern="1200" dirty="0" smtClean="0">
               <a:latin typeface="Courier New" panose="02070309020205020404" pitchFamily="49" charset="0"/>
               <a:cs typeface="Courier New" panose="02070309020205020404" pitchFamily="49" charset="0"/>
             </a:rPr>
             <a:t>)</a:t>
           </a:r>
-          <a:endParaRPr lang="ru-RU" sz="1000" kern="1200" dirty="0">
+          <a:endParaRPr lang="ru-RU" sz="1200" kern="1200" dirty="0">
             <a:latin typeface="Courier New" panose="02070309020205020404" pitchFamily="49" charset="0"/>
             <a:cs typeface="Courier New" panose="02070309020205020404" pitchFamily="49" charset="0"/>
           </a:endParaRPr>
         </a:p>
       </dsp:txBody>
       <dsp:txXfrm>
-        <a:off x="3177814" y="1124781"/>
-        <a:ext cx="2492657" cy="763687"/>
+        <a:off x="3073128" y="975466"/>
+        <a:ext cx="2606477" cy="798559"/>
       </dsp:txXfrm>
     </dsp:sp>
     <dsp:sp modelId="{A40B288B-1641-4B7D-AE8C-CF35F9D5C5DD}">
@@ -3682,8 +3650,8 @@
       </dsp:nvSpPr>
       <dsp:spPr>
         <a:xfrm>
-          <a:off x="5797428" y="1052494"/>
-          <a:ext cx="879385" cy="684042"/>
+          <a:off x="5802649" y="979084"/>
+          <a:ext cx="919539" cy="715277"/>
         </a:xfrm>
         <a:prstGeom prst="rect">
           <a:avLst/>
@@ -3714,8 +3682,8 @@
       </dsp:nvSpPr>
       <dsp:spPr>
         <a:xfrm>
-          <a:off x="6298181" y="1715893"/>
-          <a:ext cx="1754599" cy="846331"/>
+          <a:off x="6405733" y="1724643"/>
+          <a:ext cx="1916962" cy="884977"/>
         </a:xfrm>
         <a:prstGeom prst="roundRect">
           <a:avLst>
@@ -3760,12 +3728,12 @@
         </a:fontRef>
       </dsp:style>
       <dsp:txBody>
-        <a:bodyPr spcFirstLastPara="0" vert="horz" wrap="square" lIns="38100" tIns="38100" rIns="38100" bIns="38100" numCol="1" spcCol="1270" anchor="ctr" anchorCtr="0">
+        <a:bodyPr spcFirstLastPara="0" vert="horz" wrap="square" lIns="41910" tIns="41910" rIns="41910" bIns="41910" numCol="1" spcCol="1270" anchor="ctr" anchorCtr="0">
           <a:noAutofit/>
         </a:bodyPr>
         <a:lstStyle/>
         <a:p>
-          <a:pPr lvl="0" algn="l" defTabSz="444500">
+          <a:pPr lvl="0" algn="l" defTabSz="488950">
             <a:lnSpc>
               <a:spcPct val="90000"/>
             </a:lnSpc>
@@ -3777,26 +3745,20 @@
             </a:spcAft>
           </a:pPr>
           <a:r>
-            <a:rPr lang="ru-RU" sz="1000" kern="1200" dirty="0" smtClean="0">
+            <a:rPr lang="ru-RU" sz="1100" kern="1200" dirty="0" smtClean="0">
               <a:latin typeface="Courier New" panose="02070309020205020404" pitchFamily="49" charset="0"/>
               <a:cs typeface="Courier New" panose="02070309020205020404" pitchFamily="49" charset="0"/>
             </a:rPr>
-            <a:t>Машинный код</a:t>
+            <a:t>Машинный </a:t>
           </a:r>
-        </a:p>
-        <a:p>
-          <a:pPr lvl="0" algn="l" defTabSz="444500">
-            <a:lnSpc>
-              <a:spcPct val="90000"/>
-            </a:lnSpc>
-            <a:spcBef>
-              <a:spcPct val="0"/>
-            </a:spcBef>
-            <a:spcAft>
-              <a:spcPct val="35000"/>
-            </a:spcAft>
-          </a:pPr>
-          <a:endParaRPr lang="ru-RU" sz="1000" kern="1200" dirty="0" smtClean="0">
+          <a:r>
+            <a:rPr lang="ru-RU" sz="1100" kern="1200" dirty="0" smtClean="0">
+              <a:latin typeface="Courier New" panose="02070309020205020404" pitchFamily="49" charset="0"/>
+              <a:cs typeface="Courier New" panose="02070309020205020404" pitchFamily="49" charset="0"/>
+            </a:rPr>
+            <a:t>код</a:t>
+          </a:r>
+          <a:endParaRPr lang="ru-RU" sz="1100" kern="1200" dirty="0" smtClean="0">
             <a:solidFill>
               <a:srgbClr val="7030A0"/>
             </a:solidFill>
@@ -3805,7 +3767,7 @@
           </a:endParaRPr>
         </a:p>
         <a:p>
-          <a:pPr lvl="0" algn="l" defTabSz="444500">
+          <a:pPr lvl="0" algn="l" defTabSz="488950">
             <a:lnSpc>
               <a:spcPct val="90000"/>
             </a:lnSpc>
@@ -3817,7 +3779,7 @@
             </a:spcAft>
           </a:pPr>
           <a:r>
-            <a:rPr lang="ru-RU" sz="1000" kern="1200" dirty="0" smtClean="0">
+            <a:rPr lang="ru-RU" sz="1100" kern="1200" dirty="0" smtClean="0">
               <a:solidFill>
                 <a:srgbClr val="7030A0"/>
               </a:solidFill>
@@ -3827,7 +3789,7 @@
             <a:t>1010000101000100111101011010010110101</a:t>
           </a:r>
           <a:r>
-            <a:rPr lang="en-US" sz="1000" kern="1200" dirty="0" smtClean="0">
+            <a:rPr lang="en-US" sz="1100" kern="1200" dirty="0" smtClean="0">
               <a:solidFill>
                 <a:srgbClr val="7030A0"/>
               </a:solidFill>
@@ -3836,12 +3798,12 @@
             </a:rPr>
             <a:t>001</a:t>
           </a:r>
-          <a:endParaRPr lang="ru-RU" sz="1000" kern="1200" dirty="0"/>
+          <a:endParaRPr lang="ru-RU" sz="1100" kern="1200" dirty="0"/>
         </a:p>
       </dsp:txBody>
       <dsp:txXfrm>
-        <a:off x="6339503" y="1757215"/>
-        <a:ext cx="1671955" cy="763687"/>
+        <a:off x="6448942" y="1767852"/>
+        <a:ext cx="1830544" cy="798559"/>
       </dsp:txXfrm>
     </dsp:sp>
   </dsp:spTree>
@@ -10200,446 +10162,6 @@
       </p:grpSpPr>
       <p:sp>
         <p:nvSpPr>
-          <p:cNvPr id="3" name="TextBox 2"/>
-          <p:cNvSpPr txBox="1"/>
-          <p:nvPr/>
-        </p:nvSpPr>
-        <p:spPr>
-          <a:xfrm>
-            <a:off x="1630837" y="209084"/>
-            <a:ext cx="8386741" cy="646331"/>
-          </a:xfrm>
-          <a:prstGeom prst="rect">
-            <a:avLst/>
-          </a:prstGeom>
-          <a:noFill/>
-        </p:spPr>
-        <p:txBody>
-          <a:bodyPr wrap="square" rtlCol="0">
-            <a:spAutoFit/>
-          </a:bodyPr>
-          <a:lstStyle/>
-          <a:p>
-            <a:r>
-              <a:rPr lang="ru-RU" sz="3600" b="1" dirty="0" smtClean="0">
-                <a:latin typeface="Courier New" panose="02070309020205020404" pitchFamily="49" charset="0"/>
-                <a:cs typeface="Courier New" panose="02070309020205020404" pitchFamily="49" charset="0"/>
-              </a:rPr>
-              <a:t>Модель работы веб-сервиса</a:t>
-            </a:r>
-            <a:endParaRPr lang="en-US" sz="3600" b="1" dirty="0">
-              <a:latin typeface="Courier New" panose="02070309020205020404" pitchFamily="49" charset="0"/>
-              <a:cs typeface="Courier New" panose="02070309020205020404" pitchFamily="49" charset="0"/>
-            </a:endParaRPr>
-          </a:p>
-        </p:txBody>
-      </p:sp>
-      <p:pic>
-        <p:nvPicPr>
-          <p:cNvPr id="4" name="Рисунок 3"/>
-          <p:cNvPicPr>
-            <a:picLocks noChangeAspect="1"/>
-          </p:cNvPicPr>
-          <p:nvPr/>
-        </p:nvPicPr>
-        <p:blipFill>
-          <a:blip r:embed="rId2">
-            <a:extLst>
-              <a:ext uri="{28A0092B-C50C-407E-A947-70E740481C1C}">
-                <a14:useLocalDpi xmlns:a14="http://schemas.microsoft.com/office/drawing/2010/main" val="0"/>
-              </a:ext>
-            </a:extLst>
-          </a:blip>
-          <a:stretch>
-            <a:fillRect/>
-          </a:stretch>
-        </p:blipFill>
-        <p:spPr>
-          <a:xfrm>
-            <a:off x="1630837" y="1034525"/>
-            <a:ext cx="7908174" cy="5206020"/>
-          </a:xfrm>
-          <a:prstGeom prst="rect">
-            <a:avLst/>
-          </a:prstGeom>
-          <a:ln>
-            <a:solidFill>
-              <a:schemeClr val="tx1"/>
-            </a:solidFill>
-          </a:ln>
-        </p:spPr>
-      </p:pic>
-    </p:spTree>
-    <p:extLst>
-      <p:ext uri="{BB962C8B-B14F-4D97-AF65-F5344CB8AC3E}">
-        <p14:creationId xmlns:p14="http://schemas.microsoft.com/office/powerpoint/2010/main" val="279697673"/>
-      </p:ext>
-    </p:extLst>
-  </p:cSld>
-  <p:clrMapOvr>
-    <a:masterClrMapping/>
-  </p:clrMapOvr>
-</p:sld>
-</file>
-
-<file path=ppt/slides/slide11.xml><?xml version="1.0" encoding="utf-8"?>
-<p:sld xmlns:a="http://schemas.openxmlformats.org/drawingml/2006/main" xmlns:r="http://schemas.openxmlformats.org/officeDocument/2006/relationships" xmlns:p="http://schemas.openxmlformats.org/presentationml/2006/main">
-  <p:cSld>
-    <p:bg>
-      <p:bgPr>
-        <a:pattFill prst="pct10">
-          <a:fgClr>
-            <a:schemeClr val="accent1">
-              <a:lumMod val="60000"/>
-              <a:lumOff val="40000"/>
-            </a:schemeClr>
-          </a:fgClr>
-          <a:bgClr>
-            <a:schemeClr val="bg1"/>
-          </a:bgClr>
-        </a:pattFill>
-        <a:effectLst/>
-      </p:bgPr>
-    </p:bg>
-    <p:spTree>
-      <p:nvGrpSpPr>
-        <p:cNvPr id="1" name=""/>
-        <p:cNvGrpSpPr/>
-        <p:nvPr/>
-      </p:nvGrpSpPr>
-      <p:grpSpPr>
-        <a:xfrm>
-          <a:off x="0" y="0"/>
-          <a:ext cx="0" cy="0"/>
-          <a:chOff x="0" y="0"/>
-          <a:chExt cx="0" cy="0"/>
-        </a:xfrm>
-      </p:grpSpPr>
-      <p:sp>
-        <p:nvSpPr>
-          <p:cNvPr id="4" name="TextBox 3"/>
-          <p:cNvSpPr txBox="1"/>
-          <p:nvPr/>
-        </p:nvSpPr>
-        <p:spPr>
-          <a:xfrm>
-            <a:off x="1053190" y="310243"/>
-            <a:ext cx="9794423" cy="646331"/>
-          </a:xfrm>
-          <a:prstGeom prst="rect">
-            <a:avLst/>
-          </a:prstGeom>
-          <a:noFill/>
-        </p:spPr>
-        <p:txBody>
-          <a:bodyPr wrap="square" rtlCol="0">
-            <a:spAutoFit/>
-          </a:bodyPr>
-          <a:lstStyle/>
-          <a:p>
-            <a:r>
-              <a:rPr lang="ru-RU" sz="3600" b="1" dirty="0" smtClean="0">
-                <a:latin typeface="Courier New" panose="02070309020205020404" pitchFamily="49" charset="0"/>
-                <a:cs typeface="Courier New" panose="02070309020205020404" pitchFamily="49" charset="0"/>
-              </a:rPr>
-              <a:t>Выбранные инструменты разработки</a:t>
-            </a:r>
-            <a:endParaRPr lang="en-US" sz="3600" dirty="0"/>
-          </a:p>
-        </p:txBody>
-      </p:sp>
-      <p:sp>
-        <p:nvSpPr>
-          <p:cNvPr id="5" name="TextBox 4"/>
-          <p:cNvSpPr txBox="1"/>
-          <p:nvPr/>
-        </p:nvSpPr>
-        <p:spPr>
-          <a:xfrm>
-            <a:off x="1053191" y="1126671"/>
-            <a:ext cx="10197194" cy="5170646"/>
-          </a:xfrm>
-          <a:prstGeom prst="rect">
-            <a:avLst/>
-          </a:prstGeom>
-          <a:noFill/>
-        </p:spPr>
-        <p:txBody>
-          <a:bodyPr wrap="square" rtlCol="0">
-            <a:spAutoFit/>
-          </a:bodyPr>
-          <a:lstStyle/>
-          <a:p>
-            <a:pPr>
-              <a:lnSpc>
-                <a:spcPct val="150000"/>
-              </a:lnSpc>
-            </a:pPr>
-            <a:r>
-              <a:rPr lang="ru-RU" sz="2400" b="1" dirty="0">
-                <a:latin typeface="Courier New" panose="02070309020205020404" pitchFamily="49" charset="0"/>
-                <a:cs typeface="Courier New" panose="02070309020205020404" pitchFamily="49" charset="0"/>
-              </a:rPr>
-              <a:t>Серверная часть:</a:t>
-            </a:r>
-          </a:p>
-          <a:p>
-            <a:pPr marL="800100" lvl="1" indent="-342900">
-              <a:lnSpc>
-                <a:spcPct val="150000"/>
-              </a:lnSpc>
-              <a:buFont typeface="Arial" panose="020B0604020202020204" pitchFamily="34" charset="0"/>
-              <a:buChar char="•"/>
-            </a:pPr>
-            <a:r>
-              <a:rPr lang="ru-RU" sz="2400" dirty="0">
-                <a:latin typeface="Courier New" panose="02070309020205020404" pitchFamily="49" charset="0"/>
-                <a:cs typeface="Courier New" panose="02070309020205020404" pitchFamily="49" charset="0"/>
-              </a:rPr>
-              <a:t>Язык программирования</a:t>
-            </a:r>
-            <a:r>
-              <a:rPr lang="en-US" sz="2400" dirty="0">
-                <a:latin typeface="Courier New" panose="02070309020205020404" pitchFamily="49" charset="0"/>
-                <a:cs typeface="Courier New" panose="02070309020205020404" pitchFamily="49" charset="0"/>
-              </a:rPr>
-              <a:t> </a:t>
-            </a:r>
-            <a:r>
-              <a:rPr lang="en-US" sz="2400" b="1" dirty="0">
-                <a:latin typeface="Courier New" panose="02070309020205020404" pitchFamily="49" charset="0"/>
-                <a:cs typeface="Courier New" panose="02070309020205020404" pitchFamily="49" charset="0"/>
-              </a:rPr>
-              <a:t>Rust</a:t>
-            </a:r>
-          </a:p>
-          <a:p>
-            <a:pPr marL="800100" lvl="1" indent="-342900">
-              <a:lnSpc>
-                <a:spcPct val="150000"/>
-              </a:lnSpc>
-              <a:buFont typeface="Arial" panose="020B0604020202020204" pitchFamily="34" charset="0"/>
-              <a:buChar char="•"/>
-            </a:pPr>
-            <a:r>
-              <a:rPr lang="ru-RU" sz="2400" dirty="0">
-                <a:latin typeface="Courier New" panose="02070309020205020404" pitchFamily="49" charset="0"/>
-                <a:cs typeface="Courier New" panose="02070309020205020404" pitchFamily="49" charset="0"/>
-              </a:rPr>
-              <a:t>Библиотека асинхронного выполнения </a:t>
-            </a:r>
-            <a:r>
-              <a:rPr lang="en-US" sz="2400" b="1" dirty="0" err="1">
-                <a:latin typeface="Courier New" panose="02070309020205020404" pitchFamily="49" charset="0"/>
-                <a:cs typeface="Courier New" panose="02070309020205020404" pitchFamily="49" charset="0"/>
-              </a:rPr>
-              <a:t>tokio</a:t>
-            </a:r>
-            <a:endParaRPr lang="ru-RU" sz="2400" b="1" dirty="0">
-              <a:latin typeface="Courier New" panose="02070309020205020404" pitchFamily="49" charset="0"/>
-              <a:cs typeface="Courier New" panose="02070309020205020404" pitchFamily="49" charset="0"/>
-            </a:endParaRPr>
-          </a:p>
-          <a:p>
-            <a:pPr marL="800100" lvl="1" indent="-342900">
-              <a:lnSpc>
-                <a:spcPct val="150000"/>
-              </a:lnSpc>
-              <a:buFont typeface="Arial" panose="020B0604020202020204" pitchFamily="34" charset="0"/>
-              <a:buChar char="•"/>
-            </a:pPr>
-            <a:r>
-              <a:rPr lang="ru-RU" sz="2400" dirty="0">
-                <a:latin typeface="Courier New" panose="02070309020205020404" pitchFamily="49" charset="0"/>
-                <a:cs typeface="Courier New" panose="02070309020205020404" pitchFamily="49" charset="0"/>
-              </a:rPr>
-              <a:t>Библиотека шаблонизации </a:t>
-            </a:r>
-            <a:r>
-              <a:rPr lang="en-US" sz="2400" b="1" dirty="0" err="1">
-                <a:latin typeface="Courier New" panose="02070309020205020404" pitchFamily="49" charset="0"/>
-                <a:cs typeface="Courier New" panose="02070309020205020404" pitchFamily="49" charset="0"/>
-              </a:rPr>
-              <a:t>tera</a:t>
-            </a:r>
-            <a:endParaRPr lang="en-US" sz="2400" dirty="0">
-              <a:latin typeface="Courier New" panose="02070309020205020404" pitchFamily="49" charset="0"/>
-              <a:cs typeface="Courier New" panose="02070309020205020404" pitchFamily="49" charset="0"/>
-            </a:endParaRPr>
-          </a:p>
-          <a:p>
-            <a:pPr>
-              <a:lnSpc>
-                <a:spcPct val="150000"/>
-              </a:lnSpc>
-            </a:pPr>
-            <a:r>
-              <a:rPr lang="ru-RU" sz="2400" b="1" dirty="0">
-                <a:latin typeface="Courier New" panose="02070309020205020404" pitchFamily="49" charset="0"/>
-                <a:cs typeface="Courier New" panose="02070309020205020404" pitchFamily="49" charset="0"/>
-              </a:rPr>
-              <a:t>Клиентская часть:</a:t>
-            </a:r>
-          </a:p>
-          <a:p>
-            <a:pPr marL="800100" lvl="1" indent="-342900">
-              <a:lnSpc>
-                <a:spcPct val="150000"/>
-              </a:lnSpc>
-              <a:buFont typeface="Arial" panose="020B0604020202020204" pitchFamily="34" charset="0"/>
-              <a:buChar char="•"/>
-            </a:pPr>
-            <a:r>
-              <a:rPr lang="ru-RU" sz="2400" dirty="0">
-                <a:latin typeface="Courier New" panose="02070309020205020404" pitchFamily="49" charset="0"/>
-                <a:cs typeface="Courier New" panose="02070309020205020404" pitchFamily="49" charset="0"/>
-              </a:rPr>
-              <a:t>Любое приложение, способное совершать </a:t>
-            </a:r>
-            <a:r>
-              <a:rPr lang="en-US" sz="2400" dirty="0">
-                <a:latin typeface="Courier New" panose="02070309020205020404" pitchFamily="49" charset="0"/>
-                <a:cs typeface="Courier New" panose="02070309020205020404" pitchFamily="49" charset="0"/>
-              </a:rPr>
-              <a:t>http </a:t>
-            </a:r>
-            <a:r>
-              <a:rPr lang="ru-RU" sz="2400" dirty="0">
-                <a:latin typeface="Courier New" panose="02070309020205020404" pitchFamily="49" charset="0"/>
-                <a:cs typeface="Courier New" panose="02070309020205020404" pitchFamily="49" charset="0"/>
-              </a:rPr>
-              <a:t>запросы</a:t>
-            </a:r>
-          </a:p>
-          <a:p>
-            <a:pPr marL="800100" lvl="1" indent="-342900">
-              <a:lnSpc>
-                <a:spcPct val="150000"/>
-              </a:lnSpc>
-              <a:buFont typeface="Arial" panose="020B0604020202020204" pitchFamily="34" charset="0"/>
-              <a:buChar char="•"/>
-            </a:pPr>
-            <a:r>
-              <a:rPr lang="ru-RU" sz="2400" dirty="0">
-                <a:latin typeface="Courier New" panose="02070309020205020404" pitchFamily="49" charset="0"/>
-                <a:cs typeface="Courier New" panose="02070309020205020404" pitchFamily="49" charset="0"/>
-              </a:rPr>
-              <a:t>Графический пользовательский интерфейс:</a:t>
-            </a:r>
-          </a:p>
-          <a:p>
-            <a:pPr marL="1257300" lvl="2" indent="-342900">
-              <a:lnSpc>
-                <a:spcPct val="150000"/>
-              </a:lnSpc>
-              <a:buFont typeface="Wingdings" panose="05000000000000000000" pitchFamily="2" charset="2"/>
-              <a:buChar char="§"/>
-            </a:pPr>
-            <a:r>
-              <a:rPr lang="en-US" sz="2000" dirty="0">
-                <a:latin typeface="Courier New" panose="02070309020205020404" pitchFamily="49" charset="0"/>
-                <a:cs typeface="Courier New" panose="02070309020205020404" pitchFamily="49" charset="0"/>
-              </a:rPr>
-              <a:t>JavaScript framework </a:t>
-            </a:r>
-            <a:r>
-              <a:rPr lang="en-US" sz="2000" b="1" dirty="0">
-                <a:latin typeface="Courier New" panose="02070309020205020404" pitchFamily="49" charset="0"/>
-                <a:cs typeface="Courier New" panose="02070309020205020404" pitchFamily="49" charset="0"/>
-              </a:rPr>
-              <a:t>Vue.js</a:t>
-            </a:r>
-          </a:p>
-          <a:p>
-            <a:pPr marL="1257300" lvl="2" indent="-342900">
-              <a:lnSpc>
-                <a:spcPct val="150000"/>
-              </a:lnSpc>
-              <a:buFont typeface="Wingdings" panose="05000000000000000000" pitchFamily="2" charset="2"/>
-              <a:buChar char="§"/>
-            </a:pPr>
-            <a:r>
-              <a:rPr lang="en-US" sz="2000" dirty="0">
-                <a:latin typeface="Courier New" panose="02070309020205020404" pitchFamily="49" charset="0"/>
-                <a:cs typeface="Courier New" panose="02070309020205020404" pitchFamily="49" charset="0"/>
-              </a:rPr>
-              <a:t>HTML </a:t>
-            </a:r>
-            <a:r>
-              <a:rPr lang="ru-RU" sz="2000" dirty="0">
-                <a:latin typeface="Courier New" panose="02070309020205020404" pitchFamily="49" charset="0"/>
-                <a:cs typeface="Courier New" panose="02070309020205020404" pitchFamily="49" charset="0"/>
-              </a:rPr>
-              <a:t>и </a:t>
-            </a:r>
-            <a:r>
-              <a:rPr lang="en-US" sz="2000" dirty="0">
-                <a:latin typeface="Courier New" panose="02070309020205020404" pitchFamily="49" charset="0"/>
-                <a:cs typeface="Courier New" panose="02070309020205020404" pitchFamily="49" charset="0"/>
-              </a:rPr>
-              <a:t>CSS</a:t>
-            </a:r>
-          </a:p>
-          <a:p>
-            <a:endParaRPr lang="en-US" dirty="0"/>
-          </a:p>
-        </p:txBody>
-      </p:sp>
-    </p:spTree>
-    <p:extLst>
-      <p:ext uri="{BB962C8B-B14F-4D97-AF65-F5344CB8AC3E}">
-        <p14:creationId xmlns:p14="http://schemas.microsoft.com/office/powerpoint/2010/main" val="4053716737"/>
-      </p:ext>
-    </p:extLst>
-  </p:cSld>
-  <p:clrMapOvr>
-    <a:masterClrMapping/>
-  </p:clrMapOvr>
-  <p:timing>
-    <p:tnLst>
-      <p:par>
-        <p:cTn id="1" dur="indefinite" restart="never" nodeType="tmRoot"/>
-      </p:par>
-    </p:tnLst>
-  </p:timing>
-</p:sld>
-</file>
-
-<file path=ppt/slides/slide12.xml><?xml version="1.0" encoding="utf-8"?>
-<p:sld xmlns:a="http://schemas.openxmlformats.org/drawingml/2006/main" xmlns:r="http://schemas.openxmlformats.org/officeDocument/2006/relationships" xmlns:p="http://schemas.openxmlformats.org/presentationml/2006/main">
-  <p:cSld>
-    <p:bg>
-      <p:bgPr>
-        <a:pattFill prst="pct10">
-          <a:fgClr>
-            <a:schemeClr val="accent1">
-              <a:lumMod val="60000"/>
-              <a:lumOff val="40000"/>
-            </a:schemeClr>
-          </a:fgClr>
-          <a:bgClr>
-            <a:schemeClr val="bg1"/>
-          </a:bgClr>
-        </a:pattFill>
-        <a:effectLst/>
-      </p:bgPr>
-    </p:bg>
-    <p:spTree>
-      <p:nvGrpSpPr>
-        <p:cNvPr id="1" name=""/>
-        <p:cNvGrpSpPr/>
-        <p:nvPr/>
-      </p:nvGrpSpPr>
-      <p:grpSpPr>
-        <a:xfrm>
-          <a:off x="0" y="0"/>
-          <a:ext cx="0" cy="0"/>
-          <a:chOff x="0" y="0"/>
-          <a:chExt cx="0" cy="0"/>
-        </a:xfrm>
-      </p:grpSpPr>
-      <p:sp>
-        <p:nvSpPr>
           <p:cNvPr id="4" name="TextBox 3"/>
           <p:cNvSpPr txBox="1"/>
           <p:nvPr/>
@@ -10693,8 +10215,8 @@
         </p:blipFill>
         <p:spPr>
           <a:xfrm>
-            <a:off x="1371454" y="1214706"/>
-            <a:ext cx="9209988" cy="4360102"/>
+            <a:off x="1371453" y="983849"/>
+            <a:ext cx="9450875" cy="4898478"/>
           </a:xfrm>
           <a:prstGeom prst="rect">
             <a:avLst/>
@@ -10714,8 +10236,8 @@
         </p:nvSpPr>
         <p:spPr>
           <a:xfrm>
-            <a:off x="1371454" y="5882327"/>
-            <a:ext cx="9586279" cy="461665"/>
+            <a:off x="1371453" y="6228043"/>
+            <a:ext cx="9417963" cy="400110"/>
           </a:xfrm>
           <a:prstGeom prst="rect">
             <a:avLst/>
@@ -10729,21 +10251,28 @@
           <a:lstStyle/>
           <a:p>
             <a:r>
-              <a:rPr lang="ru-RU" sz="2400" b="1" dirty="0" smtClean="0">
+              <a:rPr lang="ru-RU" sz="2000" b="1" dirty="0" smtClean="0">
                 <a:latin typeface="Courier New" panose="02070309020205020404" pitchFamily="49" charset="0"/>
                 <a:cs typeface="Courier New" panose="02070309020205020404" pitchFamily="49" charset="0"/>
               </a:rPr>
-              <a:t>Ссылка для ознакомления </a:t>
-            </a:r>
-            <a:r>
-              <a:rPr lang="en-US" sz="2400" b="1" dirty="0" smtClean="0">
+              <a:t>Ссылка </a:t>
+            </a:r>
+            <a:r>
+              <a:rPr lang="ru-RU" sz="2000" b="1" dirty="0" smtClean="0">
+                <a:latin typeface="Courier New" panose="02070309020205020404" pitchFamily="49" charset="0"/>
+                <a:cs typeface="Courier New" panose="02070309020205020404" pitchFamily="49" charset="0"/>
+              </a:rPr>
+              <a:t>на демонстративную версию </a:t>
+            </a:r>
+            <a:r>
+              <a:rPr lang="en-US" sz="2000" b="1" dirty="0" smtClean="0">
                 <a:latin typeface="Courier New" panose="02070309020205020404" pitchFamily="49" charset="0"/>
                 <a:cs typeface="Courier New" panose="02070309020205020404" pitchFamily="49" charset="0"/>
               </a:rPr>
               <a:t>http</a:t>
             </a:r>
             <a:r>
-              <a:rPr lang="en-US" sz="2400" b="1" dirty="0">
+              <a:rPr lang="en-US" sz="2000" b="1" dirty="0">
                 <a:latin typeface="Courier New" panose="02070309020205020404" pitchFamily="49" charset="0"/>
                 <a:cs typeface="Courier New" panose="02070309020205020404" pitchFamily="49" charset="0"/>
               </a:rPr>
@@ -10772,7 +10301,7 @@
 </p:sld>
 </file>
 
-<file path=ppt/slides/slide13.xml><?xml version="1.0" encoding="utf-8"?>
+<file path=ppt/slides/slide11.xml><?xml version="1.0" encoding="utf-8"?>
 <p:sld xmlns:a="http://schemas.openxmlformats.org/drawingml/2006/main" xmlns:r="http://schemas.openxmlformats.org/officeDocument/2006/relationships" xmlns:p="http://schemas.openxmlformats.org/presentationml/2006/main">
   <p:cSld>
     <p:bg>
@@ -11001,7 +10530,7 @@
 </p:sld>
 </file>
 
-<file path=ppt/slides/slide14.xml><?xml version="1.0" encoding="utf-8"?>
+<file path=ppt/slides/slide12.xml><?xml version="1.0" encoding="utf-8"?>
 <p:sld xmlns:a="http://schemas.openxmlformats.org/drawingml/2006/main" xmlns:r="http://schemas.openxmlformats.org/officeDocument/2006/relationships" xmlns:p="http://schemas.openxmlformats.org/presentationml/2006/main">
   <p:cSld>
     <p:bg>
@@ -11184,7 +10713,7 @@
 </p:sld>
 </file>
 
-<file path=ppt/slides/slide15.xml><?xml version="1.0" encoding="utf-8"?>
+<file path=ppt/slides/slide13.xml><?xml version="1.0" encoding="utf-8"?>
 <p:sld xmlns:a="http://schemas.openxmlformats.org/drawingml/2006/main" xmlns:r="http://schemas.openxmlformats.org/officeDocument/2006/relationships" xmlns:p="http://schemas.openxmlformats.org/presentationml/2006/main">
   <p:cSld>
     <p:bg>
@@ -11334,7 +10863,7 @@
 </p:sld>
 </file>
 
-<file path=ppt/slides/slide16.xml><?xml version="1.0" encoding="utf-8"?>
+<file path=ppt/slides/slide14.xml><?xml version="1.0" encoding="utf-8"?>
 <p:sld xmlns:a="http://schemas.openxmlformats.org/drawingml/2006/main" xmlns:r="http://schemas.openxmlformats.org/officeDocument/2006/relationships" xmlns:p="http://schemas.openxmlformats.org/presentationml/2006/main">
   <p:cSld>
     <p:bg>
@@ -11660,8 +11189,8 @@
         </p:nvSpPr>
         <p:spPr>
           <a:xfrm>
-            <a:off x="1135431" y="1307387"/>
-            <a:ext cx="10115550" cy="4562788"/>
+            <a:off x="734785" y="1133767"/>
+            <a:ext cx="10758876" cy="5539978"/>
           </a:xfrm>
           <a:prstGeom prst="rect">
             <a:avLst/>
@@ -11674,20 +11203,15 @@
           </a:bodyPr>
           <a:lstStyle/>
           <a:p>
-            <a:pPr>
-              <a:lnSpc>
-                <a:spcPct val="150000"/>
-              </a:lnSpc>
-            </a:pPr>
-            <a:r>
-              <a:rPr lang="ru-RU" sz="2800" b="1" dirty="0">
+            <a:r>
+              <a:rPr lang="ru-RU" sz="2200" b="1" dirty="0">
                 <a:latin typeface="Courier New" panose="02070309020205020404" pitchFamily="49" charset="0"/>
                 <a:cs typeface="Courier New" panose="02070309020205020404" pitchFamily="49" charset="0"/>
               </a:rPr>
               <a:t>Цель исследования</a:t>
             </a:r>
             <a:r>
-              <a:rPr lang="ru-RU" sz="2800" b="1" dirty="0" smtClean="0">
+              <a:rPr lang="ru-RU" sz="2200" b="1" dirty="0" smtClean="0">
                 <a:latin typeface="Courier New" panose="02070309020205020404" pitchFamily="49" charset="0"/>
                 <a:cs typeface="Courier New" panose="02070309020205020404" pitchFamily="49" charset="0"/>
               </a:rPr>
@@ -11695,45 +11219,35 @@
             </a:r>
           </a:p>
           <a:p>
-            <a:pPr>
-              <a:lnSpc>
-                <a:spcPct val="150000"/>
-              </a:lnSpc>
-            </a:pPr>
-            <a:r>
-              <a:rPr lang="ru-RU" sz="2800" dirty="0" smtClean="0">
+            <a:r>
+              <a:rPr lang="ru-RU" sz="2200" dirty="0" smtClean="0">
                 <a:latin typeface="Courier New" panose="02070309020205020404" pitchFamily="49" charset="0"/>
                 <a:cs typeface="Courier New" panose="02070309020205020404" pitchFamily="49" charset="0"/>
               </a:rPr>
               <a:t>Поиск методов повышения производительности систем веб-шаблонов</a:t>
             </a:r>
-            <a:endParaRPr lang="ru-RU" sz="2800" dirty="0">
+            <a:endParaRPr lang="ru-RU" sz="2200" dirty="0">
               <a:latin typeface="Courier New" panose="02070309020205020404" pitchFamily="49" charset="0"/>
               <a:cs typeface="Courier New" panose="02070309020205020404" pitchFamily="49" charset="0"/>
             </a:endParaRPr>
           </a:p>
           <a:p>
-            <a:pPr>
-              <a:lnSpc>
-                <a:spcPct val="150000"/>
-              </a:lnSpc>
-            </a:pPr>
-            <a:r>
-              <a:rPr lang="ru-RU" sz="2800" b="1" dirty="0" smtClean="0">
+            <a:r>
+              <a:rPr lang="ru-RU" sz="2400" b="1" dirty="0" smtClean="0">
                 <a:latin typeface="Courier New" panose="02070309020205020404" pitchFamily="49" charset="0"/>
                 <a:cs typeface="Courier New" panose="02070309020205020404" pitchFamily="49" charset="0"/>
               </a:rPr>
               <a:t>Объект </a:t>
             </a:r>
             <a:r>
-              <a:rPr lang="ru-RU" sz="2800" b="1" dirty="0">
+              <a:rPr lang="ru-RU" sz="2400" b="1" dirty="0">
                 <a:latin typeface="Courier New" panose="02070309020205020404" pitchFamily="49" charset="0"/>
                 <a:cs typeface="Courier New" panose="02070309020205020404" pitchFamily="49" charset="0"/>
               </a:rPr>
               <a:t>исследования</a:t>
             </a:r>
             <a:r>
-              <a:rPr lang="ru-RU" sz="2800" b="1" dirty="0" smtClean="0">
+              <a:rPr lang="ru-RU" sz="2400" b="1" dirty="0" smtClean="0">
                 <a:latin typeface="Courier New" panose="02070309020205020404" pitchFamily="49" charset="0"/>
                 <a:cs typeface="Courier New" panose="02070309020205020404" pitchFamily="49" charset="0"/>
               </a:rPr>
@@ -11741,83 +11255,177 @@
             </a:r>
           </a:p>
           <a:p>
-            <a:pPr>
-              <a:lnSpc>
-                <a:spcPct val="150000"/>
-              </a:lnSpc>
-            </a:pPr>
-            <a:r>
-              <a:rPr lang="ru-RU" sz="2800" dirty="0" smtClean="0">
+            <a:r>
+              <a:rPr lang="ru-RU" sz="2400" dirty="0" smtClean="0">
                 <a:latin typeface="Courier New" panose="02070309020205020404" pitchFamily="49" charset="0"/>
                 <a:cs typeface="Courier New" panose="02070309020205020404" pitchFamily="49" charset="0"/>
               </a:rPr>
               <a:t>Система веб-шаблонов</a:t>
             </a:r>
             <a:r>
-              <a:rPr lang="ru-RU" sz="2800" b="1" dirty="0" smtClean="0">
+              <a:rPr lang="ru-RU" sz="2400" b="1" dirty="0" smtClean="0">
                 <a:latin typeface="Courier New" panose="02070309020205020404" pitchFamily="49" charset="0"/>
                 <a:cs typeface="Courier New" panose="02070309020205020404" pitchFamily="49" charset="0"/>
               </a:rPr>
               <a:t> </a:t>
             </a:r>
-            <a:endParaRPr lang="ru-RU" sz="2800" b="1" dirty="0">
+            <a:endParaRPr lang="ru-RU" sz="2400" b="1" dirty="0">
               <a:latin typeface="Courier New" panose="02070309020205020404" pitchFamily="49" charset="0"/>
               <a:cs typeface="Courier New" panose="02070309020205020404" pitchFamily="49" charset="0"/>
             </a:endParaRPr>
           </a:p>
           <a:p>
-            <a:pPr>
-              <a:lnSpc>
-                <a:spcPct val="150000"/>
-              </a:lnSpc>
-            </a:pPr>
-            <a:r>
-              <a:rPr lang="ru-RU" sz="2800" b="1" dirty="0" smtClean="0">
+            <a:r>
+              <a:rPr lang="ru-RU" sz="2400" b="1" dirty="0" smtClean="0">
                 <a:latin typeface="Courier New" panose="02070309020205020404" pitchFamily="49" charset="0"/>
                 <a:cs typeface="Courier New" panose="02070309020205020404" pitchFamily="49" charset="0"/>
               </a:rPr>
               <a:t>Предмет </a:t>
             </a:r>
             <a:r>
-              <a:rPr lang="ru-RU" sz="2800" b="1" dirty="0">
+              <a:rPr lang="ru-RU" sz="2400" b="1" dirty="0">
                 <a:latin typeface="Courier New" panose="02070309020205020404" pitchFamily="49" charset="0"/>
                 <a:cs typeface="Courier New" panose="02070309020205020404" pitchFamily="49" charset="0"/>
               </a:rPr>
               <a:t>исследования:  </a:t>
             </a:r>
-            <a:endParaRPr lang="ru-RU" sz="2800" b="1" dirty="0" smtClean="0">
+            <a:endParaRPr lang="ru-RU" sz="2400" b="1" dirty="0" smtClean="0">
               <a:latin typeface="Courier New" panose="02070309020205020404" pitchFamily="49" charset="0"/>
               <a:cs typeface="Courier New" panose="02070309020205020404" pitchFamily="49" charset="0"/>
             </a:endParaRPr>
           </a:p>
           <a:p>
-            <a:pPr>
-              <a:lnSpc>
-                <a:spcPct val="150000"/>
-              </a:lnSpc>
-            </a:pPr>
-            <a:r>
-              <a:rPr lang="ru-RU" sz="2800" dirty="0" smtClean="0">
+            <a:r>
+              <a:rPr lang="ru-RU" sz="2400" dirty="0" smtClean="0">
                 <a:latin typeface="Courier New" panose="02070309020205020404" pitchFamily="49" charset="0"/>
                 <a:cs typeface="Courier New" panose="02070309020205020404" pitchFamily="49" charset="0"/>
               </a:rPr>
               <a:t>Производительность </a:t>
             </a:r>
             <a:r>
-              <a:rPr lang="ru-RU" sz="2800" dirty="0">
+              <a:rPr lang="ru-RU" sz="2400" dirty="0">
                 <a:latin typeface="Courier New" panose="02070309020205020404" pitchFamily="49" charset="0"/>
                 <a:cs typeface="Courier New" panose="02070309020205020404" pitchFamily="49" charset="0"/>
               </a:rPr>
               <a:t>систем </a:t>
             </a:r>
             <a:r>
-              <a:rPr lang="ru-RU" sz="2800" dirty="0" smtClean="0">
+              <a:rPr lang="ru-RU" sz="2400" dirty="0" smtClean="0">
                 <a:latin typeface="Courier New" panose="02070309020205020404" pitchFamily="49" charset="0"/>
                 <a:cs typeface="Courier New" panose="02070309020205020404" pitchFamily="49" charset="0"/>
               </a:rPr>
               <a:t>веб-шаблонов</a:t>
             </a:r>
-            <a:endParaRPr lang="ru-RU" sz="2800" dirty="0">
+            <a:endParaRPr lang="en-US" sz="2400" dirty="0" smtClean="0">
+              <a:latin typeface="Courier New" panose="02070309020205020404" pitchFamily="49" charset="0"/>
+              <a:cs typeface="Courier New" panose="02070309020205020404" pitchFamily="49" charset="0"/>
+            </a:endParaRPr>
+          </a:p>
+          <a:p>
+            <a:r>
+              <a:rPr lang="ru-RU" sz="2400" b="1" dirty="0">
+                <a:latin typeface="Courier New" panose="02070309020205020404" pitchFamily="49" charset="0"/>
+                <a:cs typeface="Courier New" panose="02070309020205020404" pitchFamily="49" charset="0"/>
+              </a:rPr>
+              <a:t>Поставленные задачи:</a:t>
+            </a:r>
+          </a:p>
+          <a:p>
+            <a:pPr marL="342900" indent="-342900">
+              <a:buFont typeface="Arial" panose="020B0604020202020204" pitchFamily="34" charset="0"/>
+              <a:buChar char="•"/>
+            </a:pPr>
+            <a:r>
+              <a:rPr lang="ru-RU" sz="2400" dirty="0" smtClean="0">
+                <a:latin typeface="Courier New" panose="02070309020205020404" pitchFamily="49" charset="0"/>
+                <a:cs typeface="Courier New" panose="02070309020205020404" pitchFamily="49" charset="0"/>
+              </a:rPr>
+              <a:t>Проанализировать </a:t>
+            </a:r>
+            <a:r>
+              <a:rPr lang="ru-RU" sz="2400" dirty="0">
+                <a:latin typeface="Courier New" panose="02070309020205020404" pitchFamily="49" charset="0"/>
+                <a:cs typeface="Courier New" panose="02070309020205020404" pitchFamily="49" charset="0"/>
+              </a:rPr>
+              <a:t>существующие </a:t>
+            </a:r>
+            <a:r>
+              <a:rPr lang="ru-RU" sz="2400" dirty="0" smtClean="0">
+                <a:latin typeface="Courier New" panose="02070309020205020404" pitchFamily="49" charset="0"/>
+                <a:cs typeface="Courier New" panose="02070309020205020404" pitchFamily="49" charset="0"/>
+              </a:rPr>
+              <a:t>решения для выявления </a:t>
+            </a:r>
+            <a:r>
+              <a:rPr lang="ru-RU" sz="2400" dirty="0">
+                <a:latin typeface="Courier New" panose="02070309020205020404" pitchFamily="49" charset="0"/>
+                <a:cs typeface="Courier New" panose="02070309020205020404" pitchFamily="49" charset="0"/>
+              </a:rPr>
+              <a:t>наиболее распространённых проблем с производительностью.</a:t>
+            </a:r>
+          </a:p>
+          <a:p>
+            <a:pPr marL="342900" indent="-342900">
+              <a:buFont typeface="Arial" panose="020B0604020202020204" pitchFamily="34" charset="0"/>
+              <a:buChar char="•"/>
+            </a:pPr>
+            <a:r>
+              <a:rPr lang="ru-RU" sz="2400" dirty="0">
+                <a:latin typeface="Courier New" panose="02070309020205020404" pitchFamily="49" charset="0"/>
+                <a:cs typeface="Courier New" panose="02070309020205020404" pitchFamily="49" charset="0"/>
+              </a:rPr>
+              <a:t>Исследовать причины возникновения </a:t>
+            </a:r>
+            <a:r>
+              <a:rPr lang="ru-RU" sz="2400" dirty="0" smtClean="0">
+                <a:latin typeface="Courier New" panose="02070309020205020404" pitchFamily="49" charset="0"/>
+                <a:cs typeface="Courier New" panose="02070309020205020404" pitchFamily="49" charset="0"/>
+              </a:rPr>
+              <a:t>проблем </a:t>
+            </a:r>
+            <a:r>
+              <a:rPr lang="ru-RU" sz="2400" dirty="0">
+                <a:latin typeface="Courier New" panose="02070309020205020404" pitchFamily="49" charset="0"/>
+                <a:cs typeface="Courier New" panose="02070309020205020404" pitchFamily="49" charset="0"/>
+              </a:rPr>
+              <a:t>с производительностью.</a:t>
+            </a:r>
+          </a:p>
+          <a:p>
+            <a:pPr marL="342900" indent="-342900">
+              <a:buFont typeface="Arial" panose="020B0604020202020204" pitchFamily="34" charset="0"/>
+              <a:buChar char="•"/>
+            </a:pPr>
+            <a:r>
+              <a:rPr lang="ru-RU" sz="2400" dirty="0">
+                <a:latin typeface="Courier New" panose="02070309020205020404" pitchFamily="49" charset="0"/>
+                <a:cs typeface="Courier New" panose="02070309020205020404" pitchFamily="49" charset="0"/>
+              </a:rPr>
+              <a:t>Разработать методы для устранения проблем с производительностью, либо их смягчения.</a:t>
+            </a:r>
+          </a:p>
+          <a:p>
+            <a:pPr marL="342900" indent="-342900">
+              <a:buFont typeface="Arial" panose="020B0604020202020204" pitchFamily="34" charset="0"/>
+              <a:buChar char="•"/>
+            </a:pPr>
+            <a:r>
+              <a:rPr lang="ru-RU" sz="2400" dirty="0">
+                <a:latin typeface="Courier New" panose="02070309020205020404" pitchFamily="49" charset="0"/>
+                <a:cs typeface="Courier New" panose="02070309020205020404" pitchFamily="49" charset="0"/>
+              </a:rPr>
+              <a:t>Применить разработанные </a:t>
+            </a:r>
+            <a:r>
+              <a:rPr lang="ru-RU" sz="2400" dirty="0" smtClean="0">
+                <a:latin typeface="Courier New" panose="02070309020205020404" pitchFamily="49" charset="0"/>
+                <a:cs typeface="Courier New" panose="02070309020205020404" pitchFamily="49" charset="0"/>
+              </a:rPr>
+              <a:t>найденные методы при разработке. </a:t>
+            </a:r>
+          </a:p>
+          <a:p>
+            <a:endParaRPr lang="ru-RU" sz="2200" dirty="0">
               <a:latin typeface="Courier New" panose="02070309020205020404" pitchFamily="49" charset="0"/>
               <a:cs typeface="Courier New" panose="02070309020205020404" pitchFamily="49" charset="0"/>
             </a:endParaRPr>
@@ -11879,243 +11487,6 @@
       </p:grpSpPr>
       <p:sp>
         <p:nvSpPr>
-          <p:cNvPr id="5" name="TextBox 4"/>
-          <p:cNvSpPr txBox="1"/>
-          <p:nvPr/>
-        </p:nvSpPr>
-        <p:spPr>
-          <a:xfrm>
-            <a:off x="734785" y="359229"/>
-            <a:ext cx="10433957" cy="646331"/>
-          </a:xfrm>
-          <a:prstGeom prst="rect">
-            <a:avLst/>
-          </a:prstGeom>
-          <a:noFill/>
-        </p:spPr>
-        <p:txBody>
-          <a:bodyPr wrap="square" rtlCol="0">
-            <a:spAutoFit/>
-          </a:bodyPr>
-          <a:lstStyle/>
-          <a:p>
-            <a:r>
-              <a:rPr lang="ru-RU" sz="3600" b="1" dirty="0" smtClean="0">
-                <a:latin typeface="Courier New" panose="02070309020205020404" pitchFamily="49" charset="0"/>
-                <a:cs typeface="Courier New" panose="02070309020205020404" pitchFamily="49" charset="0"/>
-              </a:rPr>
-              <a:t>Цели и задачи</a:t>
-            </a:r>
-            <a:endParaRPr lang="en-US" sz="3600" b="1" dirty="0">
-              <a:latin typeface="Courier New" panose="02070309020205020404" pitchFamily="49" charset="0"/>
-              <a:cs typeface="Courier New" panose="02070309020205020404" pitchFamily="49" charset="0"/>
-            </a:endParaRPr>
-          </a:p>
-        </p:txBody>
-      </p:sp>
-      <p:sp>
-        <p:nvSpPr>
-          <p:cNvPr id="6" name="TextBox 5"/>
-          <p:cNvSpPr txBox="1"/>
-          <p:nvPr/>
-        </p:nvSpPr>
-        <p:spPr>
-          <a:xfrm>
-            <a:off x="1053192" y="1081355"/>
-            <a:ext cx="10115550" cy="6001643"/>
-          </a:xfrm>
-          <a:prstGeom prst="rect">
-            <a:avLst/>
-          </a:prstGeom>
-          <a:noFill/>
-        </p:spPr>
-        <p:txBody>
-          <a:bodyPr wrap="square" rtlCol="0">
-            <a:spAutoFit/>
-          </a:bodyPr>
-          <a:lstStyle/>
-          <a:p>
-            <a:pPr>
-              <a:lnSpc>
-                <a:spcPct val="150000"/>
-              </a:lnSpc>
-            </a:pPr>
-            <a:r>
-              <a:rPr lang="ru-RU" sz="3200" b="1" dirty="0" smtClean="0">
-                <a:latin typeface="Courier New" panose="02070309020205020404" pitchFamily="49" charset="0"/>
-                <a:cs typeface="Courier New" panose="02070309020205020404" pitchFamily="49" charset="0"/>
-              </a:rPr>
-              <a:t>Поставленные задачи:</a:t>
-            </a:r>
-          </a:p>
-          <a:p>
-            <a:pPr marL="342900" indent="-342900">
-              <a:buFont typeface="Arial" panose="020B0604020202020204" pitchFamily="34" charset="0"/>
-              <a:buChar char="•"/>
-            </a:pPr>
-            <a:r>
-              <a:rPr lang="ru-RU" sz="2400" dirty="0" smtClean="0">
-                <a:latin typeface="Courier New" panose="02070309020205020404" pitchFamily="49" charset="0"/>
-                <a:cs typeface="Courier New" panose="02070309020205020404" pitchFamily="49" charset="0"/>
-              </a:rPr>
-              <a:t>Исследовать </a:t>
-            </a:r>
-            <a:r>
-              <a:rPr lang="ru-RU" sz="2400" dirty="0">
-                <a:latin typeface="Courier New" panose="02070309020205020404" pitchFamily="49" charset="0"/>
-                <a:cs typeface="Courier New" panose="02070309020205020404" pitchFamily="49" charset="0"/>
-              </a:rPr>
-              <a:t>основные принципы функционирования систем веб-шаблонов.</a:t>
-            </a:r>
-          </a:p>
-          <a:p>
-            <a:pPr marL="342900" indent="-342900">
-              <a:buFont typeface="Arial" panose="020B0604020202020204" pitchFamily="34" charset="0"/>
-              <a:buChar char="•"/>
-            </a:pPr>
-            <a:r>
-              <a:rPr lang="ru-RU" sz="2400" dirty="0" smtClean="0">
-                <a:latin typeface="Courier New" panose="02070309020205020404" pitchFamily="49" charset="0"/>
-                <a:cs typeface="Courier New" panose="02070309020205020404" pitchFamily="49" charset="0"/>
-              </a:rPr>
-              <a:t>Проанализировать </a:t>
-            </a:r>
-            <a:r>
-              <a:rPr lang="ru-RU" sz="2400" dirty="0">
-                <a:latin typeface="Courier New" panose="02070309020205020404" pitchFamily="49" charset="0"/>
-                <a:cs typeface="Courier New" panose="02070309020205020404" pitchFamily="49" charset="0"/>
-              </a:rPr>
-              <a:t>существующие системы веб-шаблонов с целью выявления наиболее распространённых проблем с производительностью.</a:t>
-            </a:r>
-          </a:p>
-          <a:p>
-            <a:pPr marL="342900" indent="-342900">
-              <a:buFont typeface="Arial" panose="020B0604020202020204" pitchFamily="34" charset="0"/>
-              <a:buChar char="•"/>
-            </a:pPr>
-            <a:r>
-              <a:rPr lang="ru-RU" sz="2400" dirty="0" smtClean="0">
-                <a:latin typeface="Courier New" panose="02070309020205020404" pitchFamily="49" charset="0"/>
-                <a:cs typeface="Courier New" panose="02070309020205020404" pitchFamily="49" charset="0"/>
-              </a:rPr>
-              <a:t>Исследовать </a:t>
-            </a:r>
-            <a:r>
-              <a:rPr lang="ru-RU" sz="2400" dirty="0">
-                <a:latin typeface="Courier New" panose="02070309020205020404" pitchFamily="49" charset="0"/>
-                <a:cs typeface="Courier New" panose="02070309020205020404" pitchFamily="49" charset="0"/>
-              </a:rPr>
-              <a:t>причины возникновения каждой из проблем с производительностью.</a:t>
-            </a:r>
-          </a:p>
-          <a:p>
-            <a:pPr marL="342900" indent="-342900">
-              <a:buFont typeface="Arial" panose="020B0604020202020204" pitchFamily="34" charset="0"/>
-              <a:buChar char="•"/>
-            </a:pPr>
-            <a:r>
-              <a:rPr lang="ru-RU" sz="2400" dirty="0" smtClean="0">
-                <a:latin typeface="Courier New" panose="02070309020205020404" pitchFamily="49" charset="0"/>
-                <a:cs typeface="Courier New" panose="02070309020205020404" pitchFamily="49" charset="0"/>
-              </a:rPr>
-              <a:t>Разработать </a:t>
-            </a:r>
-            <a:r>
-              <a:rPr lang="ru-RU" sz="2400" dirty="0">
-                <a:latin typeface="Courier New" panose="02070309020205020404" pitchFamily="49" charset="0"/>
-                <a:cs typeface="Courier New" panose="02070309020205020404" pitchFamily="49" charset="0"/>
-              </a:rPr>
-              <a:t>методы для устранения проблем с производительностью, либо их смягчения.</a:t>
-            </a:r>
-          </a:p>
-          <a:p>
-            <a:pPr marL="342900" indent="-342900">
-              <a:buFont typeface="Arial" panose="020B0604020202020204" pitchFamily="34" charset="0"/>
-              <a:buChar char="•"/>
-            </a:pPr>
-            <a:r>
-              <a:rPr lang="ru-RU" sz="2400" dirty="0" smtClean="0">
-                <a:latin typeface="Courier New" panose="02070309020205020404" pitchFamily="49" charset="0"/>
-                <a:cs typeface="Courier New" panose="02070309020205020404" pitchFamily="49" charset="0"/>
-              </a:rPr>
-              <a:t>Применить </a:t>
-            </a:r>
-            <a:r>
-              <a:rPr lang="ru-RU" sz="2400" dirty="0">
-                <a:latin typeface="Courier New" panose="02070309020205020404" pitchFamily="49" charset="0"/>
-                <a:cs typeface="Courier New" panose="02070309020205020404" pitchFamily="49" charset="0"/>
-              </a:rPr>
-              <a:t>разработанные методы на практике, разработав высокопроизводительную систему веб-шаблонов.</a:t>
-            </a:r>
-          </a:p>
-          <a:p>
-            <a:pPr>
-              <a:lnSpc>
-                <a:spcPct val="150000"/>
-              </a:lnSpc>
-            </a:pPr>
-            <a:endParaRPr lang="ru-RU" sz="3200" b="1" dirty="0" smtClean="0">
-              <a:latin typeface="Courier New" panose="02070309020205020404" pitchFamily="49" charset="0"/>
-              <a:cs typeface="Courier New" panose="02070309020205020404" pitchFamily="49" charset="0"/>
-            </a:endParaRPr>
-          </a:p>
-        </p:txBody>
-      </p:sp>
-    </p:spTree>
-    <p:extLst>
-      <p:ext uri="{BB962C8B-B14F-4D97-AF65-F5344CB8AC3E}">
-        <p14:creationId xmlns:p14="http://schemas.microsoft.com/office/powerpoint/2010/main" val="1112639758"/>
-      </p:ext>
-    </p:extLst>
-  </p:cSld>
-  <p:clrMapOvr>
-    <a:masterClrMapping/>
-  </p:clrMapOvr>
-  <p:timing>
-    <p:tnLst>
-      <p:par>
-        <p:cTn id="1" dur="indefinite" restart="never" nodeType="tmRoot"/>
-      </p:par>
-    </p:tnLst>
-  </p:timing>
-</p:sld>
-</file>
-
-<file path=ppt/slides/slide5.xml><?xml version="1.0" encoding="utf-8"?>
-<p:sld xmlns:a="http://schemas.openxmlformats.org/drawingml/2006/main" xmlns:r="http://schemas.openxmlformats.org/officeDocument/2006/relationships" xmlns:p="http://schemas.openxmlformats.org/presentationml/2006/main">
-  <p:cSld>
-    <p:bg>
-      <p:bgPr>
-        <a:pattFill prst="pct10">
-          <a:fgClr>
-            <a:schemeClr val="accent1">
-              <a:lumMod val="60000"/>
-              <a:lumOff val="40000"/>
-            </a:schemeClr>
-          </a:fgClr>
-          <a:bgClr>
-            <a:schemeClr val="bg1"/>
-          </a:bgClr>
-        </a:pattFill>
-        <a:effectLst/>
-      </p:bgPr>
-    </p:bg>
-    <p:spTree>
-      <p:nvGrpSpPr>
-        <p:cNvPr id="1" name=""/>
-        <p:cNvGrpSpPr/>
-        <p:nvPr/>
-      </p:nvGrpSpPr>
-      <p:grpSpPr>
-        <a:xfrm>
-          <a:off x="0" y="0"/>
-          <a:ext cx="0" cy="0"/>
-          <a:chOff x="0" y="0"/>
-          <a:chExt cx="0" cy="0"/>
-        </a:xfrm>
-      </p:grpSpPr>
-      <p:sp>
-        <p:nvSpPr>
           <p:cNvPr id="8" name="TextBox 7"/>
           <p:cNvSpPr txBox="1"/>
           <p:nvPr/>
@@ -12180,7 +11551,7 @@
                 <a:latin typeface="Courier New" panose="02070309020205020404" pitchFamily="49" charset="0"/>
                 <a:cs typeface="Courier New" panose="02070309020205020404" pitchFamily="49" charset="0"/>
               </a:rPr>
-              <a:t>Использование </a:t>
+              <a:t> Использование </a:t>
             </a:r>
             <a:r>
               <a:rPr lang="ru-RU" sz="2800" b="1" dirty="0" smtClean="0">
@@ -12210,7 +11581,14 @@
                 <a:latin typeface="Courier New" panose="02070309020205020404" pitchFamily="49" charset="0"/>
                 <a:cs typeface="Courier New" panose="02070309020205020404" pitchFamily="49" charset="0"/>
               </a:rPr>
-              <a:t>Наличие механизмов </a:t>
+              <a:t> Наличие </a:t>
+            </a:r>
+            <a:r>
+              <a:rPr lang="ru-RU" sz="2800" dirty="0" smtClean="0">
+                <a:latin typeface="Courier New" panose="02070309020205020404" pitchFamily="49" charset="0"/>
+                <a:cs typeface="Courier New" panose="02070309020205020404" pitchFamily="49" charset="0"/>
+              </a:rPr>
+              <a:t>механизмов </a:t>
             </a:r>
             <a:r>
               <a:rPr lang="ru-RU" sz="2800" b="1" dirty="0" smtClean="0">
@@ -12233,7 +11611,7 @@
                 <a:latin typeface="Courier New" panose="02070309020205020404" pitchFamily="49" charset="0"/>
                 <a:cs typeface="Courier New" panose="02070309020205020404" pitchFamily="49" charset="0"/>
               </a:rPr>
-              <a:t>Отсутствие </a:t>
+              <a:t> Отсутствие </a:t>
             </a:r>
             <a:r>
               <a:rPr lang="ru-RU" sz="2800" b="1" dirty="0" smtClean="0">
@@ -12256,7 +11634,14 @@
                 <a:latin typeface="Courier New" panose="02070309020205020404" pitchFamily="49" charset="0"/>
                 <a:cs typeface="Courier New" panose="02070309020205020404" pitchFamily="49" charset="0"/>
               </a:rPr>
-              <a:t>Простой вычислительных ресурсов:</a:t>
+              <a:t> Простой </a:t>
+            </a:r>
+            <a:r>
+              <a:rPr lang="ru-RU" sz="2800" dirty="0" smtClean="0">
+                <a:latin typeface="Courier New" panose="02070309020205020404" pitchFamily="49" charset="0"/>
+                <a:cs typeface="Courier New" panose="02070309020205020404" pitchFamily="49" charset="0"/>
+              </a:rPr>
+              <a:t>вычислительных ресурсов:</a:t>
             </a:r>
           </a:p>
           <a:p>
@@ -12458,7 +11843,7 @@
 </p:sld>
 </file>
 
-<file path=ppt/slides/slide6.xml><?xml version="1.0" encoding="utf-8"?>
+<file path=ppt/slides/slide5.xml><?xml version="1.0" encoding="utf-8"?>
 <p:sld xmlns:a="http://schemas.openxmlformats.org/drawingml/2006/main" xmlns:r="http://schemas.openxmlformats.org/officeDocument/2006/relationships" xmlns:p="http://schemas.openxmlformats.org/presentationml/2006/main">
   <p:cSld>
     <p:bg>
@@ -12512,7 +11897,7 @@
             <p:nvPr>
               <p:extLst>
                 <p:ext uri="{D42A27DB-BD31-4B8C-83A1-F6EECF244321}">
-                  <p14:modId xmlns:p14="http://schemas.microsoft.com/office/powerpoint/2010/main" val="1229570835"/>
+                  <p14:modId xmlns:p14="http://schemas.microsoft.com/office/powerpoint/2010/main" val="2859311194"/>
                 </p:ext>
               </p:extLst>
             </p:nvPr>
@@ -12534,7 +11919,7 @@
             <p:nvPr>
               <p:extLst>
                 <p:ext uri="{D42A27DB-BD31-4B8C-83A1-F6EECF244321}">
-                  <p14:modId xmlns:p14="http://schemas.microsoft.com/office/powerpoint/2010/main" val="524577689"/>
+                  <p14:modId xmlns:p14="http://schemas.microsoft.com/office/powerpoint/2010/main" val="425247530"/>
                 </p:ext>
               </p:extLst>
             </p:nvPr>
@@ -12557,7 +11942,7 @@
           </p:nvSpPr>
           <p:spPr>
             <a:xfrm>
-              <a:off x="3209192" y="4466493"/>
+              <a:off x="2954549" y="4382314"/>
               <a:ext cx="1354016" cy="307777"/>
             </a:xfrm>
             <a:prstGeom prst="rect">
@@ -12587,7 +11972,7 @@
           </p:nvSpPr>
           <p:spPr>
             <a:xfrm>
-              <a:off x="6392008" y="5161085"/>
+              <a:off x="6349702" y="5121181"/>
               <a:ext cx="1406769" cy="307777"/>
             </a:xfrm>
             <a:prstGeom prst="rect">
@@ -12825,525 +12210,7 @@
 </p:sld>
 </file>
 
-<file path=ppt/slides/slide7.xml><?xml version="1.0" encoding="utf-8"?>
-<p:sld xmlns:a="http://schemas.openxmlformats.org/drawingml/2006/main" xmlns:r="http://schemas.openxmlformats.org/officeDocument/2006/relationships" xmlns:p="http://schemas.openxmlformats.org/presentationml/2006/main">
-  <p:cSld>
-    <p:bg>
-      <p:bgPr>
-        <a:pattFill prst="pct10">
-          <a:fgClr>
-            <a:schemeClr val="accent1">
-              <a:lumMod val="60000"/>
-              <a:lumOff val="40000"/>
-            </a:schemeClr>
-          </a:fgClr>
-          <a:bgClr>
-            <a:schemeClr val="bg1"/>
-          </a:bgClr>
-        </a:pattFill>
-        <a:effectLst/>
-      </p:bgPr>
-    </p:bg>
-    <p:spTree>
-      <p:nvGrpSpPr>
-        <p:cNvPr id="1" name=""/>
-        <p:cNvGrpSpPr/>
-        <p:nvPr/>
-      </p:nvGrpSpPr>
-      <p:grpSpPr>
-        <a:xfrm>
-          <a:off x="0" y="0"/>
-          <a:ext cx="0" cy="0"/>
-          <a:chOff x="0" y="0"/>
-          <a:chExt cx="0" cy="0"/>
-        </a:xfrm>
-      </p:grpSpPr>
-      <p:grpSp>
-        <p:nvGrpSpPr>
-          <p:cNvPr id="15" name="Группа 14"/>
-          <p:cNvGrpSpPr/>
-          <p:nvPr/>
-        </p:nvGrpSpPr>
-        <p:grpSpPr>
-          <a:xfrm>
-            <a:off x="1265278" y="1471663"/>
-            <a:ext cx="9333496" cy="4351382"/>
-            <a:chOff x="2196661" y="1849822"/>
-            <a:chExt cx="8387255" cy="3962400"/>
-          </a:xfrm>
-        </p:grpSpPr>
-        <p:sp>
-          <p:nvSpPr>
-            <p:cNvPr id="3" name="Прямоугольник 2"/>
-            <p:cNvSpPr/>
-            <p:nvPr/>
-          </p:nvSpPr>
-          <p:spPr>
-            <a:xfrm>
-              <a:off x="2196661" y="1849822"/>
-              <a:ext cx="8387255" cy="3962400"/>
-            </a:xfrm>
-            <a:prstGeom prst="rect">
-              <a:avLst/>
-            </a:prstGeom>
-            <a:solidFill>
-              <a:schemeClr val="bg2"/>
-            </a:solidFill>
-          </p:spPr>
-          <p:style>
-            <a:lnRef idx="1">
-              <a:schemeClr val="accent5"/>
-            </a:lnRef>
-            <a:fillRef idx="2">
-              <a:schemeClr val="accent5"/>
-            </a:fillRef>
-            <a:effectRef idx="1">
-              <a:schemeClr val="accent5"/>
-            </a:effectRef>
-            <a:fontRef idx="minor">
-              <a:schemeClr val="dk1"/>
-            </a:fontRef>
-          </p:style>
-          <p:txBody>
-            <a:bodyPr rtlCol="0" anchor="ctr"/>
-            <a:lstStyle/>
-            <a:p>
-              <a:pPr algn="ctr"/>
-              <a:endParaRPr lang="en-US" dirty="0"/>
-            </a:p>
-          </p:txBody>
-        </p:sp>
-        <p:sp>
-          <p:nvSpPr>
-            <p:cNvPr id="4" name="Скругленный прямоугольник 3"/>
-            <p:cNvSpPr/>
-            <p:nvPr/>
-          </p:nvSpPr>
-          <p:spPr>
-            <a:xfrm>
-              <a:off x="2412122" y="2102069"/>
-              <a:ext cx="5696608" cy="2112579"/>
-            </a:xfrm>
-            <a:prstGeom prst="roundRect">
-              <a:avLst/>
-            </a:prstGeom>
-          </p:spPr>
-          <p:style>
-            <a:lnRef idx="2">
-              <a:schemeClr val="accent6"/>
-            </a:lnRef>
-            <a:fillRef idx="1">
-              <a:schemeClr val="lt1"/>
-            </a:fillRef>
-            <a:effectRef idx="0">
-              <a:schemeClr val="accent6"/>
-            </a:effectRef>
-            <a:fontRef idx="minor">
-              <a:schemeClr val="dk1"/>
-            </a:fontRef>
-          </p:style>
-          <p:txBody>
-            <a:bodyPr rtlCol="0" anchor="t"/>
-            <a:lstStyle/>
-            <a:p>
-              <a:pPr algn="ctr"/>
-              <a:r>
-                <a:rPr lang="ru-RU" dirty="0" smtClean="0"/>
-                <a:t>Процессор 1</a:t>
-              </a:r>
-            </a:p>
-          </p:txBody>
-        </p:sp>
-        <p:sp>
-          <p:nvSpPr>
-            <p:cNvPr id="8" name="Скругленный прямоугольник 7"/>
-            <p:cNvSpPr/>
-            <p:nvPr/>
-          </p:nvSpPr>
-          <p:spPr>
-            <a:xfrm>
-              <a:off x="8282152" y="2112578"/>
-              <a:ext cx="1975943" cy="2091557"/>
-            </a:xfrm>
-            <a:prstGeom prst="roundRect">
-              <a:avLst/>
-            </a:prstGeom>
-          </p:spPr>
-          <p:style>
-            <a:lnRef idx="2">
-              <a:schemeClr val="accent6"/>
-            </a:lnRef>
-            <a:fillRef idx="1">
-              <a:schemeClr val="lt1"/>
-            </a:fillRef>
-            <a:effectRef idx="0">
-              <a:schemeClr val="accent6"/>
-            </a:effectRef>
-            <a:fontRef idx="minor">
-              <a:schemeClr val="dk1"/>
-            </a:fontRef>
-          </p:style>
-          <p:txBody>
-            <a:bodyPr rtlCol="0" anchor="t"/>
-            <a:lstStyle/>
-            <a:p>
-              <a:pPr algn="ctr"/>
-              <a:r>
-                <a:rPr lang="ru-RU" dirty="0"/>
-                <a:t>Процессор </a:t>
-              </a:r>
-              <a:r>
-                <a:rPr lang="ru-RU" dirty="0" smtClean="0"/>
-                <a:t>2</a:t>
-              </a:r>
-              <a:endParaRPr lang="en-US" dirty="0"/>
-            </a:p>
-          </p:txBody>
-        </p:sp>
-        <p:sp>
-          <p:nvSpPr>
-            <p:cNvPr id="9" name="Скругленный прямоугольник 8"/>
-            <p:cNvSpPr/>
-            <p:nvPr/>
-          </p:nvSpPr>
-          <p:spPr>
-            <a:xfrm>
-              <a:off x="2427889" y="4466895"/>
-              <a:ext cx="3867806" cy="1082568"/>
-            </a:xfrm>
-            <a:prstGeom prst="roundRect">
-              <a:avLst/>
-            </a:prstGeom>
-          </p:spPr>
-          <p:style>
-            <a:lnRef idx="2">
-              <a:schemeClr val="accent6"/>
-            </a:lnRef>
-            <a:fillRef idx="1">
-              <a:schemeClr val="lt1"/>
-            </a:fillRef>
-            <a:effectRef idx="0">
-              <a:schemeClr val="accent6"/>
-            </a:effectRef>
-            <a:fontRef idx="minor">
-              <a:schemeClr val="dk1"/>
-            </a:fontRef>
-          </p:style>
-          <p:txBody>
-            <a:bodyPr rtlCol="0" anchor="t"/>
-            <a:lstStyle/>
-            <a:p>
-              <a:pPr algn="ctr"/>
-              <a:r>
-                <a:rPr lang="ru-RU" dirty="0"/>
-                <a:t>Процессор </a:t>
-              </a:r>
-              <a:r>
-                <a:rPr lang="ru-RU" dirty="0" smtClean="0"/>
-                <a:t>3</a:t>
-              </a:r>
-              <a:endParaRPr lang="en-US" dirty="0"/>
-            </a:p>
-          </p:txBody>
-        </p:sp>
-        <p:sp>
-          <p:nvSpPr>
-            <p:cNvPr id="10" name="Скругленный прямоугольник 9"/>
-            <p:cNvSpPr/>
-            <p:nvPr/>
-          </p:nvSpPr>
-          <p:spPr>
-            <a:xfrm>
-              <a:off x="6526924" y="4466895"/>
-              <a:ext cx="3731172" cy="1082568"/>
-            </a:xfrm>
-            <a:prstGeom prst="roundRect">
-              <a:avLst/>
-            </a:prstGeom>
-          </p:spPr>
-          <p:style>
-            <a:lnRef idx="2">
-              <a:schemeClr val="accent6"/>
-            </a:lnRef>
-            <a:fillRef idx="1">
-              <a:schemeClr val="lt1"/>
-            </a:fillRef>
-            <a:effectRef idx="0">
-              <a:schemeClr val="accent6"/>
-            </a:effectRef>
-            <a:fontRef idx="minor">
-              <a:schemeClr val="dk1"/>
-            </a:fontRef>
-          </p:style>
-          <p:txBody>
-            <a:bodyPr rtlCol="0" anchor="t"/>
-            <a:lstStyle/>
-            <a:p>
-              <a:pPr algn="ctr"/>
-              <a:r>
-                <a:rPr lang="ru-RU" dirty="0"/>
-                <a:t>Процессор 4</a:t>
-              </a:r>
-              <a:endParaRPr lang="en-US" dirty="0"/>
-            </a:p>
-          </p:txBody>
-        </p:sp>
-        <p:sp>
-          <p:nvSpPr>
-            <p:cNvPr id="11" name="Блок-схема: альтернативный процесс 10"/>
-            <p:cNvSpPr/>
-            <p:nvPr/>
-          </p:nvSpPr>
-          <p:spPr>
-            <a:xfrm>
-              <a:off x="2822026" y="2690647"/>
-              <a:ext cx="3799490" cy="1282263"/>
-            </a:xfrm>
-            <a:prstGeom prst="flowChartAlternateProcess">
-              <a:avLst/>
-            </a:prstGeom>
-          </p:spPr>
-          <p:style>
-            <a:lnRef idx="1">
-              <a:schemeClr val="accent4"/>
-            </a:lnRef>
-            <a:fillRef idx="2">
-              <a:schemeClr val="accent4"/>
-            </a:fillRef>
-            <a:effectRef idx="1">
-              <a:schemeClr val="accent4"/>
-            </a:effectRef>
-            <a:fontRef idx="minor">
-              <a:schemeClr val="dk1"/>
-            </a:fontRef>
-          </p:style>
-          <p:txBody>
-            <a:bodyPr rtlCol="0" anchor="ctr"/>
-            <a:lstStyle/>
-            <a:p>
-              <a:pPr marL="342900" indent="-342900">
-                <a:buFont typeface="+mj-lt"/>
-                <a:buAutoNum type="arabicPeriod"/>
-              </a:pPr>
-              <a:r>
-                <a:rPr lang="ru-RU" dirty="0"/>
-                <a:t>Загрузка шаблона</a:t>
-              </a:r>
-            </a:p>
-            <a:p>
-              <a:pPr marL="342900" indent="-342900">
-                <a:buFont typeface="+mj-lt"/>
-                <a:buAutoNum type="arabicPeriod"/>
-              </a:pPr>
-              <a:r>
-                <a:rPr lang="ru-RU" dirty="0" smtClean="0"/>
-                <a:t>Лексический анализ</a:t>
-              </a:r>
-            </a:p>
-            <a:p>
-              <a:pPr marL="342900" indent="-342900">
-                <a:buFont typeface="+mj-lt"/>
-                <a:buAutoNum type="arabicPeriod"/>
-              </a:pPr>
-              <a:r>
-                <a:rPr lang="ru-RU" dirty="0" smtClean="0"/>
-                <a:t>Синтаксический </a:t>
-              </a:r>
-              <a:r>
-                <a:rPr lang="ru-RU" dirty="0"/>
-                <a:t>анализ</a:t>
-              </a:r>
-            </a:p>
-            <a:p>
-              <a:pPr marL="342900" indent="-342900">
-                <a:buFont typeface="+mj-lt"/>
-                <a:buAutoNum type="arabicPeriod"/>
-              </a:pPr>
-              <a:r>
-                <a:rPr lang="ru-RU" dirty="0"/>
-                <a:t>Генерация веб-документа</a:t>
-              </a:r>
-              <a:endParaRPr lang="en-US" dirty="0"/>
-            </a:p>
-          </p:txBody>
-        </p:sp>
-        <p:sp>
-          <p:nvSpPr>
-            <p:cNvPr id="12" name="Блок-схема: альтернативный процесс 11"/>
-            <p:cNvSpPr/>
-            <p:nvPr/>
-          </p:nvSpPr>
-          <p:spPr>
-            <a:xfrm>
-              <a:off x="3145219" y="4987158"/>
-              <a:ext cx="2667001" cy="378373"/>
-            </a:xfrm>
-            <a:prstGeom prst="flowChartAlternateProcess">
-              <a:avLst/>
-            </a:prstGeom>
-          </p:spPr>
-          <p:style>
-            <a:lnRef idx="1">
-              <a:schemeClr val="accent4"/>
-            </a:lnRef>
-            <a:fillRef idx="2">
-              <a:schemeClr val="accent4"/>
-            </a:fillRef>
-            <a:effectRef idx="1">
-              <a:schemeClr val="accent4"/>
-            </a:effectRef>
-            <a:fontRef idx="minor">
-              <a:schemeClr val="dk1"/>
-            </a:fontRef>
-          </p:style>
-          <p:txBody>
-            <a:bodyPr rtlCol="0" anchor="ctr"/>
-            <a:lstStyle/>
-            <a:p>
-              <a:r>
-                <a:rPr lang="ru-RU" dirty="0" smtClean="0"/>
-                <a:t>Ожидаю задач …</a:t>
-              </a:r>
-              <a:endParaRPr lang="en-US" dirty="0"/>
-            </a:p>
-          </p:txBody>
-        </p:sp>
-        <p:sp>
-          <p:nvSpPr>
-            <p:cNvPr id="13" name="Блок-схема: альтернативный процесс 12"/>
-            <p:cNvSpPr/>
-            <p:nvPr/>
-          </p:nvSpPr>
-          <p:spPr>
-            <a:xfrm>
-              <a:off x="7165426" y="4987157"/>
-              <a:ext cx="2667001" cy="378373"/>
-            </a:xfrm>
-            <a:prstGeom prst="flowChartAlternateProcess">
-              <a:avLst/>
-            </a:prstGeom>
-          </p:spPr>
-          <p:style>
-            <a:lnRef idx="1">
-              <a:schemeClr val="accent4"/>
-            </a:lnRef>
-            <a:fillRef idx="2">
-              <a:schemeClr val="accent4"/>
-            </a:fillRef>
-            <a:effectRef idx="1">
-              <a:schemeClr val="accent4"/>
-            </a:effectRef>
-            <a:fontRef idx="minor">
-              <a:schemeClr val="dk1"/>
-            </a:fontRef>
-          </p:style>
-          <p:txBody>
-            <a:bodyPr rtlCol="0" anchor="ctr"/>
-            <a:lstStyle/>
-            <a:p>
-              <a:r>
-                <a:rPr lang="ru-RU" dirty="0" smtClean="0"/>
-                <a:t>Ожидаю задач …</a:t>
-              </a:r>
-              <a:endParaRPr lang="en-US" dirty="0"/>
-            </a:p>
-          </p:txBody>
-        </p:sp>
-        <p:sp>
-          <p:nvSpPr>
-            <p:cNvPr id="14" name="Блок-схема: альтернативный процесс 13"/>
-            <p:cNvSpPr/>
-            <p:nvPr/>
-          </p:nvSpPr>
-          <p:spPr>
-            <a:xfrm>
-              <a:off x="9038895" y="2953405"/>
-              <a:ext cx="462455" cy="378373"/>
-            </a:xfrm>
-            <a:prstGeom prst="flowChartAlternateProcess">
-              <a:avLst/>
-            </a:prstGeom>
-          </p:spPr>
-          <p:style>
-            <a:lnRef idx="1">
-              <a:schemeClr val="accent4"/>
-            </a:lnRef>
-            <a:fillRef idx="2">
-              <a:schemeClr val="accent4"/>
-            </a:fillRef>
-            <a:effectRef idx="1">
-              <a:schemeClr val="accent4"/>
-            </a:effectRef>
-            <a:fontRef idx="minor">
-              <a:schemeClr val="dk1"/>
-            </a:fontRef>
-          </p:style>
-          <p:txBody>
-            <a:bodyPr rtlCol="0" anchor="ctr"/>
-            <a:lstStyle/>
-            <a:p>
-              <a:r>
-                <a:rPr lang="ru-RU" dirty="0" smtClean="0"/>
-                <a:t>…</a:t>
-              </a:r>
-              <a:endParaRPr lang="en-US" dirty="0"/>
-            </a:p>
-          </p:txBody>
-        </p:sp>
-      </p:grpSp>
-      <p:sp>
-        <p:nvSpPr>
-          <p:cNvPr id="16" name="TextBox 15"/>
-          <p:cNvSpPr txBox="1"/>
-          <p:nvPr/>
-        </p:nvSpPr>
-        <p:spPr>
-          <a:xfrm>
-            <a:off x="1265278" y="400050"/>
-            <a:ext cx="9552400" cy="646331"/>
-          </a:xfrm>
-          <a:prstGeom prst="rect">
-            <a:avLst/>
-          </a:prstGeom>
-          <a:noFill/>
-        </p:spPr>
-        <p:txBody>
-          <a:bodyPr wrap="square" rtlCol="0">
-            <a:spAutoFit/>
-          </a:bodyPr>
-          <a:lstStyle/>
-          <a:p>
-            <a:r>
-              <a:rPr lang="ru-RU" sz="3600" b="1" dirty="0" smtClean="0">
-                <a:latin typeface="Courier New" panose="02070309020205020404" pitchFamily="49" charset="0"/>
-                <a:cs typeface="Courier New" panose="02070309020205020404" pitchFamily="49" charset="0"/>
-              </a:rPr>
-              <a:t>Простой вычислительных ресурсов</a:t>
-            </a:r>
-          </a:p>
-        </p:txBody>
-      </p:sp>
-    </p:spTree>
-    <p:extLst>
-      <p:ext uri="{BB962C8B-B14F-4D97-AF65-F5344CB8AC3E}">
-        <p14:creationId xmlns:p14="http://schemas.microsoft.com/office/powerpoint/2010/main" val="44857748"/>
-      </p:ext>
-    </p:extLst>
-  </p:cSld>
-  <p:clrMapOvr>
-    <a:masterClrMapping/>
-  </p:clrMapOvr>
-  <p:timing>
-    <p:tnLst>
-      <p:par>
-        <p:cTn id="1" dur="indefinite" restart="never" nodeType="tmRoot"/>
-      </p:par>
-    </p:tnLst>
-  </p:timing>
-</p:sld>
-</file>
-
-<file path=ppt/slides/slide8.xml><?xml version="1.0" encoding="utf-8"?>
+<file path=ppt/slides/slide6.xml><?xml version="1.0" encoding="utf-8"?>
 <p:sld xmlns:a="http://schemas.openxmlformats.org/drawingml/2006/main" xmlns:r="http://schemas.openxmlformats.org/officeDocument/2006/relationships" xmlns:p="http://schemas.openxmlformats.org/presentationml/2006/main">
   <p:cSld>
     <p:bg>
@@ -13569,19 +12436,8 @@
                 <a:latin typeface="Courier New" panose="02070309020205020404" pitchFamily="49" charset="0"/>
                 <a:cs typeface="Courier New" panose="02070309020205020404" pitchFamily="49" charset="0"/>
               </a:rPr>
-              <a:t> (</a:t>
-            </a:r>
-            <a:r>
-              <a:rPr lang="ru-RU" sz="2400" dirty="0" smtClean="0">
-                <a:latin typeface="Courier New" panose="02070309020205020404" pitchFamily="49" charset="0"/>
-                <a:cs typeface="Courier New" panose="02070309020205020404" pitchFamily="49" charset="0"/>
-              </a:rPr>
-              <a:t>параллельного) исполнения</a:t>
-            </a:r>
-            <a:endParaRPr lang="ru-RU" sz="2400" dirty="0" smtClean="0">
-              <a:latin typeface="Courier New" panose="02070309020205020404" pitchFamily="49" charset="0"/>
-              <a:cs typeface="Courier New" panose="02070309020205020404" pitchFamily="49" charset="0"/>
-            </a:endParaRPr>
+              <a:t> (параллельного) исполнения</a:t>
+            </a:r>
           </a:p>
           <a:p>
             <a:pPr marL="742950" lvl="1" indent="-285750">
@@ -13629,7 +12485,7 @@
 </p:sld>
 </file>
 
-<file path=ppt/slides/slide9.xml><?xml version="1.0" encoding="utf-8"?>
+<file path=ppt/slides/slide7.xml><?xml version="1.0" encoding="utf-8"?>
 <p:sld xmlns:a="http://schemas.openxmlformats.org/drawingml/2006/main" xmlns:r="http://schemas.openxmlformats.org/officeDocument/2006/relationships" xmlns:p="http://schemas.openxmlformats.org/presentationml/2006/main">
   <p:cSld>
     <p:bg>
@@ -14682,6 +13538,446 @@
 </p:sld>
 </file>
 
+<file path=ppt/slides/slide8.xml><?xml version="1.0" encoding="utf-8"?>
+<p:sld xmlns:a="http://schemas.openxmlformats.org/drawingml/2006/main" xmlns:r="http://schemas.openxmlformats.org/officeDocument/2006/relationships" xmlns:p="http://schemas.openxmlformats.org/presentationml/2006/main">
+  <p:cSld>
+    <p:bg>
+      <p:bgPr>
+        <a:pattFill prst="pct10">
+          <a:fgClr>
+            <a:schemeClr val="accent1">
+              <a:lumMod val="60000"/>
+              <a:lumOff val="40000"/>
+            </a:schemeClr>
+          </a:fgClr>
+          <a:bgClr>
+            <a:schemeClr val="bg1"/>
+          </a:bgClr>
+        </a:pattFill>
+        <a:effectLst/>
+      </p:bgPr>
+    </p:bg>
+    <p:spTree>
+      <p:nvGrpSpPr>
+        <p:cNvPr id="1" name=""/>
+        <p:cNvGrpSpPr/>
+        <p:nvPr/>
+      </p:nvGrpSpPr>
+      <p:grpSpPr>
+        <a:xfrm>
+          <a:off x="0" y="0"/>
+          <a:ext cx="0" cy="0"/>
+          <a:chOff x="0" y="0"/>
+          <a:chExt cx="0" cy="0"/>
+        </a:xfrm>
+      </p:grpSpPr>
+      <p:sp>
+        <p:nvSpPr>
+          <p:cNvPr id="3" name="TextBox 2"/>
+          <p:cNvSpPr txBox="1"/>
+          <p:nvPr/>
+        </p:nvSpPr>
+        <p:spPr>
+          <a:xfrm>
+            <a:off x="1248872" y="209084"/>
+            <a:ext cx="8386741" cy="646331"/>
+          </a:xfrm>
+          <a:prstGeom prst="rect">
+            <a:avLst/>
+          </a:prstGeom>
+          <a:noFill/>
+        </p:spPr>
+        <p:txBody>
+          <a:bodyPr wrap="square" rtlCol="0">
+            <a:spAutoFit/>
+          </a:bodyPr>
+          <a:lstStyle/>
+          <a:p>
+            <a:r>
+              <a:rPr lang="ru-RU" sz="3600" b="1" dirty="0" smtClean="0">
+                <a:latin typeface="Courier New" panose="02070309020205020404" pitchFamily="49" charset="0"/>
+                <a:cs typeface="Courier New" panose="02070309020205020404" pitchFamily="49" charset="0"/>
+              </a:rPr>
+              <a:t>Модель работы веб-сервиса</a:t>
+            </a:r>
+            <a:endParaRPr lang="en-US" sz="3600" b="1" dirty="0">
+              <a:latin typeface="Courier New" panose="02070309020205020404" pitchFamily="49" charset="0"/>
+              <a:cs typeface="Courier New" panose="02070309020205020404" pitchFamily="49" charset="0"/>
+            </a:endParaRPr>
+          </a:p>
+        </p:txBody>
+      </p:sp>
+      <p:pic>
+        <p:nvPicPr>
+          <p:cNvPr id="4" name="Рисунок 3"/>
+          <p:cNvPicPr>
+            <a:picLocks noChangeAspect="1"/>
+          </p:cNvPicPr>
+          <p:nvPr/>
+        </p:nvPicPr>
+        <p:blipFill>
+          <a:blip r:embed="rId2">
+            <a:extLst>
+              <a:ext uri="{28A0092B-C50C-407E-A947-70E740481C1C}">
+                <a14:useLocalDpi xmlns:a14="http://schemas.microsoft.com/office/drawing/2010/main" val="0"/>
+              </a:ext>
+            </a:extLst>
+          </a:blip>
+          <a:stretch>
+            <a:fillRect/>
+          </a:stretch>
+        </p:blipFill>
+        <p:spPr>
+          <a:xfrm>
+            <a:off x="1248872" y="999801"/>
+            <a:ext cx="8925275" cy="5505171"/>
+          </a:xfrm>
+          <a:prstGeom prst="rect">
+            <a:avLst/>
+          </a:prstGeom>
+          <a:ln>
+            <a:solidFill>
+              <a:schemeClr val="tx1"/>
+            </a:solidFill>
+          </a:ln>
+        </p:spPr>
+      </p:pic>
+    </p:spTree>
+    <p:extLst>
+      <p:ext uri="{BB962C8B-B14F-4D97-AF65-F5344CB8AC3E}">
+        <p14:creationId xmlns:p14="http://schemas.microsoft.com/office/powerpoint/2010/main" val="279697673"/>
+      </p:ext>
+    </p:extLst>
+  </p:cSld>
+  <p:clrMapOvr>
+    <a:masterClrMapping/>
+  </p:clrMapOvr>
+</p:sld>
+</file>
+
+<file path=ppt/slides/slide9.xml><?xml version="1.0" encoding="utf-8"?>
+<p:sld xmlns:a="http://schemas.openxmlformats.org/drawingml/2006/main" xmlns:r="http://schemas.openxmlformats.org/officeDocument/2006/relationships" xmlns:p="http://schemas.openxmlformats.org/presentationml/2006/main">
+  <p:cSld>
+    <p:bg>
+      <p:bgPr>
+        <a:pattFill prst="pct10">
+          <a:fgClr>
+            <a:schemeClr val="accent1">
+              <a:lumMod val="60000"/>
+              <a:lumOff val="40000"/>
+            </a:schemeClr>
+          </a:fgClr>
+          <a:bgClr>
+            <a:schemeClr val="bg1"/>
+          </a:bgClr>
+        </a:pattFill>
+        <a:effectLst/>
+      </p:bgPr>
+    </p:bg>
+    <p:spTree>
+      <p:nvGrpSpPr>
+        <p:cNvPr id="1" name=""/>
+        <p:cNvGrpSpPr/>
+        <p:nvPr/>
+      </p:nvGrpSpPr>
+      <p:grpSpPr>
+        <a:xfrm>
+          <a:off x="0" y="0"/>
+          <a:ext cx="0" cy="0"/>
+          <a:chOff x="0" y="0"/>
+          <a:chExt cx="0" cy="0"/>
+        </a:xfrm>
+      </p:grpSpPr>
+      <p:sp>
+        <p:nvSpPr>
+          <p:cNvPr id="4" name="TextBox 3"/>
+          <p:cNvSpPr txBox="1"/>
+          <p:nvPr/>
+        </p:nvSpPr>
+        <p:spPr>
+          <a:xfrm>
+            <a:off x="1053190" y="310243"/>
+            <a:ext cx="9794423" cy="646331"/>
+          </a:xfrm>
+          <a:prstGeom prst="rect">
+            <a:avLst/>
+          </a:prstGeom>
+          <a:noFill/>
+        </p:spPr>
+        <p:txBody>
+          <a:bodyPr wrap="square" rtlCol="0">
+            <a:spAutoFit/>
+          </a:bodyPr>
+          <a:lstStyle/>
+          <a:p>
+            <a:r>
+              <a:rPr lang="ru-RU" sz="3600" b="1" dirty="0" smtClean="0">
+                <a:latin typeface="Courier New" panose="02070309020205020404" pitchFamily="49" charset="0"/>
+                <a:cs typeface="Courier New" panose="02070309020205020404" pitchFamily="49" charset="0"/>
+              </a:rPr>
+              <a:t>Выбранные инструменты разработки</a:t>
+            </a:r>
+            <a:endParaRPr lang="en-US" sz="3600" dirty="0"/>
+          </a:p>
+        </p:txBody>
+      </p:sp>
+      <p:sp>
+        <p:nvSpPr>
+          <p:cNvPr id="5" name="TextBox 4"/>
+          <p:cNvSpPr txBox="1"/>
+          <p:nvPr/>
+        </p:nvSpPr>
+        <p:spPr>
+          <a:xfrm>
+            <a:off x="1053191" y="1126671"/>
+            <a:ext cx="10197194" cy="5170646"/>
+          </a:xfrm>
+          <a:prstGeom prst="rect">
+            <a:avLst/>
+          </a:prstGeom>
+          <a:noFill/>
+        </p:spPr>
+        <p:txBody>
+          <a:bodyPr wrap="square" rtlCol="0">
+            <a:spAutoFit/>
+          </a:bodyPr>
+          <a:lstStyle/>
+          <a:p>
+            <a:pPr>
+              <a:lnSpc>
+                <a:spcPct val="150000"/>
+              </a:lnSpc>
+            </a:pPr>
+            <a:r>
+              <a:rPr lang="ru-RU" sz="2400" b="1" dirty="0">
+                <a:latin typeface="Courier New" panose="02070309020205020404" pitchFamily="49" charset="0"/>
+                <a:cs typeface="Courier New" panose="02070309020205020404" pitchFamily="49" charset="0"/>
+              </a:rPr>
+              <a:t>Серверная часть:</a:t>
+            </a:r>
+          </a:p>
+          <a:p>
+            <a:pPr marL="800100" lvl="1" indent="-342900">
+              <a:lnSpc>
+                <a:spcPct val="150000"/>
+              </a:lnSpc>
+              <a:buFont typeface="Arial" panose="020B0604020202020204" pitchFamily="34" charset="0"/>
+              <a:buChar char="•"/>
+            </a:pPr>
+            <a:r>
+              <a:rPr lang="ru-RU" sz="2400" dirty="0">
+                <a:latin typeface="Courier New" panose="02070309020205020404" pitchFamily="49" charset="0"/>
+                <a:cs typeface="Courier New" panose="02070309020205020404" pitchFamily="49" charset="0"/>
+              </a:rPr>
+              <a:t>Язык программирования</a:t>
+            </a:r>
+            <a:r>
+              <a:rPr lang="en-US" sz="2400" dirty="0">
+                <a:latin typeface="Courier New" panose="02070309020205020404" pitchFamily="49" charset="0"/>
+                <a:cs typeface="Courier New" panose="02070309020205020404" pitchFamily="49" charset="0"/>
+              </a:rPr>
+              <a:t> </a:t>
+            </a:r>
+            <a:r>
+              <a:rPr lang="en-US" sz="2400" b="1" dirty="0">
+                <a:latin typeface="Courier New" panose="02070309020205020404" pitchFamily="49" charset="0"/>
+                <a:cs typeface="Courier New" panose="02070309020205020404" pitchFamily="49" charset="0"/>
+              </a:rPr>
+              <a:t>Rust</a:t>
+            </a:r>
+          </a:p>
+          <a:p>
+            <a:pPr marL="800100" lvl="1" indent="-342900">
+              <a:lnSpc>
+                <a:spcPct val="150000"/>
+              </a:lnSpc>
+              <a:buFont typeface="Arial" panose="020B0604020202020204" pitchFamily="34" charset="0"/>
+              <a:buChar char="•"/>
+            </a:pPr>
+            <a:r>
+              <a:rPr lang="ru-RU" sz="2400" dirty="0">
+                <a:latin typeface="Courier New" panose="02070309020205020404" pitchFamily="49" charset="0"/>
+                <a:cs typeface="Courier New" panose="02070309020205020404" pitchFamily="49" charset="0"/>
+              </a:rPr>
+              <a:t>Библиотека асинхронного выполнения </a:t>
+            </a:r>
+            <a:r>
+              <a:rPr lang="en-US" sz="2400" b="1" dirty="0" err="1">
+                <a:latin typeface="Courier New" panose="02070309020205020404" pitchFamily="49" charset="0"/>
+                <a:cs typeface="Courier New" panose="02070309020205020404" pitchFamily="49" charset="0"/>
+              </a:rPr>
+              <a:t>tokio</a:t>
+            </a:r>
+            <a:endParaRPr lang="ru-RU" sz="2400" b="1" dirty="0">
+              <a:latin typeface="Courier New" panose="02070309020205020404" pitchFamily="49" charset="0"/>
+              <a:cs typeface="Courier New" panose="02070309020205020404" pitchFamily="49" charset="0"/>
+            </a:endParaRPr>
+          </a:p>
+          <a:p>
+            <a:pPr marL="800100" lvl="1" indent="-342900">
+              <a:lnSpc>
+                <a:spcPct val="150000"/>
+              </a:lnSpc>
+              <a:buFont typeface="Arial" panose="020B0604020202020204" pitchFamily="34" charset="0"/>
+              <a:buChar char="•"/>
+            </a:pPr>
+            <a:r>
+              <a:rPr lang="ru-RU" sz="2400" dirty="0">
+                <a:latin typeface="Courier New" panose="02070309020205020404" pitchFamily="49" charset="0"/>
+                <a:cs typeface="Courier New" panose="02070309020205020404" pitchFamily="49" charset="0"/>
+              </a:rPr>
+              <a:t>Библиотека шаблонизации </a:t>
+            </a:r>
+            <a:r>
+              <a:rPr lang="en-US" sz="2400" b="1" dirty="0" err="1">
+                <a:latin typeface="Courier New" panose="02070309020205020404" pitchFamily="49" charset="0"/>
+                <a:cs typeface="Courier New" panose="02070309020205020404" pitchFamily="49" charset="0"/>
+              </a:rPr>
+              <a:t>tera</a:t>
+            </a:r>
+            <a:endParaRPr lang="en-US" sz="2400" dirty="0">
+              <a:latin typeface="Courier New" panose="02070309020205020404" pitchFamily="49" charset="0"/>
+              <a:cs typeface="Courier New" panose="02070309020205020404" pitchFamily="49" charset="0"/>
+            </a:endParaRPr>
+          </a:p>
+          <a:p>
+            <a:pPr>
+              <a:lnSpc>
+                <a:spcPct val="150000"/>
+              </a:lnSpc>
+            </a:pPr>
+            <a:r>
+              <a:rPr lang="ru-RU" sz="2400" b="1" dirty="0">
+                <a:latin typeface="Courier New" panose="02070309020205020404" pitchFamily="49" charset="0"/>
+                <a:cs typeface="Courier New" panose="02070309020205020404" pitchFamily="49" charset="0"/>
+              </a:rPr>
+              <a:t>Клиентская часть:</a:t>
+            </a:r>
+          </a:p>
+          <a:p>
+            <a:pPr marL="800100" lvl="1" indent="-342900">
+              <a:lnSpc>
+                <a:spcPct val="150000"/>
+              </a:lnSpc>
+              <a:buFont typeface="Arial" panose="020B0604020202020204" pitchFamily="34" charset="0"/>
+              <a:buChar char="•"/>
+            </a:pPr>
+            <a:r>
+              <a:rPr lang="ru-RU" sz="2400" dirty="0">
+                <a:latin typeface="Courier New" panose="02070309020205020404" pitchFamily="49" charset="0"/>
+                <a:cs typeface="Courier New" panose="02070309020205020404" pitchFamily="49" charset="0"/>
+              </a:rPr>
+              <a:t>Любое приложение, способное совершать </a:t>
+            </a:r>
+            <a:r>
+              <a:rPr lang="en-US" sz="2400" dirty="0">
+                <a:latin typeface="Courier New" panose="02070309020205020404" pitchFamily="49" charset="0"/>
+                <a:cs typeface="Courier New" panose="02070309020205020404" pitchFamily="49" charset="0"/>
+              </a:rPr>
+              <a:t>http </a:t>
+            </a:r>
+            <a:r>
+              <a:rPr lang="ru-RU" sz="2400" dirty="0">
+                <a:latin typeface="Courier New" panose="02070309020205020404" pitchFamily="49" charset="0"/>
+                <a:cs typeface="Courier New" panose="02070309020205020404" pitchFamily="49" charset="0"/>
+              </a:rPr>
+              <a:t>запросы</a:t>
+            </a:r>
+          </a:p>
+          <a:p>
+            <a:pPr marL="800100" lvl="1" indent="-342900">
+              <a:lnSpc>
+                <a:spcPct val="150000"/>
+              </a:lnSpc>
+              <a:buFont typeface="Arial" panose="020B0604020202020204" pitchFamily="34" charset="0"/>
+              <a:buChar char="•"/>
+            </a:pPr>
+            <a:r>
+              <a:rPr lang="ru-RU" sz="2400" dirty="0">
+                <a:latin typeface="Courier New" panose="02070309020205020404" pitchFamily="49" charset="0"/>
+                <a:cs typeface="Courier New" panose="02070309020205020404" pitchFamily="49" charset="0"/>
+              </a:rPr>
+              <a:t>Графический пользовательский интерфейс:</a:t>
+            </a:r>
+          </a:p>
+          <a:p>
+            <a:pPr marL="1257300" lvl="2" indent="-342900">
+              <a:lnSpc>
+                <a:spcPct val="150000"/>
+              </a:lnSpc>
+              <a:buFont typeface="Wingdings" panose="05000000000000000000" pitchFamily="2" charset="2"/>
+              <a:buChar char="§"/>
+            </a:pPr>
+            <a:r>
+              <a:rPr lang="en-US" sz="2000" dirty="0">
+                <a:latin typeface="Courier New" panose="02070309020205020404" pitchFamily="49" charset="0"/>
+                <a:cs typeface="Courier New" panose="02070309020205020404" pitchFamily="49" charset="0"/>
+              </a:rPr>
+              <a:t>JavaScript framework </a:t>
+            </a:r>
+            <a:r>
+              <a:rPr lang="en-US" sz="2000" b="1" dirty="0">
+                <a:latin typeface="Courier New" panose="02070309020205020404" pitchFamily="49" charset="0"/>
+                <a:cs typeface="Courier New" panose="02070309020205020404" pitchFamily="49" charset="0"/>
+              </a:rPr>
+              <a:t>Vue.js</a:t>
+            </a:r>
+          </a:p>
+          <a:p>
+            <a:pPr marL="1257300" lvl="2" indent="-342900">
+              <a:lnSpc>
+                <a:spcPct val="150000"/>
+              </a:lnSpc>
+              <a:buFont typeface="Wingdings" panose="05000000000000000000" pitchFamily="2" charset="2"/>
+              <a:buChar char="§"/>
+            </a:pPr>
+            <a:r>
+              <a:rPr lang="en-US" sz="2000" dirty="0">
+                <a:latin typeface="Courier New" panose="02070309020205020404" pitchFamily="49" charset="0"/>
+                <a:cs typeface="Courier New" panose="02070309020205020404" pitchFamily="49" charset="0"/>
+              </a:rPr>
+              <a:t>HTML </a:t>
+            </a:r>
+            <a:r>
+              <a:rPr lang="ru-RU" sz="2000" dirty="0">
+                <a:latin typeface="Courier New" panose="02070309020205020404" pitchFamily="49" charset="0"/>
+                <a:cs typeface="Courier New" panose="02070309020205020404" pitchFamily="49" charset="0"/>
+              </a:rPr>
+              <a:t>и </a:t>
+            </a:r>
+            <a:r>
+              <a:rPr lang="en-US" sz="2000" dirty="0">
+                <a:latin typeface="Courier New" panose="02070309020205020404" pitchFamily="49" charset="0"/>
+                <a:cs typeface="Courier New" panose="02070309020205020404" pitchFamily="49" charset="0"/>
+              </a:rPr>
+              <a:t>CSS</a:t>
+            </a:r>
+          </a:p>
+          <a:p>
+            <a:endParaRPr lang="en-US" dirty="0"/>
+          </a:p>
+        </p:txBody>
+      </p:sp>
+    </p:spTree>
+    <p:extLst>
+      <p:ext uri="{BB962C8B-B14F-4D97-AF65-F5344CB8AC3E}">
+        <p14:creationId xmlns:p14="http://schemas.microsoft.com/office/powerpoint/2010/main" val="4053716737"/>
+      </p:ext>
+    </p:extLst>
+  </p:cSld>
+  <p:clrMapOvr>
+    <a:masterClrMapping/>
+  </p:clrMapOvr>
+  <p:timing>
+    <p:tnLst>
+      <p:par>
+        <p:cTn id="1" dur="indefinite" restart="never" nodeType="tmRoot"/>
+      </p:par>
+    </p:tnLst>
+  </p:timing>
+</p:sld>
+</file>
+
 <file path=ppt/theme/theme1.xml><?xml version="1.0" encoding="utf-8"?>
 <a:theme xmlns:a="http://schemas.openxmlformats.org/drawingml/2006/main" name="Тема Office">
   <a:themeElements>

--- a/docs/Презентация ВКР.pptx
+++ b/docs/Презентация ВКР.pptx
@@ -5,7 +5,7 @@
     <p:sldMasterId id="2147483842" r:id="rId1"/>
   </p:sldMasterIdLst>
   <p:notesMasterIdLst>
-    <p:notesMasterId r:id="rId16"/>
+    <p:notesMasterId r:id="rId15"/>
   </p:notesMasterIdLst>
   <p:sldIdLst>
     <p:sldId id="256" r:id="rId2"/>
@@ -21,7 +21,6 @@
     <p:sldId id="273" r:id="rId12"/>
     <p:sldId id="272" r:id="rId13"/>
     <p:sldId id="277" r:id="rId14"/>
-    <p:sldId id="279" r:id="rId15"/>
   </p:sldIdLst>
   <p:sldSz cx="12192000" cy="6858000"/>
   <p:notesSz cx="6858000" cy="9144000"/>
@@ -140,20 +139,6 @@
 </p:cmAuthorLst>
 </file>
 
-<file path=ppt/comments/comment1.xml><?xml version="1.0" encoding="utf-8"?>
-<p:cmLst xmlns:a="http://schemas.openxmlformats.org/drawingml/2006/main" xmlns:r="http://schemas.openxmlformats.org/officeDocument/2006/relationships" xmlns:p="http://schemas.openxmlformats.org/presentationml/2006/main">
-  <p:cm authorId="1" dt="2020-06-17T21:02:00.419" idx="3">
-    <p:pos x="10" y="10"/>
-    <p:text>Может как-то сократить?</p:text>
-    <p:extLst>
-      <p:ext uri="{C676402C-5697-4E1C-873F-D02D1690AC5C}">
-        <p15:threadingInfo xmlns:p15="http://schemas.microsoft.com/office/powerpoint/2012/main" timeZoneBias="-180"/>
-      </p:ext>
-    </p:extLst>
-  </p:cm>
-</p:cmLst>
-</file>
-
 <file path=ppt/diagrams/colors1.xml><?xml version="1.0" encoding="utf-8"?>
 <dgm:colorsDef xmlns:dgm="http://schemas.openxmlformats.org/drawingml/2006/diagram" xmlns:a="http://schemas.openxmlformats.org/drawingml/2006/main" uniqueId="urn:microsoft.com/office/officeart/2005/8/colors/accent0_2">
   <dgm:title val=""/>
@@ -1788,19 +1773,8 @@
               <a:latin typeface="Courier New" panose="02070309020205020404" pitchFamily="49" charset="0"/>
               <a:cs typeface="Courier New" panose="02070309020205020404" pitchFamily="49" charset="0"/>
             </a:rPr>
-            <a:t>Исходный </a:t>
+            <a:t>Исходный код</a:t>
           </a:r>
-          <a:r>
-            <a:rPr lang="ru-RU" sz="1100" dirty="0" smtClean="0">
-              <a:latin typeface="Courier New" panose="02070309020205020404" pitchFamily="49" charset="0"/>
-              <a:cs typeface="Courier New" panose="02070309020205020404" pitchFamily="49" charset="0"/>
-            </a:rPr>
-            <a:t>код</a:t>
-          </a:r>
-          <a:endParaRPr lang="ru-RU" sz="1100" dirty="0" smtClean="0">
-            <a:latin typeface="Courier New" panose="02070309020205020404" pitchFamily="49" charset="0"/>
-            <a:cs typeface="Courier New" panose="02070309020205020404" pitchFamily="49" charset="0"/>
-          </a:endParaRPr>
         </a:p>
         <a:p>
           <a:pPr algn="l"/>
@@ -2165,19 +2139,8 @@
               <a:latin typeface="Courier New" panose="02070309020205020404" pitchFamily="49" charset="0"/>
               <a:cs typeface="Courier New" panose="02070309020205020404" pitchFamily="49" charset="0"/>
             </a:rPr>
-            <a:t>Исходный </a:t>
+            <a:t>Исходный код</a:t>
           </a:r>
-          <a:r>
-            <a:rPr lang="ru-RU" sz="1200" dirty="0" smtClean="0">
-              <a:latin typeface="Courier New" panose="02070309020205020404" pitchFamily="49" charset="0"/>
-              <a:cs typeface="Courier New" panose="02070309020205020404" pitchFamily="49" charset="0"/>
-            </a:rPr>
-            <a:t>код</a:t>
-          </a:r>
-          <a:endParaRPr lang="ru-RU" sz="1200" dirty="0" smtClean="0">
-            <a:latin typeface="Courier New" panose="02070309020205020404" pitchFamily="49" charset="0"/>
-            <a:cs typeface="Courier New" panose="02070309020205020404" pitchFamily="49" charset="0"/>
-          </a:endParaRPr>
         </a:p>
         <a:p>
           <a:pPr algn="l"/>
@@ -2407,14 +2370,7 @@
               <a:latin typeface="Courier New" panose="02070309020205020404" pitchFamily="49" charset="0"/>
               <a:cs typeface="Courier New" panose="02070309020205020404" pitchFamily="49" charset="0"/>
             </a:rPr>
-            <a:t>Машинный </a:t>
-          </a:r>
-          <a:r>
-            <a:rPr lang="ru-RU" sz="1100" dirty="0" smtClean="0">
-              <a:latin typeface="Courier New" panose="02070309020205020404" pitchFamily="49" charset="0"/>
-              <a:cs typeface="Courier New" panose="02070309020205020404" pitchFamily="49" charset="0"/>
-            </a:rPr>
-            <a:t>код</a:t>
+            <a:t>Машинный код</a:t>
           </a:r>
           <a:endParaRPr lang="ru-RU" sz="1100" dirty="0" smtClean="0">
             <a:solidFill>
@@ -2717,19 +2673,8 @@
               <a:latin typeface="Courier New" panose="02070309020205020404" pitchFamily="49" charset="0"/>
               <a:cs typeface="Courier New" panose="02070309020205020404" pitchFamily="49" charset="0"/>
             </a:rPr>
-            <a:t>Исходный </a:t>
+            <a:t>Исходный код</a:t>
           </a:r>
-          <a:r>
-            <a:rPr lang="ru-RU" sz="1100" kern="1200" dirty="0" smtClean="0">
-              <a:latin typeface="Courier New" panose="02070309020205020404" pitchFamily="49" charset="0"/>
-              <a:cs typeface="Courier New" panose="02070309020205020404" pitchFamily="49" charset="0"/>
-            </a:rPr>
-            <a:t>код</a:t>
-          </a:r>
-          <a:endParaRPr lang="ru-RU" sz="1100" kern="1200" dirty="0" smtClean="0">
-            <a:latin typeface="Courier New" panose="02070309020205020404" pitchFamily="49" charset="0"/>
-            <a:cs typeface="Courier New" panose="02070309020205020404" pitchFamily="49" charset="0"/>
-          </a:endParaRPr>
         </a:p>
         <a:p>
           <a:pPr lvl="0" algn="l" defTabSz="488950">
@@ -3253,19 +3198,8 @@
               <a:latin typeface="Courier New" panose="02070309020205020404" pitchFamily="49" charset="0"/>
               <a:cs typeface="Courier New" panose="02070309020205020404" pitchFamily="49" charset="0"/>
             </a:rPr>
-            <a:t>Исходный </a:t>
+            <a:t>Исходный код</a:t>
           </a:r>
-          <a:r>
-            <a:rPr lang="ru-RU" sz="1200" kern="1200" dirty="0" smtClean="0">
-              <a:latin typeface="Courier New" panose="02070309020205020404" pitchFamily="49" charset="0"/>
-              <a:cs typeface="Courier New" panose="02070309020205020404" pitchFamily="49" charset="0"/>
-            </a:rPr>
-            <a:t>код</a:t>
-          </a:r>
-          <a:endParaRPr lang="ru-RU" sz="1200" kern="1200" dirty="0" smtClean="0">
-            <a:latin typeface="Courier New" panose="02070309020205020404" pitchFamily="49" charset="0"/>
-            <a:cs typeface="Courier New" panose="02070309020205020404" pitchFamily="49" charset="0"/>
-          </a:endParaRPr>
         </a:p>
         <a:p>
           <a:pPr lvl="0" algn="l" defTabSz="533400">
@@ -3749,14 +3683,7 @@
               <a:latin typeface="Courier New" panose="02070309020205020404" pitchFamily="49" charset="0"/>
               <a:cs typeface="Courier New" panose="02070309020205020404" pitchFamily="49" charset="0"/>
             </a:rPr>
-            <a:t>Машинный </a:t>
-          </a:r>
-          <a:r>
-            <a:rPr lang="ru-RU" sz="1100" kern="1200" dirty="0" smtClean="0">
-              <a:latin typeface="Courier New" panose="02070309020205020404" pitchFamily="49" charset="0"/>
-              <a:cs typeface="Courier New" panose="02070309020205020404" pitchFamily="49" charset="0"/>
-            </a:rPr>
-            <a:t>код</a:t>
+            <a:t>Машинный код</a:t>
           </a:r>
           <a:endParaRPr lang="ru-RU" sz="1100" kern="1200" dirty="0" smtClean="0">
             <a:solidFill>
@@ -6424,7 +6351,7 @@
           <a:p>
             <a:fld id="{866795EF-B5F3-41B8-8955-C946C1B25F38}" type="datetimeFigureOut">
               <a:rPr lang="en-US" smtClean="0"/>
-              <a:t>6/17/2020</a:t>
+              <a:t>6/18/2020</a:t>
             </a:fld>
             <a:endParaRPr lang="en-US" dirty="0"/>
           </a:p>
@@ -6823,7 +6750,7 @@
           <a:p>
             <a:fld id="{8A5229FB-8832-4A27-994F-F3EDC38C3527}" type="datetimeFigureOut">
               <a:rPr lang="en-US" smtClean="0"/>
-              <a:t>6/17/2020</a:t>
+              <a:t>6/18/2020</a:t>
             </a:fld>
             <a:endParaRPr lang="en-US" dirty="0"/>
           </a:p>
@@ -6993,7 +6920,7 @@
           <a:p>
             <a:fld id="{8A5229FB-8832-4A27-994F-F3EDC38C3527}" type="datetimeFigureOut">
               <a:rPr lang="en-US" smtClean="0"/>
-              <a:t>6/17/2020</a:t>
+              <a:t>6/18/2020</a:t>
             </a:fld>
             <a:endParaRPr lang="en-US" dirty="0"/>
           </a:p>
@@ -7173,7 +7100,7 @@
           <a:p>
             <a:fld id="{8A5229FB-8832-4A27-994F-F3EDC38C3527}" type="datetimeFigureOut">
               <a:rPr lang="en-US" smtClean="0"/>
-              <a:t>6/17/2020</a:t>
+              <a:t>6/18/2020</a:t>
             </a:fld>
             <a:endParaRPr lang="en-US" dirty="0"/>
           </a:p>
@@ -7343,7 +7270,7 @@
           <a:p>
             <a:fld id="{8A5229FB-8832-4A27-994F-F3EDC38C3527}" type="datetimeFigureOut">
               <a:rPr lang="en-US" smtClean="0"/>
-              <a:t>6/17/2020</a:t>
+              <a:t>6/18/2020</a:t>
             </a:fld>
             <a:endParaRPr lang="en-US" dirty="0"/>
           </a:p>
@@ -7589,7 +7516,7 @@
           <a:p>
             <a:fld id="{8A5229FB-8832-4A27-994F-F3EDC38C3527}" type="datetimeFigureOut">
               <a:rPr lang="en-US" smtClean="0"/>
-              <a:t>6/17/2020</a:t>
+              <a:t>6/18/2020</a:t>
             </a:fld>
             <a:endParaRPr lang="en-US" dirty="0"/>
           </a:p>
@@ -7821,7 +7748,7 @@
           <a:p>
             <a:fld id="{8A5229FB-8832-4A27-994F-F3EDC38C3527}" type="datetimeFigureOut">
               <a:rPr lang="en-US" smtClean="0"/>
-              <a:t>6/17/2020</a:t>
+              <a:t>6/18/2020</a:t>
             </a:fld>
             <a:endParaRPr lang="en-US" dirty="0"/>
           </a:p>
@@ -8188,7 +8115,7 @@
           <a:p>
             <a:fld id="{8A5229FB-8832-4A27-994F-F3EDC38C3527}" type="datetimeFigureOut">
               <a:rPr lang="en-US" smtClean="0"/>
-              <a:t>6/17/2020</a:t>
+              <a:t>6/18/2020</a:t>
             </a:fld>
             <a:endParaRPr lang="en-US" dirty="0"/>
           </a:p>
@@ -8306,7 +8233,7 @@
           <a:p>
             <a:fld id="{8A5229FB-8832-4A27-994F-F3EDC38C3527}" type="datetimeFigureOut">
               <a:rPr lang="en-US" smtClean="0"/>
-              <a:t>6/17/2020</a:t>
+              <a:t>6/18/2020</a:t>
             </a:fld>
             <a:endParaRPr lang="en-US" dirty="0"/>
           </a:p>
@@ -8401,7 +8328,7 @@
           <a:p>
             <a:fld id="{8A5229FB-8832-4A27-994F-F3EDC38C3527}" type="datetimeFigureOut">
               <a:rPr lang="en-US" smtClean="0"/>
-              <a:t>6/17/2020</a:t>
+              <a:t>6/18/2020</a:t>
             </a:fld>
             <a:endParaRPr lang="en-US" dirty="0"/>
           </a:p>
@@ -8678,7 +8605,7 @@
           <a:p>
             <a:fld id="{8A5229FB-8832-4A27-994F-F3EDC38C3527}" type="datetimeFigureOut">
               <a:rPr lang="en-US" smtClean="0"/>
-              <a:t>6/17/2020</a:t>
+              <a:t>6/18/2020</a:t>
             </a:fld>
             <a:endParaRPr lang="en-US" dirty="0"/>
           </a:p>
@@ -8931,7 +8858,7 @@
           <a:p>
             <a:fld id="{8A5229FB-8832-4A27-994F-F3EDC38C3527}" type="datetimeFigureOut">
               <a:rPr lang="en-US" smtClean="0"/>
-              <a:t>6/17/2020</a:t>
+              <a:t>6/18/2020</a:t>
             </a:fld>
             <a:endParaRPr lang="en-US" dirty="0"/>
           </a:p>
@@ -9144,7 +9071,7 @@
           <a:p>
             <a:fld id="{8A5229FB-8832-4A27-994F-F3EDC38C3527}" type="datetimeFigureOut">
               <a:rPr lang="en-US" smtClean="0"/>
-              <a:t>6/17/2020</a:t>
+              <a:t>6/18/2020</a:t>
             </a:fld>
             <a:endParaRPr lang="en-US" dirty="0"/>
           </a:p>
@@ -10255,14 +10182,7 @@
                 <a:latin typeface="Courier New" panose="02070309020205020404" pitchFamily="49" charset="0"/>
                 <a:cs typeface="Courier New" panose="02070309020205020404" pitchFamily="49" charset="0"/>
               </a:rPr>
-              <a:t>Ссылка </a:t>
-            </a:r>
-            <a:r>
-              <a:rPr lang="ru-RU" sz="2000" b="1" dirty="0" smtClean="0">
-                <a:latin typeface="Courier New" panose="02070309020205020404" pitchFamily="49" charset="0"/>
-                <a:cs typeface="Courier New" panose="02070309020205020404" pitchFamily="49" charset="0"/>
-              </a:rPr>
-              <a:t>на демонстративную версию </a:t>
+              <a:t>Ссылка на демонстративную версию </a:t>
             </a:r>
             <a:r>
               <a:rPr lang="en-US" sz="2000" b="1" dirty="0" smtClean="0">
@@ -10863,95 +10783,6 @@
 </p:sld>
 </file>
 
-<file path=ppt/slides/slide14.xml><?xml version="1.0" encoding="utf-8"?>
-<p:sld xmlns:a="http://schemas.openxmlformats.org/drawingml/2006/main" xmlns:r="http://schemas.openxmlformats.org/officeDocument/2006/relationships" xmlns:p="http://schemas.openxmlformats.org/presentationml/2006/main">
-  <p:cSld>
-    <p:bg>
-      <p:bgPr>
-        <a:pattFill prst="pct10">
-          <a:fgClr>
-            <a:schemeClr val="accent1">
-              <a:lumMod val="60000"/>
-              <a:lumOff val="40000"/>
-            </a:schemeClr>
-          </a:fgClr>
-          <a:bgClr>
-            <a:schemeClr val="bg1"/>
-          </a:bgClr>
-        </a:pattFill>
-        <a:effectLst/>
-      </p:bgPr>
-    </p:bg>
-    <p:spTree>
-      <p:nvGrpSpPr>
-        <p:cNvPr id="1" name=""/>
-        <p:cNvGrpSpPr/>
-        <p:nvPr/>
-      </p:nvGrpSpPr>
-      <p:grpSpPr>
-        <a:xfrm>
-          <a:off x="0" y="0"/>
-          <a:ext cx="0" cy="0"/>
-          <a:chOff x="0" y="0"/>
-          <a:chExt cx="0" cy="0"/>
-        </a:xfrm>
-      </p:grpSpPr>
-      <p:sp>
-        <p:nvSpPr>
-          <p:cNvPr id="3" name="TextBox 2"/>
-          <p:cNvSpPr txBox="1"/>
-          <p:nvPr/>
-        </p:nvSpPr>
-        <p:spPr>
-          <a:xfrm>
-            <a:off x="1121790" y="2686639"/>
-            <a:ext cx="10388338" cy="1107996"/>
-          </a:xfrm>
-          <a:prstGeom prst="rect">
-            <a:avLst/>
-          </a:prstGeom>
-          <a:noFill/>
-        </p:spPr>
-        <p:txBody>
-          <a:bodyPr wrap="square" rtlCol="0">
-            <a:spAutoFit/>
-          </a:bodyPr>
-          <a:lstStyle/>
-          <a:p>
-            <a:r>
-              <a:rPr lang="ru-RU" sz="6600" b="1" dirty="0" smtClean="0">
-                <a:latin typeface="Courier New" panose="02070309020205020404" pitchFamily="49" charset="0"/>
-                <a:cs typeface="Courier New" panose="02070309020205020404" pitchFamily="49" charset="0"/>
-              </a:rPr>
-              <a:t>Спасибо за внимание!</a:t>
-            </a:r>
-            <a:endParaRPr lang="en-US" sz="6600" b="1" dirty="0">
-              <a:latin typeface="Courier New" panose="02070309020205020404" pitchFamily="49" charset="0"/>
-              <a:cs typeface="Courier New" panose="02070309020205020404" pitchFamily="49" charset="0"/>
-            </a:endParaRPr>
-          </a:p>
-        </p:txBody>
-      </p:sp>
-    </p:spTree>
-    <p:extLst>
-      <p:ext uri="{BB962C8B-B14F-4D97-AF65-F5344CB8AC3E}">
-        <p14:creationId xmlns:p14="http://schemas.microsoft.com/office/powerpoint/2010/main" val="541023994"/>
-      </p:ext>
-    </p:extLst>
-  </p:cSld>
-  <p:clrMapOvr>
-    <a:masterClrMapping/>
-  </p:clrMapOvr>
-  <p:timing>
-    <p:tnLst>
-      <p:par>
-        <p:cTn id="1" dur="indefinite" restart="never" nodeType="tmRoot"/>
-      </p:par>
-    </p:tnLst>
-  </p:timing>
-</p:sld>
-</file>
-
 <file path=ppt/slides/slide2.xml><?xml version="1.0" encoding="utf-8"?>
 <p:sld xmlns:a="http://schemas.openxmlformats.org/drawingml/2006/main" xmlns:r="http://schemas.openxmlformats.org/officeDocument/2006/relationships" xmlns:p="http://schemas.openxmlformats.org/presentationml/2006/main">
   <p:cSld>
@@ -11189,8 +11020,8 @@
         </p:nvSpPr>
         <p:spPr>
           <a:xfrm>
-            <a:off x="734785" y="1133767"/>
-            <a:ext cx="10758876" cy="5539978"/>
+            <a:off x="734785" y="994244"/>
+            <a:ext cx="10758876" cy="5416868"/>
           </a:xfrm>
           <a:prstGeom prst="rect">
             <a:avLst/>
@@ -11327,8 +11158,19 @@
                 <a:latin typeface="Courier New" panose="02070309020205020404" pitchFamily="49" charset="0"/>
                 <a:cs typeface="Courier New" panose="02070309020205020404" pitchFamily="49" charset="0"/>
               </a:rPr>
-              <a:t>Поставленные задачи:</a:t>
-            </a:r>
+              <a:t>Поставленные задачи</a:t>
+            </a:r>
+            <a:r>
+              <a:rPr lang="ru-RU" sz="2400" b="1" dirty="0" smtClean="0">
+                <a:latin typeface="Courier New" panose="02070309020205020404" pitchFamily="49" charset="0"/>
+                <a:cs typeface="Courier New" panose="02070309020205020404" pitchFamily="49" charset="0"/>
+              </a:rPr>
+              <a:t>:</a:t>
+            </a:r>
+            <a:endParaRPr lang="en-US" sz="2400" b="1" dirty="0" smtClean="0">
+              <a:latin typeface="Courier New" panose="02070309020205020404" pitchFamily="49" charset="0"/>
+              <a:cs typeface="Courier New" panose="02070309020205020404" pitchFamily="49" charset="0"/>
+            </a:endParaRPr>
           </a:p>
           <a:p>
             <a:pPr marL="342900" indent="-342900">
@@ -11336,28 +11178,52 @@
               <a:buChar char="•"/>
             </a:pPr>
             <a:r>
-              <a:rPr lang="ru-RU" sz="2400" dirty="0" smtClean="0">
+              <a:rPr lang="ru-RU" sz="2000" dirty="0" smtClean="0">
+                <a:latin typeface="Courier New" panose="02070309020205020404" pitchFamily="49" charset="0"/>
+                <a:cs typeface="Courier New" panose="02070309020205020404" pitchFamily="49" charset="0"/>
+              </a:rPr>
+              <a:t>Исследовать </a:t>
+            </a:r>
+            <a:r>
+              <a:rPr lang="ru-RU" sz="2000" dirty="0">
+                <a:latin typeface="Courier New" panose="02070309020205020404" pitchFamily="49" charset="0"/>
+                <a:cs typeface="Courier New" panose="02070309020205020404" pitchFamily="49" charset="0"/>
+              </a:rPr>
+              <a:t>основные принципы функционирования систем веб-шаблонов</a:t>
+            </a:r>
+            <a:endParaRPr lang="ru-RU" sz="2000" dirty="0">
+              <a:latin typeface="Courier New" panose="02070309020205020404" pitchFamily="49" charset="0"/>
+              <a:cs typeface="Courier New" panose="02070309020205020404" pitchFamily="49" charset="0"/>
+            </a:endParaRPr>
+          </a:p>
+          <a:p>
+            <a:pPr marL="342900" indent="-342900">
+              <a:buFont typeface="Arial" panose="020B0604020202020204" pitchFamily="34" charset="0"/>
+              <a:buChar char="•"/>
+            </a:pPr>
+            <a:r>
+              <a:rPr lang="ru-RU" sz="2000" dirty="0" smtClean="0">
                 <a:latin typeface="Courier New" panose="02070309020205020404" pitchFamily="49" charset="0"/>
                 <a:cs typeface="Courier New" panose="02070309020205020404" pitchFamily="49" charset="0"/>
               </a:rPr>
               <a:t>Проанализировать </a:t>
             </a:r>
             <a:r>
-              <a:rPr lang="ru-RU" sz="2400" dirty="0">
+              <a:rPr lang="ru-RU" sz="2000" dirty="0">
                 <a:latin typeface="Courier New" panose="02070309020205020404" pitchFamily="49" charset="0"/>
                 <a:cs typeface="Courier New" panose="02070309020205020404" pitchFamily="49" charset="0"/>
               </a:rPr>
               <a:t>существующие </a:t>
             </a:r>
             <a:r>
-              <a:rPr lang="ru-RU" sz="2400" dirty="0" smtClean="0">
+              <a:rPr lang="ru-RU" sz="2000" dirty="0" smtClean="0">
                 <a:latin typeface="Courier New" panose="02070309020205020404" pitchFamily="49" charset="0"/>
                 <a:cs typeface="Courier New" panose="02070309020205020404" pitchFamily="49" charset="0"/>
               </a:rPr>
               <a:t>решения для выявления </a:t>
             </a:r>
             <a:r>
-              <a:rPr lang="ru-RU" sz="2400" dirty="0">
+              <a:rPr lang="ru-RU" sz="2000" dirty="0">
                 <a:latin typeface="Courier New" panose="02070309020205020404" pitchFamily="49" charset="0"/>
                 <a:cs typeface="Courier New" panose="02070309020205020404" pitchFamily="49" charset="0"/>
               </a:rPr>
@@ -11370,21 +11236,21 @@
               <a:buChar char="•"/>
             </a:pPr>
             <a:r>
-              <a:rPr lang="ru-RU" sz="2400" dirty="0">
+              <a:rPr lang="ru-RU" sz="2000" dirty="0">
                 <a:latin typeface="Courier New" panose="02070309020205020404" pitchFamily="49" charset="0"/>
                 <a:cs typeface="Courier New" panose="02070309020205020404" pitchFamily="49" charset="0"/>
               </a:rPr>
               <a:t>Исследовать причины возникновения </a:t>
             </a:r>
             <a:r>
-              <a:rPr lang="ru-RU" sz="2400" dirty="0" smtClean="0">
+              <a:rPr lang="ru-RU" sz="2000" dirty="0" smtClean="0">
                 <a:latin typeface="Courier New" panose="02070309020205020404" pitchFamily="49" charset="0"/>
                 <a:cs typeface="Courier New" panose="02070309020205020404" pitchFamily="49" charset="0"/>
               </a:rPr>
               <a:t>проблем </a:t>
             </a:r>
             <a:r>
-              <a:rPr lang="ru-RU" sz="2400" dirty="0">
+              <a:rPr lang="ru-RU" sz="2000" dirty="0">
                 <a:latin typeface="Courier New" panose="02070309020205020404" pitchFamily="49" charset="0"/>
                 <a:cs typeface="Courier New" panose="02070309020205020404" pitchFamily="49" charset="0"/>
               </a:rPr>
@@ -11397,7 +11263,7 @@
               <a:buChar char="•"/>
             </a:pPr>
             <a:r>
-              <a:rPr lang="ru-RU" sz="2400" dirty="0">
+              <a:rPr lang="ru-RU" sz="2000" dirty="0">
                 <a:latin typeface="Courier New" panose="02070309020205020404" pitchFamily="49" charset="0"/>
                 <a:cs typeface="Courier New" panose="02070309020205020404" pitchFamily="49" charset="0"/>
               </a:rPr>
@@ -11410,19 +11276,16 @@
               <a:buChar char="•"/>
             </a:pPr>
             <a:r>
-              <a:rPr lang="ru-RU" sz="2400" dirty="0">
+              <a:rPr lang="ru-RU" sz="2000" dirty="0">
                 <a:latin typeface="Courier New" panose="02070309020205020404" pitchFamily="49" charset="0"/>
                 <a:cs typeface="Courier New" panose="02070309020205020404" pitchFamily="49" charset="0"/>
               </a:rPr>
-              <a:t>Применить разработанные </a:t>
-            </a:r>
-            <a:r>
-              <a:rPr lang="ru-RU" sz="2400" dirty="0" smtClean="0">
-                <a:latin typeface="Courier New" panose="02070309020205020404" pitchFamily="49" charset="0"/>
-                <a:cs typeface="Courier New" panose="02070309020205020404" pitchFamily="49" charset="0"/>
-              </a:rPr>
-              <a:t>найденные методы при разработке. </a:t>
-            </a:r>
+              <a:t>Применить разработанные методы на практике, разработав высокопроизводительную систему веб-шаблонов. </a:t>
+            </a:r>
+            <a:endParaRPr lang="ru-RU" sz="2000" dirty="0" smtClean="0">
+              <a:latin typeface="Courier New" panose="02070309020205020404" pitchFamily="49" charset="0"/>
+              <a:cs typeface="Courier New" panose="02070309020205020404" pitchFamily="49" charset="0"/>
+            </a:endParaRPr>
           </a:p>
           <a:p>
             <a:endParaRPr lang="ru-RU" sz="2200" dirty="0">
@@ -11581,14 +11444,7 @@
                 <a:latin typeface="Courier New" panose="02070309020205020404" pitchFamily="49" charset="0"/>
                 <a:cs typeface="Courier New" panose="02070309020205020404" pitchFamily="49" charset="0"/>
               </a:rPr>
-              <a:t> Наличие </a:t>
-            </a:r>
-            <a:r>
-              <a:rPr lang="ru-RU" sz="2800" dirty="0" smtClean="0">
-                <a:latin typeface="Courier New" panose="02070309020205020404" pitchFamily="49" charset="0"/>
-                <a:cs typeface="Courier New" panose="02070309020205020404" pitchFamily="49" charset="0"/>
-              </a:rPr>
-              <a:t>механизмов </a:t>
+              <a:t> Наличие механизмов </a:t>
             </a:r>
             <a:r>
               <a:rPr lang="ru-RU" sz="2800" b="1" dirty="0" smtClean="0">
@@ -11634,14 +11490,7 @@
                 <a:latin typeface="Courier New" panose="02070309020205020404" pitchFamily="49" charset="0"/>
                 <a:cs typeface="Courier New" panose="02070309020205020404" pitchFamily="49" charset="0"/>
               </a:rPr>
-              <a:t> Простой </a:t>
-            </a:r>
-            <a:r>
-              <a:rPr lang="ru-RU" sz="2800" dirty="0" smtClean="0">
-                <a:latin typeface="Courier New" panose="02070309020205020404" pitchFamily="49" charset="0"/>
-                <a:cs typeface="Courier New" panose="02070309020205020404" pitchFamily="49" charset="0"/>
-              </a:rPr>
-              <a:t>вычислительных ресурсов:</a:t>
+              <a:t> Простой вычислительных ресурсов:</a:t>
             </a:r>
           </a:p>
           <a:p>
@@ -11709,134 +11558,7 @@
   <p:timing>
     <p:tnLst>
       <p:par>
-        <p:cTn id="1" dur="indefinite" restart="never" nodeType="tmRoot">
-          <p:childTnLst>
-            <p:seq concurrent="1" nextAc="seek">
-              <p:cTn id="2" dur="indefinite" nodeType="mainSeq">
-                <p:childTnLst>
-                  <p:par>
-                    <p:cTn id="3" fill="hold">
-                      <p:stCondLst>
-                        <p:cond delay="indefinite"/>
-                      </p:stCondLst>
-                      <p:childTnLst>
-                        <p:par>
-                          <p:cTn id="4" fill="hold">
-                            <p:stCondLst>
-                              <p:cond delay="0"/>
-                            </p:stCondLst>
-                            <p:childTnLst>
-                              <p:par>
-                                <p:cTn id="5" presetID="26" presetClass="emph" presetSubtype="0" fill="hold" nodeType="clickEffect">
-                                  <p:stCondLst>
-                                    <p:cond delay="0"/>
-                                  </p:stCondLst>
-                                  <p:childTnLst>
-                                    <p:animEffect transition="out" filter="fade">
-                                      <p:cBhvr>
-                                        <p:cTn id="6" dur="1000" tmFilter="0, 0; .2, .5; .8, .5; 1, 0"/>
-                                        <p:tgtEl>
-                                          <p:spTgt spid="9">
-                                            <p:txEl>
-                                              <p:pRg st="0" end="0"/>
-                                            </p:txEl>
-                                          </p:spTgt>
-                                        </p:tgtEl>
-                                      </p:cBhvr>
-                                    </p:animEffect>
-                                    <p:animScale>
-                                      <p:cBhvr>
-                                        <p:cTn id="7" dur="500" autoRev="1" fill="hold"/>
-                                        <p:tgtEl>
-                                          <p:spTgt spid="9">
-                                            <p:txEl>
-                                              <p:pRg st="0" end="0"/>
-                                            </p:txEl>
-                                          </p:spTgt>
-                                        </p:tgtEl>
-                                      </p:cBhvr>
-                                      <p:by x="105000" y="105000"/>
-                                    </p:animScale>
-                                  </p:childTnLst>
-                                </p:cTn>
-                              </p:par>
-                            </p:childTnLst>
-                          </p:cTn>
-                        </p:par>
-                      </p:childTnLst>
-                    </p:cTn>
-                  </p:par>
-                  <p:par>
-                    <p:cTn id="8" fill="hold">
-                      <p:stCondLst>
-                        <p:cond delay="indefinite"/>
-                      </p:stCondLst>
-                      <p:childTnLst>
-                        <p:par>
-                          <p:cTn id="9" fill="hold">
-                            <p:stCondLst>
-                              <p:cond delay="0"/>
-                            </p:stCondLst>
-                            <p:childTnLst>
-                              <p:par>
-                                <p:cTn id="10" presetID="26" presetClass="emph" presetSubtype="0" fill="hold" nodeType="clickEffect">
-                                  <p:stCondLst>
-                                    <p:cond delay="0"/>
-                                  </p:stCondLst>
-                                  <p:childTnLst>
-                                    <p:animEffect transition="out" filter="fade">
-                                      <p:cBhvr>
-                                        <p:cTn id="11" dur="1000" tmFilter="0, 0; .2, .5; .8, .5; 1, 0"/>
-                                        <p:tgtEl>
-                                          <p:spTgt spid="9">
-                                            <p:txEl>
-                                              <p:pRg st="3" end="3"/>
-                                            </p:txEl>
-                                          </p:spTgt>
-                                        </p:tgtEl>
-                                      </p:cBhvr>
-                                    </p:animEffect>
-                                    <p:animScale>
-                                      <p:cBhvr>
-                                        <p:cTn id="12" dur="500" autoRev="1" fill="hold"/>
-                                        <p:tgtEl>
-                                          <p:spTgt spid="9">
-                                            <p:txEl>
-                                              <p:pRg st="3" end="3"/>
-                                            </p:txEl>
-                                          </p:spTgt>
-                                        </p:tgtEl>
-                                      </p:cBhvr>
-                                      <p:by x="105000" y="105000"/>
-                                    </p:animScale>
-                                  </p:childTnLst>
-                                </p:cTn>
-                              </p:par>
-                            </p:childTnLst>
-                          </p:cTn>
-                        </p:par>
-                      </p:childTnLst>
-                    </p:cTn>
-                  </p:par>
-                </p:childTnLst>
-              </p:cTn>
-              <p:prevCondLst>
-                <p:cond evt="onPrev" delay="0">
-                  <p:tgtEl>
-                    <p:sldTgt/>
-                  </p:tgtEl>
-                </p:cond>
-              </p:prevCondLst>
-              <p:nextCondLst>
-                <p:cond evt="onNext" delay="0">
-                  <p:tgtEl>
-                    <p:sldTgt/>
-                  </p:tgtEl>
-                </p:cond>
-              </p:nextCondLst>
-            </p:seq>
-          </p:childTnLst>
-        </p:cTn>
+        <p:cTn id="1" dur="indefinite" restart="never" nodeType="tmRoot"/>
       </p:par>
     </p:tnLst>
   </p:timing>
@@ -12332,7 +12054,14 @@
                 <a:latin typeface="Courier New" panose="02070309020205020404" pitchFamily="49" charset="0"/>
                 <a:cs typeface="Courier New" panose="02070309020205020404" pitchFamily="49" charset="0"/>
               </a:rPr>
-              <a:t>Использование парадигмы </a:t>
+              <a:t>Использование </a:t>
+            </a:r>
+            <a:r>
+              <a:rPr lang="ru-RU" sz="2400" dirty="0" smtClean="0">
+                <a:latin typeface="Courier New" panose="02070309020205020404" pitchFamily="49" charset="0"/>
+                <a:cs typeface="Courier New" panose="02070309020205020404" pitchFamily="49" charset="0"/>
+              </a:rPr>
+              <a:t>идиомы </a:t>
             </a:r>
             <a:r>
               <a:rPr lang="en-US" sz="2400" b="1" dirty="0" smtClean="0">
@@ -12378,6 +12107,24 @@
               </a:rPr>
               <a:t>LRU</a:t>
             </a:r>
+            <a:r>
+              <a:rPr lang="ru-RU" sz="2400" b="1" dirty="0" smtClean="0">
+                <a:latin typeface="Courier New" panose="02070309020205020404" pitchFamily="49" charset="0"/>
+                <a:cs typeface="Courier New" panose="02070309020205020404" pitchFamily="49" charset="0"/>
+              </a:rPr>
+              <a:t> или </a:t>
+            </a:r>
+            <a:r>
+              <a:rPr lang="en-US" sz="2400" b="1" dirty="0" smtClean="0">
+                <a:latin typeface="Courier New" panose="02070309020205020404" pitchFamily="49" charset="0"/>
+                <a:cs typeface="Courier New" panose="02070309020205020404" pitchFamily="49" charset="0"/>
+              </a:rPr>
+              <a:t>LFU</a:t>
+            </a:r>
+            <a:endParaRPr lang="en-US" sz="2400" b="1" dirty="0" smtClean="0">
+              <a:latin typeface="Courier New" panose="02070309020205020404" pitchFamily="49" charset="0"/>
+              <a:cs typeface="Courier New" panose="02070309020205020404" pitchFamily="49" charset="0"/>
+            </a:endParaRPr>
           </a:p>
           <a:p>
             <a:pPr marL="457200" indent="-457200">
@@ -12482,6 +12229,13 @@
   <p:clrMapOvr>
     <a:masterClrMapping/>
   </p:clrMapOvr>
+  <p:timing>
+    <p:tnLst>
+      <p:par>
+        <p:cTn id="1" dur="indefinite" restart="never" nodeType="tmRoot"/>
+      </p:par>
+    </p:tnLst>
+  </p:timing>
 </p:sld>
 </file>
 
@@ -13579,8 +13333,8 @@
         </p:nvSpPr>
         <p:spPr>
           <a:xfrm>
-            <a:off x="1248872" y="209084"/>
-            <a:ext cx="8386741" cy="646331"/>
+            <a:off x="752258" y="224849"/>
+            <a:ext cx="10488556" cy="646331"/>
           </a:xfrm>
           <a:prstGeom prst="rect">
             <a:avLst/>
@@ -13594,11 +13348,11 @@
           <a:lstStyle/>
           <a:p>
             <a:r>
-              <a:rPr lang="ru-RU" sz="3600" b="1" dirty="0" smtClean="0">
+              <a:rPr lang="ru-RU" sz="3600" b="1" dirty="0">
                 <a:latin typeface="Courier New" panose="02070309020205020404" pitchFamily="49" charset="0"/>
                 <a:cs typeface="Courier New" panose="02070309020205020404" pitchFamily="49" charset="0"/>
               </a:rPr>
-              <a:t>Модель работы веб-сервиса</a:t>
+              <a:t>Схема IDEF0 модели работы веб-сервиса</a:t>
             </a:r>
             <a:endParaRPr lang="en-US" sz="3600" b="1" dirty="0">
               <a:latin typeface="Courier New" panose="02070309020205020404" pitchFamily="49" charset="0"/>
@@ -13652,6 +13406,13 @@
   <p:clrMapOvr>
     <a:masterClrMapping/>
   </p:clrMapOvr>
+  <p:timing>
+    <p:tnLst>
+      <p:par>
+        <p:cTn id="1" dur="indefinite" restart="never" nodeType="tmRoot"/>
+      </p:par>
+    </p:tnLst>
+  </p:timing>
 </p:sld>
 </file>
 

--- a/docs/Презентация ВКР.pptx
+++ b/docs/Презентация ВКР.pptx
@@ -129,7 +129,7 @@
 
 <file path=ppt/commentAuthors.xml><?xml version="1.0" encoding="utf-8"?>
 <p:cmAuthorLst xmlns:a="http://schemas.openxmlformats.org/drawingml/2006/main" xmlns:r="http://schemas.openxmlformats.org/officeDocument/2006/relationships" xmlns:p="http://schemas.openxmlformats.org/presentationml/2006/main">
-  <p:cmAuthor id="1" name="bobur" initials="b" lastIdx="3" clrIdx="0">
+  <p:cmAuthor id="1" name="bobur" initials="b" lastIdx="4" clrIdx="0">
     <p:extLst>
       <p:ext uri="{19B8F6BF-5375-455C-9EA6-DF929625EA0E}">
         <p15:presenceInfo xmlns:p15="http://schemas.microsoft.com/office/powerpoint/2012/main" userId="bobur" providerId="None"/>
@@ -2106,7 +2106,7 @@
   <dgm:whole/>
   <dgm:extLst>
     <a:ext uri="http://schemas.microsoft.com/office/drawing/2008/diagram">
-      <dsp:dataModelExt xmlns:dsp="http://schemas.microsoft.com/office/drawing/2008/diagram" relId="rId6" minVer="http://schemas.openxmlformats.org/drawingml/2006/diagram"/>
+      <dsp:dataModelExt xmlns:dsp="http://schemas.microsoft.com/office/drawing/2008/diagram" relId="rId7" minVer="http://schemas.openxmlformats.org/drawingml/2006/diagram"/>
     </a:ext>
   </dgm:extLst>
 </dgm:dataModel>
@@ -2585,7 +2585,7 @@
   <dgm:whole/>
   <dgm:extLst>
     <a:ext uri="http://schemas.microsoft.com/office/drawing/2008/diagram">
-      <dsp:dataModelExt xmlns:dsp="http://schemas.microsoft.com/office/drawing/2008/diagram" relId="rId11" minVer="http://schemas.openxmlformats.org/drawingml/2006/diagram"/>
+      <dsp:dataModelExt xmlns:dsp="http://schemas.microsoft.com/office/drawing/2008/diagram" relId="rId12" minVer="http://schemas.openxmlformats.org/drawingml/2006/diagram"/>
     </a:ext>
   </dgm:extLst>
 </dgm:dataModel>
@@ -6351,7 +6351,7 @@
           <a:p>
             <a:fld id="{866795EF-B5F3-41B8-8955-C946C1B25F38}" type="datetimeFigureOut">
               <a:rPr lang="en-US" smtClean="0"/>
-              <a:t>6/18/2020</a:t>
+              <a:t>6/19/2020</a:t>
             </a:fld>
             <a:endParaRPr lang="en-US" dirty="0"/>
           </a:p>
@@ -6619,6 +6619,3264 @@
 </p:notesMaster>
 </file>
 
+<file path=ppt/notesSlides/notesSlide1.xml><?xml version="1.0" encoding="utf-8"?>
+<p:notes xmlns:a="http://schemas.openxmlformats.org/drawingml/2006/main" xmlns:r="http://schemas.openxmlformats.org/officeDocument/2006/relationships" xmlns:p="http://schemas.openxmlformats.org/presentationml/2006/main">
+  <p:cSld>
+    <p:spTree>
+      <p:nvGrpSpPr>
+        <p:cNvPr id="1" name=""/>
+        <p:cNvGrpSpPr/>
+        <p:nvPr/>
+      </p:nvGrpSpPr>
+      <p:grpSpPr>
+        <a:xfrm>
+          <a:off x="0" y="0"/>
+          <a:ext cx="0" cy="0"/>
+          <a:chOff x="0" y="0"/>
+          <a:chExt cx="0" cy="0"/>
+        </a:xfrm>
+      </p:grpSpPr>
+      <p:sp>
+        <p:nvSpPr>
+          <p:cNvPr id="2" name="Образ слайда 1"/>
+          <p:cNvSpPr>
+            <a:spLocks noGrp="1" noRot="1" noChangeAspect="1"/>
+          </p:cNvSpPr>
+          <p:nvPr>
+            <p:ph type="sldImg"/>
+          </p:nvPr>
+        </p:nvSpPr>
+        <p:spPr/>
+      </p:sp>
+      <p:sp>
+        <p:nvSpPr>
+          <p:cNvPr id="3" name="Заметки 2"/>
+          <p:cNvSpPr>
+            <a:spLocks noGrp="1"/>
+          </p:cNvSpPr>
+          <p:nvPr>
+            <p:ph type="body" idx="1"/>
+          </p:nvPr>
+        </p:nvSpPr>
+        <p:spPr/>
+        <p:txBody>
+          <a:bodyPr/>
+          <a:lstStyle/>
+          <a:p>
+            <a:pPr marL="0" marR="0" indent="0" algn="l" defTabSz="914400" rtl="0" eaLnBrk="1" fontAlgn="auto" latinLnBrk="0" hangingPunct="1">
+              <a:lnSpc>
+                <a:spcPct val="100000"/>
+              </a:lnSpc>
+              <a:spcBef>
+                <a:spcPts val="0"/>
+              </a:spcBef>
+              <a:spcAft>
+                <a:spcPts val="0"/>
+              </a:spcAft>
+              <a:buClrTx/>
+              <a:buSzTx/>
+              <a:buFontTx/>
+              <a:buNone/>
+              <a:tabLst/>
+              <a:defRPr/>
+            </a:pPr>
+            <a:r>
+              <a:rPr lang="ru-RU" sz="1200" kern="1200" dirty="0" smtClean="0">
+                <a:solidFill>
+                  <a:schemeClr val="tx1"/>
+                </a:solidFill>
+                <a:effectLst/>
+                <a:latin typeface="+mn-lt"/>
+                <a:ea typeface="+mn-ea"/>
+                <a:cs typeface="+mn-cs"/>
+              </a:rPr>
+              <a:t>Здравствуйте уважаемые члены государственной аттестационной комиссии, меня зовут Махмудов </a:t>
+            </a:r>
+            <a:r>
+              <a:rPr lang="ru-RU" sz="1200" kern="1200" dirty="0" err="1" smtClean="0">
+                <a:solidFill>
+                  <a:schemeClr val="tx1"/>
+                </a:solidFill>
+                <a:effectLst/>
+                <a:latin typeface="+mn-lt"/>
+                <a:ea typeface="+mn-ea"/>
+                <a:cs typeface="+mn-cs"/>
+              </a:rPr>
+              <a:t>Бабур</a:t>
+            </a:r>
+            <a:r>
+              <a:rPr lang="ru-RU" sz="1200" kern="1200" dirty="0" smtClean="0">
+                <a:solidFill>
+                  <a:schemeClr val="tx1"/>
+                </a:solidFill>
+                <a:effectLst/>
+                <a:latin typeface="+mn-lt"/>
+                <a:ea typeface="+mn-ea"/>
+                <a:cs typeface="+mn-cs"/>
+              </a:rPr>
+              <a:t>. Тема моей выпускной квалификационной работы – «исследование методов повышения производительности систем веб-шаблонов и разработка системы шаблонизации на их основе».</a:t>
+            </a:r>
+            <a:endParaRPr lang="en-US" sz="1200" kern="1200" dirty="0" smtClean="0">
+              <a:solidFill>
+                <a:schemeClr val="tx1"/>
+              </a:solidFill>
+              <a:effectLst/>
+              <a:latin typeface="+mn-lt"/>
+              <a:ea typeface="+mn-ea"/>
+              <a:cs typeface="+mn-cs"/>
+            </a:endParaRPr>
+          </a:p>
+          <a:p>
+            <a:endParaRPr lang="en-US" dirty="0"/>
+          </a:p>
+        </p:txBody>
+      </p:sp>
+      <p:sp>
+        <p:nvSpPr>
+          <p:cNvPr id="4" name="Номер слайда 3"/>
+          <p:cNvSpPr>
+            <a:spLocks noGrp="1"/>
+          </p:cNvSpPr>
+          <p:nvPr>
+            <p:ph type="sldNum" sz="quarter" idx="10"/>
+          </p:nvPr>
+        </p:nvSpPr>
+        <p:spPr/>
+        <p:txBody>
+          <a:bodyPr/>
+          <a:lstStyle/>
+          <a:p>
+            <a:fld id="{608A3F3F-0F8E-4901-95F3-ECC8D9533356}" type="slidenum">
+              <a:rPr lang="en-US" smtClean="0"/>
+              <a:t>1</a:t>
+            </a:fld>
+            <a:endParaRPr lang="en-US" dirty="0"/>
+          </a:p>
+        </p:txBody>
+      </p:sp>
+    </p:spTree>
+    <p:extLst>
+      <p:ext uri="{BB962C8B-B14F-4D97-AF65-F5344CB8AC3E}">
+        <p14:creationId xmlns:p14="http://schemas.microsoft.com/office/powerpoint/2010/main" val="3111962899"/>
+      </p:ext>
+    </p:extLst>
+  </p:cSld>
+  <p:clrMapOvr>
+    <a:masterClrMapping/>
+  </p:clrMapOvr>
+</p:notes>
+</file>
+
+<file path=ppt/notesSlides/notesSlide10.xml><?xml version="1.0" encoding="utf-8"?>
+<p:notes xmlns:a="http://schemas.openxmlformats.org/drawingml/2006/main" xmlns:r="http://schemas.openxmlformats.org/officeDocument/2006/relationships" xmlns:p="http://schemas.openxmlformats.org/presentationml/2006/main">
+  <p:cSld>
+    <p:spTree>
+      <p:nvGrpSpPr>
+        <p:cNvPr id="1" name=""/>
+        <p:cNvGrpSpPr/>
+        <p:nvPr/>
+      </p:nvGrpSpPr>
+      <p:grpSpPr>
+        <a:xfrm>
+          <a:off x="0" y="0"/>
+          <a:ext cx="0" cy="0"/>
+          <a:chOff x="0" y="0"/>
+          <a:chExt cx="0" cy="0"/>
+        </a:xfrm>
+      </p:grpSpPr>
+      <p:sp>
+        <p:nvSpPr>
+          <p:cNvPr id="2" name="Образ слайда 1"/>
+          <p:cNvSpPr>
+            <a:spLocks noGrp="1" noRot="1" noChangeAspect="1"/>
+          </p:cNvSpPr>
+          <p:nvPr>
+            <p:ph type="sldImg"/>
+          </p:nvPr>
+        </p:nvSpPr>
+        <p:spPr/>
+      </p:sp>
+      <p:sp>
+        <p:nvSpPr>
+          <p:cNvPr id="3" name="Заметки 2"/>
+          <p:cNvSpPr>
+            <a:spLocks noGrp="1"/>
+          </p:cNvSpPr>
+          <p:nvPr>
+            <p:ph type="body" idx="1"/>
+          </p:nvPr>
+        </p:nvSpPr>
+        <p:spPr/>
+        <p:txBody>
+          <a:bodyPr/>
+          <a:lstStyle/>
+          <a:p>
+            <a:pPr marL="0" marR="0" indent="0" algn="l" defTabSz="914400" rtl="0" eaLnBrk="1" fontAlgn="auto" latinLnBrk="0" hangingPunct="1">
+              <a:lnSpc>
+                <a:spcPct val="100000"/>
+              </a:lnSpc>
+              <a:spcBef>
+                <a:spcPts val="0"/>
+              </a:spcBef>
+              <a:spcAft>
+                <a:spcPts val="0"/>
+              </a:spcAft>
+              <a:buClrTx/>
+              <a:buSzTx/>
+              <a:buFontTx/>
+              <a:buNone/>
+              <a:tabLst/>
+              <a:defRPr/>
+            </a:pPr>
+            <a:r>
+              <a:rPr lang="ru-RU" sz="1200" kern="1200" dirty="0" smtClean="0">
+                <a:solidFill>
+                  <a:schemeClr val="tx1"/>
+                </a:solidFill>
+                <a:effectLst/>
+                <a:latin typeface="+mn-lt"/>
+                <a:ea typeface="+mn-ea"/>
+                <a:cs typeface="+mn-cs"/>
+              </a:rPr>
+              <a:t>На данном слайде приведён пример пользовательского веб-интерфейса разработанного сервиса. А также по указанной ссылке можно ознакомиться с демонстративной версией разработанной системы.</a:t>
+            </a:r>
+            <a:endParaRPr lang="en-US" sz="1200" kern="1200" dirty="0" smtClean="0">
+              <a:solidFill>
+                <a:schemeClr val="tx1"/>
+              </a:solidFill>
+              <a:effectLst/>
+              <a:latin typeface="+mn-lt"/>
+              <a:ea typeface="+mn-ea"/>
+              <a:cs typeface="+mn-cs"/>
+            </a:endParaRPr>
+          </a:p>
+          <a:p>
+            <a:endParaRPr lang="en-US" dirty="0"/>
+          </a:p>
+        </p:txBody>
+      </p:sp>
+      <p:sp>
+        <p:nvSpPr>
+          <p:cNvPr id="4" name="Номер слайда 3"/>
+          <p:cNvSpPr>
+            <a:spLocks noGrp="1"/>
+          </p:cNvSpPr>
+          <p:nvPr>
+            <p:ph type="sldNum" sz="quarter" idx="10"/>
+          </p:nvPr>
+        </p:nvSpPr>
+        <p:spPr/>
+        <p:txBody>
+          <a:bodyPr/>
+          <a:lstStyle/>
+          <a:p>
+            <a:fld id="{608A3F3F-0F8E-4901-95F3-ECC8D9533356}" type="slidenum">
+              <a:rPr lang="en-US" smtClean="0"/>
+              <a:t>10</a:t>
+            </a:fld>
+            <a:endParaRPr lang="en-US" dirty="0"/>
+          </a:p>
+        </p:txBody>
+      </p:sp>
+    </p:spTree>
+    <p:extLst>
+      <p:ext uri="{BB962C8B-B14F-4D97-AF65-F5344CB8AC3E}">
+        <p14:creationId xmlns:p14="http://schemas.microsoft.com/office/powerpoint/2010/main" val="731371623"/>
+      </p:ext>
+    </p:extLst>
+  </p:cSld>
+  <p:clrMapOvr>
+    <a:masterClrMapping/>
+  </p:clrMapOvr>
+</p:notes>
+</file>
+
+<file path=ppt/notesSlides/notesSlide11.xml><?xml version="1.0" encoding="utf-8"?>
+<p:notes xmlns:a="http://schemas.openxmlformats.org/drawingml/2006/main" xmlns:r="http://schemas.openxmlformats.org/officeDocument/2006/relationships" xmlns:p="http://schemas.openxmlformats.org/presentationml/2006/main">
+  <p:cSld>
+    <p:spTree>
+      <p:nvGrpSpPr>
+        <p:cNvPr id="1" name=""/>
+        <p:cNvGrpSpPr/>
+        <p:nvPr/>
+      </p:nvGrpSpPr>
+      <p:grpSpPr>
+        <a:xfrm>
+          <a:off x="0" y="0"/>
+          <a:ext cx="0" cy="0"/>
+          <a:chOff x="0" y="0"/>
+          <a:chExt cx="0" cy="0"/>
+        </a:xfrm>
+      </p:grpSpPr>
+      <p:sp>
+        <p:nvSpPr>
+          <p:cNvPr id="2" name="Образ слайда 1"/>
+          <p:cNvSpPr>
+            <a:spLocks noGrp="1" noRot="1" noChangeAspect="1"/>
+          </p:cNvSpPr>
+          <p:nvPr>
+            <p:ph type="sldImg"/>
+          </p:nvPr>
+        </p:nvSpPr>
+        <p:spPr/>
+      </p:sp>
+      <p:sp>
+        <p:nvSpPr>
+          <p:cNvPr id="3" name="Заметки 2"/>
+          <p:cNvSpPr>
+            <a:spLocks noGrp="1"/>
+          </p:cNvSpPr>
+          <p:nvPr>
+            <p:ph type="body" idx="1"/>
+          </p:nvPr>
+        </p:nvSpPr>
+        <p:spPr/>
+        <p:txBody>
+          <a:bodyPr/>
+          <a:lstStyle/>
+          <a:p>
+            <a:r>
+              <a:rPr lang="ru-RU" sz="1200" kern="1200" dirty="0" smtClean="0">
+                <a:solidFill>
+                  <a:schemeClr val="tx1"/>
+                </a:solidFill>
+                <a:effectLst/>
+                <a:latin typeface="+mn-lt"/>
+                <a:ea typeface="+mn-ea"/>
+                <a:cs typeface="+mn-cs"/>
+              </a:rPr>
+              <a:t>По завершению разработки были проведены тесты для оценки производительности.</a:t>
+            </a:r>
+            <a:endParaRPr lang="en-US" sz="1200" kern="1200" dirty="0" smtClean="0">
+              <a:solidFill>
+                <a:schemeClr val="tx1"/>
+              </a:solidFill>
+              <a:effectLst/>
+              <a:latin typeface="+mn-lt"/>
+              <a:ea typeface="+mn-ea"/>
+              <a:cs typeface="+mn-cs"/>
+            </a:endParaRPr>
+          </a:p>
+          <a:p>
+            <a:r>
+              <a:rPr lang="ru-RU" sz="1200" kern="1200" dirty="0" smtClean="0">
+                <a:solidFill>
+                  <a:schemeClr val="tx1"/>
+                </a:solidFill>
+                <a:effectLst/>
+                <a:latin typeface="+mn-lt"/>
+                <a:ea typeface="+mn-ea"/>
+                <a:cs typeface="+mn-cs"/>
+              </a:rPr>
+              <a:t>Тестирование велось на виртуальном сервере от </a:t>
+            </a:r>
+            <a:r>
+              <a:rPr lang="en-US" sz="1200" kern="1200" dirty="0" smtClean="0">
+                <a:solidFill>
+                  <a:schemeClr val="tx1"/>
+                </a:solidFill>
+                <a:effectLst/>
+                <a:latin typeface="+mn-lt"/>
+                <a:ea typeface="+mn-ea"/>
+                <a:cs typeface="+mn-cs"/>
+              </a:rPr>
+              <a:t>Google</a:t>
+            </a:r>
+            <a:r>
+              <a:rPr lang="ru-RU" sz="1200" kern="1200" dirty="0" smtClean="0">
+                <a:solidFill>
+                  <a:schemeClr val="tx1"/>
+                </a:solidFill>
+                <a:effectLst/>
+                <a:latin typeface="+mn-lt"/>
+                <a:ea typeface="+mn-ea"/>
+                <a:cs typeface="+mn-cs"/>
+              </a:rPr>
+              <a:t> в Стокгольме в то время как клиентские запросы исходили из штата Вирджиния, на слайде приведены характеристики этого сервера.</a:t>
+            </a:r>
+            <a:endParaRPr lang="en-US" sz="1200" kern="1200" dirty="0" smtClean="0">
+              <a:solidFill>
+                <a:schemeClr val="tx1"/>
+              </a:solidFill>
+              <a:effectLst/>
+              <a:latin typeface="+mn-lt"/>
+              <a:ea typeface="+mn-ea"/>
+              <a:cs typeface="+mn-cs"/>
+            </a:endParaRPr>
+          </a:p>
+          <a:p>
+            <a:r>
+              <a:rPr lang="ru-RU" sz="1200" kern="1200" dirty="0" smtClean="0">
+                <a:solidFill>
+                  <a:schemeClr val="tx1"/>
+                </a:solidFill>
+                <a:effectLst/>
+                <a:latin typeface="+mn-lt"/>
+                <a:ea typeface="+mn-ea"/>
+                <a:cs typeface="+mn-cs"/>
+              </a:rPr>
+              <a:t>На диаграмме показано соотношение одновременных подключений в определённые</a:t>
+            </a:r>
+            <a:r>
+              <a:rPr lang="ru-RU" sz="1200" kern="1200" baseline="0" dirty="0" smtClean="0">
+                <a:solidFill>
+                  <a:schemeClr val="tx1"/>
+                </a:solidFill>
+                <a:effectLst/>
+                <a:latin typeface="+mn-lt"/>
+                <a:ea typeface="+mn-ea"/>
+                <a:cs typeface="+mn-cs"/>
+              </a:rPr>
+              <a:t> </a:t>
+            </a:r>
+            <a:r>
+              <a:rPr lang="ru-RU" sz="1200" kern="1200" dirty="0" smtClean="0">
+                <a:solidFill>
+                  <a:schemeClr val="tx1"/>
+                </a:solidFill>
+                <a:effectLst/>
+                <a:latin typeface="+mn-lt"/>
+                <a:ea typeface="+mn-ea"/>
+                <a:cs typeface="+mn-cs"/>
+              </a:rPr>
+              <a:t>интервалы времени и среднее</a:t>
+            </a:r>
+            <a:r>
+              <a:rPr lang="ru-RU" sz="1200" kern="1200" baseline="0" dirty="0" smtClean="0">
+                <a:solidFill>
+                  <a:schemeClr val="tx1"/>
+                </a:solidFill>
+                <a:effectLst/>
+                <a:latin typeface="+mn-lt"/>
+                <a:ea typeface="+mn-ea"/>
+                <a:cs typeface="+mn-cs"/>
+              </a:rPr>
+              <a:t> </a:t>
+            </a:r>
+            <a:r>
+              <a:rPr lang="ru-RU" sz="1200" kern="1200" dirty="0" smtClean="0">
+                <a:solidFill>
+                  <a:schemeClr val="tx1"/>
+                </a:solidFill>
+                <a:effectLst/>
+                <a:latin typeface="+mn-lt"/>
+                <a:ea typeface="+mn-ea"/>
+                <a:cs typeface="+mn-cs"/>
+              </a:rPr>
+              <a:t>время ответа веб-сервиса. А именно по диаграмме видно, что на 550 одновременных подключений среднее время ответа системы составляет чуть более 4-х секунд. </a:t>
+            </a:r>
+            <a:endParaRPr lang="en-US" sz="1200" kern="1200" dirty="0" smtClean="0">
+              <a:solidFill>
+                <a:schemeClr val="tx1"/>
+              </a:solidFill>
+              <a:effectLst/>
+              <a:latin typeface="+mn-lt"/>
+              <a:ea typeface="+mn-ea"/>
+              <a:cs typeface="+mn-cs"/>
+            </a:endParaRPr>
+          </a:p>
+          <a:p>
+            <a:endParaRPr lang="en-US" dirty="0"/>
+          </a:p>
+        </p:txBody>
+      </p:sp>
+      <p:sp>
+        <p:nvSpPr>
+          <p:cNvPr id="4" name="Номер слайда 3"/>
+          <p:cNvSpPr>
+            <a:spLocks noGrp="1"/>
+          </p:cNvSpPr>
+          <p:nvPr>
+            <p:ph type="sldNum" sz="quarter" idx="10"/>
+          </p:nvPr>
+        </p:nvSpPr>
+        <p:spPr/>
+        <p:txBody>
+          <a:bodyPr/>
+          <a:lstStyle/>
+          <a:p>
+            <a:fld id="{608A3F3F-0F8E-4901-95F3-ECC8D9533356}" type="slidenum">
+              <a:rPr lang="en-US" smtClean="0"/>
+              <a:t>11</a:t>
+            </a:fld>
+            <a:endParaRPr lang="en-US" dirty="0"/>
+          </a:p>
+        </p:txBody>
+      </p:sp>
+    </p:spTree>
+    <p:extLst>
+      <p:ext uri="{BB962C8B-B14F-4D97-AF65-F5344CB8AC3E}">
+        <p14:creationId xmlns:p14="http://schemas.microsoft.com/office/powerpoint/2010/main" val="8792718"/>
+      </p:ext>
+    </p:extLst>
+  </p:cSld>
+  <p:clrMapOvr>
+    <a:masterClrMapping/>
+  </p:clrMapOvr>
+</p:notes>
+</file>
+
+<file path=ppt/notesSlides/notesSlide12.xml><?xml version="1.0" encoding="utf-8"?>
+<p:notes xmlns:a="http://schemas.openxmlformats.org/drawingml/2006/main" xmlns:r="http://schemas.openxmlformats.org/officeDocument/2006/relationships" xmlns:p="http://schemas.openxmlformats.org/presentationml/2006/main">
+  <p:cSld>
+    <p:spTree>
+      <p:nvGrpSpPr>
+        <p:cNvPr id="1" name=""/>
+        <p:cNvGrpSpPr/>
+        <p:nvPr/>
+      </p:nvGrpSpPr>
+      <p:grpSpPr>
+        <a:xfrm>
+          <a:off x="0" y="0"/>
+          <a:ext cx="0" cy="0"/>
+          <a:chOff x="0" y="0"/>
+          <a:chExt cx="0" cy="0"/>
+        </a:xfrm>
+      </p:grpSpPr>
+      <p:sp>
+        <p:nvSpPr>
+          <p:cNvPr id="2" name="Образ слайда 1"/>
+          <p:cNvSpPr>
+            <a:spLocks noGrp="1" noRot="1" noChangeAspect="1"/>
+          </p:cNvSpPr>
+          <p:nvPr>
+            <p:ph type="sldImg"/>
+          </p:nvPr>
+        </p:nvSpPr>
+        <p:spPr/>
+      </p:sp>
+      <p:sp>
+        <p:nvSpPr>
+          <p:cNvPr id="3" name="Заметки 2"/>
+          <p:cNvSpPr>
+            <a:spLocks noGrp="1"/>
+          </p:cNvSpPr>
+          <p:nvPr>
+            <p:ph type="body" idx="1"/>
+          </p:nvPr>
+        </p:nvSpPr>
+        <p:spPr/>
+        <p:txBody>
+          <a:bodyPr/>
+          <a:lstStyle/>
+          <a:p>
+            <a:pPr marL="0" marR="0" indent="0" algn="l" defTabSz="914400" rtl="0" eaLnBrk="1" fontAlgn="auto" latinLnBrk="0" hangingPunct="1">
+              <a:lnSpc>
+                <a:spcPct val="100000"/>
+              </a:lnSpc>
+              <a:spcBef>
+                <a:spcPts val="0"/>
+              </a:spcBef>
+              <a:spcAft>
+                <a:spcPts val="0"/>
+              </a:spcAft>
+              <a:buClrTx/>
+              <a:buSzTx/>
+              <a:buFontTx/>
+              <a:buNone/>
+              <a:tabLst/>
+              <a:defRPr/>
+            </a:pPr>
+            <a:r>
+              <a:rPr lang="ru-RU" sz="1200" kern="1200" dirty="0" smtClean="0">
+                <a:solidFill>
+                  <a:schemeClr val="tx1"/>
+                </a:solidFill>
+                <a:effectLst/>
+                <a:latin typeface="+mn-lt"/>
+                <a:ea typeface="+mn-ea"/>
+                <a:cs typeface="+mn-cs"/>
+              </a:rPr>
+              <a:t>Нагрузка, которая фиксировалась на сервере во время проведения теста показана на слайде №12. По нему видно, что оба ядра процессора нагружены только на 50%, т.е., не смотря на большое количество одновременных запросов, </a:t>
+            </a:r>
+            <a:r>
+              <a:rPr lang="ru-RU" sz="1200" kern="1200" dirty="0" smtClean="0">
+                <a:solidFill>
+                  <a:schemeClr val="tx1"/>
+                </a:solidFill>
+                <a:effectLst/>
+                <a:latin typeface="+mn-lt"/>
+                <a:ea typeface="+mn-ea"/>
+                <a:cs typeface="+mn-cs"/>
+              </a:rPr>
+              <a:t>такая рода </a:t>
+            </a:r>
+            <a:r>
+              <a:rPr lang="ru-RU" sz="1200" kern="1200" dirty="0" smtClean="0">
+                <a:solidFill>
+                  <a:schemeClr val="tx1"/>
+                </a:solidFill>
+                <a:effectLst/>
+                <a:latin typeface="+mn-lt"/>
+                <a:ea typeface="+mn-ea"/>
+                <a:cs typeface="+mn-cs"/>
+              </a:rPr>
+              <a:t>нагрузка находится в допустимых пределах для разработанной системы веб-шаблонов</a:t>
+            </a:r>
+            <a:r>
+              <a:rPr lang="ru-RU" sz="1200" kern="1200" dirty="0" smtClean="0">
+                <a:solidFill>
+                  <a:schemeClr val="tx1"/>
+                </a:solidFill>
+                <a:effectLst/>
+                <a:latin typeface="+mn-lt"/>
+                <a:ea typeface="+mn-ea"/>
+                <a:cs typeface="+mn-cs"/>
+              </a:rPr>
+              <a:t>.</a:t>
+            </a:r>
+            <a:endParaRPr lang="en-US" sz="1200" kern="1200" dirty="0" smtClean="0">
+              <a:solidFill>
+                <a:schemeClr val="tx1"/>
+              </a:solidFill>
+              <a:effectLst/>
+              <a:latin typeface="+mn-lt"/>
+              <a:ea typeface="+mn-ea"/>
+              <a:cs typeface="+mn-cs"/>
+            </a:endParaRPr>
+          </a:p>
+          <a:p>
+            <a:endParaRPr lang="en-US" dirty="0"/>
+          </a:p>
+        </p:txBody>
+      </p:sp>
+      <p:sp>
+        <p:nvSpPr>
+          <p:cNvPr id="4" name="Номер слайда 3"/>
+          <p:cNvSpPr>
+            <a:spLocks noGrp="1"/>
+          </p:cNvSpPr>
+          <p:nvPr>
+            <p:ph type="sldNum" sz="quarter" idx="10"/>
+          </p:nvPr>
+        </p:nvSpPr>
+        <p:spPr/>
+        <p:txBody>
+          <a:bodyPr/>
+          <a:lstStyle/>
+          <a:p>
+            <a:fld id="{608A3F3F-0F8E-4901-95F3-ECC8D9533356}" type="slidenum">
+              <a:rPr lang="en-US" smtClean="0"/>
+              <a:t>12</a:t>
+            </a:fld>
+            <a:endParaRPr lang="en-US" dirty="0"/>
+          </a:p>
+        </p:txBody>
+      </p:sp>
+    </p:spTree>
+    <p:extLst>
+      <p:ext uri="{BB962C8B-B14F-4D97-AF65-F5344CB8AC3E}">
+        <p14:creationId xmlns:p14="http://schemas.microsoft.com/office/powerpoint/2010/main" val="101314672"/>
+      </p:ext>
+    </p:extLst>
+  </p:cSld>
+  <p:clrMapOvr>
+    <a:masterClrMapping/>
+  </p:clrMapOvr>
+</p:notes>
+</file>
+
+<file path=ppt/notesSlides/notesSlide13.xml><?xml version="1.0" encoding="utf-8"?>
+<p:notes xmlns:a="http://schemas.openxmlformats.org/drawingml/2006/main" xmlns:r="http://schemas.openxmlformats.org/officeDocument/2006/relationships" xmlns:p="http://schemas.openxmlformats.org/presentationml/2006/main">
+  <p:cSld>
+    <p:spTree>
+      <p:nvGrpSpPr>
+        <p:cNvPr id="1" name=""/>
+        <p:cNvGrpSpPr/>
+        <p:nvPr/>
+      </p:nvGrpSpPr>
+      <p:grpSpPr>
+        <a:xfrm>
+          <a:off x="0" y="0"/>
+          <a:ext cx="0" cy="0"/>
+          <a:chOff x="0" y="0"/>
+          <a:chExt cx="0" cy="0"/>
+        </a:xfrm>
+      </p:grpSpPr>
+      <p:sp>
+        <p:nvSpPr>
+          <p:cNvPr id="2" name="Образ слайда 1"/>
+          <p:cNvSpPr>
+            <a:spLocks noGrp="1" noRot="1" noChangeAspect="1"/>
+          </p:cNvSpPr>
+          <p:nvPr>
+            <p:ph type="sldImg"/>
+          </p:nvPr>
+        </p:nvSpPr>
+        <p:spPr/>
+      </p:sp>
+      <p:sp>
+        <p:nvSpPr>
+          <p:cNvPr id="3" name="Заметки 2"/>
+          <p:cNvSpPr>
+            <a:spLocks noGrp="1"/>
+          </p:cNvSpPr>
+          <p:nvPr>
+            <p:ph type="body" idx="1"/>
+          </p:nvPr>
+        </p:nvSpPr>
+        <p:spPr/>
+        <p:txBody>
+          <a:bodyPr/>
+          <a:lstStyle/>
+          <a:p>
+            <a:pPr marL="0" marR="0" indent="0" algn="l" defTabSz="914400" rtl="0" eaLnBrk="1" fontAlgn="auto" latinLnBrk="0" hangingPunct="1">
+              <a:lnSpc>
+                <a:spcPct val="100000"/>
+              </a:lnSpc>
+              <a:spcBef>
+                <a:spcPts val="0"/>
+              </a:spcBef>
+              <a:spcAft>
+                <a:spcPts val="0"/>
+              </a:spcAft>
+              <a:buClrTx/>
+              <a:buSzTx/>
+              <a:buFontTx/>
+              <a:buNone/>
+              <a:tabLst/>
+              <a:defRPr/>
+            </a:pPr>
+            <a:r>
+              <a:rPr lang="ru-RU" sz="1200" kern="1200" dirty="0" smtClean="0">
+                <a:solidFill>
+                  <a:schemeClr val="tx1"/>
+                </a:solidFill>
+                <a:effectLst/>
+                <a:latin typeface="+mn-lt"/>
+                <a:ea typeface="+mn-ea"/>
+                <a:cs typeface="+mn-cs"/>
+              </a:rPr>
+              <a:t>В заключении можно сказать что все поставленные цели были достигнуты: были проанализированы проблемы низкой производительности веб-шаблонов, предложены способы устранения данных проблем, после чего разработана высокопроизводительная и удобная в использовании система веб-шаблонов. </a:t>
+            </a:r>
+            <a:r>
+              <a:rPr lang="ru-RU" sz="1200" kern="1200" dirty="0" smtClean="0">
+                <a:solidFill>
+                  <a:schemeClr val="tx1"/>
+                </a:solidFill>
+                <a:effectLst/>
+                <a:latin typeface="+mn-lt"/>
+                <a:ea typeface="+mn-ea"/>
+                <a:cs typeface="+mn-cs"/>
+              </a:rPr>
+              <a:t> </a:t>
+            </a:r>
+          </a:p>
+          <a:p>
+            <a:pPr marL="0" marR="0" indent="0" algn="l" defTabSz="914400" rtl="0" eaLnBrk="1" fontAlgn="auto" latinLnBrk="0" hangingPunct="1">
+              <a:lnSpc>
+                <a:spcPct val="100000"/>
+              </a:lnSpc>
+              <a:spcBef>
+                <a:spcPts val="0"/>
+              </a:spcBef>
+              <a:spcAft>
+                <a:spcPts val="0"/>
+              </a:spcAft>
+              <a:buClrTx/>
+              <a:buSzTx/>
+              <a:buFontTx/>
+              <a:buNone/>
+              <a:tabLst/>
+              <a:defRPr/>
+            </a:pPr>
+            <a:r>
+              <a:rPr lang="ru-RU" sz="1200" kern="1200" dirty="0" smtClean="0">
+                <a:solidFill>
+                  <a:schemeClr val="tx1"/>
+                </a:solidFill>
+                <a:effectLst/>
+                <a:latin typeface="+mn-lt"/>
+                <a:ea typeface="+mn-ea"/>
+                <a:cs typeface="+mn-cs"/>
+              </a:rPr>
+              <a:t>На</a:t>
+            </a:r>
+            <a:r>
+              <a:rPr lang="ru-RU" sz="1200" kern="1200" baseline="0" dirty="0" smtClean="0">
+                <a:solidFill>
+                  <a:schemeClr val="tx1"/>
+                </a:solidFill>
+                <a:effectLst/>
+                <a:latin typeface="+mn-lt"/>
+                <a:ea typeface="+mn-ea"/>
+                <a:cs typeface="+mn-cs"/>
+              </a:rPr>
+              <a:t> этом всё, спасибо за внимание, буду рад ответить на Ваши вопросы.</a:t>
+            </a:r>
+            <a:endParaRPr lang="en-US" sz="1200" kern="1200" dirty="0" smtClean="0">
+              <a:solidFill>
+                <a:schemeClr val="tx1"/>
+              </a:solidFill>
+              <a:effectLst/>
+              <a:latin typeface="+mn-lt"/>
+              <a:ea typeface="+mn-ea"/>
+              <a:cs typeface="+mn-cs"/>
+            </a:endParaRPr>
+          </a:p>
+          <a:p>
+            <a:endParaRPr lang="en-US" dirty="0"/>
+          </a:p>
+        </p:txBody>
+      </p:sp>
+      <p:sp>
+        <p:nvSpPr>
+          <p:cNvPr id="4" name="Номер слайда 3"/>
+          <p:cNvSpPr>
+            <a:spLocks noGrp="1"/>
+          </p:cNvSpPr>
+          <p:nvPr>
+            <p:ph type="sldNum" sz="quarter" idx="10"/>
+          </p:nvPr>
+        </p:nvSpPr>
+        <p:spPr/>
+        <p:txBody>
+          <a:bodyPr/>
+          <a:lstStyle/>
+          <a:p>
+            <a:fld id="{608A3F3F-0F8E-4901-95F3-ECC8D9533356}" type="slidenum">
+              <a:rPr lang="en-US" smtClean="0"/>
+              <a:t>13</a:t>
+            </a:fld>
+            <a:endParaRPr lang="en-US" dirty="0"/>
+          </a:p>
+        </p:txBody>
+      </p:sp>
+    </p:spTree>
+    <p:extLst>
+      <p:ext uri="{BB962C8B-B14F-4D97-AF65-F5344CB8AC3E}">
+        <p14:creationId xmlns:p14="http://schemas.microsoft.com/office/powerpoint/2010/main" val="2020818994"/>
+      </p:ext>
+    </p:extLst>
+  </p:cSld>
+  <p:clrMapOvr>
+    <a:masterClrMapping/>
+  </p:clrMapOvr>
+</p:notes>
+</file>
+
+<file path=ppt/notesSlides/notesSlide2.xml><?xml version="1.0" encoding="utf-8"?>
+<p:notes xmlns:a="http://schemas.openxmlformats.org/drawingml/2006/main" xmlns:r="http://schemas.openxmlformats.org/officeDocument/2006/relationships" xmlns:p="http://schemas.openxmlformats.org/presentationml/2006/main">
+  <p:cSld>
+    <p:spTree>
+      <p:nvGrpSpPr>
+        <p:cNvPr id="1" name=""/>
+        <p:cNvGrpSpPr/>
+        <p:nvPr/>
+      </p:nvGrpSpPr>
+      <p:grpSpPr>
+        <a:xfrm>
+          <a:off x="0" y="0"/>
+          <a:ext cx="0" cy="0"/>
+          <a:chOff x="0" y="0"/>
+          <a:chExt cx="0" cy="0"/>
+        </a:xfrm>
+      </p:grpSpPr>
+      <p:sp>
+        <p:nvSpPr>
+          <p:cNvPr id="2" name="Образ слайда 1"/>
+          <p:cNvSpPr>
+            <a:spLocks noGrp="1" noRot="1" noChangeAspect="1"/>
+          </p:cNvSpPr>
+          <p:nvPr>
+            <p:ph type="sldImg"/>
+          </p:nvPr>
+        </p:nvSpPr>
+        <p:spPr/>
+      </p:sp>
+      <p:sp>
+        <p:nvSpPr>
+          <p:cNvPr id="3" name="Заметки 2"/>
+          <p:cNvSpPr>
+            <a:spLocks noGrp="1"/>
+          </p:cNvSpPr>
+          <p:nvPr>
+            <p:ph type="body" idx="1"/>
+          </p:nvPr>
+        </p:nvSpPr>
+        <p:spPr/>
+        <p:txBody>
+          <a:bodyPr/>
+          <a:lstStyle/>
+          <a:p>
+            <a:pPr marL="0" marR="0" indent="0" algn="l" defTabSz="914400" rtl="0" eaLnBrk="1" fontAlgn="auto" latinLnBrk="0" hangingPunct="1">
+              <a:lnSpc>
+                <a:spcPct val="100000"/>
+              </a:lnSpc>
+              <a:spcBef>
+                <a:spcPts val="0"/>
+              </a:spcBef>
+              <a:spcAft>
+                <a:spcPts val="0"/>
+              </a:spcAft>
+              <a:buClrTx/>
+              <a:buSzTx/>
+              <a:buFontTx/>
+              <a:buNone/>
+              <a:tabLst/>
+              <a:defRPr/>
+            </a:pPr>
+            <a:r>
+              <a:rPr lang="ru-RU" sz="1200" kern="1200" dirty="0" smtClean="0">
+                <a:solidFill>
+                  <a:schemeClr val="tx1"/>
+                </a:solidFill>
+                <a:effectLst/>
+                <a:latin typeface="+mn-lt"/>
+                <a:ea typeface="+mn-ea"/>
+                <a:cs typeface="+mn-cs"/>
+              </a:rPr>
+              <a:t>Актуальность данной работы заключается в том, что существующие решения не эффективны в плане потребления вычислительных ресурсов, также большинство из исследованных</a:t>
+            </a:r>
+            <a:r>
+              <a:rPr lang="ru-RU" sz="1200" kern="1200" baseline="0" dirty="0" smtClean="0">
+                <a:solidFill>
+                  <a:schemeClr val="tx1"/>
+                </a:solidFill>
+                <a:effectLst/>
+                <a:latin typeface="+mn-lt"/>
+                <a:ea typeface="+mn-ea"/>
+                <a:cs typeface="+mn-cs"/>
+              </a:rPr>
+              <a:t> мной продуктов</a:t>
+            </a:r>
+            <a:r>
+              <a:rPr lang="ru-RU" sz="1200" kern="1200" dirty="0" smtClean="0">
+                <a:solidFill>
+                  <a:schemeClr val="tx1"/>
+                </a:solidFill>
+                <a:effectLst/>
+                <a:latin typeface="+mn-lt"/>
+                <a:ea typeface="+mn-ea"/>
+                <a:cs typeface="+mn-cs"/>
+              </a:rPr>
+              <a:t> предназначены для использования в составе более крупных веб-фреймворков, </a:t>
+            </a:r>
+            <a:r>
+              <a:rPr lang="ru-RU" sz="1200" kern="1200" dirty="0" smtClean="0">
+                <a:solidFill>
+                  <a:schemeClr val="tx1"/>
+                </a:solidFill>
+                <a:effectLst/>
+                <a:latin typeface="+mn-lt"/>
+                <a:ea typeface="+mn-ea"/>
+                <a:cs typeface="+mn-cs"/>
+              </a:rPr>
+              <a:t>что</a:t>
+            </a:r>
+            <a:r>
+              <a:rPr lang="en-US" sz="1200" kern="1200" dirty="0" smtClean="0">
+                <a:solidFill>
+                  <a:schemeClr val="tx1"/>
+                </a:solidFill>
+                <a:effectLst/>
+                <a:latin typeface="+mn-lt"/>
+                <a:ea typeface="+mn-ea"/>
+                <a:cs typeface="+mn-cs"/>
+              </a:rPr>
+              <a:t> </a:t>
+            </a:r>
+            <a:r>
+              <a:rPr lang="ru-RU" sz="1200" kern="1200" dirty="0" smtClean="0">
+                <a:solidFill>
+                  <a:schemeClr val="tx1"/>
+                </a:solidFill>
+                <a:effectLst/>
+                <a:latin typeface="+mn-lt"/>
+                <a:ea typeface="+mn-ea"/>
+                <a:cs typeface="+mn-cs"/>
+              </a:rPr>
+              <a:t>в</a:t>
+            </a:r>
+            <a:r>
+              <a:rPr lang="ru-RU" sz="1200" kern="1200" baseline="0" dirty="0" smtClean="0">
+                <a:solidFill>
+                  <a:schemeClr val="tx1"/>
+                </a:solidFill>
+                <a:effectLst/>
+                <a:latin typeface="+mn-lt"/>
+                <a:ea typeface="+mn-ea"/>
+                <a:cs typeface="+mn-cs"/>
+              </a:rPr>
+              <a:t> свою </a:t>
+            </a:r>
+            <a:r>
+              <a:rPr lang="ru-RU" sz="1200" kern="1200" baseline="0" dirty="0" err="1" smtClean="0">
+                <a:solidFill>
+                  <a:schemeClr val="tx1"/>
+                </a:solidFill>
+                <a:effectLst/>
+                <a:latin typeface="+mn-lt"/>
+                <a:ea typeface="+mn-ea"/>
+                <a:cs typeface="+mn-cs"/>
+              </a:rPr>
+              <a:t>очердь</a:t>
+            </a:r>
+            <a:r>
+              <a:rPr lang="ru-RU" sz="1200" kern="1200" dirty="0" smtClean="0">
+                <a:solidFill>
+                  <a:schemeClr val="tx1"/>
+                </a:solidFill>
+                <a:effectLst/>
+                <a:latin typeface="+mn-lt"/>
+                <a:ea typeface="+mn-ea"/>
+                <a:cs typeface="+mn-cs"/>
+              </a:rPr>
+              <a:t> </a:t>
+            </a:r>
+            <a:r>
+              <a:rPr lang="ru-RU" sz="1200" kern="1200" dirty="0" smtClean="0">
+                <a:solidFill>
+                  <a:schemeClr val="tx1"/>
+                </a:solidFill>
+                <a:effectLst/>
+                <a:latin typeface="+mn-lt"/>
+                <a:ea typeface="+mn-ea"/>
+                <a:cs typeface="+mn-cs"/>
+              </a:rPr>
+              <a:t>понижает их показатель удобства в эксплуатации пользователями не технических</a:t>
+            </a:r>
+            <a:r>
+              <a:rPr lang="ru-RU" sz="1200" kern="1200" baseline="0" dirty="0" smtClean="0">
+                <a:solidFill>
+                  <a:schemeClr val="tx1"/>
+                </a:solidFill>
+                <a:effectLst/>
+                <a:latin typeface="+mn-lt"/>
+                <a:ea typeface="+mn-ea"/>
+                <a:cs typeface="+mn-cs"/>
+              </a:rPr>
+              <a:t> специальностей</a:t>
+            </a:r>
+            <a:r>
+              <a:rPr lang="ru-RU" sz="1200" kern="1200" dirty="0" smtClean="0">
+                <a:solidFill>
+                  <a:schemeClr val="tx1"/>
+                </a:solidFill>
+                <a:effectLst/>
+                <a:latin typeface="+mn-lt"/>
+                <a:ea typeface="+mn-ea"/>
+                <a:cs typeface="+mn-cs"/>
+              </a:rPr>
+              <a:t>.</a:t>
+            </a:r>
+            <a:endParaRPr lang="en-US" sz="1200" kern="1200" dirty="0" smtClean="0">
+              <a:solidFill>
+                <a:schemeClr val="tx1"/>
+              </a:solidFill>
+              <a:effectLst/>
+              <a:latin typeface="+mn-lt"/>
+              <a:ea typeface="+mn-ea"/>
+              <a:cs typeface="+mn-cs"/>
+            </a:endParaRPr>
+          </a:p>
+          <a:p>
+            <a:endParaRPr lang="en-US" dirty="0"/>
+          </a:p>
+        </p:txBody>
+      </p:sp>
+      <p:sp>
+        <p:nvSpPr>
+          <p:cNvPr id="4" name="Номер слайда 3"/>
+          <p:cNvSpPr>
+            <a:spLocks noGrp="1"/>
+          </p:cNvSpPr>
+          <p:nvPr>
+            <p:ph type="sldNum" sz="quarter" idx="10"/>
+          </p:nvPr>
+        </p:nvSpPr>
+        <p:spPr/>
+        <p:txBody>
+          <a:bodyPr/>
+          <a:lstStyle/>
+          <a:p>
+            <a:fld id="{608A3F3F-0F8E-4901-95F3-ECC8D9533356}" type="slidenum">
+              <a:rPr lang="en-US" smtClean="0"/>
+              <a:t>2</a:t>
+            </a:fld>
+            <a:endParaRPr lang="en-US" dirty="0"/>
+          </a:p>
+        </p:txBody>
+      </p:sp>
+    </p:spTree>
+    <p:extLst>
+      <p:ext uri="{BB962C8B-B14F-4D97-AF65-F5344CB8AC3E}">
+        <p14:creationId xmlns:p14="http://schemas.microsoft.com/office/powerpoint/2010/main" val="1869397095"/>
+      </p:ext>
+    </p:extLst>
+  </p:cSld>
+  <p:clrMapOvr>
+    <a:masterClrMapping/>
+  </p:clrMapOvr>
+</p:notes>
+</file>
+
+<file path=ppt/notesSlides/notesSlide3.xml><?xml version="1.0" encoding="utf-8"?>
+<p:notes xmlns:a="http://schemas.openxmlformats.org/drawingml/2006/main" xmlns:r="http://schemas.openxmlformats.org/officeDocument/2006/relationships" xmlns:p="http://schemas.openxmlformats.org/presentationml/2006/main">
+  <p:cSld>
+    <p:spTree>
+      <p:nvGrpSpPr>
+        <p:cNvPr id="1" name=""/>
+        <p:cNvGrpSpPr/>
+        <p:nvPr/>
+      </p:nvGrpSpPr>
+      <p:grpSpPr>
+        <a:xfrm>
+          <a:off x="0" y="0"/>
+          <a:ext cx="0" cy="0"/>
+          <a:chOff x="0" y="0"/>
+          <a:chExt cx="0" cy="0"/>
+        </a:xfrm>
+      </p:grpSpPr>
+      <p:sp>
+        <p:nvSpPr>
+          <p:cNvPr id="2" name="Образ слайда 1"/>
+          <p:cNvSpPr>
+            <a:spLocks noGrp="1" noRot="1" noChangeAspect="1"/>
+          </p:cNvSpPr>
+          <p:nvPr>
+            <p:ph type="sldImg"/>
+          </p:nvPr>
+        </p:nvSpPr>
+        <p:spPr/>
+      </p:sp>
+      <p:sp>
+        <p:nvSpPr>
+          <p:cNvPr id="3" name="Заметки 2"/>
+          <p:cNvSpPr>
+            <a:spLocks noGrp="1"/>
+          </p:cNvSpPr>
+          <p:nvPr>
+            <p:ph type="body" idx="1"/>
+          </p:nvPr>
+        </p:nvSpPr>
+        <p:spPr/>
+        <p:txBody>
+          <a:bodyPr/>
+          <a:lstStyle/>
+          <a:p>
+            <a:pPr marL="0" marR="0" indent="0" algn="l" defTabSz="914400" rtl="0" eaLnBrk="1" fontAlgn="auto" latinLnBrk="0" hangingPunct="1">
+              <a:lnSpc>
+                <a:spcPct val="100000"/>
+              </a:lnSpc>
+              <a:spcBef>
+                <a:spcPts val="0"/>
+              </a:spcBef>
+              <a:spcAft>
+                <a:spcPts val="0"/>
+              </a:spcAft>
+              <a:buClrTx/>
+              <a:buSzTx/>
+              <a:buFontTx/>
+              <a:buNone/>
+              <a:tabLst/>
+              <a:defRPr/>
+            </a:pPr>
+            <a:r>
+              <a:rPr lang="ru-RU" sz="1200" kern="1200" dirty="0" smtClean="0">
+                <a:solidFill>
+                  <a:schemeClr val="tx1"/>
+                </a:solidFill>
+                <a:effectLst/>
+                <a:latin typeface="+mn-lt"/>
+                <a:ea typeface="+mn-ea"/>
+                <a:cs typeface="+mn-cs"/>
+              </a:rPr>
+              <a:t>Цель, объект, предмет и задачи исследования представлены на слайде №3. Основной целью работы был анализ основных факторов негативно сказывающихся на производительности систем веб-шаблонов, поиск способов их устранения и </a:t>
+            </a:r>
+            <a:r>
+              <a:rPr lang="ru-RU" sz="1200" kern="1200" dirty="0" smtClean="0">
+                <a:solidFill>
+                  <a:schemeClr val="tx1"/>
+                </a:solidFill>
+                <a:effectLst/>
+                <a:latin typeface="+mn-lt"/>
+                <a:ea typeface="+mn-ea"/>
+                <a:cs typeface="+mn-cs"/>
+              </a:rPr>
+              <a:t>дальнейшая разработка </a:t>
+            </a:r>
+            <a:r>
+              <a:rPr lang="ru-RU" sz="1200" kern="1200" dirty="0" smtClean="0">
+                <a:solidFill>
+                  <a:schemeClr val="tx1"/>
+                </a:solidFill>
+                <a:effectLst/>
+                <a:latin typeface="+mn-lt"/>
+                <a:ea typeface="+mn-ea"/>
+                <a:cs typeface="+mn-cs"/>
+              </a:rPr>
+              <a:t>высокопроизводительной системы веб-шаблонов с применение данных подходов. Основные проблемы производительности выявленные в ходе исследования показаны на следующем слайде. </a:t>
+            </a:r>
+            <a:endParaRPr lang="en-US" sz="1200" kern="1200" dirty="0" smtClean="0">
+              <a:solidFill>
+                <a:schemeClr val="tx1"/>
+              </a:solidFill>
+              <a:effectLst/>
+              <a:latin typeface="+mn-lt"/>
+              <a:ea typeface="+mn-ea"/>
+              <a:cs typeface="+mn-cs"/>
+            </a:endParaRPr>
+          </a:p>
+          <a:p>
+            <a:endParaRPr lang="en-US" dirty="0"/>
+          </a:p>
+        </p:txBody>
+      </p:sp>
+      <p:sp>
+        <p:nvSpPr>
+          <p:cNvPr id="4" name="Номер слайда 3"/>
+          <p:cNvSpPr>
+            <a:spLocks noGrp="1"/>
+          </p:cNvSpPr>
+          <p:nvPr>
+            <p:ph type="sldNum" sz="quarter" idx="10"/>
+          </p:nvPr>
+        </p:nvSpPr>
+        <p:spPr/>
+        <p:txBody>
+          <a:bodyPr/>
+          <a:lstStyle/>
+          <a:p>
+            <a:fld id="{608A3F3F-0F8E-4901-95F3-ECC8D9533356}" type="slidenum">
+              <a:rPr lang="en-US" smtClean="0"/>
+              <a:t>3</a:t>
+            </a:fld>
+            <a:endParaRPr lang="en-US" dirty="0"/>
+          </a:p>
+        </p:txBody>
+      </p:sp>
+    </p:spTree>
+    <p:extLst>
+      <p:ext uri="{BB962C8B-B14F-4D97-AF65-F5344CB8AC3E}">
+        <p14:creationId xmlns:p14="http://schemas.microsoft.com/office/powerpoint/2010/main" val="2798603627"/>
+      </p:ext>
+    </p:extLst>
+  </p:cSld>
+  <p:clrMapOvr>
+    <a:masterClrMapping/>
+  </p:clrMapOvr>
+</p:notes>
+</file>
+
+<file path=ppt/notesSlides/notesSlide4.xml><?xml version="1.0" encoding="utf-8"?>
+<p:notes xmlns:a="http://schemas.openxmlformats.org/drawingml/2006/main" xmlns:r="http://schemas.openxmlformats.org/officeDocument/2006/relationships" xmlns:p="http://schemas.openxmlformats.org/presentationml/2006/main">
+  <p:cSld>
+    <p:spTree>
+      <p:nvGrpSpPr>
+        <p:cNvPr id="1" name=""/>
+        <p:cNvGrpSpPr/>
+        <p:nvPr/>
+      </p:nvGrpSpPr>
+      <p:grpSpPr>
+        <a:xfrm>
+          <a:off x="0" y="0"/>
+          <a:ext cx="0" cy="0"/>
+          <a:chOff x="0" y="0"/>
+          <a:chExt cx="0" cy="0"/>
+        </a:xfrm>
+      </p:grpSpPr>
+      <p:sp>
+        <p:nvSpPr>
+          <p:cNvPr id="2" name="Образ слайда 1"/>
+          <p:cNvSpPr>
+            <a:spLocks noGrp="1" noRot="1" noChangeAspect="1"/>
+          </p:cNvSpPr>
+          <p:nvPr>
+            <p:ph type="sldImg"/>
+          </p:nvPr>
+        </p:nvSpPr>
+        <p:spPr/>
+      </p:sp>
+      <p:sp>
+        <p:nvSpPr>
+          <p:cNvPr id="3" name="Заметки 2"/>
+          <p:cNvSpPr>
+            <a:spLocks noGrp="1"/>
+          </p:cNvSpPr>
+          <p:nvPr>
+            <p:ph type="body" idx="1"/>
+          </p:nvPr>
+        </p:nvSpPr>
+        <p:spPr/>
+        <p:txBody>
+          <a:bodyPr/>
+          <a:lstStyle/>
+          <a:p>
+            <a:pPr lvl="0"/>
+            <a:r>
+              <a:rPr lang="ru-RU" sz="1200" kern="1200" dirty="0" smtClean="0">
+                <a:solidFill>
+                  <a:schemeClr val="tx1"/>
+                </a:solidFill>
+                <a:effectLst/>
+                <a:latin typeface="+mn-lt"/>
+                <a:ea typeface="+mn-ea"/>
+                <a:cs typeface="+mn-cs"/>
+              </a:rPr>
+              <a:t>1.</a:t>
+            </a:r>
+            <a:r>
+              <a:rPr lang="ru-RU" sz="1200" kern="1200" baseline="0" dirty="0" smtClean="0">
+                <a:solidFill>
+                  <a:schemeClr val="tx1"/>
+                </a:solidFill>
+                <a:effectLst/>
+                <a:latin typeface="+mn-lt"/>
+                <a:ea typeface="+mn-ea"/>
+                <a:cs typeface="+mn-cs"/>
+              </a:rPr>
+              <a:t> </a:t>
+            </a:r>
+            <a:r>
+              <a:rPr lang="ru-RU" sz="1200" kern="1200" dirty="0" smtClean="0">
+                <a:solidFill>
+                  <a:schemeClr val="tx1"/>
+                </a:solidFill>
+                <a:effectLst/>
+                <a:latin typeface="+mn-lt"/>
+                <a:ea typeface="+mn-ea"/>
+                <a:cs typeface="+mn-cs"/>
+              </a:rPr>
+              <a:t>Подавляющее </a:t>
+            </a:r>
+            <a:r>
+              <a:rPr lang="ru-RU" sz="1200" kern="1200" dirty="0" smtClean="0">
+                <a:solidFill>
+                  <a:schemeClr val="tx1"/>
+                </a:solidFill>
+                <a:effectLst/>
+                <a:latin typeface="+mn-lt"/>
+                <a:ea typeface="+mn-ea"/>
+                <a:cs typeface="+mn-cs"/>
+              </a:rPr>
+              <a:t>большинство существующих решений написаны на интерпретируемых языках (</a:t>
+            </a:r>
+            <a:r>
+              <a:rPr lang="en-US" sz="1200" kern="1200" dirty="0" smtClean="0">
+                <a:solidFill>
+                  <a:schemeClr val="tx1"/>
+                </a:solidFill>
+                <a:effectLst/>
+                <a:latin typeface="+mn-lt"/>
+                <a:ea typeface="+mn-ea"/>
+                <a:cs typeface="+mn-cs"/>
+              </a:rPr>
+              <a:t>PHP</a:t>
+            </a:r>
+            <a:r>
+              <a:rPr lang="ru-RU" sz="1200" kern="1200" dirty="0" smtClean="0">
+                <a:solidFill>
+                  <a:schemeClr val="tx1"/>
+                </a:solidFill>
+                <a:effectLst/>
+                <a:latin typeface="+mn-lt"/>
+                <a:ea typeface="+mn-ea"/>
+                <a:cs typeface="+mn-cs"/>
+              </a:rPr>
+              <a:t>, </a:t>
+            </a:r>
+            <a:r>
+              <a:rPr lang="en-US" sz="1200" kern="1200" dirty="0" smtClean="0">
+                <a:solidFill>
+                  <a:schemeClr val="tx1"/>
+                </a:solidFill>
+                <a:effectLst/>
+                <a:latin typeface="+mn-lt"/>
+                <a:ea typeface="+mn-ea"/>
+                <a:cs typeface="+mn-cs"/>
+              </a:rPr>
+              <a:t>Python</a:t>
+            </a:r>
+            <a:r>
+              <a:rPr lang="ru-RU" sz="1200" kern="1200" dirty="0" smtClean="0">
+                <a:solidFill>
+                  <a:schemeClr val="tx1"/>
+                </a:solidFill>
+                <a:effectLst/>
+                <a:latin typeface="+mn-lt"/>
+                <a:ea typeface="+mn-ea"/>
+                <a:cs typeface="+mn-cs"/>
+              </a:rPr>
+              <a:t>, </a:t>
+            </a:r>
+            <a:r>
+              <a:rPr lang="en-US" sz="1200" kern="1200" dirty="0" smtClean="0">
+                <a:solidFill>
+                  <a:schemeClr val="tx1"/>
+                </a:solidFill>
+                <a:effectLst/>
+                <a:latin typeface="+mn-lt"/>
+                <a:ea typeface="+mn-ea"/>
+                <a:cs typeface="+mn-cs"/>
+              </a:rPr>
+              <a:t>JavaScript</a:t>
+            </a:r>
+            <a:r>
+              <a:rPr lang="ru-RU" sz="1200" kern="1200" dirty="0" smtClean="0">
+                <a:solidFill>
+                  <a:schemeClr val="tx1"/>
+                </a:solidFill>
+                <a:effectLst/>
+                <a:latin typeface="+mn-lt"/>
+                <a:ea typeface="+mn-ea"/>
+                <a:cs typeface="+mn-cs"/>
+              </a:rPr>
+              <a:t>).</a:t>
+            </a:r>
+            <a:r>
+              <a:rPr lang="en-US" sz="1200" kern="1200" dirty="0" smtClean="0">
+                <a:solidFill>
+                  <a:schemeClr val="tx1"/>
+                </a:solidFill>
+                <a:effectLst/>
+                <a:latin typeface="+mn-lt"/>
+                <a:ea typeface="+mn-ea"/>
+                <a:cs typeface="+mn-cs"/>
+              </a:rPr>
+              <a:t> </a:t>
+            </a:r>
+            <a:r>
+              <a:rPr lang="ru-RU" sz="1200" kern="1200" dirty="0" smtClean="0">
+                <a:solidFill>
+                  <a:schemeClr val="tx1"/>
+                </a:solidFill>
+                <a:effectLst/>
+                <a:latin typeface="+mn-lt"/>
+                <a:ea typeface="+mn-ea"/>
+                <a:cs typeface="+mn-cs"/>
+              </a:rPr>
+              <a:t>На</a:t>
+            </a:r>
+            <a:r>
+              <a:rPr lang="ru-RU" sz="1200" kern="1200" baseline="0" dirty="0" smtClean="0">
+                <a:solidFill>
+                  <a:schemeClr val="tx1"/>
+                </a:solidFill>
+                <a:effectLst/>
+                <a:latin typeface="+mn-lt"/>
+                <a:ea typeface="+mn-ea"/>
+                <a:cs typeface="+mn-cs"/>
+              </a:rPr>
+              <a:t> следующем слайде приведена причина почему это является негативным фактором.</a:t>
+            </a:r>
+            <a:endParaRPr lang="en-US" sz="1200" kern="1200" dirty="0" smtClean="0">
+              <a:solidFill>
+                <a:schemeClr val="tx1"/>
+              </a:solidFill>
+              <a:effectLst/>
+              <a:latin typeface="+mn-lt"/>
+              <a:ea typeface="+mn-ea"/>
+              <a:cs typeface="+mn-cs"/>
+            </a:endParaRPr>
+          </a:p>
+          <a:p>
+            <a:pPr lvl="0"/>
+            <a:r>
+              <a:rPr lang="ru-RU" sz="1200" kern="1200" dirty="0" smtClean="0">
+                <a:solidFill>
+                  <a:schemeClr val="tx1"/>
+                </a:solidFill>
+                <a:effectLst/>
+                <a:latin typeface="+mn-lt"/>
+                <a:ea typeface="+mn-ea"/>
+                <a:cs typeface="+mn-cs"/>
+              </a:rPr>
+              <a:t>2. Присутствие </a:t>
+            </a:r>
+            <a:r>
+              <a:rPr lang="ru-RU" sz="1200" kern="1200" dirty="0" smtClean="0">
+                <a:solidFill>
+                  <a:schemeClr val="tx1"/>
+                </a:solidFill>
+                <a:effectLst/>
+                <a:latin typeface="+mn-lt"/>
+                <a:ea typeface="+mn-ea"/>
+                <a:cs typeface="+mn-cs"/>
+              </a:rPr>
+              <a:t>механизм автоматического управления памятью, также известного как сборщик мусора,</a:t>
+            </a:r>
+            <a:r>
+              <a:rPr lang="ru-RU" sz="1200" kern="1200" baseline="0" dirty="0" smtClean="0">
+                <a:solidFill>
+                  <a:schemeClr val="tx1"/>
+                </a:solidFill>
+                <a:effectLst/>
+                <a:latin typeface="+mn-lt"/>
+                <a:ea typeface="+mn-ea"/>
+                <a:cs typeface="+mn-cs"/>
+              </a:rPr>
+              <a:t> который останавливает выполнение программы для освобождения неиспользуемой памяти.</a:t>
+            </a:r>
+            <a:endParaRPr lang="en-US" sz="1200" kern="1200" dirty="0" smtClean="0">
+              <a:solidFill>
+                <a:schemeClr val="tx1"/>
+              </a:solidFill>
+              <a:effectLst/>
+              <a:latin typeface="+mn-lt"/>
+              <a:ea typeface="+mn-ea"/>
+              <a:cs typeface="+mn-cs"/>
+            </a:endParaRPr>
+          </a:p>
+          <a:p>
+            <a:pPr lvl="0"/>
+            <a:r>
+              <a:rPr lang="ru-RU" sz="1200" kern="1200" dirty="0" smtClean="0">
+                <a:solidFill>
+                  <a:schemeClr val="tx1"/>
+                </a:solidFill>
+                <a:effectLst/>
+                <a:latin typeface="+mn-lt"/>
+                <a:ea typeface="+mn-ea"/>
+                <a:cs typeface="+mn-cs"/>
+              </a:rPr>
+              <a:t>3. Не </a:t>
+            </a:r>
+            <a:r>
+              <a:rPr lang="ru-RU" sz="1200" kern="1200" dirty="0" smtClean="0">
+                <a:solidFill>
+                  <a:schemeClr val="tx1"/>
+                </a:solidFill>
+                <a:effectLst/>
+                <a:latin typeface="+mn-lt"/>
+                <a:ea typeface="+mn-ea"/>
+                <a:cs typeface="+mn-cs"/>
+              </a:rPr>
+              <a:t>всегда присутствует кеширования обработанных шаблонов, что приводит к необходимости повторной </a:t>
+            </a:r>
+            <a:r>
+              <a:rPr lang="ru-RU" sz="1200" kern="1200" dirty="0" smtClean="0">
+                <a:solidFill>
+                  <a:schemeClr val="tx1"/>
+                </a:solidFill>
+                <a:effectLst/>
+                <a:latin typeface="+mn-lt"/>
+                <a:ea typeface="+mn-ea"/>
+                <a:cs typeface="+mn-cs"/>
+              </a:rPr>
+              <a:t>обработки</a:t>
+            </a:r>
+            <a:r>
+              <a:rPr lang="ru-RU" sz="1200" kern="1200" baseline="0" dirty="0" smtClean="0">
+                <a:solidFill>
+                  <a:schemeClr val="tx1"/>
+                </a:solidFill>
+                <a:effectLst/>
+                <a:latin typeface="+mn-lt"/>
+                <a:ea typeface="+mn-ea"/>
+                <a:cs typeface="+mn-cs"/>
+              </a:rPr>
+              <a:t>.</a:t>
+            </a:r>
+            <a:endParaRPr lang="en-US" sz="1200" kern="1200" dirty="0" smtClean="0">
+              <a:solidFill>
+                <a:schemeClr val="tx1"/>
+              </a:solidFill>
+              <a:effectLst/>
+              <a:latin typeface="+mn-lt"/>
+              <a:ea typeface="+mn-ea"/>
+              <a:cs typeface="+mn-cs"/>
+            </a:endParaRPr>
+          </a:p>
+          <a:p>
+            <a:pPr lvl="0"/>
+            <a:r>
+              <a:rPr lang="ru-RU" sz="1200" kern="1200" dirty="0" smtClean="0">
+                <a:solidFill>
+                  <a:schemeClr val="tx1"/>
+                </a:solidFill>
+                <a:effectLst/>
+                <a:latin typeface="+mn-lt"/>
+                <a:ea typeface="+mn-ea"/>
+                <a:cs typeface="+mn-cs"/>
+              </a:rPr>
+              <a:t>4. Вычислительные </a:t>
+            </a:r>
+            <a:r>
+              <a:rPr lang="ru-RU" sz="1200" kern="1200" dirty="0" smtClean="0">
+                <a:solidFill>
+                  <a:schemeClr val="tx1"/>
+                </a:solidFill>
+                <a:effectLst/>
+                <a:latin typeface="+mn-lt"/>
+                <a:ea typeface="+mn-ea"/>
+                <a:cs typeface="+mn-cs"/>
+              </a:rPr>
+              <a:t>ресурсы не используются полностью, это является следствием того, что исполнение программы происходит в одном </a:t>
+            </a:r>
+            <a:r>
+              <a:rPr lang="ru-RU" sz="1200" kern="1200" dirty="0" smtClean="0">
+                <a:solidFill>
+                  <a:schemeClr val="tx1"/>
+                </a:solidFill>
+                <a:effectLst/>
+                <a:latin typeface="+mn-lt"/>
+                <a:ea typeface="+mn-ea"/>
+                <a:cs typeface="+mn-cs"/>
+              </a:rPr>
+              <a:t>логическом потоке</a:t>
+            </a:r>
+            <a:r>
+              <a:rPr lang="ru-RU" sz="1200" kern="1200" dirty="0" smtClean="0">
+                <a:solidFill>
+                  <a:schemeClr val="tx1"/>
+                </a:solidFill>
+                <a:effectLst/>
+                <a:latin typeface="+mn-lt"/>
+                <a:ea typeface="+mn-ea"/>
+                <a:cs typeface="+mn-cs"/>
+              </a:rPr>
+              <a:t>, а</a:t>
+            </a:r>
+            <a:r>
+              <a:rPr lang="ru-RU" sz="1200" kern="1200" baseline="0" dirty="0" smtClean="0">
+                <a:solidFill>
+                  <a:schemeClr val="tx1"/>
+                </a:solidFill>
+                <a:effectLst/>
+                <a:latin typeface="+mn-lt"/>
+                <a:ea typeface="+mn-ea"/>
+                <a:cs typeface="+mn-cs"/>
+              </a:rPr>
+              <a:t> также</a:t>
+            </a:r>
+            <a:r>
+              <a:rPr lang="ru-RU" sz="1200" kern="1200" dirty="0" smtClean="0">
+                <a:solidFill>
+                  <a:schemeClr val="tx1"/>
+                </a:solidFill>
+                <a:effectLst/>
+                <a:latin typeface="+mn-lt"/>
+                <a:ea typeface="+mn-ea"/>
+                <a:cs typeface="+mn-cs"/>
+              </a:rPr>
+              <a:t> наличием блокировок процессора, связанных с чтением и записью с медленных хранилищ или каналов передачи данных.</a:t>
+            </a:r>
+            <a:endParaRPr lang="en-US" sz="1200" kern="1200" dirty="0" smtClean="0">
+              <a:solidFill>
+                <a:schemeClr val="tx1"/>
+              </a:solidFill>
+              <a:effectLst/>
+              <a:latin typeface="+mn-lt"/>
+              <a:ea typeface="+mn-ea"/>
+              <a:cs typeface="+mn-cs"/>
+            </a:endParaRPr>
+          </a:p>
+          <a:p>
+            <a:endParaRPr lang="en-US" dirty="0"/>
+          </a:p>
+        </p:txBody>
+      </p:sp>
+      <p:sp>
+        <p:nvSpPr>
+          <p:cNvPr id="4" name="Номер слайда 3"/>
+          <p:cNvSpPr>
+            <a:spLocks noGrp="1"/>
+          </p:cNvSpPr>
+          <p:nvPr>
+            <p:ph type="sldNum" sz="quarter" idx="10"/>
+          </p:nvPr>
+        </p:nvSpPr>
+        <p:spPr/>
+        <p:txBody>
+          <a:bodyPr/>
+          <a:lstStyle/>
+          <a:p>
+            <a:fld id="{608A3F3F-0F8E-4901-95F3-ECC8D9533356}" type="slidenum">
+              <a:rPr lang="en-US" smtClean="0"/>
+              <a:t>4</a:t>
+            </a:fld>
+            <a:endParaRPr lang="en-US" dirty="0"/>
+          </a:p>
+        </p:txBody>
+      </p:sp>
+    </p:spTree>
+    <p:extLst>
+      <p:ext uri="{BB962C8B-B14F-4D97-AF65-F5344CB8AC3E}">
+        <p14:creationId xmlns:p14="http://schemas.microsoft.com/office/powerpoint/2010/main" val="1027962310"/>
+      </p:ext>
+    </p:extLst>
+  </p:cSld>
+  <p:clrMapOvr>
+    <a:masterClrMapping/>
+  </p:clrMapOvr>
+</p:notes>
+</file>
+
+<file path=ppt/notesSlides/notesSlide5.xml><?xml version="1.0" encoding="utf-8"?>
+<p:notes xmlns:a="http://schemas.openxmlformats.org/drawingml/2006/main" xmlns:r="http://schemas.openxmlformats.org/officeDocument/2006/relationships" xmlns:p="http://schemas.openxmlformats.org/presentationml/2006/main">
+  <p:cSld>
+    <p:spTree>
+      <p:nvGrpSpPr>
+        <p:cNvPr id="1" name=""/>
+        <p:cNvGrpSpPr/>
+        <p:nvPr/>
+      </p:nvGrpSpPr>
+      <p:grpSpPr>
+        <a:xfrm>
+          <a:off x="0" y="0"/>
+          <a:ext cx="0" cy="0"/>
+          <a:chOff x="0" y="0"/>
+          <a:chExt cx="0" cy="0"/>
+        </a:xfrm>
+      </p:grpSpPr>
+      <p:sp>
+        <p:nvSpPr>
+          <p:cNvPr id="2" name="Образ слайда 1"/>
+          <p:cNvSpPr>
+            <a:spLocks noGrp="1" noRot="1" noChangeAspect="1"/>
+          </p:cNvSpPr>
+          <p:nvPr>
+            <p:ph type="sldImg"/>
+          </p:nvPr>
+        </p:nvSpPr>
+        <p:spPr/>
+      </p:sp>
+      <p:sp>
+        <p:nvSpPr>
+          <p:cNvPr id="3" name="Заметки 2"/>
+          <p:cNvSpPr>
+            <a:spLocks noGrp="1"/>
+          </p:cNvSpPr>
+          <p:nvPr>
+            <p:ph type="body" idx="1"/>
+          </p:nvPr>
+        </p:nvSpPr>
+        <p:spPr/>
+        <p:txBody>
+          <a:bodyPr/>
+          <a:lstStyle/>
+          <a:p>
+            <a:r>
+              <a:rPr lang="ru-RU" sz="1200" kern="1200" dirty="0" smtClean="0">
+                <a:solidFill>
+                  <a:schemeClr val="tx1"/>
+                </a:solidFill>
+                <a:effectLst/>
+                <a:latin typeface="+mn-lt"/>
+                <a:ea typeface="+mn-ea"/>
+                <a:cs typeface="+mn-cs"/>
+              </a:rPr>
+              <a:t>На слайде №5 представлено схематическое сравнение интерпретируемых и компилируемых языков программирования.</a:t>
+            </a:r>
+            <a:endParaRPr lang="en-US" sz="1200" kern="1200" dirty="0" smtClean="0">
+              <a:solidFill>
+                <a:schemeClr val="tx1"/>
+              </a:solidFill>
+              <a:effectLst/>
+              <a:latin typeface="+mn-lt"/>
+              <a:ea typeface="+mn-ea"/>
+              <a:cs typeface="+mn-cs"/>
+            </a:endParaRPr>
+          </a:p>
+          <a:p>
+            <a:r>
+              <a:rPr lang="ru-RU" sz="1200" kern="1200" dirty="0" smtClean="0">
+                <a:solidFill>
+                  <a:schemeClr val="tx1"/>
+                </a:solidFill>
+                <a:effectLst/>
+                <a:latin typeface="+mn-lt"/>
+                <a:ea typeface="+mn-ea"/>
+                <a:cs typeface="+mn-cs"/>
+              </a:rPr>
+              <a:t>При компиляции, компилятор обрабатывает исходный код и производит оптимизированный машинный бинарный код под целевую архитектуру ЭВМ.</a:t>
+            </a:r>
+            <a:endParaRPr lang="en-US" sz="1200" kern="1200" dirty="0" smtClean="0">
+              <a:solidFill>
+                <a:schemeClr val="tx1"/>
+              </a:solidFill>
+              <a:effectLst/>
+              <a:latin typeface="+mn-lt"/>
+              <a:ea typeface="+mn-ea"/>
+              <a:cs typeface="+mn-cs"/>
+            </a:endParaRPr>
+          </a:p>
+          <a:p>
+            <a:r>
+              <a:rPr lang="ru-RU" sz="1200" kern="1200" dirty="0" smtClean="0">
+                <a:solidFill>
+                  <a:schemeClr val="tx1"/>
+                </a:solidFill>
+                <a:effectLst/>
+                <a:latin typeface="+mn-lt"/>
+                <a:ea typeface="+mn-ea"/>
+                <a:cs typeface="+mn-cs"/>
+              </a:rPr>
+              <a:t>В</a:t>
+            </a:r>
+            <a:r>
+              <a:rPr lang="ru-RU" sz="1200" kern="1200" baseline="0" dirty="0" smtClean="0">
+                <a:solidFill>
+                  <a:schemeClr val="tx1"/>
+                </a:solidFill>
+                <a:effectLst/>
+                <a:latin typeface="+mn-lt"/>
+                <a:ea typeface="+mn-ea"/>
+                <a:cs typeface="+mn-cs"/>
+              </a:rPr>
+              <a:t> случае</a:t>
+            </a:r>
+            <a:r>
+              <a:rPr lang="ru-RU" sz="1200" kern="1200" dirty="0" smtClean="0">
+                <a:solidFill>
+                  <a:schemeClr val="tx1"/>
+                </a:solidFill>
+                <a:effectLst/>
+                <a:latin typeface="+mn-lt"/>
+                <a:ea typeface="+mn-ea"/>
+                <a:cs typeface="+mn-cs"/>
+              </a:rPr>
+              <a:t> интерпретации обработка исходного кода происходит построчно, и результатом такого процесса является промежуточный код некой виртуальной машины, так же известной как байт-код. Далее байт-код подвергается процессу трансляции в машинный код </a:t>
+            </a:r>
+            <a:r>
+              <a:rPr lang="ru-RU" sz="1200" kern="1200" dirty="0" smtClean="0">
+                <a:solidFill>
+                  <a:schemeClr val="tx1"/>
+                </a:solidFill>
+                <a:effectLst/>
+                <a:latin typeface="+mn-lt"/>
+                <a:ea typeface="+mn-ea"/>
+                <a:cs typeface="+mn-cs"/>
+              </a:rPr>
+              <a:t>уже целевой </a:t>
+            </a:r>
+            <a:r>
+              <a:rPr lang="ru-RU" sz="1200" kern="1200" dirty="0" smtClean="0">
+                <a:solidFill>
+                  <a:schemeClr val="tx1"/>
+                </a:solidFill>
+                <a:effectLst/>
+                <a:latin typeface="+mn-lt"/>
+                <a:ea typeface="+mn-ea"/>
+                <a:cs typeface="+mn-cs"/>
+              </a:rPr>
+              <a:t>архитектуры. </a:t>
+            </a:r>
+            <a:endParaRPr lang="en-US" sz="1200" kern="1200" dirty="0" smtClean="0">
+              <a:solidFill>
+                <a:schemeClr val="tx1"/>
+              </a:solidFill>
+              <a:effectLst/>
+              <a:latin typeface="+mn-lt"/>
+              <a:ea typeface="+mn-ea"/>
+              <a:cs typeface="+mn-cs"/>
+            </a:endParaRPr>
+          </a:p>
+          <a:p>
+            <a:r>
+              <a:rPr lang="ru-RU" sz="1200" kern="1200" dirty="0" smtClean="0">
+                <a:solidFill>
+                  <a:schemeClr val="tx1"/>
+                </a:solidFill>
+                <a:effectLst/>
+                <a:latin typeface="+mn-lt"/>
+                <a:ea typeface="+mn-ea"/>
+                <a:cs typeface="+mn-cs"/>
+              </a:rPr>
+              <a:t>Такой подход к исполнению программы в несколько раз медленнее по сравнению с компилируемым аналогом.</a:t>
+            </a:r>
+            <a:endParaRPr lang="en-US" sz="1200" kern="1200" dirty="0" smtClean="0">
+              <a:solidFill>
+                <a:schemeClr val="tx1"/>
+              </a:solidFill>
+              <a:effectLst/>
+              <a:latin typeface="+mn-lt"/>
+              <a:ea typeface="+mn-ea"/>
+              <a:cs typeface="+mn-cs"/>
+            </a:endParaRPr>
+          </a:p>
+          <a:p>
+            <a:endParaRPr lang="en-US" dirty="0"/>
+          </a:p>
+        </p:txBody>
+      </p:sp>
+      <p:sp>
+        <p:nvSpPr>
+          <p:cNvPr id="4" name="Номер слайда 3"/>
+          <p:cNvSpPr>
+            <a:spLocks noGrp="1"/>
+          </p:cNvSpPr>
+          <p:nvPr>
+            <p:ph type="sldNum" sz="quarter" idx="10"/>
+          </p:nvPr>
+        </p:nvSpPr>
+        <p:spPr/>
+        <p:txBody>
+          <a:bodyPr/>
+          <a:lstStyle/>
+          <a:p>
+            <a:fld id="{608A3F3F-0F8E-4901-95F3-ECC8D9533356}" type="slidenum">
+              <a:rPr lang="en-US" smtClean="0"/>
+              <a:t>5</a:t>
+            </a:fld>
+            <a:endParaRPr lang="en-US" dirty="0"/>
+          </a:p>
+        </p:txBody>
+      </p:sp>
+    </p:spTree>
+    <p:extLst>
+      <p:ext uri="{BB962C8B-B14F-4D97-AF65-F5344CB8AC3E}">
+        <p14:creationId xmlns:p14="http://schemas.microsoft.com/office/powerpoint/2010/main" val="3111289847"/>
+      </p:ext>
+    </p:extLst>
+  </p:cSld>
+  <p:clrMapOvr>
+    <a:masterClrMapping/>
+  </p:clrMapOvr>
+</p:notes>
+</file>
+
+<file path=ppt/notesSlides/notesSlide6.xml><?xml version="1.0" encoding="utf-8"?>
+<p:notes xmlns:a="http://schemas.openxmlformats.org/drawingml/2006/main" xmlns:r="http://schemas.openxmlformats.org/officeDocument/2006/relationships" xmlns:p="http://schemas.openxmlformats.org/presentationml/2006/main">
+  <p:cSld>
+    <p:spTree>
+      <p:nvGrpSpPr>
+        <p:cNvPr id="1" name=""/>
+        <p:cNvGrpSpPr/>
+        <p:nvPr/>
+      </p:nvGrpSpPr>
+      <p:grpSpPr>
+        <a:xfrm>
+          <a:off x="0" y="0"/>
+          <a:ext cx="0" cy="0"/>
+          <a:chOff x="0" y="0"/>
+          <a:chExt cx="0" cy="0"/>
+        </a:xfrm>
+      </p:grpSpPr>
+      <p:sp>
+        <p:nvSpPr>
+          <p:cNvPr id="2" name="Образ слайда 1"/>
+          <p:cNvSpPr>
+            <a:spLocks noGrp="1" noRot="1" noChangeAspect="1"/>
+          </p:cNvSpPr>
+          <p:nvPr>
+            <p:ph type="sldImg"/>
+          </p:nvPr>
+        </p:nvSpPr>
+        <p:spPr/>
+      </p:sp>
+      <p:sp>
+        <p:nvSpPr>
+          <p:cNvPr id="3" name="Заметки 2"/>
+          <p:cNvSpPr>
+            <a:spLocks noGrp="1"/>
+          </p:cNvSpPr>
+          <p:nvPr>
+            <p:ph type="body" idx="1"/>
+          </p:nvPr>
+        </p:nvSpPr>
+        <p:spPr/>
+        <p:txBody>
+          <a:bodyPr/>
+          <a:lstStyle/>
+          <a:p>
+            <a:r>
+              <a:rPr lang="ru-RU" sz="1200" kern="1200" dirty="0" smtClean="0">
+                <a:solidFill>
+                  <a:schemeClr val="tx1"/>
+                </a:solidFill>
+                <a:effectLst/>
+                <a:latin typeface="+mn-lt"/>
+                <a:ea typeface="+mn-ea"/>
+                <a:cs typeface="+mn-cs"/>
+              </a:rPr>
+              <a:t>Для решения ранее описанных проблем, были предложены следующие подходы:</a:t>
+            </a:r>
+            <a:endParaRPr lang="en-US" sz="1200" kern="1200" dirty="0" smtClean="0">
+              <a:solidFill>
+                <a:schemeClr val="tx1"/>
+              </a:solidFill>
+              <a:effectLst/>
+              <a:latin typeface="+mn-lt"/>
+              <a:ea typeface="+mn-ea"/>
+              <a:cs typeface="+mn-cs"/>
+            </a:endParaRPr>
+          </a:p>
+          <a:p>
+            <a:pPr lvl="0"/>
+            <a:r>
+              <a:rPr lang="ru-RU" sz="1200" kern="1200" dirty="0" smtClean="0">
+                <a:solidFill>
+                  <a:schemeClr val="tx1"/>
+                </a:solidFill>
+                <a:effectLst/>
+                <a:latin typeface="+mn-lt"/>
+                <a:ea typeface="+mn-ea"/>
+                <a:cs typeface="+mn-cs"/>
+              </a:rPr>
+              <a:t>1.</a:t>
+            </a:r>
+            <a:r>
+              <a:rPr lang="ru-RU" sz="1200" kern="1200" baseline="0" dirty="0" smtClean="0">
+                <a:solidFill>
+                  <a:schemeClr val="tx1"/>
+                </a:solidFill>
+                <a:effectLst/>
+                <a:latin typeface="+mn-lt"/>
+                <a:ea typeface="+mn-ea"/>
+                <a:cs typeface="+mn-cs"/>
+              </a:rPr>
+              <a:t> </a:t>
+            </a:r>
+            <a:r>
+              <a:rPr lang="ru-RU" sz="1200" kern="1200" dirty="0" smtClean="0">
+                <a:solidFill>
+                  <a:schemeClr val="tx1"/>
+                </a:solidFill>
+                <a:effectLst/>
+                <a:latin typeface="+mn-lt"/>
+                <a:ea typeface="+mn-ea"/>
+                <a:cs typeface="+mn-cs"/>
+              </a:rPr>
+              <a:t>Использование </a:t>
+            </a:r>
+            <a:r>
+              <a:rPr lang="ru-RU" sz="1200" kern="1200" dirty="0" smtClean="0">
+                <a:solidFill>
+                  <a:schemeClr val="tx1"/>
+                </a:solidFill>
+                <a:effectLst/>
+                <a:latin typeface="+mn-lt"/>
+                <a:ea typeface="+mn-ea"/>
+                <a:cs typeface="+mn-cs"/>
+              </a:rPr>
+              <a:t>компилируемых языков программирования вместо интерпретируемых.</a:t>
+            </a:r>
+            <a:endParaRPr lang="en-US" sz="1200" kern="1200" dirty="0" smtClean="0">
+              <a:solidFill>
+                <a:schemeClr val="tx1"/>
+              </a:solidFill>
+              <a:effectLst/>
+              <a:latin typeface="+mn-lt"/>
+              <a:ea typeface="+mn-ea"/>
+              <a:cs typeface="+mn-cs"/>
+            </a:endParaRPr>
+          </a:p>
+          <a:p>
+            <a:pPr lvl="0"/>
+            <a:r>
+              <a:rPr lang="ru-RU" sz="1200" kern="1200" baseline="0" dirty="0" smtClean="0">
+                <a:solidFill>
+                  <a:schemeClr val="tx1"/>
+                </a:solidFill>
+                <a:effectLst/>
+                <a:latin typeface="+mn-lt"/>
+                <a:ea typeface="+mn-ea"/>
+                <a:cs typeface="+mn-cs"/>
+              </a:rPr>
+              <a:t>2. </a:t>
+            </a:r>
+            <a:r>
+              <a:rPr lang="ru-RU" sz="1200" kern="1200" dirty="0" smtClean="0">
+                <a:solidFill>
+                  <a:schemeClr val="tx1"/>
+                </a:solidFill>
+                <a:effectLst/>
+                <a:latin typeface="+mn-lt"/>
+                <a:ea typeface="+mn-ea"/>
+                <a:cs typeface="+mn-cs"/>
+              </a:rPr>
+              <a:t>В выбранном языке программирования не должно быть механизма сборки мусора, а в целях упрощения управления памятью необходимо чтобы язык поддерживал идиому </a:t>
+            </a:r>
+            <a:r>
+              <a:rPr lang="en-US" sz="1200" kern="1200" dirty="0" smtClean="0">
+                <a:solidFill>
+                  <a:schemeClr val="tx1"/>
+                </a:solidFill>
+                <a:effectLst/>
+                <a:latin typeface="+mn-lt"/>
+                <a:ea typeface="+mn-ea"/>
+                <a:cs typeface="+mn-cs"/>
+              </a:rPr>
+              <a:t>RAII</a:t>
+            </a:r>
+            <a:r>
+              <a:rPr lang="ru-RU" sz="1200" kern="1200" dirty="0" smtClean="0">
+                <a:solidFill>
+                  <a:schemeClr val="tx1"/>
+                </a:solidFill>
+                <a:effectLst/>
+                <a:latin typeface="+mn-lt"/>
+                <a:ea typeface="+mn-ea"/>
+                <a:cs typeface="+mn-cs"/>
+              </a:rPr>
+              <a:t> (объект который получил ресурс, ответственен за его освобождение).</a:t>
+            </a:r>
+            <a:endParaRPr lang="en-US" sz="1200" kern="1200" dirty="0" smtClean="0">
+              <a:solidFill>
+                <a:schemeClr val="tx1"/>
+              </a:solidFill>
+              <a:effectLst/>
+              <a:latin typeface="+mn-lt"/>
+              <a:ea typeface="+mn-ea"/>
+              <a:cs typeface="+mn-cs"/>
+            </a:endParaRPr>
+          </a:p>
+          <a:p>
+            <a:pPr lvl="0"/>
+            <a:r>
+              <a:rPr lang="ru-RU" sz="1200" kern="1200" baseline="0" dirty="0" smtClean="0">
+                <a:solidFill>
+                  <a:schemeClr val="tx1"/>
+                </a:solidFill>
+                <a:effectLst/>
+                <a:latin typeface="+mn-lt"/>
+                <a:ea typeface="+mn-ea"/>
+                <a:cs typeface="+mn-cs"/>
+              </a:rPr>
+              <a:t>3. </a:t>
+            </a:r>
+            <a:r>
+              <a:rPr lang="ru-RU" sz="1200" kern="1200" dirty="0" smtClean="0">
+                <a:solidFill>
+                  <a:schemeClr val="tx1"/>
+                </a:solidFill>
+                <a:effectLst/>
+                <a:latin typeface="+mn-lt"/>
+                <a:ea typeface="+mn-ea"/>
+                <a:cs typeface="+mn-cs"/>
+              </a:rPr>
+              <a:t>Реализация кеширования шаблонов с применением вытесняющих </a:t>
+            </a:r>
+            <a:r>
+              <a:rPr lang="ru-RU" sz="1200" kern="1200" dirty="0" smtClean="0">
+                <a:solidFill>
+                  <a:schemeClr val="tx1"/>
+                </a:solidFill>
+                <a:effectLst/>
+                <a:latin typeface="+mn-lt"/>
+                <a:ea typeface="+mn-ea"/>
+                <a:cs typeface="+mn-cs"/>
+              </a:rPr>
+              <a:t>алгоритмов, таких</a:t>
+            </a:r>
+            <a:r>
+              <a:rPr lang="ru-RU" sz="1200" kern="1200" baseline="0" dirty="0" smtClean="0">
+                <a:solidFill>
+                  <a:schemeClr val="tx1"/>
+                </a:solidFill>
+                <a:effectLst/>
+                <a:latin typeface="+mn-lt"/>
+                <a:ea typeface="+mn-ea"/>
+                <a:cs typeface="+mn-cs"/>
+              </a:rPr>
+              <a:t> как</a:t>
+            </a:r>
+            <a:r>
+              <a:rPr lang="ru-RU" sz="1200" kern="1200" dirty="0" smtClean="0">
+                <a:solidFill>
+                  <a:schemeClr val="tx1"/>
+                </a:solidFill>
+                <a:effectLst/>
+                <a:latin typeface="+mn-lt"/>
+                <a:ea typeface="+mn-ea"/>
+                <a:cs typeface="+mn-cs"/>
+              </a:rPr>
+              <a:t> </a:t>
+            </a:r>
+            <a:r>
+              <a:rPr lang="en-US" sz="1200" kern="1200" dirty="0" smtClean="0">
+                <a:solidFill>
+                  <a:schemeClr val="tx1"/>
+                </a:solidFill>
+                <a:effectLst/>
+                <a:latin typeface="+mn-lt"/>
+                <a:ea typeface="+mn-ea"/>
+                <a:cs typeface="+mn-cs"/>
+              </a:rPr>
+              <a:t>LRU </a:t>
+            </a:r>
+            <a:r>
+              <a:rPr lang="ru-RU" sz="1200" kern="1200" dirty="0" smtClean="0">
+                <a:solidFill>
+                  <a:schemeClr val="tx1"/>
+                </a:solidFill>
+                <a:effectLst/>
+                <a:latin typeface="+mn-lt"/>
+                <a:ea typeface="+mn-ea"/>
+                <a:cs typeface="+mn-cs"/>
+              </a:rPr>
+              <a:t>(вытеснение давно не используемых объектов из кеша) или </a:t>
+            </a:r>
+            <a:r>
+              <a:rPr lang="en-US" sz="1200" kern="1200" dirty="0" smtClean="0">
+                <a:solidFill>
+                  <a:schemeClr val="tx1"/>
+                </a:solidFill>
+                <a:effectLst/>
+                <a:latin typeface="+mn-lt"/>
+                <a:ea typeface="+mn-ea"/>
+                <a:cs typeface="+mn-cs"/>
+              </a:rPr>
+              <a:t>LFU</a:t>
+            </a:r>
+            <a:r>
+              <a:rPr lang="ru-RU" sz="1200" kern="1200" dirty="0" smtClean="0">
+                <a:solidFill>
+                  <a:schemeClr val="tx1"/>
+                </a:solidFill>
+                <a:effectLst/>
+                <a:latin typeface="+mn-lt"/>
+                <a:ea typeface="+mn-ea"/>
+                <a:cs typeface="+mn-cs"/>
+              </a:rPr>
+              <a:t> (вытеснение наименее используемых объектов).</a:t>
+            </a:r>
+            <a:endParaRPr lang="en-US" sz="1200" kern="1200" dirty="0" smtClean="0">
+              <a:solidFill>
+                <a:schemeClr val="tx1"/>
+              </a:solidFill>
+              <a:effectLst/>
+              <a:latin typeface="+mn-lt"/>
+              <a:ea typeface="+mn-ea"/>
+              <a:cs typeface="+mn-cs"/>
+            </a:endParaRPr>
+          </a:p>
+          <a:p>
+            <a:pPr lvl="0"/>
+            <a:r>
+              <a:rPr lang="ru-RU" sz="1200" kern="1200" dirty="0" smtClean="0">
+                <a:solidFill>
+                  <a:schemeClr val="tx1"/>
+                </a:solidFill>
+                <a:effectLst/>
+                <a:latin typeface="+mn-lt"/>
+                <a:ea typeface="+mn-ea"/>
+                <a:cs typeface="+mn-cs"/>
+              </a:rPr>
+              <a:t>И для адресации проблемы простоя вычислительных ресурсов,</a:t>
+            </a:r>
+            <a:r>
+              <a:rPr lang="ru-RU" sz="1200" kern="1200" baseline="0" dirty="0" smtClean="0">
+                <a:solidFill>
+                  <a:schemeClr val="tx1"/>
+                </a:solidFill>
+                <a:effectLst/>
+                <a:latin typeface="+mn-lt"/>
+                <a:ea typeface="+mn-ea"/>
+                <a:cs typeface="+mn-cs"/>
+              </a:rPr>
+              <a:t> и повышения удобства эксплуатации продукта, </a:t>
+            </a:r>
+            <a:r>
+              <a:rPr lang="ru-RU" sz="1200" kern="1200" dirty="0" smtClean="0">
+                <a:solidFill>
+                  <a:schemeClr val="tx1"/>
+                </a:solidFill>
+                <a:effectLst/>
+                <a:latin typeface="+mn-lt"/>
+                <a:ea typeface="+mn-ea"/>
+                <a:cs typeface="+mn-cs"/>
+              </a:rPr>
+              <a:t>Реализация системы веб-шаблонов как веб-сервис, который может параллельно и асинхронно обрабатывать большое количество запросов на построение веб-документов или на управление шаблонами.</a:t>
+            </a:r>
+            <a:endParaRPr lang="en-US" sz="1200" kern="1200" dirty="0" smtClean="0">
+              <a:solidFill>
+                <a:schemeClr val="tx1"/>
+              </a:solidFill>
+              <a:effectLst/>
+              <a:latin typeface="+mn-lt"/>
+              <a:ea typeface="+mn-ea"/>
+              <a:cs typeface="+mn-cs"/>
+            </a:endParaRPr>
+          </a:p>
+          <a:p>
+            <a:endParaRPr lang="en-US" dirty="0"/>
+          </a:p>
+        </p:txBody>
+      </p:sp>
+      <p:sp>
+        <p:nvSpPr>
+          <p:cNvPr id="4" name="Номер слайда 3"/>
+          <p:cNvSpPr>
+            <a:spLocks noGrp="1"/>
+          </p:cNvSpPr>
+          <p:nvPr>
+            <p:ph type="sldNum" sz="quarter" idx="10"/>
+          </p:nvPr>
+        </p:nvSpPr>
+        <p:spPr/>
+        <p:txBody>
+          <a:bodyPr/>
+          <a:lstStyle/>
+          <a:p>
+            <a:fld id="{608A3F3F-0F8E-4901-95F3-ECC8D9533356}" type="slidenum">
+              <a:rPr lang="en-US" smtClean="0"/>
+              <a:t>6</a:t>
+            </a:fld>
+            <a:endParaRPr lang="en-US" dirty="0"/>
+          </a:p>
+        </p:txBody>
+      </p:sp>
+    </p:spTree>
+    <p:extLst>
+      <p:ext uri="{BB962C8B-B14F-4D97-AF65-F5344CB8AC3E}">
+        <p14:creationId xmlns:p14="http://schemas.microsoft.com/office/powerpoint/2010/main" val="1710772339"/>
+      </p:ext>
+    </p:extLst>
+  </p:cSld>
+  <p:clrMapOvr>
+    <a:masterClrMapping/>
+  </p:clrMapOvr>
+</p:notes>
+</file>
+
+<file path=ppt/notesSlides/notesSlide7.xml><?xml version="1.0" encoding="utf-8"?>
+<p:notes xmlns:a="http://schemas.openxmlformats.org/drawingml/2006/main" xmlns:r="http://schemas.openxmlformats.org/officeDocument/2006/relationships" xmlns:p="http://schemas.openxmlformats.org/presentationml/2006/main">
+  <p:cSld>
+    <p:spTree>
+      <p:nvGrpSpPr>
+        <p:cNvPr id="1" name=""/>
+        <p:cNvGrpSpPr/>
+        <p:nvPr/>
+      </p:nvGrpSpPr>
+      <p:grpSpPr>
+        <a:xfrm>
+          <a:off x="0" y="0"/>
+          <a:ext cx="0" cy="0"/>
+          <a:chOff x="0" y="0"/>
+          <a:chExt cx="0" cy="0"/>
+        </a:xfrm>
+      </p:grpSpPr>
+      <p:sp>
+        <p:nvSpPr>
+          <p:cNvPr id="2" name="Образ слайда 1"/>
+          <p:cNvSpPr>
+            <a:spLocks noGrp="1" noRot="1" noChangeAspect="1"/>
+          </p:cNvSpPr>
+          <p:nvPr>
+            <p:ph type="sldImg"/>
+          </p:nvPr>
+        </p:nvSpPr>
+        <p:spPr/>
+      </p:sp>
+      <p:sp>
+        <p:nvSpPr>
+          <p:cNvPr id="3" name="Заметки 2"/>
+          <p:cNvSpPr>
+            <a:spLocks noGrp="1"/>
+          </p:cNvSpPr>
+          <p:nvPr>
+            <p:ph type="body" idx="1"/>
+          </p:nvPr>
+        </p:nvSpPr>
+        <p:spPr/>
+        <p:txBody>
+          <a:bodyPr/>
+          <a:lstStyle/>
+          <a:p>
+            <a:r>
+              <a:rPr lang="ru-RU" sz="1200" kern="1200" dirty="0" smtClean="0">
+                <a:solidFill>
+                  <a:schemeClr val="tx1"/>
+                </a:solidFill>
+                <a:effectLst/>
+                <a:latin typeface="+mn-lt"/>
+                <a:ea typeface="+mn-ea"/>
+                <a:cs typeface="+mn-cs"/>
+              </a:rPr>
+              <a:t>Практическая часть работы посвящена проектированию и разработке ранее упомянутого веб-сервиса по построению веб-документов.</a:t>
+            </a:r>
+            <a:endParaRPr lang="en-US" sz="1200" kern="1200" dirty="0" smtClean="0">
+              <a:solidFill>
+                <a:schemeClr val="tx1"/>
+              </a:solidFill>
+              <a:effectLst/>
+              <a:latin typeface="+mn-lt"/>
+              <a:ea typeface="+mn-ea"/>
+              <a:cs typeface="+mn-cs"/>
+            </a:endParaRPr>
+          </a:p>
+          <a:p>
+            <a:r>
+              <a:rPr lang="ru-RU" sz="1200" kern="1200" dirty="0" smtClean="0">
+                <a:solidFill>
+                  <a:schemeClr val="tx1"/>
+                </a:solidFill>
+                <a:effectLst/>
+                <a:latin typeface="+mn-lt"/>
+                <a:ea typeface="+mn-ea"/>
+                <a:cs typeface="+mn-cs"/>
+              </a:rPr>
+              <a:t>Укрупнённо модель веб-сервиса выглядит следующим образом:</a:t>
+            </a:r>
+            <a:endParaRPr lang="en-US" sz="1200" kern="1200" dirty="0" smtClean="0">
+              <a:solidFill>
+                <a:schemeClr val="tx1"/>
+              </a:solidFill>
+              <a:effectLst/>
+              <a:latin typeface="+mn-lt"/>
+              <a:ea typeface="+mn-ea"/>
+              <a:cs typeface="+mn-cs"/>
+            </a:endParaRPr>
+          </a:p>
+          <a:p>
+            <a:r>
+              <a:rPr lang="en-US" sz="1200" kern="1200" dirty="0" smtClean="0">
+                <a:solidFill>
+                  <a:schemeClr val="tx1"/>
+                </a:solidFill>
+                <a:effectLst/>
+                <a:latin typeface="+mn-lt"/>
+                <a:ea typeface="+mn-ea"/>
+                <a:cs typeface="+mn-cs"/>
+              </a:rPr>
+              <a:t>N</a:t>
+            </a:r>
+            <a:r>
+              <a:rPr lang="ru-RU" sz="1200" kern="1200" dirty="0" err="1" smtClean="0">
+                <a:solidFill>
+                  <a:schemeClr val="tx1"/>
+                </a:solidFill>
+                <a:effectLst/>
+                <a:latin typeface="+mn-lt"/>
+                <a:ea typeface="+mn-ea"/>
+                <a:cs typeface="+mn-cs"/>
+              </a:rPr>
+              <a:t>ое</a:t>
+            </a:r>
+            <a:r>
+              <a:rPr lang="ru-RU" sz="1200" kern="1200" baseline="0" dirty="0" smtClean="0">
+                <a:solidFill>
+                  <a:schemeClr val="tx1"/>
+                </a:solidFill>
+                <a:effectLst/>
+                <a:latin typeface="+mn-lt"/>
+                <a:ea typeface="+mn-ea"/>
+                <a:cs typeface="+mn-cs"/>
+              </a:rPr>
+              <a:t> количество</a:t>
+            </a:r>
+            <a:r>
+              <a:rPr lang="ru-RU" sz="1200" kern="1200" dirty="0" smtClean="0">
+                <a:solidFill>
+                  <a:schemeClr val="tx1"/>
+                </a:solidFill>
+                <a:effectLst/>
+                <a:latin typeface="+mn-lt"/>
+                <a:ea typeface="+mn-ea"/>
+                <a:cs typeface="+mn-cs"/>
+              </a:rPr>
+              <a:t> </a:t>
+            </a:r>
+            <a:r>
+              <a:rPr lang="ru-RU" sz="1200" kern="1200" dirty="0" smtClean="0">
+                <a:solidFill>
+                  <a:schemeClr val="tx1"/>
+                </a:solidFill>
+                <a:effectLst/>
+                <a:latin typeface="+mn-lt"/>
+                <a:ea typeface="+mn-ea"/>
+                <a:cs typeface="+mn-cs"/>
+              </a:rPr>
+              <a:t>клиентов делает обращения к сервису посредством </a:t>
+            </a:r>
+            <a:r>
+              <a:rPr lang="en-US" sz="1200" kern="1200" dirty="0" smtClean="0">
+                <a:solidFill>
+                  <a:schemeClr val="tx1"/>
+                </a:solidFill>
+                <a:effectLst/>
+                <a:latin typeface="+mn-lt"/>
+                <a:ea typeface="+mn-ea"/>
+                <a:cs typeface="+mn-cs"/>
+              </a:rPr>
+              <a:t>HTTP </a:t>
+            </a:r>
+            <a:r>
+              <a:rPr lang="ru-RU" sz="1200" kern="1200" dirty="0" smtClean="0">
+                <a:solidFill>
+                  <a:schemeClr val="tx1"/>
+                </a:solidFill>
+                <a:effectLst/>
+                <a:latin typeface="+mn-lt"/>
+                <a:ea typeface="+mn-ea"/>
+                <a:cs typeface="+mn-cs"/>
+              </a:rPr>
+              <a:t>запросов, сервис </a:t>
+            </a:r>
+            <a:r>
+              <a:rPr lang="ru-RU" sz="1200" kern="1200" dirty="0" smtClean="0">
+                <a:solidFill>
+                  <a:schemeClr val="tx1"/>
+                </a:solidFill>
+                <a:effectLst/>
+                <a:latin typeface="+mn-lt"/>
+                <a:ea typeface="+mn-ea"/>
+                <a:cs typeface="+mn-cs"/>
+              </a:rPr>
+              <a:t>в свою очередь</a:t>
+            </a:r>
+            <a:r>
+              <a:rPr lang="ru-RU" sz="1200" kern="1200" baseline="0" dirty="0" smtClean="0">
+                <a:solidFill>
+                  <a:schemeClr val="tx1"/>
+                </a:solidFill>
+                <a:effectLst/>
+                <a:latin typeface="+mn-lt"/>
+                <a:ea typeface="+mn-ea"/>
+                <a:cs typeface="+mn-cs"/>
+              </a:rPr>
+              <a:t> </a:t>
+            </a:r>
+            <a:r>
+              <a:rPr lang="ru-RU" sz="1200" kern="1200" dirty="0" smtClean="0">
+                <a:solidFill>
+                  <a:schemeClr val="tx1"/>
+                </a:solidFill>
+                <a:effectLst/>
+                <a:latin typeface="+mn-lt"/>
+                <a:ea typeface="+mn-ea"/>
+                <a:cs typeface="+mn-cs"/>
+              </a:rPr>
+              <a:t>перенаправляет </a:t>
+            </a:r>
+            <a:r>
+              <a:rPr lang="ru-RU" sz="1200" kern="1200" dirty="0" smtClean="0">
+                <a:solidFill>
+                  <a:schemeClr val="tx1"/>
+                </a:solidFill>
+                <a:effectLst/>
+                <a:latin typeface="+mn-lt"/>
+                <a:ea typeface="+mn-ea"/>
+                <a:cs typeface="+mn-cs"/>
+              </a:rPr>
+              <a:t>запросы на соответствующие модули в зависимости от типа запроса.</a:t>
+            </a:r>
+            <a:endParaRPr lang="en-US" sz="1200" kern="1200" dirty="0" smtClean="0">
+              <a:solidFill>
+                <a:schemeClr val="tx1"/>
+              </a:solidFill>
+              <a:effectLst/>
+              <a:latin typeface="+mn-lt"/>
+              <a:ea typeface="+mn-ea"/>
+              <a:cs typeface="+mn-cs"/>
+            </a:endParaRPr>
+          </a:p>
+          <a:p>
+            <a:endParaRPr lang="en-US" dirty="0"/>
+          </a:p>
+        </p:txBody>
+      </p:sp>
+      <p:sp>
+        <p:nvSpPr>
+          <p:cNvPr id="4" name="Номер слайда 3"/>
+          <p:cNvSpPr>
+            <a:spLocks noGrp="1"/>
+          </p:cNvSpPr>
+          <p:nvPr>
+            <p:ph type="sldNum" sz="quarter" idx="10"/>
+          </p:nvPr>
+        </p:nvSpPr>
+        <p:spPr/>
+        <p:txBody>
+          <a:bodyPr/>
+          <a:lstStyle/>
+          <a:p>
+            <a:fld id="{608A3F3F-0F8E-4901-95F3-ECC8D9533356}" type="slidenum">
+              <a:rPr lang="en-US" smtClean="0"/>
+              <a:t>7</a:t>
+            </a:fld>
+            <a:endParaRPr lang="en-US" dirty="0"/>
+          </a:p>
+        </p:txBody>
+      </p:sp>
+    </p:spTree>
+    <p:extLst>
+      <p:ext uri="{BB962C8B-B14F-4D97-AF65-F5344CB8AC3E}">
+        <p14:creationId xmlns:p14="http://schemas.microsoft.com/office/powerpoint/2010/main" val="2357873287"/>
+      </p:ext>
+    </p:extLst>
+  </p:cSld>
+  <p:clrMapOvr>
+    <a:masterClrMapping/>
+  </p:clrMapOvr>
+</p:notes>
+</file>
+
+<file path=ppt/notesSlides/notesSlide8.xml><?xml version="1.0" encoding="utf-8"?>
+<p:notes xmlns:a="http://schemas.openxmlformats.org/drawingml/2006/main" xmlns:r="http://schemas.openxmlformats.org/officeDocument/2006/relationships" xmlns:p="http://schemas.openxmlformats.org/presentationml/2006/main">
+  <p:cSld>
+    <p:spTree>
+      <p:nvGrpSpPr>
+        <p:cNvPr id="1" name=""/>
+        <p:cNvGrpSpPr/>
+        <p:nvPr/>
+      </p:nvGrpSpPr>
+      <p:grpSpPr>
+        <a:xfrm>
+          <a:off x="0" y="0"/>
+          <a:ext cx="0" cy="0"/>
+          <a:chOff x="0" y="0"/>
+          <a:chExt cx="0" cy="0"/>
+        </a:xfrm>
+      </p:grpSpPr>
+      <p:sp>
+        <p:nvSpPr>
+          <p:cNvPr id="2" name="Образ слайда 1"/>
+          <p:cNvSpPr>
+            <a:spLocks noGrp="1" noRot="1" noChangeAspect="1"/>
+          </p:cNvSpPr>
+          <p:nvPr>
+            <p:ph type="sldImg"/>
+          </p:nvPr>
+        </p:nvSpPr>
+        <p:spPr/>
+      </p:sp>
+      <p:sp>
+        <p:nvSpPr>
+          <p:cNvPr id="3" name="Заметки 2"/>
+          <p:cNvSpPr>
+            <a:spLocks noGrp="1"/>
+          </p:cNvSpPr>
+          <p:nvPr>
+            <p:ph type="body" idx="1"/>
+          </p:nvPr>
+        </p:nvSpPr>
+        <p:spPr/>
+        <p:txBody>
+          <a:bodyPr/>
+          <a:lstStyle/>
+          <a:p>
+            <a:pPr marL="0" marR="0" indent="0" algn="l" defTabSz="914400" rtl="0" eaLnBrk="1" fontAlgn="auto" latinLnBrk="0" hangingPunct="1">
+              <a:lnSpc>
+                <a:spcPct val="100000"/>
+              </a:lnSpc>
+              <a:spcBef>
+                <a:spcPts val="0"/>
+              </a:spcBef>
+              <a:spcAft>
+                <a:spcPts val="0"/>
+              </a:spcAft>
+              <a:buClrTx/>
+              <a:buSzTx/>
+              <a:buFontTx/>
+              <a:buNone/>
+              <a:tabLst/>
+              <a:defRPr/>
+            </a:pPr>
+            <a:r>
+              <a:rPr lang="ru-RU" sz="1200" kern="1200" dirty="0" smtClean="0">
+                <a:solidFill>
+                  <a:schemeClr val="tx1"/>
+                </a:solidFill>
+                <a:effectLst/>
+                <a:latin typeface="+mn-lt"/>
+                <a:ea typeface="+mn-ea"/>
+                <a:cs typeface="+mn-cs"/>
+              </a:rPr>
+              <a:t>На слайде №8 приведена </a:t>
+            </a:r>
+            <a:r>
+              <a:rPr lang="en-US" sz="1200" kern="1200" dirty="0" smtClean="0">
+                <a:solidFill>
+                  <a:schemeClr val="tx1"/>
+                </a:solidFill>
+                <a:effectLst/>
+                <a:latin typeface="+mn-lt"/>
+                <a:ea typeface="+mn-ea"/>
+                <a:cs typeface="+mn-cs"/>
+              </a:rPr>
+              <a:t>IDEF</a:t>
+            </a:r>
+            <a:r>
+              <a:rPr lang="ru-RU" sz="1200" kern="1200" dirty="0" smtClean="0">
+                <a:solidFill>
+                  <a:schemeClr val="tx1"/>
+                </a:solidFill>
+                <a:effectLst/>
+                <a:latin typeface="+mn-lt"/>
+                <a:ea typeface="+mn-ea"/>
+                <a:cs typeface="+mn-cs"/>
+              </a:rPr>
+              <a:t>0 диаграмма обработки таких </a:t>
+            </a:r>
+            <a:r>
+              <a:rPr lang="en-US" sz="1200" kern="1200" dirty="0" smtClean="0">
+                <a:solidFill>
+                  <a:schemeClr val="tx1"/>
+                </a:solidFill>
+                <a:effectLst/>
+                <a:latin typeface="+mn-lt"/>
+                <a:ea typeface="+mn-ea"/>
+                <a:cs typeface="+mn-cs"/>
+              </a:rPr>
+              <a:t>HTTP </a:t>
+            </a:r>
+            <a:r>
+              <a:rPr lang="ru-RU" sz="1200" kern="1200" dirty="0" smtClean="0">
+                <a:solidFill>
+                  <a:schemeClr val="tx1"/>
+                </a:solidFill>
+                <a:effectLst/>
+                <a:latin typeface="+mn-lt"/>
+                <a:ea typeface="+mn-ea"/>
+                <a:cs typeface="+mn-cs"/>
+              </a:rPr>
+              <a:t>запросов</a:t>
+            </a:r>
+            <a:r>
+              <a:rPr lang="ru-RU" sz="1200" kern="1200" dirty="0" smtClean="0">
+                <a:solidFill>
+                  <a:schemeClr val="tx1"/>
+                </a:solidFill>
+                <a:effectLst/>
+                <a:latin typeface="+mn-lt"/>
+                <a:ea typeface="+mn-ea"/>
+                <a:cs typeface="+mn-cs"/>
+              </a:rPr>
+              <a:t>, где модель</a:t>
+            </a:r>
+            <a:r>
+              <a:rPr lang="ru-RU" sz="1200" kern="1200" baseline="0" dirty="0" smtClean="0">
+                <a:solidFill>
+                  <a:schemeClr val="tx1"/>
+                </a:solidFill>
+                <a:effectLst/>
+                <a:latin typeface="+mn-lt"/>
+                <a:ea typeface="+mn-ea"/>
+                <a:cs typeface="+mn-cs"/>
+              </a:rPr>
+              <a:t> раскрыта более детально,</a:t>
+            </a:r>
+            <a:r>
+              <a:rPr lang="ru-RU" sz="1200" kern="1200" dirty="0" smtClean="0">
+                <a:solidFill>
+                  <a:schemeClr val="tx1"/>
+                </a:solidFill>
+                <a:effectLst/>
+                <a:latin typeface="+mn-lt"/>
+                <a:ea typeface="+mn-ea"/>
+                <a:cs typeface="+mn-cs"/>
+              </a:rPr>
+              <a:t> </a:t>
+            </a:r>
+            <a:r>
+              <a:rPr lang="ru-RU" sz="1200" kern="1200" dirty="0" smtClean="0">
+                <a:solidFill>
+                  <a:schemeClr val="tx1"/>
+                </a:solidFill>
+                <a:effectLst/>
+                <a:latin typeface="+mn-lt"/>
+                <a:ea typeface="+mn-ea"/>
+                <a:cs typeface="+mn-cs"/>
+              </a:rPr>
+              <a:t>по ней видно, что после предварительной обработки запроса в целях</a:t>
+            </a:r>
+            <a:r>
+              <a:rPr lang="ru-RU" sz="1200" kern="1200" baseline="0" dirty="0" smtClean="0">
+                <a:solidFill>
+                  <a:schemeClr val="tx1"/>
+                </a:solidFill>
+                <a:effectLst/>
+                <a:latin typeface="+mn-lt"/>
+                <a:ea typeface="+mn-ea"/>
+                <a:cs typeface="+mn-cs"/>
+              </a:rPr>
+              <a:t> определения его типа,</a:t>
+            </a:r>
+            <a:r>
+              <a:rPr lang="ru-RU" sz="1200" kern="1200" dirty="0" smtClean="0">
+                <a:solidFill>
+                  <a:schemeClr val="tx1"/>
+                </a:solidFill>
+                <a:effectLst/>
+                <a:latin typeface="+mn-lt"/>
+                <a:ea typeface="+mn-ea"/>
+                <a:cs typeface="+mn-cs"/>
+              </a:rPr>
+              <a:t> веб-сервис перенаправляет его на соответствующую подсистему для осуществления  дальнейшей обработки. Тип запроса, например,</a:t>
+            </a:r>
+            <a:r>
+              <a:rPr lang="ru-RU" sz="1200" kern="1200" baseline="0" dirty="0" smtClean="0">
+                <a:solidFill>
+                  <a:schemeClr val="tx1"/>
+                </a:solidFill>
+                <a:effectLst/>
+                <a:latin typeface="+mn-lt"/>
+                <a:ea typeface="+mn-ea"/>
+                <a:cs typeface="+mn-cs"/>
+              </a:rPr>
+              <a:t> </a:t>
+            </a:r>
+            <a:r>
+              <a:rPr lang="ru-RU" sz="1200" kern="1200" dirty="0" smtClean="0">
+                <a:solidFill>
+                  <a:schemeClr val="tx1"/>
+                </a:solidFill>
+                <a:effectLst/>
+                <a:latin typeface="+mn-lt"/>
+                <a:ea typeface="+mn-ea"/>
+                <a:cs typeface="+mn-cs"/>
+              </a:rPr>
+              <a:t>может быть на построение документа или же на обновление шаблона в хранилище.</a:t>
+            </a:r>
+            <a:endParaRPr lang="en-US" sz="1200" kern="1200" dirty="0" smtClean="0">
+              <a:solidFill>
+                <a:schemeClr val="tx1"/>
+              </a:solidFill>
+              <a:effectLst/>
+              <a:latin typeface="+mn-lt"/>
+              <a:ea typeface="+mn-ea"/>
+              <a:cs typeface="+mn-cs"/>
+            </a:endParaRPr>
+          </a:p>
+          <a:p>
+            <a:endParaRPr lang="en-US" dirty="0"/>
+          </a:p>
+        </p:txBody>
+      </p:sp>
+      <p:sp>
+        <p:nvSpPr>
+          <p:cNvPr id="4" name="Номер слайда 3"/>
+          <p:cNvSpPr>
+            <a:spLocks noGrp="1"/>
+          </p:cNvSpPr>
+          <p:nvPr>
+            <p:ph type="sldNum" sz="quarter" idx="10"/>
+          </p:nvPr>
+        </p:nvSpPr>
+        <p:spPr/>
+        <p:txBody>
+          <a:bodyPr/>
+          <a:lstStyle/>
+          <a:p>
+            <a:fld id="{608A3F3F-0F8E-4901-95F3-ECC8D9533356}" type="slidenum">
+              <a:rPr lang="en-US" smtClean="0"/>
+              <a:t>8</a:t>
+            </a:fld>
+            <a:endParaRPr lang="en-US" dirty="0"/>
+          </a:p>
+        </p:txBody>
+      </p:sp>
+    </p:spTree>
+    <p:extLst>
+      <p:ext uri="{BB962C8B-B14F-4D97-AF65-F5344CB8AC3E}">
+        <p14:creationId xmlns:p14="http://schemas.microsoft.com/office/powerpoint/2010/main" val="1187688169"/>
+      </p:ext>
+    </p:extLst>
+  </p:cSld>
+  <p:clrMapOvr>
+    <a:masterClrMapping/>
+  </p:clrMapOvr>
+</p:notes>
+</file>
+
+<file path=ppt/notesSlides/notesSlide9.xml><?xml version="1.0" encoding="utf-8"?>
+<p:notes xmlns:a="http://schemas.openxmlformats.org/drawingml/2006/main" xmlns:r="http://schemas.openxmlformats.org/officeDocument/2006/relationships" xmlns:p="http://schemas.openxmlformats.org/presentationml/2006/main">
+  <p:cSld>
+    <p:spTree>
+      <p:nvGrpSpPr>
+        <p:cNvPr id="1" name=""/>
+        <p:cNvGrpSpPr/>
+        <p:nvPr/>
+      </p:nvGrpSpPr>
+      <p:grpSpPr>
+        <a:xfrm>
+          <a:off x="0" y="0"/>
+          <a:ext cx="0" cy="0"/>
+          <a:chOff x="0" y="0"/>
+          <a:chExt cx="0" cy="0"/>
+        </a:xfrm>
+      </p:grpSpPr>
+      <p:sp>
+        <p:nvSpPr>
+          <p:cNvPr id="2" name="Образ слайда 1"/>
+          <p:cNvSpPr>
+            <a:spLocks noGrp="1" noRot="1" noChangeAspect="1"/>
+          </p:cNvSpPr>
+          <p:nvPr>
+            <p:ph type="sldImg"/>
+          </p:nvPr>
+        </p:nvSpPr>
+        <p:spPr/>
+      </p:sp>
+      <p:sp>
+        <p:nvSpPr>
+          <p:cNvPr id="3" name="Заметки 2"/>
+          <p:cNvSpPr>
+            <a:spLocks noGrp="1"/>
+          </p:cNvSpPr>
+          <p:nvPr>
+            <p:ph type="body" idx="1"/>
+          </p:nvPr>
+        </p:nvSpPr>
+        <p:spPr/>
+        <p:txBody>
+          <a:bodyPr/>
+          <a:lstStyle/>
+          <a:p>
+            <a:r>
+              <a:rPr lang="ru-RU" sz="1200" kern="1200" dirty="0" smtClean="0">
+                <a:solidFill>
+                  <a:schemeClr val="tx1"/>
+                </a:solidFill>
+                <a:effectLst/>
+                <a:latin typeface="+mn-lt"/>
+                <a:ea typeface="+mn-ea"/>
+                <a:cs typeface="+mn-cs"/>
+              </a:rPr>
+              <a:t>Для реализации ранее описанного веб-сервиса построения веб-документов были использованы следующие технологии:</a:t>
+            </a:r>
+            <a:endParaRPr lang="en-US" sz="1200" kern="1200" dirty="0" smtClean="0">
+              <a:solidFill>
+                <a:schemeClr val="tx1"/>
+              </a:solidFill>
+              <a:effectLst/>
+              <a:latin typeface="+mn-lt"/>
+              <a:ea typeface="+mn-ea"/>
+              <a:cs typeface="+mn-cs"/>
+            </a:endParaRPr>
+          </a:p>
+          <a:p>
+            <a:r>
+              <a:rPr lang="ru-RU" sz="1200" kern="1200" dirty="0" smtClean="0">
+                <a:solidFill>
+                  <a:schemeClr val="tx1"/>
+                </a:solidFill>
+                <a:effectLst/>
+                <a:latin typeface="+mn-lt"/>
+                <a:ea typeface="+mn-ea"/>
+                <a:cs typeface="+mn-cs"/>
+              </a:rPr>
+              <a:t>Серверная часть была написана на языке программирования </a:t>
+            </a:r>
+            <a:r>
+              <a:rPr lang="en-US" sz="1200" kern="1200" dirty="0" smtClean="0">
+                <a:solidFill>
+                  <a:schemeClr val="tx1"/>
+                </a:solidFill>
+                <a:effectLst/>
+                <a:latin typeface="+mn-lt"/>
+                <a:ea typeface="+mn-ea"/>
+                <a:cs typeface="+mn-cs"/>
+              </a:rPr>
+              <a:t>Rust</a:t>
+            </a:r>
+            <a:r>
+              <a:rPr lang="ru-RU" sz="1200" kern="1200" dirty="0" smtClean="0">
+                <a:solidFill>
+                  <a:schemeClr val="tx1"/>
+                </a:solidFill>
+                <a:effectLst/>
+                <a:latin typeface="+mn-lt"/>
+                <a:ea typeface="+mn-ea"/>
+                <a:cs typeface="+mn-cs"/>
+              </a:rPr>
+              <a:t> (компилируемый язык, без сборки мусора и с повышенными гарантиями на безопасность выполнения). Для поддержки многопоточного и асинхронного исполнения была использована библиотека </a:t>
+            </a:r>
+            <a:r>
+              <a:rPr lang="en-US" sz="1200" kern="1200" dirty="0" err="1" smtClean="0">
+                <a:solidFill>
+                  <a:schemeClr val="tx1"/>
+                </a:solidFill>
+                <a:effectLst/>
+                <a:latin typeface="+mn-lt"/>
+                <a:ea typeface="+mn-ea"/>
+                <a:cs typeface="+mn-cs"/>
+              </a:rPr>
+              <a:t>tokio</a:t>
+            </a:r>
+            <a:r>
+              <a:rPr lang="ru-RU" sz="1200" kern="1200" dirty="0" smtClean="0">
+                <a:solidFill>
+                  <a:schemeClr val="tx1"/>
+                </a:solidFill>
+                <a:effectLst/>
+                <a:latin typeface="+mn-lt"/>
+                <a:ea typeface="+mn-ea"/>
+                <a:cs typeface="+mn-cs"/>
+              </a:rPr>
+              <a:t>. А для непосредственно самой шаблонизации в веб-сервис был интегрирован шаблонизатор </a:t>
+            </a:r>
+            <a:r>
+              <a:rPr lang="en-US" sz="1200" kern="1200" dirty="0" err="1" smtClean="0">
+                <a:solidFill>
+                  <a:schemeClr val="tx1"/>
+                </a:solidFill>
+                <a:effectLst/>
+                <a:latin typeface="+mn-lt"/>
+                <a:ea typeface="+mn-ea"/>
+                <a:cs typeface="+mn-cs"/>
+              </a:rPr>
+              <a:t>tera</a:t>
+            </a:r>
+            <a:r>
+              <a:rPr lang="ru-RU" sz="1200" kern="1200" dirty="0" smtClean="0">
+                <a:solidFill>
+                  <a:schemeClr val="tx1"/>
+                </a:solidFill>
+                <a:effectLst/>
+                <a:latin typeface="+mn-lt"/>
+                <a:ea typeface="+mn-ea"/>
+                <a:cs typeface="+mn-cs"/>
+              </a:rPr>
+              <a:t>.</a:t>
+            </a:r>
+            <a:endParaRPr lang="en-US" sz="1200" kern="1200" dirty="0" smtClean="0">
+              <a:solidFill>
+                <a:schemeClr val="tx1"/>
+              </a:solidFill>
+              <a:effectLst/>
+              <a:latin typeface="+mn-lt"/>
+              <a:ea typeface="+mn-ea"/>
+              <a:cs typeface="+mn-cs"/>
+            </a:endParaRPr>
+          </a:p>
+          <a:p>
+            <a:r>
+              <a:rPr lang="ru-RU" sz="1200" kern="1200" dirty="0" smtClean="0">
+                <a:solidFill>
+                  <a:schemeClr val="tx1"/>
+                </a:solidFill>
+                <a:effectLst/>
+                <a:latin typeface="+mn-lt"/>
+                <a:ea typeface="+mn-ea"/>
+                <a:cs typeface="+mn-cs"/>
+              </a:rPr>
+              <a:t>Пользовательский веб-интерфейс был написан с применением </a:t>
+            </a:r>
+            <a:r>
+              <a:rPr lang="ru-RU" sz="1200" kern="1200" dirty="0" err="1" smtClean="0">
+                <a:solidFill>
+                  <a:schemeClr val="tx1"/>
+                </a:solidFill>
+                <a:effectLst/>
+                <a:latin typeface="+mn-lt"/>
+                <a:ea typeface="+mn-ea"/>
+                <a:cs typeface="+mn-cs"/>
+              </a:rPr>
+              <a:t>javascript</a:t>
+            </a:r>
+            <a:r>
+              <a:rPr lang="ru-RU" sz="1200" kern="1200" dirty="0" smtClean="0">
+                <a:solidFill>
+                  <a:schemeClr val="tx1"/>
+                </a:solidFill>
+                <a:effectLst/>
+                <a:latin typeface="+mn-lt"/>
+                <a:ea typeface="+mn-ea"/>
+                <a:cs typeface="+mn-cs"/>
+              </a:rPr>
+              <a:t>-фреймворка </a:t>
+            </a:r>
+            <a:r>
+              <a:rPr lang="en-US" sz="1200" kern="1200" dirty="0" err="1" smtClean="0">
+                <a:solidFill>
+                  <a:schemeClr val="tx1"/>
+                </a:solidFill>
+                <a:effectLst/>
+                <a:latin typeface="+mn-lt"/>
+                <a:ea typeface="+mn-ea"/>
+                <a:cs typeface="+mn-cs"/>
+              </a:rPr>
+              <a:t>vuejs</a:t>
+            </a:r>
+            <a:r>
+              <a:rPr lang="ru-RU" sz="1200" kern="1200" dirty="0" smtClean="0">
+                <a:solidFill>
+                  <a:schemeClr val="tx1"/>
+                </a:solidFill>
+                <a:effectLst/>
+                <a:latin typeface="+mn-lt"/>
+                <a:ea typeface="+mn-ea"/>
+                <a:cs typeface="+mn-cs"/>
+              </a:rPr>
+              <a:t> и использованием стандартных </a:t>
+            </a:r>
+            <a:r>
+              <a:rPr lang="en-US" sz="1200" kern="1200" dirty="0" smtClean="0">
+                <a:solidFill>
+                  <a:schemeClr val="tx1"/>
+                </a:solidFill>
+                <a:effectLst/>
+                <a:latin typeface="+mn-lt"/>
+                <a:ea typeface="+mn-ea"/>
+                <a:cs typeface="+mn-cs"/>
+              </a:rPr>
+              <a:t>html </a:t>
+            </a:r>
+            <a:r>
+              <a:rPr lang="ru-RU" sz="1200" kern="1200" dirty="0" smtClean="0">
+                <a:solidFill>
+                  <a:schemeClr val="tx1"/>
+                </a:solidFill>
+                <a:effectLst/>
+                <a:latin typeface="+mn-lt"/>
+                <a:ea typeface="+mn-ea"/>
+                <a:cs typeface="+mn-cs"/>
+              </a:rPr>
+              <a:t>и </a:t>
+            </a:r>
+            <a:r>
+              <a:rPr lang="en-US" sz="1200" kern="1200" dirty="0" err="1" smtClean="0">
+                <a:solidFill>
+                  <a:schemeClr val="tx1"/>
+                </a:solidFill>
+                <a:effectLst/>
+                <a:latin typeface="+mn-lt"/>
+                <a:ea typeface="+mn-ea"/>
+                <a:cs typeface="+mn-cs"/>
+              </a:rPr>
+              <a:t>css</a:t>
+            </a:r>
+            <a:r>
+              <a:rPr lang="ru-RU" sz="1200" kern="1200" dirty="0" smtClean="0">
+                <a:solidFill>
+                  <a:schemeClr val="tx1"/>
+                </a:solidFill>
+                <a:effectLst/>
+                <a:latin typeface="+mn-lt"/>
+                <a:ea typeface="+mn-ea"/>
+                <a:cs typeface="+mn-cs"/>
+              </a:rPr>
+              <a:t>.</a:t>
+            </a:r>
+          </a:p>
+          <a:p>
+            <a:pPr marL="0" marR="0" indent="0" algn="l" defTabSz="914400" rtl="0" eaLnBrk="1" fontAlgn="auto" latinLnBrk="0" hangingPunct="1">
+              <a:lnSpc>
+                <a:spcPct val="100000"/>
+              </a:lnSpc>
+              <a:spcBef>
+                <a:spcPts val="0"/>
+              </a:spcBef>
+              <a:spcAft>
+                <a:spcPts val="0"/>
+              </a:spcAft>
+              <a:buClrTx/>
+              <a:buSzTx/>
+              <a:buFontTx/>
+              <a:buNone/>
+              <a:tabLst/>
+              <a:defRPr/>
+            </a:pPr>
+            <a:r>
+              <a:rPr lang="ru-RU" sz="1200" kern="1200" dirty="0" smtClean="0">
+                <a:solidFill>
+                  <a:schemeClr val="tx1"/>
+                </a:solidFill>
+                <a:effectLst/>
+                <a:latin typeface="+mn-lt"/>
+                <a:ea typeface="+mn-ea"/>
+                <a:cs typeface="+mn-cs"/>
+              </a:rPr>
+              <a:t>Также стоит упомянуть, что в силу клиент-серверной архитектуры, клиентом может выступать любая сущность, поддерживающая </a:t>
+            </a:r>
+            <a:r>
+              <a:rPr lang="en-US" sz="1200" kern="1200" dirty="0" smtClean="0">
+                <a:solidFill>
+                  <a:schemeClr val="tx1"/>
+                </a:solidFill>
+                <a:effectLst/>
+                <a:latin typeface="+mn-lt"/>
+                <a:ea typeface="+mn-ea"/>
+                <a:cs typeface="+mn-cs"/>
+              </a:rPr>
+              <a:t>HTTP </a:t>
+            </a:r>
+            <a:r>
+              <a:rPr lang="ru-RU" sz="1200" kern="1200" dirty="0" smtClean="0">
+                <a:solidFill>
+                  <a:schemeClr val="tx1"/>
+                </a:solidFill>
+                <a:effectLst/>
+                <a:latin typeface="+mn-lt"/>
+                <a:ea typeface="+mn-ea"/>
+                <a:cs typeface="+mn-cs"/>
+              </a:rPr>
+              <a:t>протокол обмена данными.</a:t>
+            </a:r>
+          </a:p>
+          <a:p>
+            <a:r>
+              <a:rPr lang="ru-RU" sz="1200" kern="1200" dirty="0" smtClean="0">
+                <a:solidFill>
+                  <a:schemeClr val="tx1"/>
+                </a:solidFill>
+                <a:effectLst/>
+                <a:latin typeface="+mn-lt"/>
+                <a:ea typeface="+mn-ea"/>
+                <a:cs typeface="+mn-cs"/>
+              </a:rPr>
+              <a:t>Основания для выбора той или технологии приведены в </a:t>
+            </a:r>
+            <a:r>
+              <a:rPr lang="ru-RU" sz="1200" kern="1200" dirty="0" smtClean="0">
+                <a:solidFill>
+                  <a:schemeClr val="tx1"/>
+                </a:solidFill>
+                <a:effectLst/>
+                <a:latin typeface="+mn-lt"/>
+                <a:ea typeface="+mn-ea"/>
+                <a:cs typeface="+mn-cs"/>
+              </a:rPr>
+              <a:t>расчётно-пояснительной </a:t>
+            </a:r>
+            <a:r>
+              <a:rPr lang="ru-RU" sz="1200" kern="1200" dirty="0" smtClean="0">
+                <a:solidFill>
+                  <a:schemeClr val="tx1"/>
+                </a:solidFill>
+                <a:effectLst/>
+                <a:latin typeface="+mn-lt"/>
+                <a:ea typeface="+mn-ea"/>
+                <a:cs typeface="+mn-cs"/>
+              </a:rPr>
+              <a:t>записке.</a:t>
+            </a:r>
+            <a:endParaRPr lang="en-US" sz="1200" kern="1200" dirty="0" smtClean="0">
+              <a:solidFill>
+                <a:schemeClr val="tx1"/>
+              </a:solidFill>
+              <a:effectLst/>
+              <a:latin typeface="+mn-lt"/>
+              <a:ea typeface="+mn-ea"/>
+              <a:cs typeface="+mn-cs"/>
+            </a:endParaRPr>
+          </a:p>
+          <a:p>
+            <a:endParaRPr lang="en-US" dirty="0"/>
+          </a:p>
+        </p:txBody>
+      </p:sp>
+      <p:sp>
+        <p:nvSpPr>
+          <p:cNvPr id="4" name="Номер слайда 3"/>
+          <p:cNvSpPr>
+            <a:spLocks noGrp="1"/>
+          </p:cNvSpPr>
+          <p:nvPr>
+            <p:ph type="sldNum" sz="quarter" idx="10"/>
+          </p:nvPr>
+        </p:nvSpPr>
+        <p:spPr/>
+        <p:txBody>
+          <a:bodyPr/>
+          <a:lstStyle/>
+          <a:p>
+            <a:fld id="{608A3F3F-0F8E-4901-95F3-ECC8D9533356}" type="slidenum">
+              <a:rPr lang="en-US" smtClean="0"/>
+              <a:t>9</a:t>
+            </a:fld>
+            <a:endParaRPr lang="en-US" dirty="0"/>
+          </a:p>
+        </p:txBody>
+      </p:sp>
+    </p:spTree>
+    <p:extLst>
+      <p:ext uri="{BB962C8B-B14F-4D97-AF65-F5344CB8AC3E}">
+        <p14:creationId xmlns:p14="http://schemas.microsoft.com/office/powerpoint/2010/main" val="2276227621"/>
+      </p:ext>
+    </p:extLst>
+  </p:cSld>
+  <p:clrMapOvr>
+    <a:masterClrMapping/>
+  </p:clrMapOvr>
+</p:notes>
+</file>
+
 <file path=ppt/slideLayouts/slideLayout1.xml><?xml version="1.0" encoding="utf-8"?>
 <p:sldLayout xmlns:a="http://schemas.openxmlformats.org/drawingml/2006/main" xmlns:r="http://schemas.openxmlformats.org/officeDocument/2006/relationships" xmlns:p="http://schemas.openxmlformats.org/presentationml/2006/main" type="title" preserve="1">
   <p:cSld name="Титульный слайд">
@@ -6750,7 +10008,7 @@
           <a:p>
             <a:fld id="{8A5229FB-8832-4A27-994F-F3EDC38C3527}" type="datetimeFigureOut">
               <a:rPr lang="en-US" smtClean="0"/>
-              <a:t>6/18/2020</a:t>
+              <a:t>6/19/2020</a:t>
             </a:fld>
             <a:endParaRPr lang="en-US" dirty="0"/>
           </a:p>
@@ -6920,7 +10178,7 @@
           <a:p>
             <a:fld id="{8A5229FB-8832-4A27-994F-F3EDC38C3527}" type="datetimeFigureOut">
               <a:rPr lang="en-US" smtClean="0"/>
-              <a:t>6/18/2020</a:t>
+              <a:t>6/19/2020</a:t>
             </a:fld>
             <a:endParaRPr lang="en-US" dirty="0"/>
           </a:p>
@@ -7100,7 +10358,7 @@
           <a:p>
             <a:fld id="{8A5229FB-8832-4A27-994F-F3EDC38C3527}" type="datetimeFigureOut">
               <a:rPr lang="en-US" smtClean="0"/>
-              <a:t>6/18/2020</a:t>
+              <a:t>6/19/2020</a:t>
             </a:fld>
             <a:endParaRPr lang="en-US" dirty="0"/>
           </a:p>
@@ -7270,7 +10528,7 @@
           <a:p>
             <a:fld id="{8A5229FB-8832-4A27-994F-F3EDC38C3527}" type="datetimeFigureOut">
               <a:rPr lang="en-US" smtClean="0"/>
-              <a:t>6/18/2020</a:t>
+              <a:t>6/19/2020</a:t>
             </a:fld>
             <a:endParaRPr lang="en-US" dirty="0"/>
           </a:p>
@@ -7516,7 +10774,7 @@
           <a:p>
             <a:fld id="{8A5229FB-8832-4A27-994F-F3EDC38C3527}" type="datetimeFigureOut">
               <a:rPr lang="en-US" smtClean="0"/>
-              <a:t>6/18/2020</a:t>
+              <a:t>6/19/2020</a:t>
             </a:fld>
             <a:endParaRPr lang="en-US" dirty="0"/>
           </a:p>
@@ -7748,7 +11006,7 @@
           <a:p>
             <a:fld id="{8A5229FB-8832-4A27-994F-F3EDC38C3527}" type="datetimeFigureOut">
               <a:rPr lang="en-US" smtClean="0"/>
-              <a:t>6/18/2020</a:t>
+              <a:t>6/19/2020</a:t>
             </a:fld>
             <a:endParaRPr lang="en-US" dirty="0"/>
           </a:p>
@@ -8115,7 +11373,7 @@
           <a:p>
             <a:fld id="{8A5229FB-8832-4A27-994F-F3EDC38C3527}" type="datetimeFigureOut">
               <a:rPr lang="en-US" smtClean="0"/>
-              <a:t>6/18/2020</a:t>
+              <a:t>6/19/2020</a:t>
             </a:fld>
             <a:endParaRPr lang="en-US" dirty="0"/>
           </a:p>
@@ -8233,7 +11491,7 @@
           <a:p>
             <a:fld id="{8A5229FB-8832-4A27-994F-F3EDC38C3527}" type="datetimeFigureOut">
               <a:rPr lang="en-US" smtClean="0"/>
-              <a:t>6/18/2020</a:t>
+              <a:t>6/19/2020</a:t>
             </a:fld>
             <a:endParaRPr lang="en-US" dirty="0"/>
           </a:p>
@@ -8328,7 +11586,7 @@
           <a:p>
             <a:fld id="{8A5229FB-8832-4A27-994F-F3EDC38C3527}" type="datetimeFigureOut">
               <a:rPr lang="en-US" smtClean="0"/>
-              <a:t>6/18/2020</a:t>
+              <a:t>6/19/2020</a:t>
             </a:fld>
             <a:endParaRPr lang="en-US" dirty="0"/>
           </a:p>
@@ -8605,7 +11863,7 @@
           <a:p>
             <a:fld id="{8A5229FB-8832-4A27-994F-F3EDC38C3527}" type="datetimeFigureOut">
               <a:rPr lang="en-US" smtClean="0"/>
-              <a:t>6/18/2020</a:t>
+              <a:t>6/19/2020</a:t>
             </a:fld>
             <a:endParaRPr lang="en-US" dirty="0"/>
           </a:p>
@@ -8858,7 +12116,7 @@
           <a:p>
             <a:fld id="{8A5229FB-8832-4A27-994F-F3EDC38C3527}" type="datetimeFigureOut">
               <a:rPr lang="en-US" smtClean="0"/>
-              <a:t>6/18/2020</a:t>
+              <a:t>6/19/2020</a:t>
             </a:fld>
             <a:endParaRPr lang="en-US" dirty="0"/>
           </a:p>
@@ -9071,7 +12329,7 @@
           <a:p>
             <a:fld id="{8A5229FB-8832-4A27-994F-F3EDC38C3527}" type="datetimeFigureOut">
               <a:rPr lang="en-US" smtClean="0"/>
-              <a:t>6/18/2020</a:t>
+              <a:t>6/19/2020</a:t>
             </a:fld>
             <a:endParaRPr lang="en-US" dirty="0"/>
           </a:p>
@@ -10129,7 +13387,7 @@
           <p:nvPr/>
         </p:nvPicPr>
         <p:blipFill>
-          <a:blip r:embed="rId2">
+          <a:blip r:embed="rId3">
             <a:extLst>
               <a:ext uri="{28A0092B-C50C-407E-A947-70E740481C1C}">
                 <a14:useLocalDpi xmlns:a14="http://schemas.microsoft.com/office/drawing/2010/main" val="0"/>
@@ -10263,7 +13521,7 @@
           <p:nvPr/>
         </p:nvPicPr>
         <p:blipFill>
-          <a:blip r:embed="rId2">
+          <a:blip r:embed="rId3">
             <a:extLst>
               <a:ext uri="{28A0092B-C50C-407E-A947-70E740481C1C}">
                 <a14:useLocalDpi xmlns:a14="http://schemas.microsoft.com/office/drawing/2010/main" val="0"/>
@@ -10492,7 +13750,7 @@
           <p:nvPr/>
         </p:nvPicPr>
         <p:blipFill>
-          <a:blip r:embed="rId2">
+          <a:blip r:embed="rId3">
             <a:extLst>
               <a:ext uri="{28A0092B-C50C-407E-A947-70E740481C1C}">
                 <a14:useLocalDpi xmlns:a14="http://schemas.microsoft.com/office/drawing/2010/main" val="0"/>
@@ -11191,10 +14449,6 @@
               </a:rPr>
               <a:t>основные принципы функционирования систем веб-шаблонов</a:t>
             </a:r>
-            <a:endParaRPr lang="ru-RU" sz="2000" dirty="0">
-              <a:latin typeface="Courier New" panose="02070309020205020404" pitchFamily="49" charset="0"/>
-              <a:cs typeface="Courier New" panose="02070309020205020404" pitchFamily="49" charset="0"/>
-            </a:endParaRPr>
           </a:p>
           <a:p>
             <a:pPr marL="342900" indent="-342900">
@@ -11630,7 +14884,7 @@
           </p:xfrm>
           <a:graphic>
             <a:graphicData uri="http://schemas.openxmlformats.org/drawingml/2006/diagram">
-              <dgm:relIds xmlns:dgm="http://schemas.openxmlformats.org/drawingml/2006/diagram" xmlns:r="http://schemas.openxmlformats.org/officeDocument/2006/relationships" r:dm="rId2" r:lo="rId3" r:qs="rId4" r:cs="rId5"/>
+              <dgm:relIds xmlns:dgm="http://schemas.openxmlformats.org/drawingml/2006/diagram" xmlns:r="http://schemas.openxmlformats.org/officeDocument/2006/relationships" r:dm="rId3" r:lo="rId4" r:qs="rId5" r:cs="rId6"/>
             </a:graphicData>
           </a:graphic>
         </p:graphicFrame>
@@ -11652,7 +14906,7 @@
           </p:xfrm>
           <a:graphic>
             <a:graphicData uri="http://schemas.openxmlformats.org/drawingml/2006/diagram">
-              <dgm:relIds xmlns:dgm="http://schemas.openxmlformats.org/drawingml/2006/diagram" xmlns:r="http://schemas.openxmlformats.org/officeDocument/2006/relationships" r:dm="rId7" r:lo="rId8" r:qs="rId9" r:cs="rId10"/>
+              <dgm:relIds xmlns:dgm="http://schemas.openxmlformats.org/drawingml/2006/diagram" xmlns:r="http://schemas.openxmlformats.org/officeDocument/2006/relationships" r:dm="rId8" r:lo="rId9" r:qs="rId10" r:cs="rId11"/>
             </a:graphicData>
           </a:graphic>
         </p:graphicFrame>
@@ -11725,7 +14979,7 @@
             <p:nvPr/>
           </p:nvPicPr>
           <p:blipFill>
-            <a:blip r:embed="rId12" cstate="print">
+            <a:blip r:embed="rId13" cstate="print">
               <a:extLst>
                 <a:ext uri="{28A0092B-C50C-407E-A947-70E740481C1C}">
                   <a14:useLocalDpi xmlns:a14="http://schemas.microsoft.com/office/drawing/2010/main" val="0"/>
@@ -12054,14 +15308,7 @@
                 <a:latin typeface="Courier New" panose="02070309020205020404" pitchFamily="49" charset="0"/>
                 <a:cs typeface="Courier New" panose="02070309020205020404" pitchFamily="49" charset="0"/>
               </a:rPr>
-              <a:t>Использование </a:t>
-            </a:r>
-            <a:r>
-              <a:rPr lang="ru-RU" sz="2400" dirty="0" smtClean="0">
-                <a:latin typeface="Courier New" panose="02070309020205020404" pitchFamily="49" charset="0"/>
-                <a:cs typeface="Courier New" panose="02070309020205020404" pitchFamily="49" charset="0"/>
-              </a:rPr>
-              <a:t>идиомы </a:t>
+              <a:t>Использование идиомы </a:t>
             </a:r>
             <a:r>
               <a:rPr lang="en-US" sz="2400" b="1" dirty="0" smtClean="0">
@@ -12121,10 +15368,6 @@
               </a:rPr>
               <a:t>LFU</a:t>
             </a:r>
-            <a:endParaRPr lang="en-US" sz="2400" b="1" dirty="0" smtClean="0">
-              <a:latin typeface="Courier New" panose="02070309020205020404" pitchFamily="49" charset="0"/>
-              <a:cs typeface="Courier New" panose="02070309020205020404" pitchFamily="49" charset="0"/>
-            </a:endParaRPr>
           </a:p>
           <a:p>
             <a:pPr marL="457200" indent="-457200">
@@ -12295,7 +15538,7 @@
             <p:nvPr/>
           </p:nvPicPr>
           <p:blipFill>
-            <a:blip r:embed="rId2" cstate="print">
+            <a:blip r:embed="rId3" cstate="print">
               <a:extLst>
                 <a:ext uri="{28A0092B-C50C-407E-A947-70E740481C1C}">
                   <a14:useLocalDpi xmlns:a14="http://schemas.microsoft.com/office/drawing/2010/main" val="0"/>
@@ -12325,7 +15568,7 @@
             <p:nvPr/>
           </p:nvPicPr>
           <p:blipFill>
-            <a:blip r:embed="rId2" cstate="print">
+            <a:blip r:embed="rId3" cstate="print">
               <a:extLst>
                 <a:ext uri="{28A0092B-C50C-407E-A947-70E740481C1C}">
                   <a14:useLocalDpi xmlns:a14="http://schemas.microsoft.com/office/drawing/2010/main" val="0"/>
@@ -12355,7 +15598,7 @@
             <p:nvPr/>
           </p:nvPicPr>
           <p:blipFill>
-            <a:blip r:embed="rId2" cstate="print">
+            <a:blip r:embed="rId3" cstate="print">
               <a:extLst>
                 <a:ext uri="{28A0092B-C50C-407E-A947-70E740481C1C}">
                   <a14:useLocalDpi xmlns:a14="http://schemas.microsoft.com/office/drawing/2010/main" val="0"/>
@@ -12385,7 +15628,7 @@
             <p:nvPr/>
           </p:nvPicPr>
           <p:blipFill>
-            <a:blip r:embed="rId2" cstate="print">
+            <a:blip r:embed="rId3" cstate="print">
               <a:extLst>
                 <a:ext uri="{28A0092B-C50C-407E-A947-70E740481C1C}">
                   <a14:useLocalDpi xmlns:a14="http://schemas.microsoft.com/office/drawing/2010/main" val="0"/>
@@ -12573,7 +15816,7 @@
             <p:nvPr/>
           </p:nvPicPr>
           <p:blipFill>
-            <a:blip r:embed="rId3" cstate="print">
+            <a:blip r:embed="rId4" cstate="print">
               <a:extLst>
                 <a:ext uri="{28A0092B-C50C-407E-A947-70E740481C1C}">
                   <a14:useLocalDpi xmlns:a14="http://schemas.microsoft.com/office/drawing/2010/main" val="0"/>
@@ -12871,7 +16114,7 @@
             <p:nvPr/>
           </p:nvPicPr>
           <p:blipFill>
-            <a:blip r:embed="rId4" cstate="print">
+            <a:blip r:embed="rId5" cstate="print">
               <a:extLst>
                 <a:ext uri="{28A0092B-C50C-407E-A947-70E740481C1C}">
                   <a14:useLocalDpi xmlns:a14="http://schemas.microsoft.com/office/drawing/2010/main" val="0"/>
@@ -12941,7 +16184,7 @@
             <p:nvPr/>
           </p:nvPicPr>
           <p:blipFill>
-            <a:blip r:embed="rId5" cstate="print">
+            <a:blip r:embed="rId6" cstate="print">
               <a:extLst>
                 <a:ext uri="{28A0092B-C50C-407E-A947-70E740481C1C}">
                   <a14:useLocalDpi xmlns:a14="http://schemas.microsoft.com/office/drawing/2010/main" val="0"/>
@@ -12971,7 +16214,7 @@
             <p:nvPr/>
           </p:nvPicPr>
           <p:blipFill>
-            <a:blip r:embed="rId6" cstate="print">
+            <a:blip r:embed="rId7" cstate="print">
               <a:extLst>
                 <a:ext uri="{28A0092B-C50C-407E-A947-70E740481C1C}">
                   <a14:useLocalDpi xmlns:a14="http://schemas.microsoft.com/office/drawing/2010/main" val="0"/>
@@ -13370,7 +16613,7 @@
           <p:nvPr/>
         </p:nvPicPr>
         <p:blipFill>
-          <a:blip r:embed="rId2">
+          <a:blip r:embed="rId3">
             <a:extLst>
               <a:ext uri="{28A0092B-C50C-407E-A947-70E740481C1C}">
                 <a14:useLocalDpi xmlns:a14="http://schemas.microsoft.com/office/drawing/2010/main" val="0"/>

--- a/docs/Презентация ВКР.pptx
+++ b/docs/Презентация ВКР.pptx
@@ -6351,7 +6351,7 @@
           <a:p>
             <a:fld id="{866795EF-B5F3-41B8-8955-C946C1B25F38}" type="datetimeFigureOut">
               <a:rPr lang="en-US" smtClean="0"/>
-              <a:t>6/19/2020</a:t>
+              <a:t>6/21/2020</a:t>
             </a:fld>
             <a:endParaRPr lang="en-US" dirty="0"/>
           </a:p>
@@ -6838,7 +6838,55 @@
                 <a:ea typeface="+mn-ea"/>
                 <a:cs typeface="+mn-cs"/>
               </a:rPr>
-              <a:t>На данном слайде приведён пример пользовательского веб-интерфейса разработанного сервиса. А также по указанной ссылке можно ознакомиться с демонстративной версией разработанной системы.</a:t>
+              <a:t>На данном слайде приведён пример пользовательского веб-интерфейса разработанного </a:t>
+            </a:r>
+            <a:r>
+              <a:rPr lang="ru-RU" sz="1200" kern="1200" dirty="0" smtClean="0">
+                <a:solidFill>
+                  <a:schemeClr val="tx1"/>
+                </a:solidFill>
+                <a:effectLst/>
+                <a:latin typeface="+mn-lt"/>
+                <a:ea typeface="+mn-ea"/>
+                <a:cs typeface="+mn-cs"/>
+              </a:rPr>
+              <a:t>сервиса, здесь</a:t>
+            </a:r>
+            <a:r>
+              <a:rPr lang="ru-RU" sz="1200" kern="1200" baseline="0" dirty="0" smtClean="0">
+                <a:solidFill>
+                  <a:schemeClr val="tx1"/>
+                </a:solidFill>
+                <a:effectLst/>
+                <a:latin typeface="+mn-lt"/>
+                <a:ea typeface="+mn-ea"/>
+                <a:cs typeface="+mn-cs"/>
+              </a:rPr>
+              <a:t> изображён сгенерированный веб-документ на основе введённых пользователем данных и заранее подготовленного шаблона</a:t>
+            </a:r>
+            <a:r>
+              <a:rPr lang="ru-RU" sz="1200" kern="1200" dirty="0" smtClean="0">
+                <a:solidFill>
+                  <a:schemeClr val="tx1"/>
+                </a:solidFill>
+                <a:effectLst/>
+                <a:latin typeface="+mn-lt"/>
+                <a:ea typeface="+mn-ea"/>
+                <a:cs typeface="+mn-cs"/>
+              </a:rPr>
+              <a:t>. </a:t>
+            </a:r>
+            <a:r>
+              <a:rPr lang="ru-RU" sz="1200" kern="1200" dirty="0" smtClean="0">
+                <a:solidFill>
+                  <a:schemeClr val="tx1"/>
+                </a:solidFill>
+                <a:effectLst/>
+                <a:latin typeface="+mn-lt"/>
+                <a:ea typeface="+mn-ea"/>
+                <a:cs typeface="+mn-cs"/>
+              </a:rPr>
+              <a:t>А также по указанной ссылке можно ознакомиться с демонстративной версией разработанной системы.</a:t>
             </a:r>
             <a:endParaRPr lang="en-US" sz="1200" kern="1200" dirty="0" smtClean="0">
               <a:solidFill>
@@ -7187,43 +7235,7 @@
                 <a:ea typeface="+mn-ea"/>
                 <a:cs typeface="+mn-cs"/>
               </a:rPr>
-              <a:t>Нагрузка, которая фиксировалась на сервере во время проведения теста показана на слайде №12. По нему видно, что оба ядра процессора нагружены только на 50%, т.е., не смотря на большое количество одновременных запросов, </a:t>
-            </a:r>
-            <a:r>
-              <a:rPr lang="ru-RU" sz="1200" kern="1200" dirty="0" smtClean="0">
-                <a:solidFill>
-                  <a:schemeClr val="tx1"/>
-                </a:solidFill>
-                <a:effectLst/>
-                <a:latin typeface="+mn-lt"/>
-                <a:ea typeface="+mn-ea"/>
-                <a:cs typeface="+mn-cs"/>
-              </a:rPr>
-              <a:t>такая рода </a:t>
-            </a:r>
-            <a:r>
-              <a:rPr lang="ru-RU" sz="1200" kern="1200" dirty="0" smtClean="0">
-                <a:solidFill>
-                  <a:schemeClr val="tx1"/>
-                </a:solidFill>
-                <a:effectLst/>
-                <a:latin typeface="+mn-lt"/>
-                <a:ea typeface="+mn-ea"/>
-                <a:cs typeface="+mn-cs"/>
-              </a:rPr>
-              <a:t>нагрузка находится в допустимых пределах для разработанной системы веб-шаблонов</a:t>
-            </a:r>
-            <a:r>
-              <a:rPr lang="ru-RU" sz="1200" kern="1200" dirty="0" smtClean="0">
-                <a:solidFill>
-                  <a:schemeClr val="tx1"/>
-                </a:solidFill>
-                <a:effectLst/>
-                <a:latin typeface="+mn-lt"/>
-                <a:ea typeface="+mn-ea"/>
-                <a:cs typeface="+mn-cs"/>
-              </a:rPr>
-              <a:t>.</a:t>
+              <a:t>Нагрузка, которая фиксировалась на сервере во время проведения теста показана на слайде №12. По нему видно, что оба ядра процессора нагружены только на 50%, т.е., не смотря на большое количество одновременных запросов, такая рода нагрузка находится в допустимых пределах для разработанной системы веб-шаблонов.</a:t>
             </a:r>
             <a:endParaRPr lang="en-US" sz="1200" kern="1200" dirty="0" smtClean="0">
               <a:solidFill>
@@ -7347,19 +7359,7 @@
                 <a:ea typeface="+mn-ea"/>
                 <a:cs typeface="+mn-cs"/>
               </a:rPr>
-              <a:t>В заключении можно сказать что все поставленные цели были достигнуты: были проанализированы проблемы низкой производительности веб-шаблонов, предложены способы устранения данных проблем, после чего разработана высокопроизводительная и удобная в использовании система веб-шаблонов. </a:t>
-            </a:r>
-            <a:r>
-              <a:rPr lang="ru-RU" sz="1200" kern="1200" dirty="0" smtClean="0">
-                <a:solidFill>
-                  <a:schemeClr val="tx1"/>
-                </a:solidFill>
-                <a:effectLst/>
-                <a:latin typeface="+mn-lt"/>
-                <a:ea typeface="+mn-ea"/>
-                <a:cs typeface="+mn-cs"/>
-              </a:rPr>
-              <a:t> </a:t>
+              <a:t>В заключении можно сказать что все поставленные цели были достигнуты: были проанализированы проблемы низкой производительности веб-шаблонов, предложены способы устранения данных проблем, после чего разработана высокопроизводительная и удобная в использовании система веб-шаблонов.  </a:t>
             </a:r>
           </a:p>
           <a:p>
@@ -7550,7 +7550,19 @@
                 <a:ea typeface="+mn-ea"/>
                 <a:cs typeface="+mn-cs"/>
               </a:rPr>
-              <a:t> предназначены для использования в составе более крупных веб-фреймворков, </a:t>
+              <a:t> предназначены для использования в составе более крупных веб-фреймворков, что</a:t>
+            </a:r>
+            <a:r>
+              <a:rPr lang="en-US" sz="1200" kern="1200" dirty="0" smtClean="0">
+                <a:solidFill>
+                  <a:schemeClr val="tx1"/>
+                </a:solidFill>
+                <a:effectLst/>
+                <a:latin typeface="+mn-lt"/>
+                <a:ea typeface="+mn-ea"/>
+                <a:cs typeface="+mn-cs"/>
+              </a:rPr>
+              <a:t> </a:t>
             </a:r>
             <a:r>
               <a:rPr lang="ru-RU" sz="1200" kern="1200" dirty="0" smtClean="0">
@@ -7562,30 +7574,6 @@
                 <a:ea typeface="+mn-ea"/>
                 <a:cs typeface="+mn-cs"/>
               </a:rPr>
-              <a:t>что</a:t>
-            </a:r>
-            <a:r>
-              <a:rPr lang="en-US" sz="1200" kern="1200" dirty="0" smtClean="0">
-                <a:solidFill>
-                  <a:schemeClr val="tx1"/>
-                </a:solidFill>
-                <a:effectLst/>
-                <a:latin typeface="+mn-lt"/>
-                <a:ea typeface="+mn-ea"/>
-                <a:cs typeface="+mn-cs"/>
-              </a:rPr>
-              <a:t> </a:t>
-            </a:r>
-            <a:r>
-              <a:rPr lang="ru-RU" sz="1200" kern="1200" dirty="0" smtClean="0">
-                <a:solidFill>
-                  <a:schemeClr val="tx1"/>
-                </a:solidFill>
-                <a:effectLst/>
-                <a:latin typeface="+mn-lt"/>
-                <a:ea typeface="+mn-ea"/>
-                <a:cs typeface="+mn-cs"/>
-              </a:rPr>
               <a:t>в</a:t>
             </a:r>
             <a:r>
@@ -7601,7 +7589,7 @@
               <a:t> свою </a:t>
             </a:r>
             <a:r>
-              <a:rPr lang="ru-RU" sz="1200" kern="1200" baseline="0" dirty="0" err="1" smtClean="0">
+              <a:rPr lang="ru-RU" sz="1200" kern="1200" baseline="0" dirty="0" smtClean="0">
                 <a:solidFill>
                   <a:schemeClr val="tx1"/>
                 </a:solidFill>
@@ -7610,7 +7598,7 @@
                 <a:ea typeface="+mn-ea"/>
                 <a:cs typeface="+mn-cs"/>
               </a:rPr>
-              <a:t>очердь</a:t>
+              <a:t>очередь</a:t>
             </a:r>
             <a:r>
               <a:rPr lang="ru-RU" sz="1200" kern="1200" dirty="0" smtClean="0">
@@ -7782,31 +7770,7 @@
                 <a:ea typeface="+mn-ea"/>
                 <a:cs typeface="+mn-cs"/>
               </a:rPr>
-              <a:t>Цель, объект, предмет и задачи исследования представлены на слайде №3. Основной целью работы был анализ основных факторов негативно сказывающихся на производительности систем веб-шаблонов, поиск способов их устранения и </a:t>
-            </a:r>
-            <a:r>
-              <a:rPr lang="ru-RU" sz="1200" kern="1200" dirty="0" smtClean="0">
-                <a:solidFill>
-                  <a:schemeClr val="tx1"/>
-                </a:solidFill>
-                <a:effectLst/>
-                <a:latin typeface="+mn-lt"/>
-                <a:ea typeface="+mn-ea"/>
-                <a:cs typeface="+mn-cs"/>
-              </a:rPr>
-              <a:t>дальнейшая разработка </a:t>
-            </a:r>
-            <a:r>
-              <a:rPr lang="ru-RU" sz="1200" kern="1200" dirty="0" smtClean="0">
-                <a:solidFill>
-                  <a:schemeClr val="tx1"/>
-                </a:solidFill>
-                <a:effectLst/>
-                <a:latin typeface="+mn-lt"/>
-                <a:ea typeface="+mn-ea"/>
-                <a:cs typeface="+mn-cs"/>
-              </a:rPr>
-              <a:t>высокопроизводительной системы веб-шаблонов с применение данных подходов. Основные проблемы производительности выявленные в ходе исследования показаны на следующем слайде. </a:t>
+              <a:t>Цель, объект, предмет и задачи исследования представлены на слайде №3. Основной целью работы был анализ основных факторов негативно сказывающихся на производительности систем веб-шаблонов, поиск способов их устранения и дальнейшая разработка высокопроизводительной системы веб-шаблонов с применение данных подходов. Основные проблемы производительности выявленные в ходе исследования показаны на следующем слайде. </a:t>
             </a:r>
             <a:endParaRPr lang="en-US" sz="1200" kern="1200" dirty="0" smtClean="0">
               <a:solidFill>
@@ -7938,19 +7902,7 @@
                 <a:ea typeface="+mn-ea"/>
                 <a:cs typeface="+mn-cs"/>
               </a:rPr>
-              <a:t>Подавляющее </a:t>
-            </a:r>
-            <a:r>
-              <a:rPr lang="ru-RU" sz="1200" kern="1200" dirty="0" smtClean="0">
-                <a:solidFill>
-                  <a:schemeClr val="tx1"/>
-                </a:solidFill>
-                <a:effectLst/>
-                <a:latin typeface="+mn-lt"/>
-                <a:ea typeface="+mn-ea"/>
-                <a:cs typeface="+mn-cs"/>
-              </a:rPr>
-              <a:t>большинство существующих решений написаны на интерпретируемых языках (</a:t>
+              <a:t>Подавляющее большинство существующих решений написаны на интерпретируемых языках (</a:t>
             </a:r>
             <a:r>
               <a:rPr lang="en-US" sz="1200" kern="1200" dirty="0" smtClean="0">
@@ -8082,19 +8034,7 @@
                 <a:ea typeface="+mn-ea"/>
                 <a:cs typeface="+mn-cs"/>
               </a:rPr>
-              <a:t>2. Присутствие </a:t>
-            </a:r>
-            <a:r>
-              <a:rPr lang="ru-RU" sz="1200" kern="1200" dirty="0" smtClean="0">
-                <a:solidFill>
-                  <a:schemeClr val="tx1"/>
-                </a:solidFill>
-                <a:effectLst/>
-                <a:latin typeface="+mn-lt"/>
-                <a:ea typeface="+mn-ea"/>
-                <a:cs typeface="+mn-cs"/>
-              </a:rPr>
-              <a:t>механизм автоматического управления памятью, также известного как сборщик мусора,</a:t>
+              <a:t>2. Присутствие механизм автоматического управления памятью, также известного как сборщик мусора,</a:t>
             </a:r>
             <a:r>
               <a:rPr lang="ru-RU" sz="1200" kern="1200" baseline="0" dirty="0" smtClean="0">
@@ -8130,31 +8070,7 @@
                 <a:ea typeface="+mn-ea"/>
                 <a:cs typeface="+mn-cs"/>
               </a:rPr>
-              <a:t>3. Не </a:t>
-            </a:r>
-            <a:r>
-              <a:rPr lang="ru-RU" sz="1200" kern="1200" dirty="0" smtClean="0">
-                <a:solidFill>
-                  <a:schemeClr val="tx1"/>
-                </a:solidFill>
-                <a:effectLst/>
-                <a:latin typeface="+mn-lt"/>
-                <a:ea typeface="+mn-ea"/>
-                <a:cs typeface="+mn-cs"/>
-              </a:rPr>
-              <a:t>всегда присутствует кеширования обработанных шаблонов, что приводит к необходимости повторной </a:t>
-            </a:r>
-            <a:r>
-              <a:rPr lang="ru-RU" sz="1200" kern="1200" dirty="0" smtClean="0">
-                <a:solidFill>
-                  <a:schemeClr val="tx1"/>
-                </a:solidFill>
-                <a:effectLst/>
-                <a:latin typeface="+mn-lt"/>
-                <a:ea typeface="+mn-ea"/>
-                <a:cs typeface="+mn-cs"/>
-              </a:rPr>
-              <a:t>обработки</a:t>
+              <a:t>3. Не всегда присутствует кеширования обработанных шаблонов, что приводит к необходимости повторной обработки</a:t>
             </a:r>
             <a:r>
               <a:rPr lang="ru-RU" sz="1200" kern="1200" baseline="0" dirty="0" smtClean="0">
@@ -8190,43 +8106,7 @@
                 <a:ea typeface="+mn-ea"/>
                 <a:cs typeface="+mn-cs"/>
               </a:rPr>
-              <a:t>4. Вычислительные </a:t>
-            </a:r>
-            <a:r>
-              <a:rPr lang="ru-RU" sz="1200" kern="1200" dirty="0" smtClean="0">
-                <a:solidFill>
-                  <a:schemeClr val="tx1"/>
-                </a:solidFill>
-                <a:effectLst/>
-                <a:latin typeface="+mn-lt"/>
-                <a:ea typeface="+mn-ea"/>
-                <a:cs typeface="+mn-cs"/>
-              </a:rPr>
-              <a:t>ресурсы не используются полностью, это является следствием того, что исполнение программы происходит в одном </a:t>
-            </a:r>
-            <a:r>
-              <a:rPr lang="ru-RU" sz="1200" kern="1200" dirty="0" smtClean="0">
-                <a:solidFill>
-                  <a:schemeClr val="tx1"/>
-                </a:solidFill>
-                <a:effectLst/>
-                <a:latin typeface="+mn-lt"/>
-                <a:ea typeface="+mn-ea"/>
-                <a:cs typeface="+mn-cs"/>
-              </a:rPr>
-              <a:t>логическом потоке</a:t>
-            </a:r>
-            <a:r>
-              <a:rPr lang="ru-RU" sz="1200" kern="1200" dirty="0" smtClean="0">
-                <a:solidFill>
-                  <a:schemeClr val="tx1"/>
-                </a:solidFill>
-                <a:effectLst/>
-                <a:latin typeface="+mn-lt"/>
-                <a:ea typeface="+mn-ea"/>
-                <a:cs typeface="+mn-cs"/>
-              </a:rPr>
-              <a:t>, а</a:t>
+              <a:t>4. Вычислительные ресурсы не используются полностью, это является следствием того, что исполнение программы происходит в одном логическом потоке, а</a:t>
             </a:r>
             <a:r>
               <a:rPr lang="ru-RU" sz="1200" kern="1200" baseline="0" dirty="0" smtClean="0">
@@ -8427,31 +8307,7 @@
                 <a:ea typeface="+mn-ea"/>
                 <a:cs typeface="+mn-cs"/>
               </a:rPr>
-              <a:t> интерпретации обработка исходного кода происходит построчно, и результатом такого процесса является промежуточный код некой виртуальной машины, так же известной как байт-код. Далее байт-код подвергается процессу трансляции в машинный код </a:t>
-            </a:r>
-            <a:r>
-              <a:rPr lang="ru-RU" sz="1200" kern="1200" dirty="0" smtClean="0">
-                <a:solidFill>
-                  <a:schemeClr val="tx1"/>
-                </a:solidFill>
-                <a:effectLst/>
-                <a:latin typeface="+mn-lt"/>
-                <a:ea typeface="+mn-ea"/>
-                <a:cs typeface="+mn-cs"/>
-              </a:rPr>
-              <a:t>уже целевой </a:t>
-            </a:r>
-            <a:r>
-              <a:rPr lang="ru-RU" sz="1200" kern="1200" dirty="0" smtClean="0">
-                <a:solidFill>
-                  <a:schemeClr val="tx1"/>
-                </a:solidFill>
-                <a:effectLst/>
-                <a:latin typeface="+mn-lt"/>
-                <a:ea typeface="+mn-ea"/>
-                <a:cs typeface="+mn-cs"/>
-              </a:rPr>
-              <a:t>архитектуры. </a:t>
+              <a:t> интерпретации обработка исходного кода происходит построчно, и результатом такого процесса является промежуточный код некой виртуальной машины, так же известной как байт-код. Далее байт-код подвергается процессу трансляции в машинный код уже целевой архитектуры. </a:t>
             </a:r>
             <a:endParaRPr lang="en-US" sz="1200" kern="1200" dirty="0" smtClean="0">
               <a:solidFill>
@@ -8629,19 +8485,7 @@
                 <a:ea typeface="+mn-ea"/>
                 <a:cs typeface="+mn-cs"/>
               </a:rPr>
-              <a:t>Использование </a:t>
-            </a:r>
-            <a:r>
-              <a:rPr lang="ru-RU" sz="1200" kern="1200" dirty="0" smtClean="0">
-                <a:solidFill>
-                  <a:schemeClr val="tx1"/>
-                </a:solidFill>
-                <a:effectLst/>
-                <a:latin typeface="+mn-lt"/>
-                <a:ea typeface="+mn-ea"/>
-                <a:cs typeface="+mn-cs"/>
-              </a:rPr>
-              <a:t>компилируемых языков программирования вместо интерпретируемых.</a:t>
+              <a:t>Использование компилируемых языков программирования вместо интерпретируемых.</a:t>
             </a:r>
             <a:endParaRPr lang="en-US" sz="1200" kern="1200" dirty="0" smtClean="0">
               <a:solidFill>
@@ -8737,19 +8581,7 @@
                 <a:ea typeface="+mn-ea"/>
                 <a:cs typeface="+mn-cs"/>
               </a:rPr>
-              <a:t>Реализация кеширования шаблонов с применением вытесняющих </a:t>
-            </a:r>
-            <a:r>
-              <a:rPr lang="ru-RU" sz="1200" kern="1200" dirty="0" smtClean="0">
-                <a:solidFill>
-                  <a:schemeClr val="tx1"/>
-                </a:solidFill>
-                <a:effectLst/>
-                <a:latin typeface="+mn-lt"/>
-                <a:ea typeface="+mn-ea"/>
-                <a:cs typeface="+mn-cs"/>
-              </a:rPr>
-              <a:t>алгоритмов, таких</a:t>
+              <a:t>Реализация кеширования шаблонов с применением вытесняющих алгоритмов, таких</a:t>
             </a:r>
             <a:r>
               <a:rPr lang="ru-RU" sz="1200" kern="1200" baseline="0" dirty="0" smtClean="0">
@@ -9058,7 +8890,19 @@
                 <a:ea typeface="+mn-ea"/>
                 <a:cs typeface="+mn-cs"/>
               </a:rPr>
-              <a:t> </a:t>
+              <a:t> клиентов делает обращения к сервису посредством </a:t>
+            </a:r>
+            <a:r>
+              <a:rPr lang="en-US" sz="1200" kern="1200" dirty="0" smtClean="0">
+                <a:solidFill>
+                  <a:schemeClr val="tx1"/>
+                </a:solidFill>
+                <a:effectLst/>
+                <a:latin typeface="+mn-lt"/>
+                <a:ea typeface="+mn-ea"/>
+                <a:cs typeface="+mn-cs"/>
+              </a:rPr>
+              <a:t>HTTP </a:t>
             </a:r>
             <a:r>
               <a:rPr lang="ru-RU" sz="1200" kern="1200" dirty="0" smtClean="0">
@@ -9070,10 +8914,10 @@
                 <a:ea typeface="+mn-ea"/>
                 <a:cs typeface="+mn-cs"/>
               </a:rPr>
-              <a:t>клиентов делает обращения к сервису посредством </a:t>
-            </a:r>
-            <a:r>
-              <a:rPr lang="en-US" sz="1200" kern="1200" dirty="0" smtClean="0">
+              <a:t>запросов, сервис в свою очередь</a:t>
+            </a:r>
+            <a:r>
+              <a:rPr lang="ru-RU" sz="1200" kern="1200" baseline="0" dirty="0" smtClean="0">
                 <a:solidFill>
                   <a:schemeClr val="tx1"/>
                 </a:solidFill>
@@ -9082,7 +8926,7 @@
                 <a:ea typeface="+mn-ea"/>
                 <a:cs typeface="+mn-cs"/>
               </a:rPr>
-              <a:t>HTTP </a:t>
+              <a:t> </a:t>
             </a:r>
             <a:r>
               <a:rPr lang="ru-RU" sz="1200" kern="1200" dirty="0" smtClean="0">
@@ -9094,55 +8938,7 @@
                 <a:ea typeface="+mn-ea"/>
                 <a:cs typeface="+mn-cs"/>
               </a:rPr>
-              <a:t>запросов, сервис </a:t>
-            </a:r>
-            <a:r>
-              <a:rPr lang="ru-RU" sz="1200" kern="1200" dirty="0" smtClean="0">
-                <a:solidFill>
-                  <a:schemeClr val="tx1"/>
-                </a:solidFill>
-                <a:effectLst/>
-                <a:latin typeface="+mn-lt"/>
-                <a:ea typeface="+mn-ea"/>
-                <a:cs typeface="+mn-cs"/>
-              </a:rPr>
-              <a:t>в свою очередь</a:t>
-            </a:r>
-            <a:r>
-              <a:rPr lang="ru-RU" sz="1200" kern="1200" baseline="0" dirty="0" smtClean="0">
-                <a:solidFill>
-                  <a:schemeClr val="tx1"/>
-                </a:solidFill>
-                <a:effectLst/>
-                <a:latin typeface="+mn-lt"/>
-                <a:ea typeface="+mn-ea"/>
-                <a:cs typeface="+mn-cs"/>
-              </a:rPr>
-              <a:t> </a:t>
-            </a:r>
-            <a:r>
-              <a:rPr lang="ru-RU" sz="1200" kern="1200" dirty="0" smtClean="0">
-                <a:solidFill>
-                  <a:schemeClr val="tx1"/>
-                </a:solidFill>
-                <a:effectLst/>
-                <a:latin typeface="+mn-lt"/>
-                <a:ea typeface="+mn-ea"/>
-                <a:cs typeface="+mn-cs"/>
-              </a:rPr>
-              <a:t>перенаправляет </a:t>
-            </a:r>
-            <a:r>
-              <a:rPr lang="ru-RU" sz="1200" kern="1200" dirty="0" smtClean="0">
-                <a:solidFill>
-                  <a:schemeClr val="tx1"/>
-                </a:solidFill>
-                <a:effectLst/>
-                <a:latin typeface="+mn-lt"/>
-                <a:ea typeface="+mn-ea"/>
-                <a:cs typeface="+mn-cs"/>
-              </a:rPr>
-              <a:t>запросы на соответствующие модули в зависимости от типа запроса.</a:t>
+              <a:t>перенаправляет запросы на соответствующие модули в зависимости от типа запроса.</a:t>
             </a:r>
             <a:endParaRPr lang="en-US" sz="1200" kern="1200" dirty="0" smtClean="0">
               <a:solidFill>
@@ -9314,7 +9110,19 @@
                 <a:ea typeface="+mn-ea"/>
                 <a:cs typeface="+mn-cs"/>
               </a:rPr>
-              <a:t>запросов</a:t>
+              <a:t>запросов, где модель</a:t>
+            </a:r>
+            <a:r>
+              <a:rPr lang="ru-RU" sz="1200" kern="1200" baseline="0" dirty="0" smtClean="0">
+                <a:solidFill>
+                  <a:schemeClr val="tx1"/>
+                </a:solidFill>
+                <a:effectLst/>
+                <a:latin typeface="+mn-lt"/>
+                <a:ea typeface="+mn-ea"/>
+                <a:cs typeface="+mn-cs"/>
+              </a:rPr>
+              <a:t> раскрыта более детально,</a:t>
             </a:r>
             <a:r>
               <a:rPr lang="ru-RU" sz="1200" kern="1200" dirty="0" smtClean="0">
@@ -9326,43 +9134,7 @@
                 <a:ea typeface="+mn-ea"/>
                 <a:cs typeface="+mn-cs"/>
               </a:rPr>
-              <a:t>, где модель</a:t>
-            </a:r>
-            <a:r>
-              <a:rPr lang="ru-RU" sz="1200" kern="1200" baseline="0" dirty="0" smtClean="0">
-                <a:solidFill>
-                  <a:schemeClr val="tx1"/>
-                </a:solidFill>
-                <a:effectLst/>
-                <a:latin typeface="+mn-lt"/>
-                <a:ea typeface="+mn-ea"/>
-                <a:cs typeface="+mn-cs"/>
-              </a:rPr>
-              <a:t> раскрыта более детально,</a:t>
-            </a:r>
-            <a:r>
-              <a:rPr lang="ru-RU" sz="1200" kern="1200" dirty="0" smtClean="0">
-                <a:solidFill>
-                  <a:schemeClr val="tx1"/>
-                </a:solidFill>
-                <a:effectLst/>
-                <a:latin typeface="+mn-lt"/>
-                <a:ea typeface="+mn-ea"/>
-                <a:cs typeface="+mn-cs"/>
-              </a:rPr>
-              <a:t> </a:t>
-            </a:r>
-            <a:r>
-              <a:rPr lang="ru-RU" sz="1200" kern="1200" dirty="0" smtClean="0">
-                <a:solidFill>
-                  <a:schemeClr val="tx1"/>
-                </a:solidFill>
-                <a:effectLst/>
-                <a:latin typeface="+mn-lt"/>
-                <a:ea typeface="+mn-ea"/>
-                <a:cs typeface="+mn-cs"/>
-              </a:rPr>
-              <a:t>по ней видно, что после предварительной обработки запроса в целях</a:t>
+              <a:t> по ней видно, что после предварительной обработки запроса в целях</a:t>
             </a:r>
             <a:r>
               <a:rPr lang="ru-RU" sz="1200" kern="1200" baseline="0" dirty="0" smtClean="0">
@@ -9800,31 +9572,7 @@
                 <a:ea typeface="+mn-ea"/>
                 <a:cs typeface="+mn-cs"/>
               </a:rPr>
-              <a:t>Основания для выбора той или технологии приведены в </a:t>
-            </a:r>
-            <a:r>
-              <a:rPr lang="ru-RU" sz="1200" kern="1200" dirty="0" smtClean="0">
-                <a:solidFill>
-                  <a:schemeClr val="tx1"/>
-                </a:solidFill>
-                <a:effectLst/>
-                <a:latin typeface="+mn-lt"/>
-                <a:ea typeface="+mn-ea"/>
-                <a:cs typeface="+mn-cs"/>
-              </a:rPr>
-              <a:t>расчётно-пояснительной </a:t>
-            </a:r>
-            <a:r>
-              <a:rPr lang="ru-RU" sz="1200" kern="1200" dirty="0" smtClean="0">
-                <a:solidFill>
-                  <a:schemeClr val="tx1"/>
-                </a:solidFill>
-                <a:effectLst/>
-                <a:latin typeface="+mn-lt"/>
-                <a:ea typeface="+mn-ea"/>
-                <a:cs typeface="+mn-cs"/>
-              </a:rPr>
-              <a:t>записке.</a:t>
+              <a:t>Основания для выбора той или технологии приведены в расчётно-пояснительной записке.</a:t>
             </a:r>
             <a:endParaRPr lang="en-US" sz="1200" kern="1200" dirty="0" smtClean="0">
               <a:solidFill>
@@ -10008,7 +9756,7 @@
           <a:p>
             <a:fld id="{8A5229FB-8832-4A27-994F-F3EDC38C3527}" type="datetimeFigureOut">
               <a:rPr lang="en-US" smtClean="0"/>
-              <a:t>6/19/2020</a:t>
+              <a:t>6/21/2020</a:t>
             </a:fld>
             <a:endParaRPr lang="en-US" dirty="0"/>
           </a:p>
@@ -10178,7 +9926,7 @@
           <a:p>
             <a:fld id="{8A5229FB-8832-4A27-994F-F3EDC38C3527}" type="datetimeFigureOut">
               <a:rPr lang="en-US" smtClean="0"/>
-              <a:t>6/19/2020</a:t>
+              <a:t>6/21/2020</a:t>
             </a:fld>
             <a:endParaRPr lang="en-US" dirty="0"/>
           </a:p>
@@ -10358,7 +10106,7 @@
           <a:p>
             <a:fld id="{8A5229FB-8832-4A27-994F-F3EDC38C3527}" type="datetimeFigureOut">
               <a:rPr lang="en-US" smtClean="0"/>
-              <a:t>6/19/2020</a:t>
+              <a:t>6/21/2020</a:t>
             </a:fld>
             <a:endParaRPr lang="en-US" dirty="0"/>
           </a:p>
@@ -10528,7 +10276,7 @@
           <a:p>
             <a:fld id="{8A5229FB-8832-4A27-994F-F3EDC38C3527}" type="datetimeFigureOut">
               <a:rPr lang="en-US" smtClean="0"/>
-              <a:t>6/19/2020</a:t>
+              <a:t>6/21/2020</a:t>
             </a:fld>
             <a:endParaRPr lang="en-US" dirty="0"/>
           </a:p>
@@ -10774,7 +10522,7 @@
           <a:p>
             <a:fld id="{8A5229FB-8832-4A27-994F-F3EDC38C3527}" type="datetimeFigureOut">
               <a:rPr lang="en-US" smtClean="0"/>
-              <a:t>6/19/2020</a:t>
+              <a:t>6/21/2020</a:t>
             </a:fld>
             <a:endParaRPr lang="en-US" dirty="0"/>
           </a:p>
@@ -11006,7 +10754,7 @@
           <a:p>
             <a:fld id="{8A5229FB-8832-4A27-994F-F3EDC38C3527}" type="datetimeFigureOut">
               <a:rPr lang="en-US" smtClean="0"/>
-              <a:t>6/19/2020</a:t>
+              <a:t>6/21/2020</a:t>
             </a:fld>
             <a:endParaRPr lang="en-US" dirty="0"/>
           </a:p>
@@ -11373,7 +11121,7 @@
           <a:p>
             <a:fld id="{8A5229FB-8832-4A27-994F-F3EDC38C3527}" type="datetimeFigureOut">
               <a:rPr lang="en-US" smtClean="0"/>
-              <a:t>6/19/2020</a:t>
+              <a:t>6/21/2020</a:t>
             </a:fld>
             <a:endParaRPr lang="en-US" dirty="0"/>
           </a:p>
@@ -11491,7 +11239,7 @@
           <a:p>
             <a:fld id="{8A5229FB-8832-4A27-994F-F3EDC38C3527}" type="datetimeFigureOut">
               <a:rPr lang="en-US" smtClean="0"/>
-              <a:t>6/19/2020</a:t>
+              <a:t>6/21/2020</a:t>
             </a:fld>
             <a:endParaRPr lang="en-US" dirty="0"/>
           </a:p>
@@ -11586,7 +11334,7 @@
           <a:p>
             <a:fld id="{8A5229FB-8832-4A27-994F-F3EDC38C3527}" type="datetimeFigureOut">
               <a:rPr lang="en-US" smtClean="0"/>
-              <a:t>6/19/2020</a:t>
+              <a:t>6/21/2020</a:t>
             </a:fld>
             <a:endParaRPr lang="en-US" dirty="0"/>
           </a:p>
@@ -11863,7 +11611,7 @@
           <a:p>
             <a:fld id="{8A5229FB-8832-4A27-994F-F3EDC38C3527}" type="datetimeFigureOut">
               <a:rPr lang="en-US" smtClean="0"/>
-              <a:t>6/19/2020</a:t>
+              <a:t>6/21/2020</a:t>
             </a:fld>
             <a:endParaRPr lang="en-US" dirty="0"/>
           </a:p>
@@ -12116,7 +11864,7 @@
           <a:p>
             <a:fld id="{8A5229FB-8832-4A27-994F-F3EDC38C3527}" type="datetimeFigureOut">
               <a:rPr lang="en-US" smtClean="0"/>
-              <a:t>6/19/2020</a:t>
+              <a:t>6/21/2020</a:t>
             </a:fld>
             <a:endParaRPr lang="en-US" dirty="0"/>
           </a:p>
@@ -12329,7 +12077,7 @@
           <a:p>
             <a:fld id="{8A5229FB-8832-4A27-994F-F3EDC38C3527}" type="datetimeFigureOut">
               <a:rPr lang="en-US" smtClean="0"/>
-              <a:t>6/19/2020</a:t>
+              <a:t>6/21/2020</a:t>
             </a:fld>
             <a:endParaRPr lang="en-US" dirty="0"/>
           </a:p>

--- a/docs/Презентация ВКР.pptx
+++ b/docs/Презентация ВКР.pptx
@@ -6351,7 +6351,7 @@
           <a:p>
             <a:fld id="{866795EF-B5F3-41B8-8955-C946C1B25F38}" type="datetimeFigureOut">
               <a:rPr lang="en-US" smtClean="0"/>
-              <a:t>6/21/2020</a:t>
+              <a:t>6/22/2020</a:t>
             </a:fld>
             <a:endParaRPr lang="en-US" dirty="0"/>
           </a:p>
@@ -6690,7 +6690,31 @@
                 <a:ea typeface="+mn-ea"/>
                 <a:cs typeface="+mn-cs"/>
               </a:rPr>
-              <a:t>Здравствуйте уважаемые члены государственной аттестационной комиссии, меня зовут Махмудов </a:t>
+              <a:t>Здравствуйте уважаемые члены </a:t>
+            </a:r>
+            <a:r>
+              <a:rPr lang="ru-RU" sz="1200" kern="1200" dirty="0" smtClean="0">
+                <a:solidFill>
+                  <a:schemeClr val="tx1"/>
+                </a:solidFill>
+                <a:effectLst/>
+                <a:latin typeface="+mn-lt"/>
+                <a:ea typeface="+mn-ea"/>
+                <a:cs typeface="+mn-cs"/>
+              </a:rPr>
+              <a:t>комиссии</a:t>
+            </a:r>
+            <a:r>
+              <a:rPr lang="ru-RU" sz="1200" kern="1200" dirty="0" smtClean="0">
+                <a:solidFill>
+                  <a:schemeClr val="tx1"/>
+                </a:solidFill>
+                <a:effectLst/>
+                <a:latin typeface="+mn-lt"/>
+                <a:ea typeface="+mn-ea"/>
+                <a:cs typeface="+mn-cs"/>
+              </a:rPr>
+              <a:t>, меня зовут Махмудов </a:t>
             </a:r>
             <a:r>
               <a:rPr lang="ru-RU" sz="1200" kern="1200" dirty="0" err="1" smtClean="0">
@@ -6838,7 +6862,19 @@
                 <a:ea typeface="+mn-ea"/>
                 <a:cs typeface="+mn-cs"/>
               </a:rPr>
-              <a:t>На данном слайде приведён пример пользовательского веб-интерфейса разработанного </a:t>
+              <a:t>На данном слайде приведён пример пользовательского веб-интерфейса разработанного сервиса, здесь</a:t>
+            </a:r>
+            <a:r>
+              <a:rPr lang="ru-RU" sz="1200" kern="1200" baseline="0" dirty="0" smtClean="0">
+                <a:solidFill>
+                  <a:schemeClr val="tx1"/>
+                </a:solidFill>
+                <a:effectLst/>
+                <a:latin typeface="+mn-lt"/>
+                <a:ea typeface="+mn-ea"/>
+                <a:cs typeface="+mn-cs"/>
+              </a:rPr>
+              <a:t> изображён сгенерированный веб-документ на основе введённых пользователем данных и заранее подготовленного шаблона</a:t>
             </a:r>
             <a:r>
               <a:rPr lang="ru-RU" sz="1200" kern="1200" dirty="0" smtClean="0">
@@ -6850,43 +6886,7 @@
                 <a:ea typeface="+mn-ea"/>
                 <a:cs typeface="+mn-cs"/>
               </a:rPr>
-              <a:t>сервиса, здесь</a:t>
-            </a:r>
-            <a:r>
-              <a:rPr lang="ru-RU" sz="1200" kern="1200" baseline="0" dirty="0" smtClean="0">
-                <a:solidFill>
-                  <a:schemeClr val="tx1"/>
-                </a:solidFill>
-                <a:effectLst/>
-                <a:latin typeface="+mn-lt"/>
-                <a:ea typeface="+mn-ea"/>
-                <a:cs typeface="+mn-cs"/>
-              </a:rPr>
-              <a:t> изображён сгенерированный веб-документ на основе введённых пользователем данных и заранее подготовленного шаблона</a:t>
-            </a:r>
-            <a:r>
-              <a:rPr lang="ru-RU" sz="1200" kern="1200" dirty="0" smtClean="0">
-                <a:solidFill>
-                  <a:schemeClr val="tx1"/>
-                </a:solidFill>
-                <a:effectLst/>
-                <a:latin typeface="+mn-lt"/>
-                <a:ea typeface="+mn-ea"/>
-                <a:cs typeface="+mn-cs"/>
-              </a:rPr>
-              <a:t>. </a:t>
-            </a:r>
-            <a:r>
-              <a:rPr lang="ru-RU" sz="1200" kern="1200" dirty="0" smtClean="0">
-                <a:solidFill>
-                  <a:schemeClr val="tx1"/>
-                </a:solidFill>
-                <a:effectLst/>
-                <a:latin typeface="+mn-lt"/>
-                <a:ea typeface="+mn-ea"/>
-                <a:cs typeface="+mn-cs"/>
-              </a:rPr>
-              <a:t>А также по указанной ссылке можно ознакомиться с демонстративной версией разработанной системы.</a:t>
+              <a:t>. А также по указанной ссылке можно ознакомиться с демонстративной версией разработанной системы.</a:t>
             </a:r>
             <a:endParaRPr lang="en-US" sz="1200" kern="1200" dirty="0" smtClean="0">
               <a:solidFill>
@@ -7359,7 +7359,79 @@
                 <a:ea typeface="+mn-ea"/>
                 <a:cs typeface="+mn-cs"/>
               </a:rPr>
-              <a:t>В заключении можно сказать что все поставленные цели были достигнуты: были проанализированы проблемы низкой производительности веб-шаблонов, предложены способы устранения данных проблем, после чего разработана высокопроизводительная и удобная в использовании система веб-шаблонов.  </a:t>
+              <a:t>В заключении можно сказать что все поставленные цели были достигнуты: были проанализированы проблемы низкой </a:t>
+            </a:r>
+            <a:r>
+              <a:rPr lang="ru-RU" sz="1200" kern="1200" dirty="0" smtClean="0">
+                <a:solidFill>
+                  <a:schemeClr val="tx1"/>
+                </a:solidFill>
+                <a:effectLst/>
+                <a:latin typeface="+mn-lt"/>
+                <a:ea typeface="+mn-ea"/>
+                <a:cs typeface="+mn-cs"/>
+              </a:rPr>
+              <a:t>производительности</a:t>
+            </a:r>
+            <a:r>
+              <a:rPr lang="en-US" sz="1200" kern="1200" dirty="0" smtClean="0">
+                <a:solidFill>
+                  <a:schemeClr val="tx1"/>
+                </a:solidFill>
+                <a:effectLst/>
+                <a:latin typeface="+mn-lt"/>
+                <a:ea typeface="+mn-ea"/>
+                <a:cs typeface="+mn-cs"/>
+              </a:rPr>
+              <a:t> </a:t>
+            </a:r>
+            <a:r>
+              <a:rPr lang="ru-RU" sz="1200" kern="1200" smtClean="0">
+                <a:solidFill>
+                  <a:schemeClr val="tx1"/>
+                </a:solidFill>
+                <a:effectLst/>
+                <a:latin typeface="+mn-lt"/>
+                <a:ea typeface="+mn-ea"/>
+                <a:cs typeface="+mn-cs"/>
+              </a:rPr>
+              <a:t>систем </a:t>
+            </a:r>
+            <a:r>
+              <a:rPr lang="ru-RU" sz="1200" kern="1200" dirty="0" smtClean="0">
+                <a:solidFill>
+                  <a:schemeClr val="tx1"/>
+                </a:solidFill>
+                <a:effectLst/>
+                <a:latin typeface="+mn-lt"/>
+                <a:ea typeface="+mn-ea"/>
+                <a:cs typeface="+mn-cs"/>
+              </a:rPr>
+              <a:t>веб-шаблонов, предложены способы устранения данных проблем, после чего разработан высокопроизводительный и удобный в использовании веб-сервис</a:t>
+            </a:r>
+            <a:r>
+              <a:rPr lang="ru-RU" sz="1200" kern="1200" baseline="0" dirty="0" smtClean="0">
+                <a:solidFill>
+                  <a:schemeClr val="tx1"/>
+                </a:solidFill>
+                <a:effectLst/>
+                <a:latin typeface="+mn-lt"/>
+                <a:ea typeface="+mn-ea"/>
+                <a:cs typeface="+mn-cs"/>
+              </a:rPr>
+              <a:t> шаблонизации</a:t>
+            </a:r>
+            <a:r>
+              <a:rPr lang="ru-RU" sz="1200" kern="1200" dirty="0" smtClean="0">
+                <a:solidFill>
+                  <a:schemeClr val="tx1"/>
+                </a:solidFill>
+                <a:effectLst/>
+                <a:latin typeface="+mn-lt"/>
+                <a:ea typeface="+mn-ea"/>
+                <a:cs typeface="+mn-cs"/>
+              </a:rPr>
+              <a:t>.  </a:t>
             </a:r>
           </a:p>
           <a:p>
@@ -7586,19 +7658,7 @@
                 <a:ea typeface="+mn-ea"/>
                 <a:cs typeface="+mn-cs"/>
               </a:rPr>
-              <a:t> свою </a:t>
-            </a:r>
-            <a:r>
-              <a:rPr lang="ru-RU" sz="1200" kern="1200" baseline="0" dirty="0" smtClean="0">
-                <a:solidFill>
-                  <a:schemeClr val="tx1"/>
-                </a:solidFill>
-                <a:effectLst/>
-                <a:latin typeface="+mn-lt"/>
-                <a:ea typeface="+mn-ea"/>
-                <a:cs typeface="+mn-cs"/>
-              </a:rPr>
-              <a:t>очередь</a:t>
+              <a:t> свою очередь</a:t>
             </a:r>
             <a:r>
               <a:rPr lang="ru-RU" sz="1200" kern="1200" dirty="0" smtClean="0">
@@ -7610,19 +7670,7 @@
                 <a:ea typeface="+mn-ea"/>
                 <a:cs typeface="+mn-cs"/>
               </a:rPr>
-              <a:t> </a:t>
-            </a:r>
-            <a:r>
-              <a:rPr lang="ru-RU" sz="1200" kern="1200" dirty="0" smtClean="0">
-                <a:solidFill>
-                  <a:schemeClr val="tx1"/>
-                </a:solidFill>
-                <a:effectLst/>
-                <a:latin typeface="+mn-lt"/>
-                <a:ea typeface="+mn-ea"/>
-                <a:cs typeface="+mn-cs"/>
-              </a:rPr>
-              <a:t>понижает их показатель удобства в эксплуатации пользователями не технических</a:t>
+              <a:t> понижает их показатель удобства в эксплуатации пользователями не технических</a:t>
             </a:r>
             <a:r>
               <a:rPr lang="ru-RU" sz="1200" kern="1200" baseline="0" dirty="0" smtClean="0">
@@ -8034,7 +8082,7 @@
                 <a:ea typeface="+mn-ea"/>
                 <a:cs typeface="+mn-cs"/>
               </a:rPr>
-              <a:t>2. Присутствие механизм автоматического управления памятью, также известного как сборщик мусора,</a:t>
+              <a:t>2. Присутствие механизма автоматического управления памятью, также известного как сборщик мусора,</a:t>
             </a:r>
             <a:r>
               <a:rPr lang="ru-RU" sz="1200" kern="1200" baseline="0" dirty="0" smtClean="0">
@@ -8330,7 +8378,31 @@
                 <a:ea typeface="+mn-ea"/>
                 <a:cs typeface="+mn-cs"/>
               </a:rPr>
-              <a:t>Такой подход к исполнению программы в несколько раз медленнее по сравнению с компилируемым аналогом.</a:t>
+              <a:t>Такой подход к исполнению программы на</a:t>
+            </a:r>
+            <a:r>
+              <a:rPr lang="ru-RU" sz="1200" kern="1200" baseline="0" dirty="0" smtClean="0">
+                <a:solidFill>
+                  <a:schemeClr val="tx1"/>
+                </a:solidFill>
+                <a:effectLst/>
+                <a:latin typeface="+mn-lt"/>
+                <a:ea typeface="+mn-ea"/>
+                <a:cs typeface="+mn-cs"/>
+              </a:rPr>
+              <a:t> порядок</a:t>
+            </a:r>
+            <a:r>
+              <a:rPr lang="ru-RU" sz="1200" kern="1200" dirty="0" smtClean="0">
+                <a:solidFill>
+                  <a:schemeClr val="tx1"/>
+                </a:solidFill>
+                <a:effectLst/>
+                <a:latin typeface="+mn-lt"/>
+                <a:ea typeface="+mn-ea"/>
+                <a:cs typeface="+mn-cs"/>
+              </a:rPr>
+              <a:t> медленнее по сравнению с компилируемым аналогом.</a:t>
             </a:r>
             <a:endParaRPr lang="en-US" sz="1200" kern="1200" dirty="0" smtClean="0">
               <a:solidFill>
@@ -8581,7 +8653,31 @@
                 <a:ea typeface="+mn-ea"/>
                 <a:cs typeface="+mn-cs"/>
               </a:rPr>
-              <a:t>Реализация кеширования шаблонов с применением вытесняющих алгоритмов, таких</a:t>
+              <a:t>Реализация кеширования обработанных</a:t>
+            </a:r>
+            <a:r>
+              <a:rPr lang="ru-RU" sz="1200" kern="1200" baseline="0" dirty="0" smtClean="0">
+                <a:solidFill>
+                  <a:schemeClr val="tx1"/>
+                </a:solidFill>
+                <a:effectLst/>
+                <a:latin typeface="+mn-lt"/>
+                <a:ea typeface="+mn-ea"/>
+                <a:cs typeface="+mn-cs"/>
+              </a:rPr>
+              <a:t> </a:t>
+            </a:r>
+            <a:r>
+              <a:rPr lang="ru-RU" sz="1200" kern="1200" dirty="0" smtClean="0">
+                <a:solidFill>
+                  <a:schemeClr val="tx1"/>
+                </a:solidFill>
+                <a:effectLst/>
+                <a:latin typeface="+mn-lt"/>
+                <a:ea typeface="+mn-ea"/>
+                <a:cs typeface="+mn-cs"/>
+              </a:rPr>
+              <a:t>шаблонов с применением вытесняющих алгоритмов, таких</a:t>
             </a:r>
             <a:r>
               <a:rPr lang="ru-RU" sz="1200" kern="1200" baseline="0" dirty="0" smtClean="0">
@@ -8689,7 +8785,7 @@
                 <a:ea typeface="+mn-ea"/>
                 <a:cs typeface="+mn-cs"/>
               </a:rPr>
-              <a:t> и повышения удобства эксплуатации продукта, </a:t>
+              <a:t> и повышения удобства эксплуатации продукта, было принято решение реализовать</a:t>
             </a:r>
             <a:r>
               <a:rPr lang="ru-RU" sz="1200" kern="1200" dirty="0" smtClean="0">
@@ -8701,7 +8797,31 @@
                 <a:ea typeface="+mn-ea"/>
                 <a:cs typeface="+mn-cs"/>
               </a:rPr>
-              <a:t>Реализация системы веб-шаблонов как веб-сервис, который может параллельно и асинхронно обрабатывать большое количество запросов на построение веб-документов или на управление шаблонами.</a:t>
+              <a:t> систему веб-шаблонов в</a:t>
+            </a:r>
+            <a:r>
+              <a:rPr lang="ru-RU" sz="1200" kern="1200" baseline="0" dirty="0" smtClean="0">
+                <a:solidFill>
+                  <a:schemeClr val="tx1"/>
+                </a:solidFill>
+                <a:effectLst/>
+                <a:latin typeface="+mn-lt"/>
+                <a:ea typeface="+mn-ea"/>
+                <a:cs typeface="+mn-cs"/>
+              </a:rPr>
+              <a:t> виде</a:t>
+            </a:r>
+            <a:r>
+              <a:rPr lang="ru-RU" sz="1200" kern="1200" dirty="0" smtClean="0">
+                <a:solidFill>
+                  <a:schemeClr val="tx1"/>
+                </a:solidFill>
+                <a:effectLst/>
+                <a:latin typeface="+mn-lt"/>
+                <a:ea typeface="+mn-ea"/>
+                <a:cs typeface="+mn-cs"/>
+              </a:rPr>
+              <a:t> веб-сервиса, который может параллельно и асинхронно обрабатывать большое количество запросов на построение веб-документов или на управление шаблонами.</a:t>
             </a:r>
             <a:endParaRPr lang="en-US" sz="1200" kern="1200" dirty="0" smtClean="0">
               <a:solidFill>
@@ -9289,7 +9409,7 @@
                 <a:ea typeface="+mn-ea"/>
                 <a:cs typeface="+mn-cs"/>
               </a:rPr>
-              <a:t>Для реализации ранее описанного веб-сервиса построения веб-документов были использованы следующие технологии:</a:t>
+              <a:t>Для реализации ранее описанного веб-сервиса были использованы следующие технологии:</a:t>
             </a:r>
             <a:endParaRPr lang="en-US" sz="1200" kern="1200" dirty="0" smtClean="0">
               <a:solidFill>
@@ -9756,7 +9876,7 @@
           <a:p>
             <a:fld id="{8A5229FB-8832-4A27-994F-F3EDC38C3527}" type="datetimeFigureOut">
               <a:rPr lang="en-US" smtClean="0"/>
-              <a:t>6/21/2020</a:t>
+              <a:t>6/22/2020</a:t>
             </a:fld>
             <a:endParaRPr lang="en-US" dirty="0"/>
           </a:p>
@@ -9926,7 +10046,7 @@
           <a:p>
             <a:fld id="{8A5229FB-8832-4A27-994F-F3EDC38C3527}" type="datetimeFigureOut">
               <a:rPr lang="en-US" smtClean="0"/>
-              <a:t>6/21/2020</a:t>
+              <a:t>6/22/2020</a:t>
             </a:fld>
             <a:endParaRPr lang="en-US" dirty="0"/>
           </a:p>
@@ -10106,7 +10226,7 @@
           <a:p>
             <a:fld id="{8A5229FB-8832-4A27-994F-F3EDC38C3527}" type="datetimeFigureOut">
               <a:rPr lang="en-US" smtClean="0"/>
-              <a:t>6/21/2020</a:t>
+              <a:t>6/22/2020</a:t>
             </a:fld>
             <a:endParaRPr lang="en-US" dirty="0"/>
           </a:p>
@@ -10276,7 +10396,7 @@
           <a:p>
             <a:fld id="{8A5229FB-8832-4A27-994F-F3EDC38C3527}" type="datetimeFigureOut">
               <a:rPr lang="en-US" smtClean="0"/>
-              <a:t>6/21/2020</a:t>
+              <a:t>6/22/2020</a:t>
             </a:fld>
             <a:endParaRPr lang="en-US" dirty="0"/>
           </a:p>
@@ -10522,7 +10642,7 @@
           <a:p>
             <a:fld id="{8A5229FB-8832-4A27-994F-F3EDC38C3527}" type="datetimeFigureOut">
               <a:rPr lang="en-US" smtClean="0"/>
-              <a:t>6/21/2020</a:t>
+              <a:t>6/22/2020</a:t>
             </a:fld>
             <a:endParaRPr lang="en-US" dirty="0"/>
           </a:p>
@@ -10754,7 +10874,7 @@
           <a:p>
             <a:fld id="{8A5229FB-8832-4A27-994F-F3EDC38C3527}" type="datetimeFigureOut">
               <a:rPr lang="en-US" smtClean="0"/>
-              <a:t>6/21/2020</a:t>
+              <a:t>6/22/2020</a:t>
             </a:fld>
             <a:endParaRPr lang="en-US" dirty="0"/>
           </a:p>
@@ -11121,7 +11241,7 @@
           <a:p>
             <a:fld id="{8A5229FB-8832-4A27-994F-F3EDC38C3527}" type="datetimeFigureOut">
               <a:rPr lang="en-US" smtClean="0"/>
-              <a:t>6/21/2020</a:t>
+              <a:t>6/22/2020</a:t>
             </a:fld>
             <a:endParaRPr lang="en-US" dirty="0"/>
           </a:p>
@@ -11239,7 +11359,7 @@
           <a:p>
             <a:fld id="{8A5229FB-8832-4A27-994F-F3EDC38C3527}" type="datetimeFigureOut">
               <a:rPr lang="en-US" smtClean="0"/>
-              <a:t>6/21/2020</a:t>
+              <a:t>6/22/2020</a:t>
             </a:fld>
             <a:endParaRPr lang="en-US" dirty="0"/>
           </a:p>
@@ -11334,7 +11454,7 @@
           <a:p>
             <a:fld id="{8A5229FB-8832-4A27-994F-F3EDC38C3527}" type="datetimeFigureOut">
               <a:rPr lang="en-US" smtClean="0"/>
-              <a:t>6/21/2020</a:t>
+              <a:t>6/22/2020</a:t>
             </a:fld>
             <a:endParaRPr lang="en-US" dirty="0"/>
           </a:p>
@@ -11611,7 +11731,7 @@
           <a:p>
             <a:fld id="{8A5229FB-8832-4A27-994F-F3EDC38C3527}" type="datetimeFigureOut">
               <a:rPr lang="en-US" smtClean="0"/>
-              <a:t>6/21/2020</a:t>
+              <a:t>6/22/2020</a:t>
             </a:fld>
             <a:endParaRPr lang="en-US" dirty="0"/>
           </a:p>
@@ -11864,7 +11984,7 @@
           <a:p>
             <a:fld id="{8A5229FB-8832-4A27-994F-F3EDC38C3527}" type="datetimeFigureOut">
               <a:rPr lang="en-US" smtClean="0"/>
-              <a:t>6/21/2020</a:t>
+              <a:t>6/22/2020</a:t>
             </a:fld>
             <a:endParaRPr lang="en-US" dirty="0"/>
           </a:p>
@@ -12077,7 +12197,7 @@
           <a:p>
             <a:fld id="{8A5229FB-8832-4A27-994F-F3EDC38C3527}" type="datetimeFigureOut">
               <a:rPr lang="en-US" smtClean="0"/>
-              <a:t>6/21/2020</a:t>
+              <a:t>6/22/2020</a:t>
             </a:fld>
             <a:endParaRPr lang="en-US" dirty="0"/>
           </a:p>

--- a/docs/Презентация ВКР.pptx
+++ b/docs/Презентация ВКР.pptx
@@ -6351,7 +6351,7 @@
           <a:p>
             <a:fld id="{866795EF-B5F3-41B8-8955-C946C1B25F38}" type="datetimeFigureOut">
               <a:rPr lang="en-US" smtClean="0"/>
-              <a:t>6/22/2020</a:t>
+              <a:t>6/23/2020</a:t>
             </a:fld>
             <a:endParaRPr lang="en-US" dirty="0"/>
           </a:p>
@@ -6690,31 +6690,7 @@
                 <a:ea typeface="+mn-ea"/>
                 <a:cs typeface="+mn-cs"/>
               </a:rPr>
-              <a:t>Здравствуйте уважаемые члены </a:t>
-            </a:r>
-            <a:r>
-              <a:rPr lang="ru-RU" sz="1200" kern="1200" dirty="0" smtClean="0">
-                <a:solidFill>
-                  <a:schemeClr val="tx1"/>
-                </a:solidFill>
-                <a:effectLst/>
-                <a:latin typeface="+mn-lt"/>
-                <a:ea typeface="+mn-ea"/>
-                <a:cs typeface="+mn-cs"/>
-              </a:rPr>
-              <a:t>комиссии</a:t>
-            </a:r>
-            <a:r>
-              <a:rPr lang="ru-RU" sz="1200" kern="1200" dirty="0" smtClean="0">
-                <a:solidFill>
-                  <a:schemeClr val="tx1"/>
-                </a:solidFill>
-                <a:effectLst/>
-                <a:latin typeface="+mn-lt"/>
-                <a:ea typeface="+mn-ea"/>
-                <a:cs typeface="+mn-cs"/>
-              </a:rPr>
-              <a:t>, меня зовут Махмудов </a:t>
+              <a:t>Здравствуйте уважаемые члены комиссии, меня зовут Махмудов </a:t>
             </a:r>
             <a:r>
               <a:rPr lang="ru-RU" sz="1200" kern="1200" dirty="0" err="1" smtClean="0">
@@ -7235,7 +7211,7 @@
                 <a:ea typeface="+mn-ea"/>
                 <a:cs typeface="+mn-cs"/>
               </a:rPr>
-              <a:t>Нагрузка, которая фиксировалась на сервере во время проведения теста показана на слайде №12. По нему видно, что оба ядра процессора нагружены только на 50%, т.е., не смотря на большое количество одновременных запросов, такая рода нагрузка находится в допустимых пределах для разработанной системы веб-шаблонов.</a:t>
+              <a:t>Нагрузка, которая фиксировалась на сервере во время проведения теста показана на слайде №12. По нему видно, что оба ядра процессора нагружены только на 50%, т.е., не смотря на большое количество одновременных запросов, такого рода нагрузка находится в допустимых пределах для разработанной системы веб-шаблонов.</a:t>
             </a:r>
             <a:endParaRPr lang="en-US" sz="1200" kern="1200" dirty="0" smtClean="0">
               <a:solidFill>
@@ -7359,19 +7335,7 @@
                 <a:ea typeface="+mn-ea"/>
                 <a:cs typeface="+mn-cs"/>
               </a:rPr>
-              <a:t>В заключении можно сказать что все поставленные цели были достигнуты: были проанализированы проблемы низкой </a:t>
-            </a:r>
-            <a:r>
-              <a:rPr lang="ru-RU" sz="1200" kern="1200" dirty="0" smtClean="0">
-                <a:solidFill>
-                  <a:schemeClr val="tx1"/>
-                </a:solidFill>
-                <a:effectLst/>
-                <a:latin typeface="+mn-lt"/>
-                <a:ea typeface="+mn-ea"/>
-                <a:cs typeface="+mn-cs"/>
-              </a:rPr>
-              <a:t>производительности</a:t>
+              <a:t>В заключении можно сказать что все поставленные цели были достигнуты: были проанализированы проблемы низкой производительности</a:t>
             </a:r>
             <a:r>
               <a:rPr lang="en-US" sz="1200" kern="1200" dirty="0" smtClean="0">
@@ -7818,7 +7782,7 @@
                 <a:ea typeface="+mn-ea"/>
                 <a:cs typeface="+mn-cs"/>
               </a:rPr>
-              <a:t>Цель, объект, предмет и задачи исследования представлены на слайде №3. Основной целью работы был анализ основных факторов негативно сказывающихся на производительности систем веб-шаблонов, поиск способов их устранения и дальнейшая разработка высокопроизводительной системы веб-шаблонов с применение данных подходов. Основные проблемы производительности выявленные в ходе исследования показаны на следующем слайде. </a:t>
+              <a:t>Цель, объект, предмет и задачи исследования представлены на слайде №3. Главной целью работы был анализ основных факторов негативно сказывающихся на производительности систем веб-шаблонов, поиск способов их устранения и дальнейшая разработка высокопроизводительной системы веб-шаблонов с применение данных подходов. Основные проблемы производительности выявленные в ходе исследования показаны на следующем слайде. </a:t>
             </a:r>
             <a:endParaRPr lang="en-US" sz="1200" kern="1200" dirty="0" smtClean="0">
               <a:solidFill>
@@ -8308,7 +8272,7 @@
                 <a:ea typeface="+mn-ea"/>
                 <a:cs typeface="+mn-cs"/>
               </a:rPr>
-              <a:t>При компиляции, компилятор обрабатывает исходный код и производит оптимизированный машинный бинарный код под целевую архитектуру ЭВМ.</a:t>
+              <a:t>При компиляции, компилятор обрабатывает исходный код и производит оптимизированный машинный код под целевую архитектуру ЭВМ.</a:t>
             </a:r>
             <a:endParaRPr lang="en-US" sz="1200" kern="1200" dirty="0" smtClean="0">
               <a:solidFill>
@@ -8928,7 +8892,31 @@
                 <a:ea typeface="+mn-ea"/>
                 <a:cs typeface="+mn-cs"/>
               </a:rPr>
-              <a:t>Практическая часть работы посвящена проектированию и разработке ранее упомянутого веб-сервиса по построению веб-документов.</a:t>
+              <a:t>Практическая часть работы посвящена проектированию и разработке ранее упомянутого веб-сервиса</a:t>
+            </a:r>
+            <a:r>
+              <a:rPr lang="ru-RU" sz="1200" kern="1200" baseline="0" dirty="0" smtClean="0">
+                <a:solidFill>
+                  <a:schemeClr val="tx1"/>
+                </a:solidFill>
+                <a:effectLst/>
+                <a:latin typeface="+mn-lt"/>
+                <a:ea typeface="+mn-ea"/>
+                <a:cs typeface="+mn-cs"/>
+              </a:rPr>
+              <a:t> шаблонизации</a:t>
+            </a:r>
+            <a:r>
+              <a:rPr lang="ru-RU" sz="1200" kern="1200" dirty="0" smtClean="0">
+                <a:solidFill>
+                  <a:schemeClr val="tx1"/>
+                </a:solidFill>
+                <a:effectLst/>
+                <a:latin typeface="+mn-lt"/>
+                <a:ea typeface="+mn-ea"/>
+                <a:cs typeface="+mn-cs"/>
+              </a:rPr>
+              <a:t>.</a:t>
             </a:r>
             <a:endParaRPr lang="en-US" sz="1200" kern="1200" dirty="0" smtClean="0">
               <a:solidFill>
@@ -9876,7 +9864,7 @@
           <a:p>
             <a:fld id="{8A5229FB-8832-4A27-994F-F3EDC38C3527}" type="datetimeFigureOut">
               <a:rPr lang="en-US" smtClean="0"/>
-              <a:t>6/22/2020</a:t>
+              <a:t>6/23/2020</a:t>
             </a:fld>
             <a:endParaRPr lang="en-US" dirty="0"/>
           </a:p>
@@ -10046,7 +10034,7 @@
           <a:p>
             <a:fld id="{8A5229FB-8832-4A27-994F-F3EDC38C3527}" type="datetimeFigureOut">
               <a:rPr lang="en-US" smtClean="0"/>
-              <a:t>6/22/2020</a:t>
+              <a:t>6/23/2020</a:t>
             </a:fld>
             <a:endParaRPr lang="en-US" dirty="0"/>
           </a:p>
@@ -10226,7 +10214,7 @@
           <a:p>
             <a:fld id="{8A5229FB-8832-4A27-994F-F3EDC38C3527}" type="datetimeFigureOut">
               <a:rPr lang="en-US" smtClean="0"/>
-              <a:t>6/22/2020</a:t>
+              <a:t>6/23/2020</a:t>
             </a:fld>
             <a:endParaRPr lang="en-US" dirty="0"/>
           </a:p>
@@ -10396,7 +10384,7 @@
           <a:p>
             <a:fld id="{8A5229FB-8832-4A27-994F-F3EDC38C3527}" type="datetimeFigureOut">
               <a:rPr lang="en-US" smtClean="0"/>
-              <a:t>6/22/2020</a:t>
+              <a:t>6/23/2020</a:t>
             </a:fld>
             <a:endParaRPr lang="en-US" dirty="0"/>
           </a:p>
@@ -10642,7 +10630,7 @@
           <a:p>
             <a:fld id="{8A5229FB-8832-4A27-994F-F3EDC38C3527}" type="datetimeFigureOut">
               <a:rPr lang="en-US" smtClean="0"/>
-              <a:t>6/22/2020</a:t>
+              <a:t>6/23/2020</a:t>
             </a:fld>
             <a:endParaRPr lang="en-US" dirty="0"/>
           </a:p>
@@ -10874,7 +10862,7 @@
           <a:p>
             <a:fld id="{8A5229FB-8832-4A27-994F-F3EDC38C3527}" type="datetimeFigureOut">
               <a:rPr lang="en-US" smtClean="0"/>
-              <a:t>6/22/2020</a:t>
+              <a:t>6/23/2020</a:t>
             </a:fld>
             <a:endParaRPr lang="en-US" dirty="0"/>
           </a:p>
@@ -11241,7 +11229,7 @@
           <a:p>
             <a:fld id="{8A5229FB-8832-4A27-994F-F3EDC38C3527}" type="datetimeFigureOut">
               <a:rPr lang="en-US" smtClean="0"/>
-              <a:t>6/22/2020</a:t>
+              <a:t>6/23/2020</a:t>
             </a:fld>
             <a:endParaRPr lang="en-US" dirty="0"/>
           </a:p>
@@ -11359,7 +11347,7 @@
           <a:p>
             <a:fld id="{8A5229FB-8832-4A27-994F-F3EDC38C3527}" type="datetimeFigureOut">
               <a:rPr lang="en-US" smtClean="0"/>
-              <a:t>6/22/2020</a:t>
+              <a:t>6/23/2020</a:t>
             </a:fld>
             <a:endParaRPr lang="en-US" dirty="0"/>
           </a:p>
@@ -11454,7 +11442,7 @@
           <a:p>
             <a:fld id="{8A5229FB-8832-4A27-994F-F3EDC38C3527}" type="datetimeFigureOut">
               <a:rPr lang="en-US" smtClean="0"/>
-              <a:t>6/22/2020</a:t>
+              <a:t>6/23/2020</a:t>
             </a:fld>
             <a:endParaRPr lang="en-US" dirty="0"/>
           </a:p>
@@ -11731,7 +11719,7 @@
           <a:p>
             <a:fld id="{8A5229FB-8832-4A27-994F-F3EDC38C3527}" type="datetimeFigureOut">
               <a:rPr lang="en-US" smtClean="0"/>
-              <a:t>6/22/2020</a:t>
+              <a:t>6/23/2020</a:t>
             </a:fld>
             <a:endParaRPr lang="en-US" dirty="0"/>
           </a:p>
@@ -11984,7 +11972,7 @@
           <a:p>
             <a:fld id="{8A5229FB-8832-4A27-994F-F3EDC38C3527}" type="datetimeFigureOut">
               <a:rPr lang="en-US" smtClean="0"/>
-              <a:t>6/22/2020</a:t>
+              <a:t>6/23/2020</a:t>
             </a:fld>
             <a:endParaRPr lang="en-US" dirty="0"/>
           </a:p>
@@ -12197,7 +12185,7 @@
           <a:p>
             <a:fld id="{8A5229FB-8832-4A27-994F-F3EDC38C3527}" type="datetimeFigureOut">
               <a:rPr lang="en-US" smtClean="0"/>
-              <a:t>6/22/2020</a:t>
+              <a:t>6/23/2020</a:t>
             </a:fld>
             <a:endParaRPr lang="en-US" dirty="0"/>
           </a:p>
@@ -14596,8 +14584,26 @@
                 <a:latin typeface="Courier New" panose="02070309020205020404" pitchFamily="49" charset="0"/>
                 <a:cs typeface="Courier New" panose="02070309020205020404" pitchFamily="49" charset="0"/>
               </a:rPr>
-              <a:t>кеширования</a:t>
-            </a:r>
+              <a:t>к</a:t>
+            </a:r>
+            <a:r>
+              <a:rPr lang="ru-RU" sz="2800" b="1" dirty="0">
+                <a:latin typeface="Courier New" panose="02070309020205020404" pitchFamily="49" charset="0"/>
+                <a:cs typeface="Courier New" panose="02070309020205020404" pitchFamily="49" charset="0"/>
+              </a:rPr>
+              <a:t>э</a:t>
+            </a:r>
+            <a:r>
+              <a:rPr lang="ru-RU" sz="2800" b="1" dirty="0" smtClean="0">
+                <a:latin typeface="Courier New" panose="02070309020205020404" pitchFamily="49" charset="0"/>
+                <a:cs typeface="Courier New" panose="02070309020205020404" pitchFamily="49" charset="0"/>
+              </a:rPr>
+              <a:t>ширования</a:t>
+            </a:r>
+            <a:endParaRPr lang="ru-RU" sz="2800" b="1" dirty="0" smtClean="0">
+              <a:latin typeface="Courier New" panose="02070309020205020404" pitchFamily="49" charset="0"/>
+              <a:cs typeface="Courier New" panose="02070309020205020404" pitchFamily="49" charset="0"/>
+            </a:endParaRPr>
           </a:p>
           <a:p>
             <a:pPr marL="342900" indent="-342900">
@@ -15213,7 +15219,21 @@
                 <a:latin typeface="Courier New" panose="02070309020205020404" pitchFamily="49" charset="0"/>
                 <a:cs typeface="Courier New" panose="02070309020205020404" pitchFamily="49" charset="0"/>
               </a:rPr>
-              <a:t>Использование кеширования алгоритмом </a:t>
+              <a:t>Использование </a:t>
+            </a:r>
+            <a:r>
+              <a:rPr lang="ru-RU" sz="2400" dirty="0" smtClean="0">
+                <a:latin typeface="Courier New" panose="02070309020205020404" pitchFamily="49" charset="0"/>
+                <a:cs typeface="Courier New" panose="02070309020205020404" pitchFamily="49" charset="0"/>
+              </a:rPr>
+              <a:t>кэширования </a:t>
+            </a:r>
+            <a:r>
+              <a:rPr lang="ru-RU" sz="2400" dirty="0" smtClean="0">
+                <a:latin typeface="Courier New" panose="02070309020205020404" pitchFamily="49" charset="0"/>
+                <a:cs typeface="Courier New" panose="02070309020205020404" pitchFamily="49" charset="0"/>
+              </a:rPr>
+              <a:t>алгоритмом </a:t>
             </a:r>
             <a:r>
               <a:rPr lang="en-US" sz="2400" b="1" dirty="0" smtClean="0">
